--- a/presentation/Presentation.pptx
+++ b/presentation/Presentation.pptx
@@ -4,24 +4,34 @@
   <p:sldMasterIdLst>
     <p:sldMasterId id="2147483696" r:id="rId1"/>
   </p:sldMasterIdLst>
+  <p:notesMasterIdLst>
+    <p:notesMasterId r:id="rId26"/>
+  </p:notesMasterIdLst>
   <p:sldIdLst>
     <p:sldId id="256" r:id="rId2"/>
     <p:sldId id="257" r:id="rId3"/>
     <p:sldId id="263" r:id="rId4"/>
-    <p:sldId id="258" r:id="rId5"/>
-    <p:sldId id="259" r:id="rId6"/>
-    <p:sldId id="260" r:id="rId7"/>
-    <p:sldId id="261" r:id="rId8"/>
-    <p:sldId id="262" r:id="rId9"/>
-    <p:sldId id="264" r:id="rId10"/>
-    <p:sldId id="265" r:id="rId11"/>
-    <p:sldId id="267" r:id="rId12"/>
-    <p:sldId id="268" r:id="rId13"/>
-    <p:sldId id="266" r:id="rId14"/>
-    <p:sldId id="269" r:id="rId15"/>
-    <p:sldId id="270" r:id="rId16"/>
-    <p:sldId id="271" r:id="rId17"/>
-    <p:sldId id="272" r:id="rId18"/>
+    <p:sldId id="276" r:id="rId5"/>
+    <p:sldId id="278" r:id="rId6"/>
+    <p:sldId id="258" r:id="rId7"/>
+    <p:sldId id="259" r:id="rId8"/>
+    <p:sldId id="260" r:id="rId9"/>
+    <p:sldId id="261" r:id="rId10"/>
+    <p:sldId id="262" r:id="rId11"/>
+    <p:sldId id="264" r:id="rId12"/>
+    <p:sldId id="265" r:id="rId13"/>
+    <p:sldId id="267" r:id="rId14"/>
+    <p:sldId id="273" r:id="rId15"/>
+    <p:sldId id="268" r:id="rId16"/>
+    <p:sldId id="274" r:id="rId17"/>
+    <p:sldId id="279" r:id="rId18"/>
+    <p:sldId id="280" r:id="rId19"/>
+    <p:sldId id="266" r:id="rId20"/>
+    <p:sldId id="269" r:id="rId21"/>
+    <p:sldId id="270" r:id="rId22"/>
+    <p:sldId id="271" r:id="rId23"/>
+    <p:sldId id="272" r:id="rId24"/>
+    <p:sldId id="275" r:id="rId25"/>
   </p:sldIdLst>
   <p:sldSz cx="9144000" cy="6858000" type="screen4x3"/>
   <p:notesSz cx="6858000" cy="9144000"/>
@@ -123,6 +133,1531 @@
 </p:presentation>
 </file>
 
+<file path=ppt/notesMasters/notesMaster1.xml><?xml version="1.0" encoding="utf-8"?>
+<p:notesMaster xmlns:a="http://schemas.openxmlformats.org/drawingml/2006/main" xmlns:r="http://schemas.openxmlformats.org/officeDocument/2006/relationships" xmlns:p="http://schemas.openxmlformats.org/presentationml/2006/main">
+  <p:cSld>
+    <p:bg>
+      <p:bgRef idx="1001">
+        <a:schemeClr val="bg1"/>
+      </p:bgRef>
+    </p:bg>
+    <p:spTree>
+      <p:nvGrpSpPr>
+        <p:cNvPr id="1" name=""/>
+        <p:cNvGrpSpPr/>
+        <p:nvPr/>
+      </p:nvGrpSpPr>
+      <p:grpSpPr>
+        <a:xfrm>
+          <a:off x="0" y="0"/>
+          <a:ext cx="0" cy="0"/>
+          <a:chOff x="0" y="0"/>
+          <a:chExt cx="0" cy="0"/>
+        </a:xfrm>
+      </p:grpSpPr>
+      <p:sp>
+        <p:nvSpPr>
+          <p:cNvPr id="2" name="Kopfzeilenplatzhalter 1"/>
+          <p:cNvSpPr>
+            <a:spLocks noGrp="1"/>
+          </p:cNvSpPr>
+          <p:nvPr>
+            <p:ph type="hdr" sz="quarter"/>
+          </p:nvPr>
+        </p:nvSpPr>
+        <p:spPr>
+          <a:xfrm>
+            <a:off x="0" y="0"/>
+            <a:ext cx="2971800" cy="457200"/>
+          </a:xfrm>
+          <a:prstGeom prst="rect">
+            <a:avLst/>
+          </a:prstGeom>
+        </p:spPr>
+        <p:txBody>
+          <a:bodyPr vert="horz" lIns="91440" tIns="45720" rIns="91440" bIns="45720" rtlCol="0"/>
+          <a:lstStyle>
+            <a:lvl1pPr algn="l">
+              <a:defRPr sz="1200"/>
+            </a:lvl1pPr>
+          </a:lstStyle>
+          <a:p>
+            <a:endParaRPr lang="de-CH"/>
+          </a:p>
+        </p:txBody>
+      </p:sp>
+      <p:sp>
+        <p:nvSpPr>
+          <p:cNvPr id="3" name="Datumsplatzhalter 2"/>
+          <p:cNvSpPr>
+            <a:spLocks noGrp="1"/>
+          </p:cNvSpPr>
+          <p:nvPr>
+            <p:ph type="dt" idx="1"/>
+          </p:nvPr>
+        </p:nvSpPr>
+        <p:spPr>
+          <a:xfrm>
+            <a:off x="3884613" y="0"/>
+            <a:ext cx="2971800" cy="457200"/>
+          </a:xfrm>
+          <a:prstGeom prst="rect">
+            <a:avLst/>
+          </a:prstGeom>
+        </p:spPr>
+        <p:txBody>
+          <a:bodyPr vert="horz" lIns="91440" tIns="45720" rIns="91440" bIns="45720" rtlCol="0"/>
+          <a:lstStyle>
+            <a:lvl1pPr algn="r">
+              <a:defRPr sz="1200"/>
+            </a:lvl1pPr>
+          </a:lstStyle>
+          <a:p>
+            <a:fld id="{07362B95-C662-41FF-9568-06DA4A6A60C9}" type="datetimeFigureOut">
+              <a:rPr lang="de-CH" smtClean="0"/>
+              <a:t>17.12.2012</a:t>
+            </a:fld>
+            <a:endParaRPr lang="de-CH"/>
+          </a:p>
+        </p:txBody>
+      </p:sp>
+      <p:sp>
+        <p:nvSpPr>
+          <p:cNvPr id="4" name="Folienbildplatzhalter 3"/>
+          <p:cNvSpPr>
+            <a:spLocks noGrp="1" noRot="1" noChangeAspect="1"/>
+          </p:cNvSpPr>
+          <p:nvPr>
+            <p:ph type="sldImg" idx="2"/>
+          </p:nvPr>
+        </p:nvSpPr>
+        <p:spPr>
+          <a:xfrm>
+            <a:off x="1143000" y="685800"/>
+            <a:ext cx="4572000" cy="3429000"/>
+          </a:xfrm>
+          <a:prstGeom prst="rect">
+            <a:avLst/>
+          </a:prstGeom>
+          <a:noFill/>
+          <a:ln w="12700">
+            <a:solidFill>
+              <a:prstClr val="black"/>
+            </a:solidFill>
+          </a:ln>
+        </p:spPr>
+        <p:txBody>
+          <a:bodyPr vert="horz" lIns="91440" tIns="45720" rIns="91440" bIns="45720" rtlCol="0" anchor="ctr"/>
+          <a:lstStyle/>
+          <a:p>
+            <a:endParaRPr lang="de-CH"/>
+          </a:p>
+        </p:txBody>
+      </p:sp>
+      <p:sp>
+        <p:nvSpPr>
+          <p:cNvPr id="5" name="Notizenplatzhalter 4"/>
+          <p:cNvSpPr>
+            <a:spLocks noGrp="1"/>
+          </p:cNvSpPr>
+          <p:nvPr>
+            <p:ph type="body" sz="quarter" idx="3"/>
+          </p:nvPr>
+        </p:nvSpPr>
+        <p:spPr>
+          <a:xfrm>
+            <a:off x="685800" y="4343400"/>
+            <a:ext cx="5486400" cy="4114800"/>
+          </a:xfrm>
+          <a:prstGeom prst="rect">
+            <a:avLst/>
+          </a:prstGeom>
+        </p:spPr>
+        <p:txBody>
+          <a:bodyPr vert="horz" lIns="91440" tIns="45720" rIns="91440" bIns="45720" rtlCol="0">
+            <a:normAutofit/>
+          </a:bodyPr>
+          <a:lstStyle/>
+          <a:p>
+            <a:pPr lvl="0"/>
+            <a:r>
+              <a:rPr lang="de-DE" smtClean="0"/>
+              <a:t>Textmasterformate durch Klicken bearbeiten</a:t>
+            </a:r>
+          </a:p>
+          <a:p>
+            <a:pPr lvl="1"/>
+            <a:r>
+              <a:rPr lang="de-DE" smtClean="0"/>
+              <a:t>Zweite Ebene</a:t>
+            </a:r>
+          </a:p>
+          <a:p>
+            <a:pPr lvl="2"/>
+            <a:r>
+              <a:rPr lang="de-DE" smtClean="0"/>
+              <a:t>Dritte Ebene</a:t>
+            </a:r>
+          </a:p>
+          <a:p>
+            <a:pPr lvl="3"/>
+            <a:r>
+              <a:rPr lang="de-DE" smtClean="0"/>
+              <a:t>Vierte Ebene</a:t>
+            </a:r>
+          </a:p>
+          <a:p>
+            <a:pPr lvl="4"/>
+            <a:r>
+              <a:rPr lang="de-DE" smtClean="0"/>
+              <a:t>Fünfte Ebene</a:t>
+            </a:r>
+            <a:endParaRPr lang="de-CH"/>
+          </a:p>
+        </p:txBody>
+      </p:sp>
+      <p:sp>
+        <p:nvSpPr>
+          <p:cNvPr id="6" name="Fußzeilenplatzhalter 5"/>
+          <p:cNvSpPr>
+            <a:spLocks noGrp="1"/>
+          </p:cNvSpPr>
+          <p:nvPr>
+            <p:ph type="ftr" sz="quarter" idx="4"/>
+          </p:nvPr>
+        </p:nvSpPr>
+        <p:spPr>
+          <a:xfrm>
+            <a:off x="0" y="8685213"/>
+            <a:ext cx="2971800" cy="457200"/>
+          </a:xfrm>
+          <a:prstGeom prst="rect">
+            <a:avLst/>
+          </a:prstGeom>
+        </p:spPr>
+        <p:txBody>
+          <a:bodyPr vert="horz" lIns="91440" tIns="45720" rIns="91440" bIns="45720" rtlCol="0" anchor="b"/>
+          <a:lstStyle>
+            <a:lvl1pPr algn="l">
+              <a:defRPr sz="1200"/>
+            </a:lvl1pPr>
+          </a:lstStyle>
+          <a:p>
+            <a:endParaRPr lang="de-CH"/>
+          </a:p>
+        </p:txBody>
+      </p:sp>
+      <p:sp>
+        <p:nvSpPr>
+          <p:cNvPr id="7" name="Foliennummernplatzhalter 6"/>
+          <p:cNvSpPr>
+            <a:spLocks noGrp="1"/>
+          </p:cNvSpPr>
+          <p:nvPr>
+            <p:ph type="sldNum" sz="quarter" idx="5"/>
+          </p:nvPr>
+        </p:nvSpPr>
+        <p:spPr>
+          <a:xfrm>
+            <a:off x="3884613" y="8685213"/>
+            <a:ext cx="2971800" cy="457200"/>
+          </a:xfrm>
+          <a:prstGeom prst="rect">
+            <a:avLst/>
+          </a:prstGeom>
+        </p:spPr>
+        <p:txBody>
+          <a:bodyPr vert="horz" lIns="91440" tIns="45720" rIns="91440" bIns="45720" rtlCol="0" anchor="b"/>
+          <a:lstStyle>
+            <a:lvl1pPr algn="r">
+              <a:defRPr sz="1200"/>
+            </a:lvl1pPr>
+          </a:lstStyle>
+          <a:p>
+            <a:fld id="{BAAA3D3A-D023-45E8-8EA3-7B1A54BA81CA}" type="slidenum">
+              <a:rPr lang="de-CH" smtClean="0"/>
+              <a:t>‹Nr.›</a:t>
+            </a:fld>
+            <a:endParaRPr lang="de-CH"/>
+          </a:p>
+        </p:txBody>
+      </p:sp>
+    </p:spTree>
+  </p:cSld>
+  <p:clrMap bg1="lt1" tx1="dk1" bg2="lt2" tx2="dk2" accent1="accent1" accent2="accent2" accent3="accent3" accent4="accent4" accent5="accent5" accent6="accent6" hlink="hlink" folHlink="folHlink"/>
+  <p:notesStyle>
+    <a:lvl1pPr marL="0" algn="l" defTabSz="914400" rtl="0" eaLnBrk="1" latinLnBrk="0" hangingPunct="1">
+      <a:defRPr sz="1200" kern="1200">
+        <a:solidFill>
+          <a:schemeClr val="tx1"/>
+        </a:solidFill>
+        <a:latin typeface="+mn-lt"/>
+        <a:ea typeface="+mn-ea"/>
+        <a:cs typeface="+mn-cs"/>
+      </a:defRPr>
+    </a:lvl1pPr>
+    <a:lvl2pPr marL="457200" algn="l" defTabSz="914400" rtl="0" eaLnBrk="1" latinLnBrk="0" hangingPunct="1">
+      <a:defRPr sz="1200" kern="1200">
+        <a:solidFill>
+          <a:schemeClr val="tx1"/>
+        </a:solidFill>
+        <a:latin typeface="+mn-lt"/>
+        <a:ea typeface="+mn-ea"/>
+        <a:cs typeface="+mn-cs"/>
+      </a:defRPr>
+    </a:lvl2pPr>
+    <a:lvl3pPr marL="914400" algn="l" defTabSz="914400" rtl="0" eaLnBrk="1" latinLnBrk="0" hangingPunct="1">
+      <a:defRPr sz="1200" kern="1200">
+        <a:solidFill>
+          <a:schemeClr val="tx1"/>
+        </a:solidFill>
+        <a:latin typeface="+mn-lt"/>
+        <a:ea typeface="+mn-ea"/>
+        <a:cs typeface="+mn-cs"/>
+      </a:defRPr>
+    </a:lvl3pPr>
+    <a:lvl4pPr marL="1371600" algn="l" defTabSz="914400" rtl="0" eaLnBrk="1" latinLnBrk="0" hangingPunct="1">
+      <a:defRPr sz="1200" kern="1200">
+        <a:solidFill>
+          <a:schemeClr val="tx1"/>
+        </a:solidFill>
+        <a:latin typeface="+mn-lt"/>
+        <a:ea typeface="+mn-ea"/>
+        <a:cs typeface="+mn-cs"/>
+      </a:defRPr>
+    </a:lvl4pPr>
+    <a:lvl5pPr marL="1828800" algn="l" defTabSz="914400" rtl="0" eaLnBrk="1" latinLnBrk="0" hangingPunct="1">
+      <a:defRPr sz="1200" kern="1200">
+        <a:solidFill>
+          <a:schemeClr val="tx1"/>
+        </a:solidFill>
+        <a:latin typeface="+mn-lt"/>
+        <a:ea typeface="+mn-ea"/>
+        <a:cs typeface="+mn-cs"/>
+      </a:defRPr>
+    </a:lvl5pPr>
+    <a:lvl6pPr marL="2286000" algn="l" defTabSz="914400" rtl="0" eaLnBrk="1" latinLnBrk="0" hangingPunct="1">
+      <a:defRPr sz="1200" kern="1200">
+        <a:solidFill>
+          <a:schemeClr val="tx1"/>
+        </a:solidFill>
+        <a:latin typeface="+mn-lt"/>
+        <a:ea typeface="+mn-ea"/>
+        <a:cs typeface="+mn-cs"/>
+      </a:defRPr>
+    </a:lvl6pPr>
+    <a:lvl7pPr marL="2743200" algn="l" defTabSz="914400" rtl="0" eaLnBrk="1" latinLnBrk="0" hangingPunct="1">
+      <a:defRPr sz="1200" kern="1200">
+        <a:solidFill>
+          <a:schemeClr val="tx1"/>
+        </a:solidFill>
+        <a:latin typeface="+mn-lt"/>
+        <a:ea typeface="+mn-ea"/>
+        <a:cs typeface="+mn-cs"/>
+      </a:defRPr>
+    </a:lvl7pPr>
+    <a:lvl8pPr marL="3200400" algn="l" defTabSz="914400" rtl="0" eaLnBrk="1" latinLnBrk="0" hangingPunct="1">
+      <a:defRPr sz="1200" kern="1200">
+        <a:solidFill>
+          <a:schemeClr val="tx1"/>
+        </a:solidFill>
+        <a:latin typeface="+mn-lt"/>
+        <a:ea typeface="+mn-ea"/>
+        <a:cs typeface="+mn-cs"/>
+      </a:defRPr>
+    </a:lvl8pPr>
+    <a:lvl9pPr marL="3657600" algn="l" defTabSz="914400" rtl="0" eaLnBrk="1" latinLnBrk="0" hangingPunct="1">
+      <a:defRPr sz="1200" kern="1200">
+        <a:solidFill>
+          <a:schemeClr val="tx1"/>
+        </a:solidFill>
+        <a:latin typeface="+mn-lt"/>
+        <a:ea typeface="+mn-ea"/>
+        <a:cs typeface="+mn-cs"/>
+      </a:defRPr>
+    </a:lvl9pPr>
+  </p:notesStyle>
+</p:notesMaster>
+</file>
+
+<file path=ppt/notesSlides/notesSlide1.xml><?xml version="1.0" encoding="utf-8"?>
+<p:notes xmlns:a="http://schemas.openxmlformats.org/drawingml/2006/main" xmlns:r="http://schemas.openxmlformats.org/officeDocument/2006/relationships" xmlns:p="http://schemas.openxmlformats.org/presentationml/2006/main">
+  <p:cSld>
+    <p:spTree>
+      <p:nvGrpSpPr>
+        <p:cNvPr id="1" name=""/>
+        <p:cNvGrpSpPr/>
+        <p:nvPr/>
+      </p:nvGrpSpPr>
+      <p:grpSpPr>
+        <a:xfrm>
+          <a:off x="0" y="0"/>
+          <a:ext cx="0" cy="0"/>
+          <a:chOff x="0" y="0"/>
+          <a:chExt cx="0" cy="0"/>
+        </a:xfrm>
+      </p:grpSpPr>
+      <p:sp>
+        <p:nvSpPr>
+          <p:cNvPr id="2" name="Folienbildplatzhalter 1"/>
+          <p:cNvSpPr>
+            <a:spLocks noGrp="1" noRot="1" noChangeAspect="1"/>
+          </p:cNvSpPr>
+          <p:nvPr>
+            <p:ph type="sldImg"/>
+          </p:nvPr>
+        </p:nvSpPr>
+        <p:spPr/>
+      </p:sp>
+      <p:sp>
+        <p:nvSpPr>
+          <p:cNvPr id="3" name="Notizenplatzhalter 2"/>
+          <p:cNvSpPr>
+            <a:spLocks noGrp="1"/>
+          </p:cNvSpPr>
+          <p:nvPr>
+            <p:ph type="body" idx="1"/>
+          </p:nvPr>
+        </p:nvSpPr>
+        <p:spPr/>
+        <p:txBody>
+          <a:bodyPr>
+            <a:normAutofit/>
+          </a:bodyPr>
+          <a:lstStyle/>
+          <a:p>
+            <a:r>
+              <a:rPr lang="de-CH" dirty="0" smtClean="0"/>
+              <a:t>Mosi:</a:t>
+            </a:r>
+            <a:r>
+              <a:rPr lang="de-CH" baseline="0" dirty="0" smtClean="0"/>
+              <a:t> Begrüssung</a:t>
+            </a:r>
+            <a:endParaRPr lang="de-CH" dirty="0"/>
+          </a:p>
+        </p:txBody>
+      </p:sp>
+      <p:sp>
+        <p:nvSpPr>
+          <p:cNvPr id="4" name="Foliennummernplatzhalter 3"/>
+          <p:cNvSpPr>
+            <a:spLocks noGrp="1"/>
+          </p:cNvSpPr>
+          <p:nvPr>
+            <p:ph type="sldNum" sz="quarter" idx="10"/>
+          </p:nvPr>
+        </p:nvSpPr>
+        <p:spPr/>
+        <p:txBody>
+          <a:bodyPr/>
+          <a:lstStyle/>
+          <a:p>
+            <a:fld id="{BAAA3D3A-D023-45E8-8EA3-7B1A54BA81CA}" type="slidenum">
+              <a:rPr lang="de-CH" smtClean="0"/>
+              <a:t>1</a:t>
+            </a:fld>
+            <a:endParaRPr lang="de-CH"/>
+          </a:p>
+        </p:txBody>
+      </p:sp>
+    </p:spTree>
+  </p:cSld>
+  <p:clrMapOvr>
+    <a:masterClrMapping/>
+  </p:clrMapOvr>
+</p:notes>
+</file>
+
+<file path=ppt/notesSlides/notesSlide10.xml><?xml version="1.0" encoding="utf-8"?>
+<p:notes xmlns:a="http://schemas.openxmlformats.org/drawingml/2006/main" xmlns:r="http://schemas.openxmlformats.org/officeDocument/2006/relationships" xmlns:p="http://schemas.openxmlformats.org/presentationml/2006/main">
+  <p:cSld>
+    <p:spTree>
+      <p:nvGrpSpPr>
+        <p:cNvPr id="1" name=""/>
+        <p:cNvGrpSpPr/>
+        <p:nvPr/>
+      </p:nvGrpSpPr>
+      <p:grpSpPr>
+        <a:xfrm>
+          <a:off x="0" y="0"/>
+          <a:ext cx="0" cy="0"/>
+          <a:chOff x="0" y="0"/>
+          <a:chExt cx="0" cy="0"/>
+        </a:xfrm>
+      </p:grpSpPr>
+      <p:sp>
+        <p:nvSpPr>
+          <p:cNvPr id="2" name="Folienbildplatzhalter 1"/>
+          <p:cNvSpPr>
+            <a:spLocks noGrp="1" noRot="1" noChangeAspect="1"/>
+          </p:cNvSpPr>
+          <p:nvPr>
+            <p:ph type="sldImg"/>
+          </p:nvPr>
+        </p:nvSpPr>
+        <p:spPr/>
+      </p:sp>
+      <p:sp>
+        <p:nvSpPr>
+          <p:cNvPr id="3" name="Notizenplatzhalter 2"/>
+          <p:cNvSpPr>
+            <a:spLocks noGrp="1"/>
+          </p:cNvSpPr>
+          <p:nvPr>
+            <p:ph type="body" idx="1"/>
+          </p:nvPr>
+        </p:nvSpPr>
+        <p:spPr/>
+        <p:txBody>
+          <a:bodyPr>
+            <a:normAutofit/>
+          </a:bodyPr>
+          <a:lstStyle/>
+          <a:p>
+            <a:r>
+              <a:rPr lang="de-CH" dirty="0" smtClean="0"/>
+              <a:t>Yannick – Grenzen=</a:t>
+            </a:r>
+            <a:r>
+              <a:rPr lang="de-CH" dirty="0" err="1" smtClean="0"/>
+              <a:t>Limitations</a:t>
+            </a:r>
+            <a:r>
+              <a:rPr lang="de-CH" dirty="0" smtClean="0"/>
+              <a:t> des Modells</a:t>
+            </a:r>
+            <a:r>
+              <a:rPr lang="de-CH" baseline="0" dirty="0" smtClean="0"/>
+              <a:t> aufzeigen (kurz, nur die wichtigsten)</a:t>
+            </a:r>
+            <a:endParaRPr lang="de-CH" dirty="0"/>
+          </a:p>
+        </p:txBody>
+      </p:sp>
+      <p:sp>
+        <p:nvSpPr>
+          <p:cNvPr id="4" name="Foliennummernplatzhalter 3"/>
+          <p:cNvSpPr>
+            <a:spLocks noGrp="1"/>
+          </p:cNvSpPr>
+          <p:nvPr>
+            <p:ph type="sldNum" sz="quarter" idx="10"/>
+          </p:nvPr>
+        </p:nvSpPr>
+        <p:spPr/>
+        <p:txBody>
+          <a:bodyPr/>
+          <a:lstStyle/>
+          <a:p>
+            <a:fld id="{BAAA3D3A-D023-45E8-8EA3-7B1A54BA81CA}" type="slidenum">
+              <a:rPr lang="de-CH" smtClean="0"/>
+              <a:t>19</a:t>
+            </a:fld>
+            <a:endParaRPr lang="de-CH"/>
+          </a:p>
+        </p:txBody>
+      </p:sp>
+    </p:spTree>
+  </p:cSld>
+  <p:clrMapOvr>
+    <a:masterClrMapping/>
+  </p:clrMapOvr>
+</p:notes>
+</file>
+
+<file path=ppt/notesSlides/notesSlide11.xml><?xml version="1.0" encoding="utf-8"?>
+<p:notes xmlns:a="http://schemas.openxmlformats.org/drawingml/2006/main" xmlns:r="http://schemas.openxmlformats.org/officeDocument/2006/relationships" xmlns:p="http://schemas.openxmlformats.org/presentationml/2006/main">
+  <p:cSld>
+    <p:spTree>
+      <p:nvGrpSpPr>
+        <p:cNvPr id="1" name=""/>
+        <p:cNvGrpSpPr/>
+        <p:nvPr/>
+      </p:nvGrpSpPr>
+      <p:grpSpPr>
+        <a:xfrm>
+          <a:off x="0" y="0"/>
+          <a:ext cx="0" cy="0"/>
+          <a:chOff x="0" y="0"/>
+          <a:chExt cx="0" cy="0"/>
+        </a:xfrm>
+      </p:grpSpPr>
+      <p:sp>
+        <p:nvSpPr>
+          <p:cNvPr id="2" name="Folienbildplatzhalter 1"/>
+          <p:cNvSpPr>
+            <a:spLocks noGrp="1" noRot="1" noChangeAspect="1"/>
+          </p:cNvSpPr>
+          <p:nvPr>
+            <p:ph type="sldImg"/>
+          </p:nvPr>
+        </p:nvSpPr>
+        <p:spPr/>
+      </p:sp>
+      <p:sp>
+        <p:nvSpPr>
+          <p:cNvPr id="3" name="Notizenplatzhalter 2"/>
+          <p:cNvSpPr>
+            <a:spLocks noGrp="1"/>
+          </p:cNvSpPr>
+          <p:nvPr>
+            <p:ph type="body" idx="1"/>
+          </p:nvPr>
+        </p:nvSpPr>
+        <p:spPr/>
+        <p:txBody>
+          <a:bodyPr>
+            <a:normAutofit/>
+          </a:bodyPr>
+          <a:lstStyle/>
+          <a:p>
+            <a:r>
+              <a:rPr lang="de-CH" dirty="0" smtClean="0"/>
+              <a:t>Theiler: Zusammenfassung:</a:t>
+            </a:r>
+            <a:r>
+              <a:rPr lang="de-CH" baseline="0" dirty="0" smtClean="0"/>
+              <a:t> für unsere Situation gutes Modell, </a:t>
+            </a:r>
+            <a:r>
+              <a:rPr lang="de-CH" baseline="0" dirty="0" err="1" smtClean="0"/>
+              <a:t>obwohl</a:t>
+            </a:r>
+            <a:r>
+              <a:rPr lang="de-CH" sz="1200" kern="1200" dirty="0" err="1" smtClean="0">
+                <a:solidFill>
+                  <a:schemeClr val="tx1"/>
+                </a:solidFill>
+                <a:latin typeface="+mn-lt"/>
+                <a:ea typeface="+mn-ea"/>
+                <a:cs typeface="+mn-cs"/>
+              </a:rPr>
+              <a:t>‘</a:t>
+            </a:r>
+            <a:r>
+              <a:rPr lang="de-CH" baseline="0" dirty="0" err="1" smtClean="0"/>
+              <a:t>s</a:t>
+            </a:r>
+            <a:r>
+              <a:rPr lang="de-CH" baseline="0" dirty="0" smtClean="0"/>
+              <a:t> seine Grenzen (</a:t>
+            </a:r>
+            <a:r>
+              <a:rPr lang="de-CH" baseline="0" dirty="0" err="1" smtClean="0"/>
+              <a:t>limitations</a:t>
+            </a:r>
+            <a:r>
+              <a:rPr lang="de-CH" baseline="0" dirty="0" smtClean="0"/>
+              <a:t>) hat</a:t>
+            </a:r>
+            <a:endParaRPr lang="de-CH" dirty="0"/>
+          </a:p>
+        </p:txBody>
+      </p:sp>
+      <p:sp>
+        <p:nvSpPr>
+          <p:cNvPr id="4" name="Foliennummernplatzhalter 3"/>
+          <p:cNvSpPr>
+            <a:spLocks noGrp="1"/>
+          </p:cNvSpPr>
+          <p:nvPr>
+            <p:ph type="sldNum" sz="quarter" idx="10"/>
+          </p:nvPr>
+        </p:nvSpPr>
+        <p:spPr/>
+        <p:txBody>
+          <a:bodyPr/>
+          <a:lstStyle/>
+          <a:p>
+            <a:fld id="{BAAA3D3A-D023-45E8-8EA3-7B1A54BA81CA}" type="slidenum">
+              <a:rPr lang="de-CH" smtClean="0"/>
+              <a:t>22</a:t>
+            </a:fld>
+            <a:endParaRPr lang="de-CH"/>
+          </a:p>
+        </p:txBody>
+      </p:sp>
+    </p:spTree>
+  </p:cSld>
+  <p:clrMapOvr>
+    <a:masterClrMapping/>
+  </p:clrMapOvr>
+</p:notes>
+</file>
+
+<file path=ppt/notesSlides/notesSlide12.xml><?xml version="1.0" encoding="utf-8"?>
+<p:notes xmlns:a="http://schemas.openxmlformats.org/drawingml/2006/main" xmlns:r="http://schemas.openxmlformats.org/officeDocument/2006/relationships" xmlns:p="http://schemas.openxmlformats.org/presentationml/2006/main">
+  <p:cSld>
+    <p:spTree>
+      <p:nvGrpSpPr>
+        <p:cNvPr id="1" name=""/>
+        <p:cNvGrpSpPr/>
+        <p:nvPr/>
+      </p:nvGrpSpPr>
+      <p:grpSpPr>
+        <a:xfrm>
+          <a:off x="0" y="0"/>
+          <a:ext cx="0" cy="0"/>
+          <a:chOff x="0" y="0"/>
+          <a:chExt cx="0" cy="0"/>
+        </a:xfrm>
+      </p:grpSpPr>
+      <p:sp>
+        <p:nvSpPr>
+          <p:cNvPr id="2" name="Folienbildplatzhalter 1"/>
+          <p:cNvSpPr>
+            <a:spLocks noGrp="1" noRot="1" noChangeAspect="1"/>
+          </p:cNvSpPr>
+          <p:nvPr>
+            <p:ph type="sldImg"/>
+          </p:nvPr>
+        </p:nvSpPr>
+        <p:spPr/>
+      </p:sp>
+      <p:sp>
+        <p:nvSpPr>
+          <p:cNvPr id="3" name="Notizenplatzhalter 2"/>
+          <p:cNvSpPr>
+            <a:spLocks noGrp="1"/>
+          </p:cNvSpPr>
+          <p:nvPr>
+            <p:ph type="body" idx="1"/>
+          </p:nvPr>
+        </p:nvSpPr>
+        <p:spPr/>
+        <p:txBody>
+          <a:bodyPr>
+            <a:normAutofit/>
+          </a:bodyPr>
+          <a:lstStyle/>
+          <a:p>
+            <a:r>
+              <a:rPr lang="de-CH" dirty="0" smtClean="0"/>
+              <a:t>(alle)</a:t>
+            </a:r>
+            <a:endParaRPr lang="de-CH" dirty="0"/>
+          </a:p>
+        </p:txBody>
+      </p:sp>
+      <p:sp>
+        <p:nvSpPr>
+          <p:cNvPr id="4" name="Foliennummernplatzhalter 3"/>
+          <p:cNvSpPr>
+            <a:spLocks noGrp="1"/>
+          </p:cNvSpPr>
+          <p:nvPr>
+            <p:ph type="sldNum" sz="quarter" idx="10"/>
+          </p:nvPr>
+        </p:nvSpPr>
+        <p:spPr/>
+        <p:txBody>
+          <a:bodyPr/>
+          <a:lstStyle/>
+          <a:p>
+            <a:fld id="{BAAA3D3A-D023-45E8-8EA3-7B1A54BA81CA}" type="slidenum">
+              <a:rPr lang="de-CH" smtClean="0"/>
+              <a:t>24</a:t>
+            </a:fld>
+            <a:endParaRPr lang="de-CH"/>
+          </a:p>
+        </p:txBody>
+      </p:sp>
+    </p:spTree>
+  </p:cSld>
+  <p:clrMapOvr>
+    <a:masterClrMapping/>
+  </p:clrMapOvr>
+</p:notes>
+</file>
+
+<file path=ppt/notesSlides/notesSlide2.xml><?xml version="1.0" encoding="utf-8"?>
+<p:notes xmlns:a="http://schemas.openxmlformats.org/drawingml/2006/main" xmlns:r="http://schemas.openxmlformats.org/officeDocument/2006/relationships" xmlns:p="http://schemas.openxmlformats.org/presentationml/2006/main">
+  <p:cSld>
+    <p:spTree>
+      <p:nvGrpSpPr>
+        <p:cNvPr id="1" name=""/>
+        <p:cNvGrpSpPr/>
+        <p:nvPr/>
+      </p:nvGrpSpPr>
+      <p:grpSpPr>
+        <a:xfrm>
+          <a:off x="0" y="0"/>
+          <a:ext cx="0" cy="0"/>
+          <a:chOff x="0" y="0"/>
+          <a:chExt cx="0" cy="0"/>
+        </a:xfrm>
+      </p:grpSpPr>
+      <p:sp>
+        <p:nvSpPr>
+          <p:cNvPr id="2" name="Folienbildplatzhalter 1"/>
+          <p:cNvSpPr>
+            <a:spLocks noGrp="1" noRot="1" noChangeAspect="1"/>
+          </p:cNvSpPr>
+          <p:nvPr>
+            <p:ph type="sldImg"/>
+          </p:nvPr>
+        </p:nvSpPr>
+        <p:spPr/>
+      </p:sp>
+      <p:sp>
+        <p:nvSpPr>
+          <p:cNvPr id="3" name="Notizenplatzhalter 2"/>
+          <p:cNvSpPr>
+            <a:spLocks noGrp="1"/>
+          </p:cNvSpPr>
+          <p:nvPr>
+            <p:ph type="body" idx="1"/>
+          </p:nvPr>
+        </p:nvSpPr>
+        <p:spPr/>
+        <p:txBody>
+          <a:bodyPr>
+            <a:normAutofit/>
+          </a:bodyPr>
+          <a:lstStyle/>
+          <a:p>
+            <a:r>
+              <a:rPr lang="de-CH" dirty="0" smtClean="0"/>
+              <a:t>Mosi: Inhalt</a:t>
+            </a:r>
+            <a:r>
+              <a:rPr lang="de-CH" baseline="0" dirty="0" smtClean="0"/>
+              <a:t> ausschmücken</a:t>
+            </a:r>
+            <a:endParaRPr lang="de-CH" dirty="0"/>
+          </a:p>
+        </p:txBody>
+      </p:sp>
+      <p:sp>
+        <p:nvSpPr>
+          <p:cNvPr id="4" name="Foliennummernplatzhalter 3"/>
+          <p:cNvSpPr>
+            <a:spLocks noGrp="1"/>
+          </p:cNvSpPr>
+          <p:nvPr>
+            <p:ph type="sldNum" sz="quarter" idx="10"/>
+          </p:nvPr>
+        </p:nvSpPr>
+        <p:spPr/>
+        <p:txBody>
+          <a:bodyPr/>
+          <a:lstStyle/>
+          <a:p>
+            <a:fld id="{BAAA3D3A-D023-45E8-8EA3-7B1A54BA81CA}" type="slidenum">
+              <a:rPr lang="de-CH" smtClean="0"/>
+              <a:t>2</a:t>
+            </a:fld>
+            <a:endParaRPr lang="de-CH"/>
+          </a:p>
+        </p:txBody>
+      </p:sp>
+    </p:spTree>
+  </p:cSld>
+  <p:clrMapOvr>
+    <a:masterClrMapping/>
+  </p:clrMapOvr>
+</p:notes>
+</file>
+
+<file path=ppt/notesSlides/notesSlide3.xml><?xml version="1.0" encoding="utf-8"?>
+<p:notes xmlns:a="http://schemas.openxmlformats.org/drawingml/2006/main" xmlns:r="http://schemas.openxmlformats.org/officeDocument/2006/relationships" xmlns:p="http://schemas.openxmlformats.org/presentationml/2006/main">
+  <p:cSld>
+    <p:spTree>
+      <p:nvGrpSpPr>
+        <p:cNvPr id="1" name=""/>
+        <p:cNvGrpSpPr/>
+        <p:nvPr/>
+      </p:nvGrpSpPr>
+      <p:grpSpPr>
+        <a:xfrm>
+          <a:off x="0" y="0"/>
+          <a:ext cx="0" cy="0"/>
+          <a:chOff x="0" y="0"/>
+          <a:chExt cx="0" cy="0"/>
+        </a:xfrm>
+      </p:grpSpPr>
+      <p:sp>
+        <p:nvSpPr>
+          <p:cNvPr id="2" name="Folienbildplatzhalter 1"/>
+          <p:cNvSpPr>
+            <a:spLocks noGrp="1" noRot="1" noChangeAspect="1"/>
+          </p:cNvSpPr>
+          <p:nvPr>
+            <p:ph type="sldImg"/>
+          </p:nvPr>
+        </p:nvSpPr>
+        <p:spPr/>
+      </p:sp>
+      <p:sp>
+        <p:nvSpPr>
+          <p:cNvPr id="3" name="Notizenplatzhalter 2"/>
+          <p:cNvSpPr>
+            <a:spLocks noGrp="1"/>
+          </p:cNvSpPr>
+          <p:nvPr>
+            <p:ph type="body" idx="1"/>
+          </p:nvPr>
+        </p:nvSpPr>
+        <p:spPr/>
+        <p:txBody>
+          <a:bodyPr>
+            <a:normAutofit/>
+          </a:bodyPr>
+          <a:lstStyle/>
+          <a:p>
+            <a:r>
+              <a:rPr lang="de-CH" dirty="0" smtClean="0"/>
+              <a:t>Mosi:</a:t>
+            </a:r>
+            <a:r>
+              <a:rPr lang="de-CH" baseline="0" dirty="0" smtClean="0"/>
+              <a:t> </a:t>
+            </a:r>
+            <a:r>
+              <a:rPr lang="de-CH" baseline="0" dirty="0" err="1" smtClean="0"/>
+              <a:t>Idee&amp;Motivation</a:t>
+            </a:r>
+            <a:r>
+              <a:rPr lang="de-CH" baseline="0" dirty="0" smtClean="0"/>
+              <a:t>, Grundidee - hier: Auslöser der Idee</a:t>
+            </a:r>
+          </a:p>
+          <a:p>
+            <a:endParaRPr lang="de-CH" dirty="0"/>
+          </a:p>
+        </p:txBody>
+      </p:sp>
+      <p:sp>
+        <p:nvSpPr>
+          <p:cNvPr id="4" name="Foliennummernplatzhalter 3"/>
+          <p:cNvSpPr>
+            <a:spLocks noGrp="1"/>
+          </p:cNvSpPr>
+          <p:nvPr>
+            <p:ph type="sldNum" sz="quarter" idx="10"/>
+          </p:nvPr>
+        </p:nvSpPr>
+        <p:spPr/>
+        <p:txBody>
+          <a:bodyPr/>
+          <a:lstStyle/>
+          <a:p>
+            <a:fld id="{BAAA3D3A-D023-45E8-8EA3-7B1A54BA81CA}" type="slidenum">
+              <a:rPr lang="de-CH" smtClean="0"/>
+              <a:t>3</a:t>
+            </a:fld>
+            <a:endParaRPr lang="de-CH"/>
+          </a:p>
+        </p:txBody>
+      </p:sp>
+    </p:spTree>
+  </p:cSld>
+  <p:clrMapOvr>
+    <a:masterClrMapping/>
+  </p:clrMapOvr>
+</p:notes>
+</file>
+
+<file path=ppt/notesSlides/notesSlide4.xml><?xml version="1.0" encoding="utf-8"?>
+<p:notes xmlns:a="http://schemas.openxmlformats.org/drawingml/2006/main" xmlns:r="http://schemas.openxmlformats.org/officeDocument/2006/relationships" xmlns:p="http://schemas.openxmlformats.org/presentationml/2006/main">
+  <p:cSld>
+    <p:spTree>
+      <p:nvGrpSpPr>
+        <p:cNvPr id="1" name=""/>
+        <p:cNvGrpSpPr/>
+        <p:nvPr/>
+      </p:nvGrpSpPr>
+      <p:grpSpPr>
+        <a:xfrm>
+          <a:off x="0" y="0"/>
+          <a:ext cx="0" cy="0"/>
+          <a:chOff x="0" y="0"/>
+          <a:chExt cx="0" cy="0"/>
+        </a:xfrm>
+      </p:grpSpPr>
+      <p:sp>
+        <p:nvSpPr>
+          <p:cNvPr id="2" name="Folienbildplatzhalter 1"/>
+          <p:cNvSpPr>
+            <a:spLocks noGrp="1" noRot="1" noChangeAspect="1"/>
+          </p:cNvSpPr>
+          <p:nvPr>
+            <p:ph type="sldImg"/>
+          </p:nvPr>
+        </p:nvSpPr>
+        <p:spPr/>
+      </p:sp>
+      <p:sp>
+        <p:nvSpPr>
+          <p:cNvPr id="3" name="Notizenplatzhalter 2"/>
+          <p:cNvSpPr>
+            <a:spLocks noGrp="1"/>
+          </p:cNvSpPr>
+          <p:nvPr>
+            <p:ph type="body" idx="1"/>
+          </p:nvPr>
+        </p:nvSpPr>
+        <p:spPr/>
+        <p:txBody>
+          <a:bodyPr>
+            <a:normAutofit/>
+          </a:bodyPr>
+          <a:lstStyle/>
+          <a:p>
+            <a:r>
+              <a:rPr lang="de-CH" dirty="0" smtClean="0"/>
+              <a:t>Mosi:</a:t>
+            </a:r>
+            <a:r>
+              <a:rPr lang="de-CH" baseline="0" dirty="0" smtClean="0"/>
+              <a:t> </a:t>
+            </a:r>
+            <a:r>
+              <a:rPr lang="de-CH" baseline="0" dirty="0" err="1" smtClean="0"/>
+              <a:t>Idee&amp;Motivation</a:t>
+            </a:r>
+            <a:r>
+              <a:rPr lang="de-CH" baseline="0" dirty="0" smtClean="0"/>
+              <a:t>, Grundidee – Überblick </a:t>
+            </a:r>
+            <a:r>
+              <a:rPr lang="de-CH" baseline="0" dirty="0" err="1" smtClean="0"/>
+              <a:t>situation</a:t>
+            </a:r>
+            <a:r>
+              <a:rPr lang="de-CH" baseline="0" dirty="0" smtClean="0"/>
+              <a:t> „wovon rede ich“</a:t>
+            </a:r>
+            <a:endParaRPr lang="de-CH" dirty="0"/>
+          </a:p>
+        </p:txBody>
+      </p:sp>
+      <p:sp>
+        <p:nvSpPr>
+          <p:cNvPr id="4" name="Foliennummernplatzhalter 3"/>
+          <p:cNvSpPr>
+            <a:spLocks noGrp="1"/>
+          </p:cNvSpPr>
+          <p:nvPr>
+            <p:ph type="sldNum" sz="quarter" idx="10"/>
+          </p:nvPr>
+        </p:nvSpPr>
+        <p:spPr/>
+        <p:txBody>
+          <a:bodyPr/>
+          <a:lstStyle/>
+          <a:p>
+            <a:fld id="{BAAA3D3A-D023-45E8-8EA3-7B1A54BA81CA}" type="slidenum">
+              <a:rPr lang="de-CH" smtClean="0"/>
+              <a:t>4</a:t>
+            </a:fld>
+            <a:endParaRPr lang="de-CH"/>
+          </a:p>
+        </p:txBody>
+      </p:sp>
+    </p:spTree>
+  </p:cSld>
+  <p:clrMapOvr>
+    <a:masterClrMapping/>
+  </p:clrMapOvr>
+</p:notes>
+</file>
+
+<file path=ppt/notesSlides/notesSlide5.xml><?xml version="1.0" encoding="utf-8"?>
+<p:notes xmlns:a="http://schemas.openxmlformats.org/drawingml/2006/main" xmlns:r="http://schemas.openxmlformats.org/officeDocument/2006/relationships" xmlns:p="http://schemas.openxmlformats.org/presentationml/2006/main">
+  <p:cSld>
+    <p:spTree>
+      <p:nvGrpSpPr>
+        <p:cNvPr id="1" name=""/>
+        <p:cNvGrpSpPr/>
+        <p:nvPr/>
+      </p:nvGrpSpPr>
+      <p:grpSpPr>
+        <a:xfrm>
+          <a:off x="0" y="0"/>
+          <a:ext cx="0" cy="0"/>
+          <a:chOff x="0" y="0"/>
+          <a:chExt cx="0" cy="0"/>
+        </a:xfrm>
+      </p:grpSpPr>
+      <p:sp>
+        <p:nvSpPr>
+          <p:cNvPr id="2" name="Folienbildplatzhalter 1"/>
+          <p:cNvSpPr>
+            <a:spLocks noGrp="1" noRot="1" noChangeAspect="1"/>
+          </p:cNvSpPr>
+          <p:nvPr>
+            <p:ph type="sldImg"/>
+          </p:nvPr>
+        </p:nvSpPr>
+        <p:spPr/>
+      </p:sp>
+      <p:sp>
+        <p:nvSpPr>
+          <p:cNvPr id="3" name="Notizenplatzhalter 2"/>
+          <p:cNvSpPr>
+            <a:spLocks noGrp="1"/>
+          </p:cNvSpPr>
+          <p:nvPr>
+            <p:ph type="body" idx="1"/>
+          </p:nvPr>
+        </p:nvSpPr>
+        <p:spPr/>
+        <p:txBody>
+          <a:bodyPr>
+            <a:normAutofit/>
+          </a:bodyPr>
+          <a:lstStyle/>
+          <a:p>
+            <a:pPr marL="0" marR="0" indent="0" algn="l" defTabSz="914400" rtl="0" eaLnBrk="1" fontAlgn="auto" latinLnBrk="0" hangingPunct="1">
+              <a:lnSpc>
+                <a:spcPct val="100000"/>
+              </a:lnSpc>
+              <a:spcBef>
+                <a:spcPts val="0"/>
+              </a:spcBef>
+              <a:spcAft>
+                <a:spcPts val="0"/>
+              </a:spcAft>
+              <a:buClrTx/>
+              <a:buSzTx/>
+              <a:buFontTx/>
+              <a:buNone/>
+              <a:tabLst/>
+              <a:defRPr/>
+            </a:pPr>
+            <a:r>
+              <a:rPr lang="de-CH" dirty="0" smtClean="0"/>
+              <a:t>Mosi:</a:t>
+            </a:r>
+            <a:r>
+              <a:rPr lang="de-CH" baseline="0" dirty="0" smtClean="0"/>
+              <a:t> </a:t>
+            </a:r>
+            <a:r>
+              <a:rPr lang="de-CH" baseline="0" dirty="0" err="1" smtClean="0"/>
+              <a:t>Idee&amp;Motivation</a:t>
+            </a:r>
+            <a:r>
+              <a:rPr lang="de-CH" baseline="0" dirty="0" smtClean="0"/>
+              <a:t>, Grundidee – Was ist speziell an unserem </a:t>
+            </a:r>
+            <a:r>
+              <a:rPr lang="de-CH" baseline="0" dirty="0" err="1" smtClean="0"/>
+              <a:t>modell</a:t>
+            </a:r>
+            <a:r>
+              <a:rPr lang="de-CH" baseline="0" dirty="0" smtClean="0"/>
+              <a:t>, unseren </a:t>
+            </a:r>
+            <a:r>
+              <a:rPr lang="de-CH" baseline="0" dirty="0" err="1" smtClean="0"/>
+              <a:t>ideen</a:t>
+            </a:r>
+            <a:r>
+              <a:rPr lang="de-CH" baseline="0" dirty="0" smtClean="0"/>
+              <a:t>?</a:t>
+            </a:r>
+            <a:endParaRPr lang="de-CH" dirty="0" smtClean="0"/>
+          </a:p>
+        </p:txBody>
+      </p:sp>
+      <p:sp>
+        <p:nvSpPr>
+          <p:cNvPr id="4" name="Foliennummernplatzhalter 3"/>
+          <p:cNvSpPr>
+            <a:spLocks noGrp="1"/>
+          </p:cNvSpPr>
+          <p:nvPr>
+            <p:ph type="sldNum" sz="quarter" idx="10"/>
+          </p:nvPr>
+        </p:nvSpPr>
+        <p:spPr/>
+        <p:txBody>
+          <a:bodyPr/>
+          <a:lstStyle/>
+          <a:p>
+            <a:fld id="{BAAA3D3A-D023-45E8-8EA3-7B1A54BA81CA}" type="slidenum">
+              <a:rPr lang="de-CH" smtClean="0"/>
+              <a:t>5</a:t>
+            </a:fld>
+            <a:endParaRPr lang="de-CH"/>
+          </a:p>
+        </p:txBody>
+      </p:sp>
+    </p:spTree>
+  </p:cSld>
+  <p:clrMapOvr>
+    <a:masterClrMapping/>
+  </p:clrMapOvr>
+</p:notes>
+</file>
+
+<file path=ppt/notesSlides/notesSlide6.xml><?xml version="1.0" encoding="utf-8"?>
+<p:notes xmlns:a="http://schemas.openxmlformats.org/drawingml/2006/main" xmlns:r="http://schemas.openxmlformats.org/officeDocument/2006/relationships" xmlns:p="http://schemas.openxmlformats.org/presentationml/2006/main">
+  <p:cSld>
+    <p:spTree>
+      <p:nvGrpSpPr>
+        <p:cNvPr id="1" name=""/>
+        <p:cNvGrpSpPr/>
+        <p:nvPr/>
+      </p:nvGrpSpPr>
+      <p:grpSpPr>
+        <a:xfrm>
+          <a:off x="0" y="0"/>
+          <a:ext cx="0" cy="0"/>
+          <a:chOff x="0" y="0"/>
+          <a:chExt cx="0" cy="0"/>
+        </a:xfrm>
+      </p:grpSpPr>
+      <p:sp>
+        <p:nvSpPr>
+          <p:cNvPr id="2" name="Folienbildplatzhalter 1"/>
+          <p:cNvSpPr>
+            <a:spLocks noGrp="1" noRot="1" noChangeAspect="1"/>
+          </p:cNvSpPr>
+          <p:nvPr>
+            <p:ph type="sldImg"/>
+          </p:nvPr>
+        </p:nvSpPr>
+        <p:spPr/>
+      </p:sp>
+      <p:sp>
+        <p:nvSpPr>
+          <p:cNvPr id="3" name="Notizenplatzhalter 2"/>
+          <p:cNvSpPr>
+            <a:spLocks noGrp="1"/>
+          </p:cNvSpPr>
+          <p:nvPr>
+            <p:ph type="body" idx="1"/>
+          </p:nvPr>
+        </p:nvSpPr>
+        <p:spPr/>
+        <p:txBody>
+          <a:bodyPr>
+            <a:normAutofit/>
+          </a:bodyPr>
+          <a:lstStyle/>
+          <a:p>
+            <a:r>
+              <a:rPr lang="de-CH" dirty="0" smtClean="0"/>
+              <a:t>Yannick: Umsetzung der Logik, nicht allzu technisch,</a:t>
+            </a:r>
+            <a:r>
+              <a:rPr lang="de-CH" baseline="0" dirty="0" smtClean="0"/>
+              <a:t> bildlich erklären</a:t>
+            </a:r>
+            <a:endParaRPr lang="de-CH" dirty="0"/>
+          </a:p>
+        </p:txBody>
+      </p:sp>
+      <p:sp>
+        <p:nvSpPr>
+          <p:cNvPr id="4" name="Foliennummernplatzhalter 3"/>
+          <p:cNvSpPr>
+            <a:spLocks noGrp="1"/>
+          </p:cNvSpPr>
+          <p:nvPr>
+            <p:ph type="sldNum" sz="quarter" idx="10"/>
+          </p:nvPr>
+        </p:nvSpPr>
+        <p:spPr/>
+        <p:txBody>
+          <a:bodyPr/>
+          <a:lstStyle/>
+          <a:p>
+            <a:fld id="{BAAA3D3A-D023-45E8-8EA3-7B1A54BA81CA}" type="slidenum">
+              <a:rPr lang="de-CH" smtClean="0"/>
+              <a:t>6</a:t>
+            </a:fld>
+            <a:endParaRPr lang="de-CH"/>
+          </a:p>
+        </p:txBody>
+      </p:sp>
+    </p:spTree>
+  </p:cSld>
+  <p:clrMapOvr>
+    <a:masterClrMapping/>
+  </p:clrMapOvr>
+</p:notes>
+</file>
+
+<file path=ppt/notesSlides/notesSlide7.xml><?xml version="1.0" encoding="utf-8"?>
+<p:notes xmlns:a="http://schemas.openxmlformats.org/drawingml/2006/main" xmlns:r="http://schemas.openxmlformats.org/officeDocument/2006/relationships" xmlns:p="http://schemas.openxmlformats.org/presentationml/2006/main">
+  <p:cSld>
+    <p:spTree>
+      <p:nvGrpSpPr>
+        <p:cNvPr id="1" name=""/>
+        <p:cNvGrpSpPr/>
+        <p:nvPr/>
+      </p:nvGrpSpPr>
+      <p:grpSpPr>
+        <a:xfrm>
+          <a:off x="0" y="0"/>
+          <a:ext cx="0" cy="0"/>
+          <a:chOff x="0" y="0"/>
+          <a:chExt cx="0" cy="0"/>
+        </a:xfrm>
+      </p:grpSpPr>
+      <p:sp>
+        <p:nvSpPr>
+          <p:cNvPr id="2" name="Folienbildplatzhalter 1"/>
+          <p:cNvSpPr>
+            <a:spLocks noGrp="1" noRot="1" noChangeAspect="1"/>
+          </p:cNvSpPr>
+          <p:nvPr>
+            <p:ph type="sldImg"/>
+          </p:nvPr>
+        </p:nvSpPr>
+        <p:spPr/>
+      </p:sp>
+      <p:sp>
+        <p:nvSpPr>
+          <p:cNvPr id="3" name="Notizenplatzhalter 2"/>
+          <p:cNvSpPr>
+            <a:spLocks noGrp="1"/>
+          </p:cNvSpPr>
+          <p:nvPr>
+            <p:ph type="body" idx="1"/>
+          </p:nvPr>
+        </p:nvSpPr>
+        <p:spPr/>
+        <p:txBody>
+          <a:bodyPr>
+            <a:normAutofit/>
+          </a:bodyPr>
+          <a:lstStyle/>
+          <a:p>
+            <a:r>
+              <a:rPr lang="de-CH" dirty="0" smtClean="0"/>
+              <a:t>Theiler: Zeichnung</a:t>
+            </a:r>
+            <a:r>
+              <a:rPr lang="de-CH" baseline="0" dirty="0" smtClean="0"/>
+              <a:t> des Feldes und der </a:t>
+            </a:r>
+            <a:r>
+              <a:rPr lang="de-CH" baseline="0" dirty="0" err="1" smtClean="0"/>
+              <a:t>Agents</a:t>
+            </a:r>
+            <a:r>
+              <a:rPr lang="de-CH" baseline="0" dirty="0" smtClean="0"/>
+              <a:t> mit Beispielbild</a:t>
+            </a:r>
+            <a:endParaRPr lang="de-CH" dirty="0"/>
+          </a:p>
+        </p:txBody>
+      </p:sp>
+      <p:sp>
+        <p:nvSpPr>
+          <p:cNvPr id="4" name="Foliennummernplatzhalter 3"/>
+          <p:cNvSpPr>
+            <a:spLocks noGrp="1"/>
+          </p:cNvSpPr>
+          <p:nvPr>
+            <p:ph type="sldNum" sz="quarter" idx="10"/>
+          </p:nvPr>
+        </p:nvSpPr>
+        <p:spPr/>
+        <p:txBody>
+          <a:bodyPr/>
+          <a:lstStyle/>
+          <a:p>
+            <a:fld id="{BAAA3D3A-D023-45E8-8EA3-7B1A54BA81CA}" type="slidenum">
+              <a:rPr lang="de-CH" smtClean="0"/>
+              <a:t>13</a:t>
+            </a:fld>
+            <a:endParaRPr lang="de-CH"/>
+          </a:p>
+        </p:txBody>
+      </p:sp>
+    </p:spTree>
+  </p:cSld>
+  <p:clrMapOvr>
+    <a:masterClrMapping/>
+  </p:clrMapOvr>
+</p:notes>
+</file>
+
+<file path=ppt/notesSlides/notesSlide8.xml><?xml version="1.0" encoding="utf-8"?>
+<p:notes xmlns:a="http://schemas.openxmlformats.org/drawingml/2006/main" xmlns:r="http://schemas.openxmlformats.org/officeDocument/2006/relationships" xmlns:p="http://schemas.openxmlformats.org/presentationml/2006/main">
+  <p:cSld>
+    <p:spTree>
+      <p:nvGrpSpPr>
+        <p:cNvPr id="1" name=""/>
+        <p:cNvGrpSpPr/>
+        <p:nvPr/>
+      </p:nvGrpSpPr>
+      <p:grpSpPr>
+        <a:xfrm>
+          <a:off x="0" y="0"/>
+          <a:ext cx="0" cy="0"/>
+          <a:chOff x="0" y="0"/>
+          <a:chExt cx="0" cy="0"/>
+        </a:xfrm>
+      </p:grpSpPr>
+      <p:sp>
+        <p:nvSpPr>
+          <p:cNvPr id="2" name="Folienbildplatzhalter 1"/>
+          <p:cNvSpPr>
+            <a:spLocks noGrp="1" noRot="1" noChangeAspect="1"/>
+          </p:cNvSpPr>
+          <p:nvPr>
+            <p:ph type="sldImg"/>
+          </p:nvPr>
+        </p:nvSpPr>
+        <p:spPr/>
+      </p:sp>
+      <p:sp>
+        <p:nvSpPr>
+          <p:cNvPr id="3" name="Notizenplatzhalter 2"/>
+          <p:cNvSpPr>
+            <a:spLocks noGrp="1"/>
+          </p:cNvSpPr>
+          <p:nvPr>
+            <p:ph type="body" idx="1"/>
+          </p:nvPr>
+        </p:nvSpPr>
+        <p:spPr/>
+        <p:txBody>
+          <a:bodyPr>
+            <a:normAutofit/>
+          </a:bodyPr>
+          <a:lstStyle/>
+          <a:p>
+            <a:r>
+              <a:rPr lang="de-CH" dirty="0" smtClean="0"/>
+              <a:t>Theiler:</a:t>
+            </a:r>
+            <a:r>
+              <a:rPr lang="de-CH" baseline="0" dirty="0" smtClean="0"/>
+              <a:t> Simulation mal laufen lassen &amp; kommentieren</a:t>
+            </a:r>
+            <a:endParaRPr lang="de-CH" dirty="0"/>
+          </a:p>
+        </p:txBody>
+      </p:sp>
+      <p:sp>
+        <p:nvSpPr>
+          <p:cNvPr id="4" name="Foliennummernplatzhalter 3"/>
+          <p:cNvSpPr>
+            <a:spLocks noGrp="1"/>
+          </p:cNvSpPr>
+          <p:nvPr>
+            <p:ph type="sldNum" sz="quarter" idx="10"/>
+          </p:nvPr>
+        </p:nvSpPr>
+        <p:spPr/>
+        <p:txBody>
+          <a:bodyPr/>
+          <a:lstStyle/>
+          <a:p>
+            <a:fld id="{BAAA3D3A-D023-45E8-8EA3-7B1A54BA81CA}" type="slidenum">
+              <a:rPr lang="de-CH" smtClean="0"/>
+              <a:t>15</a:t>
+            </a:fld>
+            <a:endParaRPr lang="de-CH"/>
+          </a:p>
+        </p:txBody>
+      </p:sp>
+    </p:spTree>
+  </p:cSld>
+  <p:clrMapOvr>
+    <a:masterClrMapping/>
+  </p:clrMapOvr>
+</p:notes>
+</file>
+
+<file path=ppt/notesSlides/notesSlide9.xml><?xml version="1.0" encoding="utf-8"?>
+<p:notes xmlns:a="http://schemas.openxmlformats.org/drawingml/2006/main" xmlns:r="http://schemas.openxmlformats.org/officeDocument/2006/relationships" xmlns:p="http://schemas.openxmlformats.org/presentationml/2006/main">
+  <p:cSld>
+    <p:spTree>
+      <p:nvGrpSpPr>
+        <p:cNvPr id="1" name=""/>
+        <p:cNvGrpSpPr/>
+        <p:nvPr/>
+      </p:nvGrpSpPr>
+      <p:grpSpPr>
+        <a:xfrm>
+          <a:off x="0" y="0"/>
+          <a:ext cx="0" cy="0"/>
+          <a:chOff x="0" y="0"/>
+          <a:chExt cx="0" cy="0"/>
+        </a:xfrm>
+      </p:grpSpPr>
+      <p:sp>
+        <p:nvSpPr>
+          <p:cNvPr id="2" name="Folienbildplatzhalter 1"/>
+          <p:cNvSpPr>
+            <a:spLocks noGrp="1" noRot="1" noChangeAspect="1"/>
+          </p:cNvSpPr>
+          <p:nvPr>
+            <p:ph type="sldImg"/>
+          </p:nvPr>
+        </p:nvSpPr>
+        <p:spPr/>
+      </p:sp>
+      <p:sp>
+        <p:nvSpPr>
+          <p:cNvPr id="3" name="Notizenplatzhalter 2"/>
+          <p:cNvSpPr>
+            <a:spLocks noGrp="1"/>
+          </p:cNvSpPr>
+          <p:nvPr>
+            <p:ph type="body" idx="1"/>
+          </p:nvPr>
+        </p:nvSpPr>
+        <p:spPr/>
+        <p:txBody>
+          <a:bodyPr>
+            <a:normAutofit/>
+          </a:bodyPr>
+          <a:lstStyle/>
+          <a:p>
+            <a:r>
+              <a:rPr lang="de-CH" dirty="0" smtClean="0"/>
+              <a:t>Mosi: Testreihen zeigen, eine ausführlich (Gangbreite),</a:t>
+            </a:r>
+            <a:r>
+              <a:rPr lang="de-CH" baseline="0" dirty="0" smtClean="0"/>
+              <a:t> Rest gar nicht - kurz</a:t>
+            </a:r>
+            <a:endParaRPr lang="de-CH" dirty="0"/>
+          </a:p>
+        </p:txBody>
+      </p:sp>
+      <p:sp>
+        <p:nvSpPr>
+          <p:cNvPr id="4" name="Foliennummernplatzhalter 3"/>
+          <p:cNvSpPr>
+            <a:spLocks noGrp="1"/>
+          </p:cNvSpPr>
+          <p:nvPr>
+            <p:ph type="sldNum" sz="quarter" idx="10"/>
+          </p:nvPr>
+        </p:nvSpPr>
+        <p:spPr/>
+        <p:txBody>
+          <a:bodyPr/>
+          <a:lstStyle/>
+          <a:p>
+            <a:fld id="{BAAA3D3A-D023-45E8-8EA3-7B1A54BA81CA}" type="slidenum">
+              <a:rPr lang="de-CH" smtClean="0"/>
+              <a:t>16</a:t>
+            </a:fld>
+            <a:endParaRPr lang="de-CH"/>
+          </a:p>
+        </p:txBody>
+      </p:sp>
+    </p:spTree>
+  </p:cSld>
+  <p:clrMapOvr>
+    <a:masterClrMapping/>
+  </p:clrMapOvr>
+</p:notes>
+</file>
+
 <file path=ppt/slideLayouts/slideLayout1.xml><?xml version="1.0" encoding="utf-8"?>
 <p:sldLayout xmlns:a="http://schemas.openxmlformats.org/drawingml/2006/main" xmlns:r="http://schemas.openxmlformats.org/officeDocument/2006/relationships" xmlns:p="http://schemas.openxmlformats.org/presentationml/2006/main" type="title" preserve="1">
   <p:cSld name="Titelfolie">
@@ -296,6 +1831,7 @@
           <a:p>
             <a:fld id="{D2037535-B481-4E56-AA92-0DD4B5EB6187}" type="datetimeFigureOut">
               <a:rPr lang="de-CH" smtClean="0"/>
+              <a:pPr/>
               <a:t>17.12.2012</a:t>
             </a:fld>
             <a:endParaRPr lang="de-CH"/>
@@ -338,6 +1874,7 @@
           <a:p>
             <a:fld id="{8969DB39-9E70-474F-9A85-81F67A0EA78C}" type="slidenum">
               <a:rPr lang="de-CH" smtClean="0"/>
+              <a:pPr/>
               <a:t>‹Nr.›</a:t>
             </a:fld>
             <a:endParaRPr lang="de-CH"/>
@@ -461,6 +1998,7 @@
           <a:p>
             <a:fld id="{D2037535-B481-4E56-AA92-0DD4B5EB6187}" type="datetimeFigureOut">
               <a:rPr lang="de-CH" smtClean="0"/>
+              <a:pPr/>
               <a:t>17.12.2012</a:t>
             </a:fld>
             <a:endParaRPr lang="de-CH"/>
@@ -503,6 +2041,7 @@
           <a:p>
             <a:fld id="{8969DB39-9E70-474F-9A85-81F67A0EA78C}" type="slidenum">
               <a:rPr lang="de-CH" smtClean="0"/>
+              <a:pPr/>
               <a:t>‹Nr.›</a:t>
             </a:fld>
             <a:endParaRPr lang="de-CH"/>
@@ -636,6 +2175,7 @@
           <a:p>
             <a:fld id="{D2037535-B481-4E56-AA92-0DD4B5EB6187}" type="datetimeFigureOut">
               <a:rPr lang="de-CH" smtClean="0"/>
+              <a:pPr/>
               <a:t>17.12.2012</a:t>
             </a:fld>
             <a:endParaRPr lang="de-CH"/>
@@ -678,6 +2218,7 @@
           <a:p>
             <a:fld id="{8969DB39-9E70-474F-9A85-81F67A0EA78C}" type="slidenum">
               <a:rPr lang="de-CH" smtClean="0"/>
+              <a:pPr/>
               <a:t>‹Nr.›</a:t>
             </a:fld>
             <a:endParaRPr lang="de-CH"/>
@@ -801,6 +2342,7 @@
           <a:p>
             <a:fld id="{D2037535-B481-4E56-AA92-0DD4B5EB6187}" type="datetimeFigureOut">
               <a:rPr lang="de-CH" smtClean="0"/>
+              <a:pPr/>
               <a:t>17.12.2012</a:t>
             </a:fld>
             <a:endParaRPr lang="de-CH"/>
@@ -843,6 +2385,7 @@
           <a:p>
             <a:fld id="{8969DB39-9E70-474F-9A85-81F67A0EA78C}" type="slidenum">
               <a:rPr lang="de-CH" smtClean="0"/>
+              <a:pPr/>
               <a:t>‹Nr.›</a:t>
             </a:fld>
             <a:endParaRPr lang="de-CH"/>
@@ -1043,6 +2586,7 @@
           <a:p>
             <a:fld id="{D2037535-B481-4E56-AA92-0DD4B5EB6187}" type="datetimeFigureOut">
               <a:rPr lang="de-CH" smtClean="0"/>
+              <a:pPr/>
               <a:t>17.12.2012</a:t>
             </a:fld>
             <a:endParaRPr lang="de-CH"/>
@@ -1085,6 +2629,7 @@
           <a:p>
             <a:fld id="{8969DB39-9E70-474F-9A85-81F67A0EA78C}" type="slidenum">
               <a:rPr lang="de-CH" smtClean="0"/>
+              <a:pPr/>
               <a:t>‹Nr.›</a:t>
             </a:fld>
             <a:endParaRPr lang="de-CH"/>
@@ -1307,6 +2852,7 @@
           <a:p>
             <a:fld id="{D2037535-B481-4E56-AA92-0DD4B5EB6187}" type="datetimeFigureOut">
               <a:rPr lang="de-CH" smtClean="0"/>
+              <a:pPr/>
               <a:t>17.12.2012</a:t>
             </a:fld>
             <a:endParaRPr lang="de-CH"/>
@@ -1349,6 +2895,7 @@
           <a:p>
             <a:fld id="{8969DB39-9E70-474F-9A85-81F67A0EA78C}" type="slidenum">
               <a:rPr lang="de-CH" smtClean="0"/>
+              <a:pPr/>
               <a:t>‹Nr.›</a:t>
             </a:fld>
             <a:endParaRPr lang="de-CH"/>
@@ -1685,6 +3232,7 @@
           <a:p>
             <a:fld id="{D2037535-B481-4E56-AA92-0DD4B5EB6187}" type="datetimeFigureOut">
               <a:rPr lang="de-CH" smtClean="0"/>
+              <a:pPr/>
               <a:t>17.12.2012</a:t>
             </a:fld>
             <a:endParaRPr lang="de-CH"/>
@@ -1727,6 +3275,7 @@
           <a:p>
             <a:fld id="{8969DB39-9E70-474F-9A85-81F67A0EA78C}" type="slidenum">
               <a:rPr lang="de-CH" smtClean="0"/>
+              <a:pPr/>
               <a:t>‹Nr.›</a:t>
             </a:fld>
             <a:endParaRPr lang="de-CH"/>
@@ -1835,6 +3384,7 @@
           <a:p>
             <a:fld id="{D2037535-B481-4E56-AA92-0DD4B5EB6187}" type="datetimeFigureOut">
               <a:rPr lang="de-CH" smtClean="0"/>
+              <a:pPr/>
               <a:t>17.12.2012</a:t>
             </a:fld>
             <a:endParaRPr lang="de-CH"/>
@@ -1877,6 +3427,7 @@
           <a:p>
             <a:fld id="{8969DB39-9E70-474F-9A85-81F67A0EA78C}" type="slidenum">
               <a:rPr lang="de-CH" smtClean="0"/>
+              <a:pPr/>
               <a:t>‹Nr.›</a:t>
             </a:fld>
             <a:endParaRPr lang="de-CH"/>
@@ -1925,6 +3476,7 @@
           <a:p>
             <a:fld id="{D2037535-B481-4E56-AA92-0DD4B5EB6187}" type="datetimeFigureOut">
               <a:rPr lang="de-CH" smtClean="0"/>
+              <a:pPr/>
               <a:t>17.12.2012</a:t>
             </a:fld>
             <a:endParaRPr lang="de-CH"/>
@@ -1967,6 +3519,7 @@
           <a:p>
             <a:fld id="{8969DB39-9E70-474F-9A85-81F67A0EA78C}" type="slidenum">
               <a:rPr lang="de-CH" smtClean="0"/>
+              <a:pPr/>
               <a:t>‹Nr.›</a:t>
             </a:fld>
             <a:endParaRPr lang="de-CH"/>
@@ -2186,6 +3739,7 @@
           <a:p>
             <a:fld id="{D2037535-B481-4E56-AA92-0DD4B5EB6187}" type="datetimeFigureOut">
               <a:rPr lang="de-CH" smtClean="0"/>
+              <a:pPr/>
               <a:t>17.12.2012</a:t>
             </a:fld>
             <a:endParaRPr lang="de-CH"/>
@@ -2228,6 +3782,7 @@
           <a:p>
             <a:fld id="{8969DB39-9E70-474F-9A85-81F67A0EA78C}" type="slidenum">
               <a:rPr lang="de-CH" smtClean="0"/>
+              <a:pPr/>
               <a:t>‹Nr.›</a:t>
             </a:fld>
             <a:endParaRPr lang="de-CH"/>
@@ -2474,6 +4029,7 @@
           <a:p>
             <a:fld id="{D2037535-B481-4E56-AA92-0DD4B5EB6187}" type="datetimeFigureOut">
               <a:rPr lang="de-CH" smtClean="0"/>
+              <a:pPr/>
               <a:t>17.12.2012</a:t>
             </a:fld>
             <a:endParaRPr lang="de-CH"/>
@@ -2521,6 +4077,7 @@
           <a:p>
             <a:fld id="{8969DB39-9E70-474F-9A85-81F67A0EA78C}" type="slidenum">
               <a:rPr lang="de-CH" smtClean="0"/>
+              <a:pPr/>
               <a:t>‹Nr.›</a:t>
             </a:fld>
             <a:endParaRPr lang="de-CH"/>
@@ -3245,6 +4802,7 @@
           <a:p>
             <a:fld id="{D2037535-B481-4E56-AA92-0DD4B5EB6187}" type="datetimeFigureOut">
               <a:rPr lang="de-CH" smtClean="0"/>
+              <a:pPr/>
               <a:t>17.12.2012</a:t>
             </a:fld>
             <a:endParaRPr lang="de-CH"/>
@@ -3323,6 +4881,7 @@
           <a:p>
             <a:fld id="{8969DB39-9E70-474F-9A85-81F67A0EA78C}" type="slidenum">
               <a:rPr lang="de-CH" smtClean="0"/>
+              <a:pPr/>
               <a:t>‹Nr.›</a:t>
             </a:fld>
             <a:endParaRPr lang="de-CH"/>
@@ -3884,7 +5443,19 @@
             </a:r>
             <a:r>
               <a:rPr lang="de-CH" dirty="0" smtClean="0"/>
-              <a:t> Dynamics in </a:t>
+              <a:t> </a:t>
+            </a:r>
+            <a:r>
+              <a:rPr lang="de-CH" dirty="0" err="1" smtClean="0"/>
+              <a:t>dynamics</a:t>
+            </a:r>
+            <a:r>
+              <a:rPr lang="de-CH" dirty="0" smtClean="0"/>
+              <a:t> </a:t>
+            </a:r>
+            <a:r>
+              <a:rPr lang="de-CH" dirty="0" smtClean="0"/>
+              <a:t>in </a:t>
             </a:r>
             <a:r>
               <a:rPr lang="de-CH" dirty="0" err="1" smtClean="0"/>
@@ -3920,7 +5491,12 @@
             <p:ph type="subTitle" idx="1"/>
           </p:nvPr>
         </p:nvSpPr>
-        <p:spPr/>
+        <p:spPr>
+          <a:xfrm>
+            <a:off x="533400" y="3228536"/>
+            <a:ext cx="7854696" cy="2792752"/>
+          </a:xfrm>
+        </p:spPr>
         <p:txBody>
           <a:bodyPr/>
           <a:lstStyle/>
@@ -3947,22 +5523,36 @@
               <a:rPr lang="de-CH" dirty="0" smtClean="0"/>
             </a:br>
             <a:r>
-              <a:rPr lang="de-CH" dirty="0" err="1" smtClean="0"/>
+              <a:rPr lang="de-CH" dirty="0" smtClean="0"/>
+              <a:t/>
+            </a:r>
+            <a:br>
+              <a:rPr lang="de-CH" dirty="0" smtClean="0"/>
+            </a:br>
+            <a:r>
+              <a:rPr lang="de-CH" dirty="0" smtClean="0"/>
+              <a:t/>
+            </a:r>
+            <a:br>
+              <a:rPr lang="de-CH" dirty="0" smtClean="0"/>
+            </a:br>
+            <a:r>
+              <a:rPr lang="de-CH" sz="2000" dirty="0" err="1" smtClean="0"/>
               <a:t>Zurich</a:t>
             </a:r>
             <a:r>
-              <a:rPr lang="de-CH" dirty="0" smtClean="0"/>
+              <a:rPr lang="de-CH" sz="2000" dirty="0" smtClean="0"/>
               <a:t>, </a:t>
             </a:r>
             <a:r>
-              <a:rPr lang="de-CH" dirty="0" err="1" smtClean="0"/>
+              <a:rPr lang="de-CH" sz="2000" dirty="0" err="1" smtClean="0"/>
               <a:t>December</a:t>
             </a:r>
             <a:r>
-              <a:rPr lang="de-CH" dirty="0" smtClean="0"/>
+              <a:rPr lang="de-CH" sz="2000" dirty="0" smtClean="0"/>
               <a:t> 2012</a:t>
             </a:r>
-            <a:endParaRPr lang="de-CH" dirty="0"/>
+            <a:endParaRPr lang="de-CH" sz="2000" dirty="0"/>
           </a:p>
         </p:txBody>
       </p:sp>
@@ -4054,203 +5644,153 @@
           <a:p>
             <a:r>
               <a:rPr lang="de-CH" dirty="0" err="1" smtClean="0"/>
-              <a:t>Following</a:t>
-            </a:r>
-            <a:r>
-              <a:rPr lang="de-CH" dirty="0" smtClean="0"/>
-              <a:t> </a:t>
-            </a:r>
-            <a:r>
-              <a:rPr lang="de-CH" dirty="0" err="1" smtClean="0"/>
-              <a:t>another</a:t>
-            </a:r>
-            <a:r>
-              <a:rPr lang="de-CH" dirty="0" smtClean="0"/>
-              <a:t> </a:t>
-            </a:r>
-            <a:r>
-              <a:rPr lang="de-CH" dirty="0" err="1" smtClean="0"/>
-              <a:t>agent</a:t>
-            </a:r>
-            <a:r>
-              <a:rPr lang="de-CH" dirty="0" smtClean="0"/>
-              <a:t>: </a:t>
-            </a:r>
-            <a:r>
-              <a:rPr lang="de-CH" dirty="0" err="1" smtClean="0"/>
-              <a:t>DISPERSIONFACTOR</a:t>
-            </a:r>
-            <a:r>
-              <a:rPr lang="de-CH" dirty="0" smtClean="0"/>
-              <a:t/>
-            </a:r>
-            <a:br>
-              <a:rPr lang="de-CH" dirty="0" smtClean="0"/>
-            </a:br>
-            <a:endParaRPr lang="de-CH" dirty="0" smtClean="0"/>
-          </a:p>
-          <a:p>
-            <a:pPr>
-              <a:buNone/>
-            </a:pPr>
-            <a:r>
-              <a:rPr lang="de-CH" dirty="0" smtClean="0">
-                <a:sym typeface="Wingdings" pitchFamily="2" charset="2"/>
-              </a:rPr>
-              <a:t>   </a:t>
-            </a:r>
-            <a:r>
-              <a:rPr lang="de-CH" dirty="0" err="1" smtClean="0">
-                <a:sym typeface="Wingdings" pitchFamily="2" charset="2"/>
-              </a:rPr>
-              <a:t>If</a:t>
-            </a:r>
-            <a:r>
-              <a:rPr lang="de-CH" dirty="0" smtClean="0">
-                <a:sym typeface="Wingdings" pitchFamily="2" charset="2"/>
-              </a:rPr>
-              <a:t> </a:t>
-            </a:r>
-            <a:r>
-              <a:rPr lang="de-CH" dirty="0" smtClean="0"/>
-              <a:t>&gt; </a:t>
-            </a:r>
-            <a:r>
-              <a:rPr lang="de-CH" dirty="0" smtClean="0"/>
-              <a:t>0: Try </a:t>
-            </a:r>
-            <a:r>
-              <a:rPr lang="de-CH" dirty="0" err="1" smtClean="0"/>
-              <a:t>to</a:t>
-            </a:r>
-            <a:r>
-              <a:rPr lang="de-CH" dirty="0" smtClean="0"/>
-              <a:t> </a:t>
-            </a:r>
-            <a:r>
-              <a:rPr lang="de-CH" dirty="0" err="1" smtClean="0"/>
-              <a:t>overtake</a:t>
-            </a:r>
-            <a:r>
-              <a:rPr lang="de-CH" dirty="0" smtClean="0"/>
-              <a:t>, </a:t>
-            </a:r>
-            <a:r>
-              <a:rPr lang="de-CH" dirty="0" err="1" smtClean="0"/>
-              <a:t>treated</a:t>
-            </a:r>
-            <a:r>
-              <a:rPr lang="de-CH" dirty="0" smtClean="0"/>
-              <a:t> </a:t>
-            </a:r>
-            <a:r>
-              <a:rPr lang="de-CH" dirty="0" err="1" smtClean="0"/>
-              <a:t>like</a:t>
-            </a:r>
-            <a:r>
-              <a:rPr lang="de-CH" dirty="0" smtClean="0"/>
-              <a:t> </a:t>
-            </a:r>
-            <a:r>
-              <a:rPr lang="de-CH" dirty="0" err="1" smtClean="0"/>
-              <a:t>crossing</a:t>
-            </a:r>
-            <a:r>
-              <a:rPr lang="de-CH" dirty="0" smtClean="0"/>
-              <a:t> </a:t>
-            </a:r>
-            <a:r>
-              <a:rPr lang="de-CH" dirty="0" err="1" smtClean="0"/>
-              <a:t>agent</a:t>
-            </a:r>
-            <a:endParaRPr lang="de-CH" dirty="0" smtClean="0"/>
-          </a:p>
-          <a:p>
-            <a:pPr>
-              <a:buNone/>
-            </a:pPr>
-            <a:r>
-              <a:rPr lang="de-CH" dirty="0" smtClean="0">
-                <a:sym typeface="Wingdings" pitchFamily="2" charset="2"/>
-              </a:rPr>
-              <a:t>   </a:t>
-            </a:r>
-            <a:r>
-              <a:rPr lang="de-CH" dirty="0" err="1" smtClean="0">
-                <a:sym typeface="Wingdings" pitchFamily="2" charset="2"/>
-              </a:rPr>
-              <a:t>If</a:t>
-            </a:r>
-            <a:r>
-              <a:rPr lang="de-CH" dirty="0" smtClean="0">
-                <a:sym typeface="Wingdings" pitchFamily="2" charset="2"/>
-              </a:rPr>
-              <a:t> </a:t>
-            </a:r>
-            <a:r>
-              <a:rPr lang="de-CH" dirty="0" smtClean="0"/>
-              <a:t>&lt; </a:t>
-            </a:r>
-            <a:r>
-              <a:rPr lang="de-CH" dirty="0" smtClean="0"/>
-              <a:t>0: Try </a:t>
-            </a:r>
-            <a:r>
-              <a:rPr lang="de-CH" dirty="0" err="1" smtClean="0"/>
-              <a:t>to</a:t>
-            </a:r>
-            <a:r>
-              <a:rPr lang="de-CH" dirty="0" smtClean="0"/>
-              <a:t> </a:t>
-            </a:r>
-            <a:r>
-              <a:rPr lang="de-CH" dirty="0" err="1" smtClean="0"/>
-              <a:t>follow</a:t>
-            </a:r>
-            <a:r>
-              <a:rPr lang="de-CH" dirty="0" smtClean="0"/>
-              <a:t> </a:t>
-            </a:r>
-            <a:r>
-              <a:rPr lang="de-CH" dirty="0" err="1" smtClean="0"/>
-              <a:t>the</a:t>
-            </a:r>
-            <a:r>
-              <a:rPr lang="de-CH" dirty="0" smtClean="0"/>
-              <a:t> </a:t>
-            </a:r>
-            <a:r>
-              <a:rPr lang="de-CH" dirty="0" err="1" smtClean="0"/>
-              <a:t>other</a:t>
-            </a:r>
-            <a:r>
-              <a:rPr lang="de-CH" dirty="0" smtClean="0"/>
-              <a:t> </a:t>
-            </a:r>
-            <a:r>
-              <a:rPr lang="de-CH" dirty="0" err="1" smtClean="0"/>
-              <a:t>agent</a:t>
-            </a:r>
-            <a:r>
-              <a:rPr lang="de-CH" dirty="0" smtClean="0"/>
-              <a:t>, </a:t>
-            </a:r>
-            <a:r>
-              <a:rPr lang="de-CH" dirty="0" err="1" smtClean="0"/>
-              <a:t>Gaussian</a:t>
-            </a:r>
-            <a:endParaRPr lang="de-DE" dirty="0" smtClean="0"/>
-          </a:p>
-          <a:p>
+              <a:t>Crossing</a:t>
+            </a:r>
+            <a:r>
+              <a:rPr lang="de-CH" dirty="0" smtClean="0"/>
+              <a:t> </a:t>
+            </a:r>
+            <a:r>
+              <a:rPr lang="de-CH" dirty="0" err="1" smtClean="0"/>
+              <a:t>agents</a:t>
+            </a:r>
+            <a:r>
+              <a:rPr lang="de-CH" dirty="0" smtClean="0"/>
+              <a:t>: Absolute </a:t>
+            </a:r>
+            <a:r>
+              <a:rPr lang="de-CH" dirty="0" err="1" smtClean="0"/>
+              <a:t>hyperbel</a:t>
+            </a:r>
+            <a:r>
+              <a:rPr lang="de-CH" dirty="0" smtClean="0"/>
+              <a:t> </a:t>
+            </a:r>
+            <a:r>
+              <a:rPr lang="de-CH" dirty="0" err="1" smtClean="0"/>
+              <a:t>functions</a:t>
+            </a:r>
             <a:endParaRPr lang="de-CH" dirty="0"/>
           </a:p>
         </p:txBody>
       </p:sp>
+      <p:pic>
+        <p:nvPicPr>
+          <p:cNvPr id="4" name="Picture 2"/>
+          <p:cNvPicPr>
+            <a:picLocks noChangeAspect="1" noChangeArrowheads="1"/>
+          </p:cNvPicPr>
+          <p:nvPr/>
+        </p:nvPicPr>
+        <p:blipFill>
+          <a:blip r:embed="rId2" cstate="print">
+            <a:extLst>
+              <a:ext uri="{28A0092B-C50C-407E-A947-70E740481C1C}">
+                <a14:useLocalDpi xmlns:a14="http://schemas.microsoft.com/office/drawing/2010/main" xmlns="" val="0"/>
+              </a:ext>
+            </a:extLst>
+          </a:blip>
+          <a:srcRect/>
+          <a:stretch>
+            <a:fillRect/>
+          </a:stretch>
+        </p:blipFill>
+        <p:spPr bwMode="auto">
+          <a:xfrm>
+            <a:off x="424086" y="2420888"/>
+            <a:ext cx="4086225" cy="3971925"/>
+          </a:xfrm>
+          <a:prstGeom prst="rect">
+            <a:avLst/>
+          </a:prstGeom>
+          <a:noFill/>
+          <a:ln>
+            <a:noFill/>
+          </a:ln>
+          <a:effectLst/>
+          <a:extLst>
+            <a:ext uri="{909E8E84-426E-40DD-AFC4-6F175D3DCCD1}">
+              <a14:hiddenFill xmlns:a14="http://schemas.microsoft.com/office/drawing/2010/main" xmlns="">
+                <a:solidFill>
+                  <a:schemeClr val="accent1"/>
+                </a:solidFill>
+              </a14:hiddenFill>
+            </a:ext>
+            <a:ext uri="{91240B29-F687-4F45-9708-019B960494DF}">
+              <a14:hiddenLine xmlns:a14="http://schemas.microsoft.com/office/drawing/2010/main" xmlns="" w="9525">
+                <a:solidFill>
+                  <a:schemeClr val="tx1"/>
+                </a:solidFill>
+                <a:miter lim="800000"/>
+                <a:headEnd/>
+                <a:tailEnd/>
+              </a14:hiddenLine>
+            </a:ext>
+            <a:ext uri="{AF507438-7753-43E0-B8FC-AC1667EBCBE1}">
+              <a14:hiddenEffects xmlns:a14="http://schemas.microsoft.com/office/drawing/2010/main" xmlns="">
+                <a:effectLst>
+                  <a:outerShdw dist="35921" dir="2700000" algn="ctr" rotWithShape="0">
+                    <a:schemeClr val="bg2"/>
+                  </a:outerShdw>
+                </a:effectLst>
+              </a14:hiddenEffects>
+            </a:ext>
+          </a:extLst>
+        </p:spPr>
+      </p:pic>
+      <p:pic>
+        <p:nvPicPr>
+          <p:cNvPr id="5" name="Picture 3" descr="C:\Users\Yannick\github\MSSSM\doc\latex\pictures\Bsp1ObenRechts.png"/>
+          <p:cNvPicPr>
+            <a:picLocks noChangeAspect="1" noChangeArrowheads="1"/>
+          </p:cNvPicPr>
+          <p:nvPr/>
+        </p:nvPicPr>
+        <p:blipFill>
+          <a:blip r:embed="rId3" cstate="print">
+            <a:extLst>
+              <a:ext uri="{28A0092B-C50C-407E-A947-70E740481C1C}">
+                <a14:useLocalDpi xmlns:a14="http://schemas.microsoft.com/office/drawing/2010/main" xmlns="" val="0"/>
+              </a:ext>
+            </a:extLst>
+          </a:blip>
+          <a:srcRect/>
+          <a:stretch>
+            <a:fillRect/>
+          </a:stretch>
+        </p:blipFill>
+        <p:spPr bwMode="auto">
+          <a:xfrm>
+            <a:off x="4510311" y="2797282"/>
+            <a:ext cx="4382169" cy="3280769"/>
+          </a:xfrm>
+          <a:prstGeom prst="rect">
+            <a:avLst/>
+          </a:prstGeom>
+          <a:noFill/>
+          <a:extLst>
+            <a:ext uri="{909E8E84-426E-40DD-AFC4-6F175D3DCCD1}">
+              <a14:hiddenFill xmlns:a14="http://schemas.microsoft.com/office/drawing/2010/main" xmlns="">
+                <a:solidFill>
+                  <a:srgbClr val="FFFFFF"/>
+                </a:solidFill>
+              </a14:hiddenFill>
+            </a:ext>
+          </a:extLst>
+        </p:spPr>
+      </p:pic>
     </p:spTree>
   </p:cSld>
   <p:clrMapOvr>
     <a:masterClrMapping/>
   </p:clrMapOvr>
+  <p:timing>
+    <p:tnLst>
+      <p:par>
+        <p:cTn id="1" dur="indefinite" restart="never" nodeType="tmRoot"/>
+      </p:par>
+    </p:tnLst>
+  </p:timing>
 </p:sld>
 </file>
 
@@ -4286,7 +5826,27 @@
           <a:bodyPr/>
           <a:lstStyle/>
           <a:p>
-            <a:endParaRPr lang="de-CH"/>
+            <a:r>
+              <a:rPr lang="de-CH" dirty="0" smtClean="0"/>
+              <a:t>The </a:t>
+            </a:r>
+            <a:r>
+              <a:rPr lang="de-CH" dirty="0" err="1" smtClean="0"/>
+              <a:t>logic</a:t>
+            </a:r>
+            <a:r>
+              <a:rPr lang="de-CH" dirty="0" smtClean="0"/>
+              <a:t> in </a:t>
+            </a:r>
+            <a:r>
+              <a:rPr lang="de-CH" dirty="0" err="1" smtClean="0"/>
+              <a:t>our</a:t>
+            </a:r>
+            <a:r>
+              <a:rPr lang="de-CH" dirty="0" smtClean="0"/>
+              <a:t> model</a:t>
+            </a:r>
+            <a:endParaRPr lang="de-CH" dirty="0"/>
           </a:p>
         </p:txBody>
       </p:sp>
@@ -4305,15 +5865,157 @@
           <a:bodyPr/>
           <a:lstStyle/>
           <a:p>
-            <a:endParaRPr lang="de-CH"/>
-          </a:p>
-        </p:txBody>
-      </p:sp>
+            <a:r>
+              <a:rPr lang="de-CH" dirty="0" smtClean="0"/>
+              <a:t>Wall </a:t>
+            </a:r>
+            <a:r>
+              <a:rPr lang="de-CH" dirty="0" err="1" smtClean="0"/>
+              <a:t>agents</a:t>
+            </a:r>
+            <a:r>
+              <a:rPr lang="de-CH" dirty="0" smtClean="0"/>
+              <a:t>: Box-</a:t>
+            </a:r>
+            <a:r>
+              <a:rPr lang="de-CH" dirty="0" err="1" smtClean="0"/>
+              <a:t>like</a:t>
+            </a:r>
+            <a:r>
+              <a:rPr lang="de-CH" dirty="0" smtClean="0"/>
+              <a:t> </a:t>
+            </a:r>
+            <a:r>
+              <a:rPr lang="de-CH" dirty="0" err="1" smtClean="0"/>
+              <a:t>function</a:t>
+            </a:r>
+            <a:endParaRPr lang="de-DE" dirty="0" smtClean="0"/>
+          </a:p>
+          <a:p>
+            <a:pPr>
+              <a:buNone/>
+            </a:pPr>
+            <a:endParaRPr lang="de-CH" dirty="0"/>
+          </a:p>
+        </p:txBody>
+      </p:sp>
+      <p:pic>
+        <p:nvPicPr>
+          <p:cNvPr id="4" name="Picture 3"/>
+          <p:cNvPicPr>
+            <a:picLocks noChangeAspect="1" noChangeArrowheads="1"/>
+          </p:cNvPicPr>
+          <p:nvPr/>
+        </p:nvPicPr>
+        <p:blipFill>
+          <a:blip r:embed="rId2" cstate="print">
+            <a:extLst>
+              <a:ext uri="{28A0092B-C50C-407E-A947-70E740481C1C}">
+                <a14:useLocalDpi xmlns:a14="http://schemas.microsoft.com/office/drawing/2010/main" xmlns="" val="0"/>
+              </a:ext>
+            </a:extLst>
+          </a:blip>
+          <a:srcRect/>
+          <a:stretch>
+            <a:fillRect/>
+          </a:stretch>
+        </p:blipFill>
+        <p:spPr bwMode="auto">
+          <a:xfrm>
+            <a:off x="539552" y="2564904"/>
+            <a:ext cx="4010025" cy="3752850"/>
+          </a:xfrm>
+          <a:prstGeom prst="rect">
+            <a:avLst/>
+          </a:prstGeom>
+          <a:noFill/>
+          <a:ln>
+            <a:noFill/>
+          </a:ln>
+          <a:effectLst/>
+          <a:extLst>
+            <a:ext uri="{909E8E84-426E-40DD-AFC4-6F175D3DCCD1}">
+              <a14:hiddenFill xmlns:a14="http://schemas.microsoft.com/office/drawing/2010/main" xmlns="">
+                <a:solidFill>
+                  <a:schemeClr val="accent1"/>
+                </a:solidFill>
+              </a14:hiddenFill>
+            </a:ext>
+            <a:ext uri="{91240B29-F687-4F45-9708-019B960494DF}">
+              <a14:hiddenLine xmlns:a14="http://schemas.microsoft.com/office/drawing/2010/main" xmlns="" w="9525">
+                <a:solidFill>
+                  <a:schemeClr val="tx1"/>
+                </a:solidFill>
+                <a:miter lim="800000"/>
+                <a:headEnd/>
+                <a:tailEnd/>
+              </a14:hiddenLine>
+            </a:ext>
+            <a:ext uri="{AF507438-7753-43E0-B8FC-AC1667EBCBE1}">
+              <a14:hiddenEffects xmlns:a14="http://schemas.microsoft.com/office/drawing/2010/main" xmlns="">
+                <a:effectLst>
+                  <a:outerShdw dist="35921" dir="2700000" algn="ctr" rotWithShape="0">
+                    <a:schemeClr val="bg2"/>
+                  </a:outerShdw>
+                </a:effectLst>
+              </a14:hiddenEffects>
+            </a:ext>
+          </a:extLst>
+        </p:spPr>
+      </p:pic>
+      <p:pic>
+        <p:nvPicPr>
+          <p:cNvPr id="5" name="Picture 2" descr="C:\Users\Yannick\github\MSSSM\doc\latex\pictures\Bsp1LinksUnten.png"/>
+          <p:cNvPicPr>
+            <a:picLocks noChangeAspect="1" noChangeArrowheads="1"/>
+          </p:cNvPicPr>
+          <p:nvPr/>
+        </p:nvPicPr>
+        <p:blipFill>
+          <a:blip r:embed="rId3" cstate="print">
+            <a:extLst>
+              <a:ext uri="{28A0092B-C50C-407E-A947-70E740481C1C}">
+                <a14:useLocalDpi xmlns:a14="http://schemas.microsoft.com/office/drawing/2010/main" xmlns="" val="0"/>
+              </a:ext>
+            </a:extLst>
+          </a:blip>
+          <a:srcRect/>
+          <a:stretch>
+            <a:fillRect/>
+          </a:stretch>
+        </p:blipFill>
+        <p:spPr bwMode="auto">
+          <a:xfrm>
+            <a:off x="4499992" y="2815643"/>
+            <a:ext cx="4342903" cy="3251371"/>
+          </a:xfrm>
+          <a:prstGeom prst="rect">
+            <a:avLst/>
+          </a:prstGeom>
+          <a:noFill/>
+          <a:extLst>
+            <a:ext uri="{909E8E84-426E-40DD-AFC4-6F175D3DCCD1}">
+              <a14:hiddenFill xmlns:a14="http://schemas.microsoft.com/office/drawing/2010/main" xmlns="">
+                <a:solidFill>
+                  <a:srgbClr val="FFFFFF"/>
+                </a:solidFill>
+              </a14:hiddenFill>
+            </a:ext>
+          </a:extLst>
+        </p:spPr>
+      </p:pic>
     </p:spTree>
   </p:cSld>
   <p:clrMapOvr>
     <a:masterClrMapping/>
   </p:clrMapOvr>
+  <p:timing>
+    <p:tnLst>
+      <p:par>
+        <p:cTn id="1" dur="indefinite" restart="never" nodeType="tmRoot"/>
+      </p:par>
+    </p:tnLst>
+  </p:timing>
 </p:sld>
 </file>
 
@@ -4349,7 +6051,27 @@
           <a:bodyPr/>
           <a:lstStyle/>
           <a:p>
-            <a:endParaRPr lang="de-CH"/>
+            <a:r>
+              <a:rPr lang="de-CH" dirty="0" smtClean="0"/>
+              <a:t>The </a:t>
+            </a:r>
+            <a:r>
+              <a:rPr lang="de-CH" dirty="0" err="1" smtClean="0"/>
+              <a:t>logic</a:t>
+            </a:r>
+            <a:r>
+              <a:rPr lang="de-CH" dirty="0" smtClean="0"/>
+              <a:t> in </a:t>
+            </a:r>
+            <a:r>
+              <a:rPr lang="de-CH" dirty="0" err="1" smtClean="0"/>
+              <a:t>our</a:t>
+            </a:r>
+            <a:r>
+              <a:rPr lang="de-CH" dirty="0" smtClean="0"/>
+              <a:t> model</a:t>
+            </a:r>
+            <a:endParaRPr lang="de-CH" dirty="0"/>
           </a:p>
         </p:txBody>
       </p:sp>
@@ -4368,7 +6090,189 @@
           <a:bodyPr/>
           <a:lstStyle/>
           <a:p>
-            <a:endParaRPr lang="de-CH"/>
+            <a:r>
+              <a:rPr lang="de-CH" dirty="0" err="1" smtClean="0"/>
+              <a:t>Following</a:t>
+            </a:r>
+            <a:r>
+              <a:rPr lang="de-CH" dirty="0" smtClean="0"/>
+              <a:t> </a:t>
+            </a:r>
+            <a:r>
+              <a:rPr lang="de-CH" dirty="0" err="1" smtClean="0"/>
+              <a:t>another</a:t>
+            </a:r>
+            <a:r>
+              <a:rPr lang="de-CH" dirty="0" smtClean="0"/>
+              <a:t> </a:t>
+            </a:r>
+            <a:r>
+              <a:rPr lang="de-CH" dirty="0" err="1" smtClean="0"/>
+              <a:t>agent</a:t>
+            </a:r>
+            <a:r>
+              <a:rPr lang="de-CH" dirty="0" smtClean="0"/>
+              <a:t>: </a:t>
+            </a:r>
+            <a:r>
+              <a:rPr lang="de-CH" dirty="0" err="1" smtClean="0"/>
+              <a:t>DISPERSIONFACTOR</a:t>
+            </a:r>
+            <a:r>
+              <a:rPr lang="de-CH" dirty="0" smtClean="0"/>
+              <a:t/>
+            </a:r>
+            <a:br>
+              <a:rPr lang="de-CH" dirty="0" smtClean="0"/>
+            </a:br>
+            <a:endParaRPr lang="de-CH" dirty="0" smtClean="0"/>
+          </a:p>
+          <a:p>
+            <a:pPr>
+              <a:buNone/>
+            </a:pPr>
+            <a:r>
+              <a:rPr lang="de-CH" dirty="0" smtClean="0">
+                <a:sym typeface="Wingdings" pitchFamily="2" charset="2"/>
+              </a:rPr>
+              <a:t>   </a:t>
+            </a:r>
+            <a:r>
+              <a:rPr lang="de-CH" dirty="0" err="1" smtClean="0">
+                <a:sym typeface="Wingdings" pitchFamily="2" charset="2"/>
+              </a:rPr>
+              <a:t>If</a:t>
+            </a:r>
+            <a:r>
+              <a:rPr lang="de-CH" dirty="0" smtClean="0">
+                <a:sym typeface="Wingdings" pitchFamily="2" charset="2"/>
+              </a:rPr>
+              <a:t> </a:t>
+            </a:r>
+            <a:r>
+              <a:rPr lang="de-CH" dirty="0" smtClean="0"/>
+              <a:t>&gt; 0: Try </a:t>
+            </a:r>
+            <a:r>
+              <a:rPr lang="de-CH" dirty="0" err="1" smtClean="0"/>
+              <a:t>to</a:t>
+            </a:r>
+            <a:r>
+              <a:rPr lang="de-CH" dirty="0" smtClean="0"/>
+              <a:t> </a:t>
+            </a:r>
+            <a:r>
+              <a:rPr lang="de-CH" dirty="0" err="1" smtClean="0"/>
+              <a:t>overtake</a:t>
+            </a:r>
+            <a:r>
+              <a:rPr lang="de-CH" dirty="0" smtClean="0"/>
+              <a:t>, </a:t>
+            </a:r>
+            <a:r>
+              <a:rPr lang="de-CH" dirty="0" err="1" smtClean="0"/>
+              <a:t>treated</a:t>
+            </a:r>
+            <a:r>
+              <a:rPr lang="de-CH" dirty="0" smtClean="0"/>
+              <a:t> </a:t>
+            </a:r>
+            <a:r>
+              <a:rPr lang="de-CH" dirty="0" err="1" smtClean="0"/>
+              <a:t>like</a:t>
+            </a:r>
+            <a:r>
+              <a:rPr lang="de-CH" dirty="0" smtClean="0"/>
+              <a:t> </a:t>
+            </a:r>
+            <a:r>
+              <a:rPr lang="de-CH" dirty="0" err="1" smtClean="0"/>
+              <a:t>crossing</a:t>
+            </a:r>
+            <a:r>
+              <a:rPr lang="de-CH" dirty="0" smtClean="0"/>
+              <a:t> </a:t>
+            </a:r>
+            <a:r>
+              <a:rPr lang="de-CH" dirty="0" err="1" smtClean="0"/>
+              <a:t>agent</a:t>
+            </a:r>
+            <a:endParaRPr lang="de-CH" dirty="0" smtClean="0"/>
+          </a:p>
+          <a:p>
+            <a:pPr>
+              <a:buNone/>
+            </a:pPr>
+            <a:r>
+              <a:rPr lang="de-CH" dirty="0" smtClean="0">
+                <a:sym typeface="Wingdings" pitchFamily="2" charset="2"/>
+              </a:rPr>
+              <a:t>   </a:t>
+            </a:r>
+            <a:r>
+              <a:rPr lang="de-CH" dirty="0" err="1" smtClean="0">
+                <a:sym typeface="Wingdings" pitchFamily="2" charset="2"/>
+              </a:rPr>
+              <a:t>If</a:t>
+            </a:r>
+            <a:r>
+              <a:rPr lang="de-CH" dirty="0" smtClean="0">
+                <a:sym typeface="Wingdings" pitchFamily="2" charset="2"/>
+              </a:rPr>
+              <a:t> </a:t>
+            </a:r>
+            <a:r>
+              <a:rPr lang="de-CH" dirty="0" smtClean="0"/>
+              <a:t>&lt; 0: Try </a:t>
+            </a:r>
+            <a:r>
+              <a:rPr lang="de-CH" dirty="0" err="1" smtClean="0"/>
+              <a:t>to</a:t>
+            </a:r>
+            <a:r>
+              <a:rPr lang="de-CH" dirty="0" smtClean="0"/>
+              <a:t> </a:t>
+            </a:r>
+            <a:r>
+              <a:rPr lang="de-CH" dirty="0" err="1" smtClean="0"/>
+              <a:t>follow</a:t>
+            </a:r>
+            <a:r>
+              <a:rPr lang="de-CH" dirty="0" smtClean="0"/>
+              <a:t> </a:t>
+            </a:r>
+            <a:r>
+              <a:rPr lang="de-CH" dirty="0" err="1" smtClean="0"/>
+              <a:t>the</a:t>
+            </a:r>
+            <a:r>
+              <a:rPr lang="de-CH" dirty="0" smtClean="0"/>
+              <a:t> </a:t>
+            </a:r>
+            <a:r>
+              <a:rPr lang="de-CH" dirty="0" err="1" smtClean="0"/>
+              <a:t>other</a:t>
+            </a:r>
+            <a:r>
+              <a:rPr lang="de-CH" dirty="0" smtClean="0"/>
+              <a:t> </a:t>
+            </a:r>
+            <a:r>
+              <a:rPr lang="de-CH" dirty="0" err="1" smtClean="0"/>
+              <a:t>agent</a:t>
+            </a:r>
+            <a:r>
+              <a:rPr lang="de-CH" dirty="0" smtClean="0"/>
+              <a:t>, </a:t>
+            </a:r>
+            <a:r>
+              <a:rPr lang="de-CH" dirty="0" err="1" smtClean="0"/>
+              <a:t>Gaussian</a:t>
+            </a:r>
+            <a:endParaRPr lang="de-DE" dirty="0" smtClean="0"/>
+          </a:p>
+          <a:p>
+            <a:endParaRPr lang="de-CH" dirty="0"/>
           </a:p>
         </p:txBody>
       </p:sp>
@@ -4377,6 +6281,13 @@
   <p:clrMapOvr>
     <a:masterClrMapping/>
   </p:clrMapOvr>
+  <p:timing>
+    <p:tnLst>
+      <p:par>
+        <p:cTn id="1" dur="indefinite" restart="never" nodeType="tmRoot"/>
+      </p:par>
+    </p:tnLst>
+  </p:timing>
 </p:sld>
 </file>
 
@@ -4413,29 +6324,796 @@
           <a:lstStyle/>
           <a:p>
             <a:r>
+              <a:rPr lang="de-CH" dirty="0" smtClean="0"/>
+              <a:t>Drawing </a:t>
+            </a:r>
+            <a:r>
+              <a:rPr lang="de-CH" dirty="0" err="1" smtClean="0"/>
+              <a:t>of</a:t>
+            </a:r>
+            <a:r>
+              <a:rPr lang="de-CH" dirty="0" smtClean="0"/>
+              <a:t> </a:t>
+            </a:r>
+            <a:r>
+              <a:rPr lang="de-CH" dirty="0" err="1" smtClean="0"/>
+              <a:t>field</a:t>
+            </a:r>
+            <a:r>
+              <a:rPr lang="de-CH" dirty="0" smtClean="0"/>
+              <a:t> &amp; </a:t>
+            </a:r>
+            <a:r>
+              <a:rPr lang="de-CH" dirty="0" err="1" smtClean="0"/>
+              <a:t>agents</a:t>
+            </a:r>
+            <a:endParaRPr lang="de-CH" dirty="0"/>
+          </a:p>
+        </p:txBody>
+      </p:sp>
+      <p:sp>
+        <p:nvSpPr>
+          <p:cNvPr id="3" name="Inhaltsplatzhalter 2"/>
+          <p:cNvSpPr>
+            <a:spLocks noGrp="1"/>
+          </p:cNvSpPr>
+          <p:nvPr>
+            <p:ph idx="1"/>
+          </p:nvPr>
+        </p:nvSpPr>
+        <p:spPr/>
+        <p:txBody>
+          <a:bodyPr/>
+          <a:lstStyle/>
+          <a:p>
+            <a:endParaRPr lang="de-CH"/>
+          </a:p>
+        </p:txBody>
+      </p:sp>
+    </p:spTree>
+  </p:cSld>
+  <p:clrMapOvr>
+    <a:masterClrMapping/>
+  </p:clrMapOvr>
+  <p:timing>
+    <p:tnLst>
+      <p:par>
+        <p:cTn id="1" dur="indefinite" restart="never" nodeType="tmRoot"/>
+      </p:par>
+    </p:tnLst>
+  </p:timing>
+</p:sld>
+</file>
+
+<file path=ppt/slides/slide14.xml><?xml version="1.0" encoding="utf-8"?>
+<p:sld xmlns:a="http://schemas.openxmlformats.org/drawingml/2006/main" xmlns:r="http://schemas.openxmlformats.org/officeDocument/2006/relationships" xmlns:p="http://schemas.openxmlformats.org/presentationml/2006/main">
+  <p:cSld>
+    <p:spTree>
+      <p:nvGrpSpPr>
+        <p:cNvPr id="1" name=""/>
+        <p:cNvGrpSpPr/>
+        <p:nvPr/>
+      </p:nvGrpSpPr>
+      <p:grpSpPr>
+        <a:xfrm>
+          <a:off x="0" y="0"/>
+          <a:ext cx="0" cy="0"/>
+          <a:chOff x="0" y="0"/>
+          <a:chExt cx="0" cy="0"/>
+        </a:xfrm>
+      </p:grpSpPr>
+      <p:sp>
+        <p:nvSpPr>
+          <p:cNvPr id="2" name="Titel 1"/>
+          <p:cNvSpPr>
+            <a:spLocks noGrp="1"/>
+          </p:cNvSpPr>
+          <p:nvPr>
+            <p:ph type="title"/>
+          </p:nvPr>
+        </p:nvSpPr>
+        <p:spPr/>
+        <p:txBody>
+          <a:bodyPr/>
+          <a:lstStyle/>
+          <a:p>
+            <a:endParaRPr lang="de-CH"/>
+          </a:p>
+        </p:txBody>
+      </p:sp>
+      <p:sp>
+        <p:nvSpPr>
+          <p:cNvPr id="3" name="Inhaltsplatzhalter 2"/>
+          <p:cNvSpPr>
+            <a:spLocks noGrp="1"/>
+          </p:cNvSpPr>
+          <p:nvPr>
+            <p:ph idx="1"/>
+          </p:nvPr>
+        </p:nvSpPr>
+        <p:spPr/>
+        <p:txBody>
+          <a:bodyPr/>
+          <a:lstStyle/>
+          <a:p>
+            <a:endParaRPr lang="de-CH"/>
+          </a:p>
+        </p:txBody>
+      </p:sp>
+    </p:spTree>
+  </p:cSld>
+  <p:clrMapOvr>
+    <a:masterClrMapping/>
+  </p:clrMapOvr>
+  <p:timing>
+    <p:tnLst>
+      <p:par>
+        <p:cTn id="1" dur="indefinite" restart="never" nodeType="tmRoot"/>
+      </p:par>
+    </p:tnLst>
+  </p:timing>
+</p:sld>
+</file>
+
+<file path=ppt/slides/slide15.xml><?xml version="1.0" encoding="utf-8"?>
+<p:sld xmlns:a="http://schemas.openxmlformats.org/drawingml/2006/main" xmlns:r="http://schemas.openxmlformats.org/officeDocument/2006/relationships" xmlns:p="http://schemas.openxmlformats.org/presentationml/2006/main">
+  <p:cSld>
+    <p:spTree>
+      <p:nvGrpSpPr>
+        <p:cNvPr id="1" name=""/>
+        <p:cNvGrpSpPr/>
+        <p:nvPr/>
+      </p:nvGrpSpPr>
+      <p:grpSpPr>
+        <a:xfrm>
+          <a:off x="0" y="0"/>
+          <a:ext cx="0" cy="0"/>
+          <a:chOff x="0" y="0"/>
+          <a:chExt cx="0" cy="0"/>
+        </a:xfrm>
+      </p:grpSpPr>
+      <p:sp>
+        <p:nvSpPr>
+          <p:cNvPr id="2" name="Titel 1"/>
+          <p:cNvSpPr>
+            <a:spLocks noGrp="1"/>
+          </p:cNvSpPr>
+          <p:nvPr>
+            <p:ph type="title"/>
+          </p:nvPr>
+        </p:nvSpPr>
+        <p:spPr/>
+        <p:txBody>
+          <a:bodyPr/>
+          <a:lstStyle/>
+          <a:p>
+            <a:r>
+              <a:rPr lang="de-CH" dirty="0" smtClean="0"/>
+              <a:t>Live </a:t>
+            </a:r>
+            <a:r>
+              <a:rPr lang="de-CH" dirty="0" err="1" smtClean="0"/>
+              <a:t>simulation</a:t>
+            </a:r>
+            <a:endParaRPr lang="de-CH" dirty="0"/>
+          </a:p>
+        </p:txBody>
+      </p:sp>
+      <p:sp>
+        <p:nvSpPr>
+          <p:cNvPr id="3" name="Inhaltsplatzhalter 2"/>
+          <p:cNvSpPr>
+            <a:spLocks noGrp="1"/>
+          </p:cNvSpPr>
+          <p:nvPr>
+            <p:ph idx="1"/>
+          </p:nvPr>
+        </p:nvSpPr>
+        <p:spPr/>
+        <p:txBody>
+          <a:bodyPr/>
+          <a:lstStyle/>
+          <a:p>
+            <a:endParaRPr lang="de-CH" dirty="0"/>
+          </a:p>
+        </p:txBody>
+      </p:sp>
+    </p:spTree>
+  </p:cSld>
+  <p:clrMapOvr>
+    <a:masterClrMapping/>
+  </p:clrMapOvr>
+  <p:timing>
+    <p:tnLst>
+      <p:par>
+        <p:cTn id="1" dur="indefinite" restart="never" nodeType="tmRoot"/>
+      </p:par>
+    </p:tnLst>
+  </p:timing>
+</p:sld>
+</file>
+
+<file path=ppt/slides/slide16.xml><?xml version="1.0" encoding="utf-8"?>
+<p:sld xmlns:a="http://schemas.openxmlformats.org/drawingml/2006/main" xmlns:r="http://schemas.openxmlformats.org/officeDocument/2006/relationships" xmlns:p="http://schemas.openxmlformats.org/presentationml/2006/main">
+  <p:cSld>
+    <p:spTree>
+      <p:nvGrpSpPr>
+        <p:cNvPr id="1" name=""/>
+        <p:cNvGrpSpPr/>
+        <p:nvPr/>
+      </p:nvGrpSpPr>
+      <p:grpSpPr>
+        <a:xfrm>
+          <a:off x="0" y="0"/>
+          <a:ext cx="0" cy="0"/>
+          <a:chOff x="0" y="0"/>
+          <a:chExt cx="0" cy="0"/>
+        </a:xfrm>
+      </p:grpSpPr>
+      <p:sp>
+        <p:nvSpPr>
+          <p:cNvPr id="2" name="Titel 1"/>
+          <p:cNvSpPr>
+            <a:spLocks noGrp="1"/>
+          </p:cNvSpPr>
+          <p:nvPr>
+            <p:ph type="title"/>
+          </p:nvPr>
+        </p:nvSpPr>
+        <p:spPr/>
+        <p:txBody>
+          <a:bodyPr/>
+          <a:lstStyle/>
+          <a:p>
+            <a:r>
+              <a:rPr lang="de-DE" dirty="0" err="1" smtClean="0"/>
+              <a:t>Our</a:t>
+            </a:r>
+            <a:r>
+              <a:rPr lang="de-DE" dirty="0" smtClean="0"/>
+              <a:t> </a:t>
+            </a:r>
+            <a:r>
+              <a:rPr lang="de-DE" dirty="0" err="1" smtClean="0"/>
+              <a:t>tests</a:t>
+            </a:r>
+            <a:endParaRPr lang="de-CH" dirty="0"/>
+          </a:p>
+        </p:txBody>
+      </p:sp>
+      <p:sp>
+        <p:nvSpPr>
+          <p:cNvPr id="3" name="Inhaltsplatzhalter 2"/>
+          <p:cNvSpPr>
+            <a:spLocks noGrp="1"/>
+          </p:cNvSpPr>
+          <p:nvPr>
+            <p:ph idx="1"/>
+          </p:nvPr>
+        </p:nvSpPr>
+        <p:spPr/>
+        <p:txBody>
+          <a:bodyPr/>
+          <a:lstStyle/>
+          <a:p>
+            <a:pPr>
+              <a:buNone/>
+            </a:pPr>
+            <a:r>
+              <a:rPr lang="de-DE" dirty="0" err="1" smtClean="0"/>
+              <a:t>We</a:t>
+            </a:r>
+            <a:r>
+              <a:rPr lang="de-DE" dirty="0" smtClean="0"/>
+              <a:t> </a:t>
+            </a:r>
+            <a:r>
+              <a:rPr lang="de-DE" dirty="0" err="1" smtClean="0"/>
+              <a:t>did</a:t>
+            </a:r>
+            <a:r>
+              <a:rPr lang="de-DE" dirty="0" smtClean="0"/>
+              <a:t> </a:t>
+            </a:r>
+            <a:r>
+              <a:rPr lang="de-DE" dirty="0" err="1" smtClean="0"/>
+              <a:t>test</a:t>
+            </a:r>
+            <a:r>
+              <a:rPr lang="de-DE" dirty="0" smtClean="0"/>
+              <a:t> </a:t>
+            </a:r>
+            <a:r>
+              <a:rPr lang="de-DE" dirty="0" err="1" smtClean="0"/>
+              <a:t>series</a:t>
+            </a:r>
+            <a:r>
+              <a:rPr lang="de-DE" dirty="0" smtClean="0"/>
+              <a:t> </a:t>
+            </a:r>
+            <a:r>
+              <a:rPr lang="de-DE" dirty="0" err="1" smtClean="0"/>
+              <a:t>about</a:t>
+            </a:r>
+            <a:r>
+              <a:rPr lang="de-DE" dirty="0" smtClean="0"/>
+              <a:t>:</a:t>
+            </a:r>
+          </a:p>
+          <a:p>
+            <a:r>
+              <a:rPr lang="de-DE" dirty="0" smtClean="0"/>
+              <a:t>Different </a:t>
+            </a:r>
+            <a:r>
+              <a:rPr lang="de-DE" dirty="0" err="1" smtClean="0"/>
+              <a:t>pedestrian</a:t>
+            </a:r>
+            <a:r>
+              <a:rPr lang="de-DE" dirty="0" smtClean="0"/>
+              <a:t> </a:t>
+            </a:r>
+            <a:r>
+              <a:rPr lang="de-DE" dirty="0" err="1" smtClean="0"/>
+              <a:t>flux</a:t>
+            </a:r>
+            <a:r>
+              <a:rPr lang="de-DE" dirty="0" smtClean="0"/>
+              <a:t> </a:t>
+            </a:r>
+            <a:r>
+              <a:rPr lang="de-DE" dirty="0" err="1" smtClean="0"/>
+              <a:t>densities</a:t>
+            </a:r>
+            <a:endParaRPr lang="de-DE" dirty="0" smtClean="0"/>
+          </a:p>
+          <a:p>
+            <a:r>
+              <a:rPr lang="de-DE" dirty="0" err="1" smtClean="0"/>
+              <a:t>Overtaking</a:t>
+            </a:r>
+            <a:r>
+              <a:rPr lang="de-DE" dirty="0" smtClean="0"/>
+              <a:t> vs. </a:t>
+            </a:r>
+            <a:r>
+              <a:rPr lang="de-DE" dirty="0" err="1" smtClean="0"/>
+              <a:t>lane</a:t>
+            </a:r>
+            <a:r>
+              <a:rPr lang="de-DE" dirty="0" smtClean="0"/>
+              <a:t> </a:t>
+            </a:r>
+            <a:r>
+              <a:rPr lang="de-DE" dirty="0" err="1" smtClean="0"/>
+              <a:t>formation</a:t>
+            </a:r>
+            <a:endParaRPr lang="de-DE" dirty="0" smtClean="0"/>
+          </a:p>
+          <a:p>
+            <a:r>
+              <a:rPr lang="de-DE" dirty="0" smtClean="0"/>
+              <a:t>Radius </a:t>
+            </a:r>
+            <a:r>
+              <a:rPr lang="de-DE" dirty="0" err="1" smtClean="0"/>
+              <a:t>of</a:t>
+            </a:r>
+            <a:r>
+              <a:rPr lang="de-DE" dirty="0" smtClean="0"/>
+              <a:t> </a:t>
+            </a:r>
+            <a:r>
+              <a:rPr lang="de-DE" dirty="0" err="1" smtClean="0"/>
+              <a:t>sight</a:t>
+            </a:r>
+            <a:r>
+              <a:rPr lang="de-DE" dirty="0" smtClean="0"/>
+              <a:t> </a:t>
+            </a:r>
+            <a:r>
+              <a:rPr lang="de-DE" dirty="0" err="1" smtClean="0"/>
+              <a:t>of</a:t>
+            </a:r>
+            <a:r>
+              <a:rPr lang="de-DE" dirty="0" smtClean="0"/>
+              <a:t> an </a:t>
+            </a:r>
+            <a:r>
+              <a:rPr lang="de-DE" dirty="0" err="1" smtClean="0"/>
+              <a:t>agent</a:t>
+            </a:r>
+            <a:endParaRPr lang="de-DE" dirty="0" smtClean="0"/>
+          </a:p>
+          <a:p>
+            <a:r>
+              <a:rPr lang="de-DE" dirty="0" smtClean="0"/>
+              <a:t>Variation </a:t>
+            </a:r>
+            <a:r>
+              <a:rPr lang="de-DE" dirty="0" err="1" smtClean="0"/>
+              <a:t>of</a:t>
+            </a:r>
+            <a:r>
+              <a:rPr lang="de-DE" dirty="0" smtClean="0"/>
+              <a:t> </a:t>
+            </a:r>
+            <a:r>
+              <a:rPr lang="de-DE" dirty="0" err="1" smtClean="0"/>
+              <a:t>the</a:t>
+            </a:r>
+            <a:r>
+              <a:rPr lang="de-DE" dirty="0" smtClean="0"/>
+              <a:t> </a:t>
+            </a:r>
+            <a:r>
+              <a:rPr lang="de-DE" dirty="0" err="1" smtClean="0"/>
+              <a:t>hallway</a:t>
+            </a:r>
+            <a:r>
+              <a:rPr lang="de-CH" dirty="0" smtClean="0"/>
+              <a:t>‘</a:t>
+            </a:r>
+            <a:r>
+              <a:rPr lang="de-DE" dirty="0" smtClean="0"/>
+              <a:t>s </a:t>
+            </a:r>
+            <a:r>
+              <a:rPr lang="de-DE" dirty="0" err="1" smtClean="0"/>
+              <a:t>width</a:t>
+            </a:r>
+            <a:endParaRPr lang="de-DE" dirty="0" smtClean="0"/>
+          </a:p>
+          <a:p>
+            <a:r>
+              <a:rPr lang="de-DE" dirty="0" err="1" smtClean="0"/>
+              <a:t>Measurements</a:t>
+            </a:r>
+            <a:r>
+              <a:rPr lang="de-DE" dirty="0" smtClean="0"/>
+              <a:t> </a:t>
+            </a:r>
+            <a:r>
+              <a:rPr lang="de-DE" dirty="0" err="1" smtClean="0"/>
+              <a:t>taken</a:t>
+            </a:r>
+            <a:r>
+              <a:rPr lang="de-DE" dirty="0" smtClean="0"/>
+              <a:t> </a:t>
+            </a:r>
+            <a:r>
+              <a:rPr lang="de-DE" dirty="0" err="1" smtClean="0"/>
+              <a:t>at</a:t>
+            </a:r>
+            <a:r>
+              <a:rPr lang="de-DE" dirty="0" smtClean="0"/>
+              <a:t> </a:t>
+            </a:r>
+            <a:r>
+              <a:rPr lang="de-DE" dirty="0" err="1" smtClean="0"/>
+              <a:t>the</a:t>
+            </a:r>
+            <a:r>
+              <a:rPr lang="de-DE" dirty="0" smtClean="0"/>
+              <a:t> </a:t>
+            </a:r>
+            <a:r>
+              <a:rPr lang="de-DE" dirty="0" err="1" smtClean="0"/>
+              <a:t>main</a:t>
+            </a:r>
+            <a:r>
+              <a:rPr lang="de-DE" dirty="0" smtClean="0"/>
+              <a:t> </a:t>
+            </a:r>
+            <a:r>
+              <a:rPr lang="de-DE" dirty="0" err="1" smtClean="0"/>
+              <a:t>station</a:t>
+            </a:r>
+            <a:endParaRPr lang="de-DE" dirty="0" smtClean="0"/>
+          </a:p>
+          <a:p>
+            <a:r>
+              <a:rPr lang="de-DE" dirty="0" err="1" smtClean="0"/>
+              <a:t>Minority</a:t>
+            </a:r>
+            <a:r>
+              <a:rPr lang="de-DE" dirty="0" smtClean="0"/>
+              <a:t> vs. </a:t>
+            </a:r>
+            <a:r>
+              <a:rPr lang="de-DE" dirty="0" err="1" smtClean="0"/>
+              <a:t>majority</a:t>
+            </a:r>
+            <a:r>
+              <a:rPr lang="de-DE" dirty="0" smtClean="0"/>
+              <a:t> </a:t>
+            </a:r>
+            <a:r>
+              <a:rPr lang="de-DE" dirty="0" err="1" smtClean="0"/>
+              <a:t>of</a:t>
+            </a:r>
+            <a:r>
+              <a:rPr lang="de-DE" dirty="0" smtClean="0"/>
+              <a:t> </a:t>
+            </a:r>
+            <a:r>
+              <a:rPr lang="de-DE" dirty="0" err="1" smtClean="0"/>
+              <a:t>agents</a:t>
+            </a:r>
+            <a:endParaRPr lang="de-CH" dirty="0"/>
+          </a:p>
+        </p:txBody>
+      </p:sp>
+    </p:spTree>
+  </p:cSld>
+  <p:clrMapOvr>
+    <a:masterClrMapping/>
+  </p:clrMapOvr>
+  <p:timing>
+    <p:tnLst>
+      <p:par>
+        <p:cTn id="1" dur="indefinite" restart="never" nodeType="tmRoot"/>
+      </p:par>
+    </p:tnLst>
+  </p:timing>
+</p:sld>
+</file>
+
+<file path=ppt/slides/slide17.xml><?xml version="1.0" encoding="utf-8"?>
+<p:sld xmlns:a="http://schemas.openxmlformats.org/drawingml/2006/main" xmlns:r="http://schemas.openxmlformats.org/officeDocument/2006/relationships" xmlns:p="http://schemas.openxmlformats.org/presentationml/2006/main">
+  <p:cSld>
+    <p:spTree>
+      <p:nvGrpSpPr>
+        <p:cNvPr id="1" name=""/>
+        <p:cNvGrpSpPr/>
+        <p:nvPr/>
+      </p:nvGrpSpPr>
+      <p:grpSpPr>
+        <a:xfrm>
+          <a:off x="0" y="0"/>
+          <a:ext cx="0" cy="0"/>
+          <a:chOff x="0" y="0"/>
+          <a:chExt cx="0" cy="0"/>
+        </a:xfrm>
+      </p:grpSpPr>
+      <p:sp>
+        <p:nvSpPr>
+          <p:cNvPr id="2" name="Titel 1"/>
+          <p:cNvSpPr>
+            <a:spLocks noGrp="1"/>
+          </p:cNvSpPr>
+          <p:nvPr>
+            <p:ph type="title"/>
+          </p:nvPr>
+        </p:nvSpPr>
+        <p:spPr/>
+        <p:txBody>
+          <a:bodyPr/>
+          <a:lstStyle/>
+          <a:p>
+            <a:r>
+              <a:rPr lang="de-DE" dirty="0" err="1" smtClean="0"/>
+              <a:t>Our</a:t>
+            </a:r>
+            <a:r>
+              <a:rPr lang="de-DE" dirty="0" smtClean="0"/>
+              <a:t> </a:t>
+            </a:r>
+            <a:r>
+              <a:rPr lang="de-DE" dirty="0" err="1" smtClean="0"/>
+              <a:t>tests</a:t>
+            </a:r>
+            <a:r>
+              <a:rPr lang="de-DE" dirty="0" smtClean="0"/>
+              <a:t> – </a:t>
+            </a:r>
+            <a:r>
+              <a:rPr lang="de-DE" dirty="0" err="1" smtClean="0"/>
+              <a:t>width</a:t>
+            </a:r>
+            <a:r>
+              <a:rPr lang="de-DE" dirty="0" smtClean="0"/>
+              <a:t> </a:t>
+            </a:r>
+            <a:r>
+              <a:rPr lang="de-DE" dirty="0" err="1" smtClean="0"/>
+              <a:t>as</a:t>
+            </a:r>
+            <a:r>
+              <a:rPr lang="de-DE" dirty="0" smtClean="0"/>
+              <a:t> variable</a:t>
+            </a:r>
+            <a:endParaRPr lang="de-CH" dirty="0"/>
+          </a:p>
+        </p:txBody>
+      </p:sp>
+      <p:pic>
+        <p:nvPicPr>
+          <p:cNvPr id="4098" name="Picture 2" descr="C:\Users\Ueli\GitHub\MSSSM\doc\latex\pictures\AallInOne.png"/>
+          <p:cNvPicPr>
+            <a:picLocks noChangeAspect="1" noChangeArrowheads="1"/>
+          </p:cNvPicPr>
+          <p:nvPr/>
+        </p:nvPicPr>
+        <p:blipFill>
+          <a:blip r:embed="rId2" cstate="print"/>
+          <a:srcRect/>
+          <a:stretch>
+            <a:fillRect/>
+          </a:stretch>
+        </p:blipFill>
+        <p:spPr bwMode="auto">
+          <a:xfrm>
+            <a:off x="1223628" y="1772816"/>
+            <a:ext cx="6696744" cy="4717188"/>
+          </a:xfrm>
+          <a:prstGeom prst="rect">
+            <a:avLst/>
+          </a:prstGeom>
+          <a:noFill/>
+        </p:spPr>
+      </p:pic>
+    </p:spTree>
+  </p:cSld>
+  <p:clrMapOvr>
+    <a:masterClrMapping/>
+  </p:clrMapOvr>
+  <p:timing>
+    <p:tnLst>
+      <p:par>
+        <p:cTn id="1" dur="indefinite" restart="never" nodeType="tmRoot"/>
+      </p:par>
+    </p:tnLst>
+  </p:timing>
+</p:sld>
+</file>
+
+<file path=ppt/slides/slide18.xml><?xml version="1.0" encoding="utf-8"?>
+<p:sld xmlns:a="http://schemas.openxmlformats.org/drawingml/2006/main" xmlns:r="http://schemas.openxmlformats.org/officeDocument/2006/relationships" xmlns:p="http://schemas.openxmlformats.org/presentationml/2006/main">
+  <p:cSld>
+    <p:spTree>
+      <p:nvGrpSpPr>
+        <p:cNvPr id="1" name=""/>
+        <p:cNvGrpSpPr/>
+        <p:nvPr/>
+      </p:nvGrpSpPr>
+      <p:grpSpPr>
+        <a:xfrm>
+          <a:off x="0" y="0"/>
+          <a:ext cx="0" cy="0"/>
+          <a:chOff x="0" y="0"/>
+          <a:chExt cx="0" cy="0"/>
+        </a:xfrm>
+      </p:grpSpPr>
+      <p:sp>
+        <p:nvSpPr>
+          <p:cNvPr id="2" name="Titel 1"/>
+          <p:cNvSpPr>
+            <a:spLocks noGrp="1"/>
+          </p:cNvSpPr>
+          <p:nvPr>
+            <p:ph type="title"/>
+          </p:nvPr>
+        </p:nvSpPr>
+        <p:spPr/>
+        <p:txBody>
+          <a:bodyPr/>
+          <a:lstStyle/>
+          <a:p>
+            <a:r>
+              <a:rPr lang="de-DE" dirty="0" err="1" smtClean="0"/>
+              <a:t>Our</a:t>
+            </a:r>
+            <a:r>
+              <a:rPr lang="de-DE" dirty="0" smtClean="0"/>
+              <a:t> </a:t>
+            </a:r>
+            <a:r>
+              <a:rPr lang="de-DE" dirty="0" err="1" smtClean="0"/>
+              <a:t>tests</a:t>
+            </a:r>
+            <a:r>
+              <a:rPr lang="de-DE" dirty="0" smtClean="0"/>
+              <a:t> – </a:t>
+            </a:r>
+            <a:r>
+              <a:rPr lang="de-DE" dirty="0" err="1" smtClean="0"/>
+              <a:t>width</a:t>
+            </a:r>
+            <a:r>
+              <a:rPr lang="de-DE" dirty="0" smtClean="0"/>
+              <a:t> </a:t>
+            </a:r>
+            <a:r>
+              <a:rPr lang="de-DE" dirty="0" err="1" smtClean="0"/>
+              <a:t>as</a:t>
+            </a:r>
+            <a:r>
+              <a:rPr lang="de-DE" dirty="0" smtClean="0"/>
+              <a:t> variable</a:t>
+            </a:r>
+            <a:endParaRPr lang="de-CH" dirty="0"/>
+          </a:p>
+        </p:txBody>
+      </p:sp>
+      <p:pic>
+        <p:nvPicPr>
+          <p:cNvPr id="5122" name="Picture 2" descr="C:\Users\Ueli\GitHub\MSSSM\doc\latex\pictures\AAveragesInOne.png"/>
+          <p:cNvPicPr>
+            <a:picLocks noChangeAspect="1" noChangeArrowheads="1"/>
+          </p:cNvPicPr>
+          <p:nvPr/>
+        </p:nvPicPr>
+        <p:blipFill>
+          <a:blip r:embed="rId2" cstate="print"/>
+          <a:srcRect/>
+          <a:stretch>
+            <a:fillRect/>
+          </a:stretch>
+        </p:blipFill>
+        <p:spPr bwMode="auto">
+          <a:xfrm>
+            <a:off x="1439652" y="1916832"/>
+            <a:ext cx="6264696" cy="4690147"/>
+          </a:xfrm>
+          <a:prstGeom prst="rect">
+            <a:avLst/>
+          </a:prstGeom>
+          <a:noFill/>
+        </p:spPr>
+      </p:pic>
+    </p:spTree>
+  </p:cSld>
+  <p:clrMapOvr>
+    <a:masterClrMapping/>
+  </p:clrMapOvr>
+  <p:timing>
+    <p:tnLst>
+      <p:par>
+        <p:cTn id="1" dur="indefinite" restart="never" nodeType="tmRoot"/>
+      </p:par>
+    </p:tnLst>
+  </p:timing>
+</p:sld>
+</file>
+
+<file path=ppt/slides/slide19.xml><?xml version="1.0" encoding="utf-8"?>
+<p:sld xmlns:a="http://schemas.openxmlformats.org/drawingml/2006/main" xmlns:r="http://schemas.openxmlformats.org/officeDocument/2006/relationships" xmlns:p="http://schemas.openxmlformats.org/presentationml/2006/main">
+  <p:cSld>
+    <p:spTree>
+      <p:nvGrpSpPr>
+        <p:cNvPr id="1" name=""/>
+        <p:cNvGrpSpPr/>
+        <p:nvPr/>
+      </p:nvGrpSpPr>
+      <p:grpSpPr>
+        <a:xfrm>
+          <a:off x="0" y="0"/>
+          <a:ext cx="0" cy="0"/>
+          <a:chOff x="0" y="0"/>
+          <a:chExt cx="0" cy="0"/>
+        </a:xfrm>
+      </p:grpSpPr>
+      <p:sp>
+        <p:nvSpPr>
+          <p:cNvPr id="2" name="Titel 1"/>
+          <p:cNvSpPr>
+            <a:spLocks noGrp="1"/>
+          </p:cNvSpPr>
+          <p:nvPr>
+            <p:ph type="title"/>
+          </p:nvPr>
+        </p:nvSpPr>
+        <p:spPr/>
+        <p:txBody>
+          <a:bodyPr/>
+          <a:lstStyle/>
+          <a:p>
+            <a:r>
               <a:rPr lang="de-CH" dirty="0" err="1" smtClean="0"/>
               <a:t>Limitations</a:t>
             </a:r>
             <a:endParaRPr lang="de-CH" dirty="0"/>
-          </a:p>
-        </p:txBody>
-      </p:sp>
-      <p:sp>
-        <p:nvSpPr>
-          <p:cNvPr id="3" name="Inhaltsplatzhalter 2"/>
-          <p:cNvSpPr>
-            <a:spLocks noGrp="1"/>
-          </p:cNvSpPr>
-          <p:nvPr>
-            <p:ph idx="1"/>
-          </p:nvPr>
-        </p:nvSpPr>
-        <p:spPr/>
-        <p:txBody>
-          <a:bodyPr/>
-          <a:lstStyle/>
-          <a:p>
-            <a:endParaRPr lang="de-CH"/>
           </a:p>
         </p:txBody>
       </p:sp>
@@ -4448,7 +7126,7 @@
           <p:nvPr/>
         </p:nvPicPr>
         <p:blipFill>
-          <a:blip r:embed="rId2" cstate="print">
+          <a:blip r:embed="rId3" cstate="print">
             <a:extLst>
               <a:ext uri="{28A0092B-C50C-407E-A947-70E740481C1C}">
                 <a14:useLocalDpi xmlns:a14="http://schemas.microsoft.com/office/drawing/2010/main" xmlns="" val="0"/>
@@ -4485,772 +7163,13 @@
   <p:clrMapOvr>
     <a:masterClrMapping/>
   </p:clrMapOvr>
-</p:sld>
-</file>
-
-<file path=ppt/slides/slide14.xml><?xml version="1.0" encoding="utf-8"?>
-<p:sld xmlns:a="http://schemas.openxmlformats.org/drawingml/2006/main" xmlns:r="http://schemas.openxmlformats.org/officeDocument/2006/relationships" xmlns:p="http://schemas.openxmlformats.org/presentationml/2006/main">
-  <p:cSld>
-    <p:spTree>
-      <p:nvGrpSpPr>
-        <p:cNvPr id="1" name=""/>
-        <p:cNvGrpSpPr/>
-        <p:nvPr/>
-      </p:nvGrpSpPr>
-      <p:grpSpPr>
-        <a:xfrm>
-          <a:off x="0" y="0"/>
-          <a:ext cx="0" cy="0"/>
-          <a:chOff x="0" y="0"/>
-          <a:chExt cx="0" cy="0"/>
-        </a:xfrm>
-      </p:grpSpPr>
-      <p:sp>
-        <p:nvSpPr>
-          <p:cNvPr id="2" name="Titel 1"/>
-          <p:cNvSpPr>
-            <a:spLocks noGrp="1"/>
-          </p:cNvSpPr>
-          <p:nvPr>
-            <p:ph type="title"/>
-          </p:nvPr>
-        </p:nvSpPr>
-        <p:spPr/>
-        <p:txBody>
-          <a:bodyPr/>
-          <a:lstStyle/>
-          <a:p>
-            <a:r>
-              <a:rPr lang="de-CH" dirty="0" err="1" smtClean="0"/>
-              <a:t>Limitations</a:t>
-            </a:r>
-            <a:endParaRPr lang="de-CH" dirty="0"/>
-          </a:p>
-        </p:txBody>
-      </p:sp>
-      <p:sp>
-        <p:nvSpPr>
-          <p:cNvPr id="3" name="Inhaltsplatzhalter 2"/>
-          <p:cNvSpPr>
-            <a:spLocks noGrp="1"/>
-          </p:cNvSpPr>
-          <p:nvPr>
-            <p:ph idx="1"/>
-          </p:nvPr>
-        </p:nvSpPr>
-        <p:spPr/>
-        <p:txBody>
-          <a:bodyPr/>
-          <a:lstStyle/>
-          <a:p>
-            <a:r>
-              <a:rPr lang="de-CH" dirty="0" smtClean="0"/>
-              <a:t>The </a:t>
-            </a:r>
-            <a:r>
-              <a:rPr lang="de-CH" dirty="0" err="1" smtClean="0"/>
-              <a:t>agents</a:t>
-            </a:r>
-            <a:r>
-              <a:rPr lang="de-CH" dirty="0" smtClean="0"/>
-              <a:t> </a:t>
-            </a:r>
-            <a:r>
-              <a:rPr lang="de-CH" dirty="0" err="1" smtClean="0"/>
-              <a:t>can</a:t>
-            </a:r>
-            <a:r>
-              <a:rPr lang="de-CH" dirty="0" smtClean="0"/>
-              <a:t> </a:t>
-            </a:r>
-            <a:r>
-              <a:rPr lang="de-CH" dirty="0" err="1" smtClean="0"/>
-              <a:t>only</a:t>
-            </a:r>
-            <a:r>
-              <a:rPr lang="de-CH" dirty="0" smtClean="0"/>
-              <a:t> </a:t>
-            </a:r>
-            <a:r>
-              <a:rPr lang="de-CH" dirty="0" err="1" smtClean="0"/>
-              <a:t>move</a:t>
-            </a:r>
-            <a:r>
-              <a:rPr lang="de-CH" dirty="0" smtClean="0"/>
-              <a:t> </a:t>
-            </a:r>
-            <a:r>
-              <a:rPr lang="de-CH" dirty="0" err="1" smtClean="0"/>
-              <a:t>forwards</a:t>
-            </a:r>
-            <a:r>
-              <a:rPr lang="de-CH" dirty="0" smtClean="0"/>
-              <a:t>,</a:t>
-            </a:r>
-            <a:br>
-              <a:rPr lang="de-CH" dirty="0" smtClean="0"/>
-            </a:br>
-            <a:r>
-              <a:rPr lang="de-CH" dirty="0" err="1" smtClean="0"/>
-              <a:t>there</a:t>
-            </a:r>
-            <a:r>
-              <a:rPr lang="de-CH" dirty="0" smtClean="0"/>
-              <a:t> </a:t>
-            </a:r>
-            <a:r>
-              <a:rPr lang="de-CH" dirty="0" err="1" smtClean="0"/>
-              <a:t>is</a:t>
-            </a:r>
-            <a:r>
-              <a:rPr lang="de-CH" dirty="0" smtClean="0"/>
-              <a:t> </a:t>
-            </a:r>
-            <a:r>
-              <a:rPr lang="de-CH" dirty="0" err="1" smtClean="0"/>
-              <a:t>no</a:t>
-            </a:r>
-            <a:r>
-              <a:rPr lang="de-CH" dirty="0" smtClean="0"/>
-              <a:t> </a:t>
-            </a:r>
-            <a:r>
-              <a:rPr lang="de-CH" dirty="0" err="1" smtClean="0"/>
-              <a:t>backward</a:t>
-            </a:r>
-            <a:r>
-              <a:rPr lang="de-CH" dirty="0" smtClean="0"/>
-              <a:t> </a:t>
-            </a:r>
-            <a:r>
-              <a:rPr lang="de-CH" dirty="0" err="1" smtClean="0"/>
-              <a:t>communication</a:t>
-            </a:r>
-            <a:endParaRPr lang="de-CH" dirty="0" smtClean="0"/>
-          </a:p>
-          <a:p>
-            <a:r>
-              <a:rPr lang="de-CH" dirty="0" err="1" smtClean="0"/>
-              <a:t>Standoff</a:t>
-            </a:r>
-            <a:r>
-              <a:rPr lang="de-CH" dirty="0" smtClean="0"/>
-              <a:t> </a:t>
-            </a:r>
-            <a:r>
-              <a:rPr lang="de-CH" dirty="0" err="1" smtClean="0"/>
-              <a:t>breakup</a:t>
-            </a:r>
-            <a:r>
-              <a:rPr lang="de-CH" dirty="0" smtClean="0"/>
-              <a:t> </a:t>
-            </a:r>
-            <a:r>
-              <a:rPr lang="de-CH" dirty="0" err="1" smtClean="0"/>
-              <a:t>capabilities</a:t>
-            </a:r>
-            <a:r>
-              <a:rPr lang="de-CH" dirty="0" smtClean="0"/>
-              <a:t> </a:t>
-            </a:r>
-            <a:r>
-              <a:rPr lang="de-CH" dirty="0" err="1" smtClean="0"/>
-              <a:t>are</a:t>
-            </a:r>
-            <a:r>
-              <a:rPr lang="de-CH" dirty="0" smtClean="0"/>
-              <a:t> </a:t>
-            </a:r>
-            <a:r>
-              <a:rPr lang="de-CH" dirty="0" err="1" smtClean="0"/>
-              <a:t>very</a:t>
-            </a:r>
-            <a:r>
-              <a:rPr lang="de-CH" dirty="0" smtClean="0"/>
-              <a:t> limited</a:t>
-            </a:r>
-          </a:p>
-          <a:p>
-            <a:r>
-              <a:rPr lang="de-CH" dirty="0" smtClean="0"/>
-              <a:t>A </a:t>
-            </a:r>
-            <a:r>
-              <a:rPr lang="de-CH" dirty="0" err="1" smtClean="0"/>
-              <a:t>small</a:t>
-            </a:r>
-            <a:r>
-              <a:rPr lang="de-CH" dirty="0" smtClean="0"/>
-              <a:t> </a:t>
-            </a:r>
-            <a:r>
-              <a:rPr lang="de-CH" dirty="0" err="1" smtClean="0"/>
-              <a:t>clot</a:t>
-            </a:r>
-            <a:r>
-              <a:rPr lang="de-CH" dirty="0" smtClean="0"/>
-              <a:t> will (in </a:t>
-            </a:r>
-            <a:r>
-              <a:rPr lang="de-CH" dirty="0" err="1" smtClean="0"/>
-              <a:t>our</a:t>
-            </a:r>
-            <a:r>
-              <a:rPr lang="de-CH" dirty="0" smtClean="0"/>
-              <a:t> model) </a:t>
-            </a:r>
-            <a:r>
-              <a:rPr lang="de-CH" dirty="0" err="1" smtClean="0"/>
-              <a:t>jam</a:t>
-            </a:r>
-            <a:r>
-              <a:rPr lang="de-CH" dirty="0" smtClean="0"/>
-              <a:t> </a:t>
-            </a:r>
-            <a:r>
-              <a:rPr lang="de-CH" dirty="0" err="1" smtClean="0"/>
-              <a:t>the</a:t>
-            </a:r>
-            <a:r>
-              <a:rPr lang="de-CH" dirty="0" smtClean="0"/>
-              <a:t> </a:t>
-            </a:r>
-            <a:r>
-              <a:rPr lang="de-CH" dirty="0" err="1" smtClean="0"/>
-              <a:t>whole</a:t>
-            </a:r>
-            <a:r>
-              <a:rPr lang="de-CH" dirty="0" smtClean="0"/>
-              <a:t> </a:t>
-            </a:r>
-            <a:r>
-              <a:rPr lang="de-CH" dirty="0" err="1" smtClean="0"/>
-              <a:t>hallway</a:t>
-            </a:r>
-            <a:endParaRPr lang="de-CH" dirty="0" smtClean="0"/>
-          </a:p>
-          <a:p>
-            <a:r>
-              <a:rPr lang="de-CH" dirty="0" smtClean="0"/>
-              <a:t>In </a:t>
-            </a:r>
-            <a:r>
-              <a:rPr lang="de-CH" dirty="0" err="1" smtClean="0"/>
-              <a:t>reality</a:t>
-            </a:r>
-            <a:r>
-              <a:rPr lang="de-CH" dirty="0" smtClean="0"/>
-              <a:t>, </a:t>
-            </a:r>
-            <a:r>
-              <a:rPr lang="de-CH" dirty="0" err="1" smtClean="0"/>
-              <a:t>groups</a:t>
-            </a:r>
-            <a:r>
-              <a:rPr lang="de-CH" dirty="0" smtClean="0"/>
-              <a:t> </a:t>
-            </a:r>
-            <a:r>
-              <a:rPr lang="de-CH" dirty="0" err="1" smtClean="0"/>
-              <a:t>of</a:t>
-            </a:r>
-            <a:r>
-              <a:rPr lang="de-CH" dirty="0" smtClean="0"/>
-              <a:t> </a:t>
-            </a:r>
-            <a:r>
-              <a:rPr lang="de-CH" dirty="0" err="1" smtClean="0"/>
-              <a:t>people</a:t>
-            </a:r>
-            <a:r>
-              <a:rPr lang="de-CH" dirty="0" smtClean="0"/>
-              <a:t> walk </a:t>
-            </a:r>
-            <a:r>
-              <a:rPr lang="de-CH" dirty="0" err="1" smtClean="0"/>
-              <a:t>together</a:t>
-            </a:r>
-            <a:endParaRPr lang="de-CH" dirty="0" smtClean="0"/>
-          </a:p>
-          <a:p>
-            <a:endParaRPr lang="de-CH" dirty="0" smtClean="0"/>
-          </a:p>
-          <a:p>
-            <a:endParaRPr lang="de-CH" dirty="0"/>
-          </a:p>
-        </p:txBody>
-      </p:sp>
-    </p:spTree>
-  </p:cSld>
-  <p:clrMapOvr>
-    <a:masterClrMapping/>
-  </p:clrMapOvr>
-</p:sld>
-</file>
-
-<file path=ppt/slides/slide15.xml><?xml version="1.0" encoding="utf-8"?>
-<p:sld xmlns:a="http://schemas.openxmlformats.org/drawingml/2006/main" xmlns:r="http://schemas.openxmlformats.org/officeDocument/2006/relationships" xmlns:p="http://schemas.openxmlformats.org/presentationml/2006/main">
-  <p:cSld>
-    <p:spTree>
-      <p:nvGrpSpPr>
-        <p:cNvPr id="1" name=""/>
-        <p:cNvGrpSpPr/>
-        <p:nvPr/>
-      </p:nvGrpSpPr>
-      <p:grpSpPr>
-        <a:xfrm>
-          <a:off x="0" y="0"/>
-          <a:ext cx="0" cy="0"/>
-          <a:chOff x="0" y="0"/>
-          <a:chExt cx="0" cy="0"/>
-        </a:xfrm>
-      </p:grpSpPr>
-      <p:sp>
-        <p:nvSpPr>
-          <p:cNvPr id="2" name="Titel 1"/>
-          <p:cNvSpPr>
-            <a:spLocks noGrp="1"/>
-          </p:cNvSpPr>
-          <p:nvPr>
-            <p:ph type="title"/>
-          </p:nvPr>
-        </p:nvSpPr>
-        <p:spPr/>
-        <p:txBody>
-          <a:bodyPr/>
-          <a:lstStyle/>
-          <a:p>
-            <a:r>
-              <a:rPr lang="de-CH" dirty="0" err="1" smtClean="0"/>
-              <a:t>Limitations</a:t>
-            </a:r>
-            <a:endParaRPr lang="de-CH" dirty="0"/>
-          </a:p>
-        </p:txBody>
-      </p:sp>
-      <p:sp>
-        <p:nvSpPr>
-          <p:cNvPr id="3" name="Inhaltsplatzhalter 2"/>
-          <p:cNvSpPr>
-            <a:spLocks noGrp="1"/>
-          </p:cNvSpPr>
-          <p:nvPr>
-            <p:ph idx="1"/>
-          </p:nvPr>
-        </p:nvSpPr>
-        <p:spPr/>
-        <p:txBody>
-          <a:bodyPr/>
-          <a:lstStyle/>
-          <a:p>
-            <a:r>
-              <a:rPr lang="de-CH" dirty="0" err="1" smtClean="0"/>
-              <a:t>Although</a:t>
-            </a:r>
-            <a:r>
-              <a:rPr lang="de-CH" dirty="0" smtClean="0"/>
-              <a:t> </a:t>
-            </a:r>
-            <a:r>
-              <a:rPr lang="de-CH" dirty="0" err="1" smtClean="0"/>
-              <a:t>obstacle</a:t>
-            </a:r>
-            <a:r>
-              <a:rPr lang="de-CH" dirty="0" smtClean="0"/>
-              <a:t> </a:t>
-            </a:r>
-            <a:r>
-              <a:rPr lang="de-CH" dirty="0" err="1" smtClean="0"/>
-              <a:t>courses</a:t>
-            </a:r>
-            <a:r>
-              <a:rPr lang="de-CH" dirty="0" smtClean="0"/>
-              <a:t> </a:t>
-            </a:r>
-            <a:r>
-              <a:rPr lang="de-CH" dirty="0" err="1" smtClean="0"/>
-              <a:t>can</a:t>
-            </a:r>
-            <a:r>
-              <a:rPr lang="de-CH" dirty="0" smtClean="0"/>
-              <a:t> </a:t>
-            </a:r>
-            <a:r>
-              <a:rPr lang="de-CH" dirty="0" err="1" smtClean="0"/>
-              <a:t>be</a:t>
-            </a:r>
-            <a:r>
-              <a:rPr lang="de-CH" dirty="0" smtClean="0"/>
-              <a:t> </a:t>
-            </a:r>
-            <a:r>
-              <a:rPr lang="de-CH" dirty="0" err="1" smtClean="0"/>
-              <a:t>set</a:t>
-            </a:r>
-            <a:r>
-              <a:rPr lang="de-CH" dirty="0" smtClean="0"/>
-              <a:t>, </a:t>
-            </a:r>
-            <a:r>
-              <a:rPr lang="de-CH" dirty="0" err="1" smtClean="0"/>
-              <a:t>it</a:t>
-            </a:r>
-            <a:r>
-              <a:rPr lang="de-CH" dirty="0" smtClean="0"/>
-              <a:t> </a:t>
-            </a:r>
-            <a:r>
-              <a:rPr lang="de-CH" dirty="0" err="1" smtClean="0"/>
-              <a:t>would</a:t>
-            </a:r>
-            <a:r>
-              <a:rPr lang="de-CH" dirty="0" smtClean="0"/>
-              <a:t> </a:t>
-            </a:r>
-            <a:r>
-              <a:rPr lang="de-CH" dirty="0" err="1" smtClean="0"/>
-              <a:t>be</a:t>
-            </a:r>
-            <a:r>
-              <a:rPr lang="de-CH" dirty="0" smtClean="0"/>
-              <a:t> </a:t>
-            </a:r>
-            <a:r>
-              <a:rPr lang="de-CH" dirty="0" err="1" smtClean="0"/>
-              <a:t>difficult</a:t>
-            </a:r>
-            <a:r>
-              <a:rPr lang="de-CH" dirty="0" smtClean="0"/>
-              <a:t> </a:t>
-            </a:r>
-            <a:r>
-              <a:rPr lang="de-CH" dirty="0" err="1" smtClean="0"/>
-              <a:t>to</a:t>
-            </a:r>
-            <a:r>
-              <a:rPr lang="de-CH" dirty="0" smtClean="0"/>
-              <a:t> </a:t>
-            </a:r>
-            <a:r>
-              <a:rPr lang="de-CH" dirty="0" err="1" smtClean="0"/>
-              <a:t>make</a:t>
-            </a:r>
-            <a:r>
-              <a:rPr lang="de-CH" dirty="0" smtClean="0"/>
-              <a:t> </a:t>
-            </a:r>
-            <a:r>
-              <a:rPr lang="de-CH" dirty="0" err="1" smtClean="0"/>
-              <a:t>spawn</a:t>
-            </a:r>
-            <a:r>
-              <a:rPr lang="de-CH" dirty="0" smtClean="0"/>
-              <a:t> </a:t>
-            </a:r>
-            <a:r>
-              <a:rPr lang="de-CH" dirty="0" err="1" smtClean="0"/>
-              <a:t>zones</a:t>
-            </a:r>
-            <a:r>
-              <a:rPr lang="de-CH" dirty="0" smtClean="0"/>
-              <a:t> on </a:t>
-            </a:r>
-            <a:r>
-              <a:rPr lang="de-CH" dirty="0" err="1" smtClean="0"/>
-              <a:t>the</a:t>
-            </a:r>
-            <a:r>
-              <a:rPr lang="de-CH" dirty="0" smtClean="0"/>
-              <a:t> </a:t>
-            </a:r>
-            <a:r>
-              <a:rPr lang="de-CH" dirty="0" err="1" smtClean="0"/>
-              <a:t>sides</a:t>
-            </a:r>
-            <a:endParaRPr lang="de-CH" dirty="0" smtClean="0"/>
-          </a:p>
-          <a:p>
-            <a:r>
-              <a:rPr lang="de-CH" dirty="0" err="1" smtClean="0"/>
-              <a:t>Functions</a:t>
-            </a:r>
-            <a:r>
-              <a:rPr lang="de-CH" dirty="0" smtClean="0"/>
-              <a:t> </a:t>
-            </a:r>
-            <a:r>
-              <a:rPr lang="de-CH" dirty="0" err="1" smtClean="0"/>
-              <a:t>were</a:t>
-            </a:r>
-            <a:r>
-              <a:rPr lang="de-CH" dirty="0" smtClean="0"/>
-              <a:t> </a:t>
-            </a:r>
-            <a:r>
-              <a:rPr lang="de-CH" dirty="0" err="1" smtClean="0"/>
-              <a:t>chosen</a:t>
-            </a:r>
-            <a:r>
-              <a:rPr lang="de-CH" dirty="0" smtClean="0"/>
-              <a:t> </a:t>
-            </a:r>
-            <a:r>
-              <a:rPr lang="de-CH" dirty="0" err="1" smtClean="0"/>
-              <a:t>to</a:t>
-            </a:r>
-            <a:r>
-              <a:rPr lang="de-CH" dirty="0" smtClean="0"/>
-              <a:t> </a:t>
-            </a:r>
-            <a:r>
-              <a:rPr lang="de-CH" dirty="0" err="1" smtClean="0"/>
-              <a:t>meet</a:t>
-            </a:r>
-            <a:r>
-              <a:rPr lang="de-CH" dirty="0" smtClean="0"/>
-              <a:t> </a:t>
-            </a:r>
-            <a:r>
-              <a:rPr lang="de-CH" dirty="0" err="1" smtClean="0"/>
-              <a:t>certain</a:t>
-            </a:r>
-            <a:r>
-              <a:rPr lang="de-CH" dirty="0" smtClean="0"/>
-              <a:t> </a:t>
-            </a:r>
-            <a:r>
-              <a:rPr lang="de-CH" dirty="0" err="1" smtClean="0"/>
-              <a:t>criteria</a:t>
-            </a:r>
-            <a:r>
-              <a:rPr lang="de-CH" dirty="0" smtClean="0"/>
-              <a:t> </a:t>
-            </a:r>
-            <a:r>
-              <a:rPr lang="de-CH" dirty="0" err="1" smtClean="0"/>
-              <a:t>and</a:t>
-            </a:r>
-            <a:r>
-              <a:rPr lang="de-CH" dirty="0" smtClean="0"/>
-              <a:t> not </a:t>
-            </a:r>
-            <a:r>
-              <a:rPr lang="de-CH" dirty="0" err="1" smtClean="0"/>
-              <a:t>from</a:t>
-            </a:r>
-            <a:r>
-              <a:rPr lang="de-CH" dirty="0" smtClean="0"/>
-              <a:t> explicit </a:t>
-            </a:r>
-            <a:r>
-              <a:rPr lang="de-CH" dirty="0" err="1" smtClean="0"/>
-              <a:t>research</a:t>
-            </a:r>
-            <a:endParaRPr lang="de-CH" dirty="0" smtClean="0"/>
-          </a:p>
-          <a:p>
-            <a:r>
-              <a:rPr lang="de-CH" dirty="0" smtClean="0"/>
-              <a:t>The </a:t>
-            </a:r>
-            <a:r>
-              <a:rPr lang="de-CH" dirty="0" err="1" smtClean="0"/>
-              <a:t>whole</a:t>
-            </a:r>
-            <a:r>
-              <a:rPr lang="de-CH" dirty="0" smtClean="0"/>
-              <a:t> </a:t>
-            </a:r>
-            <a:r>
-              <a:rPr lang="de-CH" dirty="0" err="1" smtClean="0"/>
-              <a:t>set</a:t>
-            </a:r>
-            <a:r>
-              <a:rPr lang="de-CH" dirty="0" smtClean="0"/>
-              <a:t> </a:t>
-            </a:r>
-            <a:r>
-              <a:rPr lang="de-CH" dirty="0" err="1" smtClean="0"/>
-              <a:t>of</a:t>
-            </a:r>
-            <a:r>
-              <a:rPr lang="de-CH" dirty="0" smtClean="0"/>
-              <a:t> global </a:t>
-            </a:r>
-            <a:r>
-              <a:rPr lang="de-CH" dirty="0" err="1" smtClean="0"/>
-              <a:t>parameters</a:t>
-            </a:r>
-            <a:r>
-              <a:rPr lang="de-CH" dirty="0" smtClean="0"/>
-              <a:t> </a:t>
-            </a:r>
-            <a:r>
-              <a:rPr lang="de-CH" dirty="0" err="1" smtClean="0"/>
-              <a:t>is</a:t>
-            </a:r>
-            <a:r>
-              <a:rPr lang="de-CH" dirty="0" smtClean="0"/>
-              <a:t> </a:t>
-            </a:r>
-            <a:r>
-              <a:rPr lang="de-CH" dirty="0" err="1" smtClean="0"/>
-              <a:t>difficult</a:t>
-            </a:r>
-            <a:r>
-              <a:rPr lang="de-CH" dirty="0" smtClean="0"/>
-              <a:t> </a:t>
-            </a:r>
-            <a:r>
-              <a:rPr lang="de-CH" dirty="0" err="1" smtClean="0"/>
-              <a:t>to</a:t>
-            </a:r>
-            <a:r>
-              <a:rPr lang="de-CH" dirty="0" smtClean="0"/>
-              <a:t> </a:t>
-            </a:r>
-            <a:r>
-              <a:rPr lang="de-CH" dirty="0" err="1" smtClean="0"/>
-              <a:t>optimize</a:t>
-            </a:r>
-            <a:endParaRPr lang="de-DE" dirty="0" smtClean="0"/>
-          </a:p>
-          <a:p>
-            <a:endParaRPr lang="de-CH" dirty="0"/>
-          </a:p>
-        </p:txBody>
-      </p:sp>
-    </p:spTree>
-  </p:cSld>
-  <p:clrMapOvr>
-    <a:masterClrMapping/>
-  </p:clrMapOvr>
-</p:sld>
-</file>
-
-<file path=ppt/slides/slide16.xml><?xml version="1.0" encoding="utf-8"?>
-<p:sld xmlns:a="http://schemas.openxmlformats.org/drawingml/2006/main" xmlns:r="http://schemas.openxmlformats.org/officeDocument/2006/relationships" xmlns:p="http://schemas.openxmlformats.org/presentationml/2006/main">
-  <p:cSld>
-    <p:spTree>
-      <p:nvGrpSpPr>
-        <p:cNvPr id="1" name=""/>
-        <p:cNvGrpSpPr/>
-        <p:nvPr/>
-      </p:nvGrpSpPr>
-      <p:grpSpPr>
-        <a:xfrm>
-          <a:off x="0" y="0"/>
-          <a:ext cx="0" cy="0"/>
-          <a:chOff x="0" y="0"/>
-          <a:chExt cx="0" cy="0"/>
-        </a:xfrm>
-      </p:grpSpPr>
-      <p:sp>
-        <p:nvSpPr>
-          <p:cNvPr id="2" name="Titel 1"/>
-          <p:cNvSpPr>
-            <a:spLocks noGrp="1"/>
-          </p:cNvSpPr>
-          <p:nvPr>
-            <p:ph type="title"/>
-          </p:nvPr>
-        </p:nvSpPr>
-        <p:spPr/>
-        <p:txBody>
-          <a:bodyPr/>
-          <a:lstStyle/>
-          <a:p>
-            <a:endParaRPr lang="de-CH"/>
-          </a:p>
-        </p:txBody>
-      </p:sp>
-      <p:sp>
-        <p:nvSpPr>
-          <p:cNvPr id="3" name="Inhaltsplatzhalter 2"/>
-          <p:cNvSpPr>
-            <a:spLocks noGrp="1"/>
-          </p:cNvSpPr>
-          <p:nvPr>
-            <p:ph idx="1"/>
-          </p:nvPr>
-        </p:nvSpPr>
-        <p:spPr/>
-        <p:txBody>
-          <a:bodyPr/>
-          <a:lstStyle/>
-          <a:p>
-            <a:endParaRPr lang="de-CH"/>
-          </a:p>
-        </p:txBody>
-      </p:sp>
-    </p:spTree>
-  </p:cSld>
-  <p:clrMapOvr>
-    <a:masterClrMapping/>
-  </p:clrMapOvr>
-</p:sld>
-</file>
-
-<file path=ppt/slides/slide17.xml><?xml version="1.0" encoding="utf-8"?>
-<p:sld xmlns:a="http://schemas.openxmlformats.org/drawingml/2006/main" xmlns:r="http://schemas.openxmlformats.org/officeDocument/2006/relationships" xmlns:p="http://schemas.openxmlformats.org/presentationml/2006/main">
-  <p:cSld>
-    <p:spTree>
-      <p:nvGrpSpPr>
-        <p:cNvPr id="1" name=""/>
-        <p:cNvGrpSpPr/>
-        <p:nvPr/>
-      </p:nvGrpSpPr>
-      <p:grpSpPr>
-        <a:xfrm>
-          <a:off x="0" y="0"/>
-          <a:ext cx="0" cy="0"/>
-          <a:chOff x="0" y="0"/>
-          <a:chExt cx="0" cy="0"/>
-        </a:xfrm>
-      </p:grpSpPr>
-      <p:sp>
-        <p:nvSpPr>
-          <p:cNvPr id="2" name="Titel 1"/>
-          <p:cNvSpPr>
-            <a:spLocks noGrp="1"/>
-          </p:cNvSpPr>
-          <p:nvPr>
-            <p:ph type="title"/>
-          </p:nvPr>
-        </p:nvSpPr>
-        <p:spPr/>
-        <p:txBody>
-          <a:bodyPr/>
-          <a:lstStyle/>
-          <a:p>
-            <a:endParaRPr lang="de-CH"/>
-          </a:p>
-        </p:txBody>
-      </p:sp>
-      <p:sp>
-        <p:nvSpPr>
-          <p:cNvPr id="3" name="Inhaltsplatzhalter 2"/>
-          <p:cNvSpPr>
-            <a:spLocks noGrp="1"/>
-          </p:cNvSpPr>
-          <p:nvPr>
-            <p:ph idx="1"/>
-          </p:nvPr>
-        </p:nvSpPr>
-        <p:spPr/>
-        <p:txBody>
-          <a:bodyPr/>
-          <a:lstStyle/>
-          <a:p>
-            <a:endParaRPr lang="de-CH"/>
-          </a:p>
-        </p:txBody>
-      </p:sp>
-    </p:spTree>
-  </p:cSld>
-  <p:clrMapOvr>
-    <a:masterClrMapping/>
-  </p:clrMapOvr>
+  <p:timing>
+    <p:tnLst>
+      <p:par>
+        <p:cTn id="1" dur="indefinite" restart="never" nodeType="tmRoot"/>
+      </p:par>
+    </p:tnLst>
+  </p:timing>
 </p:sld>
 </file>
 
@@ -5288,7 +7207,7 @@
           <a:p>
             <a:r>
               <a:rPr lang="de-CH" dirty="0" smtClean="0"/>
-              <a:t>Content</a:t>
+              <a:t>Contents</a:t>
             </a:r>
             <a:endParaRPr lang="de-CH" dirty="0"/>
           </a:p>
@@ -5309,7 +7228,992 @@
           <a:bodyPr/>
           <a:lstStyle/>
           <a:p>
+            <a:r>
+              <a:rPr lang="en-US" dirty="0" smtClean="0"/>
+              <a:t>Introduction, motivation &amp; basic idea</a:t>
+            </a:r>
+          </a:p>
+          <a:p>
+            <a:r>
+              <a:rPr lang="en-US" dirty="0" smtClean="0"/>
+              <a:t>The logic in our model</a:t>
+            </a:r>
+          </a:p>
+          <a:p>
+            <a:r>
+              <a:rPr lang="en-US" dirty="0" smtClean="0"/>
+              <a:t>Drawing of the field</a:t>
+            </a:r>
+          </a:p>
+          <a:p>
+            <a:r>
+              <a:rPr lang="en-US" dirty="0" smtClean="0"/>
+              <a:t>Live simulation</a:t>
+            </a:r>
+          </a:p>
+          <a:p>
+            <a:r>
+              <a:rPr lang="en-US" dirty="0" smtClean="0"/>
+              <a:t>Our tests</a:t>
+            </a:r>
+          </a:p>
+          <a:p>
+            <a:r>
+              <a:rPr lang="en-US" dirty="0" smtClean="0"/>
+              <a:t>Limitations</a:t>
+            </a:r>
+          </a:p>
+          <a:p>
+            <a:r>
+              <a:rPr lang="en-US" dirty="0" smtClean="0"/>
+              <a:t>Summary</a:t>
+            </a:r>
+          </a:p>
+          <a:p>
+            <a:r>
+              <a:rPr lang="en-US" dirty="0" smtClean="0"/>
+              <a:t>Q&amp;A</a:t>
+            </a:r>
+          </a:p>
+          <a:p>
+            <a:endParaRPr lang="en-US" dirty="0"/>
+          </a:p>
+        </p:txBody>
+      </p:sp>
+    </p:spTree>
+  </p:cSld>
+  <p:clrMapOvr>
+    <a:masterClrMapping/>
+  </p:clrMapOvr>
+  <p:timing>
+    <p:tnLst>
+      <p:par>
+        <p:cTn id="1" dur="indefinite" restart="never" nodeType="tmRoot"/>
+      </p:par>
+    </p:tnLst>
+  </p:timing>
+</p:sld>
+</file>
+
+<file path=ppt/slides/slide20.xml><?xml version="1.0" encoding="utf-8"?>
+<p:sld xmlns:a="http://schemas.openxmlformats.org/drawingml/2006/main" xmlns:r="http://schemas.openxmlformats.org/officeDocument/2006/relationships" xmlns:p="http://schemas.openxmlformats.org/presentationml/2006/main">
+  <p:cSld>
+    <p:spTree>
+      <p:nvGrpSpPr>
+        <p:cNvPr id="1" name=""/>
+        <p:cNvGrpSpPr/>
+        <p:nvPr/>
+      </p:nvGrpSpPr>
+      <p:grpSpPr>
+        <a:xfrm>
+          <a:off x="0" y="0"/>
+          <a:ext cx="0" cy="0"/>
+          <a:chOff x="0" y="0"/>
+          <a:chExt cx="0" cy="0"/>
+        </a:xfrm>
+      </p:grpSpPr>
+      <p:sp>
+        <p:nvSpPr>
+          <p:cNvPr id="2" name="Titel 1"/>
+          <p:cNvSpPr>
+            <a:spLocks noGrp="1"/>
+          </p:cNvSpPr>
+          <p:nvPr>
+            <p:ph type="title"/>
+          </p:nvPr>
+        </p:nvSpPr>
+        <p:spPr/>
+        <p:txBody>
+          <a:bodyPr/>
+          <a:lstStyle/>
+          <a:p>
+            <a:r>
+              <a:rPr lang="de-CH" dirty="0" err="1" smtClean="0"/>
+              <a:t>Limitations</a:t>
+            </a:r>
+            <a:endParaRPr lang="de-CH" dirty="0"/>
+          </a:p>
+        </p:txBody>
+      </p:sp>
+      <p:sp>
+        <p:nvSpPr>
+          <p:cNvPr id="3" name="Inhaltsplatzhalter 2"/>
+          <p:cNvSpPr>
+            <a:spLocks noGrp="1"/>
+          </p:cNvSpPr>
+          <p:nvPr>
+            <p:ph idx="1"/>
+          </p:nvPr>
+        </p:nvSpPr>
+        <p:spPr/>
+        <p:txBody>
+          <a:bodyPr/>
+          <a:lstStyle/>
+          <a:p>
+            <a:r>
+              <a:rPr lang="de-CH" dirty="0" smtClean="0"/>
+              <a:t>The </a:t>
+            </a:r>
+            <a:r>
+              <a:rPr lang="de-CH" dirty="0" err="1" smtClean="0"/>
+              <a:t>agents</a:t>
+            </a:r>
+            <a:r>
+              <a:rPr lang="de-CH" dirty="0" smtClean="0"/>
+              <a:t> </a:t>
+            </a:r>
+            <a:r>
+              <a:rPr lang="de-CH" dirty="0" err="1" smtClean="0"/>
+              <a:t>can</a:t>
+            </a:r>
+            <a:r>
+              <a:rPr lang="de-CH" dirty="0" smtClean="0"/>
+              <a:t> </a:t>
+            </a:r>
+            <a:r>
+              <a:rPr lang="de-CH" dirty="0" err="1" smtClean="0"/>
+              <a:t>only</a:t>
+            </a:r>
+            <a:r>
+              <a:rPr lang="de-CH" dirty="0" smtClean="0"/>
+              <a:t> </a:t>
+            </a:r>
+            <a:r>
+              <a:rPr lang="de-CH" dirty="0" err="1" smtClean="0"/>
+              <a:t>move</a:t>
+            </a:r>
+            <a:r>
+              <a:rPr lang="de-CH" dirty="0" smtClean="0"/>
+              <a:t> </a:t>
+            </a:r>
+            <a:r>
+              <a:rPr lang="de-CH" dirty="0" err="1" smtClean="0"/>
+              <a:t>forwards</a:t>
+            </a:r>
+            <a:r>
+              <a:rPr lang="de-CH" dirty="0" smtClean="0"/>
+              <a:t>,</a:t>
+            </a:r>
+            <a:br>
+              <a:rPr lang="de-CH" dirty="0" smtClean="0"/>
+            </a:br>
+            <a:r>
+              <a:rPr lang="de-CH" dirty="0" err="1" smtClean="0"/>
+              <a:t>there</a:t>
+            </a:r>
+            <a:r>
+              <a:rPr lang="de-CH" dirty="0" smtClean="0"/>
+              <a:t> </a:t>
+            </a:r>
+            <a:r>
+              <a:rPr lang="de-CH" dirty="0" err="1" smtClean="0"/>
+              <a:t>is</a:t>
+            </a:r>
+            <a:r>
+              <a:rPr lang="de-CH" dirty="0" smtClean="0"/>
+              <a:t> </a:t>
+            </a:r>
+            <a:r>
+              <a:rPr lang="de-CH" dirty="0" err="1" smtClean="0"/>
+              <a:t>no</a:t>
+            </a:r>
+            <a:r>
+              <a:rPr lang="de-CH" dirty="0" smtClean="0"/>
+              <a:t> </a:t>
+            </a:r>
+            <a:r>
+              <a:rPr lang="de-CH" dirty="0" err="1" smtClean="0"/>
+              <a:t>backward</a:t>
+            </a:r>
+            <a:r>
+              <a:rPr lang="de-CH" dirty="0" smtClean="0"/>
+              <a:t> </a:t>
+            </a:r>
+            <a:r>
+              <a:rPr lang="de-CH" dirty="0" err="1" smtClean="0"/>
+              <a:t>communication</a:t>
+            </a:r>
+            <a:endParaRPr lang="de-CH" dirty="0" smtClean="0"/>
+          </a:p>
+          <a:p>
+            <a:r>
+              <a:rPr lang="de-CH" dirty="0" err="1" smtClean="0"/>
+              <a:t>Standoff</a:t>
+            </a:r>
+            <a:r>
+              <a:rPr lang="de-CH" dirty="0" smtClean="0"/>
+              <a:t> </a:t>
+            </a:r>
+            <a:r>
+              <a:rPr lang="de-CH" dirty="0" err="1" smtClean="0"/>
+              <a:t>breakup</a:t>
+            </a:r>
+            <a:r>
+              <a:rPr lang="de-CH" dirty="0" smtClean="0"/>
+              <a:t> </a:t>
+            </a:r>
+            <a:r>
+              <a:rPr lang="de-CH" dirty="0" err="1" smtClean="0"/>
+              <a:t>capabilities</a:t>
+            </a:r>
+            <a:r>
+              <a:rPr lang="de-CH" dirty="0" smtClean="0"/>
+              <a:t> </a:t>
+            </a:r>
+            <a:r>
+              <a:rPr lang="de-CH" dirty="0" err="1" smtClean="0"/>
+              <a:t>are</a:t>
+            </a:r>
+            <a:r>
+              <a:rPr lang="de-CH" dirty="0" smtClean="0"/>
+              <a:t> </a:t>
+            </a:r>
+            <a:r>
+              <a:rPr lang="de-CH" dirty="0" err="1" smtClean="0"/>
+              <a:t>very</a:t>
+            </a:r>
+            <a:r>
+              <a:rPr lang="de-CH" dirty="0" smtClean="0"/>
+              <a:t> limited</a:t>
+            </a:r>
+          </a:p>
+          <a:p>
+            <a:r>
+              <a:rPr lang="de-CH" dirty="0" smtClean="0"/>
+              <a:t>A </a:t>
+            </a:r>
+            <a:r>
+              <a:rPr lang="de-CH" dirty="0" err="1" smtClean="0"/>
+              <a:t>small</a:t>
+            </a:r>
+            <a:r>
+              <a:rPr lang="de-CH" dirty="0" smtClean="0"/>
+              <a:t> </a:t>
+            </a:r>
+            <a:r>
+              <a:rPr lang="de-CH" dirty="0" err="1" smtClean="0"/>
+              <a:t>clot</a:t>
+            </a:r>
+            <a:r>
+              <a:rPr lang="de-CH" dirty="0" smtClean="0"/>
+              <a:t> will (in </a:t>
+            </a:r>
+            <a:r>
+              <a:rPr lang="de-CH" dirty="0" err="1" smtClean="0"/>
+              <a:t>our</a:t>
+            </a:r>
+            <a:r>
+              <a:rPr lang="de-CH" dirty="0" smtClean="0"/>
+              <a:t> model) </a:t>
+            </a:r>
+            <a:r>
+              <a:rPr lang="de-CH" dirty="0" err="1" smtClean="0"/>
+              <a:t>jam</a:t>
+            </a:r>
+            <a:r>
+              <a:rPr lang="de-CH" dirty="0" smtClean="0"/>
+              <a:t> </a:t>
+            </a:r>
+            <a:r>
+              <a:rPr lang="de-CH" dirty="0" err="1" smtClean="0"/>
+              <a:t>the</a:t>
+            </a:r>
+            <a:r>
+              <a:rPr lang="de-CH" dirty="0" smtClean="0"/>
+              <a:t> </a:t>
+            </a:r>
+            <a:r>
+              <a:rPr lang="de-CH" dirty="0" err="1" smtClean="0"/>
+              <a:t>whole</a:t>
+            </a:r>
+            <a:r>
+              <a:rPr lang="de-CH" dirty="0" smtClean="0"/>
+              <a:t> </a:t>
+            </a:r>
+            <a:r>
+              <a:rPr lang="de-CH" dirty="0" err="1" smtClean="0"/>
+              <a:t>hallway</a:t>
+            </a:r>
+            <a:endParaRPr lang="de-CH" dirty="0" smtClean="0"/>
+          </a:p>
+          <a:p>
+            <a:r>
+              <a:rPr lang="de-CH" dirty="0" smtClean="0"/>
+              <a:t>In </a:t>
+            </a:r>
+            <a:r>
+              <a:rPr lang="de-CH" dirty="0" err="1" smtClean="0"/>
+              <a:t>reality</a:t>
+            </a:r>
+            <a:r>
+              <a:rPr lang="de-CH" dirty="0" smtClean="0"/>
+              <a:t>, </a:t>
+            </a:r>
+            <a:r>
+              <a:rPr lang="de-CH" dirty="0" err="1" smtClean="0"/>
+              <a:t>groups</a:t>
+            </a:r>
+            <a:r>
+              <a:rPr lang="de-CH" dirty="0" smtClean="0"/>
+              <a:t> </a:t>
+            </a:r>
+            <a:r>
+              <a:rPr lang="de-CH" dirty="0" err="1" smtClean="0"/>
+              <a:t>of</a:t>
+            </a:r>
+            <a:r>
+              <a:rPr lang="de-CH" dirty="0" smtClean="0"/>
+              <a:t> </a:t>
+            </a:r>
+            <a:r>
+              <a:rPr lang="de-CH" dirty="0" err="1" smtClean="0"/>
+              <a:t>people</a:t>
+            </a:r>
+            <a:r>
+              <a:rPr lang="de-CH" dirty="0" smtClean="0"/>
+              <a:t> walk </a:t>
+            </a:r>
+            <a:r>
+              <a:rPr lang="de-CH" dirty="0" err="1" smtClean="0"/>
+              <a:t>together</a:t>
+            </a:r>
+            <a:endParaRPr lang="de-CH" dirty="0" smtClean="0"/>
+          </a:p>
+          <a:p>
+            <a:endParaRPr lang="de-CH" dirty="0" smtClean="0"/>
+          </a:p>
+          <a:p>
+            <a:endParaRPr lang="de-CH" dirty="0"/>
+          </a:p>
+        </p:txBody>
+      </p:sp>
+    </p:spTree>
+  </p:cSld>
+  <p:clrMapOvr>
+    <a:masterClrMapping/>
+  </p:clrMapOvr>
+  <p:timing>
+    <p:tnLst>
+      <p:par>
+        <p:cTn id="1" dur="indefinite" restart="never" nodeType="tmRoot"/>
+      </p:par>
+    </p:tnLst>
+  </p:timing>
+</p:sld>
+</file>
+
+<file path=ppt/slides/slide21.xml><?xml version="1.0" encoding="utf-8"?>
+<p:sld xmlns:a="http://schemas.openxmlformats.org/drawingml/2006/main" xmlns:r="http://schemas.openxmlformats.org/officeDocument/2006/relationships" xmlns:p="http://schemas.openxmlformats.org/presentationml/2006/main">
+  <p:cSld>
+    <p:spTree>
+      <p:nvGrpSpPr>
+        <p:cNvPr id="1" name=""/>
+        <p:cNvGrpSpPr/>
+        <p:nvPr/>
+      </p:nvGrpSpPr>
+      <p:grpSpPr>
+        <a:xfrm>
+          <a:off x="0" y="0"/>
+          <a:ext cx="0" cy="0"/>
+          <a:chOff x="0" y="0"/>
+          <a:chExt cx="0" cy="0"/>
+        </a:xfrm>
+      </p:grpSpPr>
+      <p:sp>
+        <p:nvSpPr>
+          <p:cNvPr id="2" name="Titel 1"/>
+          <p:cNvSpPr>
+            <a:spLocks noGrp="1"/>
+          </p:cNvSpPr>
+          <p:nvPr>
+            <p:ph type="title"/>
+          </p:nvPr>
+        </p:nvSpPr>
+        <p:spPr/>
+        <p:txBody>
+          <a:bodyPr/>
+          <a:lstStyle/>
+          <a:p>
+            <a:r>
+              <a:rPr lang="de-CH" dirty="0" err="1" smtClean="0"/>
+              <a:t>Limitations</a:t>
+            </a:r>
+            <a:endParaRPr lang="de-CH" dirty="0"/>
+          </a:p>
+        </p:txBody>
+      </p:sp>
+      <p:sp>
+        <p:nvSpPr>
+          <p:cNvPr id="3" name="Inhaltsplatzhalter 2"/>
+          <p:cNvSpPr>
+            <a:spLocks noGrp="1"/>
+          </p:cNvSpPr>
+          <p:nvPr>
+            <p:ph idx="1"/>
+          </p:nvPr>
+        </p:nvSpPr>
+        <p:spPr/>
+        <p:txBody>
+          <a:bodyPr/>
+          <a:lstStyle/>
+          <a:p>
+            <a:r>
+              <a:rPr lang="de-CH" dirty="0" err="1" smtClean="0"/>
+              <a:t>Although</a:t>
+            </a:r>
+            <a:r>
+              <a:rPr lang="de-CH" dirty="0" smtClean="0"/>
+              <a:t> </a:t>
+            </a:r>
+            <a:r>
+              <a:rPr lang="de-CH" dirty="0" err="1" smtClean="0"/>
+              <a:t>obstacle</a:t>
+            </a:r>
+            <a:r>
+              <a:rPr lang="de-CH" dirty="0" smtClean="0"/>
+              <a:t> </a:t>
+            </a:r>
+            <a:r>
+              <a:rPr lang="de-CH" dirty="0" err="1" smtClean="0"/>
+              <a:t>courses</a:t>
+            </a:r>
+            <a:r>
+              <a:rPr lang="de-CH" dirty="0" smtClean="0"/>
+              <a:t> </a:t>
+            </a:r>
+            <a:r>
+              <a:rPr lang="de-CH" dirty="0" err="1" smtClean="0"/>
+              <a:t>can</a:t>
+            </a:r>
+            <a:r>
+              <a:rPr lang="de-CH" dirty="0" smtClean="0"/>
+              <a:t> </a:t>
+            </a:r>
+            <a:r>
+              <a:rPr lang="de-CH" dirty="0" err="1" smtClean="0"/>
+              <a:t>be</a:t>
+            </a:r>
+            <a:r>
+              <a:rPr lang="de-CH" dirty="0" smtClean="0"/>
+              <a:t> </a:t>
+            </a:r>
+            <a:r>
+              <a:rPr lang="de-CH" dirty="0" err="1" smtClean="0"/>
+              <a:t>set</a:t>
+            </a:r>
+            <a:r>
+              <a:rPr lang="de-CH" dirty="0" smtClean="0"/>
+              <a:t>, </a:t>
+            </a:r>
+            <a:r>
+              <a:rPr lang="de-CH" dirty="0" err="1" smtClean="0"/>
+              <a:t>it</a:t>
+            </a:r>
+            <a:r>
+              <a:rPr lang="de-CH" dirty="0" smtClean="0"/>
+              <a:t> </a:t>
+            </a:r>
+            <a:r>
+              <a:rPr lang="de-CH" dirty="0" err="1" smtClean="0"/>
+              <a:t>would</a:t>
+            </a:r>
+            <a:r>
+              <a:rPr lang="de-CH" dirty="0" smtClean="0"/>
+              <a:t> </a:t>
+            </a:r>
+            <a:r>
+              <a:rPr lang="de-CH" dirty="0" err="1" smtClean="0"/>
+              <a:t>be</a:t>
+            </a:r>
+            <a:r>
+              <a:rPr lang="de-CH" dirty="0" smtClean="0"/>
+              <a:t> </a:t>
+            </a:r>
+            <a:r>
+              <a:rPr lang="de-CH" dirty="0" err="1" smtClean="0"/>
+              <a:t>difficult</a:t>
+            </a:r>
+            <a:r>
+              <a:rPr lang="de-CH" dirty="0" smtClean="0"/>
+              <a:t> </a:t>
+            </a:r>
+            <a:r>
+              <a:rPr lang="de-CH" dirty="0" err="1" smtClean="0"/>
+              <a:t>to</a:t>
+            </a:r>
+            <a:r>
+              <a:rPr lang="de-CH" dirty="0" smtClean="0"/>
+              <a:t> </a:t>
+            </a:r>
+            <a:r>
+              <a:rPr lang="de-CH" dirty="0" err="1" smtClean="0"/>
+              <a:t>make</a:t>
+            </a:r>
+            <a:r>
+              <a:rPr lang="de-CH" dirty="0" smtClean="0"/>
+              <a:t> </a:t>
+            </a:r>
+            <a:r>
+              <a:rPr lang="de-CH" dirty="0" err="1" smtClean="0"/>
+              <a:t>spawn</a:t>
+            </a:r>
+            <a:r>
+              <a:rPr lang="de-CH" dirty="0" smtClean="0"/>
+              <a:t> </a:t>
+            </a:r>
+            <a:r>
+              <a:rPr lang="de-CH" dirty="0" err="1" smtClean="0"/>
+              <a:t>zones</a:t>
+            </a:r>
+            <a:r>
+              <a:rPr lang="de-CH" dirty="0" smtClean="0"/>
+              <a:t> on </a:t>
+            </a:r>
+            <a:r>
+              <a:rPr lang="de-CH" dirty="0" err="1" smtClean="0"/>
+              <a:t>the</a:t>
+            </a:r>
+            <a:r>
+              <a:rPr lang="de-CH" dirty="0" smtClean="0"/>
+              <a:t> </a:t>
+            </a:r>
+            <a:r>
+              <a:rPr lang="de-CH" dirty="0" err="1" smtClean="0"/>
+              <a:t>sides</a:t>
+            </a:r>
+            <a:endParaRPr lang="de-CH" dirty="0" smtClean="0"/>
+          </a:p>
+          <a:p>
+            <a:r>
+              <a:rPr lang="de-CH" dirty="0" err="1" smtClean="0"/>
+              <a:t>Functions</a:t>
+            </a:r>
+            <a:r>
+              <a:rPr lang="de-CH" dirty="0" smtClean="0"/>
+              <a:t> </a:t>
+            </a:r>
+            <a:r>
+              <a:rPr lang="de-CH" dirty="0" err="1" smtClean="0"/>
+              <a:t>were</a:t>
+            </a:r>
+            <a:r>
+              <a:rPr lang="de-CH" dirty="0" smtClean="0"/>
+              <a:t> </a:t>
+            </a:r>
+            <a:r>
+              <a:rPr lang="de-CH" dirty="0" err="1" smtClean="0"/>
+              <a:t>chosen</a:t>
+            </a:r>
+            <a:r>
+              <a:rPr lang="de-CH" dirty="0" smtClean="0"/>
+              <a:t> </a:t>
+            </a:r>
+            <a:r>
+              <a:rPr lang="de-CH" dirty="0" err="1" smtClean="0"/>
+              <a:t>to</a:t>
+            </a:r>
+            <a:r>
+              <a:rPr lang="de-CH" dirty="0" smtClean="0"/>
+              <a:t> </a:t>
+            </a:r>
+            <a:r>
+              <a:rPr lang="de-CH" dirty="0" err="1" smtClean="0"/>
+              <a:t>meet</a:t>
+            </a:r>
+            <a:r>
+              <a:rPr lang="de-CH" dirty="0" smtClean="0"/>
+              <a:t> </a:t>
+            </a:r>
+            <a:r>
+              <a:rPr lang="de-CH" dirty="0" err="1" smtClean="0"/>
+              <a:t>certain</a:t>
+            </a:r>
+            <a:r>
+              <a:rPr lang="de-CH" dirty="0" smtClean="0"/>
+              <a:t> </a:t>
+            </a:r>
+            <a:r>
+              <a:rPr lang="de-CH" dirty="0" err="1" smtClean="0"/>
+              <a:t>criteria</a:t>
+            </a:r>
+            <a:r>
+              <a:rPr lang="de-CH" dirty="0" smtClean="0"/>
+              <a:t> </a:t>
+            </a:r>
+            <a:r>
+              <a:rPr lang="de-CH" dirty="0" err="1" smtClean="0"/>
+              <a:t>and</a:t>
+            </a:r>
+            <a:r>
+              <a:rPr lang="de-CH" dirty="0" smtClean="0"/>
+              <a:t> not </a:t>
+            </a:r>
+            <a:r>
+              <a:rPr lang="de-CH" dirty="0" err="1" smtClean="0"/>
+              <a:t>from</a:t>
+            </a:r>
+            <a:r>
+              <a:rPr lang="de-CH" dirty="0" smtClean="0"/>
+              <a:t> explicit </a:t>
+            </a:r>
+            <a:r>
+              <a:rPr lang="de-CH" dirty="0" err="1" smtClean="0"/>
+              <a:t>research</a:t>
+            </a:r>
+            <a:endParaRPr lang="de-CH" dirty="0" smtClean="0"/>
+          </a:p>
+          <a:p>
+            <a:r>
+              <a:rPr lang="de-CH" dirty="0" smtClean="0"/>
+              <a:t>The </a:t>
+            </a:r>
+            <a:r>
+              <a:rPr lang="de-CH" dirty="0" err="1" smtClean="0"/>
+              <a:t>whole</a:t>
+            </a:r>
+            <a:r>
+              <a:rPr lang="de-CH" dirty="0" smtClean="0"/>
+              <a:t> </a:t>
+            </a:r>
+            <a:r>
+              <a:rPr lang="de-CH" dirty="0" err="1" smtClean="0"/>
+              <a:t>set</a:t>
+            </a:r>
+            <a:r>
+              <a:rPr lang="de-CH" dirty="0" smtClean="0"/>
+              <a:t> </a:t>
+            </a:r>
+            <a:r>
+              <a:rPr lang="de-CH" dirty="0" err="1" smtClean="0"/>
+              <a:t>of</a:t>
+            </a:r>
+            <a:r>
+              <a:rPr lang="de-CH" dirty="0" smtClean="0"/>
+              <a:t> global </a:t>
+            </a:r>
+            <a:r>
+              <a:rPr lang="de-CH" dirty="0" err="1" smtClean="0"/>
+              <a:t>parameters</a:t>
+            </a:r>
+            <a:r>
+              <a:rPr lang="de-CH" dirty="0" smtClean="0"/>
+              <a:t> </a:t>
+            </a:r>
+            <a:r>
+              <a:rPr lang="de-CH" dirty="0" err="1" smtClean="0"/>
+              <a:t>is</a:t>
+            </a:r>
+            <a:r>
+              <a:rPr lang="de-CH" dirty="0" smtClean="0"/>
+              <a:t> </a:t>
+            </a:r>
+            <a:r>
+              <a:rPr lang="de-CH" dirty="0" err="1" smtClean="0"/>
+              <a:t>difficult</a:t>
+            </a:r>
+            <a:r>
+              <a:rPr lang="de-CH" dirty="0" smtClean="0"/>
+              <a:t> </a:t>
+            </a:r>
+            <a:r>
+              <a:rPr lang="de-CH" dirty="0" err="1" smtClean="0"/>
+              <a:t>to</a:t>
+            </a:r>
+            <a:r>
+              <a:rPr lang="de-CH" dirty="0" smtClean="0"/>
+              <a:t> </a:t>
+            </a:r>
+            <a:r>
+              <a:rPr lang="de-CH" dirty="0" err="1" smtClean="0"/>
+              <a:t>optimize</a:t>
+            </a:r>
+            <a:endParaRPr lang="de-DE" dirty="0" smtClean="0"/>
+          </a:p>
+          <a:p>
+            <a:endParaRPr lang="de-CH" dirty="0"/>
+          </a:p>
+        </p:txBody>
+      </p:sp>
+    </p:spTree>
+  </p:cSld>
+  <p:clrMapOvr>
+    <a:masterClrMapping/>
+  </p:clrMapOvr>
+  <p:timing>
+    <p:tnLst>
+      <p:par>
+        <p:cTn id="1" dur="indefinite" restart="never" nodeType="tmRoot"/>
+      </p:par>
+    </p:tnLst>
+  </p:timing>
+</p:sld>
+</file>
+
+<file path=ppt/slides/slide22.xml><?xml version="1.0" encoding="utf-8"?>
+<p:sld xmlns:a="http://schemas.openxmlformats.org/drawingml/2006/main" xmlns:r="http://schemas.openxmlformats.org/officeDocument/2006/relationships" xmlns:p="http://schemas.openxmlformats.org/presentationml/2006/main">
+  <p:cSld>
+    <p:spTree>
+      <p:nvGrpSpPr>
+        <p:cNvPr id="1" name=""/>
+        <p:cNvGrpSpPr/>
+        <p:nvPr/>
+      </p:nvGrpSpPr>
+      <p:grpSpPr>
+        <a:xfrm>
+          <a:off x="0" y="0"/>
+          <a:ext cx="0" cy="0"/>
+          <a:chOff x="0" y="0"/>
+          <a:chExt cx="0" cy="0"/>
+        </a:xfrm>
+      </p:grpSpPr>
+      <p:sp>
+        <p:nvSpPr>
+          <p:cNvPr id="2" name="Titel 1"/>
+          <p:cNvSpPr>
+            <a:spLocks noGrp="1"/>
+          </p:cNvSpPr>
+          <p:nvPr>
+            <p:ph type="title"/>
+          </p:nvPr>
+        </p:nvSpPr>
+        <p:spPr/>
+        <p:txBody>
+          <a:bodyPr/>
+          <a:lstStyle/>
+          <a:p>
+            <a:r>
+              <a:rPr lang="de-CH" dirty="0" err="1" smtClean="0"/>
+              <a:t>Summary</a:t>
+            </a:r>
+            <a:endParaRPr lang="de-CH" dirty="0"/>
+          </a:p>
+        </p:txBody>
+      </p:sp>
+      <p:sp>
+        <p:nvSpPr>
+          <p:cNvPr id="3" name="Inhaltsplatzhalter 2"/>
+          <p:cNvSpPr>
+            <a:spLocks noGrp="1"/>
+          </p:cNvSpPr>
+          <p:nvPr>
+            <p:ph idx="1"/>
+          </p:nvPr>
+        </p:nvSpPr>
+        <p:spPr/>
+        <p:txBody>
+          <a:bodyPr/>
+          <a:lstStyle/>
+          <a:p>
             <a:endParaRPr lang="de-CH"/>
+          </a:p>
+        </p:txBody>
+      </p:sp>
+    </p:spTree>
+  </p:cSld>
+  <p:clrMapOvr>
+    <a:masterClrMapping/>
+  </p:clrMapOvr>
+  <p:timing>
+    <p:tnLst>
+      <p:par>
+        <p:cTn id="1" dur="indefinite" restart="never" nodeType="tmRoot"/>
+      </p:par>
+    </p:tnLst>
+  </p:timing>
+</p:sld>
+</file>
+
+<file path=ppt/slides/slide23.xml><?xml version="1.0" encoding="utf-8"?>
+<p:sld xmlns:a="http://schemas.openxmlformats.org/drawingml/2006/main" xmlns:r="http://schemas.openxmlformats.org/officeDocument/2006/relationships" xmlns:p="http://schemas.openxmlformats.org/presentationml/2006/main">
+  <p:cSld>
+    <p:spTree>
+      <p:nvGrpSpPr>
+        <p:cNvPr id="1" name=""/>
+        <p:cNvGrpSpPr/>
+        <p:nvPr/>
+      </p:nvGrpSpPr>
+      <p:grpSpPr>
+        <a:xfrm>
+          <a:off x="0" y="0"/>
+          <a:ext cx="0" cy="0"/>
+          <a:chOff x="0" y="0"/>
+          <a:chExt cx="0" cy="0"/>
+        </a:xfrm>
+      </p:grpSpPr>
+      <p:sp>
+        <p:nvSpPr>
+          <p:cNvPr id="2" name="Titel 1"/>
+          <p:cNvSpPr>
+            <a:spLocks noGrp="1"/>
+          </p:cNvSpPr>
+          <p:nvPr>
+            <p:ph type="title"/>
+          </p:nvPr>
+        </p:nvSpPr>
+        <p:spPr/>
+        <p:txBody>
+          <a:bodyPr/>
+          <a:lstStyle/>
+          <a:p>
+            <a:endParaRPr lang="de-CH"/>
+          </a:p>
+        </p:txBody>
+      </p:sp>
+      <p:sp>
+        <p:nvSpPr>
+          <p:cNvPr id="3" name="Inhaltsplatzhalter 2"/>
+          <p:cNvSpPr>
+            <a:spLocks noGrp="1"/>
+          </p:cNvSpPr>
+          <p:nvPr>
+            <p:ph idx="1"/>
+          </p:nvPr>
+        </p:nvSpPr>
+        <p:spPr/>
+        <p:txBody>
+          <a:bodyPr/>
+          <a:lstStyle/>
+          <a:p>
+            <a:endParaRPr lang="de-CH"/>
+          </a:p>
+        </p:txBody>
+      </p:sp>
+    </p:spTree>
+  </p:cSld>
+  <p:clrMapOvr>
+    <a:masterClrMapping/>
+  </p:clrMapOvr>
+  <p:timing>
+    <p:tnLst>
+      <p:par>
+        <p:cTn id="1" dur="indefinite" restart="never" nodeType="tmRoot"/>
+      </p:par>
+    </p:tnLst>
+  </p:timing>
+</p:sld>
+</file>
+
+<file path=ppt/slides/slide24.xml><?xml version="1.0" encoding="utf-8"?>
+<p:sld xmlns:a="http://schemas.openxmlformats.org/drawingml/2006/main" xmlns:r="http://schemas.openxmlformats.org/officeDocument/2006/relationships" xmlns:p="http://schemas.openxmlformats.org/presentationml/2006/main">
+  <p:cSld>
+    <p:spTree>
+      <p:nvGrpSpPr>
+        <p:cNvPr id="1" name=""/>
+        <p:cNvGrpSpPr/>
+        <p:nvPr/>
+      </p:nvGrpSpPr>
+      <p:grpSpPr>
+        <a:xfrm>
+          <a:off x="0" y="0"/>
+          <a:ext cx="0" cy="0"/>
+          <a:chOff x="0" y="0"/>
+          <a:chExt cx="0" cy="0"/>
+        </a:xfrm>
+      </p:grpSpPr>
+      <p:sp>
+        <p:nvSpPr>
+          <p:cNvPr id="2" name="Titel 1"/>
+          <p:cNvSpPr>
+            <a:spLocks noGrp="1"/>
+          </p:cNvSpPr>
+          <p:nvPr>
+            <p:ph type="title"/>
+          </p:nvPr>
+        </p:nvSpPr>
+        <p:spPr/>
+        <p:txBody>
+          <a:bodyPr/>
+          <a:lstStyle/>
+          <a:p>
+            <a:r>
+              <a:rPr lang="de-CH" dirty="0" err="1" smtClean="0"/>
+              <a:t>Q&amp;A</a:t>
+            </a:r>
+            <a:r>
+              <a:rPr lang="de-CH" dirty="0" smtClean="0"/>
+              <a:t> – </a:t>
+            </a:r>
+            <a:r>
+              <a:rPr lang="de-CH" dirty="0" err="1" smtClean="0"/>
+              <a:t>Questions</a:t>
+            </a:r>
+            <a:r>
+              <a:rPr lang="de-CH" dirty="0" smtClean="0"/>
+              <a:t>?</a:t>
+            </a:r>
+            <a:endParaRPr lang="de-CH" dirty="0"/>
+          </a:p>
+        </p:txBody>
+      </p:sp>
+      <p:sp>
+        <p:nvSpPr>
+          <p:cNvPr id="3" name="Inhaltsplatzhalter 2"/>
+          <p:cNvSpPr>
+            <a:spLocks noGrp="1"/>
+          </p:cNvSpPr>
+          <p:nvPr>
+            <p:ph idx="1"/>
+          </p:nvPr>
+        </p:nvSpPr>
+        <p:spPr/>
+        <p:txBody>
+          <a:bodyPr/>
+          <a:lstStyle/>
+          <a:p>
+            <a:endParaRPr lang="de-CH" dirty="0" smtClean="0"/>
+          </a:p>
+          <a:p>
+            <a:endParaRPr lang="de-CH" dirty="0" smtClean="0"/>
+          </a:p>
+          <a:p>
+            <a:endParaRPr lang="de-CH" dirty="0" smtClean="0"/>
+          </a:p>
+          <a:p>
+            <a:r>
+              <a:rPr lang="de-CH" dirty="0" err="1" smtClean="0"/>
+              <a:t>Feel</a:t>
+            </a:r>
+            <a:r>
+              <a:rPr lang="de-CH" dirty="0" smtClean="0"/>
+              <a:t> </a:t>
+            </a:r>
+            <a:r>
+              <a:rPr lang="de-CH" dirty="0" err="1" smtClean="0"/>
+              <a:t>free</a:t>
+            </a:r>
+            <a:r>
+              <a:rPr lang="de-CH" dirty="0" smtClean="0"/>
+              <a:t> </a:t>
+            </a:r>
+            <a:r>
+              <a:rPr lang="de-CH" dirty="0" err="1" smtClean="0"/>
+              <a:t>to</a:t>
+            </a:r>
+            <a:r>
+              <a:rPr lang="de-CH" dirty="0" smtClean="0"/>
+              <a:t> </a:t>
+            </a:r>
+            <a:r>
+              <a:rPr lang="de-CH" dirty="0" err="1" smtClean="0"/>
+              <a:t>ask</a:t>
+            </a:r>
+            <a:r>
+              <a:rPr lang="de-CH" dirty="0" smtClean="0"/>
+              <a:t> </a:t>
+            </a:r>
+            <a:r>
+              <a:rPr lang="de-CH" dirty="0" err="1" smtClean="0"/>
+              <a:t>any</a:t>
+            </a:r>
+            <a:r>
+              <a:rPr lang="de-CH" dirty="0" smtClean="0"/>
+              <a:t> </a:t>
+            </a:r>
+            <a:r>
+              <a:rPr lang="de-CH" dirty="0" err="1" smtClean="0"/>
+              <a:t>question</a:t>
+            </a:r>
+            <a:endParaRPr lang="de-CH" dirty="0"/>
           </a:p>
         </p:txBody>
       </p:sp>
@@ -5357,37 +8261,57 @@
         </p:nvSpPr>
         <p:spPr/>
         <p:txBody>
-          <a:bodyPr/>
-          <a:lstStyle/>
-          <a:p>
-            <a:endParaRPr lang="de-CH"/>
-          </a:p>
-        </p:txBody>
-      </p:sp>
-      <p:sp>
-        <p:nvSpPr>
-          <p:cNvPr id="3" name="Inhaltsplatzhalter 2"/>
-          <p:cNvSpPr>
-            <a:spLocks noGrp="1"/>
-          </p:cNvSpPr>
-          <p:nvPr>
-            <p:ph idx="1"/>
-          </p:nvPr>
-        </p:nvSpPr>
-        <p:spPr/>
-        <p:txBody>
-          <a:bodyPr/>
-          <a:lstStyle/>
-          <a:p>
-            <a:endParaRPr lang="de-CH"/>
-          </a:p>
-        </p:txBody>
-      </p:sp>
+          <a:bodyPr>
+            <a:normAutofit/>
+          </a:bodyPr>
+          <a:lstStyle/>
+          <a:p>
+            <a:r>
+              <a:rPr lang="en-US" dirty="0" smtClean="0"/>
+              <a:t>Intro, motivation &amp; basic idea</a:t>
+            </a:r>
+            <a:endParaRPr lang="de-CH" dirty="0"/>
+          </a:p>
+        </p:txBody>
+      </p:sp>
+      <p:pic>
+        <p:nvPicPr>
+          <p:cNvPr id="1026" name="Picture 2" descr="C:\Users\Ueli\Desktop\oktoberfest2.jpg"/>
+          <p:cNvPicPr>
+            <a:picLocks noChangeAspect="1" noChangeArrowheads="1"/>
+          </p:cNvPicPr>
+          <p:nvPr/>
+        </p:nvPicPr>
+        <p:blipFill>
+          <a:blip r:embed="rId3" cstate="print"/>
+          <a:srcRect/>
+          <a:stretch>
+            <a:fillRect/>
+          </a:stretch>
+        </p:blipFill>
+        <p:spPr bwMode="auto">
+          <a:xfrm>
+            <a:off x="701570" y="2132856"/>
+            <a:ext cx="7740860" cy="4354234"/>
+          </a:xfrm>
+          <a:prstGeom prst="rect">
+            <a:avLst/>
+          </a:prstGeom>
+          <a:noFill/>
+        </p:spPr>
+      </p:pic>
     </p:spTree>
   </p:cSld>
   <p:clrMapOvr>
     <a:masterClrMapping/>
   </p:clrMapOvr>
+  <p:timing>
+    <p:tnLst>
+      <p:par>
+        <p:cTn id="1" dur="indefinite" restart="never" nodeType="tmRoot"/>
+      </p:par>
+    </p:tnLst>
+  </p:timing>
 </p:sld>
 </file>
 
@@ -5420,391 +8344,694 @@
         </p:nvSpPr>
         <p:spPr/>
         <p:txBody>
-          <a:bodyPr/>
-          <a:lstStyle/>
-          <a:p>
-            <a:r>
-              <a:rPr lang="de-CH" dirty="0" smtClean="0"/>
-              <a:t>The </a:t>
-            </a:r>
-            <a:r>
-              <a:rPr lang="de-CH" dirty="0" err="1" smtClean="0"/>
-              <a:t>logic</a:t>
-            </a:r>
-            <a:r>
-              <a:rPr lang="de-CH" dirty="0" smtClean="0"/>
-              <a:t> in </a:t>
-            </a:r>
-            <a:r>
-              <a:rPr lang="de-CH" dirty="0" err="1" smtClean="0"/>
-              <a:t>our</a:t>
-            </a:r>
-            <a:r>
-              <a:rPr lang="de-CH" dirty="0" smtClean="0"/>
-              <a:t> model</a:t>
+          <a:bodyPr>
+            <a:normAutofit/>
+          </a:bodyPr>
+          <a:lstStyle/>
+          <a:p>
+            <a:r>
+              <a:rPr lang="en-US" dirty="0" smtClean="0"/>
+              <a:t>Intro, motivation &amp; basic idea</a:t>
             </a:r>
             <a:endParaRPr lang="de-CH" dirty="0"/>
           </a:p>
         </p:txBody>
       </p:sp>
-      <p:sp>
-        <p:nvSpPr>
-          <p:cNvPr id="3" name="Inhaltsplatzhalter 2"/>
-          <p:cNvSpPr>
-            <a:spLocks noGrp="1"/>
-          </p:cNvSpPr>
-          <p:nvPr>
-            <p:ph idx="1"/>
-          </p:nvPr>
-        </p:nvSpPr>
-        <p:spPr/>
-        <p:txBody>
-          <a:bodyPr/>
-          <a:lstStyle/>
-          <a:p>
-            <a:r>
-              <a:rPr lang="de-CH" dirty="0" smtClean="0"/>
-              <a:t>Model </a:t>
-            </a:r>
-            <a:r>
-              <a:rPr lang="de-CH" dirty="0" err="1" smtClean="0"/>
-              <a:t>the</a:t>
-            </a:r>
-            <a:r>
-              <a:rPr lang="de-CH" dirty="0" smtClean="0"/>
-              <a:t> </a:t>
-            </a:r>
-            <a:r>
-              <a:rPr lang="de-CH" dirty="0" err="1" smtClean="0"/>
-              <a:t>overall</a:t>
-            </a:r>
-            <a:r>
-              <a:rPr lang="de-CH" dirty="0" smtClean="0"/>
-              <a:t> </a:t>
-            </a:r>
-            <a:r>
-              <a:rPr lang="de-CH" dirty="0" err="1" smtClean="0"/>
-              <a:t>interaction</a:t>
-            </a:r>
-            <a:r>
-              <a:rPr lang="de-CH" dirty="0" smtClean="0"/>
-              <a:t> </a:t>
-            </a:r>
-            <a:r>
-              <a:rPr lang="de-CH" dirty="0" err="1" smtClean="0"/>
-              <a:t>for</a:t>
-            </a:r>
-            <a:r>
-              <a:rPr lang="de-CH" dirty="0" smtClean="0"/>
-              <a:t> an </a:t>
-            </a:r>
-            <a:r>
-              <a:rPr lang="de-CH" dirty="0" err="1" smtClean="0"/>
-              <a:t>agent</a:t>
-            </a:r>
-            <a:r>
-              <a:rPr lang="de-CH" dirty="0" smtClean="0"/>
-              <a:t> </a:t>
-            </a:r>
-            <a:r>
-              <a:rPr lang="de-CH" dirty="0" err="1" smtClean="0"/>
-              <a:t>as</a:t>
-            </a:r>
-            <a:r>
-              <a:rPr lang="de-CH" dirty="0" smtClean="0"/>
-              <a:t> a </a:t>
-            </a:r>
-            <a:r>
-              <a:rPr lang="de-CH" dirty="0" err="1" smtClean="0"/>
-              <a:t>superposition</a:t>
-            </a:r>
-            <a:r>
-              <a:rPr lang="de-CH" dirty="0" smtClean="0"/>
-              <a:t> </a:t>
-            </a:r>
-            <a:r>
-              <a:rPr lang="de-CH" dirty="0" err="1" smtClean="0"/>
-              <a:t>of</a:t>
-            </a:r>
-            <a:r>
-              <a:rPr lang="de-CH" dirty="0" smtClean="0"/>
-              <a:t> all </a:t>
-            </a:r>
-            <a:r>
-              <a:rPr lang="de-CH" dirty="0" err="1" smtClean="0"/>
-              <a:t>direct</a:t>
-            </a:r>
-            <a:r>
-              <a:rPr lang="de-CH" dirty="0" smtClean="0"/>
-              <a:t> </a:t>
-            </a:r>
-            <a:r>
-              <a:rPr lang="de-CH" dirty="0" err="1" smtClean="0"/>
-              <a:t>interactions</a:t>
-            </a:r>
-            <a:r>
-              <a:rPr lang="de-CH" dirty="0" smtClean="0"/>
-              <a:t> </a:t>
-            </a:r>
-            <a:r>
-              <a:rPr lang="de-CH" dirty="0" err="1" smtClean="0"/>
-              <a:t>between</a:t>
-            </a:r>
-            <a:r>
-              <a:rPr lang="de-CH" dirty="0" smtClean="0"/>
-              <a:t> </a:t>
-            </a:r>
-            <a:r>
-              <a:rPr lang="de-CH" dirty="0" err="1" smtClean="0"/>
-              <a:t>him</a:t>
-            </a:r>
-            <a:r>
-              <a:rPr lang="de-CH" dirty="0" smtClean="0"/>
-              <a:t> </a:t>
-            </a:r>
-            <a:r>
-              <a:rPr lang="de-CH" dirty="0" err="1" smtClean="0"/>
-              <a:t>and</a:t>
-            </a:r>
-            <a:r>
-              <a:rPr lang="de-CH" dirty="0" smtClean="0"/>
-              <a:t> </a:t>
-            </a:r>
-            <a:r>
-              <a:rPr lang="de-CH" dirty="0" err="1" smtClean="0"/>
-              <a:t>any</a:t>
-            </a:r>
-            <a:r>
-              <a:rPr lang="de-CH" dirty="0" smtClean="0"/>
-              <a:t> </a:t>
-            </a:r>
-            <a:r>
-              <a:rPr lang="de-CH" dirty="0" err="1" smtClean="0"/>
-              <a:t>other</a:t>
-            </a:r>
-            <a:r>
-              <a:rPr lang="de-CH" dirty="0" smtClean="0"/>
-              <a:t> </a:t>
-            </a:r>
-            <a:r>
-              <a:rPr lang="de-CH" dirty="0" err="1" smtClean="0"/>
-              <a:t>agent</a:t>
-            </a:r>
-            <a:endParaRPr lang="de-CH" dirty="0" smtClean="0"/>
-          </a:p>
-          <a:p>
-            <a:r>
-              <a:rPr lang="de-CH" dirty="0" err="1" smtClean="0"/>
-              <a:t>Choose</a:t>
-            </a:r>
-            <a:r>
-              <a:rPr lang="de-CH" dirty="0" smtClean="0"/>
-              <a:t> </a:t>
-            </a:r>
-            <a:r>
-              <a:rPr lang="de-CH" dirty="0" err="1" smtClean="0"/>
-              <a:t>appropriate</a:t>
-            </a:r>
-            <a:r>
-              <a:rPr lang="de-CH" dirty="0" smtClean="0"/>
-              <a:t> model </a:t>
-            </a:r>
-            <a:r>
-              <a:rPr lang="de-CH" dirty="0" err="1" smtClean="0"/>
-              <a:t>functions</a:t>
-            </a:r>
-            <a:r>
-              <a:rPr lang="de-CH" dirty="0" smtClean="0"/>
-              <a:t> </a:t>
-            </a:r>
-            <a:r>
-              <a:rPr lang="de-CH" dirty="0" err="1" smtClean="0"/>
-              <a:t>to</a:t>
-            </a:r>
-            <a:r>
-              <a:rPr lang="de-CH" dirty="0" smtClean="0"/>
-              <a:t> </a:t>
-            </a:r>
-            <a:r>
-              <a:rPr lang="de-CH" dirty="0" err="1" smtClean="0"/>
-              <a:t>fulfill</a:t>
-            </a:r>
-            <a:r>
-              <a:rPr lang="de-CH" dirty="0" smtClean="0"/>
-              <a:t> </a:t>
-            </a:r>
-            <a:r>
-              <a:rPr lang="de-CH" dirty="0" err="1" smtClean="0"/>
-              <a:t>the</a:t>
-            </a:r>
-            <a:r>
-              <a:rPr lang="de-CH" dirty="0" smtClean="0"/>
-              <a:t> </a:t>
-            </a:r>
-            <a:r>
-              <a:rPr lang="de-CH" dirty="0" err="1" smtClean="0"/>
-              <a:t>two-agent</a:t>
-            </a:r>
-            <a:r>
-              <a:rPr lang="de-CH" dirty="0" smtClean="0"/>
-              <a:t> </a:t>
-            </a:r>
-            <a:r>
-              <a:rPr lang="de-CH" dirty="0" err="1" smtClean="0"/>
-              <a:t>problem</a:t>
-            </a:r>
-            <a:endParaRPr lang="de-CH" dirty="0" smtClean="0"/>
-          </a:p>
-          <a:p>
-            <a:r>
-              <a:rPr lang="de-CH" dirty="0" err="1" smtClean="0"/>
-              <a:t>Gaussian</a:t>
-            </a:r>
-            <a:r>
-              <a:rPr lang="de-CH" dirty="0" smtClean="0"/>
-              <a:t> </a:t>
-            </a:r>
-            <a:r>
-              <a:rPr lang="de-CH" dirty="0" err="1" smtClean="0"/>
-              <a:t>as</a:t>
-            </a:r>
-            <a:r>
-              <a:rPr lang="de-CH" dirty="0" smtClean="0"/>
-              <a:t> </a:t>
-            </a:r>
-            <a:r>
-              <a:rPr lang="de-CH" dirty="0" err="1" smtClean="0"/>
-              <a:t>preference</a:t>
-            </a:r>
-            <a:r>
-              <a:rPr lang="de-CH" dirty="0" smtClean="0"/>
-              <a:t> </a:t>
-            </a:r>
-            <a:r>
-              <a:rPr lang="de-CH" dirty="0" err="1" smtClean="0"/>
-              <a:t>to</a:t>
-            </a:r>
-            <a:r>
-              <a:rPr lang="de-CH" dirty="0" smtClean="0"/>
-              <a:t> </a:t>
-            </a:r>
-            <a:r>
-              <a:rPr lang="de-CH" dirty="0" err="1" smtClean="0"/>
-              <a:t>go</a:t>
-            </a:r>
-            <a:r>
-              <a:rPr lang="de-CH" dirty="0" smtClean="0"/>
-              <a:t> </a:t>
-            </a:r>
-            <a:r>
-              <a:rPr lang="de-CH" dirty="0" err="1" smtClean="0"/>
-              <a:t>ahead</a:t>
-            </a:r>
-            <a:endParaRPr lang="de-CH" dirty="0" smtClean="0"/>
-          </a:p>
-          <a:p>
-            <a:r>
-              <a:rPr lang="de-CH" dirty="0" smtClean="0"/>
-              <a:t>Polar </a:t>
-            </a:r>
-            <a:r>
-              <a:rPr lang="de-CH" dirty="0" err="1" smtClean="0"/>
-              <a:t>coordination</a:t>
-            </a:r>
-            <a:r>
-              <a:rPr lang="de-CH" dirty="0" smtClean="0"/>
-              <a:t> </a:t>
-            </a:r>
-            <a:r>
-              <a:rPr lang="de-CH" dirty="0" err="1" smtClean="0"/>
-              <a:t>system</a:t>
-            </a:r>
-            <a:r>
-              <a:rPr lang="de-CH" dirty="0" smtClean="0"/>
-              <a:t> </a:t>
-            </a:r>
-            <a:r>
-              <a:rPr lang="de-CH" dirty="0" err="1" smtClean="0"/>
-              <a:t>with</a:t>
-            </a:r>
-            <a:r>
-              <a:rPr lang="de-CH" dirty="0" smtClean="0"/>
-              <a:t> </a:t>
-            </a:r>
-            <a:r>
-              <a:rPr lang="de-CH" dirty="0" err="1" smtClean="0"/>
-              <a:t>the</a:t>
-            </a:r>
-            <a:r>
-              <a:rPr lang="de-CH" dirty="0" smtClean="0"/>
-              <a:t> </a:t>
-            </a:r>
-            <a:r>
-              <a:rPr lang="de-CH" dirty="0" err="1" smtClean="0"/>
-              <a:t>agent</a:t>
-            </a:r>
-            <a:r>
-              <a:rPr lang="de-CH" dirty="0" smtClean="0"/>
-              <a:t> </a:t>
-            </a:r>
-            <a:r>
-              <a:rPr lang="de-CH" dirty="0" err="1" smtClean="0"/>
-              <a:t>centered</a:t>
-            </a:r>
-            <a:r>
-              <a:rPr lang="de-CH" dirty="0" smtClean="0"/>
-              <a:t/>
-            </a:r>
-            <a:br>
-              <a:rPr lang="de-CH" dirty="0" smtClean="0"/>
-            </a:br>
-            <a:r>
-              <a:rPr lang="de-CH" dirty="0" smtClean="0">
-                <a:sym typeface="Wingdings" pitchFamily="2" charset="2"/>
-              </a:rPr>
-              <a:t> </a:t>
-            </a:r>
-            <a:r>
-              <a:rPr lang="de-CH" dirty="0" err="1" smtClean="0"/>
-              <a:t>Only</a:t>
-            </a:r>
-            <a:r>
-              <a:rPr lang="de-CH" dirty="0" smtClean="0"/>
-              <a:t> </a:t>
-            </a:r>
-            <a:r>
-              <a:rPr lang="de-CH" dirty="0" err="1" smtClean="0"/>
-              <a:t>consider</a:t>
-            </a:r>
-            <a:r>
-              <a:rPr lang="de-CH" dirty="0" smtClean="0"/>
-              <a:t> </a:t>
-            </a:r>
-            <a:r>
-              <a:rPr lang="de-CH" dirty="0" err="1" smtClean="0"/>
-              <a:t>the</a:t>
-            </a:r>
-            <a:r>
-              <a:rPr lang="de-CH" dirty="0" smtClean="0"/>
-              <a:t> </a:t>
-            </a:r>
-            <a:r>
-              <a:rPr lang="de-CH" dirty="0" smtClean="0"/>
-              <a:t>angle</a:t>
-            </a:r>
-            <a:endParaRPr lang="de-DE" dirty="0" smtClean="0"/>
-          </a:p>
-        </p:txBody>
-      </p:sp>
+      <p:pic>
+        <p:nvPicPr>
+          <p:cNvPr id="2050" name="Picture 2" descr="C:\Users\Ueli\Desktop\HBPlan.jpg"/>
+          <p:cNvPicPr>
+            <a:picLocks noChangeAspect="1" noChangeArrowheads="1"/>
+          </p:cNvPicPr>
+          <p:nvPr/>
+        </p:nvPicPr>
+        <p:blipFill>
+          <a:blip r:embed="rId3" cstate="print"/>
+          <a:srcRect/>
+          <a:stretch>
+            <a:fillRect/>
+          </a:stretch>
+        </p:blipFill>
+        <p:spPr bwMode="auto">
+          <a:xfrm>
+            <a:off x="278281" y="2204864"/>
+            <a:ext cx="8587439" cy="3940036"/>
+          </a:xfrm>
+          <a:prstGeom prst="rect">
+            <a:avLst/>
+          </a:prstGeom>
+          <a:noFill/>
+        </p:spPr>
+      </p:pic>
     </p:spTree>
   </p:cSld>
   <p:clrMapOvr>
     <a:masterClrMapping/>
   </p:clrMapOvr>
+  <p:timing>
+    <p:tnLst>
+      <p:par>
+        <p:cTn id="1" dur="indefinite" restart="never" nodeType="tmRoot"/>
+      </p:par>
+    </p:tnLst>
+  </p:timing>
 </p:sld>
 </file>
 
 <file path=ppt/slides/slide5.xml><?xml version="1.0" encoding="utf-8"?>
+<p:sld xmlns:a="http://schemas.openxmlformats.org/drawingml/2006/main" xmlns:r="http://schemas.openxmlformats.org/officeDocument/2006/relationships" xmlns:p="http://schemas.openxmlformats.org/presentationml/2006/main">
+  <p:cSld>
+    <p:spTree>
+      <p:nvGrpSpPr>
+        <p:cNvPr id="1" name=""/>
+        <p:cNvGrpSpPr/>
+        <p:nvPr/>
+      </p:nvGrpSpPr>
+      <p:grpSpPr>
+        <a:xfrm>
+          <a:off x="0" y="0"/>
+          <a:ext cx="0" cy="0"/>
+          <a:chOff x="0" y="0"/>
+          <a:chExt cx="0" cy="0"/>
+        </a:xfrm>
+      </p:grpSpPr>
+      <p:sp>
+        <p:nvSpPr>
+          <p:cNvPr id="2" name="Titel 1"/>
+          <p:cNvSpPr>
+            <a:spLocks noGrp="1"/>
+          </p:cNvSpPr>
+          <p:nvPr>
+            <p:ph type="title"/>
+          </p:nvPr>
+        </p:nvSpPr>
+        <p:spPr/>
+        <p:txBody>
+          <a:bodyPr/>
+          <a:lstStyle/>
+          <a:p>
+            <a:r>
+              <a:rPr lang="en-US" dirty="0" smtClean="0"/>
+              <a:t>Intro, motivation &amp; basic idea</a:t>
+            </a:r>
+            <a:endParaRPr lang="de-CH" dirty="0"/>
+          </a:p>
+        </p:txBody>
+      </p:sp>
+      <p:sp>
+        <p:nvSpPr>
+          <p:cNvPr id="3" name="Inhaltsplatzhalter 2"/>
+          <p:cNvSpPr>
+            <a:spLocks noGrp="1"/>
+          </p:cNvSpPr>
+          <p:nvPr>
+            <p:ph idx="1"/>
+          </p:nvPr>
+        </p:nvSpPr>
+        <p:spPr/>
+        <p:txBody>
+          <a:bodyPr/>
+          <a:lstStyle/>
+          <a:p>
+            <a:pPr>
+              <a:buNone/>
+            </a:pPr>
+            <a:endParaRPr lang="de-DE" dirty="0" smtClean="0"/>
+          </a:p>
+          <a:p>
+            <a:pPr>
+              <a:buNone/>
+            </a:pPr>
+            <a:r>
+              <a:rPr lang="de-DE" dirty="0" err="1" smtClean="0"/>
+              <a:t>What</a:t>
+            </a:r>
+            <a:r>
+              <a:rPr lang="de-DE" dirty="0" smtClean="0"/>
+              <a:t> </a:t>
+            </a:r>
+            <a:r>
+              <a:rPr lang="de-DE" dirty="0" err="1" smtClean="0"/>
+              <a:t>is</a:t>
+            </a:r>
+            <a:r>
+              <a:rPr lang="de-DE" dirty="0" smtClean="0"/>
+              <a:t> </a:t>
+            </a:r>
+            <a:r>
+              <a:rPr lang="de-DE" dirty="0" err="1" smtClean="0"/>
+              <a:t>special</a:t>
+            </a:r>
+            <a:r>
+              <a:rPr lang="de-DE" dirty="0" smtClean="0"/>
+              <a:t>?</a:t>
+            </a:r>
+          </a:p>
+          <a:p>
+            <a:pPr>
+              <a:buNone/>
+            </a:pPr>
+            <a:endParaRPr lang="de-CH" dirty="0" smtClean="0"/>
+          </a:p>
+          <a:p>
+            <a:r>
+              <a:rPr lang="de-DE" dirty="0" smtClean="0"/>
+              <a:t>Long &amp; </a:t>
+            </a:r>
+            <a:r>
+              <a:rPr lang="de-DE" dirty="0" err="1" smtClean="0"/>
+              <a:t>narrow</a:t>
+            </a:r>
+            <a:r>
+              <a:rPr lang="de-DE" dirty="0" smtClean="0"/>
+              <a:t> </a:t>
+            </a:r>
+            <a:r>
+              <a:rPr lang="de-DE" dirty="0" err="1" smtClean="0"/>
+              <a:t>hallway</a:t>
+            </a:r>
+            <a:endParaRPr lang="de-DE" dirty="0" smtClean="0"/>
+          </a:p>
+          <a:p>
+            <a:r>
+              <a:rPr lang="de-DE" dirty="0" err="1" smtClean="0"/>
+              <a:t>What</a:t>
+            </a:r>
+            <a:r>
+              <a:rPr lang="de-DE" dirty="0" smtClean="0"/>
+              <a:t> </a:t>
+            </a:r>
+            <a:r>
+              <a:rPr lang="de-DE" dirty="0" err="1" smtClean="0"/>
+              <a:t>is</a:t>
+            </a:r>
+            <a:r>
+              <a:rPr lang="de-DE" dirty="0" smtClean="0"/>
+              <a:t> </a:t>
+            </a:r>
+            <a:r>
+              <a:rPr lang="de-DE" dirty="0" err="1" smtClean="0"/>
+              <a:t>the</a:t>
+            </a:r>
+            <a:r>
+              <a:rPr lang="de-DE" dirty="0" smtClean="0"/>
+              <a:t> </a:t>
+            </a:r>
+            <a:r>
+              <a:rPr lang="de-DE" dirty="0" err="1" smtClean="0"/>
+              <a:t>goal</a:t>
+            </a:r>
+            <a:r>
+              <a:rPr lang="de-DE" dirty="0" smtClean="0"/>
+              <a:t>?</a:t>
+            </a:r>
+          </a:p>
+          <a:p>
+            <a:r>
+              <a:rPr lang="de-DE" dirty="0" err="1" smtClean="0"/>
+              <a:t>No</a:t>
+            </a:r>
+            <a:r>
+              <a:rPr lang="de-DE" dirty="0" smtClean="0"/>
+              <a:t> </a:t>
+            </a:r>
+            <a:r>
+              <a:rPr lang="de-DE" dirty="0" err="1" smtClean="0"/>
+              <a:t>path</a:t>
+            </a:r>
+            <a:r>
+              <a:rPr lang="de-DE" dirty="0" smtClean="0"/>
+              <a:t> </a:t>
+            </a:r>
+            <a:r>
+              <a:rPr lang="de-DE" dirty="0" err="1" smtClean="0"/>
+              <a:t>optimization</a:t>
+            </a:r>
+            <a:endParaRPr lang="de-DE" dirty="0" smtClean="0"/>
+          </a:p>
+          <a:p>
+            <a:endParaRPr lang="de-DE" dirty="0" smtClean="0"/>
+          </a:p>
+        </p:txBody>
+      </p:sp>
+      <p:pic>
+        <p:nvPicPr>
+          <p:cNvPr id="3074" name="Picture 2" descr="C:\Users\Ueli\GitHub\MSSSM\doc\latex\pictures\situation_plan.jpg"/>
+          <p:cNvPicPr>
+            <a:picLocks noChangeAspect="1" noChangeArrowheads="1"/>
+          </p:cNvPicPr>
+          <p:nvPr/>
+        </p:nvPicPr>
+        <p:blipFill>
+          <a:blip r:embed="rId3" cstate="print"/>
+          <a:srcRect/>
+          <a:stretch>
+            <a:fillRect/>
+          </a:stretch>
+        </p:blipFill>
+        <p:spPr bwMode="auto">
+          <a:xfrm>
+            <a:off x="4283968" y="1916832"/>
+            <a:ext cx="4680520" cy="4680520"/>
+          </a:xfrm>
+          <a:prstGeom prst="rect">
+            <a:avLst/>
+          </a:prstGeom>
+          <a:noFill/>
+        </p:spPr>
+      </p:pic>
+    </p:spTree>
+  </p:cSld>
+  <p:clrMapOvr>
+    <a:masterClrMapping/>
+  </p:clrMapOvr>
+  <p:timing>
+    <p:tnLst>
+      <p:par>
+        <p:cTn id="1" dur="indefinite" restart="never" nodeType="tmRoot"/>
+      </p:par>
+    </p:tnLst>
+  </p:timing>
+</p:sld>
+</file>
+
+<file path=ppt/slides/slide6.xml><?xml version="1.0" encoding="utf-8"?>
+<p:sld xmlns:a="http://schemas.openxmlformats.org/drawingml/2006/main" xmlns:r="http://schemas.openxmlformats.org/officeDocument/2006/relationships" xmlns:p="http://schemas.openxmlformats.org/presentationml/2006/main">
+  <p:cSld>
+    <p:spTree>
+      <p:nvGrpSpPr>
+        <p:cNvPr id="1" name=""/>
+        <p:cNvGrpSpPr/>
+        <p:nvPr/>
+      </p:nvGrpSpPr>
+      <p:grpSpPr>
+        <a:xfrm>
+          <a:off x="0" y="0"/>
+          <a:ext cx="0" cy="0"/>
+          <a:chOff x="0" y="0"/>
+          <a:chExt cx="0" cy="0"/>
+        </a:xfrm>
+      </p:grpSpPr>
+      <p:sp>
+        <p:nvSpPr>
+          <p:cNvPr id="2" name="Titel 1"/>
+          <p:cNvSpPr>
+            <a:spLocks noGrp="1"/>
+          </p:cNvSpPr>
+          <p:nvPr>
+            <p:ph type="title"/>
+          </p:nvPr>
+        </p:nvSpPr>
+        <p:spPr/>
+        <p:txBody>
+          <a:bodyPr/>
+          <a:lstStyle/>
+          <a:p>
+            <a:r>
+              <a:rPr lang="de-CH" dirty="0" smtClean="0"/>
+              <a:t>The </a:t>
+            </a:r>
+            <a:r>
+              <a:rPr lang="de-CH" dirty="0" err="1" smtClean="0"/>
+              <a:t>logic</a:t>
+            </a:r>
+            <a:r>
+              <a:rPr lang="de-CH" dirty="0" smtClean="0"/>
+              <a:t> in </a:t>
+            </a:r>
+            <a:r>
+              <a:rPr lang="de-CH" dirty="0" err="1" smtClean="0"/>
+              <a:t>our</a:t>
+            </a:r>
+            <a:r>
+              <a:rPr lang="de-CH" dirty="0" smtClean="0"/>
+              <a:t> model</a:t>
+            </a:r>
+            <a:endParaRPr lang="de-CH" dirty="0"/>
+          </a:p>
+        </p:txBody>
+      </p:sp>
+      <p:sp>
+        <p:nvSpPr>
+          <p:cNvPr id="3" name="Inhaltsplatzhalter 2"/>
+          <p:cNvSpPr>
+            <a:spLocks noGrp="1"/>
+          </p:cNvSpPr>
+          <p:nvPr>
+            <p:ph idx="1"/>
+          </p:nvPr>
+        </p:nvSpPr>
+        <p:spPr/>
+        <p:txBody>
+          <a:bodyPr/>
+          <a:lstStyle/>
+          <a:p>
+            <a:r>
+              <a:rPr lang="de-CH" dirty="0" smtClean="0"/>
+              <a:t>Model </a:t>
+            </a:r>
+            <a:r>
+              <a:rPr lang="de-CH" dirty="0" err="1" smtClean="0"/>
+              <a:t>the</a:t>
+            </a:r>
+            <a:r>
+              <a:rPr lang="de-CH" dirty="0" smtClean="0"/>
+              <a:t> </a:t>
+            </a:r>
+            <a:r>
+              <a:rPr lang="de-CH" dirty="0" err="1" smtClean="0"/>
+              <a:t>overall</a:t>
+            </a:r>
+            <a:r>
+              <a:rPr lang="de-CH" dirty="0" smtClean="0"/>
+              <a:t> </a:t>
+            </a:r>
+            <a:r>
+              <a:rPr lang="de-CH" dirty="0" err="1" smtClean="0"/>
+              <a:t>interaction</a:t>
+            </a:r>
+            <a:r>
+              <a:rPr lang="de-CH" dirty="0" smtClean="0"/>
+              <a:t> </a:t>
+            </a:r>
+            <a:r>
+              <a:rPr lang="de-CH" dirty="0" err="1" smtClean="0"/>
+              <a:t>for</a:t>
+            </a:r>
+            <a:r>
+              <a:rPr lang="de-CH" dirty="0" smtClean="0"/>
+              <a:t> an </a:t>
+            </a:r>
+            <a:r>
+              <a:rPr lang="de-CH" dirty="0" err="1" smtClean="0"/>
+              <a:t>agent</a:t>
+            </a:r>
+            <a:r>
+              <a:rPr lang="de-CH" dirty="0" smtClean="0"/>
+              <a:t> </a:t>
+            </a:r>
+            <a:r>
+              <a:rPr lang="de-CH" dirty="0" err="1" smtClean="0"/>
+              <a:t>as</a:t>
+            </a:r>
+            <a:r>
+              <a:rPr lang="de-CH" dirty="0" smtClean="0"/>
+              <a:t> a </a:t>
+            </a:r>
+            <a:r>
+              <a:rPr lang="de-CH" dirty="0" err="1" smtClean="0"/>
+              <a:t>superposition</a:t>
+            </a:r>
+            <a:r>
+              <a:rPr lang="de-CH" dirty="0" smtClean="0"/>
+              <a:t> </a:t>
+            </a:r>
+            <a:r>
+              <a:rPr lang="de-CH" dirty="0" err="1" smtClean="0"/>
+              <a:t>of</a:t>
+            </a:r>
+            <a:r>
+              <a:rPr lang="de-CH" dirty="0" smtClean="0"/>
+              <a:t> all </a:t>
+            </a:r>
+            <a:r>
+              <a:rPr lang="de-CH" dirty="0" err="1" smtClean="0"/>
+              <a:t>direct</a:t>
+            </a:r>
+            <a:r>
+              <a:rPr lang="de-CH" dirty="0" smtClean="0"/>
+              <a:t> </a:t>
+            </a:r>
+            <a:r>
+              <a:rPr lang="de-CH" dirty="0" err="1" smtClean="0"/>
+              <a:t>interactions</a:t>
+            </a:r>
+            <a:r>
+              <a:rPr lang="de-CH" dirty="0" smtClean="0"/>
+              <a:t> </a:t>
+            </a:r>
+            <a:r>
+              <a:rPr lang="de-CH" dirty="0" err="1" smtClean="0"/>
+              <a:t>between</a:t>
+            </a:r>
+            <a:r>
+              <a:rPr lang="de-CH" dirty="0" smtClean="0"/>
+              <a:t> </a:t>
+            </a:r>
+            <a:r>
+              <a:rPr lang="de-CH" dirty="0" err="1" smtClean="0"/>
+              <a:t>him</a:t>
+            </a:r>
+            <a:r>
+              <a:rPr lang="de-CH" dirty="0" smtClean="0"/>
+              <a:t> </a:t>
+            </a:r>
+            <a:r>
+              <a:rPr lang="de-CH" dirty="0" err="1" smtClean="0"/>
+              <a:t>and</a:t>
+            </a:r>
+            <a:r>
+              <a:rPr lang="de-CH" dirty="0" smtClean="0"/>
+              <a:t> </a:t>
+            </a:r>
+            <a:r>
+              <a:rPr lang="de-CH" dirty="0" err="1" smtClean="0"/>
+              <a:t>any</a:t>
+            </a:r>
+            <a:r>
+              <a:rPr lang="de-CH" dirty="0" smtClean="0"/>
+              <a:t> </a:t>
+            </a:r>
+            <a:r>
+              <a:rPr lang="de-CH" dirty="0" err="1" smtClean="0"/>
+              <a:t>other</a:t>
+            </a:r>
+            <a:r>
+              <a:rPr lang="de-CH" dirty="0" smtClean="0"/>
+              <a:t> </a:t>
+            </a:r>
+            <a:r>
+              <a:rPr lang="de-CH" dirty="0" err="1" smtClean="0"/>
+              <a:t>agent</a:t>
+            </a:r>
+            <a:endParaRPr lang="de-CH" dirty="0" smtClean="0"/>
+          </a:p>
+          <a:p>
+            <a:r>
+              <a:rPr lang="de-CH" dirty="0" err="1" smtClean="0"/>
+              <a:t>Choose</a:t>
+            </a:r>
+            <a:r>
+              <a:rPr lang="de-CH" dirty="0" smtClean="0"/>
+              <a:t> </a:t>
+            </a:r>
+            <a:r>
+              <a:rPr lang="de-CH" dirty="0" err="1" smtClean="0"/>
+              <a:t>appropriate</a:t>
+            </a:r>
+            <a:r>
+              <a:rPr lang="de-CH" dirty="0" smtClean="0"/>
+              <a:t> model </a:t>
+            </a:r>
+            <a:r>
+              <a:rPr lang="de-CH" dirty="0" err="1" smtClean="0"/>
+              <a:t>functions</a:t>
+            </a:r>
+            <a:r>
+              <a:rPr lang="de-CH" dirty="0" smtClean="0"/>
+              <a:t> </a:t>
+            </a:r>
+            <a:r>
+              <a:rPr lang="de-CH" dirty="0" err="1" smtClean="0"/>
+              <a:t>to</a:t>
+            </a:r>
+            <a:r>
+              <a:rPr lang="de-CH" dirty="0" smtClean="0"/>
+              <a:t> </a:t>
+            </a:r>
+            <a:r>
+              <a:rPr lang="de-CH" dirty="0" err="1" smtClean="0"/>
+              <a:t>fulfill</a:t>
+            </a:r>
+            <a:r>
+              <a:rPr lang="de-CH" dirty="0" smtClean="0"/>
+              <a:t> </a:t>
+            </a:r>
+            <a:r>
+              <a:rPr lang="de-CH" dirty="0" err="1" smtClean="0"/>
+              <a:t>the</a:t>
+            </a:r>
+            <a:r>
+              <a:rPr lang="de-CH" dirty="0" smtClean="0"/>
+              <a:t> </a:t>
+            </a:r>
+            <a:r>
+              <a:rPr lang="de-CH" dirty="0" err="1" smtClean="0"/>
+              <a:t>two-agent</a:t>
+            </a:r>
+            <a:r>
+              <a:rPr lang="de-CH" dirty="0" smtClean="0"/>
+              <a:t> </a:t>
+            </a:r>
+            <a:r>
+              <a:rPr lang="de-CH" dirty="0" err="1" smtClean="0"/>
+              <a:t>problem</a:t>
+            </a:r>
+            <a:endParaRPr lang="de-CH" dirty="0" smtClean="0"/>
+          </a:p>
+          <a:p>
+            <a:r>
+              <a:rPr lang="de-CH" dirty="0" err="1" smtClean="0"/>
+              <a:t>Gaussian</a:t>
+            </a:r>
+            <a:r>
+              <a:rPr lang="de-CH" dirty="0" smtClean="0"/>
+              <a:t> </a:t>
+            </a:r>
+            <a:r>
+              <a:rPr lang="de-CH" dirty="0" err="1" smtClean="0"/>
+              <a:t>as</a:t>
+            </a:r>
+            <a:r>
+              <a:rPr lang="de-CH" dirty="0" smtClean="0"/>
+              <a:t> </a:t>
+            </a:r>
+            <a:r>
+              <a:rPr lang="de-CH" dirty="0" err="1" smtClean="0"/>
+              <a:t>preference</a:t>
+            </a:r>
+            <a:r>
+              <a:rPr lang="de-CH" dirty="0" smtClean="0"/>
+              <a:t> </a:t>
+            </a:r>
+            <a:r>
+              <a:rPr lang="de-CH" dirty="0" err="1" smtClean="0"/>
+              <a:t>to</a:t>
+            </a:r>
+            <a:r>
+              <a:rPr lang="de-CH" dirty="0" smtClean="0"/>
+              <a:t> </a:t>
+            </a:r>
+            <a:r>
+              <a:rPr lang="de-CH" dirty="0" err="1" smtClean="0"/>
+              <a:t>go</a:t>
+            </a:r>
+            <a:r>
+              <a:rPr lang="de-CH" dirty="0" smtClean="0"/>
+              <a:t> </a:t>
+            </a:r>
+            <a:r>
+              <a:rPr lang="de-CH" dirty="0" err="1" smtClean="0"/>
+              <a:t>ahead</a:t>
+            </a:r>
+            <a:endParaRPr lang="de-CH" dirty="0" smtClean="0"/>
+          </a:p>
+          <a:p>
+            <a:r>
+              <a:rPr lang="de-CH" dirty="0" smtClean="0"/>
+              <a:t>Polar </a:t>
+            </a:r>
+            <a:r>
+              <a:rPr lang="de-CH" dirty="0" err="1" smtClean="0"/>
+              <a:t>coordination</a:t>
+            </a:r>
+            <a:r>
+              <a:rPr lang="de-CH" dirty="0" smtClean="0"/>
+              <a:t> </a:t>
+            </a:r>
+            <a:r>
+              <a:rPr lang="de-CH" dirty="0" err="1" smtClean="0"/>
+              <a:t>system</a:t>
+            </a:r>
+            <a:r>
+              <a:rPr lang="de-CH" dirty="0" smtClean="0"/>
+              <a:t> </a:t>
+            </a:r>
+            <a:r>
+              <a:rPr lang="de-CH" dirty="0" err="1" smtClean="0"/>
+              <a:t>with</a:t>
+            </a:r>
+            <a:r>
+              <a:rPr lang="de-CH" dirty="0" smtClean="0"/>
+              <a:t> </a:t>
+            </a:r>
+            <a:r>
+              <a:rPr lang="de-CH" dirty="0" err="1" smtClean="0"/>
+              <a:t>the</a:t>
+            </a:r>
+            <a:r>
+              <a:rPr lang="de-CH" dirty="0" smtClean="0"/>
+              <a:t> </a:t>
+            </a:r>
+            <a:r>
+              <a:rPr lang="de-CH" dirty="0" err="1" smtClean="0"/>
+              <a:t>agent</a:t>
+            </a:r>
+            <a:r>
+              <a:rPr lang="de-CH" dirty="0" smtClean="0"/>
+              <a:t> </a:t>
+            </a:r>
+            <a:r>
+              <a:rPr lang="de-CH" dirty="0" err="1" smtClean="0"/>
+              <a:t>centered</a:t>
+            </a:r>
+            <a:r>
+              <a:rPr lang="de-CH" dirty="0" smtClean="0"/>
+              <a:t/>
+            </a:r>
+            <a:br>
+              <a:rPr lang="de-CH" dirty="0" smtClean="0"/>
+            </a:br>
+            <a:r>
+              <a:rPr lang="de-CH" dirty="0" smtClean="0">
+                <a:sym typeface="Wingdings" pitchFamily="2" charset="2"/>
+              </a:rPr>
+              <a:t> </a:t>
+            </a:r>
+            <a:r>
+              <a:rPr lang="de-CH" dirty="0" err="1" smtClean="0"/>
+              <a:t>Only</a:t>
+            </a:r>
+            <a:r>
+              <a:rPr lang="de-CH" dirty="0" smtClean="0"/>
+              <a:t> </a:t>
+            </a:r>
+            <a:r>
+              <a:rPr lang="de-CH" dirty="0" err="1" smtClean="0"/>
+              <a:t>consider</a:t>
+            </a:r>
+            <a:r>
+              <a:rPr lang="de-CH" dirty="0" smtClean="0"/>
+              <a:t> </a:t>
+            </a:r>
+            <a:r>
+              <a:rPr lang="de-CH" dirty="0" err="1" smtClean="0"/>
+              <a:t>the</a:t>
+            </a:r>
+            <a:r>
+              <a:rPr lang="de-CH" dirty="0" smtClean="0"/>
+              <a:t> angle</a:t>
+            </a:r>
+            <a:endParaRPr lang="de-DE" dirty="0" smtClean="0"/>
+          </a:p>
+        </p:txBody>
+      </p:sp>
+    </p:spTree>
+  </p:cSld>
+  <p:clrMapOvr>
+    <a:masterClrMapping/>
+  </p:clrMapOvr>
+  <p:timing>
+    <p:tnLst>
+      <p:par>
+        <p:cTn id="1" dur="indefinite" restart="never" nodeType="tmRoot"/>
+      </p:par>
+    </p:tnLst>
+  </p:timing>
+</p:sld>
+</file>
+
+<file path=ppt/slides/slide7.xml><?xml version="1.0" encoding="utf-8"?>
 <p:sld xmlns:a="http://schemas.openxmlformats.org/drawingml/2006/main" xmlns:r="http://schemas.openxmlformats.org/officeDocument/2006/relationships" xmlns:p="http://schemas.openxmlformats.org/presentationml/2006/main">
   <p:cSld>
     <p:spTree>
@@ -5931,10 +9158,17 @@
   <p:clrMapOvr>
     <a:masterClrMapping/>
   </p:clrMapOvr>
+  <p:timing>
+    <p:tnLst>
+      <p:par>
+        <p:cTn id="1" dur="indefinite" restart="never" nodeType="tmRoot"/>
+      </p:par>
+    </p:tnLst>
+  </p:timing>
 </p:sld>
 </file>
 
-<file path=ppt/slides/slide6.xml><?xml version="1.0" encoding="utf-8"?>
+<file path=ppt/slides/slide8.xml><?xml version="1.0" encoding="utf-8"?>
 <p:sld xmlns:a="http://schemas.openxmlformats.org/drawingml/2006/main" xmlns:r="http://schemas.openxmlformats.org/officeDocument/2006/relationships" xmlns:p="http://schemas.openxmlformats.org/presentationml/2006/main">
   <p:cSld>
     <p:spTree>
@@ -6163,10 +9397,17 @@
   <p:clrMapOvr>
     <a:masterClrMapping/>
   </p:clrMapOvr>
+  <p:timing>
+    <p:tnLst>
+      <p:par>
+        <p:cTn id="1" dur="indefinite" restart="never" nodeType="tmRoot"/>
+      </p:par>
+    </p:tnLst>
+  </p:timing>
 </p:sld>
 </file>
 
-<file path=ppt/slides/slide7.xml><?xml version="1.0" encoding="utf-8"?>
+<file path=ppt/slides/slide9.xml><?xml version="1.0" encoding="utf-8"?>
 <p:sld xmlns:a="http://schemas.openxmlformats.org/drawingml/2006/main" xmlns:r="http://schemas.openxmlformats.org/officeDocument/2006/relationships" xmlns:p="http://schemas.openxmlformats.org/presentationml/2006/main">
   <p:cSld>
     <p:spTree>
@@ -6356,440 +9597,13 @@
   <p:clrMapOvr>
     <a:masterClrMapping/>
   </p:clrMapOvr>
-</p:sld>
-</file>
-
-<file path=ppt/slides/slide8.xml><?xml version="1.0" encoding="utf-8"?>
-<p:sld xmlns:a="http://schemas.openxmlformats.org/drawingml/2006/main" xmlns:r="http://schemas.openxmlformats.org/officeDocument/2006/relationships" xmlns:p="http://schemas.openxmlformats.org/presentationml/2006/main">
-  <p:cSld>
-    <p:spTree>
-      <p:nvGrpSpPr>
-        <p:cNvPr id="1" name=""/>
-        <p:cNvGrpSpPr/>
-        <p:nvPr/>
-      </p:nvGrpSpPr>
-      <p:grpSpPr>
-        <a:xfrm>
-          <a:off x="0" y="0"/>
-          <a:ext cx="0" cy="0"/>
-          <a:chOff x="0" y="0"/>
-          <a:chExt cx="0" cy="0"/>
-        </a:xfrm>
-      </p:grpSpPr>
-      <p:sp>
-        <p:nvSpPr>
-          <p:cNvPr id="2" name="Titel 1"/>
-          <p:cNvSpPr>
-            <a:spLocks noGrp="1"/>
-          </p:cNvSpPr>
-          <p:nvPr>
-            <p:ph type="title"/>
-          </p:nvPr>
-        </p:nvSpPr>
-        <p:spPr/>
-        <p:txBody>
-          <a:bodyPr/>
-          <a:lstStyle/>
-          <a:p>
-            <a:r>
-              <a:rPr lang="de-CH" dirty="0" smtClean="0"/>
-              <a:t>The </a:t>
-            </a:r>
-            <a:r>
-              <a:rPr lang="de-CH" dirty="0" err="1" smtClean="0"/>
-              <a:t>logic</a:t>
-            </a:r>
-            <a:r>
-              <a:rPr lang="de-CH" dirty="0" smtClean="0"/>
-              <a:t> in </a:t>
-            </a:r>
-            <a:r>
-              <a:rPr lang="de-CH" dirty="0" err="1" smtClean="0"/>
-              <a:t>our</a:t>
-            </a:r>
-            <a:r>
-              <a:rPr lang="de-CH" dirty="0" smtClean="0"/>
-              <a:t> model</a:t>
-            </a:r>
-            <a:endParaRPr lang="de-CH" dirty="0"/>
-          </a:p>
-        </p:txBody>
-      </p:sp>
-      <p:sp>
-        <p:nvSpPr>
-          <p:cNvPr id="3" name="Inhaltsplatzhalter 2"/>
-          <p:cNvSpPr>
-            <a:spLocks noGrp="1"/>
-          </p:cNvSpPr>
-          <p:nvPr>
-            <p:ph idx="1"/>
-          </p:nvPr>
-        </p:nvSpPr>
-        <p:spPr/>
-        <p:txBody>
-          <a:bodyPr/>
-          <a:lstStyle/>
-          <a:p>
-            <a:r>
-              <a:rPr lang="de-CH" dirty="0" err="1" smtClean="0"/>
-              <a:t>Crossing</a:t>
-            </a:r>
-            <a:r>
-              <a:rPr lang="de-CH" dirty="0" smtClean="0"/>
-              <a:t> </a:t>
-            </a:r>
-            <a:r>
-              <a:rPr lang="de-CH" dirty="0" err="1" smtClean="0"/>
-              <a:t>agents</a:t>
-            </a:r>
-            <a:r>
-              <a:rPr lang="de-CH" dirty="0" smtClean="0"/>
-              <a:t>: Absolute </a:t>
-            </a:r>
-            <a:r>
-              <a:rPr lang="de-CH" dirty="0" err="1" smtClean="0"/>
-              <a:t>hyperbel</a:t>
-            </a:r>
-            <a:r>
-              <a:rPr lang="de-CH" dirty="0" smtClean="0"/>
-              <a:t> </a:t>
-            </a:r>
-            <a:r>
-              <a:rPr lang="de-CH" dirty="0" err="1" smtClean="0"/>
-              <a:t>functions</a:t>
-            </a:r>
-            <a:endParaRPr lang="de-CH" dirty="0"/>
-          </a:p>
-        </p:txBody>
-      </p:sp>
-      <p:pic>
-        <p:nvPicPr>
-          <p:cNvPr id="4" name="Picture 2"/>
-          <p:cNvPicPr>
-            <a:picLocks noChangeAspect="1" noChangeArrowheads="1"/>
-          </p:cNvPicPr>
-          <p:nvPr/>
-        </p:nvPicPr>
-        <p:blipFill>
-          <a:blip r:embed="rId2" cstate="print">
-            <a:extLst>
-              <a:ext uri="{28A0092B-C50C-407E-A947-70E740481C1C}">
-                <a14:useLocalDpi xmlns:a14="http://schemas.microsoft.com/office/drawing/2010/main" xmlns="" val="0"/>
-              </a:ext>
-            </a:extLst>
-          </a:blip>
-          <a:srcRect/>
-          <a:stretch>
-            <a:fillRect/>
-          </a:stretch>
-        </p:blipFill>
-        <p:spPr bwMode="auto">
-          <a:xfrm>
-            <a:off x="424086" y="2420888"/>
-            <a:ext cx="4086225" cy="3971925"/>
-          </a:xfrm>
-          <a:prstGeom prst="rect">
-            <a:avLst/>
-          </a:prstGeom>
-          <a:noFill/>
-          <a:ln>
-            <a:noFill/>
-          </a:ln>
-          <a:effectLst/>
-          <a:extLst>
-            <a:ext uri="{909E8E84-426E-40DD-AFC4-6F175D3DCCD1}">
-              <a14:hiddenFill xmlns:a14="http://schemas.microsoft.com/office/drawing/2010/main" xmlns="">
-                <a:solidFill>
-                  <a:schemeClr val="accent1"/>
-                </a:solidFill>
-              </a14:hiddenFill>
-            </a:ext>
-            <a:ext uri="{91240B29-F687-4F45-9708-019B960494DF}">
-              <a14:hiddenLine xmlns:a14="http://schemas.microsoft.com/office/drawing/2010/main" xmlns="" w="9525">
-                <a:solidFill>
-                  <a:schemeClr val="tx1"/>
-                </a:solidFill>
-                <a:miter lim="800000"/>
-                <a:headEnd/>
-                <a:tailEnd/>
-              </a14:hiddenLine>
-            </a:ext>
-            <a:ext uri="{AF507438-7753-43E0-B8FC-AC1667EBCBE1}">
-              <a14:hiddenEffects xmlns:a14="http://schemas.microsoft.com/office/drawing/2010/main" xmlns="">
-                <a:effectLst>
-                  <a:outerShdw dist="35921" dir="2700000" algn="ctr" rotWithShape="0">
-                    <a:schemeClr val="bg2"/>
-                  </a:outerShdw>
-                </a:effectLst>
-              </a14:hiddenEffects>
-            </a:ext>
-          </a:extLst>
-        </p:spPr>
-      </p:pic>
-      <p:pic>
-        <p:nvPicPr>
-          <p:cNvPr id="5" name="Picture 3" descr="C:\Users\Yannick\github\MSSSM\doc\latex\pictures\Bsp1ObenRechts.png"/>
-          <p:cNvPicPr>
-            <a:picLocks noChangeAspect="1" noChangeArrowheads="1"/>
-          </p:cNvPicPr>
-          <p:nvPr/>
-        </p:nvPicPr>
-        <p:blipFill>
-          <a:blip r:embed="rId3" cstate="print">
-            <a:extLst>
-              <a:ext uri="{28A0092B-C50C-407E-A947-70E740481C1C}">
-                <a14:useLocalDpi xmlns:a14="http://schemas.microsoft.com/office/drawing/2010/main" xmlns="" val="0"/>
-              </a:ext>
-            </a:extLst>
-          </a:blip>
-          <a:srcRect/>
-          <a:stretch>
-            <a:fillRect/>
-          </a:stretch>
-        </p:blipFill>
-        <p:spPr bwMode="auto">
-          <a:xfrm>
-            <a:off x="4510311" y="2797282"/>
-            <a:ext cx="4382169" cy="3280769"/>
-          </a:xfrm>
-          <a:prstGeom prst="rect">
-            <a:avLst/>
-          </a:prstGeom>
-          <a:noFill/>
-          <a:extLst>
-            <a:ext uri="{909E8E84-426E-40DD-AFC4-6F175D3DCCD1}">
-              <a14:hiddenFill xmlns:a14="http://schemas.microsoft.com/office/drawing/2010/main" xmlns="">
-                <a:solidFill>
-                  <a:srgbClr val="FFFFFF"/>
-                </a:solidFill>
-              </a14:hiddenFill>
-            </a:ext>
-          </a:extLst>
-        </p:spPr>
-      </p:pic>
-    </p:spTree>
-  </p:cSld>
-  <p:clrMapOvr>
-    <a:masterClrMapping/>
-  </p:clrMapOvr>
-</p:sld>
-</file>
-
-<file path=ppt/slides/slide9.xml><?xml version="1.0" encoding="utf-8"?>
-<p:sld xmlns:a="http://schemas.openxmlformats.org/drawingml/2006/main" xmlns:r="http://schemas.openxmlformats.org/officeDocument/2006/relationships" xmlns:p="http://schemas.openxmlformats.org/presentationml/2006/main">
-  <p:cSld>
-    <p:spTree>
-      <p:nvGrpSpPr>
-        <p:cNvPr id="1" name=""/>
-        <p:cNvGrpSpPr/>
-        <p:nvPr/>
-      </p:nvGrpSpPr>
-      <p:grpSpPr>
-        <a:xfrm>
-          <a:off x="0" y="0"/>
-          <a:ext cx="0" cy="0"/>
-          <a:chOff x="0" y="0"/>
-          <a:chExt cx="0" cy="0"/>
-        </a:xfrm>
-      </p:grpSpPr>
-      <p:sp>
-        <p:nvSpPr>
-          <p:cNvPr id="2" name="Titel 1"/>
-          <p:cNvSpPr>
-            <a:spLocks noGrp="1"/>
-          </p:cNvSpPr>
-          <p:nvPr>
-            <p:ph type="title"/>
-          </p:nvPr>
-        </p:nvSpPr>
-        <p:spPr/>
-        <p:txBody>
-          <a:bodyPr/>
-          <a:lstStyle/>
-          <a:p>
-            <a:r>
-              <a:rPr lang="de-CH" dirty="0" smtClean="0"/>
-              <a:t>The </a:t>
-            </a:r>
-            <a:r>
-              <a:rPr lang="de-CH" dirty="0" err="1" smtClean="0"/>
-              <a:t>logic</a:t>
-            </a:r>
-            <a:r>
-              <a:rPr lang="de-CH" dirty="0" smtClean="0"/>
-              <a:t> in </a:t>
-            </a:r>
-            <a:r>
-              <a:rPr lang="de-CH" dirty="0" err="1" smtClean="0"/>
-              <a:t>our</a:t>
-            </a:r>
-            <a:r>
-              <a:rPr lang="de-CH" dirty="0" smtClean="0"/>
-              <a:t> model</a:t>
-            </a:r>
-            <a:endParaRPr lang="de-CH" dirty="0"/>
-          </a:p>
-        </p:txBody>
-      </p:sp>
-      <p:sp>
-        <p:nvSpPr>
-          <p:cNvPr id="3" name="Inhaltsplatzhalter 2"/>
-          <p:cNvSpPr>
-            <a:spLocks noGrp="1"/>
-          </p:cNvSpPr>
-          <p:nvPr>
-            <p:ph idx="1"/>
-          </p:nvPr>
-        </p:nvSpPr>
-        <p:spPr/>
-        <p:txBody>
-          <a:bodyPr/>
-          <a:lstStyle/>
-          <a:p>
-            <a:r>
-              <a:rPr lang="de-CH" dirty="0" smtClean="0"/>
-              <a:t>Wall </a:t>
-            </a:r>
-            <a:r>
-              <a:rPr lang="de-CH" dirty="0" err="1" smtClean="0"/>
-              <a:t>agents</a:t>
-            </a:r>
-            <a:r>
-              <a:rPr lang="de-CH" dirty="0" smtClean="0"/>
-              <a:t>: Box-</a:t>
-            </a:r>
-            <a:r>
-              <a:rPr lang="de-CH" dirty="0" err="1" smtClean="0"/>
-              <a:t>like</a:t>
-            </a:r>
-            <a:r>
-              <a:rPr lang="de-CH" dirty="0" smtClean="0"/>
-              <a:t> </a:t>
-            </a:r>
-            <a:r>
-              <a:rPr lang="de-CH" dirty="0" err="1" smtClean="0"/>
-              <a:t>function</a:t>
-            </a:r>
-            <a:endParaRPr lang="de-DE" dirty="0" smtClean="0"/>
-          </a:p>
-          <a:p>
-            <a:pPr>
-              <a:buNone/>
-            </a:pPr>
-            <a:endParaRPr lang="de-CH" dirty="0"/>
-          </a:p>
-        </p:txBody>
-      </p:sp>
-      <p:pic>
-        <p:nvPicPr>
-          <p:cNvPr id="4" name="Picture 3"/>
-          <p:cNvPicPr>
-            <a:picLocks noChangeAspect="1" noChangeArrowheads="1"/>
-          </p:cNvPicPr>
-          <p:nvPr/>
-        </p:nvPicPr>
-        <p:blipFill>
-          <a:blip r:embed="rId2" cstate="print">
-            <a:extLst>
-              <a:ext uri="{28A0092B-C50C-407E-A947-70E740481C1C}">
-                <a14:useLocalDpi xmlns:a14="http://schemas.microsoft.com/office/drawing/2010/main" xmlns="" val="0"/>
-              </a:ext>
-            </a:extLst>
-          </a:blip>
-          <a:srcRect/>
-          <a:stretch>
-            <a:fillRect/>
-          </a:stretch>
-        </p:blipFill>
-        <p:spPr bwMode="auto">
-          <a:xfrm>
-            <a:off x="539552" y="2564904"/>
-            <a:ext cx="4010025" cy="3752850"/>
-          </a:xfrm>
-          <a:prstGeom prst="rect">
-            <a:avLst/>
-          </a:prstGeom>
-          <a:noFill/>
-          <a:ln>
-            <a:noFill/>
-          </a:ln>
-          <a:effectLst/>
-          <a:extLst>
-            <a:ext uri="{909E8E84-426E-40DD-AFC4-6F175D3DCCD1}">
-              <a14:hiddenFill xmlns:a14="http://schemas.microsoft.com/office/drawing/2010/main" xmlns="">
-                <a:solidFill>
-                  <a:schemeClr val="accent1"/>
-                </a:solidFill>
-              </a14:hiddenFill>
-            </a:ext>
-            <a:ext uri="{91240B29-F687-4F45-9708-019B960494DF}">
-              <a14:hiddenLine xmlns:a14="http://schemas.microsoft.com/office/drawing/2010/main" xmlns="" w="9525">
-                <a:solidFill>
-                  <a:schemeClr val="tx1"/>
-                </a:solidFill>
-                <a:miter lim="800000"/>
-                <a:headEnd/>
-                <a:tailEnd/>
-              </a14:hiddenLine>
-            </a:ext>
-            <a:ext uri="{AF507438-7753-43E0-B8FC-AC1667EBCBE1}">
-              <a14:hiddenEffects xmlns:a14="http://schemas.microsoft.com/office/drawing/2010/main" xmlns="">
-                <a:effectLst>
-                  <a:outerShdw dist="35921" dir="2700000" algn="ctr" rotWithShape="0">
-                    <a:schemeClr val="bg2"/>
-                  </a:outerShdw>
-                </a:effectLst>
-              </a14:hiddenEffects>
-            </a:ext>
-          </a:extLst>
-        </p:spPr>
-      </p:pic>
-      <p:pic>
-        <p:nvPicPr>
-          <p:cNvPr id="5" name="Picture 2" descr="C:\Users\Yannick\github\MSSSM\doc\latex\pictures\Bsp1LinksUnten.png"/>
-          <p:cNvPicPr>
-            <a:picLocks noChangeAspect="1" noChangeArrowheads="1"/>
-          </p:cNvPicPr>
-          <p:nvPr/>
-        </p:nvPicPr>
-        <p:blipFill>
-          <a:blip r:embed="rId3" cstate="print">
-            <a:extLst>
-              <a:ext uri="{28A0092B-C50C-407E-A947-70E740481C1C}">
-                <a14:useLocalDpi xmlns:a14="http://schemas.microsoft.com/office/drawing/2010/main" xmlns="" val="0"/>
-              </a:ext>
-            </a:extLst>
-          </a:blip>
-          <a:srcRect/>
-          <a:stretch>
-            <a:fillRect/>
-          </a:stretch>
-        </p:blipFill>
-        <p:spPr bwMode="auto">
-          <a:xfrm>
-            <a:off x="4499992" y="2815643"/>
-            <a:ext cx="4342903" cy="3251371"/>
-          </a:xfrm>
-          <a:prstGeom prst="rect">
-            <a:avLst/>
-          </a:prstGeom>
-          <a:noFill/>
-          <a:extLst>
-            <a:ext uri="{909E8E84-426E-40DD-AFC4-6F175D3DCCD1}">
-              <a14:hiddenFill xmlns:a14="http://schemas.microsoft.com/office/drawing/2010/main" xmlns="">
-                <a:solidFill>
-                  <a:srgbClr val="FFFFFF"/>
-                </a:solidFill>
-              </a14:hiddenFill>
-            </a:ext>
-          </a:extLst>
-        </p:spPr>
-      </p:pic>
-    </p:spTree>
-  </p:cSld>
-  <p:clrMapOvr>
-    <a:masterClrMapping/>
-  </p:clrMapOvr>
+  <p:timing>
+    <p:tnLst>
+      <p:par>
+        <p:cTn id="1" dur="indefinite" restart="never" nodeType="tmRoot"/>
+      </p:par>
+    </p:tnLst>
+  </p:timing>
 </p:sld>
 </file>
 
@@ -7086,4 +9900,287 @@
   <a:objectDefaults/>
   <a:extraClrSchemeLst/>
 </a:theme>
+</file>
+
+<file path=ppt/theme/theme2.xml><?xml version="1.0" encoding="utf-8"?>
+<a:theme xmlns:a="http://schemas.openxmlformats.org/drawingml/2006/main" name="Larissa-Design">
+  <a:themeElements>
+    <a:clrScheme name="Larissa">
+      <a:dk1>
+        <a:sysClr val="windowText" lastClr="000000"/>
+      </a:dk1>
+      <a:lt1>
+        <a:sysClr val="window" lastClr="FFFFFF"/>
+      </a:lt1>
+      <a:dk2>
+        <a:srgbClr val="1F497D"/>
+      </a:dk2>
+      <a:lt2>
+        <a:srgbClr val="EEECE1"/>
+      </a:lt2>
+      <a:accent1>
+        <a:srgbClr val="4F81BD"/>
+      </a:accent1>
+      <a:accent2>
+        <a:srgbClr val="C0504D"/>
+      </a:accent2>
+      <a:accent3>
+        <a:srgbClr val="9BBB59"/>
+      </a:accent3>
+      <a:accent4>
+        <a:srgbClr val="8064A2"/>
+      </a:accent4>
+      <a:accent5>
+        <a:srgbClr val="4BACC6"/>
+      </a:accent5>
+      <a:accent6>
+        <a:srgbClr val="F79646"/>
+      </a:accent6>
+      <a:hlink>
+        <a:srgbClr val="0000FF"/>
+      </a:hlink>
+      <a:folHlink>
+        <a:srgbClr val="800080"/>
+      </a:folHlink>
+    </a:clrScheme>
+    <a:fontScheme name="Larissa">
+      <a:majorFont>
+        <a:latin typeface="Calibri"/>
+        <a:ea typeface=""/>
+        <a:cs typeface=""/>
+        <a:font script="Jpan" typeface="ＭＳ Ｐゴシック"/>
+        <a:font script="Hang" typeface="맑은 고딕"/>
+        <a:font script="Hans" typeface="宋体"/>
+        <a:font script="Hant" typeface="新細明體"/>
+        <a:font script="Arab" typeface="Times New Roman"/>
+        <a:font script="Hebr" typeface="Times New Roman"/>
+        <a:font script="Thai" typeface="Angsana New"/>
+        <a:font script="Ethi" typeface="Nyala"/>
+        <a:font script="Beng" typeface="Vrinda"/>
+        <a:font script="Gujr" typeface="Shruti"/>
+        <a:font script="Khmr" typeface="MoolBoran"/>
+        <a:font script="Knda" typeface="Tunga"/>
+        <a:font script="Guru" typeface="Raavi"/>
+        <a:font script="Cans" typeface="Euphemia"/>
+        <a:font script="Cher" typeface="Plantagenet Cherokee"/>
+        <a:font script="Yiii" typeface="Microsoft Yi Baiti"/>
+        <a:font script="Tibt" typeface="Microsoft Himalaya"/>
+        <a:font script="Thaa" typeface="MV Boli"/>
+        <a:font script="Deva" typeface="Mangal"/>
+        <a:font script="Telu" typeface="Gautami"/>
+        <a:font script="Taml" typeface="Latha"/>
+        <a:font script="Syrc" typeface="Estrangelo Edessa"/>
+        <a:font script="Orya" typeface="Kalinga"/>
+        <a:font script="Mlym" typeface="Kartika"/>
+        <a:font script="Laoo" typeface="DokChampa"/>
+        <a:font script="Sinh" typeface="Iskoola Pota"/>
+        <a:font script="Mong" typeface="Mongolian Baiti"/>
+        <a:font script="Viet" typeface="Times New Roman"/>
+        <a:font script="Uigh" typeface="Microsoft Uighur"/>
+      </a:majorFont>
+      <a:minorFont>
+        <a:latin typeface="Calibri"/>
+        <a:ea typeface=""/>
+        <a:cs typeface=""/>
+        <a:font script="Jpan" typeface="ＭＳ Ｐゴシック"/>
+        <a:font script="Hang" typeface="맑은 고딕"/>
+        <a:font script="Hans" typeface="宋体"/>
+        <a:font script="Hant" typeface="新細明體"/>
+        <a:font script="Arab" typeface="Arial"/>
+        <a:font script="Hebr" typeface="Arial"/>
+        <a:font script="Thai" typeface="Cordia New"/>
+        <a:font script="Ethi" typeface="Nyala"/>
+        <a:font script="Beng" typeface="Vrinda"/>
+        <a:font script="Gujr" typeface="Shruti"/>
+        <a:font script="Khmr" typeface="DaunPenh"/>
+        <a:font script="Knda" typeface="Tunga"/>
+        <a:font script="Guru" typeface="Raavi"/>
+        <a:font script="Cans" typeface="Euphemia"/>
+        <a:font script="Cher" typeface="Plantagenet Cherokee"/>
+        <a:font script="Yiii" typeface="Microsoft Yi Baiti"/>
+        <a:font script="Tibt" typeface="Microsoft Himalaya"/>
+        <a:font script="Thaa" typeface="MV Boli"/>
+        <a:font script="Deva" typeface="Mangal"/>
+        <a:font script="Telu" typeface="Gautami"/>
+        <a:font script="Taml" typeface="Latha"/>
+        <a:font script="Syrc" typeface="Estrangelo Edessa"/>
+        <a:font script="Orya" typeface="Kalinga"/>
+        <a:font script="Mlym" typeface="Kartika"/>
+        <a:font script="Laoo" typeface="DokChampa"/>
+        <a:font script="Sinh" typeface="Iskoola Pota"/>
+        <a:font script="Mong" typeface="Mongolian Baiti"/>
+        <a:font script="Viet" typeface="Arial"/>
+        <a:font script="Uigh" typeface="Microsoft Uighur"/>
+      </a:minorFont>
+    </a:fontScheme>
+    <a:fmtScheme name="Larissa">
+      <a:fillStyleLst>
+        <a:solidFill>
+          <a:schemeClr val="phClr"/>
+        </a:solidFill>
+        <a:gradFill rotWithShape="1">
+          <a:gsLst>
+            <a:gs pos="0">
+              <a:schemeClr val="phClr">
+                <a:tint val="50000"/>
+                <a:satMod val="300000"/>
+              </a:schemeClr>
+            </a:gs>
+            <a:gs pos="35000">
+              <a:schemeClr val="phClr">
+                <a:tint val="37000"/>
+                <a:satMod val="300000"/>
+              </a:schemeClr>
+            </a:gs>
+            <a:gs pos="100000">
+              <a:schemeClr val="phClr">
+                <a:tint val="15000"/>
+                <a:satMod val="350000"/>
+              </a:schemeClr>
+            </a:gs>
+          </a:gsLst>
+          <a:lin ang="16200000" scaled="1"/>
+        </a:gradFill>
+        <a:gradFill rotWithShape="1">
+          <a:gsLst>
+            <a:gs pos="0">
+              <a:schemeClr val="phClr">
+                <a:shade val="51000"/>
+                <a:satMod val="130000"/>
+              </a:schemeClr>
+            </a:gs>
+            <a:gs pos="80000">
+              <a:schemeClr val="phClr">
+                <a:shade val="93000"/>
+                <a:satMod val="130000"/>
+              </a:schemeClr>
+            </a:gs>
+            <a:gs pos="100000">
+              <a:schemeClr val="phClr">
+                <a:shade val="94000"/>
+                <a:satMod val="135000"/>
+              </a:schemeClr>
+            </a:gs>
+          </a:gsLst>
+          <a:lin ang="16200000" scaled="0"/>
+        </a:gradFill>
+      </a:fillStyleLst>
+      <a:lnStyleLst>
+        <a:ln w="9525" cap="flat" cmpd="sng" algn="ctr">
+          <a:solidFill>
+            <a:schemeClr val="phClr">
+              <a:shade val="95000"/>
+              <a:satMod val="105000"/>
+            </a:schemeClr>
+          </a:solidFill>
+          <a:prstDash val="solid"/>
+        </a:ln>
+        <a:ln w="25400" cap="flat" cmpd="sng" algn="ctr">
+          <a:solidFill>
+            <a:schemeClr val="phClr"/>
+          </a:solidFill>
+          <a:prstDash val="solid"/>
+        </a:ln>
+        <a:ln w="38100" cap="flat" cmpd="sng" algn="ctr">
+          <a:solidFill>
+            <a:schemeClr val="phClr"/>
+          </a:solidFill>
+          <a:prstDash val="solid"/>
+        </a:ln>
+      </a:lnStyleLst>
+      <a:effectStyleLst>
+        <a:effectStyle>
+          <a:effectLst>
+            <a:outerShdw blurRad="40000" dist="20000" dir="5400000" rotWithShape="0">
+              <a:srgbClr val="000000">
+                <a:alpha val="38000"/>
+              </a:srgbClr>
+            </a:outerShdw>
+          </a:effectLst>
+        </a:effectStyle>
+        <a:effectStyle>
+          <a:effectLst>
+            <a:outerShdw blurRad="40000" dist="23000" dir="5400000" rotWithShape="0">
+              <a:srgbClr val="000000">
+                <a:alpha val="35000"/>
+              </a:srgbClr>
+            </a:outerShdw>
+          </a:effectLst>
+        </a:effectStyle>
+        <a:effectStyle>
+          <a:effectLst>
+            <a:outerShdw blurRad="40000" dist="23000" dir="5400000" rotWithShape="0">
+              <a:srgbClr val="000000">
+                <a:alpha val="35000"/>
+              </a:srgbClr>
+            </a:outerShdw>
+          </a:effectLst>
+          <a:scene3d>
+            <a:camera prst="orthographicFront">
+              <a:rot lat="0" lon="0" rev="0"/>
+            </a:camera>
+            <a:lightRig rig="threePt" dir="t">
+              <a:rot lat="0" lon="0" rev="1200000"/>
+            </a:lightRig>
+          </a:scene3d>
+          <a:sp3d>
+            <a:bevelT w="63500" h="25400"/>
+          </a:sp3d>
+        </a:effectStyle>
+      </a:effectStyleLst>
+      <a:bgFillStyleLst>
+        <a:solidFill>
+          <a:schemeClr val="phClr"/>
+        </a:solidFill>
+        <a:gradFill rotWithShape="1">
+          <a:gsLst>
+            <a:gs pos="0">
+              <a:schemeClr val="phClr">
+                <a:tint val="40000"/>
+                <a:satMod val="350000"/>
+              </a:schemeClr>
+            </a:gs>
+            <a:gs pos="40000">
+              <a:schemeClr val="phClr">
+                <a:tint val="45000"/>
+                <a:shade val="99000"/>
+                <a:satMod val="350000"/>
+              </a:schemeClr>
+            </a:gs>
+            <a:gs pos="100000">
+              <a:schemeClr val="phClr">
+                <a:shade val="20000"/>
+                <a:satMod val="255000"/>
+              </a:schemeClr>
+            </a:gs>
+          </a:gsLst>
+          <a:path path="circle">
+            <a:fillToRect l="50000" t="-80000" r="50000" b="180000"/>
+          </a:path>
+        </a:gradFill>
+        <a:gradFill rotWithShape="1">
+          <a:gsLst>
+            <a:gs pos="0">
+              <a:schemeClr val="phClr">
+                <a:tint val="80000"/>
+                <a:satMod val="300000"/>
+              </a:schemeClr>
+            </a:gs>
+            <a:gs pos="100000">
+              <a:schemeClr val="phClr">
+                <a:shade val="30000"/>
+                <a:satMod val="200000"/>
+              </a:schemeClr>
+            </a:gs>
+          </a:gsLst>
+          <a:path path="circle">
+            <a:fillToRect l="50000" t="50000" r="50000" b="50000"/>
+          </a:path>
+        </a:gradFill>
+      </a:bgFillStyleLst>
+    </a:fmtScheme>
+  </a:themeElements>
+  <a:objectDefaults/>
+  <a:extraClrSchemeLst/>
+</a:theme>
 </file>
--- a/presentation/Presentation.pptx
+++ b/presentation/Presentation.pptx
@@ -215,7 +215,7 @@
           <a:p>
             <a:fld id="{07362B95-C662-41FF-9568-06DA4A6A60C9}" type="datetimeFigureOut">
               <a:rPr lang="de-CH" smtClean="0"/>
-              <a:t>17.12.2012</a:t>
+              <a:t>18.12.2012</a:t>
             </a:fld>
             <a:endParaRPr lang="de-CH"/>
           </a:p>
@@ -383,6 +383,11 @@
         </p:txBody>
       </p:sp>
     </p:spTree>
+    <p:extLst>
+      <p:ext uri="{BB962C8B-B14F-4D97-AF65-F5344CB8AC3E}">
+        <p14:creationId xmlns:p14="http://schemas.microsoft.com/office/powerpoint/2010/main" val="624665701"/>
+      </p:ext>
+    </p:extLst>
   </p:cSld>
   <p:clrMap bg1="lt1" tx1="dk1" bg2="lt2" tx2="dk2" accent1="accent1" accent2="accent2" accent3="accent3" accent4="accent4" accent5="accent5" accent6="accent6" hlink="hlink" folHlink="folHlink"/>
   <p:notesStyle>
@@ -610,28 +615,18 @@
         </p:nvSpPr>
         <p:spPr/>
         <p:txBody>
-          <a:bodyPr>
-            <a:normAutofit/>
-          </a:bodyPr>
-          <a:lstStyle/>
-          <a:p>
-            <a:r>
-              <a:rPr lang="de-CH" dirty="0" smtClean="0"/>
-              <a:t>Yannick – Grenzen=</a:t>
-            </a:r>
-            <a:r>
-              <a:rPr lang="de-CH" dirty="0" err="1" smtClean="0"/>
-              <a:t>Limitations</a:t>
-            </a:r>
-            <a:r>
-              <a:rPr lang="de-CH" dirty="0" smtClean="0"/>
-              <a:t> des Modells</a:t>
+          <a:bodyPr/>
+          <a:lstStyle/>
+          <a:p>
+            <a:r>
+              <a:rPr lang="de-CH" dirty="0" smtClean="0"/>
+              <a:t>2 verschiedene</a:t>
             </a:r>
             <a:r>
               <a:rPr lang="de-CH" baseline="0" dirty="0" smtClean="0"/>
-              <a:t> aufzeigen (kurz, nur die wichtigsten)</a:t>
-            </a:r>
-            <a:endParaRPr lang="de-CH" dirty="0"/>
+              <a:t> Einflüsse auf Gauss-Funktion sichtbar</a:t>
+            </a:r>
+            <a:endParaRPr lang="de-DE" dirty="0"/>
           </a:p>
         </p:txBody>
       </p:sp>
@@ -652,13 +647,18 @@
           <a:p>
             <a:fld id="{BAAA3D3A-D023-45E8-8EA3-7B1A54BA81CA}" type="slidenum">
               <a:rPr lang="de-CH" smtClean="0"/>
-              <a:t>19</a:t>
+              <a:t>10</a:t>
             </a:fld>
             <a:endParaRPr lang="de-CH"/>
           </a:p>
         </p:txBody>
       </p:sp>
     </p:spTree>
+    <p:extLst>
+      <p:ext uri="{BB962C8B-B14F-4D97-AF65-F5344CB8AC3E}">
+        <p14:creationId xmlns:p14="http://schemas.microsoft.com/office/powerpoint/2010/main" val="282664730"/>
+      </p:ext>
+    </p:extLst>
   </p:cSld>
   <p:clrMapOvr>
     <a:masterClrMapping/>
@@ -707,6 +707,622 @@
         </p:nvSpPr>
         <p:spPr/>
         <p:txBody>
+          <a:bodyPr/>
+          <a:lstStyle/>
+          <a:p>
+            <a:r>
+              <a:rPr lang="de-CH" dirty="0" smtClean="0"/>
+              <a:t>Boxfunktion,</a:t>
+            </a:r>
+            <a:r>
+              <a:rPr lang="de-CH" baseline="0" dirty="0" smtClean="0"/>
+              <a:t> damit Agent nicht auf Wandagent läuft</a:t>
+            </a:r>
+            <a:endParaRPr lang="de-DE" dirty="0"/>
+          </a:p>
+        </p:txBody>
+      </p:sp>
+      <p:sp>
+        <p:nvSpPr>
+          <p:cNvPr id="4" name="Foliennummernplatzhalter 3"/>
+          <p:cNvSpPr>
+            <a:spLocks noGrp="1"/>
+          </p:cNvSpPr>
+          <p:nvPr>
+            <p:ph type="sldNum" sz="quarter" idx="10"/>
+          </p:nvPr>
+        </p:nvSpPr>
+        <p:spPr/>
+        <p:txBody>
+          <a:bodyPr/>
+          <a:lstStyle/>
+          <a:p>
+            <a:fld id="{BAAA3D3A-D023-45E8-8EA3-7B1A54BA81CA}" type="slidenum">
+              <a:rPr lang="de-CH" smtClean="0"/>
+              <a:t>11</a:t>
+            </a:fld>
+            <a:endParaRPr lang="de-CH"/>
+          </a:p>
+        </p:txBody>
+      </p:sp>
+    </p:spTree>
+    <p:extLst>
+      <p:ext uri="{BB962C8B-B14F-4D97-AF65-F5344CB8AC3E}">
+        <p14:creationId xmlns:p14="http://schemas.microsoft.com/office/powerpoint/2010/main" val="4061653966"/>
+      </p:ext>
+    </p:extLst>
+  </p:cSld>
+  <p:clrMapOvr>
+    <a:masterClrMapping/>
+  </p:clrMapOvr>
+</p:notes>
+</file>
+
+<file path=ppt/notesSlides/notesSlide12.xml><?xml version="1.0" encoding="utf-8"?>
+<p:notes xmlns:a="http://schemas.openxmlformats.org/drawingml/2006/main" xmlns:r="http://schemas.openxmlformats.org/officeDocument/2006/relationships" xmlns:p="http://schemas.openxmlformats.org/presentationml/2006/main">
+  <p:cSld>
+    <p:spTree>
+      <p:nvGrpSpPr>
+        <p:cNvPr id="1" name=""/>
+        <p:cNvGrpSpPr/>
+        <p:nvPr/>
+      </p:nvGrpSpPr>
+      <p:grpSpPr>
+        <a:xfrm>
+          <a:off x="0" y="0"/>
+          <a:ext cx="0" cy="0"/>
+          <a:chOff x="0" y="0"/>
+          <a:chExt cx="0" cy="0"/>
+        </a:xfrm>
+      </p:grpSpPr>
+      <p:sp>
+        <p:nvSpPr>
+          <p:cNvPr id="2" name="Folienbildplatzhalter 1"/>
+          <p:cNvSpPr>
+            <a:spLocks noGrp="1" noRot="1" noChangeAspect="1"/>
+          </p:cNvSpPr>
+          <p:nvPr>
+            <p:ph type="sldImg"/>
+          </p:nvPr>
+        </p:nvSpPr>
+        <p:spPr/>
+      </p:sp>
+      <p:sp>
+        <p:nvSpPr>
+          <p:cNvPr id="3" name="Notizenplatzhalter 2"/>
+          <p:cNvSpPr>
+            <a:spLocks noGrp="1"/>
+          </p:cNvSpPr>
+          <p:nvPr>
+            <p:ph type="body" idx="1"/>
+          </p:nvPr>
+        </p:nvSpPr>
+        <p:spPr/>
+        <p:txBody>
+          <a:bodyPr/>
+          <a:lstStyle/>
+          <a:p>
+            <a:r>
+              <a:rPr lang="de-CH" dirty="0" err="1" smtClean="0"/>
+              <a:t>Tendency</a:t>
+            </a:r>
+            <a:r>
+              <a:rPr lang="de-CH" dirty="0" smtClean="0"/>
+              <a:t> </a:t>
+            </a:r>
+            <a:r>
+              <a:rPr lang="de-CH" dirty="0" err="1" smtClean="0"/>
+              <a:t>to</a:t>
+            </a:r>
+            <a:r>
+              <a:rPr lang="de-CH" dirty="0" smtClean="0"/>
+              <a:t> </a:t>
+            </a:r>
+            <a:r>
+              <a:rPr lang="de-CH" dirty="0" err="1" smtClean="0"/>
+              <a:t>overtake</a:t>
+            </a:r>
+            <a:r>
+              <a:rPr lang="de-CH" dirty="0" smtClean="0"/>
+              <a:t> </a:t>
+            </a:r>
+            <a:r>
+              <a:rPr lang="de-CH" dirty="0" err="1" smtClean="0"/>
+              <a:t>or</a:t>
+            </a:r>
+            <a:r>
+              <a:rPr lang="de-CH" dirty="0" smtClean="0"/>
+              <a:t> </a:t>
+            </a:r>
+            <a:r>
+              <a:rPr lang="de-CH" dirty="0" err="1" smtClean="0"/>
+              <a:t>to</a:t>
+            </a:r>
+            <a:r>
+              <a:rPr lang="de-CH" dirty="0" smtClean="0"/>
+              <a:t> </a:t>
+            </a:r>
+            <a:r>
+              <a:rPr lang="de-CH" dirty="0" err="1" smtClean="0"/>
+              <a:t>walk</a:t>
+            </a:r>
+            <a:r>
+              <a:rPr lang="de-CH" dirty="0" smtClean="0"/>
+              <a:t> </a:t>
+            </a:r>
+            <a:r>
+              <a:rPr lang="de-CH" dirty="0" err="1" smtClean="0"/>
+              <a:t>behind</a:t>
+            </a:r>
+            <a:r>
+              <a:rPr lang="de-CH" dirty="0" smtClean="0"/>
+              <a:t> </a:t>
+            </a:r>
+            <a:r>
+              <a:rPr lang="de-CH" dirty="0" err="1" smtClean="0"/>
+              <a:t>another</a:t>
+            </a:r>
+            <a:r>
+              <a:rPr lang="de-CH" dirty="0" smtClean="0"/>
+              <a:t> </a:t>
+            </a:r>
+            <a:r>
+              <a:rPr lang="de-CH" dirty="0" err="1" smtClean="0"/>
+              <a:t>agent</a:t>
+            </a:r>
+            <a:endParaRPr lang="de-DE" dirty="0"/>
+          </a:p>
+        </p:txBody>
+      </p:sp>
+      <p:sp>
+        <p:nvSpPr>
+          <p:cNvPr id="4" name="Foliennummernplatzhalter 3"/>
+          <p:cNvSpPr>
+            <a:spLocks noGrp="1"/>
+          </p:cNvSpPr>
+          <p:nvPr>
+            <p:ph type="sldNum" sz="quarter" idx="10"/>
+          </p:nvPr>
+        </p:nvSpPr>
+        <p:spPr/>
+        <p:txBody>
+          <a:bodyPr/>
+          <a:lstStyle/>
+          <a:p>
+            <a:fld id="{BAAA3D3A-D023-45E8-8EA3-7B1A54BA81CA}" type="slidenum">
+              <a:rPr lang="de-CH" smtClean="0"/>
+              <a:t>12</a:t>
+            </a:fld>
+            <a:endParaRPr lang="de-CH"/>
+          </a:p>
+        </p:txBody>
+      </p:sp>
+    </p:spTree>
+    <p:extLst>
+      <p:ext uri="{BB962C8B-B14F-4D97-AF65-F5344CB8AC3E}">
+        <p14:creationId xmlns:p14="http://schemas.microsoft.com/office/powerpoint/2010/main" val="324696021"/>
+      </p:ext>
+    </p:extLst>
+  </p:cSld>
+  <p:clrMapOvr>
+    <a:masterClrMapping/>
+  </p:clrMapOvr>
+</p:notes>
+</file>
+
+<file path=ppt/notesSlides/notesSlide13.xml><?xml version="1.0" encoding="utf-8"?>
+<p:notes xmlns:a="http://schemas.openxmlformats.org/drawingml/2006/main" xmlns:r="http://schemas.openxmlformats.org/officeDocument/2006/relationships" xmlns:p="http://schemas.openxmlformats.org/presentationml/2006/main">
+  <p:cSld>
+    <p:spTree>
+      <p:nvGrpSpPr>
+        <p:cNvPr id="1" name=""/>
+        <p:cNvGrpSpPr/>
+        <p:nvPr/>
+      </p:nvGrpSpPr>
+      <p:grpSpPr>
+        <a:xfrm>
+          <a:off x="0" y="0"/>
+          <a:ext cx="0" cy="0"/>
+          <a:chOff x="0" y="0"/>
+          <a:chExt cx="0" cy="0"/>
+        </a:xfrm>
+      </p:grpSpPr>
+      <p:sp>
+        <p:nvSpPr>
+          <p:cNvPr id="2" name="Folienbildplatzhalter 1"/>
+          <p:cNvSpPr>
+            <a:spLocks noGrp="1" noRot="1" noChangeAspect="1"/>
+          </p:cNvSpPr>
+          <p:nvPr>
+            <p:ph type="sldImg"/>
+          </p:nvPr>
+        </p:nvSpPr>
+        <p:spPr/>
+      </p:sp>
+      <p:sp>
+        <p:nvSpPr>
+          <p:cNvPr id="3" name="Notizenplatzhalter 2"/>
+          <p:cNvSpPr>
+            <a:spLocks noGrp="1"/>
+          </p:cNvSpPr>
+          <p:nvPr>
+            <p:ph type="body" idx="1"/>
+          </p:nvPr>
+        </p:nvSpPr>
+        <p:spPr/>
+        <p:txBody>
+          <a:bodyPr>
+            <a:normAutofit/>
+          </a:bodyPr>
+          <a:lstStyle/>
+          <a:p>
+            <a:r>
+              <a:rPr lang="de-CH" dirty="0" smtClean="0"/>
+              <a:t>Theiler: Zeichnung</a:t>
+            </a:r>
+            <a:r>
+              <a:rPr lang="de-CH" baseline="0" dirty="0" smtClean="0"/>
+              <a:t> des Feldes und der </a:t>
+            </a:r>
+            <a:r>
+              <a:rPr lang="de-CH" baseline="0" dirty="0" err="1" smtClean="0"/>
+              <a:t>Agents</a:t>
+            </a:r>
+            <a:r>
+              <a:rPr lang="de-CH" baseline="0" dirty="0" smtClean="0"/>
+              <a:t> mit Beispielbild</a:t>
+            </a:r>
+            <a:endParaRPr lang="de-CH" dirty="0"/>
+          </a:p>
+        </p:txBody>
+      </p:sp>
+      <p:sp>
+        <p:nvSpPr>
+          <p:cNvPr id="4" name="Foliennummernplatzhalter 3"/>
+          <p:cNvSpPr>
+            <a:spLocks noGrp="1"/>
+          </p:cNvSpPr>
+          <p:nvPr>
+            <p:ph type="sldNum" sz="quarter" idx="10"/>
+          </p:nvPr>
+        </p:nvSpPr>
+        <p:spPr/>
+        <p:txBody>
+          <a:bodyPr/>
+          <a:lstStyle/>
+          <a:p>
+            <a:fld id="{BAAA3D3A-D023-45E8-8EA3-7B1A54BA81CA}" type="slidenum">
+              <a:rPr lang="de-CH" smtClean="0"/>
+              <a:t>13</a:t>
+            </a:fld>
+            <a:endParaRPr lang="de-CH"/>
+          </a:p>
+        </p:txBody>
+      </p:sp>
+    </p:spTree>
+  </p:cSld>
+  <p:clrMapOvr>
+    <a:masterClrMapping/>
+  </p:clrMapOvr>
+</p:notes>
+</file>
+
+<file path=ppt/notesSlides/notesSlide14.xml><?xml version="1.0" encoding="utf-8"?>
+<p:notes xmlns:a="http://schemas.openxmlformats.org/drawingml/2006/main" xmlns:r="http://schemas.openxmlformats.org/officeDocument/2006/relationships" xmlns:p="http://schemas.openxmlformats.org/presentationml/2006/main">
+  <p:cSld>
+    <p:spTree>
+      <p:nvGrpSpPr>
+        <p:cNvPr id="1" name=""/>
+        <p:cNvGrpSpPr/>
+        <p:nvPr/>
+      </p:nvGrpSpPr>
+      <p:grpSpPr>
+        <a:xfrm>
+          <a:off x="0" y="0"/>
+          <a:ext cx="0" cy="0"/>
+          <a:chOff x="0" y="0"/>
+          <a:chExt cx="0" cy="0"/>
+        </a:xfrm>
+      </p:grpSpPr>
+      <p:sp>
+        <p:nvSpPr>
+          <p:cNvPr id="2" name="Folienbildplatzhalter 1"/>
+          <p:cNvSpPr>
+            <a:spLocks noGrp="1" noRot="1" noChangeAspect="1"/>
+          </p:cNvSpPr>
+          <p:nvPr>
+            <p:ph type="sldImg"/>
+          </p:nvPr>
+        </p:nvSpPr>
+        <p:spPr/>
+      </p:sp>
+      <p:sp>
+        <p:nvSpPr>
+          <p:cNvPr id="3" name="Notizenplatzhalter 2"/>
+          <p:cNvSpPr>
+            <a:spLocks noGrp="1"/>
+          </p:cNvSpPr>
+          <p:nvPr>
+            <p:ph type="body" idx="1"/>
+          </p:nvPr>
+        </p:nvSpPr>
+        <p:spPr/>
+        <p:txBody>
+          <a:bodyPr>
+            <a:normAutofit/>
+          </a:bodyPr>
+          <a:lstStyle/>
+          <a:p>
+            <a:r>
+              <a:rPr lang="de-CH" dirty="0" smtClean="0"/>
+              <a:t>Theiler:</a:t>
+            </a:r>
+            <a:r>
+              <a:rPr lang="de-CH" baseline="0" dirty="0" smtClean="0"/>
+              <a:t> Simulation mal laufen lassen &amp; kommentieren</a:t>
+            </a:r>
+            <a:endParaRPr lang="de-CH" dirty="0"/>
+          </a:p>
+        </p:txBody>
+      </p:sp>
+      <p:sp>
+        <p:nvSpPr>
+          <p:cNvPr id="4" name="Foliennummernplatzhalter 3"/>
+          <p:cNvSpPr>
+            <a:spLocks noGrp="1"/>
+          </p:cNvSpPr>
+          <p:nvPr>
+            <p:ph type="sldNum" sz="quarter" idx="10"/>
+          </p:nvPr>
+        </p:nvSpPr>
+        <p:spPr/>
+        <p:txBody>
+          <a:bodyPr/>
+          <a:lstStyle/>
+          <a:p>
+            <a:fld id="{BAAA3D3A-D023-45E8-8EA3-7B1A54BA81CA}" type="slidenum">
+              <a:rPr lang="de-CH" smtClean="0"/>
+              <a:t>15</a:t>
+            </a:fld>
+            <a:endParaRPr lang="de-CH"/>
+          </a:p>
+        </p:txBody>
+      </p:sp>
+    </p:spTree>
+  </p:cSld>
+  <p:clrMapOvr>
+    <a:masterClrMapping/>
+  </p:clrMapOvr>
+</p:notes>
+</file>
+
+<file path=ppt/notesSlides/notesSlide15.xml><?xml version="1.0" encoding="utf-8"?>
+<p:notes xmlns:a="http://schemas.openxmlformats.org/drawingml/2006/main" xmlns:r="http://schemas.openxmlformats.org/officeDocument/2006/relationships" xmlns:p="http://schemas.openxmlformats.org/presentationml/2006/main">
+  <p:cSld>
+    <p:spTree>
+      <p:nvGrpSpPr>
+        <p:cNvPr id="1" name=""/>
+        <p:cNvGrpSpPr/>
+        <p:nvPr/>
+      </p:nvGrpSpPr>
+      <p:grpSpPr>
+        <a:xfrm>
+          <a:off x="0" y="0"/>
+          <a:ext cx="0" cy="0"/>
+          <a:chOff x="0" y="0"/>
+          <a:chExt cx="0" cy="0"/>
+        </a:xfrm>
+      </p:grpSpPr>
+      <p:sp>
+        <p:nvSpPr>
+          <p:cNvPr id="2" name="Folienbildplatzhalter 1"/>
+          <p:cNvSpPr>
+            <a:spLocks noGrp="1" noRot="1" noChangeAspect="1"/>
+          </p:cNvSpPr>
+          <p:nvPr>
+            <p:ph type="sldImg"/>
+          </p:nvPr>
+        </p:nvSpPr>
+        <p:spPr/>
+      </p:sp>
+      <p:sp>
+        <p:nvSpPr>
+          <p:cNvPr id="3" name="Notizenplatzhalter 2"/>
+          <p:cNvSpPr>
+            <a:spLocks noGrp="1"/>
+          </p:cNvSpPr>
+          <p:nvPr>
+            <p:ph type="body" idx="1"/>
+          </p:nvPr>
+        </p:nvSpPr>
+        <p:spPr/>
+        <p:txBody>
+          <a:bodyPr>
+            <a:normAutofit/>
+          </a:bodyPr>
+          <a:lstStyle/>
+          <a:p>
+            <a:r>
+              <a:rPr lang="de-CH" dirty="0" smtClean="0"/>
+              <a:t>Mosi: Testreihen zeigen, eine ausführlich (Gangbreite),</a:t>
+            </a:r>
+            <a:r>
+              <a:rPr lang="de-CH" baseline="0" dirty="0" smtClean="0"/>
+              <a:t> Rest gar nicht - kurz</a:t>
+            </a:r>
+            <a:endParaRPr lang="de-CH" dirty="0"/>
+          </a:p>
+        </p:txBody>
+      </p:sp>
+      <p:sp>
+        <p:nvSpPr>
+          <p:cNvPr id="4" name="Foliennummernplatzhalter 3"/>
+          <p:cNvSpPr>
+            <a:spLocks noGrp="1"/>
+          </p:cNvSpPr>
+          <p:nvPr>
+            <p:ph type="sldNum" sz="quarter" idx="10"/>
+          </p:nvPr>
+        </p:nvSpPr>
+        <p:spPr/>
+        <p:txBody>
+          <a:bodyPr/>
+          <a:lstStyle/>
+          <a:p>
+            <a:fld id="{BAAA3D3A-D023-45E8-8EA3-7B1A54BA81CA}" type="slidenum">
+              <a:rPr lang="de-CH" smtClean="0"/>
+              <a:t>16</a:t>
+            </a:fld>
+            <a:endParaRPr lang="de-CH"/>
+          </a:p>
+        </p:txBody>
+      </p:sp>
+    </p:spTree>
+  </p:cSld>
+  <p:clrMapOvr>
+    <a:masterClrMapping/>
+  </p:clrMapOvr>
+</p:notes>
+</file>
+
+<file path=ppt/notesSlides/notesSlide16.xml><?xml version="1.0" encoding="utf-8"?>
+<p:notes xmlns:a="http://schemas.openxmlformats.org/drawingml/2006/main" xmlns:r="http://schemas.openxmlformats.org/officeDocument/2006/relationships" xmlns:p="http://schemas.openxmlformats.org/presentationml/2006/main">
+  <p:cSld>
+    <p:spTree>
+      <p:nvGrpSpPr>
+        <p:cNvPr id="1" name=""/>
+        <p:cNvGrpSpPr/>
+        <p:nvPr/>
+      </p:nvGrpSpPr>
+      <p:grpSpPr>
+        <a:xfrm>
+          <a:off x="0" y="0"/>
+          <a:ext cx="0" cy="0"/>
+          <a:chOff x="0" y="0"/>
+          <a:chExt cx="0" cy="0"/>
+        </a:xfrm>
+      </p:grpSpPr>
+      <p:sp>
+        <p:nvSpPr>
+          <p:cNvPr id="2" name="Folienbildplatzhalter 1"/>
+          <p:cNvSpPr>
+            <a:spLocks noGrp="1" noRot="1" noChangeAspect="1"/>
+          </p:cNvSpPr>
+          <p:nvPr>
+            <p:ph type="sldImg"/>
+          </p:nvPr>
+        </p:nvSpPr>
+        <p:spPr/>
+      </p:sp>
+      <p:sp>
+        <p:nvSpPr>
+          <p:cNvPr id="3" name="Notizenplatzhalter 2"/>
+          <p:cNvSpPr>
+            <a:spLocks noGrp="1"/>
+          </p:cNvSpPr>
+          <p:nvPr>
+            <p:ph type="body" idx="1"/>
+          </p:nvPr>
+        </p:nvSpPr>
+        <p:spPr/>
+        <p:txBody>
+          <a:bodyPr>
+            <a:normAutofit/>
+          </a:bodyPr>
+          <a:lstStyle/>
+          <a:p>
+            <a:r>
+              <a:rPr lang="de-CH" dirty="0" smtClean="0"/>
+              <a:t>Yannick – Grenzen=</a:t>
+            </a:r>
+            <a:r>
+              <a:rPr lang="de-CH" dirty="0" err="1" smtClean="0"/>
+              <a:t>Limitations</a:t>
+            </a:r>
+            <a:r>
+              <a:rPr lang="de-CH" dirty="0" smtClean="0"/>
+              <a:t> des Modells</a:t>
+            </a:r>
+            <a:r>
+              <a:rPr lang="de-CH" baseline="0" dirty="0" smtClean="0"/>
+              <a:t> aufzeigen (kurz, nur die wichtigsten)</a:t>
+            </a:r>
+            <a:endParaRPr lang="de-CH" dirty="0"/>
+          </a:p>
+        </p:txBody>
+      </p:sp>
+      <p:sp>
+        <p:nvSpPr>
+          <p:cNvPr id="4" name="Foliennummernplatzhalter 3"/>
+          <p:cNvSpPr>
+            <a:spLocks noGrp="1"/>
+          </p:cNvSpPr>
+          <p:nvPr>
+            <p:ph type="sldNum" sz="quarter" idx="10"/>
+          </p:nvPr>
+        </p:nvSpPr>
+        <p:spPr/>
+        <p:txBody>
+          <a:bodyPr/>
+          <a:lstStyle/>
+          <a:p>
+            <a:fld id="{BAAA3D3A-D023-45E8-8EA3-7B1A54BA81CA}" type="slidenum">
+              <a:rPr lang="de-CH" smtClean="0"/>
+              <a:t>19</a:t>
+            </a:fld>
+            <a:endParaRPr lang="de-CH"/>
+          </a:p>
+        </p:txBody>
+      </p:sp>
+    </p:spTree>
+  </p:cSld>
+  <p:clrMapOvr>
+    <a:masterClrMapping/>
+  </p:clrMapOvr>
+</p:notes>
+</file>
+
+<file path=ppt/notesSlides/notesSlide17.xml><?xml version="1.0" encoding="utf-8"?>
+<p:notes xmlns:a="http://schemas.openxmlformats.org/drawingml/2006/main" xmlns:r="http://schemas.openxmlformats.org/officeDocument/2006/relationships" xmlns:p="http://schemas.openxmlformats.org/presentationml/2006/main">
+  <p:cSld>
+    <p:spTree>
+      <p:nvGrpSpPr>
+        <p:cNvPr id="1" name=""/>
+        <p:cNvGrpSpPr/>
+        <p:nvPr/>
+      </p:nvGrpSpPr>
+      <p:grpSpPr>
+        <a:xfrm>
+          <a:off x="0" y="0"/>
+          <a:ext cx="0" cy="0"/>
+          <a:chOff x="0" y="0"/>
+          <a:chExt cx="0" cy="0"/>
+        </a:xfrm>
+      </p:grpSpPr>
+      <p:sp>
+        <p:nvSpPr>
+          <p:cNvPr id="2" name="Folienbildplatzhalter 1"/>
+          <p:cNvSpPr>
+            <a:spLocks noGrp="1" noRot="1" noChangeAspect="1"/>
+          </p:cNvSpPr>
+          <p:nvPr>
+            <p:ph type="sldImg"/>
+          </p:nvPr>
+        </p:nvSpPr>
+        <p:spPr/>
+      </p:sp>
+      <p:sp>
+        <p:nvSpPr>
+          <p:cNvPr id="3" name="Notizenplatzhalter 2"/>
+          <p:cNvSpPr>
+            <a:spLocks noGrp="1"/>
+          </p:cNvSpPr>
+          <p:nvPr>
+            <p:ph type="body" idx="1"/>
+          </p:nvPr>
+        </p:nvSpPr>
+        <p:spPr/>
+        <p:txBody>
           <a:bodyPr>
             <a:normAutofit/>
           </a:bodyPr>
@@ -786,7 +1402,7 @@
 </p:notes>
 </file>
 
-<file path=ppt/notesSlides/notesSlide12.xml><?xml version="1.0" encoding="utf-8"?>
+<file path=ppt/notesSlides/notesSlide18.xml><?xml version="1.0" encoding="utf-8"?>
 <p:notes xmlns:a="http://schemas.openxmlformats.org/drawingml/2006/main" xmlns:r="http://schemas.openxmlformats.org/officeDocument/2006/relationships" xmlns:p="http://schemas.openxmlformats.org/presentationml/2006/main">
   <p:cSld>
     <p:spTree>
@@ -1346,7 +1962,17 @@
             </a:r>
             <a:r>
               <a:rPr lang="de-CH" baseline="0" dirty="0" smtClean="0"/>
-              <a:t> bildlich erklären</a:t>
+              <a:t> bildlich </a:t>
+            </a:r>
+            <a:r>
+              <a:rPr lang="de-CH" baseline="0" dirty="0" smtClean="0"/>
+              <a:t>erklären</a:t>
+            </a:r>
+          </a:p>
+          <a:p>
+            <a:r>
+              <a:rPr lang="de-CH" baseline="0" dirty="0" smtClean="0"/>
+              <a:t>Polares System -&gt; zunächst nur Bestimmung der Richtung</a:t>
             </a:r>
             <a:endParaRPr lang="de-CH" dirty="0"/>
           </a:p>
@@ -1424,28 +2050,18 @@
         </p:nvSpPr>
         <p:spPr/>
         <p:txBody>
-          <a:bodyPr>
-            <a:normAutofit/>
-          </a:bodyPr>
-          <a:lstStyle/>
-          <a:p>
-            <a:r>
-              <a:rPr lang="de-CH" dirty="0" smtClean="0"/>
-              <a:t>Theiler: Zeichnung</a:t>
+          <a:bodyPr/>
+          <a:lstStyle/>
+          <a:p>
+            <a:r>
+              <a:rPr lang="de-CH" dirty="0" smtClean="0"/>
+              <a:t>Beispielsituation</a:t>
             </a:r>
             <a:r>
               <a:rPr lang="de-CH" baseline="0" dirty="0" smtClean="0"/>
-              <a:t> des Feldes und der </a:t>
-            </a:r>
-            <a:r>
-              <a:rPr lang="de-CH" baseline="0" dirty="0" err="1" smtClean="0"/>
-              <a:t>Agents</a:t>
-            </a:r>
-            <a:r>
-              <a:rPr lang="de-CH" baseline="0" dirty="0" smtClean="0"/>
-              <a:t> mit Beispielbild</a:t>
-            </a:r>
-            <a:endParaRPr lang="de-CH" dirty="0"/>
+              <a:t> aus der Entwicklungsstufe</a:t>
+            </a:r>
+            <a:endParaRPr lang="de-DE" dirty="0"/>
           </a:p>
         </p:txBody>
       </p:sp>
@@ -1466,13 +2082,18 @@
           <a:p>
             <a:fld id="{BAAA3D3A-D023-45E8-8EA3-7B1A54BA81CA}" type="slidenum">
               <a:rPr lang="de-CH" smtClean="0"/>
-              <a:t>13</a:t>
+              <a:t>7</a:t>
             </a:fld>
             <a:endParaRPr lang="de-CH"/>
           </a:p>
         </p:txBody>
       </p:sp>
     </p:spTree>
+    <p:extLst>
+      <p:ext uri="{BB962C8B-B14F-4D97-AF65-F5344CB8AC3E}">
+        <p14:creationId xmlns:p14="http://schemas.microsoft.com/office/powerpoint/2010/main" val="1419291677"/>
+      </p:ext>
+    </p:extLst>
   </p:cSld>
   <p:clrMapOvr>
     <a:masterClrMapping/>
@@ -1521,20 +2142,18 @@
         </p:nvSpPr>
         <p:spPr/>
         <p:txBody>
-          <a:bodyPr>
-            <a:normAutofit/>
-          </a:bodyPr>
-          <a:lstStyle/>
-          <a:p>
-            <a:r>
-              <a:rPr lang="de-CH" dirty="0" smtClean="0"/>
-              <a:t>Theiler:</a:t>
-            </a:r>
-            <a:r>
-              <a:rPr lang="de-CH" baseline="0" dirty="0" smtClean="0"/>
-              <a:t> Simulation mal laufen lassen &amp; kommentieren</a:t>
-            </a:r>
-            <a:endParaRPr lang="de-CH" dirty="0"/>
+          <a:bodyPr/>
+          <a:lstStyle/>
+          <a:p>
+            <a:r>
+              <a:rPr lang="de-CH" dirty="0" smtClean="0"/>
+              <a:t>Grundidee zentrierte Hyperbelfunktion in angular </a:t>
+            </a:r>
+            <a:r>
+              <a:rPr lang="de-CH" dirty="0" err="1" smtClean="0"/>
+              <a:t>values</a:t>
+            </a:r>
+            <a:endParaRPr lang="de-DE" dirty="0"/>
           </a:p>
         </p:txBody>
       </p:sp>
@@ -1555,13 +2174,18 @@
           <a:p>
             <a:fld id="{BAAA3D3A-D023-45E8-8EA3-7B1A54BA81CA}" type="slidenum">
               <a:rPr lang="de-CH" smtClean="0"/>
-              <a:t>15</a:t>
+              <a:t>8</a:t>
             </a:fld>
             <a:endParaRPr lang="de-CH"/>
           </a:p>
         </p:txBody>
       </p:sp>
     </p:spTree>
+    <p:extLst>
+      <p:ext uri="{BB962C8B-B14F-4D97-AF65-F5344CB8AC3E}">
+        <p14:creationId xmlns:p14="http://schemas.microsoft.com/office/powerpoint/2010/main" val="1364280645"/>
+      </p:ext>
+    </p:extLst>
   </p:cSld>
   <p:clrMapOvr>
     <a:masterClrMapping/>
@@ -1610,20 +2234,17 @@
         </p:nvSpPr>
         <p:spPr/>
         <p:txBody>
-          <a:bodyPr>
-            <a:normAutofit/>
-          </a:bodyPr>
-          <a:lstStyle/>
-          <a:p>
-            <a:r>
-              <a:rPr lang="de-CH" dirty="0" smtClean="0"/>
-              <a:t>Mosi: Testreihen zeigen, eine ausführlich (Gangbreite),</a:t>
+          <a:bodyPr/>
+          <a:lstStyle/>
+          <a:p>
+            <a:r>
+              <a:rPr lang="de-CH" dirty="0" smtClean="0"/>
+              <a:t>Winkel,</a:t>
             </a:r>
             <a:r>
               <a:rPr lang="de-CH" baseline="0" dirty="0" smtClean="0"/>
-              <a:t> Rest gar nicht - kurz</a:t>
-            </a:r>
-            <a:endParaRPr lang="de-CH" dirty="0"/>
+              <a:t> die einem Kollisionskurs entsprechen, werden auf 0 gesetzt. Zusätzlich ein Offset</a:t>
+            </a:r>
           </a:p>
         </p:txBody>
       </p:sp>
@@ -1644,13 +2265,18 @@
           <a:p>
             <a:fld id="{BAAA3D3A-D023-45E8-8EA3-7B1A54BA81CA}" type="slidenum">
               <a:rPr lang="de-CH" smtClean="0"/>
-              <a:t>16</a:t>
+              <a:t>9</a:t>
             </a:fld>
             <a:endParaRPr lang="de-CH"/>
           </a:p>
         </p:txBody>
       </p:sp>
     </p:spTree>
+    <p:extLst>
+      <p:ext uri="{BB962C8B-B14F-4D97-AF65-F5344CB8AC3E}">
+        <p14:creationId xmlns:p14="http://schemas.microsoft.com/office/powerpoint/2010/main" val="2930191362"/>
+      </p:ext>
+    </p:extLst>
   </p:cSld>
   <p:clrMapOvr>
     <a:masterClrMapping/>
@@ -1832,7 +2458,7 @@
             <a:fld id="{D2037535-B481-4E56-AA92-0DD4B5EB6187}" type="datetimeFigureOut">
               <a:rPr lang="de-CH" smtClean="0"/>
               <a:pPr/>
-              <a:t>17.12.2012</a:t>
+              <a:t>18.12.2012</a:t>
             </a:fld>
             <a:endParaRPr lang="de-CH"/>
           </a:p>
@@ -1999,7 +2625,7 @@
             <a:fld id="{D2037535-B481-4E56-AA92-0DD4B5EB6187}" type="datetimeFigureOut">
               <a:rPr lang="de-CH" smtClean="0"/>
               <a:pPr/>
-              <a:t>17.12.2012</a:t>
+              <a:t>18.12.2012</a:t>
             </a:fld>
             <a:endParaRPr lang="de-CH"/>
           </a:p>
@@ -2176,7 +2802,7 @@
             <a:fld id="{D2037535-B481-4E56-AA92-0DD4B5EB6187}" type="datetimeFigureOut">
               <a:rPr lang="de-CH" smtClean="0"/>
               <a:pPr/>
-              <a:t>17.12.2012</a:t>
+              <a:t>18.12.2012</a:t>
             </a:fld>
             <a:endParaRPr lang="de-CH"/>
           </a:p>
@@ -2343,7 +2969,7 @@
             <a:fld id="{D2037535-B481-4E56-AA92-0DD4B5EB6187}" type="datetimeFigureOut">
               <a:rPr lang="de-CH" smtClean="0"/>
               <a:pPr/>
-              <a:t>17.12.2012</a:t>
+              <a:t>18.12.2012</a:t>
             </a:fld>
             <a:endParaRPr lang="de-CH"/>
           </a:p>
@@ -2587,7 +3213,7 @@
             <a:fld id="{D2037535-B481-4E56-AA92-0DD4B5EB6187}" type="datetimeFigureOut">
               <a:rPr lang="de-CH" smtClean="0"/>
               <a:pPr/>
-              <a:t>17.12.2012</a:t>
+              <a:t>18.12.2012</a:t>
             </a:fld>
             <a:endParaRPr lang="de-CH"/>
           </a:p>
@@ -2853,7 +3479,7 @@
             <a:fld id="{D2037535-B481-4E56-AA92-0DD4B5EB6187}" type="datetimeFigureOut">
               <a:rPr lang="de-CH" smtClean="0"/>
               <a:pPr/>
-              <a:t>17.12.2012</a:t>
+              <a:t>18.12.2012</a:t>
             </a:fld>
             <a:endParaRPr lang="de-CH"/>
           </a:p>
@@ -3233,7 +3859,7 @@
             <a:fld id="{D2037535-B481-4E56-AA92-0DD4B5EB6187}" type="datetimeFigureOut">
               <a:rPr lang="de-CH" smtClean="0"/>
               <a:pPr/>
-              <a:t>17.12.2012</a:t>
+              <a:t>18.12.2012</a:t>
             </a:fld>
             <a:endParaRPr lang="de-CH"/>
           </a:p>
@@ -3385,7 +4011,7 @@
             <a:fld id="{D2037535-B481-4E56-AA92-0DD4B5EB6187}" type="datetimeFigureOut">
               <a:rPr lang="de-CH" smtClean="0"/>
               <a:pPr/>
-              <a:t>17.12.2012</a:t>
+              <a:t>18.12.2012</a:t>
             </a:fld>
             <a:endParaRPr lang="de-CH"/>
           </a:p>
@@ -3477,7 +4103,7 @@
             <a:fld id="{D2037535-B481-4E56-AA92-0DD4B5EB6187}" type="datetimeFigureOut">
               <a:rPr lang="de-CH" smtClean="0"/>
               <a:pPr/>
-              <a:t>17.12.2012</a:t>
+              <a:t>18.12.2012</a:t>
             </a:fld>
             <a:endParaRPr lang="de-CH"/>
           </a:p>
@@ -3740,7 +4366,7 @@
             <a:fld id="{D2037535-B481-4E56-AA92-0DD4B5EB6187}" type="datetimeFigureOut">
               <a:rPr lang="de-CH" smtClean="0"/>
               <a:pPr/>
-              <a:t>17.12.2012</a:t>
+              <a:t>18.12.2012</a:t>
             </a:fld>
             <a:endParaRPr lang="de-CH"/>
           </a:p>
@@ -4030,7 +4656,7 @@
             <a:fld id="{D2037535-B481-4E56-AA92-0DD4B5EB6187}" type="datetimeFigureOut">
               <a:rPr lang="de-CH" smtClean="0"/>
               <a:pPr/>
-              <a:t>17.12.2012</a:t>
+              <a:t>18.12.2012</a:t>
             </a:fld>
             <a:endParaRPr lang="de-CH"/>
           </a:p>
@@ -4803,7 +5429,7 @@
             <a:fld id="{D2037535-B481-4E56-AA92-0DD4B5EB6187}" type="datetimeFigureOut">
               <a:rPr lang="de-CH" smtClean="0"/>
               <a:pPr/>
-              <a:t>17.12.2012</a:t>
+              <a:t>18.12.2012</a:t>
             </a:fld>
             <a:endParaRPr lang="de-CH"/>
           </a:p>
@@ -5451,11 +6077,7 @@
             </a:r>
             <a:r>
               <a:rPr lang="de-CH" dirty="0" smtClean="0"/>
-              <a:t> </a:t>
-            </a:r>
-            <a:r>
-              <a:rPr lang="de-CH" dirty="0" smtClean="0"/>
-              <a:t>in </a:t>
+              <a:t> in </a:t>
             </a:r>
             <a:r>
               <a:rPr lang="de-CH" dirty="0" err="1" smtClean="0"/>
@@ -5683,10 +6305,10 @@
           <p:nvPr/>
         </p:nvPicPr>
         <p:blipFill>
-          <a:blip r:embed="rId2" cstate="print">
+          <a:blip r:embed="rId3" cstate="print">
             <a:extLst>
               <a:ext uri="{28A0092B-C50C-407E-A947-70E740481C1C}">
-                <a14:useLocalDpi xmlns:a14="http://schemas.microsoft.com/office/drawing/2010/main" xmlns="" val="0"/>
+                <a14:useLocalDpi xmlns:a14="http://schemas.microsoft.com/office/drawing/2010/main" val="0"/>
               </a:ext>
             </a:extLst>
           </a:blip>
@@ -5710,14 +6332,14 @@
           <a:effectLst/>
           <a:extLst>
             <a:ext uri="{909E8E84-426E-40DD-AFC4-6F175D3DCCD1}">
-              <a14:hiddenFill xmlns:a14="http://schemas.microsoft.com/office/drawing/2010/main" xmlns="">
+              <a14:hiddenFill xmlns:a14="http://schemas.microsoft.com/office/drawing/2010/main">
                 <a:solidFill>
                   <a:schemeClr val="accent1"/>
                 </a:solidFill>
               </a14:hiddenFill>
             </a:ext>
             <a:ext uri="{91240B29-F687-4F45-9708-019B960494DF}">
-              <a14:hiddenLine xmlns:a14="http://schemas.microsoft.com/office/drawing/2010/main" xmlns="" w="9525">
+              <a14:hiddenLine xmlns:a14="http://schemas.microsoft.com/office/drawing/2010/main" w="9525">
                 <a:solidFill>
                   <a:schemeClr val="tx1"/>
                 </a:solidFill>
@@ -5727,7 +6349,7 @@
               </a14:hiddenLine>
             </a:ext>
             <a:ext uri="{AF507438-7753-43E0-B8FC-AC1667EBCBE1}">
-              <a14:hiddenEffects xmlns:a14="http://schemas.microsoft.com/office/drawing/2010/main" xmlns="">
+              <a14:hiddenEffects xmlns:a14="http://schemas.microsoft.com/office/drawing/2010/main">
                 <a:effectLst>
                   <a:outerShdw dist="35921" dir="2700000" algn="ctr" rotWithShape="0">
                     <a:schemeClr val="bg2"/>
@@ -5747,10 +6369,10 @@
           <p:nvPr/>
         </p:nvPicPr>
         <p:blipFill>
-          <a:blip r:embed="rId3" cstate="print">
+          <a:blip r:embed="rId4" cstate="print">
             <a:extLst>
               <a:ext uri="{28A0092B-C50C-407E-A947-70E740481C1C}">
-                <a14:useLocalDpi xmlns:a14="http://schemas.microsoft.com/office/drawing/2010/main" xmlns="" val="0"/>
+                <a14:useLocalDpi xmlns:a14="http://schemas.microsoft.com/office/drawing/2010/main" val="0"/>
               </a:ext>
             </a:extLst>
           </a:blip>
@@ -5770,7 +6392,7 @@
           <a:noFill/>
           <a:extLst>
             <a:ext uri="{909E8E84-426E-40DD-AFC4-6F175D3DCCD1}">
-              <a14:hiddenFill xmlns:a14="http://schemas.microsoft.com/office/drawing/2010/main" xmlns="">
+              <a14:hiddenFill xmlns:a14="http://schemas.microsoft.com/office/drawing/2010/main">
                 <a:solidFill>
                   <a:srgbClr val="FFFFFF"/>
                 </a:solidFill>
@@ -5908,10 +6530,10 @@
           <p:nvPr/>
         </p:nvPicPr>
         <p:blipFill>
-          <a:blip r:embed="rId2" cstate="print">
+          <a:blip r:embed="rId3" cstate="print">
             <a:extLst>
               <a:ext uri="{28A0092B-C50C-407E-A947-70E740481C1C}">
-                <a14:useLocalDpi xmlns:a14="http://schemas.microsoft.com/office/drawing/2010/main" xmlns="" val="0"/>
+                <a14:useLocalDpi xmlns:a14="http://schemas.microsoft.com/office/drawing/2010/main" val="0"/>
               </a:ext>
             </a:extLst>
           </a:blip>
@@ -5935,14 +6557,14 @@
           <a:effectLst/>
           <a:extLst>
             <a:ext uri="{909E8E84-426E-40DD-AFC4-6F175D3DCCD1}">
-              <a14:hiddenFill xmlns:a14="http://schemas.microsoft.com/office/drawing/2010/main" xmlns="">
+              <a14:hiddenFill xmlns:a14="http://schemas.microsoft.com/office/drawing/2010/main">
                 <a:solidFill>
                   <a:schemeClr val="accent1"/>
                 </a:solidFill>
               </a14:hiddenFill>
             </a:ext>
             <a:ext uri="{91240B29-F687-4F45-9708-019B960494DF}">
-              <a14:hiddenLine xmlns:a14="http://schemas.microsoft.com/office/drawing/2010/main" xmlns="" w="9525">
+              <a14:hiddenLine xmlns:a14="http://schemas.microsoft.com/office/drawing/2010/main" w="9525">
                 <a:solidFill>
                   <a:schemeClr val="tx1"/>
                 </a:solidFill>
@@ -5952,7 +6574,7 @@
               </a14:hiddenLine>
             </a:ext>
             <a:ext uri="{AF507438-7753-43E0-B8FC-AC1667EBCBE1}">
-              <a14:hiddenEffects xmlns:a14="http://schemas.microsoft.com/office/drawing/2010/main" xmlns="">
+              <a14:hiddenEffects xmlns:a14="http://schemas.microsoft.com/office/drawing/2010/main">
                 <a:effectLst>
                   <a:outerShdw dist="35921" dir="2700000" algn="ctr" rotWithShape="0">
                     <a:schemeClr val="bg2"/>
@@ -5972,10 +6594,10 @@
           <p:nvPr/>
         </p:nvPicPr>
         <p:blipFill>
-          <a:blip r:embed="rId3" cstate="print">
+          <a:blip r:embed="rId4" cstate="print">
             <a:extLst>
               <a:ext uri="{28A0092B-C50C-407E-A947-70E740481C1C}">
-                <a14:useLocalDpi xmlns:a14="http://schemas.microsoft.com/office/drawing/2010/main" xmlns="" val="0"/>
+                <a14:useLocalDpi xmlns:a14="http://schemas.microsoft.com/office/drawing/2010/main" val="0"/>
               </a:ext>
             </a:extLst>
           </a:blip>
@@ -5995,7 +6617,7 @@
           <a:noFill/>
           <a:extLst>
             <a:ext uri="{909E8E84-426E-40DD-AFC4-6F175D3DCCD1}">
-              <a14:hiddenFill xmlns:a14="http://schemas.microsoft.com/office/drawing/2010/main" xmlns="">
+              <a14:hiddenFill xmlns:a14="http://schemas.microsoft.com/office/drawing/2010/main">
                 <a:solidFill>
                   <a:srgbClr val="FFFFFF"/>
                 </a:solidFill>
@@ -6151,7 +6773,19 @@
             </a:r>
             <a:r>
               <a:rPr lang="de-CH" dirty="0" smtClean="0"/>
-              <a:t>&gt; 0: Try </a:t>
+              <a:t>&gt; </a:t>
+            </a:r>
+            <a:r>
+              <a:rPr lang="de-CH" dirty="0"/>
+              <a:t>0</a:t>
+            </a:r>
+            <a:r>
+              <a:rPr lang="de-CH" dirty="0" smtClean="0"/>
+              <a:t>: </a:t>
+            </a:r>
+            <a:r>
+              <a:rPr lang="de-CH" dirty="0" smtClean="0"/>
+              <a:t>Try </a:t>
             </a:r>
             <a:r>
               <a:rPr lang="de-CH" dirty="0" err="1" smtClean="0"/>
@@ -7129,7 +7763,7 @@
           <a:blip r:embed="rId3" cstate="print">
             <a:extLst>
               <a:ext uri="{28A0092B-C50C-407E-A947-70E740481C1C}">
-                <a14:useLocalDpi xmlns:a14="http://schemas.microsoft.com/office/drawing/2010/main" xmlns="" val="0"/>
+                <a14:useLocalDpi xmlns:a14="http://schemas.microsoft.com/office/drawing/2010/main" val="0"/>
               </a:ext>
             </a:extLst>
           </a:blip>
@@ -7149,7 +7783,7 @@
           <a:noFill/>
           <a:extLst>
             <a:ext uri="{909E8E84-426E-40DD-AFC4-6F175D3DCCD1}">
-              <a14:hiddenFill xmlns:a14="http://schemas.microsoft.com/office/drawing/2010/main" xmlns="">
+              <a14:hiddenFill xmlns:a14="http://schemas.microsoft.com/office/drawing/2010/main">
                 <a:solidFill>
                   <a:srgbClr val="FFFFFF"/>
                 </a:solidFill>
@@ -8374,7 +9008,7 @@
         </p:blipFill>
         <p:spPr bwMode="auto">
           <a:xfrm>
-            <a:off x="278281" y="2204864"/>
+            <a:off x="251520" y="2204864"/>
             <a:ext cx="8587439" cy="3940036"/>
           </a:xfrm>
           <a:prstGeom prst="rect">
@@ -9098,10 +9732,10 @@
           </p:nvPr>
         </p:nvPicPr>
         <p:blipFill>
-          <a:blip r:embed="rId2" cstate="print">
+          <a:blip r:embed="rId3" cstate="print">
             <a:extLst>
               <a:ext uri="{28A0092B-C50C-407E-A947-70E740481C1C}">
-                <a14:useLocalDpi xmlns:a14="http://schemas.microsoft.com/office/drawing/2010/main" xmlns="" val="0"/>
+                <a14:useLocalDpi xmlns:a14="http://schemas.microsoft.com/office/drawing/2010/main" val="0"/>
               </a:ext>
             </a:extLst>
           </a:blip>
@@ -9125,14 +9759,14 @@
           <a:effectLst/>
           <a:extLst>
             <a:ext uri="{909E8E84-426E-40DD-AFC4-6F175D3DCCD1}">
-              <a14:hiddenFill xmlns:a14="http://schemas.microsoft.com/office/drawing/2010/main" xmlns="">
+              <a14:hiddenFill xmlns:a14="http://schemas.microsoft.com/office/drawing/2010/main">
                 <a:solidFill>
                   <a:schemeClr val="accent1"/>
                 </a:solidFill>
               </a14:hiddenFill>
             </a:ext>
             <a:ext uri="{91240B29-F687-4F45-9708-019B960494DF}">
-              <a14:hiddenLine xmlns:a14="http://schemas.microsoft.com/office/drawing/2010/main" xmlns="" w="9525">
+              <a14:hiddenLine xmlns:a14="http://schemas.microsoft.com/office/drawing/2010/main" w="9525">
                 <a:solidFill>
                   <a:schemeClr val="tx1"/>
                 </a:solidFill>
@@ -9142,7 +9776,7 @@
               </a14:hiddenLine>
             </a:ext>
             <a:ext uri="{AF507438-7753-43E0-B8FC-AC1667EBCBE1}">
-              <a14:hiddenEffects xmlns:a14="http://schemas.microsoft.com/office/drawing/2010/main" xmlns="">
+              <a14:hiddenEffects xmlns:a14="http://schemas.microsoft.com/office/drawing/2010/main">
                 <a:effectLst>
                   <a:outerShdw dist="35921" dir="2700000" algn="ctr" rotWithShape="0">
                     <a:schemeClr val="bg2"/>
@@ -9287,7 +9921,7 @@
           <p:nvPr/>
         </p:nvPicPr>
         <p:blipFill>
-          <a:blip r:embed="rId2" cstate="print"/>
+          <a:blip r:embed="rId3" cstate="print"/>
           <a:srcRect/>
           <a:stretch>
             <a:fillRect/>
@@ -9319,10 +9953,10 @@
           <p:nvPr/>
         </p:nvPicPr>
         <p:blipFill>
-          <a:blip r:embed="rId3" cstate="print">
+          <a:blip r:embed="rId4" cstate="print">
             <a:extLst>
               <a:ext uri="{28A0092B-C50C-407E-A947-70E740481C1C}">
-                <a14:useLocalDpi xmlns:a14="http://schemas.microsoft.com/office/drawing/2010/main" xmlns="" val="0"/>
+                <a14:useLocalDpi xmlns:a14="http://schemas.microsoft.com/office/drawing/2010/main" val="0"/>
               </a:ext>
             </a:extLst>
           </a:blip>
@@ -9342,7 +9976,7 @@
           <a:noFill/>
           <a:extLst>
             <a:ext uri="{909E8E84-426E-40DD-AFC4-6F175D3DCCD1}">
-              <a14:hiddenFill xmlns:a14="http://schemas.microsoft.com/office/drawing/2010/main" xmlns="">
+              <a14:hiddenFill xmlns:a14="http://schemas.microsoft.com/office/drawing/2010/main">
                 <a:solidFill>
                   <a:srgbClr val="FFFFFF"/>
                 </a:solidFill>
@@ -9360,10 +9994,10 @@
           <p:nvPr/>
         </p:nvPicPr>
         <p:blipFill>
-          <a:blip r:embed="rId4" cstate="print">
+          <a:blip r:embed="rId5" cstate="print">
             <a:extLst>
               <a:ext uri="{28A0092B-C50C-407E-A947-70E740481C1C}">
-                <a14:useLocalDpi xmlns:a14="http://schemas.microsoft.com/office/drawing/2010/main" xmlns="" val="0"/>
+                <a14:useLocalDpi xmlns:a14="http://schemas.microsoft.com/office/drawing/2010/main" val="0"/>
               </a:ext>
             </a:extLst>
           </a:blip>
@@ -9383,7 +10017,7 @@
           <a:noFill/>
           <a:extLst>
             <a:ext uri="{909E8E84-426E-40DD-AFC4-6F175D3DCCD1}">
-              <a14:hiddenFill xmlns:a14="http://schemas.microsoft.com/office/drawing/2010/main" xmlns="">
+              <a14:hiddenFill xmlns:a14="http://schemas.microsoft.com/office/drawing/2010/main">
                 <a:solidFill>
                   <a:srgbClr val="FFFFFF"/>
                 </a:solidFill>
@@ -9519,10 +10153,10 @@
           <p:nvPr/>
         </p:nvPicPr>
         <p:blipFill>
-          <a:blip r:embed="rId2" cstate="print">
+          <a:blip r:embed="rId3" cstate="print">
             <a:extLst>
               <a:ext uri="{28A0092B-C50C-407E-A947-70E740481C1C}">
-                <a14:useLocalDpi xmlns:a14="http://schemas.microsoft.com/office/drawing/2010/main" xmlns="" val="0"/>
+                <a14:useLocalDpi xmlns:a14="http://schemas.microsoft.com/office/drawing/2010/main" val="0"/>
               </a:ext>
             </a:extLst>
           </a:blip>
@@ -9542,7 +10176,7 @@
           <a:noFill/>
           <a:extLst>
             <a:ext uri="{909E8E84-426E-40DD-AFC4-6F175D3DCCD1}">
-              <a14:hiddenFill xmlns:a14="http://schemas.microsoft.com/office/drawing/2010/main" xmlns="">
+              <a14:hiddenFill xmlns:a14="http://schemas.microsoft.com/office/drawing/2010/main">
                 <a:solidFill>
                   <a:srgbClr val="FFFFFF"/>
                 </a:solidFill>
@@ -9560,10 +10194,10 @@
           <p:nvPr/>
         </p:nvPicPr>
         <p:blipFill>
-          <a:blip r:embed="rId3" cstate="print">
+          <a:blip r:embed="rId4" cstate="print">
             <a:extLst>
               <a:ext uri="{28A0092B-C50C-407E-A947-70E740481C1C}">
-                <a14:useLocalDpi xmlns:a14="http://schemas.microsoft.com/office/drawing/2010/main" xmlns="" val="0"/>
+                <a14:useLocalDpi xmlns:a14="http://schemas.microsoft.com/office/drawing/2010/main" val="0"/>
               </a:ext>
             </a:extLst>
           </a:blip>
@@ -9583,7 +10217,7 @@
           <a:noFill/>
           <a:extLst>
             <a:ext uri="{909E8E84-426E-40DD-AFC4-6F175D3DCCD1}">
-              <a14:hiddenFill xmlns:a14="http://schemas.microsoft.com/office/drawing/2010/main" xmlns="">
+              <a14:hiddenFill xmlns:a14="http://schemas.microsoft.com/office/drawing/2010/main">
                 <a:solidFill>
                   <a:srgbClr val="FFFFFF"/>
                 </a:solidFill>

--- a/presentation/Presentation.pptx
+++ b/presentation/Presentation.pptx
@@ -21,16 +21,16 @@
     <p:sldId id="264" r:id="rId12"/>
     <p:sldId id="265" r:id="rId13"/>
     <p:sldId id="267" r:id="rId14"/>
-    <p:sldId id="273" r:id="rId15"/>
-    <p:sldId id="268" r:id="rId16"/>
-    <p:sldId id="274" r:id="rId17"/>
-    <p:sldId id="279" r:id="rId18"/>
-    <p:sldId id="280" r:id="rId19"/>
-    <p:sldId id="266" r:id="rId20"/>
-    <p:sldId id="269" r:id="rId21"/>
-    <p:sldId id="270" r:id="rId22"/>
-    <p:sldId id="271" r:id="rId23"/>
-    <p:sldId id="272" r:id="rId24"/>
+    <p:sldId id="281" r:id="rId15"/>
+    <p:sldId id="273" r:id="rId16"/>
+    <p:sldId id="268" r:id="rId17"/>
+    <p:sldId id="274" r:id="rId18"/>
+    <p:sldId id="279" r:id="rId19"/>
+    <p:sldId id="280" r:id="rId20"/>
+    <p:sldId id="266" r:id="rId21"/>
+    <p:sldId id="269" r:id="rId22"/>
+    <p:sldId id="270" r:id="rId23"/>
+    <p:sldId id="271" r:id="rId24"/>
     <p:sldId id="275" r:id="rId25"/>
   </p:sldIdLst>
   <p:sldSz cx="9144000" cy="6858000" type="screen4x3"/>
@@ -957,20 +957,20 @@
           <a:lstStyle/>
           <a:p>
             <a:r>
-              <a:rPr lang="de-CH" dirty="0" smtClean="0"/>
-              <a:t>Theiler: Zeichnung</a:t>
-            </a:r>
-            <a:r>
-              <a:rPr lang="de-CH" baseline="0" dirty="0" smtClean="0"/>
-              <a:t> des Feldes und der </a:t>
-            </a:r>
-            <a:r>
-              <a:rPr lang="de-CH" baseline="0" dirty="0" err="1" smtClean="0"/>
-              <a:t>Agents</a:t>
-            </a:r>
-            <a:r>
-              <a:rPr lang="de-CH" baseline="0" dirty="0" smtClean="0"/>
-              <a:t> mit Beispielbild</a:t>
+              <a:rPr lang="de-CH" dirty="0" err="1" smtClean="0"/>
+              <a:t>Ungestrecktes</a:t>
+            </a:r>
+            <a:r>
+              <a:rPr lang="de-CH" dirty="0" smtClean="0"/>
+              <a:t> </a:t>
+            </a:r>
+            <a:r>
+              <a:rPr lang="de-CH" dirty="0" err="1" smtClean="0"/>
+              <a:t>bild</a:t>
+            </a:r>
+            <a:r>
+              <a:rPr lang="de-CH" dirty="0" smtClean="0"/>
+              <a:t> erstellen</a:t>
             </a:r>
             <a:endParaRPr lang="de-CH" dirty="0"/>
           </a:p>
@@ -1082,7 +1082,7 @@
           <a:p>
             <a:fld id="{BAAA3D3A-D023-45E8-8EA3-7B1A54BA81CA}" type="slidenum">
               <a:rPr lang="de-CH" smtClean="0"/>
-              <a:t>15</a:t>
+              <a:t>16</a:t>
             </a:fld>
             <a:endParaRPr lang="de-CH"/>
           </a:p>
@@ -1171,7 +1171,7 @@
           <a:p>
             <a:fld id="{BAAA3D3A-D023-45E8-8EA3-7B1A54BA81CA}" type="slidenum">
               <a:rPr lang="de-CH" smtClean="0"/>
-              <a:t>16</a:t>
+              <a:t>17</a:t>
             </a:fld>
             <a:endParaRPr lang="de-CH"/>
           </a:p>
@@ -1268,7 +1268,7 @@
           <a:p>
             <a:fld id="{BAAA3D3A-D023-45E8-8EA3-7B1A54BA81CA}" type="slidenum">
               <a:rPr lang="de-CH" smtClean="0"/>
-              <a:t>19</a:t>
+              <a:t>20</a:t>
             </a:fld>
             <a:endParaRPr lang="de-CH"/>
           </a:p>
@@ -1388,7 +1388,7 @@
           <a:p>
             <a:fld id="{BAAA3D3A-D023-45E8-8EA3-7B1A54BA81CA}" type="slidenum">
               <a:rPr lang="de-CH" smtClean="0"/>
-              <a:t>22</a:t>
+              <a:t>23</a:t>
             </a:fld>
             <a:endParaRPr lang="de-CH"/>
           </a:p>
@@ -1962,11 +1962,7 @@
             </a:r>
             <a:r>
               <a:rPr lang="de-CH" baseline="0" dirty="0" smtClean="0"/>
-              <a:t> bildlich </a:t>
-            </a:r>
-            <a:r>
-              <a:rPr lang="de-CH" baseline="0" dirty="0" smtClean="0"/>
-              <a:t>erklären</a:t>
+              <a:t> bildlich erklären</a:t>
             </a:r>
           </a:p>
           <a:p>
@@ -6781,11 +6777,7 @@
             </a:r>
             <a:r>
               <a:rPr lang="de-CH" dirty="0" smtClean="0"/>
-              <a:t>: </a:t>
-            </a:r>
-            <a:r>
-              <a:rPr lang="de-CH" dirty="0" smtClean="0"/>
-              <a:t>Try </a:t>
+              <a:t>: Try </a:t>
             </a:r>
             <a:r>
               <a:rPr lang="de-CH" dirty="0" err="1" smtClean="0"/>
@@ -6954,56 +6946,171 @@
         </p:nvSpPr>
         <p:spPr/>
         <p:txBody>
+          <a:bodyPr>
+            <a:normAutofit fontScale="90000"/>
+          </a:bodyPr>
+          <a:lstStyle/>
+          <a:p>
+            <a:r>
+              <a:rPr lang="de-CH" dirty="0" smtClean="0"/>
+              <a:t>Realisation:</a:t>
+            </a:r>
+            <a:br>
+              <a:rPr lang="de-CH" dirty="0" smtClean="0"/>
+            </a:br>
+            <a:r>
+              <a:rPr lang="de-CH" dirty="0" smtClean="0"/>
+              <a:t>Drawing </a:t>
+            </a:r>
+            <a:r>
+              <a:rPr lang="de-CH" dirty="0" err="1" smtClean="0"/>
+              <a:t>of</a:t>
+            </a:r>
+            <a:r>
+              <a:rPr lang="de-CH" dirty="0" smtClean="0"/>
+              <a:t> </a:t>
+            </a:r>
+            <a:r>
+              <a:rPr lang="de-CH" dirty="0" err="1" smtClean="0"/>
+              <a:t>field</a:t>
+            </a:r>
+            <a:r>
+              <a:rPr lang="de-CH" dirty="0" smtClean="0"/>
+              <a:t> &amp; </a:t>
+            </a:r>
+            <a:r>
+              <a:rPr lang="de-CH" dirty="0" err="1" smtClean="0"/>
+              <a:t>agents</a:t>
+            </a:r>
+            <a:endParaRPr lang="de-CH" dirty="0"/>
+          </a:p>
+        </p:txBody>
+      </p:sp>
+      <p:sp>
+        <p:nvSpPr>
+          <p:cNvPr id="3" name="Inhaltsplatzhalter 2"/>
+          <p:cNvSpPr>
+            <a:spLocks noGrp="1"/>
+          </p:cNvSpPr>
+          <p:nvPr>
+            <p:ph idx="1"/>
+          </p:nvPr>
+        </p:nvSpPr>
+        <p:spPr/>
+        <p:txBody>
           <a:bodyPr/>
           <a:lstStyle/>
           <a:p>
             <a:r>
-              <a:rPr lang="de-CH" dirty="0" smtClean="0"/>
-              <a:t>Drawing </a:t>
-            </a:r>
-            <a:r>
-              <a:rPr lang="de-CH" dirty="0" err="1" smtClean="0"/>
-              <a:t>of</a:t>
-            </a:r>
-            <a:r>
-              <a:rPr lang="de-CH" dirty="0" smtClean="0"/>
-              <a:t> </a:t>
-            </a:r>
-            <a:r>
-              <a:rPr lang="de-CH" dirty="0" err="1" smtClean="0"/>
-              <a:t>field</a:t>
-            </a:r>
-            <a:r>
-              <a:rPr lang="de-CH" dirty="0" smtClean="0"/>
-              <a:t> &amp; </a:t>
-            </a:r>
-            <a:r>
-              <a:rPr lang="de-CH" dirty="0" err="1" smtClean="0"/>
-              <a:t>agents</a:t>
+              <a:rPr lang="de-CH" dirty="0"/>
+              <a:t>Basic </a:t>
+            </a:r>
+            <a:r>
+              <a:rPr lang="de-CH" dirty="0" err="1"/>
+              <a:t>Matlab</a:t>
+            </a:r>
+            <a:r>
+              <a:rPr lang="de-CH" dirty="0"/>
+              <a:t> API</a:t>
+            </a:r>
+          </a:p>
+          <a:p>
+            <a:pPr lvl="1"/>
+            <a:r>
+              <a:rPr lang="de-CH" dirty="0" err="1"/>
+              <a:t>Circles</a:t>
+            </a:r>
+            <a:r>
+              <a:rPr lang="de-CH" dirty="0"/>
+              <a:t>, Lines</a:t>
+            </a:r>
+          </a:p>
+          <a:p>
+            <a:r>
+              <a:rPr lang="de-CH" dirty="0" err="1"/>
+              <a:t>Despawn</a:t>
+            </a:r>
+            <a:r>
+              <a:rPr lang="de-CH" dirty="0"/>
+              <a:t> Lines</a:t>
+            </a:r>
+          </a:p>
+          <a:p>
+            <a:r>
+              <a:rPr lang="de-CH" dirty="0"/>
+              <a:t>Wall </a:t>
+            </a:r>
+            <a:r>
+              <a:rPr lang="de-CH" dirty="0" err="1"/>
+              <a:t>Agents</a:t>
             </a:r>
             <a:endParaRPr lang="de-CH" dirty="0"/>
           </a:p>
-        </p:txBody>
-      </p:sp>
-      <p:sp>
-        <p:nvSpPr>
-          <p:cNvPr id="3" name="Inhaltsplatzhalter 2"/>
-          <p:cNvSpPr>
-            <a:spLocks noGrp="1"/>
-          </p:cNvSpPr>
-          <p:nvPr>
-            <p:ph idx="1"/>
-          </p:nvPr>
-        </p:nvSpPr>
-        <p:spPr/>
-        <p:txBody>
-          <a:bodyPr/>
-          <a:lstStyle/>
-          <a:p>
-            <a:endParaRPr lang="de-CH"/>
-          </a:p>
-        </p:txBody>
-      </p:sp>
+          <a:p>
+            <a:r>
+              <a:rPr lang="de-CH" dirty="0" err="1"/>
+              <a:t>Direction</a:t>
+            </a:r>
+            <a:r>
+              <a:rPr lang="de-CH" dirty="0"/>
+              <a:t> </a:t>
+            </a:r>
+            <a:r>
+              <a:rPr lang="de-CH" dirty="0" err="1" smtClean="0"/>
+              <a:t>Indicators</a:t>
+            </a:r>
+            <a:endParaRPr lang="de-CH" dirty="0" smtClean="0"/>
+          </a:p>
+          <a:p>
+            <a:r>
+              <a:rPr lang="de-CH" dirty="0" err="1" smtClean="0"/>
+              <a:t>xStretchFactor</a:t>
+            </a:r>
+            <a:endParaRPr lang="de-CH" dirty="0"/>
+          </a:p>
+        </p:txBody>
+      </p:sp>
+      <p:pic>
+        <p:nvPicPr>
+          <p:cNvPr id="2050" name="Picture 2" descr="C:\Users\mini-shafall\GIT\matlab\MSSSM\doc\latex\pictures\boringMeasurementSeed51.png"/>
+          <p:cNvPicPr>
+            <a:picLocks noChangeAspect="1" noChangeArrowheads="1"/>
+          </p:cNvPicPr>
+          <p:nvPr/>
+        </p:nvPicPr>
+        <p:blipFill>
+          <a:blip r:embed="rId3">
+            <a:extLst>
+              <a:ext uri="{28A0092B-C50C-407E-A947-70E740481C1C}">
+                <a14:useLocalDpi xmlns:a14="http://schemas.microsoft.com/office/drawing/2010/main" val="0"/>
+              </a:ext>
+            </a:extLst>
+          </a:blip>
+          <a:srcRect/>
+          <a:stretch>
+            <a:fillRect/>
+          </a:stretch>
+        </p:blipFill>
+        <p:spPr bwMode="auto">
+          <a:xfrm>
+            <a:off x="3851920" y="2132856"/>
+            <a:ext cx="5142588" cy="3858893"/>
+          </a:xfrm>
+          <a:prstGeom prst="rect">
+            <a:avLst/>
+          </a:prstGeom>
+          <a:noFill/>
+          <a:extLst>
+            <a:ext uri="{909E8E84-426E-40DD-AFC4-6F175D3DCCD1}">
+              <a14:hiddenFill xmlns:a14="http://schemas.microsoft.com/office/drawing/2010/main">
+                <a:solidFill>
+                  <a:srgbClr val="FFFFFF"/>
+                </a:solidFill>
+              </a14:hiddenFill>
+            </a:ext>
+          </a:extLst>
+        </p:spPr>
+      </p:pic>
     </p:spTree>
   </p:cSld>
   <p:clrMapOvr>
@@ -7051,7 +7158,15 @@
           <a:bodyPr/>
           <a:lstStyle/>
           <a:p>
-            <a:endParaRPr lang="de-CH"/>
+            <a:r>
+              <a:rPr lang="de-CH" dirty="0" smtClean="0"/>
+              <a:t>Realisation: Class </a:t>
+            </a:r>
+            <a:r>
+              <a:rPr lang="de-CH" dirty="0" err="1" smtClean="0"/>
+              <a:t>Diagram</a:t>
+            </a:r>
+            <a:endParaRPr lang="de-CH" dirty="0"/>
           </a:p>
         </p:txBody>
       </p:sp>
@@ -7070,22 +7185,61 @@
           <a:bodyPr/>
           <a:lstStyle/>
           <a:p>
-            <a:endParaRPr lang="de-CH"/>
-          </a:p>
-        </p:txBody>
-      </p:sp>
+            <a:endParaRPr lang="de-CH" dirty="0"/>
+          </a:p>
+        </p:txBody>
+      </p:sp>
+      <p:pic>
+        <p:nvPicPr>
+          <p:cNvPr id="1026" name="Picture 2" descr="C:\Users\mini-shafall\GIT\matlab\MSSSM\doc\latex\pictures\classpackage.jpg"/>
+          <p:cNvPicPr>
+            <a:picLocks noChangeAspect="1" noChangeArrowheads="1"/>
+          </p:cNvPicPr>
+          <p:nvPr/>
+        </p:nvPicPr>
+        <p:blipFill>
+          <a:blip r:embed="rId2">
+            <a:extLst>
+              <a:ext uri="{28A0092B-C50C-407E-A947-70E740481C1C}">
+                <a14:useLocalDpi xmlns:a14="http://schemas.microsoft.com/office/drawing/2010/main" val="0"/>
+              </a:ext>
+            </a:extLst>
+          </a:blip>
+          <a:srcRect/>
+          <a:stretch>
+            <a:fillRect/>
+          </a:stretch>
+        </p:blipFill>
+        <p:spPr bwMode="auto">
+          <a:xfrm>
+            <a:off x="323528" y="1844824"/>
+            <a:ext cx="6012978" cy="4604533"/>
+          </a:xfrm>
+          <a:prstGeom prst="rect">
+            <a:avLst/>
+          </a:prstGeom>
+          <a:noFill/>
+          <a:extLst>
+            <a:ext uri="{909E8E84-426E-40DD-AFC4-6F175D3DCCD1}">
+              <a14:hiddenFill xmlns:a14="http://schemas.microsoft.com/office/drawing/2010/main">
+                <a:solidFill>
+                  <a:srgbClr val="FFFFFF"/>
+                </a:solidFill>
+              </a14:hiddenFill>
+            </a:ext>
+          </a:extLst>
+        </p:spPr>
+      </p:pic>
     </p:spTree>
+    <p:extLst>
+      <p:ext uri="{BB962C8B-B14F-4D97-AF65-F5344CB8AC3E}">
+        <p14:creationId xmlns:p14="http://schemas.microsoft.com/office/powerpoint/2010/main" val="1616343719"/>
+      </p:ext>
+    </p:extLst>
   </p:cSld>
   <p:clrMapOvr>
     <a:masterClrMapping/>
   </p:clrMapOvr>
-  <p:timing>
-    <p:tnLst>
-      <p:par>
-        <p:cTn id="1" dur="indefinite" restart="never" nodeType="tmRoot"/>
-      </p:par>
-    </p:tnLst>
-  </p:timing>
 </p:sld>
 </file>
 
@@ -7116,18 +7270,19 @@
             <p:ph type="title"/>
           </p:nvPr>
         </p:nvSpPr>
-        <p:spPr/>
+        <p:spPr>
+          <a:xfrm>
+            <a:off x="457200" y="701824"/>
+            <a:ext cx="8229600" cy="1143000"/>
+          </a:xfrm>
+        </p:spPr>
         <p:txBody>
           <a:bodyPr/>
           <a:lstStyle/>
           <a:p>
             <a:r>
               <a:rPr lang="de-CH" dirty="0" smtClean="0"/>
-              <a:t>Live </a:t>
-            </a:r>
-            <a:r>
-              <a:rPr lang="de-CH" dirty="0" err="1" smtClean="0"/>
-              <a:t>simulation</a:t>
+              <a:t>Realisation: The Main Routine</a:t>
             </a:r>
             <a:endParaRPr lang="de-CH" dirty="0"/>
           </a:p>
@@ -7148,7 +7303,239 @@
           <a:bodyPr/>
           <a:lstStyle/>
           <a:p>
+            <a:r>
+              <a:rPr lang="de-CH" dirty="0"/>
+              <a:t>Loop n </a:t>
+            </a:r>
+            <a:r>
+              <a:rPr lang="de-CH" dirty="0" err="1"/>
+              <a:t>times</a:t>
+            </a:r>
+            <a:r>
+              <a:rPr lang="de-CH" dirty="0"/>
+              <a:t>.</a:t>
+            </a:r>
+          </a:p>
+          <a:p>
+            <a:r>
+              <a:rPr lang="de-CH" dirty="0" err="1"/>
+              <a:t>Steps</a:t>
+            </a:r>
+            <a:r>
+              <a:rPr lang="de-CH" dirty="0"/>
+              <a:t> </a:t>
+            </a:r>
+            <a:r>
+              <a:rPr lang="de-CH" dirty="0" err="1"/>
+              <a:t>of</a:t>
+            </a:r>
+            <a:r>
+              <a:rPr lang="de-CH" dirty="0"/>
+              <a:t> </a:t>
+            </a:r>
+            <a:r>
+              <a:rPr lang="de-CH" dirty="0" err="1"/>
+              <a:t>one</a:t>
+            </a:r>
+            <a:r>
+              <a:rPr lang="de-CH" dirty="0"/>
+              <a:t> </a:t>
+            </a:r>
+            <a:r>
+              <a:rPr lang="de-CH" dirty="0" err="1"/>
+              <a:t>loop</a:t>
+            </a:r>
+            <a:r>
+              <a:rPr lang="de-CH" dirty="0"/>
+              <a:t>:</a:t>
+            </a:r>
+          </a:p>
+          <a:p>
+            <a:pPr lvl="1"/>
+            <a:r>
+              <a:rPr lang="de-CH" dirty="0" err="1"/>
+              <a:t>Iterate</a:t>
+            </a:r>
+            <a:r>
+              <a:rPr lang="de-CH" dirty="0"/>
+              <a:t> </a:t>
+            </a:r>
+            <a:r>
+              <a:rPr lang="de-CH" dirty="0" err="1"/>
+              <a:t>trough</a:t>
+            </a:r>
+            <a:r>
+              <a:rPr lang="de-CH" dirty="0"/>
+              <a:t> all </a:t>
+            </a:r>
+            <a:r>
+              <a:rPr lang="de-CH" dirty="0" err="1"/>
+              <a:t>agents</a:t>
+            </a:r>
+            <a:r>
+              <a:rPr lang="de-CH" dirty="0"/>
+              <a:t> </a:t>
+            </a:r>
+            <a:r>
+              <a:rPr lang="de-CH" dirty="0" err="1"/>
+              <a:t>and</a:t>
+            </a:r>
+            <a:r>
+              <a:rPr lang="de-CH" dirty="0"/>
+              <a:t> </a:t>
+            </a:r>
+            <a:r>
+              <a:rPr lang="de-CH" dirty="0" err="1"/>
+              <a:t>calculate</a:t>
+            </a:r>
+            <a:r>
+              <a:rPr lang="de-CH" dirty="0"/>
+              <a:t> </a:t>
+            </a:r>
+            <a:r>
+              <a:rPr lang="de-CH" dirty="0" err="1"/>
+              <a:t>the</a:t>
+            </a:r>
+            <a:r>
+              <a:rPr lang="de-CH" dirty="0"/>
+              <a:t> </a:t>
+            </a:r>
+            <a:r>
+              <a:rPr lang="de-CH" dirty="0" err="1"/>
+              <a:t>new</a:t>
+            </a:r>
+            <a:r>
+              <a:rPr lang="de-CH" dirty="0"/>
+              <a:t> </a:t>
+            </a:r>
+            <a:r>
+              <a:rPr lang="de-CH" dirty="0" err="1" smtClean="0"/>
+              <a:t>position</a:t>
+            </a:r>
             <a:endParaRPr lang="de-CH" dirty="0"/>
+          </a:p>
+          <a:p>
+            <a:pPr lvl="1"/>
+            <a:r>
+              <a:rPr lang="de-CH" dirty="0"/>
+              <a:t>Add  a </a:t>
+            </a:r>
+            <a:r>
+              <a:rPr lang="de-CH" dirty="0" err="1"/>
+              <a:t>new</a:t>
+            </a:r>
+            <a:r>
+              <a:rPr lang="de-CH" dirty="0"/>
+              <a:t> </a:t>
+            </a:r>
+            <a:r>
+              <a:rPr lang="de-CH" dirty="0" err="1"/>
+              <a:t>agent</a:t>
+            </a:r>
+            <a:r>
+              <a:rPr lang="de-CH" dirty="0"/>
+              <a:t> </a:t>
+            </a:r>
+            <a:r>
+              <a:rPr lang="de-CH" dirty="0" err="1"/>
+              <a:t>to</a:t>
+            </a:r>
+            <a:r>
+              <a:rPr lang="de-CH" dirty="0"/>
+              <a:t> </a:t>
+            </a:r>
+            <a:r>
+              <a:rPr lang="de-CH" dirty="0" err="1"/>
+              <a:t>the</a:t>
+            </a:r>
+            <a:r>
+              <a:rPr lang="de-CH" dirty="0"/>
+              <a:t> </a:t>
+            </a:r>
+            <a:r>
+              <a:rPr lang="de-CH" dirty="0" err="1"/>
+              <a:t>s</a:t>
+            </a:r>
+            <a:r>
+              <a:rPr lang="de-CH" dirty="0" err="1" smtClean="0"/>
+              <a:t>imulation</a:t>
+            </a:r>
+            <a:endParaRPr lang="de-CH" dirty="0"/>
+          </a:p>
+          <a:p>
+            <a:pPr lvl="1"/>
+            <a:r>
+              <a:rPr lang="de-CH" dirty="0"/>
+              <a:t>Plot </a:t>
+            </a:r>
+            <a:r>
+              <a:rPr lang="de-CH" dirty="0" err="1"/>
+              <a:t>the</a:t>
+            </a:r>
+            <a:r>
+              <a:rPr lang="de-CH" dirty="0"/>
+              <a:t> </a:t>
+            </a:r>
+            <a:r>
+              <a:rPr lang="de-CH" dirty="0" err="1"/>
+              <a:t>new</a:t>
+            </a:r>
+            <a:r>
+              <a:rPr lang="de-CH" dirty="0"/>
+              <a:t> </a:t>
+            </a:r>
+            <a:r>
+              <a:rPr lang="de-CH" dirty="0" err="1" smtClean="0"/>
+              <a:t>situation</a:t>
+            </a:r>
+            <a:endParaRPr lang="de-CH" dirty="0"/>
+          </a:p>
+          <a:p>
+            <a:pPr lvl="1"/>
+            <a:r>
+              <a:rPr lang="de-CH" dirty="0" err="1"/>
+              <a:t>Evaluate</a:t>
+            </a:r>
+            <a:r>
+              <a:rPr lang="de-CH" dirty="0"/>
+              <a:t> </a:t>
+            </a:r>
+            <a:r>
+              <a:rPr lang="de-CH" dirty="0" err="1" smtClean="0"/>
+              <a:t>the</a:t>
+            </a:r>
+            <a:r>
+              <a:rPr lang="de-CH" dirty="0" smtClean="0"/>
+              <a:t> </a:t>
+            </a:r>
+            <a:r>
+              <a:rPr lang="de-CH" dirty="0" err="1" smtClean="0"/>
+              <a:t>data</a:t>
+            </a:r>
+            <a:r>
+              <a:rPr lang="de-CH" dirty="0" smtClean="0"/>
+              <a:t> </a:t>
+            </a:r>
+            <a:r>
+              <a:rPr lang="de-CH" dirty="0" err="1" smtClean="0"/>
+              <a:t>and</a:t>
+            </a:r>
+            <a:r>
+              <a:rPr lang="de-CH" dirty="0" smtClean="0"/>
+              <a:t> save </a:t>
+            </a:r>
+            <a:r>
+              <a:rPr lang="de-CH" dirty="0" err="1" smtClean="0"/>
+              <a:t>its</a:t>
+            </a:r>
+            <a:endParaRPr lang="de-CH" dirty="0"/>
+          </a:p>
+          <a:p>
+            <a:pPr lvl="1"/>
+            <a:r>
+              <a:rPr lang="de-CH" dirty="0"/>
+              <a:t>Repeat…</a:t>
+            </a:r>
           </a:p>
         </p:txBody>
       </p:sp>
@@ -7200,16 +7587,20 @@
           <a:lstStyle/>
           <a:p>
             <a:r>
-              <a:rPr lang="de-DE" dirty="0" err="1" smtClean="0"/>
-              <a:t>Our</a:t>
-            </a:r>
-            <a:r>
-              <a:rPr lang="de-DE" dirty="0" smtClean="0"/>
-              <a:t> </a:t>
-            </a:r>
-            <a:r>
-              <a:rPr lang="de-DE" dirty="0" err="1" smtClean="0"/>
-              <a:t>tests</a:t>
+              <a:rPr lang="de-CH" dirty="0" err="1" smtClean="0"/>
+              <a:t>Result</a:t>
+            </a:r>
+            <a:r>
+              <a:rPr lang="de-CH" dirty="0" smtClean="0"/>
+              <a:t>: The </a:t>
+            </a:r>
+            <a:r>
+              <a:rPr lang="de-CH" dirty="0"/>
+              <a:t>S</a:t>
+            </a:r>
+            <a:r>
+              <a:rPr lang="de-CH" dirty="0" smtClean="0"/>
+              <a:t>imulation</a:t>
             </a:r>
             <a:endParaRPr lang="de-CH" dirty="0"/>
           </a:p>
@@ -7230,249 +7621,87 @@
           <a:bodyPr/>
           <a:lstStyle/>
           <a:p>
-            <a:pPr>
-              <a:buNone/>
-            </a:pPr>
-            <a:r>
-              <a:rPr lang="de-DE" dirty="0" err="1" smtClean="0"/>
-              <a:t>We</a:t>
-            </a:r>
-            <a:r>
-              <a:rPr lang="de-DE" dirty="0" smtClean="0"/>
-              <a:t> </a:t>
-            </a:r>
-            <a:r>
-              <a:rPr lang="de-DE" dirty="0" err="1" smtClean="0"/>
-              <a:t>did</a:t>
-            </a:r>
-            <a:r>
-              <a:rPr lang="de-DE" dirty="0" smtClean="0"/>
-              <a:t> </a:t>
-            </a:r>
-            <a:r>
-              <a:rPr lang="de-DE" dirty="0" err="1" smtClean="0"/>
-              <a:t>test</a:t>
-            </a:r>
-            <a:r>
-              <a:rPr lang="de-DE" dirty="0" smtClean="0"/>
-              <a:t> </a:t>
-            </a:r>
-            <a:r>
-              <a:rPr lang="de-DE" dirty="0" err="1" smtClean="0"/>
-              <a:t>series</a:t>
-            </a:r>
-            <a:r>
-              <a:rPr lang="de-DE" dirty="0" smtClean="0"/>
-              <a:t> </a:t>
-            </a:r>
-            <a:r>
-              <a:rPr lang="de-DE" dirty="0" err="1" smtClean="0"/>
-              <a:t>about</a:t>
-            </a:r>
-            <a:r>
-              <a:rPr lang="de-DE" dirty="0" smtClean="0"/>
-              <a:t>:</a:t>
-            </a:r>
-          </a:p>
-          <a:p>
-            <a:r>
-              <a:rPr lang="de-DE" dirty="0" smtClean="0"/>
-              <a:t>Different </a:t>
-            </a:r>
-            <a:r>
-              <a:rPr lang="de-DE" dirty="0" err="1" smtClean="0"/>
-              <a:t>pedestrian</a:t>
-            </a:r>
-            <a:r>
-              <a:rPr lang="de-DE" dirty="0" smtClean="0"/>
-              <a:t> </a:t>
-            </a:r>
-            <a:r>
-              <a:rPr lang="de-DE" dirty="0" err="1" smtClean="0"/>
-              <a:t>flux</a:t>
-            </a:r>
-            <a:r>
-              <a:rPr lang="de-DE" dirty="0" smtClean="0"/>
-              <a:t> </a:t>
-            </a:r>
-            <a:r>
-              <a:rPr lang="de-DE" dirty="0" err="1" smtClean="0"/>
-              <a:t>densities</a:t>
-            </a:r>
-            <a:endParaRPr lang="de-DE" dirty="0" smtClean="0"/>
-          </a:p>
-          <a:p>
-            <a:r>
-              <a:rPr lang="de-DE" dirty="0" err="1" smtClean="0"/>
-              <a:t>Overtaking</a:t>
-            </a:r>
-            <a:r>
-              <a:rPr lang="de-DE" dirty="0" smtClean="0"/>
-              <a:t> vs. </a:t>
-            </a:r>
-            <a:r>
-              <a:rPr lang="de-DE" dirty="0" err="1" smtClean="0"/>
-              <a:t>lane</a:t>
-            </a:r>
-            <a:r>
-              <a:rPr lang="de-DE" dirty="0" smtClean="0"/>
-              <a:t> </a:t>
-            </a:r>
-            <a:r>
-              <a:rPr lang="de-DE" dirty="0" err="1" smtClean="0"/>
-              <a:t>formation</a:t>
-            </a:r>
-            <a:endParaRPr lang="de-DE" dirty="0" smtClean="0"/>
-          </a:p>
-          <a:p>
-            <a:r>
-              <a:rPr lang="de-DE" dirty="0" smtClean="0"/>
-              <a:t>Radius </a:t>
-            </a:r>
-            <a:r>
-              <a:rPr lang="de-DE" dirty="0" err="1" smtClean="0"/>
+            <a:r>
+              <a:rPr lang="de-CH" dirty="0" err="1" smtClean="0"/>
+              <a:t>Seed</a:t>
+            </a:r>
+            <a:r>
+              <a:rPr lang="de-CH" dirty="0" smtClean="0"/>
+              <a:t>: &lt;welcher </a:t>
+            </a:r>
+            <a:r>
+              <a:rPr lang="de-CH" dirty="0" err="1" smtClean="0"/>
+              <a:t>Seed</a:t>
+            </a:r>
+            <a:r>
+              <a:rPr lang="de-CH" dirty="0" smtClean="0"/>
+              <a:t> nehmen wir?&gt;</a:t>
+            </a:r>
+          </a:p>
+          <a:p>
+            <a:r>
+              <a:rPr lang="de-CH" dirty="0" smtClean="0"/>
+              <a:t>Most </a:t>
+            </a:r>
+            <a:r>
+              <a:rPr lang="de-CH" dirty="0" err="1" smtClean="0"/>
               <a:t>of</a:t>
             </a:r>
             <a:r>
-              <a:rPr lang="de-DE" dirty="0" smtClean="0"/>
-              <a:t> </a:t>
-            </a:r>
-            <a:r>
-              <a:rPr lang="de-DE" dirty="0" err="1" smtClean="0"/>
-              <a:t>sight</a:t>
-            </a:r>
-            <a:r>
-              <a:rPr lang="de-DE" dirty="0" smtClean="0"/>
-              <a:t> </a:t>
-            </a:r>
-            <a:r>
-              <a:rPr lang="de-DE" dirty="0" err="1" smtClean="0"/>
-              <a:t>of</a:t>
-            </a:r>
-            <a:r>
-              <a:rPr lang="de-DE" dirty="0" smtClean="0"/>
-              <a:t> an </a:t>
-            </a:r>
-            <a:r>
-              <a:rPr lang="de-DE" dirty="0" err="1" smtClean="0"/>
-              <a:t>agent</a:t>
-            </a:r>
-            <a:endParaRPr lang="de-DE" dirty="0" smtClean="0"/>
-          </a:p>
-          <a:p>
-            <a:r>
-              <a:rPr lang="de-DE" dirty="0" smtClean="0"/>
-              <a:t>Variation </a:t>
-            </a:r>
-            <a:r>
-              <a:rPr lang="de-DE" dirty="0" err="1" smtClean="0"/>
-              <a:t>of</a:t>
-            </a:r>
-            <a:r>
-              <a:rPr lang="de-DE" dirty="0" smtClean="0"/>
-              <a:t> </a:t>
-            </a:r>
-            <a:r>
-              <a:rPr lang="de-DE" dirty="0" err="1" smtClean="0"/>
+              <a:rPr lang="de-CH" dirty="0" smtClean="0"/>
+              <a:t> </a:t>
+            </a:r>
+            <a:r>
+              <a:rPr lang="de-CH" dirty="0" err="1" smtClean="0"/>
               <a:t>the</a:t>
             </a:r>
             <a:r>
-              <a:rPr lang="de-DE" dirty="0" smtClean="0"/>
-              <a:t> </a:t>
-            </a:r>
-            <a:r>
-              <a:rPr lang="de-DE" dirty="0" err="1" smtClean="0"/>
-              <a:t>hallway</a:t>
-            </a:r>
-            <a:r>
-              <a:rPr lang="de-CH" dirty="0" smtClean="0"/>
-              <a:t>‘</a:t>
-            </a:r>
-            <a:r>
-              <a:rPr lang="de-DE" dirty="0" smtClean="0"/>
-              <a:t>s </a:t>
-            </a:r>
-            <a:r>
-              <a:rPr lang="de-DE" dirty="0" err="1" smtClean="0"/>
-              <a:t>width</a:t>
-            </a:r>
-            <a:endParaRPr lang="de-DE" dirty="0" smtClean="0"/>
-          </a:p>
-          <a:p>
-            <a:r>
-              <a:rPr lang="de-DE" dirty="0" err="1" smtClean="0"/>
-              <a:t>Measurements</a:t>
-            </a:r>
-            <a:r>
-              <a:rPr lang="de-DE" dirty="0" smtClean="0"/>
-              <a:t> </a:t>
-            </a:r>
-            <a:r>
-              <a:rPr lang="de-DE" dirty="0" err="1" smtClean="0"/>
-              <a:t>taken</a:t>
-            </a:r>
-            <a:r>
-              <a:rPr lang="de-DE" dirty="0" smtClean="0"/>
-              <a:t> </a:t>
-            </a:r>
-            <a:r>
-              <a:rPr lang="de-DE" dirty="0" err="1" smtClean="0"/>
-              <a:t>at</a:t>
-            </a:r>
-            <a:r>
-              <a:rPr lang="de-DE" dirty="0" smtClean="0"/>
-              <a:t> </a:t>
-            </a:r>
-            <a:r>
-              <a:rPr lang="de-DE" dirty="0" err="1" smtClean="0"/>
+              <a:rPr lang="de-CH" dirty="0" smtClean="0"/>
+              <a:t> </a:t>
+            </a:r>
+            <a:r>
+              <a:rPr lang="de-CH" dirty="0" err="1" smtClean="0"/>
+              <a:t>parameters</a:t>
+            </a:r>
+            <a:r>
+              <a:rPr lang="de-CH" dirty="0" smtClean="0"/>
+              <a:t> </a:t>
+            </a:r>
+            <a:r>
+              <a:rPr lang="de-CH" dirty="0" err="1" smtClean="0"/>
+              <a:t>are</a:t>
+            </a:r>
+            <a:r>
+              <a:rPr lang="de-CH" dirty="0" smtClean="0"/>
+              <a:t> </a:t>
+            </a:r>
+            <a:r>
+              <a:rPr lang="de-CH" dirty="0" err="1" smtClean="0"/>
+              <a:t>saved</a:t>
+            </a:r>
+            <a:r>
+              <a:rPr lang="de-CH" dirty="0" smtClean="0"/>
+              <a:t> in </a:t>
+            </a:r>
+            <a:r>
+              <a:rPr lang="de-CH" dirty="0" err="1" smtClean="0"/>
               <a:t>the</a:t>
             </a:r>
             <a:r>
-              <a:rPr lang="de-DE" dirty="0" smtClean="0"/>
-              <a:t> </a:t>
-            </a:r>
-            <a:r>
-              <a:rPr lang="de-DE" dirty="0" err="1" smtClean="0"/>
-              <a:t>main</a:t>
-            </a:r>
-            <a:r>
-              <a:rPr lang="de-DE" dirty="0" smtClean="0"/>
-              <a:t> </a:t>
-            </a:r>
-            <a:r>
-              <a:rPr lang="de-DE" dirty="0" err="1" smtClean="0"/>
-              <a:t>station</a:t>
-            </a:r>
-            <a:endParaRPr lang="de-DE" dirty="0" smtClean="0"/>
-          </a:p>
-          <a:p>
-            <a:r>
-              <a:rPr lang="de-DE" dirty="0" err="1" smtClean="0"/>
-              <a:t>Minority</a:t>
-            </a:r>
-            <a:r>
-              <a:rPr lang="de-DE" dirty="0" smtClean="0"/>
-              <a:t> vs. </a:t>
-            </a:r>
-            <a:r>
-              <a:rPr lang="de-DE" dirty="0" err="1" smtClean="0"/>
-              <a:t>majority</a:t>
-            </a:r>
-            <a:r>
-              <a:rPr lang="de-DE" dirty="0" smtClean="0"/>
-              <a:t> </a:t>
-            </a:r>
-            <a:r>
-              <a:rPr lang="de-DE" dirty="0" err="1" smtClean="0"/>
-              <a:t>of</a:t>
-            </a:r>
-            <a:r>
-              <a:rPr lang="de-DE" dirty="0" smtClean="0"/>
-              <a:t> </a:t>
-            </a:r>
-            <a:r>
-              <a:rPr lang="de-DE" dirty="0" err="1" smtClean="0"/>
-              <a:t>agents</a:t>
+              <a:rPr lang="de-CH" dirty="0" smtClean="0"/>
+              <a:t> </a:t>
+            </a:r>
+            <a:r>
+              <a:rPr lang="de-CH" dirty="0" err="1" smtClean="0"/>
+              <a:t>constants</a:t>
+            </a:r>
+            <a:r>
+              <a:rPr lang="de-CH" dirty="0" smtClean="0"/>
+              <a:t> </a:t>
+            </a:r>
+            <a:r>
+              <a:rPr lang="de-CH" dirty="0" err="1" smtClean="0"/>
+              <a:t>file</a:t>
             </a:r>
             <a:endParaRPr lang="de-CH" dirty="0"/>
           </a:p>
@@ -7494,6 +7723,332 @@
 </file>
 
 <file path=ppt/slides/slide17.xml><?xml version="1.0" encoding="utf-8"?>
+<p:sld xmlns:a="http://schemas.openxmlformats.org/drawingml/2006/main" xmlns:r="http://schemas.openxmlformats.org/officeDocument/2006/relationships" xmlns:p="http://schemas.openxmlformats.org/presentationml/2006/main">
+  <p:cSld>
+    <p:spTree>
+      <p:nvGrpSpPr>
+        <p:cNvPr id="1" name=""/>
+        <p:cNvGrpSpPr/>
+        <p:nvPr/>
+      </p:nvGrpSpPr>
+      <p:grpSpPr>
+        <a:xfrm>
+          <a:off x="0" y="0"/>
+          <a:ext cx="0" cy="0"/>
+          <a:chOff x="0" y="0"/>
+          <a:chExt cx="0" cy="0"/>
+        </a:xfrm>
+      </p:grpSpPr>
+      <p:sp>
+        <p:nvSpPr>
+          <p:cNvPr id="2" name="Titel 1"/>
+          <p:cNvSpPr>
+            <a:spLocks noGrp="1"/>
+          </p:cNvSpPr>
+          <p:nvPr>
+            <p:ph type="title"/>
+          </p:nvPr>
+        </p:nvSpPr>
+        <p:spPr/>
+        <p:txBody>
+          <a:bodyPr/>
+          <a:lstStyle/>
+          <a:p>
+            <a:r>
+              <a:rPr lang="de-DE" dirty="0" err="1" smtClean="0"/>
+              <a:t>Our</a:t>
+            </a:r>
+            <a:r>
+              <a:rPr lang="de-DE" dirty="0" smtClean="0"/>
+              <a:t> </a:t>
+            </a:r>
+            <a:r>
+              <a:rPr lang="de-DE" dirty="0" err="1" smtClean="0"/>
+              <a:t>tests</a:t>
+            </a:r>
+            <a:endParaRPr lang="de-CH" dirty="0"/>
+          </a:p>
+        </p:txBody>
+      </p:sp>
+      <p:sp>
+        <p:nvSpPr>
+          <p:cNvPr id="3" name="Inhaltsplatzhalter 2"/>
+          <p:cNvSpPr>
+            <a:spLocks noGrp="1"/>
+          </p:cNvSpPr>
+          <p:nvPr>
+            <p:ph idx="1"/>
+          </p:nvPr>
+        </p:nvSpPr>
+        <p:spPr/>
+        <p:txBody>
+          <a:bodyPr/>
+          <a:lstStyle/>
+          <a:p>
+            <a:pPr>
+              <a:buNone/>
+            </a:pPr>
+            <a:r>
+              <a:rPr lang="de-DE" dirty="0" err="1" smtClean="0"/>
+              <a:t>We</a:t>
+            </a:r>
+            <a:r>
+              <a:rPr lang="de-DE" dirty="0" smtClean="0"/>
+              <a:t> </a:t>
+            </a:r>
+            <a:r>
+              <a:rPr lang="de-DE" dirty="0" err="1" smtClean="0"/>
+              <a:t>did</a:t>
+            </a:r>
+            <a:r>
+              <a:rPr lang="de-DE" dirty="0" smtClean="0"/>
+              <a:t> </a:t>
+            </a:r>
+            <a:r>
+              <a:rPr lang="de-DE" dirty="0" err="1" smtClean="0"/>
+              <a:t>test</a:t>
+            </a:r>
+            <a:r>
+              <a:rPr lang="de-DE" dirty="0" smtClean="0"/>
+              <a:t> </a:t>
+            </a:r>
+            <a:r>
+              <a:rPr lang="de-DE" dirty="0" err="1" smtClean="0"/>
+              <a:t>series</a:t>
+            </a:r>
+            <a:r>
+              <a:rPr lang="de-DE" dirty="0" smtClean="0"/>
+              <a:t> </a:t>
+            </a:r>
+            <a:r>
+              <a:rPr lang="de-DE" dirty="0" err="1" smtClean="0"/>
+              <a:t>about</a:t>
+            </a:r>
+            <a:r>
+              <a:rPr lang="de-DE" dirty="0" smtClean="0"/>
+              <a:t>:</a:t>
+            </a:r>
+          </a:p>
+          <a:p>
+            <a:r>
+              <a:rPr lang="de-DE" dirty="0" smtClean="0"/>
+              <a:t>Different </a:t>
+            </a:r>
+            <a:r>
+              <a:rPr lang="de-DE" dirty="0" err="1" smtClean="0"/>
+              <a:t>pedestrian</a:t>
+            </a:r>
+            <a:r>
+              <a:rPr lang="de-DE" dirty="0" smtClean="0"/>
+              <a:t> </a:t>
+            </a:r>
+            <a:r>
+              <a:rPr lang="de-DE" dirty="0" err="1" smtClean="0"/>
+              <a:t>flux</a:t>
+            </a:r>
+            <a:r>
+              <a:rPr lang="de-DE" dirty="0" smtClean="0"/>
+              <a:t> </a:t>
+            </a:r>
+            <a:r>
+              <a:rPr lang="de-DE" dirty="0" err="1" smtClean="0"/>
+              <a:t>densities</a:t>
+            </a:r>
+            <a:endParaRPr lang="de-DE" dirty="0" smtClean="0"/>
+          </a:p>
+          <a:p>
+            <a:r>
+              <a:rPr lang="de-DE" dirty="0" err="1" smtClean="0"/>
+              <a:t>Overtaking</a:t>
+            </a:r>
+            <a:r>
+              <a:rPr lang="de-DE" dirty="0" smtClean="0"/>
+              <a:t> vs. </a:t>
+            </a:r>
+            <a:r>
+              <a:rPr lang="de-DE" dirty="0" err="1" smtClean="0"/>
+              <a:t>lane</a:t>
+            </a:r>
+            <a:r>
+              <a:rPr lang="de-DE" dirty="0" smtClean="0"/>
+              <a:t> </a:t>
+            </a:r>
+            <a:r>
+              <a:rPr lang="de-DE" dirty="0" err="1" smtClean="0"/>
+              <a:t>formation</a:t>
+            </a:r>
+            <a:endParaRPr lang="de-DE" dirty="0" smtClean="0"/>
+          </a:p>
+          <a:p>
+            <a:r>
+              <a:rPr lang="de-DE" dirty="0" smtClean="0"/>
+              <a:t>Radius </a:t>
+            </a:r>
+            <a:r>
+              <a:rPr lang="de-DE" dirty="0" err="1" smtClean="0"/>
+              <a:t>of</a:t>
+            </a:r>
+            <a:r>
+              <a:rPr lang="de-DE" dirty="0" smtClean="0"/>
+              <a:t> </a:t>
+            </a:r>
+            <a:r>
+              <a:rPr lang="de-DE" dirty="0" err="1" smtClean="0"/>
+              <a:t>sight</a:t>
+            </a:r>
+            <a:r>
+              <a:rPr lang="de-DE" dirty="0" smtClean="0"/>
+              <a:t> </a:t>
+            </a:r>
+            <a:r>
+              <a:rPr lang="de-DE" dirty="0" err="1" smtClean="0"/>
+              <a:t>of</a:t>
+            </a:r>
+            <a:r>
+              <a:rPr lang="de-DE" dirty="0" smtClean="0"/>
+              <a:t> an </a:t>
+            </a:r>
+            <a:r>
+              <a:rPr lang="de-DE" dirty="0" err="1" smtClean="0"/>
+              <a:t>agent</a:t>
+            </a:r>
+            <a:endParaRPr lang="de-DE" dirty="0" smtClean="0"/>
+          </a:p>
+          <a:p>
+            <a:r>
+              <a:rPr lang="de-DE" dirty="0" smtClean="0"/>
+              <a:t>Variation </a:t>
+            </a:r>
+            <a:r>
+              <a:rPr lang="de-DE" dirty="0" err="1" smtClean="0"/>
+              <a:t>of</a:t>
+            </a:r>
+            <a:r>
+              <a:rPr lang="de-DE" dirty="0" smtClean="0"/>
+              <a:t> </a:t>
+            </a:r>
+            <a:r>
+              <a:rPr lang="de-DE" dirty="0" err="1" smtClean="0"/>
+              <a:t>the</a:t>
+            </a:r>
+            <a:r>
+              <a:rPr lang="de-DE" dirty="0" smtClean="0"/>
+              <a:t> </a:t>
+            </a:r>
+            <a:r>
+              <a:rPr lang="de-DE" dirty="0" err="1" smtClean="0"/>
+              <a:t>hallway</a:t>
+            </a:r>
+            <a:r>
+              <a:rPr lang="de-CH" dirty="0" smtClean="0"/>
+              <a:t>‘</a:t>
+            </a:r>
+            <a:r>
+              <a:rPr lang="de-DE" dirty="0" smtClean="0"/>
+              <a:t>s </a:t>
+            </a:r>
+            <a:r>
+              <a:rPr lang="de-DE" dirty="0" err="1" smtClean="0"/>
+              <a:t>width</a:t>
+            </a:r>
+            <a:endParaRPr lang="de-DE" dirty="0" smtClean="0"/>
+          </a:p>
+          <a:p>
+            <a:r>
+              <a:rPr lang="de-DE" dirty="0" err="1" smtClean="0"/>
+              <a:t>Measurements</a:t>
+            </a:r>
+            <a:r>
+              <a:rPr lang="de-DE" dirty="0" smtClean="0"/>
+              <a:t> </a:t>
+            </a:r>
+            <a:r>
+              <a:rPr lang="de-DE" dirty="0" err="1" smtClean="0"/>
+              <a:t>taken</a:t>
+            </a:r>
+            <a:r>
+              <a:rPr lang="de-DE" dirty="0" smtClean="0"/>
+              <a:t> </a:t>
+            </a:r>
+            <a:r>
+              <a:rPr lang="de-DE" dirty="0" err="1" smtClean="0"/>
+              <a:t>at</a:t>
+            </a:r>
+            <a:r>
+              <a:rPr lang="de-DE" dirty="0" smtClean="0"/>
+              <a:t> </a:t>
+            </a:r>
+            <a:r>
+              <a:rPr lang="de-DE" dirty="0" err="1" smtClean="0"/>
+              <a:t>the</a:t>
+            </a:r>
+            <a:r>
+              <a:rPr lang="de-DE" dirty="0" smtClean="0"/>
+              <a:t> </a:t>
+            </a:r>
+            <a:r>
+              <a:rPr lang="de-DE" dirty="0" err="1" smtClean="0"/>
+              <a:t>main</a:t>
+            </a:r>
+            <a:r>
+              <a:rPr lang="de-DE" dirty="0" smtClean="0"/>
+              <a:t> </a:t>
+            </a:r>
+            <a:r>
+              <a:rPr lang="de-DE" dirty="0" err="1" smtClean="0"/>
+              <a:t>station</a:t>
+            </a:r>
+            <a:endParaRPr lang="de-DE" dirty="0" smtClean="0"/>
+          </a:p>
+          <a:p>
+            <a:r>
+              <a:rPr lang="de-DE" dirty="0" err="1" smtClean="0"/>
+              <a:t>Minority</a:t>
+            </a:r>
+            <a:r>
+              <a:rPr lang="de-DE" dirty="0" smtClean="0"/>
+              <a:t> vs. </a:t>
+            </a:r>
+            <a:r>
+              <a:rPr lang="de-DE" dirty="0" err="1" smtClean="0"/>
+              <a:t>majority</a:t>
+            </a:r>
+            <a:r>
+              <a:rPr lang="de-DE" dirty="0" smtClean="0"/>
+              <a:t> </a:t>
+            </a:r>
+            <a:r>
+              <a:rPr lang="de-DE" dirty="0" err="1" smtClean="0"/>
+              <a:t>of</a:t>
+            </a:r>
+            <a:r>
+              <a:rPr lang="de-DE" dirty="0" smtClean="0"/>
+              <a:t> </a:t>
+            </a:r>
+            <a:r>
+              <a:rPr lang="de-DE" dirty="0" err="1" smtClean="0"/>
+              <a:t>agents</a:t>
+            </a:r>
+            <a:endParaRPr lang="de-CH" dirty="0"/>
+          </a:p>
+        </p:txBody>
+      </p:sp>
+    </p:spTree>
+  </p:cSld>
+  <p:clrMapOvr>
+    <a:masterClrMapping/>
+  </p:clrMapOvr>
+  <p:timing>
+    <p:tnLst>
+      <p:par>
+        <p:cTn id="1" dur="indefinite" restart="never" nodeType="tmRoot"/>
+      </p:par>
+    </p:tnLst>
+  </p:timing>
+</p:sld>
+</file>
+
+<file path=ppt/slides/slide18.xml><?xml version="1.0" encoding="utf-8"?>
 <p:sld xmlns:a="http://schemas.openxmlformats.org/drawingml/2006/main" xmlns:r="http://schemas.openxmlformats.org/officeDocument/2006/relationships" xmlns:p="http://schemas.openxmlformats.org/presentationml/2006/main">
   <p:cSld>
     <p:spTree>
@@ -7602,7 +8157,7 @@
 </p:sld>
 </file>
 
-<file path=ppt/slides/slide18.xml><?xml version="1.0" encoding="utf-8"?>
+<file path=ppt/slides/slide19.xml><?xml version="1.0" encoding="utf-8"?>
 <p:sld xmlns:a="http://schemas.openxmlformats.org/drawingml/2006/main" xmlns:r="http://schemas.openxmlformats.org/officeDocument/2006/relationships" xmlns:p="http://schemas.openxmlformats.org/presentationml/2006/main">
   <p:cSld>
     <p:spTree>
@@ -7711,7 +8266,129 @@
 </p:sld>
 </file>
 
-<file path=ppt/slides/slide19.xml><?xml version="1.0" encoding="utf-8"?>
+<file path=ppt/slides/slide2.xml><?xml version="1.0" encoding="utf-8"?>
+<p:sld xmlns:a="http://schemas.openxmlformats.org/drawingml/2006/main" xmlns:r="http://schemas.openxmlformats.org/officeDocument/2006/relationships" xmlns:p="http://schemas.openxmlformats.org/presentationml/2006/main">
+  <p:cSld>
+    <p:spTree>
+      <p:nvGrpSpPr>
+        <p:cNvPr id="1" name=""/>
+        <p:cNvGrpSpPr/>
+        <p:nvPr/>
+      </p:nvGrpSpPr>
+      <p:grpSpPr>
+        <a:xfrm>
+          <a:off x="0" y="0"/>
+          <a:ext cx="0" cy="0"/>
+          <a:chOff x="0" y="0"/>
+          <a:chExt cx="0" cy="0"/>
+        </a:xfrm>
+      </p:grpSpPr>
+      <p:sp>
+        <p:nvSpPr>
+          <p:cNvPr id="2" name="Titel 1"/>
+          <p:cNvSpPr>
+            <a:spLocks noGrp="1"/>
+          </p:cNvSpPr>
+          <p:nvPr>
+            <p:ph type="title"/>
+          </p:nvPr>
+        </p:nvSpPr>
+        <p:spPr/>
+        <p:txBody>
+          <a:bodyPr/>
+          <a:lstStyle/>
+          <a:p>
+            <a:r>
+              <a:rPr lang="de-CH" dirty="0" smtClean="0"/>
+              <a:t>Contents</a:t>
+            </a:r>
+            <a:endParaRPr lang="de-CH" dirty="0"/>
+          </a:p>
+        </p:txBody>
+      </p:sp>
+      <p:sp>
+        <p:nvSpPr>
+          <p:cNvPr id="3" name="Inhaltsplatzhalter 2"/>
+          <p:cNvSpPr>
+            <a:spLocks noGrp="1"/>
+          </p:cNvSpPr>
+          <p:nvPr>
+            <p:ph idx="1"/>
+          </p:nvPr>
+        </p:nvSpPr>
+        <p:spPr/>
+        <p:txBody>
+          <a:bodyPr/>
+          <a:lstStyle/>
+          <a:p>
+            <a:r>
+              <a:rPr lang="en-US" dirty="0" smtClean="0"/>
+              <a:t>Introduction, motivation &amp; basic idea</a:t>
+            </a:r>
+          </a:p>
+          <a:p>
+            <a:r>
+              <a:rPr lang="en-US" dirty="0" smtClean="0"/>
+              <a:t>The logic in our model</a:t>
+            </a:r>
+          </a:p>
+          <a:p>
+            <a:r>
+              <a:rPr lang="en-US" dirty="0" smtClean="0"/>
+              <a:t>Drawing of the field</a:t>
+            </a:r>
+          </a:p>
+          <a:p>
+            <a:r>
+              <a:rPr lang="en-US" dirty="0" smtClean="0"/>
+              <a:t>Live simulation</a:t>
+            </a:r>
+          </a:p>
+          <a:p>
+            <a:r>
+              <a:rPr lang="en-US" dirty="0" smtClean="0"/>
+              <a:t>Our tests</a:t>
+            </a:r>
+          </a:p>
+          <a:p>
+            <a:r>
+              <a:rPr lang="en-US" dirty="0" smtClean="0"/>
+              <a:t>Limitations</a:t>
+            </a:r>
+          </a:p>
+          <a:p>
+            <a:r>
+              <a:rPr lang="en-US" dirty="0" smtClean="0"/>
+              <a:t>Summary</a:t>
+            </a:r>
+          </a:p>
+          <a:p>
+            <a:r>
+              <a:rPr lang="en-US" dirty="0" smtClean="0"/>
+              <a:t>Q&amp;A</a:t>
+            </a:r>
+          </a:p>
+          <a:p>
+            <a:endParaRPr lang="en-US" dirty="0"/>
+          </a:p>
+        </p:txBody>
+      </p:sp>
+    </p:spTree>
+  </p:cSld>
+  <p:clrMapOvr>
+    <a:masterClrMapping/>
+  </p:clrMapOvr>
+  <p:timing>
+    <p:tnLst>
+      <p:par>
+        <p:cTn id="1" dur="indefinite" restart="never" nodeType="tmRoot"/>
+      </p:par>
+    </p:tnLst>
+  </p:timing>
+</p:sld>
+</file>
+
+<file path=ppt/slides/slide20.xml><?xml version="1.0" encoding="utf-8"?>
 <p:sld xmlns:a="http://schemas.openxmlformats.org/drawingml/2006/main" xmlns:r="http://schemas.openxmlformats.org/officeDocument/2006/relationships" xmlns:p="http://schemas.openxmlformats.org/presentationml/2006/main">
   <p:cSld>
     <p:spTree>
@@ -7807,435 +8484,6 @@
 </p:sld>
 </file>
 
-<file path=ppt/slides/slide2.xml><?xml version="1.0" encoding="utf-8"?>
-<p:sld xmlns:a="http://schemas.openxmlformats.org/drawingml/2006/main" xmlns:r="http://schemas.openxmlformats.org/officeDocument/2006/relationships" xmlns:p="http://schemas.openxmlformats.org/presentationml/2006/main">
-  <p:cSld>
-    <p:spTree>
-      <p:nvGrpSpPr>
-        <p:cNvPr id="1" name=""/>
-        <p:cNvGrpSpPr/>
-        <p:nvPr/>
-      </p:nvGrpSpPr>
-      <p:grpSpPr>
-        <a:xfrm>
-          <a:off x="0" y="0"/>
-          <a:ext cx="0" cy="0"/>
-          <a:chOff x="0" y="0"/>
-          <a:chExt cx="0" cy="0"/>
-        </a:xfrm>
-      </p:grpSpPr>
-      <p:sp>
-        <p:nvSpPr>
-          <p:cNvPr id="2" name="Titel 1"/>
-          <p:cNvSpPr>
-            <a:spLocks noGrp="1"/>
-          </p:cNvSpPr>
-          <p:nvPr>
-            <p:ph type="title"/>
-          </p:nvPr>
-        </p:nvSpPr>
-        <p:spPr/>
-        <p:txBody>
-          <a:bodyPr/>
-          <a:lstStyle/>
-          <a:p>
-            <a:r>
-              <a:rPr lang="de-CH" dirty="0" smtClean="0"/>
-              <a:t>Contents</a:t>
-            </a:r>
-            <a:endParaRPr lang="de-CH" dirty="0"/>
-          </a:p>
-        </p:txBody>
-      </p:sp>
-      <p:sp>
-        <p:nvSpPr>
-          <p:cNvPr id="3" name="Inhaltsplatzhalter 2"/>
-          <p:cNvSpPr>
-            <a:spLocks noGrp="1"/>
-          </p:cNvSpPr>
-          <p:nvPr>
-            <p:ph idx="1"/>
-          </p:nvPr>
-        </p:nvSpPr>
-        <p:spPr/>
-        <p:txBody>
-          <a:bodyPr/>
-          <a:lstStyle/>
-          <a:p>
-            <a:r>
-              <a:rPr lang="en-US" dirty="0" smtClean="0"/>
-              <a:t>Introduction, motivation &amp; basic idea</a:t>
-            </a:r>
-          </a:p>
-          <a:p>
-            <a:r>
-              <a:rPr lang="en-US" dirty="0" smtClean="0"/>
-              <a:t>The logic in our model</a:t>
-            </a:r>
-          </a:p>
-          <a:p>
-            <a:r>
-              <a:rPr lang="en-US" dirty="0" smtClean="0"/>
-              <a:t>Drawing of the field</a:t>
-            </a:r>
-          </a:p>
-          <a:p>
-            <a:r>
-              <a:rPr lang="en-US" dirty="0" smtClean="0"/>
-              <a:t>Live simulation</a:t>
-            </a:r>
-          </a:p>
-          <a:p>
-            <a:r>
-              <a:rPr lang="en-US" dirty="0" smtClean="0"/>
-              <a:t>Our tests</a:t>
-            </a:r>
-          </a:p>
-          <a:p>
-            <a:r>
-              <a:rPr lang="en-US" dirty="0" smtClean="0"/>
-              <a:t>Limitations</a:t>
-            </a:r>
-          </a:p>
-          <a:p>
-            <a:r>
-              <a:rPr lang="en-US" dirty="0" smtClean="0"/>
-              <a:t>Summary</a:t>
-            </a:r>
-          </a:p>
-          <a:p>
-            <a:r>
-              <a:rPr lang="en-US" dirty="0" smtClean="0"/>
-              <a:t>Q&amp;A</a:t>
-            </a:r>
-          </a:p>
-          <a:p>
-            <a:endParaRPr lang="en-US" dirty="0"/>
-          </a:p>
-        </p:txBody>
-      </p:sp>
-    </p:spTree>
-  </p:cSld>
-  <p:clrMapOvr>
-    <a:masterClrMapping/>
-  </p:clrMapOvr>
-  <p:timing>
-    <p:tnLst>
-      <p:par>
-        <p:cTn id="1" dur="indefinite" restart="never" nodeType="tmRoot"/>
-      </p:par>
-    </p:tnLst>
-  </p:timing>
-</p:sld>
-</file>
-
-<file path=ppt/slides/slide20.xml><?xml version="1.0" encoding="utf-8"?>
-<p:sld xmlns:a="http://schemas.openxmlformats.org/drawingml/2006/main" xmlns:r="http://schemas.openxmlformats.org/officeDocument/2006/relationships" xmlns:p="http://schemas.openxmlformats.org/presentationml/2006/main">
-  <p:cSld>
-    <p:spTree>
-      <p:nvGrpSpPr>
-        <p:cNvPr id="1" name=""/>
-        <p:cNvGrpSpPr/>
-        <p:nvPr/>
-      </p:nvGrpSpPr>
-      <p:grpSpPr>
-        <a:xfrm>
-          <a:off x="0" y="0"/>
-          <a:ext cx="0" cy="0"/>
-          <a:chOff x="0" y="0"/>
-          <a:chExt cx="0" cy="0"/>
-        </a:xfrm>
-      </p:grpSpPr>
-      <p:sp>
-        <p:nvSpPr>
-          <p:cNvPr id="2" name="Titel 1"/>
-          <p:cNvSpPr>
-            <a:spLocks noGrp="1"/>
-          </p:cNvSpPr>
-          <p:nvPr>
-            <p:ph type="title"/>
-          </p:nvPr>
-        </p:nvSpPr>
-        <p:spPr/>
-        <p:txBody>
-          <a:bodyPr/>
-          <a:lstStyle/>
-          <a:p>
-            <a:r>
-              <a:rPr lang="de-CH" dirty="0" err="1" smtClean="0"/>
-              <a:t>Limitations</a:t>
-            </a:r>
-            <a:endParaRPr lang="de-CH" dirty="0"/>
-          </a:p>
-        </p:txBody>
-      </p:sp>
-      <p:sp>
-        <p:nvSpPr>
-          <p:cNvPr id="3" name="Inhaltsplatzhalter 2"/>
-          <p:cNvSpPr>
-            <a:spLocks noGrp="1"/>
-          </p:cNvSpPr>
-          <p:nvPr>
-            <p:ph idx="1"/>
-          </p:nvPr>
-        </p:nvSpPr>
-        <p:spPr/>
-        <p:txBody>
-          <a:bodyPr/>
-          <a:lstStyle/>
-          <a:p>
-            <a:r>
-              <a:rPr lang="de-CH" dirty="0" smtClean="0"/>
-              <a:t>The </a:t>
-            </a:r>
-            <a:r>
-              <a:rPr lang="de-CH" dirty="0" err="1" smtClean="0"/>
-              <a:t>agents</a:t>
-            </a:r>
-            <a:r>
-              <a:rPr lang="de-CH" dirty="0" smtClean="0"/>
-              <a:t> </a:t>
-            </a:r>
-            <a:r>
-              <a:rPr lang="de-CH" dirty="0" err="1" smtClean="0"/>
-              <a:t>can</a:t>
-            </a:r>
-            <a:r>
-              <a:rPr lang="de-CH" dirty="0" smtClean="0"/>
-              <a:t> </a:t>
-            </a:r>
-            <a:r>
-              <a:rPr lang="de-CH" dirty="0" err="1" smtClean="0"/>
-              <a:t>only</a:t>
-            </a:r>
-            <a:r>
-              <a:rPr lang="de-CH" dirty="0" smtClean="0"/>
-              <a:t> </a:t>
-            </a:r>
-            <a:r>
-              <a:rPr lang="de-CH" dirty="0" err="1" smtClean="0"/>
-              <a:t>move</a:t>
-            </a:r>
-            <a:r>
-              <a:rPr lang="de-CH" dirty="0" smtClean="0"/>
-              <a:t> </a:t>
-            </a:r>
-            <a:r>
-              <a:rPr lang="de-CH" dirty="0" err="1" smtClean="0"/>
-              <a:t>forwards</a:t>
-            </a:r>
-            <a:r>
-              <a:rPr lang="de-CH" dirty="0" smtClean="0"/>
-              <a:t>,</a:t>
-            </a:r>
-            <a:br>
-              <a:rPr lang="de-CH" dirty="0" smtClean="0"/>
-            </a:br>
-            <a:r>
-              <a:rPr lang="de-CH" dirty="0" err="1" smtClean="0"/>
-              <a:t>there</a:t>
-            </a:r>
-            <a:r>
-              <a:rPr lang="de-CH" dirty="0" smtClean="0"/>
-              <a:t> </a:t>
-            </a:r>
-            <a:r>
-              <a:rPr lang="de-CH" dirty="0" err="1" smtClean="0"/>
-              <a:t>is</a:t>
-            </a:r>
-            <a:r>
-              <a:rPr lang="de-CH" dirty="0" smtClean="0"/>
-              <a:t> </a:t>
-            </a:r>
-            <a:r>
-              <a:rPr lang="de-CH" dirty="0" err="1" smtClean="0"/>
-              <a:t>no</a:t>
-            </a:r>
-            <a:r>
-              <a:rPr lang="de-CH" dirty="0" smtClean="0"/>
-              <a:t> </a:t>
-            </a:r>
-            <a:r>
-              <a:rPr lang="de-CH" dirty="0" err="1" smtClean="0"/>
-              <a:t>backward</a:t>
-            </a:r>
-            <a:r>
-              <a:rPr lang="de-CH" dirty="0" smtClean="0"/>
-              <a:t> </a:t>
-            </a:r>
-            <a:r>
-              <a:rPr lang="de-CH" dirty="0" err="1" smtClean="0"/>
-              <a:t>communication</a:t>
-            </a:r>
-            <a:endParaRPr lang="de-CH" dirty="0" smtClean="0"/>
-          </a:p>
-          <a:p>
-            <a:r>
-              <a:rPr lang="de-CH" dirty="0" err="1" smtClean="0"/>
-              <a:t>Standoff</a:t>
-            </a:r>
-            <a:r>
-              <a:rPr lang="de-CH" dirty="0" smtClean="0"/>
-              <a:t> </a:t>
-            </a:r>
-            <a:r>
-              <a:rPr lang="de-CH" dirty="0" err="1" smtClean="0"/>
-              <a:t>breakup</a:t>
-            </a:r>
-            <a:r>
-              <a:rPr lang="de-CH" dirty="0" smtClean="0"/>
-              <a:t> </a:t>
-            </a:r>
-            <a:r>
-              <a:rPr lang="de-CH" dirty="0" err="1" smtClean="0"/>
-              <a:t>capabilities</a:t>
-            </a:r>
-            <a:r>
-              <a:rPr lang="de-CH" dirty="0" smtClean="0"/>
-              <a:t> </a:t>
-            </a:r>
-            <a:r>
-              <a:rPr lang="de-CH" dirty="0" err="1" smtClean="0"/>
-              <a:t>are</a:t>
-            </a:r>
-            <a:r>
-              <a:rPr lang="de-CH" dirty="0" smtClean="0"/>
-              <a:t> </a:t>
-            </a:r>
-            <a:r>
-              <a:rPr lang="de-CH" dirty="0" err="1" smtClean="0"/>
-              <a:t>very</a:t>
-            </a:r>
-            <a:r>
-              <a:rPr lang="de-CH" dirty="0" smtClean="0"/>
-              <a:t> limited</a:t>
-            </a:r>
-          </a:p>
-          <a:p>
-            <a:r>
-              <a:rPr lang="de-CH" dirty="0" smtClean="0"/>
-              <a:t>A </a:t>
-            </a:r>
-            <a:r>
-              <a:rPr lang="de-CH" dirty="0" err="1" smtClean="0"/>
-              <a:t>small</a:t>
-            </a:r>
-            <a:r>
-              <a:rPr lang="de-CH" dirty="0" smtClean="0"/>
-              <a:t> </a:t>
-            </a:r>
-            <a:r>
-              <a:rPr lang="de-CH" dirty="0" err="1" smtClean="0"/>
-              <a:t>clot</a:t>
-            </a:r>
-            <a:r>
-              <a:rPr lang="de-CH" dirty="0" smtClean="0"/>
-              <a:t> will (in </a:t>
-            </a:r>
-            <a:r>
-              <a:rPr lang="de-CH" dirty="0" err="1" smtClean="0"/>
-              <a:t>our</a:t>
-            </a:r>
-            <a:r>
-              <a:rPr lang="de-CH" dirty="0" smtClean="0"/>
-              <a:t> model) </a:t>
-            </a:r>
-            <a:r>
-              <a:rPr lang="de-CH" dirty="0" err="1" smtClean="0"/>
-              <a:t>jam</a:t>
-            </a:r>
-            <a:r>
-              <a:rPr lang="de-CH" dirty="0" smtClean="0"/>
-              <a:t> </a:t>
-            </a:r>
-            <a:r>
-              <a:rPr lang="de-CH" dirty="0" err="1" smtClean="0"/>
-              <a:t>the</a:t>
-            </a:r>
-            <a:r>
-              <a:rPr lang="de-CH" dirty="0" smtClean="0"/>
-              <a:t> </a:t>
-            </a:r>
-            <a:r>
-              <a:rPr lang="de-CH" dirty="0" err="1" smtClean="0"/>
-              <a:t>whole</a:t>
-            </a:r>
-            <a:r>
-              <a:rPr lang="de-CH" dirty="0" smtClean="0"/>
-              <a:t> </a:t>
-            </a:r>
-            <a:r>
-              <a:rPr lang="de-CH" dirty="0" err="1" smtClean="0"/>
-              <a:t>hallway</a:t>
-            </a:r>
-            <a:endParaRPr lang="de-CH" dirty="0" smtClean="0"/>
-          </a:p>
-          <a:p>
-            <a:r>
-              <a:rPr lang="de-CH" dirty="0" smtClean="0"/>
-              <a:t>In </a:t>
-            </a:r>
-            <a:r>
-              <a:rPr lang="de-CH" dirty="0" err="1" smtClean="0"/>
-              <a:t>reality</a:t>
-            </a:r>
-            <a:r>
-              <a:rPr lang="de-CH" dirty="0" smtClean="0"/>
-              <a:t>, </a:t>
-            </a:r>
-            <a:r>
-              <a:rPr lang="de-CH" dirty="0" err="1" smtClean="0"/>
-              <a:t>groups</a:t>
-            </a:r>
-            <a:r>
-              <a:rPr lang="de-CH" dirty="0" smtClean="0"/>
-              <a:t> </a:t>
-            </a:r>
-            <a:r>
-              <a:rPr lang="de-CH" dirty="0" err="1" smtClean="0"/>
-              <a:t>of</a:t>
-            </a:r>
-            <a:r>
-              <a:rPr lang="de-CH" dirty="0" smtClean="0"/>
-              <a:t> </a:t>
-            </a:r>
-            <a:r>
-              <a:rPr lang="de-CH" dirty="0" err="1" smtClean="0"/>
-              <a:t>people</a:t>
-            </a:r>
-            <a:r>
-              <a:rPr lang="de-CH" dirty="0" smtClean="0"/>
-              <a:t> walk </a:t>
-            </a:r>
-            <a:r>
-              <a:rPr lang="de-CH" dirty="0" err="1" smtClean="0"/>
-              <a:t>together</a:t>
-            </a:r>
-            <a:endParaRPr lang="de-CH" dirty="0" smtClean="0"/>
-          </a:p>
-          <a:p>
-            <a:endParaRPr lang="de-CH" dirty="0" smtClean="0"/>
-          </a:p>
-          <a:p>
-            <a:endParaRPr lang="de-CH" dirty="0"/>
-          </a:p>
-        </p:txBody>
-      </p:sp>
-    </p:spTree>
-  </p:cSld>
-  <p:clrMapOvr>
-    <a:masterClrMapping/>
-  </p:clrMapOvr>
-  <p:timing>
-    <p:tnLst>
-      <p:par>
-        <p:cTn id="1" dur="indefinite" restart="never" nodeType="tmRoot"/>
-      </p:par>
-    </p:tnLst>
-  </p:timing>
-</p:sld>
-</file>
-
 <file path=ppt/slides/slide21.xml><?xml version="1.0" encoding="utf-8"?>
 <p:sld xmlns:a="http://schemas.openxmlformats.org/drawingml/2006/main" xmlns:r="http://schemas.openxmlformats.org/officeDocument/2006/relationships" xmlns:p="http://schemas.openxmlformats.org/presentationml/2006/main">
   <p:cSld>
@@ -8292,24 +8540,12 @@
           <a:lstStyle/>
           <a:p>
             <a:r>
-              <a:rPr lang="de-CH" dirty="0" err="1" smtClean="0"/>
-              <a:t>Although</a:t>
-            </a:r>
-            <a:r>
-              <a:rPr lang="de-CH" dirty="0" smtClean="0"/>
-              <a:t> </a:t>
-            </a:r>
-            <a:r>
-              <a:rPr lang="de-CH" dirty="0" err="1" smtClean="0"/>
-              <a:t>obstacle</a:t>
-            </a:r>
-            <a:r>
-              <a:rPr lang="de-CH" dirty="0" smtClean="0"/>
-              <a:t> </a:t>
-            </a:r>
-            <a:r>
-              <a:rPr lang="de-CH" dirty="0" err="1" smtClean="0"/>
-              <a:t>courses</a:t>
+              <a:rPr lang="de-CH" dirty="0" smtClean="0"/>
+              <a:t>The </a:t>
+            </a:r>
+            <a:r>
+              <a:rPr lang="de-CH" dirty="0" err="1" smtClean="0"/>
+              <a:t>agents</a:t>
             </a:r>
             <a:r>
               <a:rPr lang="de-CH" dirty="0" smtClean="0"/>
@@ -8325,15 +8561,178 @@
             </a:r>
             <a:r>
               <a:rPr lang="de-CH" dirty="0" err="1" smtClean="0"/>
-              <a:t>be</a:t>
-            </a:r>
-            <a:r>
-              <a:rPr lang="de-CH" dirty="0" smtClean="0"/>
-              <a:t> </a:t>
-            </a:r>
-            <a:r>
-              <a:rPr lang="de-CH" dirty="0" err="1" smtClean="0"/>
-              <a:t>set</a:t>
+              <a:t>only</a:t>
+            </a:r>
+            <a:r>
+              <a:rPr lang="de-CH" dirty="0" smtClean="0"/>
+              <a:t> </a:t>
+            </a:r>
+            <a:r>
+              <a:rPr lang="de-CH" dirty="0" err="1" smtClean="0"/>
+              <a:t>move</a:t>
+            </a:r>
+            <a:r>
+              <a:rPr lang="de-CH" dirty="0" smtClean="0"/>
+              <a:t> </a:t>
+            </a:r>
+            <a:r>
+              <a:rPr lang="de-CH" dirty="0" err="1" smtClean="0"/>
+              <a:t>forwards</a:t>
+            </a:r>
+            <a:r>
+              <a:rPr lang="de-CH" dirty="0" smtClean="0"/>
+              <a:t>,</a:t>
+            </a:r>
+            <a:br>
+              <a:rPr lang="de-CH" dirty="0" smtClean="0"/>
+            </a:br>
+            <a:r>
+              <a:rPr lang="de-CH" dirty="0" err="1" smtClean="0"/>
+              <a:t>there</a:t>
+            </a:r>
+            <a:r>
+              <a:rPr lang="de-CH" dirty="0" smtClean="0"/>
+              <a:t> </a:t>
+            </a:r>
+            <a:r>
+              <a:rPr lang="de-CH" dirty="0" err="1" smtClean="0"/>
+              <a:t>is</a:t>
+            </a:r>
+            <a:r>
+              <a:rPr lang="de-CH" dirty="0" smtClean="0"/>
+              <a:t> </a:t>
+            </a:r>
+            <a:r>
+              <a:rPr lang="de-CH" dirty="0" err="1" smtClean="0"/>
+              <a:t>no</a:t>
+            </a:r>
+            <a:r>
+              <a:rPr lang="de-CH" dirty="0" smtClean="0"/>
+              <a:t> </a:t>
+            </a:r>
+            <a:r>
+              <a:rPr lang="de-CH" dirty="0" err="1" smtClean="0"/>
+              <a:t>backward</a:t>
+            </a:r>
+            <a:r>
+              <a:rPr lang="de-CH" dirty="0" smtClean="0"/>
+              <a:t> </a:t>
+            </a:r>
+            <a:r>
+              <a:rPr lang="de-CH" dirty="0" err="1" smtClean="0"/>
+              <a:t>communication</a:t>
+            </a:r>
+            <a:endParaRPr lang="de-CH" dirty="0" smtClean="0"/>
+          </a:p>
+          <a:p>
+            <a:r>
+              <a:rPr lang="de-CH" dirty="0" err="1" smtClean="0"/>
+              <a:t>Standoff</a:t>
+            </a:r>
+            <a:r>
+              <a:rPr lang="de-CH" dirty="0" smtClean="0"/>
+              <a:t> </a:t>
+            </a:r>
+            <a:r>
+              <a:rPr lang="de-CH" dirty="0" err="1" smtClean="0"/>
+              <a:t>breakup</a:t>
+            </a:r>
+            <a:r>
+              <a:rPr lang="de-CH" dirty="0" smtClean="0"/>
+              <a:t> </a:t>
+            </a:r>
+            <a:r>
+              <a:rPr lang="de-CH" dirty="0" err="1" smtClean="0"/>
+              <a:t>capabilities</a:t>
+            </a:r>
+            <a:r>
+              <a:rPr lang="de-CH" dirty="0" smtClean="0"/>
+              <a:t> </a:t>
+            </a:r>
+            <a:r>
+              <a:rPr lang="de-CH" dirty="0" err="1" smtClean="0"/>
+              <a:t>are</a:t>
+            </a:r>
+            <a:r>
+              <a:rPr lang="de-CH" dirty="0" smtClean="0"/>
+              <a:t> </a:t>
+            </a:r>
+            <a:r>
+              <a:rPr lang="de-CH" dirty="0" err="1" smtClean="0"/>
+              <a:t>very</a:t>
+            </a:r>
+            <a:r>
+              <a:rPr lang="de-CH" dirty="0" smtClean="0"/>
+              <a:t> limited</a:t>
+            </a:r>
+          </a:p>
+          <a:p>
+            <a:r>
+              <a:rPr lang="de-CH" dirty="0" smtClean="0"/>
+              <a:t>A </a:t>
+            </a:r>
+            <a:r>
+              <a:rPr lang="de-CH" dirty="0" err="1" smtClean="0"/>
+              <a:t>small</a:t>
+            </a:r>
+            <a:r>
+              <a:rPr lang="de-CH" dirty="0" smtClean="0"/>
+              <a:t> </a:t>
+            </a:r>
+            <a:r>
+              <a:rPr lang="de-CH" dirty="0" err="1" smtClean="0"/>
+              <a:t>clot</a:t>
+            </a:r>
+            <a:r>
+              <a:rPr lang="de-CH" dirty="0" smtClean="0"/>
+              <a:t> will (in </a:t>
+            </a:r>
+            <a:r>
+              <a:rPr lang="de-CH" dirty="0" err="1" smtClean="0"/>
+              <a:t>our</a:t>
+            </a:r>
+            <a:r>
+              <a:rPr lang="de-CH" dirty="0" smtClean="0"/>
+              <a:t> model) </a:t>
+            </a:r>
+            <a:r>
+              <a:rPr lang="de-CH" dirty="0" err="1" smtClean="0"/>
+              <a:t>jam</a:t>
+            </a:r>
+            <a:r>
+              <a:rPr lang="de-CH" dirty="0" smtClean="0"/>
+              <a:t> </a:t>
+            </a:r>
+            <a:r>
+              <a:rPr lang="de-CH" dirty="0" err="1" smtClean="0"/>
+              <a:t>the</a:t>
+            </a:r>
+            <a:r>
+              <a:rPr lang="de-CH" dirty="0" smtClean="0"/>
+              <a:t> </a:t>
+            </a:r>
+            <a:r>
+              <a:rPr lang="de-CH" dirty="0" err="1" smtClean="0"/>
+              <a:t>whole</a:t>
+            </a:r>
+            <a:r>
+              <a:rPr lang="de-CH" dirty="0" smtClean="0"/>
+              <a:t> </a:t>
+            </a:r>
+            <a:r>
+              <a:rPr lang="de-CH" dirty="0" err="1" smtClean="0"/>
+              <a:t>hallway</a:t>
+            </a:r>
+            <a:endParaRPr lang="de-CH" dirty="0" smtClean="0"/>
+          </a:p>
+          <a:p>
+            <a:r>
+              <a:rPr lang="de-CH" dirty="0" smtClean="0"/>
+              <a:t>In </a:t>
+            </a:r>
+            <a:r>
+              <a:rPr lang="de-CH" dirty="0" err="1" smtClean="0"/>
+              <a:t>reality</a:t>
             </a:r>
             <a:r>
               <a:rPr lang="de-CH" dirty="0" smtClean="0"/>
@@ -8341,227 +8740,36 @@
             </a:r>
             <a:r>
               <a:rPr lang="de-CH" dirty="0" err="1" smtClean="0"/>
-              <a:t>it</a:t>
-            </a:r>
-            <a:r>
-              <a:rPr lang="de-CH" dirty="0" smtClean="0"/>
-              <a:t> </a:t>
-            </a:r>
-            <a:r>
-              <a:rPr lang="de-CH" dirty="0" err="1" smtClean="0"/>
-              <a:t>would</a:t>
-            </a:r>
-            <a:r>
-              <a:rPr lang="de-CH" dirty="0" smtClean="0"/>
-              <a:t> </a:t>
-            </a:r>
-            <a:r>
-              <a:rPr lang="de-CH" dirty="0" err="1" smtClean="0"/>
-              <a:t>be</a:t>
-            </a:r>
-            <a:r>
-              <a:rPr lang="de-CH" dirty="0" smtClean="0"/>
-              <a:t> </a:t>
-            </a:r>
-            <a:r>
-              <a:rPr lang="de-CH" dirty="0" err="1" smtClean="0"/>
-              <a:t>difficult</a:t>
-            </a:r>
-            <a:r>
-              <a:rPr lang="de-CH" dirty="0" smtClean="0"/>
-              <a:t> </a:t>
-            </a:r>
-            <a:r>
-              <a:rPr lang="de-CH" dirty="0" err="1" smtClean="0"/>
-              <a:t>to</a:t>
-            </a:r>
-            <a:r>
-              <a:rPr lang="de-CH" dirty="0" smtClean="0"/>
-              <a:t> </a:t>
-            </a:r>
-            <a:r>
-              <a:rPr lang="de-CH" dirty="0" err="1" smtClean="0"/>
-              <a:t>make</a:t>
-            </a:r>
-            <a:r>
-              <a:rPr lang="de-CH" dirty="0" smtClean="0"/>
-              <a:t> </a:t>
-            </a:r>
-            <a:r>
-              <a:rPr lang="de-CH" dirty="0" err="1" smtClean="0"/>
-              <a:t>spawn</a:t>
-            </a:r>
-            <a:r>
-              <a:rPr lang="de-CH" dirty="0" smtClean="0"/>
-              <a:t> </a:t>
-            </a:r>
-            <a:r>
-              <a:rPr lang="de-CH" dirty="0" err="1" smtClean="0"/>
-              <a:t>zones</a:t>
-            </a:r>
-            <a:r>
-              <a:rPr lang="de-CH" dirty="0" smtClean="0"/>
-              <a:t> on </a:t>
-            </a:r>
-            <a:r>
-              <a:rPr lang="de-CH" dirty="0" err="1" smtClean="0"/>
-              <a:t>the</a:t>
-            </a:r>
-            <a:r>
-              <a:rPr lang="de-CH" dirty="0" smtClean="0"/>
-              <a:t> </a:t>
-            </a:r>
-            <a:r>
-              <a:rPr lang="de-CH" dirty="0" err="1" smtClean="0"/>
-              <a:t>sides</a:t>
+              <a:t>groups</a:t>
+            </a:r>
+            <a:r>
+              <a:rPr lang="de-CH" dirty="0" smtClean="0"/>
+              <a:t> </a:t>
+            </a:r>
+            <a:r>
+              <a:rPr lang="de-CH" dirty="0" err="1" smtClean="0"/>
+              <a:t>of</a:t>
+            </a:r>
+            <a:r>
+              <a:rPr lang="de-CH" dirty="0" smtClean="0"/>
+              <a:t> </a:t>
+            </a:r>
+            <a:r>
+              <a:rPr lang="de-CH" dirty="0" err="1" smtClean="0"/>
+              <a:t>people</a:t>
+            </a:r>
+            <a:r>
+              <a:rPr lang="de-CH" dirty="0" smtClean="0"/>
+              <a:t> walk </a:t>
+            </a:r>
+            <a:r>
+              <a:rPr lang="de-CH" dirty="0" err="1" smtClean="0"/>
+              <a:t>together</a:t>
             </a:r>
             <a:endParaRPr lang="de-CH" dirty="0" smtClean="0"/>
           </a:p>
           <a:p>
-            <a:r>
-              <a:rPr lang="de-CH" dirty="0" err="1" smtClean="0"/>
-              <a:t>Functions</a:t>
-            </a:r>
-            <a:r>
-              <a:rPr lang="de-CH" dirty="0" smtClean="0"/>
-              <a:t> </a:t>
-            </a:r>
-            <a:r>
-              <a:rPr lang="de-CH" dirty="0" err="1" smtClean="0"/>
-              <a:t>were</a:t>
-            </a:r>
-            <a:r>
-              <a:rPr lang="de-CH" dirty="0" smtClean="0"/>
-              <a:t> </a:t>
-            </a:r>
-            <a:r>
-              <a:rPr lang="de-CH" dirty="0" err="1" smtClean="0"/>
-              <a:t>chosen</a:t>
-            </a:r>
-            <a:r>
-              <a:rPr lang="de-CH" dirty="0" smtClean="0"/>
-              <a:t> </a:t>
-            </a:r>
-            <a:r>
-              <a:rPr lang="de-CH" dirty="0" err="1" smtClean="0"/>
-              <a:t>to</a:t>
-            </a:r>
-            <a:r>
-              <a:rPr lang="de-CH" dirty="0" smtClean="0"/>
-              <a:t> </a:t>
-            </a:r>
-            <a:r>
-              <a:rPr lang="de-CH" dirty="0" err="1" smtClean="0"/>
-              <a:t>meet</a:t>
-            </a:r>
-            <a:r>
-              <a:rPr lang="de-CH" dirty="0" smtClean="0"/>
-              <a:t> </a:t>
-            </a:r>
-            <a:r>
-              <a:rPr lang="de-CH" dirty="0" err="1" smtClean="0"/>
-              <a:t>certain</a:t>
-            </a:r>
-            <a:r>
-              <a:rPr lang="de-CH" dirty="0" smtClean="0"/>
-              <a:t> </a:t>
-            </a:r>
-            <a:r>
-              <a:rPr lang="de-CH" dirty="0" err="1" smtClean="0"/>
-              <a:t>criteria</a:t>
-            </a:r>
-            <a:r>
-              <a:rPr lang="de-CH" dirty="0" smtClean="0"/>
-              <a:t> </a:t>
-            </a:r>
-            <a:r>
-              <a:rPr lang="de-CH" dirty="0" err="1" smtClean="0"/>
-              <a:t>and</a:t>
-            </a:r>
-            <a:r>
-              <a:rPr lang="de-CH" dirty="0" smtClean="0"/>
-              <a:t> not </a:t>
-            </a:r>
-            <a:r>
-              <a:rPr lang="de-CH" dirty="0" err="1" smtClean="0"/>
-              <a:t>from</a:t>
-            </a:r>
-            <a:r>
-              <a:rPr lang="de-CH" dirty="0" smtClean="0"/>
-              <a:t> explicit </a:t>
-            </a:r>
-            <a:r>
-              <a:rPr lang="de-CH" dirty="0" err="1" smtClean="0"/>
-              <a:t>research</a:t>
-            </a:r>
             <a:endParaRPr lang="de-CH" dirty="0" smtClean="0"/>
-          </a:p>
-          <a:p>
-            <a:r>
-              <a:rPr lang="de-CH" dirty="0" smtClean="0"/>
-              <a:t>The </a:t>
-            </a:r>
-            <a:r>
-              <a:rPr lang="de-CH" dirty="0" err="1" smtClean="0"/>
-              <a:t>whole</a:t>
-            </a:r>
-            <a:r>
-              <a:rPr lang="de-CH" dirty="0" smtClean="0"/>
-              <a:t> </a:t>
-            </a:r>
-            <a:r>
-              <a:rPr lang="de-CH" dirty="0" err="1" smtClean="0"/>
-              <a:t>set</a:t>
-            </a:r>
-            <a:r>
-              <a:rPr lang="de-CH" dirty="0" smtClean="0"/>
-              <a:t> </a:t>
-            </a:r>
-            <a:r>
-              <a:rPr lang="de-CH" dirty="0" err="1" smtClean="0"/>
-              <a:t>of</a:t>
-            </a:r>
-            <a:r>
-              <a:rPr lang="de-CH" dirty="0" smtClean="0"/>
-              <a:t> global </a:t>
-            </a:r>
-            <a:r>
-              <a:rPr lang="de-CH" dirty="0" err="1" smtClean="0"/>
-              <a:t>parameters</a:t>
-            </a:r>
-            <a:r>
-              <a:rPr lang="de-CH" dirty="0" smtClean="0"/>
-              <a:t> </a:t>
-            </a:r>
-            <a:r>
-              <a:rPr lang="de-CH" dirty="0" err="1" smtClean="0"/>
-              <a:t>is</a:t>
-            </a:r>
-            <a:r>
-              <a:rPr lang="de-CH" dirty="0" smtClean="0"/>
-              <a:t> </a:t>
-            </a:r>
-            <a:r>
-              <a:rPr lang="de-CH" dirty="0" err="1" smtClean="0"/>
-              <a:t>difficult</a:t>
-            </a:r>
-            <a:r>
-              <a:rPr lang="de-CH" dirty="0" smtClean="0"/>
-              <a:t> </a:t>
-            </a:r>
-            <a:r>
-              <a:rPr lang="de-CH" dirty="0" err="1" smtClean="0"/>
-              <a:t>to</a:t>
-            </a:r>
-            <a:r>
-              <a:rPr lang="de-CH" dirty="0" smtClean="0"/>
-              <a:t> </a:t>
-            </a:r>
-            <a:r>
-              <a:rPr lang="de-CH" dirty="0" err="1" smtClean="0"/>
-              <a:t>optimize</a:t>
-            </a:r>
-            <a:endParaRPr lang="de-DE" dirty="0" smtClean="0"/>
           </a:p>
           <a:p>
             <a:endParaRPr lang="de-CH" dirty="0"/>
@@ -8617,7 +8825,7 @@
           <a:p>
             <a:r>
               <a:rPr lang="de-CH" dirty="0" err="1" smtClean="0"/>
-              <a:t>Summary</a:t>
+              <a:t>Limitations</a:t>
             </a:r>
             <a:endParaRPr lang="de-CH" dirty="0"/>
           </a:p>
@@ -8638,7 +8846,280 @@
           <a:bodyPr/>
           <a:lstStyle/>
           <a:p>
-            <a:endParaRPr lang="de-CH"/>
+            <a:r>
+              <a:rPr lang="de-CH" dirty="0" err="1" smtClean="0"/>
+              <a:t>Although</a:t>
+            </a:r>
+            <a:r>
+              <a:rPr lang="de-CH" dirty="0" smtClean="0"/>
+              <a:t> </a:t>
+            </a:r>
+            <a:r>
+              <a:rPr lang="de-CH" dirty="0" err="1" smtClean="0"/>
+              <a:t>obstacle</a:t>
+            </a:r>
+            <a:r>
+              <a:rPr lang="de-CH" dirty="0" smtClean="0"/>
+              <a:t> </a:t>
+            </a:r>
+            <a:r>
+              <a:rPr lang="de-CH" dirty="0" err="1" smtClean="0"/>
+              <a:t>courses</a:t>
+            </a:r>
+            <a:r>
+              <a:rPr lang="de-CH" dirty="0" smtClean="0"/>
+              <a:t> </a:t>
+            </a:r>
+            <a:r>
+              <a:rPr lang="de-CH" dirty="0" err="1" smtClean="0"/>
+              <a:t>can</a:t>
+            </a:r>
+            <a:r>
+              <a:rPr lang="de-CH" dirty="0" smtClean="0"/>
+              <a:t> </a:t>
+            </a:r>
+            <a:r>
+              <a:rPr lang="de-CH" dirty="0" err="1" smtClean="0"/>
+              <a:t>be</a:t>
+            </a:r>
+            <a:r>
+              <a:rPr lang="de-CH" dirty="0" smtClean="0"/>
+              <a:t> </a:t>
+            </a:r>
+            <a:r>
+              <a:rPr lang="de-CH" dirty="0" err="1" smtClean="0"/>
+              <a:t>set</a:t>
+            </a:r>
+            <a:r>
+              <a:rPr lang="de-CH" dirty="0" smtClean="0"/>
+              <a:t>, </a:t>
+            </a:r>
+            <a:r>
+              <a:rPr lang="de-CH" dirty="0" err="1" smtClean="0"/>
+              <a:t>it</a:t>
+            </a:r>
+            <a:r>
+              <a:rPr lang="de-CH" dirty="0" smtClean="0"/>
+              <a:t> </a:t>
+            </a:r>
+            <a:r>
+              <a:rPr lang="de-CH" dirty="0" err="1" smtClean="0"/>
+              <a:t>would</a:t>
+            </a:r>
+            <a:r>
+              <a:rPr lang="de-CH" dirty="0" smtClean="0"/>
+              <a:t> </a:t>
+            </a:r>
+            <a:r>
+              <a:rPr lang="de-CH" dirty="0" err="1" smtClean="0"/>
+              <a:t>be</a:t>
+            </a:r>
+            <a:r>
+              <a:rPr lang="de-CH" dirty="0" smtClean="0"/>
+              <a:t> </a:t>
+            </a:r>
+            <a:r>
+              <a:rPr lang="de-CH" dirty="0" err="1" smtClean="0"/>
+              <a:t>difficult</a:t>
+            </a:r>
+            <a:r>
+              <a:rPr lang="de-CH" dirty="0" smtClean="0"/>
+              <a:t> </a:t>
+            </a:r>
+            <a:r>
+              <a:rPr lang="de-CH" dirty="0" err="1" smtClean="0"/>
+              <a:t>to</a:t>
+            </a:r>
+            <a:r>
+              <a:rPr lang="de-CH" dirty="0" smtClean="0"/>
+              <a:t> </a:t>
+            </a:r>
+            <a:r>
+              <a:rPr lang="de-CH" dirty="0" err="1" smtClean="0"/>
+              <a:t>make</a:t>
+            </a:r>
+            <a:r>
+              <a:rPr lang="de-CH" dirty="0" smtClean="0"/>
+              <a:t> </a:t>
+            </a:r>
+            <a:r>
+              <a:rPr lang="de-CH" dirty="0" err="1" smtClean="0"/>
+              <a:t>spawn</a:t>
+            </a:r>
+            <a:r>
+              <a:rPr lang="de-CH" dirty="0" smtClean="0"/>
+              <a:t> </a:t>
+            </a:r>
+            <a:r>
+              <a:rPr lang="de-CH" dirty="0" err="1" smtClean="0"/>
+              <a:t>zones</a:t>
+            </a:r>
+            <a:r>
+              <a:rPr lang="de-CH" dirty="0" smtClean="0"/>
+              <a:t> on </a:t>
+            </a:r>
+            <a:r>
+              <a:rPr lang="de-CH" dirty="0" err="1" smtClean="0"/>
+              <a:t>the</a:t>
+            </a:r>
+            <a:r>
+              <a:rPr lang="de-CH" dirty="0" smtClean="0"/>
+              <a:t> </a:t>
+            </a:r>
+            <a:r>
+              <a:rPr lang="de-CH" dirty="0" err="1" smtClean="0"/>
+              <a:t>sides</a:t>
+            </a:r>
+            <a:endParaRPr lang="de-CH" dirty="0" smtClean="0"/>
+          </a:p>
+          <a:p>
+            <a:r>
+              <a:rPr lang="de-CH" dirty="0" err="1" smtClean="0"/>
+              <a:t>Functions</a:t>
+            </a:r>
+            <a:r>
+              <a:rPr lang="de-CH" dirty="0" smtClean="0"/>
+              <a:t> </a:t>
+            </a:r>
+            <a:r>
+              <a:rPr lang="de-CH" dirty="0" err="1" smtClean="0"/>
+              <a:t>were</a:t>
+            </a:r>
+            <a:r>
+              <a:rPr lang="de-CH" dirty="0" smtClean="0"/>
+              <a:t> </a:t>
+            </a:r>
+            <a:r>
+              <a:rPr lang="de-CH" dirty="0" err="1" smtClean="0"/>
+              <a:t>chosen</a:t>
+            </a:r>
+            <a:r>
+              <a:rPr lang="de-CH" dirty="0" smtClean="0"/>
+              <a:t> </a:t>
+            </a:r>
+            <a:r>
+              <a:rPr lang="de-CH" dirty="0" err="1" smtClean="0"/>
+              <a:t>to</a:t>
+            </a:r>
+            <a:r>
+              <a:rPr lang="de-CH" dirty="0" smtClean="0"/>
+              <a:t> </a:t>
+            </a:r>
+            <a:r>
+              <a:rPr lang="de-CH" dirty="0" err="1" smtClean="0"/>
+              <a:t>meet</a:t>
+            </a:r>
+            <a:r>
+              <a:rPr lang="de-CH" dirty="0" smtClean="0"/>
+              <a:t> </a:t>
+            </a:r>
+            <a:r>
+              <a:rPr lang="de-CH" dirty="0" err="1" smtClean="0"/>
+              <a:t>certain</a:t>
+            </a:r>
+            <a:r>
+              <a:rPr lang="de-CH" dirty="0" smtClean="0"/>
+              <a:t> </a:t>
+            </a:r>
+            <a:r>
+              <a:rPr lang="de-CH" dirty="0" err="1" smtClean="0"/>
+              <a:t>criteria</a:t>
+            </a:r>
+            <a:r>
+              <a:rPr lang="de-CH" dirty="0" smtClean="0"/>
+              <a:t> </a:t>
+            </a:r>
+            <a:r>
+              <a:rPr lang="de-CH" dirty="0" err="1" smtClean="0"/>
+              <a:t>and</a:t>
+            </a:r>
+            <a:r>
+              <a:rPr lang="de-CH" dirty="0" smtClean="0"/>
+              <a:t> not </a:t>
+            </a:r>
+            <a:r>
+              <a:rPr lang="de-CH" dirty="0" err="1" smtClean="0"/>
+              <a:t>from</a:t>
+            </a:r>
+            <a:r>
+              <a:rPr lang="de-CH" dirty="0" smtClean="0"/>
+              <a:t> explicit </a:t>
+            </a:r>
+            <a:r>
+              <a:rPr lang="de-CH" dirty="0" err="1" smtClean="0"/>
+              <a:t>research</a:t>
+            </a:r>
+            <a:endParaRPr lang="de-CH" dirty="0" smtClean="0"/>
+          </a:p>
+          <a:p>
+            <a:r>
+              <a:rPr lang="de-CH" dirty="0" smtClean="0"/>
+              <a:t>The </a:t>
+            </a:r>
+            <a:r>
+              <a:rPr lang="de-CH" dirty="0" err="1" smtClean="0"/>
+              <a:t>whole</a:t>
+            </a:r>
+            <a:r>
+              <a:rPr lang="de-CH" dirty="0" smtClean="0"/>
+              <a:t> </a:t>
+            </a:r>
+            <a:r>
+              <a:rPr lang="de-CH" dirty="0" err="1" smtClean="0"/>
+              <a:t>set</a:t>
+            </a:r>
+            <a:r>
+              <a:rPr lang="de-CH" dirty="0" smtClean="0"/>
+              <a:t> </a:t>
+            </a:r>
+            <a:r>
+              <a:rPr lang="de-CH" dirty="0" err="1" smtClean="0"/>
+              <a:t>of</a:t>
+            </a:r>
+            <a:r>
+              <a:rPr lang="de-CH" dirty="0" smtClean="0"/>
+              <a:t> global </a:t>
+            </a:r>
+            <a:r>
+              <a:rPr lang="de-CH" dirty="0" err="1" smtClean="0"/>
+              <a:t>parameters</a:t>
+            </a:r>
+            <a:r>
+              <a:rPr lang="de-CH" dirty="0" smtClean="0"/>
+              <a:t> </a:t>
+            </a:r>
+            <a:r>
+              <a:rPr lang="de-CH" dirty="0" err="1" smtClean="0"/>
+              <a:t>is</a:t>
+            </a:r>
+            <a:r>
+              <a:rPr lang="de-CH" dirty="0" smtClean="0"/>
+              <a:t> </a:t>
+            </a:r>
+            <a:r>
+              <a:rPr lang="de-CH" dirty="0" err="1" smtClean="0"/>
+              <a:t>difficult</a:t>
+            </a:r>
+            <a:r>
+              <a:rPr lang="de-CH" dirty="0" smtClean="0"/>
+              <a:t> </a:t>
+            </a:r>
+            <a:r>
+              <a:rPr lang="de-CH" dirty="0" err="1" smtClean="0"/>
+              <a:t>to</a:t>
+            </a:r>
+            <a:r>
+              <a:rPr lang="de-CH" dirty="0" smtClean="0"/>
+              <a:t> </a:t>
+            </a:r>
+            <a:r>
+              <a:rPr lang="de-CH" dirty="0" err="1" smtClean="0"/>
+              <a:t>optimize</a:t>
+            </a:r>
+            <a:endParaRPr lang="de-DE" dirty="0" smtClean="0"/>
+          </a:p>
+          <a:p>
+            <a:endParaRPr lang="de-CH" dirty="0"/>
           </a:p>
         </p:txBody>
       </p:sp>
@@ -8689,7 +9170,11 @@
           <a:bodyPr/>
           <a:lstStyle/>
           <a:p>
-            <a:endParaRPr lang="de-CH"/>
+            <a:r>
+              <a:rPr lang="de-CH" dirty="0" err="1" smtClean="0"/>
+              <a:t>Summary</a:t>
+            </a:r>
+            <a:endParaRPr lang="de-CH" dirty="0"/>
           </a:p>
         </p:txBody>
       </p:sp>
@@ -8708,7 +9193,335 @@
           <a:bodyPr/>
           <a:lstStyle/>
           <a:p>
-            <a:endParaRPr lang="de-CH"/>
+            <a:r>
+              <a:rPr lang="de-CH" dirty="0" err="1" smtClean="0"/>
+              <a:t>Our</a:t>
+            </a:r>
+            <a:r>
+              <a:rPr lang="de-CH" dirty="0" smtClean="0"/>
+              <a:t> </a:t>
+            </a:r>
+            <a:r>
+              <a:rPr lang="de-CH" dirty="0" err="1" smtClean="0"/>
+              <a:t>model</a:t>
+            </a:r>
+            <a:r>
+              <a:rPr lang="de-CH" dirty="0" smtClean="0"/>
+              <a:t> </a:t>
+            </a:r>
+            <a:r>
+              <a:rPr lang="de-CH" dirty="0" err="1" smtClean="0"/>
+              <a:t>has</a:t>
+            </a:r>
+            <a:r>
+              <a:rPr lang="de-CH" dirty="0" smtClean="0"/>
+              <a:t> </a:t>
+            </a:r>
+            <a:r>
+              <a:rPr lang="de-CH" dirty="0" err="1" smtClean="0"/>
+              <a:t>limitations</a:t>
+            </a:r>
+            <a:r>
+              <a:rPr lang="de-CH" dirty="0" smtClean="0"/>
+              <a:t> but…</a:t>
+            </a:r>
+            <a:endParaRPr lang="de-CH" dirty="0"/>
+          </a:p>
+          <a:p>
+            <a:pPr lvl="1"/>
+            <a:r>
+              <a:rPr lang="de-CH" dirty="0" smtClean="0"/>
+              <a:t>…</a:t>
+            </a:r>
+            <a:r>
+              <a:rPr lang="de-CH" dirty="0" err="1" smtClean="0"/>
+              <a:t>we</a:t>
+            </a:r>
+            <a:r>
+              <a:rPr lang="de-CH" dirty="0" smtClean="0"/>
+              <a:t> </a:t>
+            </a:r>
+            <a:r>
+              <a:rPr lang="de-CH" dirty="0" err="1" smtClean="0"/>
+              <a:t>think</a:t>
+            </a:r>
+            <a:r>
+              <a:rPr lang="de-CH" dirty="0" smtClean="0"/>
+              <a:t> </a:t>
+            </a:r>
+            <a:r>
+              <a:rPr lang="de-CH" dirty="0" err="1" smtClean="0"/>
+              <a:t>it</a:t>
+            </a:r>
+            <a:r>
+              <a:rPr lang="de-CH" dirty="0" smtClean="0"/>
+              <a:t> </a:t>
+            </a:r>
+            <a:r>
+              <a:rPr lang="de-CH" dirty="0" err="1" smtClean="0"/>
+              <a:t>runs</a:t>
+            </a:r>
+            <a:r>
+              <a:rPr lang="de-CH" dirty="0" smtClean="0"/>
+              <a:t> </a:t>
+            </a:r>
+            <a:r>
+              <a:rPr lang="de-CH" dirty="0" err="1" smtClean="0"/>
+              <a:t>properly</a:t>
+            </a:r>
+            <a:r>
+              <a:rPr lang="de-CH" dirty="0" smtClean="0"/>
+              <a:t> </a:t>
+            </a:r>
+            <a:r>
+              <a:rPr lang="de-CH" dirty="0" err="1" smtClean="0"/>
+              <a:t>what</a:t>
+            </a:r>
+            <a:r>
+              <a:rPr lang="de-CH" dirty="0" smtClean="0"/>
+              <a:t> </a:t>
+            </a:r>
+            <a:r>
+              <a:rPr lang="de-CH" dirty="0" err="1" smtClean="0"/>
+              <a:t>is’s</a:t>
+            </a:r>
+            <a:r>
+              <a:rPr lang="de-CH" dirty="0" smtClean="0"/>
+              <a:t> </a:t>
+            </a:r>
+            <a:r>
+              <a:rPr lang="de-CH" dirty="0" err="1" smtClean="0"/>
+              <a:t>supposed</a:t>
+            </a:r>
+            <a:r>
+              <a:rPr lang="de-CH" dirty="0" smtClean="0"/>
+              <a:t> </a:t>
+            </a:r>
+            <a:r>
+              <a:rPr lang="de-CH" dirty="0" err="1" smtClean="0"/>
+              <a:t>to</a:t>
+            </a:r>
+            <a:r>
+              <a:rPr lang="de-CH" dirty="0" smtClean="0"/>
+              <a:t> do.</a:t>
+            </a:r>
+          </a:p>
+          <a:p>
+            <a:pPr lvl="1"/>
+            <a:r>
+              <a:rPr lang="de-CH" dirty="0"/>
+              <a:t>…</a:t>
+            </a:r>
+            <a:r>
+              <a:rPr lang="de-CH" dirty="0" err="1"/>
+              <a:t>it</a:t>
+            </a:r>
+            <a:r>
+              <a:rPr lang="de-CH" dirty="0"/>
+              <a:t> </a:t>
+            </a:r>
+            <a:r>
+              <a:rPr lang="de-CH" dirty="0" err="1"/>
+              <a:t>can</a:t>
+            </a:r>
+            <a:r>
+              <a:rPr lang="de-CH" dirty="0"/>
+              <a:t> </a:t>
+            </a:r>
+            <a:r>
+              <a:rPr lang="de-CH" dirty="0" err="1"/>
+              <a:t>be</a:t>
+            </a:r>
+            <a:r>
+              <a:rPr lang="de-CH" dirty="0"/>
+              <a:t> </a:t>
+            </a:r>
+            <a:r>
+              <a:rPr lang="de-CH" dirty="0" err="1"/>
+              <a:t>expanded</a:t>
+            </a:r>
+            <a:r>
+              <a:rPr lang="de-CH" dirty="0"/>
+              <a:t> </a:t>
+            </a:r>
+            <a:r>
+              <a:rPr lang="de-CH" dirty="0" err="1"/>
+              <a:t>quite</a:t>
+            </a:r>
+            <a:r>
+              <a:rPr lang="de-CH" dirty="0"/>
+              <a:t> </a:t>
+            </a:r>
+            <a:r>
+              <a:rPr lang="de-CH" dirty="0" smtClean="0"/>
+              <a:t>easy.</a:t>
+            </a:r>
+            <a:endParaRPr lang="de-CH" dirty="0"/>
+          </a:p>
+          <a:p>
+            <a:r>
+              <a:rPr lang="de-CH" dirty="0" err="1" smtClean="0"/>
+              <a:t>If</a:t>
+            </a:r>
+            <a:r>
+              <a:rPr lang="de-CH" dirty="0" smtClean="0"/>
+              <a:t> </a:t>
+            </a:r>
+            <a:r>
+              <a:rPr lang="de-CH" dirty="0" err="1" smtClean="0"/>
+              <a:t>we</a:t>
+            </a:r>
+            <a:r>
+              <a:rPr lang="de-CH" dirty="0" smtClean="0"/>
+              <a:t> </a:t>
+            </a:r>
+            <a:r>
+              <a:rPr lang="de-CH" dirty="0" err="1" smtClean="0"/>
+              <a:t>had</a:t>
+            </a:r>
+            <a:r>
+              <a:rPr lang="de-CH" dirty="0" smtClean="0"/>
+              <a:t> </a:t>
+            </a:r>
+            <a:r>
+              <a:rPr lang="de-CH" dirty="0" err="1" smtClean="0"/>
+              <a:t>more</a:t>
+            </a:r>
+            <a:r>
+              <a:rPr lang="de-CH" dirty="0" smtClean="0"/>
+              <a:t> time?</a:t>
+            </a:r>
+          </a:p>
+          <a:p>
+            <a:pPr lvl="1"/>
+            <a:r>
+              <a:rPr lang="de-CH" dirty="0" err="1" smtClean="0"/>
+              <a:t>Expand</a:t>
+            </a:r>
+            <a:r>
+              <a:rPr lang="de-CH" dirty="0" smtClean="0"/>
+              <a:t> </a:t>
+            </a:r>
+            <a:r>
+              <a:rPr lang="de-CH" dirty="0" err="1" smtClean="0"/>
+              <a:t>vision</a:t>
+            </a:r>
+            <a:r>
+              <a:rPr lang="de-CH" dirty="0" smtClean="0"/>
+              <a:t> </a:t>
+            </a:r>
+            <a:r>
+              <a:rPr lang="de-CH" dirty="0" err="1" smtClean="0"/>
+              <a:t>field</a:t>
+            </a:r>
+            <a:r>
+              <a:rPr lang="de-CH" dirty="0" smtClean="0"/>
+              <a:t> </a:t>
+            </a:r>
+            <a:r>
+              <a:rPr lang="de-CH" dirty="0" err="1" smtClean="0"/>
+              <a:t>of</a:t>
+            </a:r>
+            <a:r>
+              <a:rPr lang="de-CH" dirty="0" smtClean="0"/>
+              <a:t> </a:t>
+            </a:r>
+            <a:r>
+              <a:rPr lang="de-CH" dirty="0" err="1" smtClean="0"/>
+              <a:t>the</a:t>
+            </a:r>
+            <a:r>
+              <a:rPr lang="de-CH" dirty="0" smtClean="0"/>
+              <a:t> </a:t>
+            </a:r>
+            <a:r>
+              <a:rPr lang="de-CH" dirty="0" err="1" smtClean="0"/>
+              <a:t>agent</a:t>
+            </a:r>
+            <a:r>
+              <a:rPr lang="de-CH" dirty="0" smtClean="0"/>
+              <a:t>.</a:t>
+            </a:r>
+          </a:p>
+          <a:p>
+            <a:pPr lvl="1"/>
+            <a:r>
+              <a:rPr lang="de-CH" dirty="0" smtClean="0"/>
+              <a:t>Move </a:t>
+            </a:r>
+            <a:r>
+              <a:rPr lang="de-CH" dirty="0" err="1" smtClean="0"/>
+              <a:t>backwards</a:t>
+            </a:r>
+            <a:endParaRPr lang="de-CH" dirty="0" smtClean="0"/>
+          </a:p>
+          <a:p>
+            <a:pPr lvl="1"/>
+            <a:r>
+              <a:rPr lang="de-CH" dirty="0" err="1" smtClean="0"/>
+              <a:t>Improved</a:t>
+            </a:r>
+            <a:r>
+              <a:rPr lang="de-CH" dirty="0" smtClean="0"/>
+              <a:t> </a:t>
+            </a:r>
+            <a:r>
+              <a:rPr lang="de-CH" dirty="0" err="1" smtClean="0"/>
+              <a:t>perfomance</a:t>
+            </a:r>
+            <a:endParaRPr lang="de-CH" dirty="0" smtClean="0"/>
+          </a:p>
+          <a:p>
+            <a:pPr lvl="1"/>
+            <a:r>
+              <a:rPr lang="de-CH" dirty="0" err="1" smtClean="0"/>
+              <a:t>Obstacles</a:t>
+            </a:r>
+            <a:r>
+              <a:rPr lang="de-CH" dirty="0" smtClean="0"/>
+              <a:t> </a:t>
+            </a:r>
+            <a:r>
+              <a:rPr lang="de-CH" dirty="0" err="1" smtClean="0"/>
+              <a:t>and</a:t>
+            </a:r>
+            <a:r>
+              <a:rPr lang="de-CH" dirty="0" smtClean="0"/>
+              <a:t> </a:t>
+            </a:r>
+            <a:r>
+              <a:rPr lang="de-CH" dirty="0" err="1" smtClean="0"/>
+              <a:t>other</a:t>
+            </a:r>
+            <a:r>
+              <a:rPr lang="de-CH" dirty="0" smtClean="0"/>
+              <a:t> wall </a:t>
+            </a:r>
+            <a:r>
+              <a:rPr lang="de-CH" dirty="0" err="1" smtClean="0"/>
+              <a:t>shapese</a:t>
+            </a:r>
+            <a:endParaRPr lang="de-CH" dirty="0" smtClean="0"/>
+          </a:p>
+          <a:p>
+            <a:pPr lvl="1"/>
+            <a:r>
+              <a:rPr lang="de-CH" dirty="0" smtClean="0"/>
+              <a:t>Groups </a:t>
+            </a:r>
+            <a:r>
+              <a:rPr lang="de-CH" dirty="0" err="1" smtClean="0"/>
+              <a:t>of</a:t>
+            </a:r>
+            <a:r>
+              <a:rPr lang="de-CH" dirty="0" smtClean="0"/>
+              <a:t> </a:t>
+            </a:r>
+            <a:r>
+              <a:rPr lang="de-CH" dirty="0" err="1" smtClean="0"/>
+              <a:t>agents</a:t>
+            </a:r>
+            <a:endParaRPr lang="de-CH" dirty="0"/>
           </a:p>
         </p:txBody>
       </p:sp>

--- a/presentation/Presentation.pptx
+++ b/presentation/Presentation.pptx
@@ -10,8 +10,8 @@
   <p:sldIdLst>
     <p:sldId id="256" r:id="rId2"/>
     <p:sldId id="257" r:id="rId3"/>
-    <p:sldId id="263" r:id="rId4"/>
-    <p:sldId id="276" r:id="rId5"/>
+    <p:sldId id="276" r:id="rId4"/>
+    <p:sldId id="263" r:id="rId5"/>
     <p:sldId id="278" r:id="rId6"/>
     <p:sldId id="258" r:id="rId7"/>
     <p:sldId id="259" r:id="rId8"/>
@@ -215,6 +215,7 @@
           <a:p>
             <a:fld id="{07362B95-C662-41FF-9568-06DA4A6A60C9}" type="datetimeFigureOut">
               <a:rPr lang="de-CH" smtClean="0"/>
+              <a:pPr/>
               <a:t>18.12.2012</a:t>
             </a:fld>
             <a:endParaRPr lang="de-CH"/>
@@ -376,6 +377,7 @@
           <a:p>
             <a:fld id="{BAAA3D3A-D023-45E8-8EA3-7B1A54BA81CA}" type="slidenum">
               <a:rPr lang="de-CH" smtClean="0"/>
+              <a:pPr/>
               <a:t>‹Nr.›</a:t>
             </a:fld>
             <a:endParaRPr lang="de-CH"/>
@@ -385,7 +387,7 @@
     </p:spTree>
     <p:extLst>
       <p:ext uri="{BB962C8B-B14F-4D97-AF65-F5344CB8AC3E}">
-        <p14:creationId xmlns:p14="http://schemas.microsoft.com/office/powerpoint/2010/main" val="624665701"/>
+        <p14:creationId xmlns:p14="http://schemas.microsoft.com/office/powerpoint/2010/main" xmlns="" val="624665701"/>
       </p:ext>
     </p:extLst>
   </p:cSld>
@@ -560,6 +562,7 @@
           <a:p>
             <a:fld id="{BAAA3D3A-D023-45E8-8EA3-7B1A54BA81CA}" type="slidenum">
               <a:rPr lang="de-CH" smtClean="0"/>
+              <a:pPr/>
               <a:t>1</a:t>
             </a:fld>
             <a:endParaRPr lang="de-CH"/>
@@ -647,6 +650,7 @@
           <a:p>
             <a:fld id="{BAAA3D3A-D023-45E8-8EA3-7B1A54BA81CA}" type="slidenum">
               <a:rPr lang="de-CH" smtClean="0"/>
+              <a:pPr/>
               <a:t>10</a:t>
             </a:fld>
             <a:endParaRPr lang="de-CH"/>
@@ -656,7 +660,7 @@
     </p:spTree>
     <p:extLst>
       <p:ext uri="{BB962C8B-B14F-4D97-AF65-F5344CB8AC3E}">
-        <p14:creationId xmlns:p14="http://schemas.microsoft.com/office/powerpoint/2010/main" val="282664730"/>
+        <p14:creationId xmlns:p14="http://schemas.microsoft.com/office/powerpoint/2010/main" xmlns="" val="282664730"/>
       </p:ext>
     </p:extLst>
   </p:cSld>
@@ -739,6 +743,7 @@
           <a:p>
             <a:fld id="{BAAA3D3A-D023-45E8-8EA3-7B1A54BA81CA}" type="slidenum">
               <a:rPr lang="de-CH" smtClean="0"/>
+              <a:pPr/>
               <a:t>11</a:t>
             </a:fld>
             <a:endParaRPr lang="de-CH"/>
@@ -748,7 +753,7 @@
     </p:spTree>
     <p:extLst>
       <p:ext uri="{BB962C8B-B14F-4D97-AF65-F5344CB8AC3E}">
-        <p14:creationId xmlns:p14="http://schemas.microsoft.com/office/powerpoint/2010/main" val="4061653966"/>
+        <p14:creationId xmlns:p14="http://schemas.microsoft.com/office/powerpoint/2010/main" xmlns="" val="4061653966"/>
       </p:ext>
     </p:extLst>
   </p:cSld>
@@ -891,6 +896,7 @@
           <a:p>
             <a:fld id="{BAAA3D3A-D023-45E8-8EA3-7B1A54BA81CA}" type="slidenum">
               <a:rPr lang="de-CH" smtClean="0"/>
+              <a:pPr/>
               <a:t>12</a:t>
             </a:fld>
             <a:endParaRPr lang="de-CH"/>
@@ -900,7 +906,7 @@
     </p:spTree>
     <p:extLst>
       <p:ext uri="{BB962C8B-B14F-4D97-AF65-F5344CB8AC3E}">
-        <p14:creationId xmlns:p14="http://schemas.microsoft.com/office/powerpoint/2010/main" val="324696021"/>
+        <p14:creationId xmlns:p14="http://schemas.microsoft.com/office/powerpoint/2010/main" xmlns="" val="324696021"/>
       </p:ext>
     </p:extLst>
   </p:cSld>
@@ -965,12 +971,12 @@
               <a:t> </a:t>
             </a:r>
             <a:r>
-              <a:rPr lang="de-CH" dirty="0" err="1" smtClean="0"/>
-              <a:t>bild</a:t>
-            </a:r>
-            <a:r>
-              <a:rPr lang="de-CH" dirty="0" smtClean="0"/>
-              <a:t> erstellen</a:t>
+              <a:rPr lang="de-CH" dirty="0" smtClean="0"/>
+              <a:t>Bild </a:t>
+            </a:r>
+            <a:r>
+              <a:rPr lang="de-CH" dirty="0" smtClean="0"/>
+              <a:t>erstellen</a:t>
             </a:r>
             <a:endParaRPr lang="de-CH" dirty="0"/>
           </a:p>
@@ -993,6 +999,7 @@
           <a:p>
             <a:fld id="{BAAA3D3A-D023-45E8-8EA3-7B1A54BA81CA}" type="slidenum">
               <a:rPr lang="de-CH" smtClean="0"/>
+              <a:pPr/>
               <a:t>13</a:t>
             </a:fld>
             <a:endParaRPr lang="de-CH"/>
@@ -1082,6 +1089,7 @@
           <a:p>
             <a:fld id="{BAAA3D3A-D023-45E8-8EA3-7B1A54BA81CA}" type="slidenum">
               <a:rPr lang="de-CH" smtClean="0"/>
+              <a:pPr/>
               <a:t>16</a:t>
             </a:fld>
             <a:endParaRPr lang="de-CH"/>
@@ -1144,11 +1152,31 @@
           <a:p>
             <a:r>
               <a:rPr lang="de-CH" dirty="0" smtClean="0"/>
-              <a:t>Mosi: Testreihen zeigen, eine ausführlich (Gangbreite),</a:t>
+              <a:t>Mosi: Testreihen zeigen, eine </a:t>
+            </a:r>
+            <a:r>
+              <a:rPr lang="de-CH" dirty="0" smtClean="0"/>
+              <a:t>genauer</a:t>
             </a:r>
             <a:r>
               <a:rPr lang="de-CH" baseline="0" dirty="0" smtClean="0"/>
-              <a:t> Rest gar nicht - kurz</a:t>
+              <a:t> </a:t>
+            </a:r>
+            <a:r>
+              <a:rPr lang="de-CH" dirty="0" smtClean="0"/>
+              <a:t>(Gangbreite</a:t>
+            </a:r>
+            <a:r>
+              <a:rPr lang="de-CH" dirty="0" smtClean="0"/>
+              <a:t>),</a:t>
+            </a:r>
+            <a:r>
+              <a:rPr lang="de-CH" baseline="0" dirty="0" smtClean="0"/>
+              <a:t> Rest </a:t>
+            </a:r>
+            <a:r>
+              <a:rPr lang="de-CH" baseline="0" dirty="0" smtClean="0"/>
+              <a:t>nur kurz ansprechen</a:t>
             </a:r>
             <a:endParaRPr lang="de-CH" dirty="0"/>
           </a:p>
@@ -1171,6 +1199,7 @@
           <a:p>
             <a:fld id="{BAAA3D3A-D023-45E8-8EA3-7B1A54BA81CA}" type="slidenum">
               <a:rPr lang="de-CH" smtClean="0"/>
+              <a:pPr/>
               <a:t>17</a:t>
             </a:fld>
             <a:endParaRPr lang="de-CH"/>
@@ -1268,6 +1297,7 @@
           <a:p>
             <a:fld id="{BAAA3D3A-D023-45E8-8EA3-7B1A54BA81CA}" type="slidenum">
               <a:rPr lang="de-CH" smtClean="0"/>
+              <a:pPr/>
               <a:t>20</a:t>
             </a:fld>
             <a:endParaRPr lang="de-CH"/>
@@ -1338,26 +1368,15 @@
             </a:r>
             <a:r>
               <a:rPr lang="de-CH" baseline="0" dirty="0" err="1" smtClean="0"/>
-              <a:t>obwohl</a:t>
-            </a:r>
-            <a:r>
-              <a:rPr lang="de-CH" sz="1200" kern="1200" dirty="0" err="1" smtClean="0">
-                <a:solidFill>
-                  <a:schemeClr val="tx1"/>
-                </a:solidFill>
-                <a:latin typeface="+mn-lt"/>
-                <a:ea typeface="+mn-ea"/>
-                <a:cs typeface="+mn-cs"/>
-              </a:rPr>
-              <a:t>‘</a:t>
-            </a:r>
-            <a:r>
-              <a:rPr lang="de-CH" baseline="0" dirty="0" err="1" smtClean="0"/>
-              <a:t>s</a:t>
+              <a:t>obwohls</a:t>
             </a:r>
             <a:r>
               <a:rPr lang="de-CH" baseline="0" dirty="0" smtClean="0"/>
-              <a:t> seine Grenzen (</a:t>
+              <a:t> </a:t>
+            </a:r>
+            <a:r>
+              <a:rPr lang="de-CH" baseline="0" dirty="0" smtClean="0"/>
+              <a:t>seine Grenzen (</a:t>
             </a:r>
             <a:r>
               <a:rPr lang="de-CH" baseline="0" dirty="0" err="1" smtClean="0"/>
@@ -1388,6 +1407,7 @@
           <a:p>
             <a:fld id="{BAAA3D3A-D023-45E8-8EA3-7B1A54BA81CA}" type="slidenum">
               <a:rPr lang="de-CH" smtClean="0"/>
+              <a:pPr/>
               <a:t>23</a:t>
             </a:fld>
             <a:endParaRPr lang="de-CH"/>
@@ -1473,6 +1493,7 @@
           <a:p>
             <a:fld id="{BAAA3D3A-D023-45E8-8EA3-7B1A54BA81CA}" type="slidenum">
               <a:rPr lang="de-CH" smtClean="0"/>
+              <a:pPr/>
               <a:t>24</a:t>
             </a:fld>
             <a:endParaRPr lang="de-CH"/>
@@ -1539,9 +1560,12 @@
             </a:r>
             <a:r>
               <a:rPr lang="de-CH" baseline="0" dirty="0" smtClean="0"/>
-              <a:t> ausschmücken</a:t>
-            </a:r>
-            <a:endParaRPr lang="de-CH" dirty="0"/>
+              <a:t> </a:t>
+            </a:r>
+            <a:r>
+              <a:rPr lang="de-CH" baseline="0" dirty="0" smtClean="0"/>
+              <a:t>ausschmücken, aber nicht allzu stark</a:t>
+            </a:r>
           </a:p>
         </p:txBody>
       </p:sp>
@@ -1562,6 +1586,7 @@
           <a:p>
             <a:fld id="{BAAA3D3A-D023-45E8-8EA3-7B1A54BA81CA}" type="slidenum">
               <a:rPr lang="de-CH" smtClean="0"/>
+              <a:pPr/>
               <a:t>2</a:t>
             </a:fld>
             <a:endParaRPr lang="de-CH"/>
@@ -1631,15 +1656,21 @@
               <a:t> </a:t>
             </a:r>
             <a:r>
-              <a:rPr lang="de-CH" baseline="0" dirty="0" err="1" smtClean="0"/>
-              <a:t>Idee&amp;Motivation</a:t>
-            </a:r>
-            <a:r>
               <a:rPr lang="de-CH" baseline="0" dirty="0" smtClean="0"/>
-              <a:t>, Grundidee - hier: Auslöser der Idee</a:t>
-            </a:r>
-          </a:p>
-          <a:p>
+              <a:t>Idee &amp; Motivation</a:t>
+            </a:r>
+            <a:r>
+              <a:rPr lang="de-CH" baseline="0" dirty="0" smtClean="0"/>
+              <a:t>, Grundidee – Überblick </a:t>
+            </a:r>
+            <a:r>
+              <a:rPr lang="de-CH" baseline="0" dirty="0" smtClean="0"/>
+              <a:t>Situation </a:t>
+            </a:r>
+            <a:r>
+              <a:rPr lang="de-CH" baseline="0" dirty="0" smtClean="0"/>
+              <a:t>„wovon rede ich“</a:t>
+            </a:r>
             <a:endParaRPr lang="de-CH" dirty="0"/>
           </a:p>
         </p:txBody>
@@ -1661,6 +1692,7 @@
           <a:p>
             <a:fld id="{BAAA3D3A-D023-45E8-8EA3-7B1A54BA81CA}" type="slidenum">
               <a:rPr lang="de-CH" smtClean="0"/>
+              <a:pPr/>
               <a:t>3</a:t>
             </a:fld>
             <a:endParaRPr lang="de-CH"/>
@@ -1730,21 +1762,15 @@
               <a:t> </a:t>
             </a:r>
             <a:r>
-              <a:rPr lang="de-CH" baseline="0" dirty="0" err="1" smtClean="0"/>
-              <a:t>Idee&amp;Motivation</a:t>
-            </a:r>
-            <a:r>
               <a:rPr lang="de-CH" baseline="0" dirty="0" smtClean="0"/>
-              <a:t>, Grundidee – Überblick </a:t>
-            </a:r>
-            <a:r>
-              <a:rPr lang="de-CH" baseline="0" dirty="0" err="1" smtClean="0"/>
-              <a:t>situation</a:t>
+              <a:t>Idee &amp; Motivation</a:t>
             </a:r>
             <a:r>
               <a:rPr lang="de-CH" baseline="0" dirty="0" smtClean="0"/>
-              <a:t> „wovon rede ich“</a:t>
-            </a:r>
+              <a:t>, Grundidee - hier: Auslöser der Idee</a:t>
+            </a:r>
+          </a:p>
+          <a:p>
             <a:endParaRPr lang="de-CH" dirty="0"/>
           </a:p>
         </p:txBody>
@@ -1766,6 +1792,7 @@
           <a:p>
             <a:fld id="{BAAA3D3A-D023-45E8-8EA3-7B1A54BA81CA}" type="slidenum">
               <a:rPr lang="de-CH" smtClean="0"/>
+              <a:pPr/>
               <a:t>4</a:t>
             </a:fld>
             <a:endParaRPr lang="de-CH"/>
@@ -1852,24 +1879,24 @@
               <a:t> </a:t>
             </a:r>
             <a:r>
-              <a:rPr lang="de-CH" baseline="0" dirty="0" err="1" smtClean="0"/>
-              <a:t>Idee&amp;Motivation</a:t>
+              <a:rPr lang="de-CH" baseline="0" dirty="0" smtClean="0"/>
+              <a:t>Idee &amp; Motivation</a:t>
             </a:r>
             <a:r>
               <a:rPr lang="de-CH" baseline="0" dirty="0" smtClean="0"/>
               <a:t>, Grundidee – Was ist speziell an unserem </a:t>
             </a:r>
             <a:r>
-              <a:rPr lang="de-CH" baseline="0" dirty="0" err="1" smtClean="0"/>
-              <a:t>modell</a:t>
+              <a:rPr lang="de-CH" baseline="0" dirty="0" smtClean="0"/>
+              <a:t>Modell</a:t>
             </a:r>
             <a:r>
               <a:rPr lang="de-CH" baseline="0" dirty="0" smtClean="0"/>
               <a:t>, unseren </a:t>
             </a:r>
             <a:r>
-              <a:rPr lang="de-CH" baseline="0" dirty="0" err="1" smtClean="0"/>
-              <a:t>ideen</a:t>
+              <a:rPr lang="de-CH" baseline="0" dirty="0" smtClean="0"/>
+              <a:t>Ideen</a:t>
             </a:r>
             <a:r>
               <a:rPr lang="de-CH" baseline="0" dirty="0" smtClean="0"/>
@@ -1896,6 +1923,7 @@
           <a:p>
             <a:fld id="{BAAA3D3A-D023-45E8-8EA3-7B1A54BA81CA}" type="slidenum">
               <a:rPr lang="de-CH" smtClean="0"/>
+              <a:pPr/>
               <a:t>5</a:t>
             </a:fld>
             <a:endParaRPr lang="de-CH"/>
@@ -1991,6 +2019,7 @@
           <a:p>
             <a:fld id="{BAAA3D3A-D023-45E8-8EA3-7B1A54BA81CA}" type="slidenum">
               <a:rPr lang="de-CH" smtClean="0"/>
+              <a:pPr/>
               <a:t>6</a:t>
             </a:fld>
             <a:endParaRPr lang="de-CH"/>
@@ -2078,6 +2107,7 @@
           <a:p>
             <a:fld id="{BAAA3D3A-D023-45E8-8EA3-7B1A54BA81CA}" type="slidenum">
               <a:rPr lang="de-CH" smtClean="0"/>
+              <a:pPr/>
               <a:t>7</a:t>
             </a:fld>
             <a:endParaRPr lang="de-CH"/>
@@ -2087,7 +2117,7 @@
     </p:spTree>
     <p:extLst>
       <p:ext uri="{BB962C8B-B14F-4D97-AF65-F5344CB8AC3E}">
-        <p14:creationId xmlns:p14="http://schemas.microsoft.com/office/powerpoint/2010/main" val="1419291677"/>
+        <p14:creationId xmlns:p14="http://schemas.microsoft.com/office/powerpoint/2010/main" xmlns="" val="1419291677"/>
       </p:ext>
     </p:extLst>
   </p:cSld>
@@ -2170,6 +2200,7 @@
           <a:p>
             <a:fld id="{BAAA3D3A-D023-45E8-8EA3-7B1A54BA81CA}" type="slidenum">
               <a:rPr lang="de-CH" smtClean="0"/>
+              <a:pPr/>
               <a:t>8</a:t>
             </a:fld>
             <a:endParaRPr lang="de-CH"/>
@@ -2179,7 +2210,7 @@
     </p:spTree>
     <p:extLst>
       <p:ext uri="{BB962C8B-B14F-4D97-AF65-F5344CB8AC3E}">
-        <p14:creationId xmlns:p14="http://schemas.microsoft.com/office/powerpoint/2010/main" val="1364280645"/>
+        <p14:creationId xmlns:p14="http://schemas.microsoft.com/office/powerpoint/2010/main" xmlns="" val="1364280645"/>
       </p:ext>
     </p:extLst>
   </p:cSld>
@@ -2261,6 +2292,7 @@
           <a:p>
             <a:fld id="{BAAA3D3A-D023-45E8-8EA3-7B1A54BA81CA}" type="slidenum">
               <a:rPr lang="de-CH" smtClean="0"/>
+              <a:pPr/>
               <a:t>9</a:t>
             </a:fld>
             <a:endParaRPr lang="de-CH"/>
@@ -2270,7 +2302,7 @@
     </p:spTree>
     <p:extLst>
       <p:ext uri="{BB962C8B-B14F-4D97-AF65-F5344CB8AC3E}">
-        <p14:creationId xmlns:p14="http://schemas.microsoft.com/office/powerpoint/2010/main" val="2930191362"/>
+        <p14:creationId xmlns:p14="http://schemas.microsoft.com/office/powerpoint/2010/main" xmlns="" val="2930191362"/>
       </p:ext>
     </p:extLst>
   </p:cSld>
@@ -6116,7 +6148,9 @@
           </a:xfrm>
         </p:spPr>
         <p:txBody>
-          <a:bodyPr/>
+          <a:bodyPr>
+            <a:normAutofit/>
+          </a:bodyPr>
           <a:lstStyle/>
           <a:p>
             <a:r>
@@ -6141,11 +6175,15 @@
               <a:rPr lang="de-CH" dirty="0" smtClean="0"/>
             </a:br>
             <a:r>
-              <a:rPr lang="de-CH" dirty="0" smtClean="0"/>
+              <a:rPr lang="de-CH" sz="2300" dirty="0" smtClean="0"/>
+              <a:t>https://github.com/ratheile/msssm</a:t>
+            </a:r>
+            <a:r>
+              <a:rPr lang="de-CH" sz="2000" dirty="0" smtClean="0"/>
               <a:t/>
             </a:r>
             <a:br>
-              <a:rPr lang="de-CH" dirty="0" smtClean="0"/>
+              <a:rPr lang="de-CH" sz="2000" dirty="0" smtClean="0"/>
             </a:br>
             <a:r>
               <a:rPr lang="de-CH" dirty="0" smtClean="0"/>
@@ -6304,7 +6342,7 @@
           <a:blip r:embed="rId3" cstate="print">
             <a:extLst>
               <a:ext uri="{28A0092B-C50C-407E-A947-70E740481C1C}">
-                <a14:useLocalDpi xmlns:a14="http://schemas.microsoft.com/office/drawing/2010/main" val="0"/>
+                <a14:useLocalDpi xmlns:a14="http://schemas.microsoft.com/office/drawing/2010/main" xmlns="" val="0"/>
               </a:ext>
             </a:extLst>
           </a:blip>
@@ -6328,14 +6366,14 @@
           <a:effectLst/>
           <a:extLst>
             <a:ext uri="{909E8E84-426E-40DD-AFC4-6F175D3DCCD1}">
-              <a14:hiddenFill xmlns:a14="http://schemas.microsoft.com/office/drawing/2010/main">
+              <a14:hiddenFill xmlns:a14="http://schemas.microsoft.com/office/drawing/2010/main" xmlns="">
                 <a:solidFill>
                   <a:schemeClr val="accent1"/>
                 </a:solidFill>
               </a14:hiddenFill>
             </a:ext>
             <a:ext uri="{91240B29-F687-4F45-9708-019B960494DF}">
-              <a14:hiddenLine xmlns:a14="http://schemas.microsoft.com/office/drawing/2010/main" w="9525">
+              <a14:hiddenLine xmlns:a14="http://schemas.microsoft.com/office/drawing/2010/main" xmlns="" w="9525">
                 <a:solidFill>
                   <a:schemeClr val="tx1"/>
                 </a:solidFill>
@@ -6345,7 +6383,7 @@
               </a14:hiddenLine>
             </a:ext>
             <a:ext uri="{AF507438-7753-43E0-B8FC-AC1667EBCBE1}">
-              <a14:hiddenEffects xmlns:a14="http://schemas.microsoft.com/office/drawing/2010/main">
+              <a14:hiddenEffects xmlns:a14="http://schemas.microsoft.com/office/drawing/2010/main" xmlns="">
                 <a:effectLst>
                   <a:outerShdw dist="35921" dir="2700000" algn="ctr" rotWithShape="0">
                     <a:schemeClr val="bg2"/>
@@ -6368,7 +6406,7 @@
           <a:blip r:embed="rId4" cstate="print">
             <a:extLst>
               <a:ext uri="{28A0092B-C50C-407E-A947-70E740481C1C}">
-                <a14:useLocalDpi xmlns:a14="http://schemas.microsoft.com/office/drawing/2010/main" val="0"/>
+                <a14:useLocalDpi xmlns:a14="http://schemas.microsoft.com/office/drawing/2010/main" xmlns="" val="0"/>
               </a:ext>
             </a:extLst>
           </a:blip>
@@ -6388,7 +6426,7 @@
           <a:noFill/>
           <a:extLst>
             <a:ext uri="{909E8E84-426E-40DD-AFC4-6F175D3DCCD1}">
-              <a14:hiddenFill xmlns:a14="http://schemas.microsoft.com/office/drawing/2010/main">
+              <a14:hiddenFill xmlns:a14="http://schemas.microsoft.com/office/drawing/2010/main" xmlns="">
                 <a:solidFill>
                   <a:srgbClr val="FFFFFF"/>
                 </a:solidFill>
@@ -6529,7 +6567,7 @@
           <a:blip r:embed="rId3" cstate="print">
             <a:extLst>
               <a:ext uri="{28A0092B-C50C-407E-A947-70E740481C1C}">
-                <a14:useLocalDpi xmlns:a14="http://schemas.microsoft.com/office/drawing/2010/main" val="0"/>
+                <a14:useLocalDpi xmlns:a14="http://schemas.microsoft.com/office/drawing/2010/main" xmlns="" val="0"/>
               </a:ext>
             </a:extLst>
           </a:blip>
@@ -6553,14 +6591,14 @@
           <a:effectLst/>
           <a:extLst>
             <a:ext uri="{909E8E84-426E-40DD-AFC4-6F175D3DCCD1}">
-              <a14:hiddenFill xmlns:a14="http://schemas.microsoft.com/office/drawing/2010/main">
+              <a14:hiddenFill xmlns:a14="http://schemas.microsoft.com/office/drawing/2010/main" xmlns="">
                 <a:solidFill>
                   <a:schemeClr val="accent1"/>
                 </a:solidFill>
               </a14:hiddenFill>
             </a:ext>
             <a:ext uri="{91240B29-F687-4F45-9708-019B960494DF}">
-              <a14:hiddenLine xmlns:a14="http://schemas.microsoft.com/office/drawing/2010/main" w="9525">
+              <a14:hiddenLine xmlns:a14="http://schemas.microsoft.com/office/drawing/2010/main" xmlns="" w="9525">
                 <a:solidFill>
                   <a:schemeClr val="tx1"/>
                 </a:solidFill>
@@ -6570,7 +6608,7 @@
               </a14:hiddenLine>
             </a:ext>
             <a:ext uri="{AF507438-7753-43E0-B8FC-AC1667EBCBE1}">
-              <a14:hiddenEffects xmlns:a14="http://schemas.microsoft.com/office/drawing/2010/main">
+              <a14:hiddenEffects xmlns:a14="http://schemas.microsoft.com/office/drawing/2010/main" xmlns="">
                 <a:effectLst>
                   <a:outerShdw dist="35921" dir="2700000" algn="ctr" rotWithShape="0">
                     <a:schemeClr val="bg2"/>
@@ -6593,7 +6631,7 @@
           <a:blip r:embed="rId4" cstate="print">
             <a:extLst>
               <a:ext uri="{28A0092B-C50C-407E-A947-70E740481C1C}">
-                <a14:useLocalDpi xmlns:a14="http://schemas.microsoft.com/office/drawing/2010/main" val="0"/>
+                <a14:useLocalDpi xmlns:a14="http://schemas.microsoft.com/office/drawing/2010/main" xmlns="" val="0"/>
               </a:ext>
             </a:extLst>
           </a:blip>
@@ -6613,7 +6651,7 @@
           <a:noFill/>
           <a:extLst>
             <a:ext uri="{909E8E84-426E-40DD-AFC4-6F175D3DCCD1}">
-              <a14:hiddenFill xmlns:a14="http://schemas.microsoft.com/office/drawing/2010/main">
+              <a14:hiddenFill xmlns:a14="http://schemas.microsoft.com/office/drawing/2010/main" xmlns="">
                 <a:solidFill>
                   <a:srgbClr val="FFFFFF"/>
                 </a:solidFill>
@@ -6947,42 +6985,39 @@
         <p:spPr/>
         <p:txBody>
           <a:bodyPr>
-            <a:normAutofit fontScale="90000"/>
+            <a:noAutofit/>
           </a:bodyPr>
           <a:lstStyle/>
           <a:p>
             <a:r>
-              <a:rPr lang="de-CH" dirty="0" smtClean="0"/>
-              <a:t>Realisation:</a:t>
-            </a:r>
-            <a:br>
-              <a:rPr lang="de-CH" dirty="0" smtClean="0"/>
-            </a:br>
-            <a:r>
-              <a:rPr lang="de-CH" dirty="0" smtClean="0"/>
-              <a:t>Drawing </a:t>
-            </a:r>
-            <a:r>
-              <a:rPr lang="de-CH" dirty="0" err="1" smtClean="0"/>
+              <a:rPr lang="de-CH" sz="4250" dirty="0" smtClean="0"/>
+              <a:t>Realisation</a:t>
+            </a:r>
+            <a:r>
+              <a:rPr lang="de-CH" sz="4250" dirty="0" smtClean="0"/>
+              <a:t>: Drawing </a:t>
+            </a:r>
+            <a:r>
+              <a:rPr lang="de-CH" sz="4250" dirty="0" err="1" smtClean="0"/>
               <a:t>of</a:t>
             </a:r>
             <a:r>
-              <a:rPr lang="de-CH" dirty="0" smtClean="0"/>
-              <a:t> </a:t>
-            </a:r>
-            <a:r>
-              <a:rPr lang="de-CH" dirty="0" err="1" smtClean="0"/>
+              <a:rPr lang="de-CH" sz="4250" dirty="0" smtClean="0"/>
+              <a:t> </a:t>
+            </a:r>
+            <a:r>
+              <a:rPr lang="de-CH" sz="4250" dirty="0" err="1" smtClean="0"/>
               <a:t>field</a:t>
             </a:r>
             <a:r>
-              <a:rPr lang="de-CH" dirty="0" smtClean="0"/>
+              <a:rPr lang="de-CH" sz="4250" dirty="0" smtClean="0"/>
               <a:t> &amp; </a:t>
             </a:r>
             <a:r>
-              <a:rPr lang="de-CH" dirty="0" err="1" smtClean="0"/>
+              <a:rPr lang="de-CH" sz="4250" dirty="0" err="1" smtClean="0"/>
               <a:t>agents</a:t>
             </a:r>
-            <a:endParaRPr lang="de-CH" dirty="0"/>
+            <a:endParaRPr lang="de-CH" sz="4250" dirty="0"/>
           </a:p>
         </p:txBody>
       </p:sp>
@@ -7079,10 +7114,10 @@
           <p:nvPr/>
         </p:nvPicPr>
         <p:blipFill>
-          <a:blip r:embed="rId3">
+          <a:blip r:embed="rId3" cstate="print">
             <a:extLst>
               <a:ext uri="{28A0092B-C50C-407E-A947-70E740481C1C}">
-                <a14:useLocalDpi xmlns:a14="http://schemas.microsoft.com/office/drawing/2010/main" val="0"/>
+                <a14:useLocalDpi xmlns:a14="http://schemas.microsoft.com/office/drawing/2010/main" xmlns="" val="0"/>
               </a:ext>
             </a:extLst>
           </a:blip>
@@ -7102,7 +7137,7 @@
           <a:noFill/>
           <a:extLst>
             <a:ext uri="{909E8E84-426E-40DD-AFC4-6F175D3DCCD1}">
-              <a14:hiddenFill xmlns:a14="http://schemas.microsoft.com/office/drawing/2010/main">
+              <a14:hiddenFill xmlns:a14="http://schemas.microsoft.com/office/drawing/2010/main" xmlns="">
                 <a:solidFill>
                   <a:srgbClr val="FFFFFF"/>
                 </a:solidFill>
@@ -7163,29 +7198,10 @@
               <a:t>Realisation: Class </a:t>
             </a:r>
             <a:r>
-              <a:rPr lang="de-CH" dirty="0" err="1" smtClean="0"/>
+              <a:rPr lang="en-US" dirty="0" smtClean="0"/>
               <a:t>Diagram</a:t>
             </a:r>
-            <a:endParaRPr lang="de-CH" dirty="0"/>
-          </a:p>
-        </p:txBody>
-      </p:sp>
-      <p:sp>
-        <p:nvSpPr>
-          <p:cNvPr id="3" name="Inhaltsplatzhalter 2"/>
-          <p:cNvSpPr>
-            <a:spLocks noGrp="1"/>
-          </p:cNvSpPr>
-          <p:nvPr>
-            <p:ph idx="1"/>
-          </p:nvPr>
-        </p:nvSpPr>
-        <p:spPr/>
-        <p:txBody>
-          <a:bodyPr/>
-          <a:lstStyle/>
-          <a:p>
-            <a:endParaRPr lang="de-CH" dirty="0"/>
+            <a:endParaRPr lang="en-US" dirty="0"/>
           </a:p>
         </p:txBody>
       </p:sp>
@@ -7198,10 +7214,10 @@
           <p:nvPr/>
         </p:nvPicPr>
         <p:blipFill>
-          <a:blip r:embed="rId2">
+          <a:blip r:embed="rId2" cstate="print">
             <a:extLst>
               <a:ext uri="{28A0092B-C50C-407E-A947-70E740481C1C}">
-                <a14:useLocalDpi xmlns:a14="http://schemas.microsoft.com/office/drawing/2010/main" val="0"/>
+                <a14:useLocalDpi xmlns:a14="http://schemas.microsoft.com/office/drawing/2010/main" xmlns="" val="0"/>
               </a:ext>
             </a:extLst>
           </a:blip>
@@ -7212,7 +7228,7 @@
         </p:blipFill>
         <p:spPr bwMode="auto">
           <a:xfrm>
-            <a:off x="323528" y="1844824"/>
+            <a:off x="1565511" y="1844824"/>
             <a:ext cx="6012978" cy="4604533"/>
           </a:xfrm>
           <a:prstGeom prst="rect">
@@ -7221,7 +7237,7 @@
           <a:noFill/>
           <a:extLst>
             <a:ext uri="{909E8E84-426E-40DD-AFC4-6F175D3DCCD1}">
-              <a14:hiddenFill xmlns:a14="http://schemas.microsoft.com/office/drawing/2010/main">
+              <a14:hiddenFill xmlns:a14="http://schemas.microsoft.com/office/drawing/2010/main" xmlns="">
                 <a:solidFill>
                   <a:srgbClr val="FFFFFF"/>
                 </a:solidFill>
@@ -7233,7 +7249,7 @@
     </p:spTree>
     <p:extLst>
       <p:ext uri="{BB962C8B-B14F-4D97-AF65-F5344CB8AC3E}">
-        <p14:creationId xmlns:p14="http://schemas.microsoft.com/office/powerpoint/2010/main" val="1616343719"/>
+        <p14:creationId xmlns:p14="http://schemas.microsoft.com/office/powerpoint/2010/main" xmlns="" val="1616343719"/>
       </p:ext>
     </p:extLst>
   </p:cSld>
@@ -7526,7 +7542,7 @@
             </a:r>
             <a:r>
               <a:rPr lang="de-CH" dirty="0" err="1" smtClean="0"/>
-              <a:t>its</a:t>
+              <a:t>it</a:t>
             </a:r>
             <a:endParaRPr lang="de-CH" dirty="0"/>
           </a:p>
@@ -8323,7 +8339,11 @@
           <a:p>
             <a:r>
               <a:rPr lang="en-US" dirty="0" smtClean="0"/>
-              <a:t>Introduction, motivation &amp; basic idea</a:t>
+              <a:t>Introduction &amp; </a:t>
+            </a:r>
+            <a:r>
+              <a:rPr lang="en-US" dirty="0" smtClean="0"/>
+              <a:t>basic idea</a:t>
             </a:r>
           </a:p>
           <a:p>
@@ -8440,7 +8460,7 @@
           <a:blip r:embed="rId3" cstate="print">
             <a:extLst>
               <a:ext uri="{28A0092B-C50C-407E-A947-70E740481C1C}">
-                <a14:useLocalDpi xmlns:a14="http://schemas.microsoft.com/office/drawing/2010/main" val="0"/>
+                <a14:useLocalDpi xmlns:a14="http://schemas.microsoft.com/office/drawing/2010/main" xmlns="" val="0"/>
               </a:ext>
             </a:extLst>
           </a:blip>
@@ -8460,7 +8480,7 @@
           <a:noFill/>
           <a:extLst>
             <a:ext uri="{909E8E84-426E-40DD-AFC4-6F175D3DCCD1}">
-              <a14:hiddenFill xmlns:a14="http://schemas.microsoft.com/office/drawing/2010/main">
+              <a14:hiddenFill xmlns:a14="http://schemas.microsoft.com/office/drawing/2010/main" xmlns="">
                 <a:solidFill>
                   <a:srgbClr val="FFFFFF"/>
                 </a:solidFill>
@@ -9499,7 +9519,7 @@
             </a:r>
             <a:r>
               <a:rPr lang="de-CH" dirty="0" err="1" smtClean="0"/>
-              <a:t>shapese</a:t>
+              <a:t>shapes</a:t>
             </a:r>
             <a:endParaRPr lang="de-CH" dirty="0" smtClean="0"/>
           </a:p>
@@ -9715,7 +9735,11 @@
           <a:p>
             <a:r>
               <a:rPr lang="en-US" dirty="0" smtClean="0"/>
-              <a:t>Intro, motivation &amp; basic idea</a:t>
+              <a:t>Introduction &amp; </a:t>
+            </a:r>
+            <a:r>
+              <a:rPr lang="en-US" dirty="0" smtClean="0"/>
+              <a:t>basic idea</a:t>
             </a:r>
             <a:endParaRPr lang="de-CH" dirty="0"/>
           </a:p>
@@ -9723,7 +9747,7 @@
       </p:sp>
       <p:pic>
         <p:nvPicPr>
-          <p:cNvPr id="1026" name="Picture 2" descr="C:\Users\Ueli\Desktop\oktoberfest2.jpg"/>
+          <p:cNvPr id="2050" name="Picture 2" descr="C:\Users\Ueli\Desktop\HBPlan.jpg"/>
           <p:cNvPicPr>
             <a:picLocks noChangeAspect="1" noChangeArrowheads="1"/>
           </p:cNvPicPr>
@@ -9738,8 +9762,8 @@
         </p:blipFill>
         <p:spPr bwMode="auto">
           <a:xfrm>
-            <a:off x="701570" y="2132856"/>
-            <a:ext cx="7740860" cy="4354234"/>
+            <a:off x="251520" y="2204864"/>
+            <a:ext cx="8587439" cy="3940036"/>
           </a:xfrm>
           <a:prstGeom prst="rect">
             <a:avLst/>
@@ -9747,6 +9771,36 @@
           <a:noFill/>
         </p:spPr>
       </p:pic>
+      <p:sp>
+        <p:nvSpPr>
+          <p:cNvPr id="4" name="Textfeld 3"/>
+          <p:cNvSpPr txBox="1"/>
+          <p:nvPr/>
+        </p:nvSpPr>
+        <p:spPr>
+          <a:xfrm>
+            <a:off x="7559824" y="6237312"/>
+            <a:ext cx="1584176" cy="369332"/>
+          </a:xfrm>
+          <a:prstGeom prst="rect">
+            <a:avLst/>
+          </a:prstGeom>
+          <a:noFill/>
+        </p:spPr>
+        <p:txBody>
+          <a:bodyPr wrap="square" rtlCol="0">
+            <a:spAutoFit/>
+          </a:bodyPr>
+          <a:lstStyle/>
+          <a:p>
+            <a:r>
+              <a:rPr lang="de-CH" dirty="0" smtClean="0"/>
+              <a:t>www.sbb.ch</a:t>
+            </a:r>
+            <a:endParaRPr lang="de-CH" dirty="0"/>
+          </a:p>
+        </p:txBody>
+      </p:sp>
     </p:spTree>
   </p:cSld>
   <p:clrMapOvr>
@@ -9798,7 +9852,11 @@
           <a:p>
             <a:r>
               <a:rPr lang="en-US" dirty="0" smtClean="0"/>
-              <a:t>Intro, motivation &amp; basic idea</a:t>
+              <a:t>Introduction &amp; </a:t>
+            </a:r>
+            <a:r>
+              <a:rPr lang="en-US" dirty="0" smtClean="0"/>
+              <a:t>basic idea</a:t>
             </a:r>
             <a:endParaRPr lang="de-CH" dirty="0"/>
           </a:p>
@@ -9806,7 +9864,7 @@
       </p:sp>
       <p:pic>
         <p:nvPicPr>
-          <p:cNvPr id="2050" name="Picture 2" descr="C:\Users\Ueli\Desktop\HBPlan.jpg"/>
+          <p:cNvPr id="1026" name="Picture 2" descr="C:\Users\Ueli\Desktop\oktoberfest2.jpg"/>
           <p:cNvPicPr>
             <a:picLocks noChangeAspect="1" noChangeArrowheads="1"/>
           </p:cNvPicPr>
@@ -9821,8 +9879,8 @@
         </p:blipFill>
         <p:spPr bwMode="auto">
           <a:xfrm>
-            <a:off x="251520" y="2204864"/>
-            <a:ext cx="8587439" cy="3940036"/>
+            <a:off x="701570" y="2132856"/>
+            <a:ext cx="7740860" cy="4354234"/>
           </a:xfrm>
           <a:prstGeom prst="rect">
             <a:avLst/>
@@ -10548,7 +10606,7 @@
           <a:blip r:embed="rId3" cstate="print">
             <a:extLst>
               <a:ext uri="{28A0092B-C50C-407E-A947-70E740481C1C}">
-                <a14:useLocalDpi xmlns:a14="http://schemas.microsoft.com/office/drawing/2010/main" val="0"/>
+                <a14:useLocalDpi xmlns:a14="http://schemas.microsoft.com/office/drawing/2010/main" xmlns="" val="0"/>
               </a:ext>
             </a:extLst>
           </a:blip>
@@ -10572,14 +10630,14 @@
           <a:effectLst/>
           <a:extLst>
             <a:ext uri="{909E8E84-426E-40DD-AFC4-6F175D3DCCD1}">
-              <a14:hiddenFill xmlns:a14="http://schemas.microsoft.com/office/drawing/2010/main">
+              <a14:hiddenFill xmlns:a14="http://schemas.microsoft.com/office/drawing/2010/main" xmlns="">
                 <a:solidFill>
                   <a:schemeClr val="accent1"/>
                 </a:solidFill>
               </a14:hiddenFill>
             </a:ext>
             <a:ext uri="{91240B29-F687-4F45-9708-019B960494DF}">
-              <a14:hiddenLine xmlns:a14="http://schemas.microsoft.com/office/drawing/2010/main" w="9525">
+              <a14:hiddenLine xmlns:a14="http://schemas.microsoft.com/office/drawing/2010/main" xmlns="" w="9525">
                 <a:solidFill>
                   <a:schemeClr val="tx1"/>
                 </a:solidFill>
@@ -10589,7 +10647,7 @@
               </a14:hiddenLine>
             </a:ext>
             <a:ext uri="{AF507438-7753-43E0-B8FC-AC1667EBCBE1}">
-              <a14:hiddenEffects xmlns:a14="http://schemas.microsoft.com/office/drawing/2010/main">
+              <a14:hiddenEffects xmlns:a14="http://schemas.microsoft.com/office/drawing/2010/main" xmlns="">
                 <a:effectLst>
                   <a:outerShdw dist="35921" dir="2700000" algn="ctr" rotWithShape="0">
                     <a:schemeClr val="bg2"/>
@@ -10769,7 +10827,7 @@
           <a:blip r:embed="rId4" cstate="print">
             <a:extLst>
               <a:ext uri="{28A0092B-C50C-407E-A947-70E740481C1C}">
-                <a14:useLocalDpi xmlns:a14="http://schemas.microsoft.com/office/drawing/2010/main" val="0"/>
+                <a14:useLocalDpi xmlns:a14="http://schemas.microsoft.com/office/drawing/2010/main" xmlns="" val="0"/>
               </a:ext>
             </a:extLst>
           </a:blip>
@@ -10789,7 +10847,7 @@
           <a:noFill/>
           <a:extLst>
             <a:ext uri="{909E8E84-426E-40DD-AFC4-6F175D3DCCD1}">
-              <a14:hiddenFill xmlns:a14="http://schemas.microsoft.com/office/drawing/2010/main">
+              <a14:hiddenFill xmlns:a14="http://schemas.microsoft.com/office/drawing/2010/main" xmlns="">
                 <a:solidFill>
                   <a:srgbClr val="FFFFFF"/>
                 </a:solidFill>
@@ -10810,7 +10868,7 @@
           <a:blip r:embed="rId5" cstate="print">
             <a:extLst>
               <a:ext uri="{28A0092B-C50C-407E-A947-70E740481C1C}">
-                <a14:useLocalDpi xmlns:a14="http://schemas.microsoft.com/office/drawing/2010/main" val="0"/>
+                <a14:useLocalDpi xmlns:a14="http://schemas.microsoft.com/office/drawing/2010/main" xmlns="" val="0"/>
               </a:ext>
             </a:extLst>
           </a:blip>
@@ -10830,7 +10888,7 @@
           <a:noFill/>
           <a:extLst>
             <a:ext uri="{909E8E84-426E-40DD-AFC4-6F175D3DCCD1}">
-              <a14:hiddenFill xmlns:a14="http://schemas.microsoft.com/office/drawing/2010/main">
+              <a14:hiddenFill xmlns:a14="http://schemas.microsoft.com/office/drawing/2010/main" xmlns="">
                 <a:solidFill>
                   <a:srgbClr val="FFFFFF"/>
                 </a:solidFill>
@@ -10969,7 +11027,7 @@
           <a:blip r:embed="rId3" cstate="print">
             <a:extLst>
               <a:ext uri="{28A0092B-C50C-407E-A947-70E740481C1C}">
-                <a14:useLocalDpi xmlns:a14="http://schemas.microsoft.com/office/drawing/2010/main" val="0"/>
+                <a14:useLocalDpi xmlns:a14="http://schemas.microsoft.com/office/drawing/2010/main" xmlns="" val="0"/>
               </a:ext>
             </a:extLst>
           </a:blip>
@@ -10989,7 +11047,7 @@
           <a:noFill/>
           <a:extLst>
             <a:ext uri="{909E8E84-426E-40DD-AFC4-6F175D3DCCD1}">
-              <a14:hiddenFill xmlns:a14="http://schemas.microsoft.com/office/drawing/2010/main">
+              <a14:hiddenFill xmlns:a14="http://schemas.microsoft.com/office/drawing/2010/main" xmlns="">
                 <a:solidFill>
                   <a:srgbClr val="FFFFFF"/>
                 </a:solidFill>
@@ -11010,7 +11068,7 @@
           <a:blip r:embed="rId4" cstate="print">
             <a:extLst>
               <a:ext uri="{28A0092B-C50C-407E-A947-70E740481C1C}">
-                <a14:useLocalDpi xmlns:a14="http://schemas.microsoft.com/office/drawing/2010/main" val="0"/>
+                <a14:useLocalDpi xmlns:a14="http://schemas.microsoft.com/office/drawing/2010/main" xmlns="" val="0"/>
               </a:ext>
             </a:extLst>
           </a:blip>
@@ -11030,7 +11088,7 @@
           <a:noFill/>
           <a:extLst>
             <a:ext uri="{909E8E84-426E-40DD-AFC4-6F175D3DCCD1}">
-              <a14:hiddenFill xmlns:a14="http://schemas.microsoft.com/office/drawing/2010/main">
+              <a14:hiddenFill xmlns:a14="http://schemas.microsoft.com/office/drawing/2010/main" xmlns="">
                 <a:solidFill>
                   <a:srgbClr val="FFFFFF"/>
                 </a:solidFill>

--- a/presentation/Presentation.pptx
+++ b/presentation/Presentation.pptx
@@ -1,12 +1,15 @@
 
 <file path=ppt/presentation.xml><?xml version="1.0" encoding="utf-8"?>
-<p:presentation xmlns:a="http://schemas.openxmlformats.org/drawingml/2006/main" xmlns:r="http://schemas.openxmlformats.org/officeDocument/2006/relationships" xmlns:p="http://schemas.openxmlformats.org/presentationml/2006/main" saveSubsetFonts="1">
+<p:presentation xmlns:a="http://schemas.openxmlformats.org/drawingml/2006/main" xmlns:r="http://schemas.openxmlformats.org/officeDocument/2006/relationships" xmlns:p="http://schemas.openxmlformats.org/presentationml/2006/main" showSpecialPlsOnTitleSld="0" saveSubsetFonts="1">
   <p:sldMasterIdLst>
     <p:sldMasterId id="2147483696" r:id="rId1"/>
   </p:sldMasterIdLst>
   <p:notesMasterIdLst>
     <p:notesMasterId r:id="rId26"/>
   </p:notesMasterIdLst>
+  <p:handoutMasterIdLst>
+    <p:handoutMasterId r:id="rId27"/>
+  </p:handoutMasterIdLst>
   <p:sldIdLst>
     <p:sldId id="256" r:id="rId2"/>
     <p:sldId id="257" r:id="rId3"/>
@@ -133,6 +136,172 @@
 </p:presentation>
 </file>
 
+<file path=ppt/handoutMasters/handoutMaster1.xml><?xml version="1.0" encoding="utf-8"?>
+<p:handoutMaster xmlns:a="http://schemas.openxmlformats.org/drawingml/2006/main" xmlns:r="http://schemas.openxmlformats.org/officeDocument/2006/relationships" xmlns:p="http://schemas.openxmlformats.org/presentationml/2006/main">
+  <p:cSld>
+    <p:bg>
+      <p:bgRef idx="1001">
+        <a:schemeClr val="bg1"/>
+      </p:bgRef>
+    </p:bg>
+    <p:spTree>
+      <p:nvGrpSpPr>
+        <p:cNvPr id="1" name=""/>
+        <p:cNvGrpSpPr/>
+        <p:nvPr/>
+      </p:nvGrpSpPr>
+      <p:grpSpPr>
+        <a:xfrm>
+          <a:off x="0" y="0"/>
+          <a:ext cx="0" cy="0"/>
+          <a:chOff x="0" y="0"/>
+          <a:chExt cx="0" cy="0"/>
+        </a:xfrm>
+      </p:grpSpPr>
+      <p:sp>
+        <p:nvSpPr>
+          <p:cNvPr id="2" name="Kopfzeilenplatzhalter 1"/>
+          <p:cNvSpPr>
+            <a:spLocks noGrp="1"/>
+          </p:cNvSpPr>
+          <p:nvPr>
+            <p:ph type="hdr" sz="quarter"/>
+          </p:nvPr>
+        </p:nvSpPr>
+        <p:spPr>
+          <a:xfrm>
+            <a:off x="0" y="0"/>
+            <a:ext cx="2971800" cy="457200"/>
+          </a:xfrm>
+          <a:prstGeom prst="rect">
+            <a:avLst/>
+          </a:prstGeom>
+        </p:spPr>
+        <p:txBody>
+          <a:bodyPr vert="horz" lIns="91440" tIns="45720" rIns="91440" bIns="45720" rtlCol="0"/>
+          <a:lstStyle>
+            <a:lvl1pPr algn="l">
+              <a:defRPr sz="1200"/>
+            </a:lvl1pPr>
+          </a:lstStyle>
+          <a:p>
+            <a:endParaRPr lang="de-DE"/>
+          </a:p>
+        </p:txBody>
+      </p:sp>
+      <p:sp>
+        <p:nvSpPr>
+          <p:cNvPr id="3" name="Datumsplatzhalter 2"/>
+          <p:cNvSpPr>
+            <a:spLocks noGrp="1"/>
+          </p:cNvSpPr>
+          <p:nvPr>
+            <p:ph type="dt" sz="quarter" idx="1"/>
+          </p:nvPr>
+        </p:nvSpPr>
+        <p:spPr>
+          <a:xfrm>
+            <a:off x="3884613" y="0"/>
+            <a:ext cx="2971800" cy="457200"/>
+          </a:xfrm>
+          <a:prstGeom prst="rect">
+            <a:avLst/>
+          </a:prstGeom>
+        </p:spPr>
+        <p:txBody>
+          <a:bodyPr vert="horz" lIns="91440" tIns="45720" rIns="91440" bIns="45720" rtlCol="0"/>
+          <a:lstStyle>
+            <a:lvl1pPr algn="r">
+              <a:defRPr sz="1200"/>
+            </a:lvl1pPr>
+          </a:lstStyle>
+          <a:p>
+            <a:fld id="{46AE2E93-238A-4647-A316-9BD7FB9B2704}" type="datetimeFigureOut">
+              <a:rPr lang="de-DE" smtClean="0"/>
+              <a:t>18.12.2012</a:t>
+            </a:fld>
+            <a:endParaRPr lang="de-DE"/>
+          </a:p>
+        </p:txBody>
+      </p:sp>
+      <p:sp>
+        <p:nvSpPr>
+          <p:cNvPr id="4" name="Fußzeilenplatzhalter 3"/>
+          <p:cNvSpPr>
+            <a:spLocks noGrp="1"/>
+          </p:cNvSpPr>
+          <p:nvPr>
+            <p:ph type="ftr" sz="quarter" idx="2"/>
+          </p:nvPr>
+        </p:nvSpPr>
+        <p:spPr>
+          <a:xfrm>
+            <a:off x="0" y="8685213"/>
+            <a:ext cx="2971800" cy="457200"/>
+          </a:xfrm>
+          <a:prstGeom prst="rect">
+            <a:avLst/>
+          </a:prstGeom>
+        </p:spPr>
+        <p:txBody>
+          <a:bodyPr vert="horz" lIns="91440" tIns="45720" rIns="91440" bIns="45720" rtlCol="0" anchor="b"/>
+          <a:lstStyle>
+            <a:lvl1pPr algn="l">
+              <a:defRPr sz="1200"/>
+            </a:lvl1pPr>
+          </a:lstStyle>
+          <a:p>
+            <a:endParaRPr lang="de-DE"/>
+          </a:p>
+        </p:txBody>
+      </p:sp>
+      <p:sp>
+        <p:nvSpPr>
+          <p:cNvPr id="5" name="Foliennummernplatzhalter 4"/>
+          <p:cNvSpPr>
+            <a:spLocks noGrp="1"/>
+          </p:cNvSpPr>
+          <p:nvPr>
+            <p:ph type="sldNum" sz="quarter" idx="3"/>
+          </p:nvPr>
+        </p:nvSpPr>
+        <p:spPr>
+          <a:xfrm>
+            <a:off x="3884613" y="8685213"/>
+            <a:ext cx="2971800" cy="457200"/>
+          </a:xfrm>
+          <a:prstGeom prst="rect">
+            <a:avLst/>
+          </a:prstGeom>
+        </p:spPr>
+        <p:txBody>
+          <a:bodyPr vert="horz" lIns="91440" tIns="45720" rIns="91440" bIns="45720" rtlCol="0" anchor="b"/>
+          <a:lstStyle>
+            <a:lvl1pPr algn="r">
+              <a:defRPr sz="1200"/>
+            </a:lvl1pPr>
+          </a:lstStyle>
+          <a:p>
+            <a:fld id="{2941BD46-2515-4902-9490-AE425F700A0D}" type="slidenum">
+              <a:rPr lang="de-DE" smtClean="0"/>
+              <a:t>‹Nr.›</a:t>
+            </a:fld>
+            <a:endParaRPr lang="de-DE"/>
+          </a:p>
+        </p:txBody>
+      </p:sp>
+    </p:spTree>
+    <p:extLst>
+      <p:ext uri="{BB962C8B-B14F-4D97-AF65-F5344CB8AC3E}">
+        <p14:creationId xmlns:p14="http://schemas.microsoft.com/office/powerpoint/2010/main" val="708347044"/>
+      </p:ext>
+    </p:extLst>
+  </p:cSld>
+  <p:clrMap bg1="lt1" tx1="dk1" bg2="lt2" tx2="dk2" accent1="accent1" accent2="accent2" accent3="accent3" accent4="accent4" accent5="accent5" accent6="accent6" hlink="hlink" folHlink="folHlink"/>
+  <p:hf hdr="0" ftr="0" dt="0"/>
+</p:handoutMaster>
+</file>
+
 <file path=ppt/notesMasters/notesMaster1.xml><?xml version="1.0" encoding="utf-8"?>
 <p:notesMaster xmlns:a="http://schemas.openxmlformats.org/drawingml/2006/main" xmlns:r="http://schemas.openxmlformats.org/officeDocument/2006/relationships" xmlns:p="http://schemas.openxmlformats.org/presentationml/2006/main">
   <p:cSld>
@@ -387,11 +556,12 @@
     </p:spTree>
     <p:extLst>
       <p:ext uri="{BB962C8B-B14F-4D97-AF65-F5344CB8AC3E}">
-        <p14:creationId xmlns:p14="http://schemas.microsoft.com/office/powerpoint/2010/main" xmlns="" val="624665701"/>
+        <p14:creationId xmlns:p14="http://schemas.microsoft.com/office/powerpoint/2010/main" val="624665701"/>
       </p:ext>
     </p:extLst>
   </p:cSld>
   <p:clrMap bg1="lt1" tx1="dk1" bg2="lt2" tx2="dk2" accent1="accent1" accent2="accent2" accent3="accent3" accent4="accent4" accent5="accent5" accent6="accent6" hlink="hlink" folHlink="folHlink"/>
+  <p:hf hdr="0" ftr="0" dt="0"/>
   <p:notesStyle>
     <a:lvl1pPr marL="0" algn="l" defTabSz="914400" rtl="0" eaLnBrk="1" latinLnBrk="0" hangingPunct="1">
       <a:defRPr sz="1200" kern="1200">
@@ -660,7 +830,7 @@
     </p:spTree>
     <p:extLst>
       <p:ext uri="{BB962C8B-B14F-4D97-AF65-F5344CB8AC3E}">
-        <p14:creationId xmlns:p14="http://schemas.microsoft.com/office/powerpoint/2010/main" xmlns="" val="282664730"/>
+        <p14:creationId xmlns:p14="http://schemas.microsoft.com/office/powerpoint/2010/main" val="282664730"/>
       </p:ext>
     </p:extLst>
   </p:cSld>
@@ -753,7 +923,7 @@
     </p:spTree>
     <p:extLst>
       <p:ext uri="{BB962C8B-B14F-4D97-AF65-F5344CB8AC3E}">
-        <p14:creationId xmlns:p14="http://schemas.microsoft.com/office/powerpoint/2010/main" xmlns="" val="4061653966"/>
+        <p14:creationId xmlns:p14="http://schemas.microsoft.com/office/powerpoint/2010/main" val="4061653966"/>
       </p:ext>
     </p:extLst>
   </p:cSld>
@@ -906,7 +1076,7 @@
     </p:spTree>
     <p:extLst>
       <p:ext uri="{BB962C8B-B14F-4D97-AF65-F5344CB8AC3E}">
-        <p14:creationId xmlns:p14="http://schemas.microsoft.com/office/powerpoint/2010/main" xmlns="" val="324696021"/>
+        <p14:creationId xmlns:p14="http://schemas.microsoft.com/office/powerpoint/2010/main" val="324696021"/>
       </p:ext>
     </p:extLst>
   </p:cSld>
@@ -968,15 +1138,7 @@
             </a:r>
             <a:r>
               <a:rPr lang="de-CH" dirty="0" smtClean="0"/>
-              <a:t> </a:t>
-            </a:r>
-            <a:r>
-              <a:rPr lang="de-CH" dirty="0" smtClean="0"/>
-              <a:t>Bild </a:t>
-            </a:r>
-            <a:r>
-              <a:rPr lang="de-CH" dirty="0" smtClean="0"/>
-              <a:t>erstellen</a:t>
+              <a:t> Bild erstellen</a:t>
             </a:r>
             <a:endParaRPr lang="de-CH" dirty="0"/>
           </a:p>
@@ -1152,11 +1314,7 @@
           <a:p>
             <a:r>
               <a:rPr lang="de-CH" dirty="0" smtClean="0"/>
-              <a:t>Mosi: Testreihen zeigen, eine </a:t>
-            </a:r>
-            <a:r>
-              <a:rPr lang="de-CH" dirty="0" smtClean="0"/>
-              <a:t>genauer</a:t>
+              <a:t>Mosi: Testreihen zeigen, eine genauer</a:t>
             </a:r>
             <a:r>
               <a:rPr lang="de-CH" baseline="0" dirty="0" smtClean="0"/>
@@ -1164,19 +1322,11 @@
             </a:r>
             <a:r>
               <a:rPr lang="de-CH" dirty="0" smtClean="0"/>
-              <a:t>(Gangbreite</a:t>
-            </a:r>
-            <a:r>
-              <a:rPr lang="de-CH" dirty="0" smtClean="0"/>
-              <a:t>),</a:t>
+              <a:t>(Gangbreite),</a:t>
             </a:r>
             <a:r>
               <a:rPr lang="de-CH" baseline="0" dirty="0" smtClean="0"/>
-              <a:t> Rest </a:t>
-            </a:r>
-            <a:r>
-              <a:rPr lang="de-CH" baseline="0" dirty="0" smtClean="0"/>
-              <a:t>nur kurz ansprechen</a:t>
+              <a:t> Rest nur kurz ansprechen</a:t>
             </a:r>
             <a:endParaRPr lang="de-CH" dirty="0"/>
           </a:p>
@@ -1372,11 +1522,7 @@
             </a:r>
             <a:r>
               <a:rPr lang="de-CH" baseline="0" dirty="0" smtClean="0"/>
-              <a:t> </a:t>
-            </a:r>
-            <a:r>
-              <a:rPr lang="de-CH" baseline="0" dirty="0" smtClean="0"/>
-              <a:t>seine Grenzen (</a:t>
+              <a:t> seine Grenzen (</a:t>
             </a:r>
             <a:r>
               <a:rPr lang="de-CH" baseline="0" dirty="0" err="1" smtClean="0"/>
@@ -1560,11 +1706,7 @@
             </a:r>
             <a:r>
               <a:rPr lang="de-CH" baseline="0" dirty="0" smtClean="0"/>
-              <a:t> </a:t>
-            </a:r>
-            <a:r>
-              <a:rPr lang="de-CH" baseline="0" dirty="0" smtClean="0"/>
-              <a:t>ausschmücken, aber nicht allzu stark</a:t>
+              <a:t> ausschmücken, aber nicht allzu stark</a:t>
             </a:r>
           </a:p>
         </p:txBody>
@@ -1653,23 +1795,7 @@
             </a:r>
             <a:r>
               <a:rPr lang="de-CH" baseline="0" dirty="0" smtClean="0"/>
-              <a:t> </a:t>
-            </a:r>
-            <a:r>
-              <a:rPr lang="de-CH" baseline="0" dirty="0" smtClean="0"/>
-              <a:t>Idee &amp; Motivation</a:t>
-            </a:r>
-            <a:r>
-              <a:rPr lang="de-CH" baseline="0" dirty="0" smtClean="0"/>
-              <a:t>, Grundidee – Überblick </a:t>
-            </a:r>
-            <a:r>
-              <a:rPr lang="de-CH" baseline="0" dirty="0" smtClean="0"/>
-              <a:t>Situation </a:t>
-            </a:r>
-            <a:r>
-              <a:rPr lang="de-CH" baseline="0" dirty="0" smtClean="0"/>
-              <a:t>„wovon rede ich“</a:t>
+              <a:t> Idee &amp; Motivation, Grundidee – Überblick Situation „wovon rede ich“</a:t>
             </a:r>
             <a:endParaRPr lang="de-CH" dirty="0"/>
           </a:p>
@@ -1759,15 +1885,7 @@
             </a:r>
             <a:r>
               <a:rPr lang="de-CH" baseline="0" dirty="0" smtClean="0"/>
-              <a:t> </a:t>
-            </a:r>
-            <a:r>
-              <a:rPr lang="de-CH" baseline="0" dirty="0" smtClean="0"/>
-              <a:t>Idee &amp; Motivation</a:t>
-            </a:r>
-            <a:r>
-              <a:rPr lang="de-CH" baseline="0" dirty="0" smtClean="0"/>
-              <a:t>, Grundidee - hier: Auslöser der Idee</a:t>
+              <a:t> Idee &amp; Motivation, Grundidee - hier: Auslöser der Idee</a:t>
             </a:r>
           </a:p>
           <a:p>
@@ -1876,31 +1994,7 @@
             </a:r>
             <a:r>
               <a:rPr lang="de-CH" baseline="0" dirty="0" smtClean="0"/>
-              <a:t> </a:t>
-            </a:r>
-            <a:r>
-              <a:rPr lang="de-CH" baseline="0" dirty="0" smtClean="0"/>
-              <a:t>Idee &amp; Motivation</a:t>
-            </a:r>
-            <a:r>
-              <a:rPr lang="de-CH" baseline="0" dirty="0" smtClean="0"/>
-              <a:t>, Grundidee – Was ist speziell an unserem </a:t>
-            </a:r>
-            <a:r>
-              <a:rPr lang="de-CH" baseline="0" dirty="0" smtClean="0"/>
-              <a:t>Modell</a:t>
-            </a:r>
-            <a:r>
-              <a:rPr lang="de-CH" baseline="0" dirty="0" smtClean="0"/>
-              <a:t>, unseren </a:t>
-            </a:r>
-            <a:r>
-              <a:rPr lang="de-CH" baseline="0" dirty="0" smtClean="0"/>
-              <a:t>Ideen</a:t>
-            </a:r>
-            <a:r>
-              <a:rPr lang="de-CH" baseline="0" dirty="0" smtClean="0"/>
-              <a:t>?</a:t>
+              <a:t> Idee &amp; Motivation, Grundidee – Was ist speziell an unserem Modell, unseren Ideen?</a:t>
             </a:r>
             <a:endParaRPr lang="de-CH" dirty="0" smtClean="0"/>
           </a:p>
@@ -2117,7 +2211,7 @@
     </p:spTree>
     <p:extLst>
       <p:ext uri="{BB962C8B-B14F-4D97-AF65-F5344CB8AC3E}">
-        <p14:creationId xmlns:p14="http://schemas.microsoft.com/office/powerpoint/2010/main" xmlns="" val="1419291677"/>
+        <p14:creationId xmlns:p14="http://schemas.microsoft.com/office/powerpoint/2010/main" val="1419291677"/>
       </p:ext>
     </p:extLst>
   </p:cSld>
@@ -2210,7 +2304,7 @@
     </p:spTree>
     <p:extLst>
       <p:ext uri="{BB962C8B-B14F-4D97-AF65-F5344CB8AC3E}">
-        <p14:creationId xmlns:p14="http://schemas.microsoft.com/office/powerpoint/2010/main" xmlns="" val="1364280645"/>
+        <p14:creationId xmlns:p14="http://schemas.microsoft.com/office/powerpoint/2010/main" val="1364280645"/>
       </p:ext>
     </p:extLst>
   </p:cSld>
@@ -2302,7 +2396,7 @@
     </p:spTree>
     <p:extLst>
       <p:ext uri="{BB962C8B-B14F-4D97-AF65-F5344CB8AC3E}">
-        <p14:creationId xmlns:p14="http://schemas.microsoft.com/office/powerpoint/2010/main" xmlns="" val="2930191362"/>
+        <p14:creationId xmlns:p14="http://schemas.microsoft.com/office/powerpoint/2010/main" val="2930191362"/>
       </p:ext>
     </p:extLst>
   </p:cSld>
@@ -2483,9 +2577,8 @@
           <a:bodyPr/>
           <a:lstStyle/>
           <a:p>
-            <a:fld id="{D2037535-B481-4E56-AA92-0DD4B5EB6187}" type="datetimeFigureOut">
+            <a:fld id="{92112050-AFA2-427F-98E9-B501DF918C45}" type="datetime1">
               <a:rPr lang="de-CH" smtClean="0"/>
-              <a:pPr/>
               <a:t>18.12.2012</a:t>
             </a:fld>
             <a:endParaRPr lang="de-CH"/>
@@ -2650,9 +2743,8 @@
           <a:bodyPr/>
           <a:lstStyle/>
           <a:p>
-            <a:fld id="{D2037535-B481-4E56-AA92-0DD4B5EB6187}" type="datetimeFigureOut">
+            <a:fld id="{2387D883-9F0E-4FF7-9930-5AAF2D21224D}" type="datetime1">
               <a:rPr lang="de-CH" smtClean="0"/>
-              <a:pPr/>
               <a:t>18.12.2012</a:t>
             </a:fld>
             <a:endParaRPr lang="de-CH"/>
@@ -2827,9 +2919,8 @@
           <a:bodyPr/>
           <a:lstStyle/>
           <a:p>
-            <a:fld id="{D2037535-B481-4E56-AA92-0DD4B5EB6187}" type="datetimeFigureOut">
+            <a:fld id="{3C5FDF7D-CC4C-4828-BC8F-E67062F49AAD}" type="datetime1">
               <a:rPr lang="de-CH" smtClean="0"/>
-              <a:pPr/>
               <a:t>18.12.2012</a:t>
             </a:fld>
             <a:endParaRPr lang="de-CH"/>
@@ -2994,9 +3085,8 @@
           <a:bodyPr/>
           <a:lstStyle/>
           <a:p>
-            <a:fld id="{D2037535-B481-4E56-AA92-0DD4B5EB6187}" type="datetimeFigureOut">
+            <a:fld id="{4C3D1A33-7F07-47E6-96C8-6720C053A5CA}" type="datetime1">
               <a:rPr lang="de-CH" smtClean="0"/>
-              <a:pPr/>
               <a:t>18.12.2012</a:t>
             </a:fld>
             <a:endParaRPr lang="de-CH"/>
@@ -3238,9 +3328,8 @@
           <a:bodyPr/>
           <a:lstStyle/>
           <a:p>
-            <a:fld id="{D2037535-B481-4E56-AA92-0DD4B5EB6187}" type="datetimeFigureOut">
+            <a:fld id="{0C8B7656-A1A3-41B9-86D0-B0DE94C36F89}" type="datetime1">
               <a:rPr lang="de-CH" smtClean="0"/>
-              <a:pPr/>
               <a:t>18.12.2012</a:t>
             </a:fld>
             <a:endParaRPr lang="de-CH"/>
@@ -3504,9 +3593,8 @@
           <a:bodyPr/>
           <a:lstStyle/>
           <a:p>
-            <a:fld id="{D2037535-B481-4E56-AA92-0DD4B5EB6187}" type="datetimeFigureOut">
+            <a:fld id="{49252577-7323-4FE2-AE78-CE1CDCED9B4D}" type="datetime1">
               <a:rPr lang="de-CH" smtClean="0"/>
-              <a:pPr/>
               <a:t>18.12.2012</a:t>
             </a:fld>
             <a:endParaRPr lang="de-CH"/>
@@ -3884,9 +3972,8 @@
           <a:bodyPr/>
           <a:lstStyle/>
           <a:p>
-            <a:fld id="{D2037535-B481-4E56-AA92-0DD4B5EB6187}" type="datetimeFigureOut">
+            <a:fld id="{2A683E61-0BDD-488C-B871-FE0AB012648F}" type="datetime1">
               <a:rPr lang="de-CH" smtClean="0"/>
-              <a:pPr/>
               <a:t>18.12.2012</a:t>
             </a:fld>
             <a:endParaRPr lang="de-CH"/>
@@ -4036,9 +4123,8 @@
           <a:bodyPr/>
           <a:lstStyle/>
           <a:p>
-            <a:fld id="{D2037535-B481-4E56-AA92-0DD4B5EB6187}" type="datetimeFigureOut">
+            <a:fld id="{3074B883-69AB-4BE5-BFC9-54B1886DD07F}" type="datetime1">
               <a:rPr lang="de-CH" smtClean="0"/>
-              <a:pPr/>
               <a:t>18.12.2012</a:t>
             </a:fld>
             <a:endParaRPr lang="de-CH"/>
@@ -4128,9 +4214,8 @@
           <a:bodyPr/>
           <a:lstStyle/>
           <a:p>
-            <a:fld id="{D2037535-B481-4E56-AA92-0DD4B5EB6187}" type="datetimeFigureOut">
+            <a:fld id="{1D28F5F5-C391-4ACC-A8A2-D41CAC11D517}" type="datetime1">
               <a:rPr lang="de-CH" smtClean="0"/>
-              <a:pPr/>
               <a:t>18.12.2012</a:t>
             </a:fld>
             <a:endParaRPr lang="de-CH"/>
@@ -4391,9 +4476,8 @@
           <a:bodyPr/>
           <a:lstStyle/>
           <a:p>
-            <a:fld id="{D2037535-B481-4E56-AA92-0DD4B5EB6187}" type="datetimeFigureOut">
+            <a:fld id="{8B5F25CD-7FF0-4086-BF7C-733BF57F8BC0}" type="datetime1">
               <a:rPr lang="de-CH" smtClean="0"/>
-              <a:pPr/>
               <a:t>18.12.2012</a:t>
             </a:fld>
             <a:endParaRPr lang="de-CH"/>
@@ -4681,9 +4765,8 @@
           <a:bodyPr/>
           <a:lstStyle/>
           <a:p>
-            <a:fld id="{D2037535-B481-4E56-AA92-0DD4B5EB6187}" type="datetimeFigureOut">
+            <a:fld id="{F97A654A-6E10-44F8-97E8-8DDED38E1F49}" type="datetime1">
               <a:rPr lang="de-CH" smtClean="0"/>
-              <a:pPr/>
               <a:t>18.12.2012</a:t>
             </a:fld>
             <a:endParaRPr lang="de-CH"/>
@@ -5454,9 +5537,8 @@
             </a:lvl1pPr>
           </a:lstStyle>
           <a:p>
-            <a:fld id="{D2037535-B481-4E56-AA92-0DD4B5EB6187}" type="datetimeFigureOut">
+            <a:fld id="{B882E923-6442-42FD-B9AB-941B86D2204C}" type="datetime1">
               <a:rPr lang="de-CH" smtClean="0"/>
-              <a:pPr/>
               <a:t>18.12.2012</a:t>
             </a:fld>
             <a:endParaRPr lang="de-CH"/>
@@ -5772,6 +5854,7 @@
     <p:sldLayoutId id="2147483706" r:id="rId10"/>
     <p:sldLayoutId id="2147483707" r:id="rId11"/>
   </p:sldLayoutIdLst>
+  <p:hf hdr="0" ftr="0" dt="0"/>
   <p:txStyles>
     <p:titleStyle>
       <a:lvl1pPr algn="l" rtl="0" eaLnBrk="1" latinLnBrk="0" hangingPunct="1">
@@ -6212,6 +6295,70 @@
           </a:p>
         </p:txBody>
       </p:sp>
+      <p:pic>
+        <p:nvPicPr>
+          <p:cNvPr id="2052" name="Picture 4"/>
+          <p:cNvPicPr>
+            <a:picLocks noChangeAspect="1" noChangeArrowheads="1"/>
+          </p:cNvPicPr>
+          <p:nvPr/>
+        </p:nvPicPr>
+        <p:blipFill>
+          <a:blip r:embed="rId3">
+            <a:extLst>
+              <a:ext uri="{28A0092B-C50C-407E-A947-70E740481C1C}">
+                <a14:useLocalDpi xmlns:a14="http://schemas.microsoft.com/office/drawing/2010/main" val="0"/>
+              </a:ext>
+            </a:extLst>
+          </a:blip>
+          <a:srcRect/>
+          <a:stretch>
+            <a:fillRect/>
+          </a:stretch>
+        </p:blipFill>
+        <p:spPr bwMode="auto">
+          <a:xfrm>
+            <a:off x="1" y="6006088"/>
+            <a:ext cx="2771799" cy="851912"/>
+          </a:xfrm>
+          <a:prstGeom prst="rect">
+            <a:avLst/>
+          </a:prstGeom>
+          <a:noFill/>
+          <a:ln>
+            <a:noFill/>
+          </a:ln>
+          <a:effectLst/>
+          <a:extLst>
+            <a:ext uri="{909E8E84-426E-40DD-AFC4-6F175D3DCCD1}">
+              <a14:hiddenFill xmlns:a14="http://schemas.microsoft.com/office/drawing/2010/main">
+                <a:solidFill>
+                  <a:schemeClr val="accent1"/>
+                </a:solidFill>
+              </a14:hiddenFill>
+            </a:ext>
+            <a:ext uri="{91240B29-F687-4F45-9708-019B960494DF}">
+              <a14:hiddenLine xmlns:a14="http://schemas.microsoft.com/office/drawing/2010/main" w="9525">
+                <a:solidFill>
+                  <a:schemeClr val="tx1"/>
+                </a:solidFill>
+                <a:miter lim="800000"/>
+                <a:headEnd/>
+                <a:tailEnd/>
+              </a14:hiddenLine>
+            </a:ext>
+            <a:ext uri="{AF507438-7753-43E0-B8FC-AC1667EBCBE1}">
+              <a14:hiddenEffects xmlns:a14="http://schemas.microsoft.com/office/drawing/2010/main">
+                <a:effectLst>
+                  <a:outerShdw dist="35921" dir="2700000" algn="ctr" rotWithShape="0">
+                    <a:schemeClr val="bg2"/>
+                  </a:outerShdw>
+                </a:effectLst>
+              </a14:hiddenEffects>
+            </a:ext>
+          </a:extLst>
+        </p:spPr>
+      </p:pic>
     </p:spTree>
   </p:cSld>
   <p:clrMapOvr>
@@ -6342,7 +6489,7 @@
           <a:blip r:embed="rId3" cstate="print">
             <a:extLst>
               <a:ext uri="{28A0092B-C50C-407E-A947-70E740481C1C}">
-                <a14:useLocalDpi xmlns:a14="http://schemas.microsoft.com/office/drawing/2010/main" xmlns="" val="0"/>
+                <a14:useLocalDpi xmlns:a14="http://schemas.microsoft.com/office/drawing/2010/main" val="0"/>
               </a:ext>
             </a:extLst>
           </a:blip>
@@ -6353,8 +6500,8 @@
         </p:blipFill>
         <p:spPr bwMode="auto">
           <a:xfrm>
-            <a:off x="424086" y="2420888"/>
-            <a:ext cx="4086225" cy="3971925"/>
+            <a:off x="611560" y="2420888"/>
+            <a:ext cx="3898751" cy="3789695"/>
           </a:xfrm>
           <a:prstGeom prst="rect">
             <a:avLst/>
@@ -6366,14 +6513,14 @@
           <a:effectLst/>
           <a:extLst>
             <a:ext uri="{909E8E84-426E-40DD-AFC4-6F175D3DCCD1}">
-              <a14:hiddenFill xmlns:a14="http://schemas.microsoft.com/office/drawing/2010/main" xmlns="">
+              <a14:hiddenFill xmlns:a14="http://schemas.microsoft.com/office/drawing/2010/main">
                 <a:solidFill>
                   <a:schemeClr val="accent1"/>
                 </a:solidFill>
               </a14:hiddenFill>
             </a:ext>
             <a:ext uri="{91240B29-F687-4F45-9708-019B960494DF}">
-              <a14:hiddenLine xmlns:a14="http://schemas.microsoft.com/office/drawing/2010/main" xmlns="" w="9525">
+              <a14:hiddenLine xmlns:a14="http://schemas.microsoft.com/office/drawing/2010/main" w="9525">
                 <a:solidFill>
                   <a:schemeClr val="tx1"/>
                 </a:solidFill>
@@ -6383,7 +6530,7 @@
               </a14:hiddenLine>
             </a:ext>
             <a:ext uri="{AF507438-7753-43E0-B8FC-AC1667EBCBE1}">
-              <a14:hiddenEffects xmlns:a14="http://schemas.microsoft.com/office/drawing/2010/main" xmlns="">
+              <a14:hiddenEffects xmlns:a14="http://schemas.microsoft.com/office/drawing/2010/main">
                 <a:effectLst>
                   <a:outerShdw dist="35921" dir="2700000" algn="ctr" rotWithShape="0">
                     <a:schemeClr val="bg2"/>
@@ -6406,7 +6553,7 @@
           <a:blip r:embed="rId4" cstate="print">
             <a:extLst>
               <a:ext uri="{28A0092B-C50C-407E-A947-70E740481C1C}">
-                <a14:useLocalDpi xmlns:a14="http://schemas.microsoft.com/office/drawing/2010/main" xmlns="" val="0"/>
+                <a14:useLocalDpi xmlns:a14="http://schemas.microsoft.com/office/drawing/2010/main" val="0"/>
               </a:ext>
             </a:extLst>
           </a:blip>
@@ -6426,11 +6573,99 @@
           <a:noFill/>
           <a:extLst>
             <a:ext uri="{909E8E84-426E-40DD-AFC4-6F175D3DCCD1}">
-              <a14:hiddenFill xmlns:a14="http://schemas.microsoft.com/office/drawing/2010/main" xmlns="">
+              <a14:hiddenFill xmlns:a14="http://schemas.microsoft.com/office/drawing/2010/main">
                 <a:solidFill>
                   <a:srgbClr val="FFFFFF"/>
                 </a:solidFill>
               </a14:hiddenFill>
+            </a:ext>
+          </a:extLst>
+        </p:spPr>
+      </p:pic>
+      <p:sp>
+        <p:nvSpPr>
+          <p:cNvPr id="6" name="Foliennummernplatzhalter 5"/>
+          <p:cNvSpPr>
+            <a:spLocks noGrp="1"/>
+          </p:cNvSpPr>
+          <p:nvPr>
+            <p:ph type="sldNum" sz="quarter" idx="12"/>
+          </p:nvPr>
+        </p:nvSpPr>
+        <p:spPr/>
+        <p:txBody>
+          <a:bodyPr/>
+          <a:lstStyle/>
+          <a:p>
+            <a:fld id="{8969DB39-9E70-474F-9A85-81F67A0EA78C}" type="slidenum">
+              <a:rPr lang="de-CH" smtClean="0"/>
+              <a:pPr/>
+              <a:t>10</a:t>
+            </a:fld>
+            <a:endParaRPr lang="de-CH"/>
+          </a:p>
+        </p:txBody>
+      </p:sp>
+      <p:pic>
+        <p:nvPicPr>
+          <p:cNvPr id="7" name="Picture 2"/>
+          <p:cNvPicPr>
+            <a:picLocks noChangeAspect="1" noChangeArrowheads="1"/>
+          </p:cNvPicPr>
+          <p:nvPr/>
+        </p:nvPicPr>
+        <p:blipFill>
+          <a:blip r:embed="rId5" cstate="print">
+            <a:extLst>
+              <a:ext uri="{28A0092B-C50C-407E-A947-70E740481C1C}">
+                <a14:useLocalDpi xmlns:a14="http://schemas.microsoft.com/office/drawing/2010/main" val="0"/>
+              </a:ext>
+            </a:extLst>
+          </a:blip>
+          <a:srcRect/>
+          <a:stretch>
+            <a:fillRect/>
+          </a:stretch>
+        </p:blipFill>
+        <p:spPr bwMode="auto">
+          <a:xfrm>
+            <a:off x="152500" y="6143149"/>
+            <a:ext cx="2592288" cy="649522"/>
+          </a:xfrm>
+          <a:prstGeom prst="rect">
+            <a:avLst/>
+          </a:prstGeom>
+          <a:noFill/>
+          <a:ln>
+            <a:noFill/>
+          </a:ln>
+          <a:effectLst/>
+          <a:extLst>
+            <a:ext uri="{909E8E84-426E-40DD-AFC4-6F175D3DCCD1}">
+              <a14:hiddenFill xmlns:a14="http://schemas.microsoft.com/office/drawing/2010/main">
+                <a:solidFill>
+                  <a:schemeClr val="accent1"/>
+                </a:solidFill>
+              </a14:hiddenFill>
+            </a:ext>
+            <a:ext uri="{91240B29-F687-4F45-9708-019B960494DF}">
+              <a14:hiddenLine xmlns:a14="http://schemas.microsoft.com/office/drawing/2010/main" w="9525">
+                <a:solidFill>
+                  <a:schemeClr val="tx1"/>
+                </a:solidFill>
+                <a:miter lim="800000"/>
+                <a:headEnd/>
+                <a:tailEnd/>
+              </a14:hiddenLine>
+            </a:ext>
+            <a:ext uri="{AF507438-7753-43E0-B8FC-AC1667EBCBE1}">
+              <a14:hiddenEffects xmlns:a14="http://schemas.microsoft.com/office/drawing/2010/main">
+                <a:effectLst>
+                  <a:outerShdw dist="35921" dir="2700000" algn="ctr" rotWithShape="0">
+                    <a:schemeClr val="bg2"/>
+                  </a:outerShdw>
+                </a:effectLst>
+              </a14:hiddenEffects>
             </a:ext>
           </a:extLst>
         </p:spPr>
@@ -6567,7 +6802,7 @@
           <a:blip r:embed="rId3" cstate="print">
             <a:extLst>
               <a:ext uri="{28A0092B-C50C-407E-A947-70E740481C1C}">
-                <a14:useLocalDpi xmlns:a14="http://schemas.microsoft.com/office/drawing/2010/main" xmlns="" val="0"/>
+                <a14:useLocalDpi xmlns:a14="http://schemas.microsoft.com/office/drawing/2010/main" val="0"/>
               </a:ext>
             </a:extLst>
           </a:blip>
@@ -6578,8 +6813,8 @@
         </p:blipFill>
         <p:spPr bwMode="auto">
           <a:xfrm>
-            <a:off x="539552" y="2564904"/>
-            <a:ext cx="4010025" cy="3752850"/>
+            <a:off x="726123" y="2564903"/>
+            <a:ext cx="3823454" cy="3578245"/>
           </a:xfrm>
           <a:prstGeom prst="rect">
             <a:avLst/>
@@ -6591,14 +6826,14 @@
           <a:effectLst/>
           <a:extLst>
             <a:ext uri="{909E8E84-426E-40DD-AFC4-6F175D3DCCD1}">
-              <a14:hiddenFill xmlns:a14="http://schemas.microsoft.com/office/drawing/2010/main" xmlns="">
+              <a14:hiddenFill xmlns:a14="http://schemas.microsoft.com/office/drawing/2010/main">
                 <a:solidFill>
                   <a:schemeClr val="accent1"/>
                 </a:solidFill>
               </a14:hiddenFill>
             </a:ext>
             <a:ext uri="{91240B29-F687-4F45-9708-019B960494DF}">
-              <a14:hiddenLine xmlns:a14="http://schemas.microsoft.com/office/drawing/2010/main" xmlns="" w="9525">
+              <a14:hiddenLine xmlns:a14="http://schemas.microsoft.com/office/drawing/2010/main" w="9525">
                 <a:solidFill>
                   <a:schemeClr val="tx1"/>
                 </a:solidFill>
@@ -6608,7 +6843,7 @@
               </a14:hiddenLine>
             </a:ext>
             <a:ext uri="{AF507438-7753-43E0-B8FC-AC1667EBCBE1}">
-              <a14:hiddenEffects xmlns:a14="http://schemas.microsoft.com/office/drawing/2010/main" xmlns="">
+              <a14:hiddenEffects xmlns:a14="http://schemas.microsoft.com/office/drawing/2010/main">
                 <a:effectLst>
                   <a:outerShdw dist="35921" dir="2700000" algn="ctr" rotWithShape="0">
                     <a:schemeClr val="bg2"/>
@@ -6631,7 +6866,7 @@
           <a:blip r:embed="rId4" cstate="print">
             <a:extLst>
               <a:ext uri="{28A0092B-C50C-407E-A947-70E740481C1C}">
-                <a14:useLocalDpi xmlns:a14="http://schemas.microsoft.com/office/drawing/2010/main" xmlns="" val="0"/>
+                <a14:useLocalDpi xmlns:a14="http://schemas.microsoft.com/office/drawing/2010/main" val="0"/>
               </a:ext>
             </a:extLst>
           </a:blip>
@@ -6651,11 +6886,99 @@
           <a:noFill/>
           <a:extLst>
             <a:ext uri="{909E8E84-426E-40DD-AFC4-6F175D3DCCD1}">
-              <a14:hiddenFill xmlns:a14="http://schemas.microsoft.com/office/drawing/2010/main" xmlns="">
+              <a14:hiddenFill xmlns:a14="http://schemas.microsoft.com/office/drawing/2010/main">
                 <a:solidFill>
                   <a:srgbClr val="FFFFFF"/>
                 </a:solidFill>
               </a14:hiddenFill>
+            </a:ext>
+          </a:extLst>
+        </p:spPr>
+      </p:pic>
+      <p:sp>
+        <p:nvSpPr>
+          <p:cNvPr id="6" name="Foliennummernplatzhalter 5"/>
+          <p:cNvSpPr>
+            <a:spLocks noGrp="1"/>
+          </p:cNvSpPr>
+          <p:nvPr>
+            <p:ph type="sldNum" sz="quarter" idx="12"/>
+          </p:nvPr>
+        </p:nvSpPr>
+        <p:spPr/>
+        <p:txBody>
+          <a:bodyPr/>
+          <a:lstStyle/>
+          <a:p>
+            <a:fld id="{8969DB39-9E70-474F-9A85-81F67A0EA78C}" type="slidenum">
+              <a:rPr lang="de-CH" smtClean="0"/>
+              <a:pPr/>
+              <a:t>11</a:t>
+            </a:fld>
+            <a:endParaRPr lang="de-CH"/>
+          </a:p>
+        </p:txBody>
+      </p:sp>
+      <p:pic>
+        <p:nvPicPr>
+          <p:cNvPr id="7" name="Picture 2"/>
+          <p:cNvPicPr>
+            <a:picLocks noChangeAspect="1" noChangeArrowheads="1"/>
+          </p:cNvPicPr>
+          <p:nvPr/>
+        </p:nvPicPr>
+        <p:blipFill>
+          <a:blip r:embed="rId5" cstate="print">
+            <a:extLst>
+              <a:ext uri="{28A0092B-C50C-407E-A947-70E740481C1C}">
+                <a14:useLocalDpi xmlns:a14="http://schemas.microsoft.com/office/drawing/2010/main" val="0"/>
+              </a:ext>
+            </a:extLst>
+          </a:blip>
+          <a:srcRect/>
+          <a:stretch>
+            <a:fillRect/>
+          </a:stretch>
+        </p:blipFill>
+        <p:spPr bwMode="auto">
+          <a:xfrm>
+            <a:off x="152500" y="6143149"/>
+            <a:ext cx="2592288" cy="649522"/>
+          </a:xfrm>
+          <a:prstGeom prst="rect">
+            <a:avLst/>
+          </a:prstGeom>
+          <a:noFill/>
+          <a:ln>
+            <a:noFill/>
+          </a:ln>
+          <a:effectLst/>
+          <a:extLst>
+            <a:ext uri="{909E8E84-426E-40DD-AFC4-6F175D3DCCD1}">
+              <a14:hiddenFill xmlns:a14="http://schemas.microsoft.com/office/drawing/2010/main">
+                <a:solidFill>
+                  <a:schemeClr val="accent1"/>
+                </a:solidFill>
+              </a14:hiddenFill>
+            </a:ext>
+            <a:ext uri="{91240B29-F687-4F45-9708-019B960494DF}">
+              <a14:hiddenLine xmlns:a14="http://schemas.microsoft.com/office/drawing/2010/main" w="9525">
+                <a:solidFill>
+                  <a:schemeClr val="tx1"/>
+                </a:solidFill>
+                <a:miter lim="800000"/>
+                <a:headEnd/>
+                <a:tailEnd/>
+              </a14:hiddenLine>
+            </a:ext>
+            <a:ext uri="{AF507438-7753-43E0-B8FC-AC1667EBCBE1}">
+              <a14:hiddenEffects xmlns:a14="http://schemas.microsoft.com/office/drawing/2010/main">
+                <a:effectLst>
+                  <a:outerShdw dist="35921" dir="2700000" algn="ctr" rotWithShape="0">
+                    <a:schemeClr val="bg2"/>
+                  </a:outerShdw>
+                </a:effectLst>
+              </a14:hiddenEffects>
             </a:ext>
           </a:extLst>
         </p:spPr>
@@ -6940,6 +7263,94 @@
           </a:p>
         </p:txBody>
       </p:sp>
+      <p:sp>
+        <p:nvSpPr>
+          <p:cNvPr id="4" name="Foliennummernplatzhalter 3"/>
+          <p:cNvSpPr>
+            <a:spLocks noGrp="1"/>
+          </p:cNvSpPr>
+          <p:nvPr>
+            <p:ph type="sldNum" sz="quarter" idx="12"/>
+          </p:nvPr>
+        </p:nvSpPr>
+        <p:spPr/>
+        <p:txBody>
+          <a:bodyPr/>
+          <a:lstStyle/>
+          <a:p>
+            <a:fld id="{8969DB39-9E70-474F-9A85-81F67A0EA78C}" type="slidenum">
+              <a:rPr lang="de-CH" smtClean="0"/>
+              <a:pPr/>
+              <a:t>12</a:t>
+            </a:fld>
+            <a:endParaRPr lang="de-CH"/>
+          </a:p>
+        </p:txBody>
+      </p:sp>
+      <p:pic>
+        <p:nvPicPr>
+          <p:cNvPr id="5" name="Picture 2"/>
+          <p:cNvPicPr>
+            <a:picLocks noChangeAspect="1" noChangeArrowheads="1"/>
+          </p:cNvPicPr>
+          <p:nvPr/>
+        </p:nvPicPr>
+        <p:blipFill>
+          <a:blip r:embed="rId3" cstate="print">
+            <a:extLst>
+              <a:ext uri="{28A0092B-C50C-407E-A947-70E740481C1C}">
+                <a14:useLocalDpi xmlns:a14="http://schemas.microsoft.com/office/drawing/2010/main" val="0"/>
+              </a:ext>
+            </a:extLst>
+          </a:blip>
+          <a:srcRect/>
+          <a:stretch>
+            <a:fillRect/>
+          </a:stretch>
+        </p:blipFill>
+        <p:spPr bwMode="auto">
+          <a:xfrm>
+            <a:off x="152500" y="6143149"/>
+            <a:ext cx="2592288" cy="649522"/>
+          </a:xfrm>
+          <a:prstGeom prst="rect">
+            <a:avLst/>
+          </a:prstGeom>
+          <a:noFill/>
+          <a:ln>
+            <a:noFill/>
+          </a:ln>
+          <a:effectLst/>
+          <a:extLst>
+            <a:ext uri="{909E8E84-426E-40DD-AFC4-6F175D3DCCD1}">
+              <a14:hiddenFill xmlns:a14="http://schemas.microsoft.com/office/drawing/2010/main">
+                <a:solidFill>
+                  <a:schemeClr val="accent1"/>
+                </a:solidFill>
+              </a14:hiddenFill>
+            </a:ext>
+            <a:ext uri="{91240B29-F687-4F45-9708-019B960494DF}">
+              <a14:hiddenLine xmlns:a14="http://schemas.microsoft.com/office/drawing/2010/main" w="9525">
+                <a:solidFill>
+                  <a:schemeClr val="tx1"/>
+                </a:solidFill>
+                <a:miter lim="800000"/>
+                <a:headEnd/>
+                <a:tailEnd/>
+              </a14:hiddenLine>
+            </a:ext>
+            <a:ext uri="{AF507438-7753-43E0-B8FC-AC1667EBCBE1}">
+              <a14:hiddenEffects xmlns:a14="http://schemas.microsoft.com/office/drawing/2010/main">
+                <a:effectLst>
+                  <a:outerShdw dist="35921" dir="2700000" algn="ctr" rotWithShape="0">
+                    <a:schemeClr val="bg2"/>
+                  </a:outerShdw>
+                </a:effectLst>
+              </a14:hiddenEffects>
+            </a:ext>
+          </a:extLst>
+        </p:spPr>
+      </p:pic>
     </p:spTree>
   </p:cSld>
   <p:clrMapOvr>
@@ -6991,11 +7402,7 @@
           <a:p>
             <a:r>
               <a:rPr lang="de-CH" sz="4250" dirty="0" smtClean="0"/>
-              <a:t>Realisation</a:t>
-            </a:r>
-            <a:r>
-              <a:rPr lang="de-CH" sz="4250" dirty="0" smtClean="0"/>
-              <a:t>: Drawing </a:t>
+              <a:t>Realisation: Drawing </a:t>
             </a:r>
             <a:r>
               <a:rPr lang="de-CH" sz="4250" dirty="0" err="1" smtClean="0"/>
@@ -7057,8 +7464,13 @@
             </a:r>
             <a:r>
               <a:rPr lang="de-CH" dirty="0"/>
-              <a:t>, Lines</a:t>
-            </a:r>
+              <a:t>, </a:t>
+            </a:r>
+            <a:r>
+              <a:rPr lang="de-CH" dirty="0" err="1" smtClean="0"/>
+              <a:t>lines</a:t>
+            </a:r>
+            <a:endParaRPr lang="de-CH" dirty="0"/>
           </a:p>
           <a:p>
             <a:r>
@@ -7067,8 +7479,13 @@
             </a:r>
             <a:r>
               <a:rPr lang="de-CH" dirty="0"/>
-              <a:t> Lines</a:t>
-            </a:r>
+              <a:t> </a:t>
+            </a:r>
+            <a:r>
+              <a:rPr lang="de-CH" dirty="0" err="1" smtClean="0"/>
+              <a:t>lines</a:t>
+            </a:r>
+            <a:endParaRPr lang="de-CH" dirty="0"/>
           </a:p>
           <a:p>
             <a:r>
@@ -7076,8 +7493,8 @@
               <a:t>Wall </a:t>
             </a:r>
             <a:r>
-              <a:rPr lang="de-CH" dirty="0" err="1"/>
-              <a:t>Agents</a:t>
+              <a:rPr lang="de-CH" dirty="0" err="1" smtClean="0"/>
+              <a:t>agents</a:t>
             </a:r>
             <a:endParaRPr lang="de-CH" dirty="0"/>
           </a:p>
@@ -7092,7 +7509,7 @@
             </a:r>
             <a:r>
               <a:rPr lang="de-CH" dirty="0" err="1" smtClean="0"/>
-              <a:t>Indicators</a:t>
+              <a:t>indicators</a:t>
             </a:r>
             <a:endParaRPr lang="de-CH" dirty="0" smtClean="0"/>
           </a:p>
@@ -7117,7 +7534,7 @@
           <a:blip r:embed="rId3" cstate="print">
             <a:extLst>
               <a:ext uri="{28A0092B-C50C-407E-A947-70E740481C1C}">
-                <a14:useLocalDpi xmlns:a14="http://schemas.microsoft.com/office/drawing/2010/main" xmlns="" val="0"/>
+                <a14:useLocalDpi xmlns:a14="http://schemas.microsoft.com/office/drawing/2010/main" val="0"/>
               </a:ext>
             </a:extLst>
           </a:blip>
@@ -7137,11 +7554,99 @@
           <a:noFill/>
           <a:extLst>
             <a:ext uri="{909E8E84-426E-40DD-AFC4-6F175D3DCCD1}">
-              <a14:hiddenFill xmlns:a14="http://schemas.microsoft.com/office/drawing/2010/main" xmlns="">
+              <a14:hiddenFill xmlns:a14="http://schemas.microsoft.com/office/drawing/2010/main">
                 <a:solidFill>
                   <a:srgbClr val="FFFFFF"/>
                 </a:solidFill>
               </a14:hiddenFill>
+            </a:ext>
+          </a:extLst>
+        </p:spPr>
+      </p:pic>
+      <p:sp>
+        <p:nvSpPr>
+          <p:cNvPr id="4" name="Foliennummernplatzhalter 3"/>
+          <p:cNvSpPr>
+            <a:spLocks noGrp="1"/>
+          </p:cNvSpPr>
+          <p:nvPr>
+            <p:ph type="sldNum" sz="quarter" idx="12"/>
+          </p:nvPr>
+        </p:nvSpPr>
+        <p:spPr/>
+        <p:txBody>
+          <a:bodyPr/>
+          <a:lstStyle/>
+          <a:p>
+            <a:fld id="{8969DB39-9E70-474F-9A85-81F67A0EA78C}" type="slidenum">
+              <a:rPr lang="de-CH" smtClean="0"/>
+              <a:pPr/>
+              <a:t>13</a:t>
+            </a:fld>
+            <a:endParaRPr lang="de-CH"/>
+          </a:p>
+        </p:txBody>
+      </p:sp>
+      <p:pic>
+        <p:nvPicPr>
+          <p:cNvPr id="6" name="Picture 2"/>
+          <p:cNvPicPr>
+            <a:picLocks noChangeAspect="1" noChangeArrowheads="1"/>
+          </p:cNvPicPr>
+          <p:nvPr/>
+        </p:nvPicPr>
+        <p:blipFill>
+          <a:blip r:embed="rId4" cstate="print">
+            <a:extLst>
+              <a:ext uri="{28A0092B-C50C-407E-A947-70E740481C1C}">
+                <a14:useLocalDpi xmlns:a14="http://schemas.microsoft.com/office/drawing/2010/main" val="0"/>
+              </a:ext>
+            </a:extLst>
+          </a:blip>
+          <a:srcRect/>
+          <a:stretch>
+            <a:fillRect/>
+          </a:stretch>
+        </p:blipFill>
+        <p:spPr bwMode="auto">
+          <a:xfrm>
+            <a:off x="152500" y="6143149"/>
+            <a:ext cx="2592288" cy="649522"/>
+          </a:xfrm>
+          <a:prstGeom prst="rect">
+            <a:avLst/>
+          </a:prstGeom>
+          <a:noFill/>
+          <a:ln>
+            <a:noFill/>
+          </a:ln>
+          <a:effectLst/>
+          <a:extLst>
+            <a:ext uri="{909E8E84-426E-40DD-AFC4-6F175D3DCCD1}">
+              <a14:hiddenFill xmlns:a14="http://schemas.microsoft.com/office/drawing/2010/main">
+                <a:solidFill>
+                  <a:schemeClr val="accent1"/>
+                </a:solidFill>
+              </a14:hiddenFill>
+            </a:ext>
+            <a:ext uri="{91240B29-F687-4F45-9708-019B960494DF}">
+              <a14:hiddenLine xmlns:a14="http://schemas.microsoft.com/office/drawing/2010/main" w="9525">
+                <a:solidFill>
+                  <a:schemeClr val="tx1"/>
+                </a:solidFill>
+                <a:miter lim="800000"/>
+                <a:headEnd/>
+                <a:tailEnd/>
+              </a14:hiddenLine>
+            </a:ext>
+            <a:ext uri="{AF507438-7753-43E0-B8FC-AC1667EBCBE1}">
+              <a14:hiddenEffects xmlns:a14="http://schemas.microsoft.com/office/drawing/2010/main">
+                <a:effectLst>
+                  <a:outerShdw dist="35921" dir="2700000" algn="ctr" rotWithShape="0">
+                    <a:schemeClr val="bg2"/>
+                  </a:outerShdw>
+                </a:effectLst>
+              </a14:hiddenEffects>
             </a:ext>
           </a:extLst>
         </p:spPr>
@@ -7199,7 +7704,7 @@
             </a:r>
             <a:r>
               <a:rPr lang="en-US" dirty="0" smtClean="0"/>
-              <a:t>Diagram</a:t>
+              <a:t>diagram</a:t>
             </a:r>
             <a:endParaRPr lang="en-US" dirty="0"/>
           </a:p>
@@ -7217,7 +7722,7 @@
           <a:blip r:embed="rId2" cstate="print">
             <a:extLst>
               <a:ext uri="{28A0092B-C50C-407E-A947-70E740481C1C}">
-                <a14:useLocalDpi xmlns:a14="http://schemas.microsoft.com/office/drawing/2010/main" xmlns="" val="0"/>
+                <a14:useLocalDpi xmlns:a14="http://schemas.microsoft.com/office/drawing/2010/main" val="0"/>
               </a:ext>
             </a:extLst>
           </a:blip>
@@ -7228,8 +7733,8 @@
         </p:blipFill>
         <p:spPr bwMode="auto">
           <a:xfrm>
-            <a:off x="1565511" y="1844824"/>
-            <a:ext cx="6012978" cy="4604533"/>
+            <a:off x="1565511" y="1844825"/>
+            <a:ext cx="5814801" cy="4452776"/>
           </a:xfrm>
           <a:prstGeom prst="rect">
             <a:avLst/>
@@ -7237,7 +7742,7 @@
           <a:noFill/>
           <a:extLst>
             <a:ext uri="{909E8E84-426E-40DD-AFC4-6F175D3DCCD1}">
-              <a14:hiddenFill xmlns:a14="http://schemas.microsoft.com/office/drawing/2010/main" xmlns="">
+              <a14:hiddenFill xmlns:a14="http://schemas.microsoft.com/office/drawing/2010/main">
                 <a:solidFill>
                   <a:srgbClr val="FFFFFF"/>
                 </a:solidFill>
@@ -7246,16 +7751,111 @@
           </a:extLst>
         </p:spPr>
       </p:pic>
+      <p:sp>
+        <p:nvSpPr>
+          <p:cNvPr id="3" name="Foliennummernplatzhalter 2"/>
+          <p:cNvSpPr>
+            <a:spLocks noGrp="1"/>
+          </p:cNvSpPr>
+          <p:nvPr>
+            <p:ph type="sldNum" sz="quarter" idx="12"/>
+          </p:nvPr>
+        </p:nvSpPr>
+        <p:spPr/>
+        <p:txBody>
+          <a:bodyPr/>
+          <a:lstStyle/>
+          <a:p>
+            <a:fld id="{8969DB39-9E70-474F-9A85-81F67A0EA78C}" type="slidenum">
+              <a:rPr lang="de-CH" smtClean="0"/>
+              <a:pPr/>
+              <a:t>14</a:t>
+            </a:fld>
+            <a:endParaRPr lang="de-CH"/>
+          </a:p>
+        </p:txBody>
+      </p:sp>
+      <p:pic>
+        <p:nvPicPr>
+          <p:cNvPr id="5" name="Picture 2"/>
+          <p:cNvPicPr>
+            <a:picLocks noChangeAspect="1" noChangeArrowheads="1"/>
+          </p:cNvPicPr>
+          <p:nvPr/>
+        </p:nvPicPr>
+        <p:blipFill>
+          <a:blip r:embed="rId3" cstate="print">
+            <a:extLst>
+              <a:ext uri="{28A0092B-C50C-407E-A947-70E740481C1C}">
+                <a14:useLocalDpi xmlns:a14="http://schemas.microsoft.com/office/drawing/2010/main" val="0"/>
+              </a:ext>
+            </a:extLst>
+          </a:blip>
+          <a:srcRect/>
+          <a:stretch>
+            <a:fillRect/>
+          </a:stretch>
+        </p:blipFill>
+        <p:spPr bwMode="auto">
+          <a:xfrm>
+            <a:off x="152500" y="6143149"/>
+            <a:ext cx="2592288" cy="649522"/>
+          </a:xfrm>
+          <a:prstGeom prst="rect">
+            <a:avLst/>
+          </a:prstGeom>
+          <a:noFill/>
+          <a:ln>
+            <a:noFill/>
+          </a:ln>
+          <a:effectLst/>
+          <a:extLst>
+            <a:ext uri="{909E8E84-426E-40DD-AFC4-6F175D3DCCD1}">
+              <a14:hiddenFill xmlns:a14="http://schemas.microsoft.com/office/drawing/2010/main">
+                <a:solidFill>
+                  <a:schemeClr val="accent1"/>
+                </a:solidFill>
+              </a14:hiddenFill>
+            </a:ext>
+            <a:ext uri="{91240B29-F687-4F45-9708-019B960494DF}">
+              <a14:hiddenLine xmlns:a14="http://schemas.microsoft.com/office/drawing/2010/main" w="9525">
+                <a:solidFill>
+                  <a:schemeClr val="tx1"/>
+                </a:solidFill>
+                <a:miter lim="800000"/>
+                <a:headEnd/>
+                <a:tailEnd/>
+              </a14:hiddenLine>
+            </a:ext>
+            <a:ext uri="{AF507438-7753-43E0-B8FC-AC1667EBCBE1}">
+              <a14:hiddenEffects xmlns:a14="http://schemas.microsoft.com/office/drawing/2010/main">
+                <a:effectLst>
+                  <a:outerShdw dist="35921" dir="2700000" algn="ctr" rotWithShape="0">
+                    <a:schemeClr val="bg2"/>
+                  </a:outerShdw>
+                </a:effectLst>
+              </a14:hiddenEffects>
+            </a:ext>
+          </a:extLst>
+        </p:spPr>
+      </p:pic>
     </p:spTree>
     <p:extLst>
       <p:ext uri="{BB962C8B-B14F-4D97-AF65-F5344CB8AC3E}">
-        <p14:creationId xmlns:p14="http://schemas.microsoft.com/office/powerpoint/2010/main" xmlns="" val="1616343719"/>
+        <p14:creationId xmlns:p14="http://schemas.microsoft.com/office/powerpoint/2010/main" val="1616343719"/>
       </p:ext>
     </p:extLst>
   </p:cSld>
   <p:clrMapOvr>
     <a:masterClrMapping/>
   </p:clrMapOvr>
+  <p:timing>
+    <p:tnLst>
+      <p:par>
+        <p:cTn id="1" dur="indefinite" restart="never" nodeType="tmRoot"/>
+      </p:par>
+    </p:tnLst>
+  </p:timing>
 </p:sld>
 </file>
 
@@ -7298,7 +7898,23 @@
           <a:p>
             <a:r>
               <a:rPr lang="de-CH" dirty="0" smtClean="0"/>
-              <a:t>Realisation: The Main Routine</a:t>
+              <a:t>Realisation: The </a:t>
+            </a:r>
+            <a:r>
+              <a:rPr lang="de-CH" dirty="0" err="1" smtClean="0"/>
+              <a:t>main</a:t>
+            </a:r>
+            <a:r>
+              <a:rPr lang="de-CH" dirty="0" smtClean="0"/>
+              <a:t> </a:t>
+            </a:r>
+            <a:r>
+              <a:rPr lang="de-CH" dirty="0" err="1"/>
+              <a:t>r</a:t>
+            </a:r>
+            <a:r>
+              <a:rPr lang="de-CH" dirty="0" err="1" smtClean="0"/>
+              <a:t>outine</a:t>
             </a:r>
             <a:endParaRPr lang="de-CH" dirty="0"/>
           </a:p>
@@ -7434,7 +8050,63 @@
             <a:pPr lvl="1"/>
             <a:r>
               <a:rPr lang="de-CH" dirty="0"/>
-              <a:t>Add  a </a:t>
+              <a:t>Add </a:t>
+            </a:r>
+            <a:r>
+              <a:rPr lang="de-CH" dirty="0" err="1" smtClean="0"/>
+              <a:t>new</a:t>
+            </a:r>
+            <a:r>
+              <a:rPr lang="de-CH" dirty="0" smtClean="0"/>
+              <a:t> </a:t>
+            </a:r>
+            <a:r>
+              <a:rPr lang="de-CH" dirty="0" err="1" smtClean="0"/>
+              <a:t>agents</a:t>
+            </a:r>
+            <a:r>
+              <a:rPr lang="de-CH" dirty="0" smtClean="0"/>
+              <a:t> </a:t>
+            </a:r>
+            <a:r>
+              <a:rPr lang="de-CH" dirty="0" err="1"/>
+              <a:t>to</a:t>
+            </a:r>
+            <a:r>
+              <a:rPr lang="de-CH" dirty="0"/>
+              <a:t> </a:t>
+            </a:r>
+            <a:r>
+              <a:rPr lang="de-CH" dirty="0" err="1"/>
+              <a:t>the</a:t>
+            </a:r>
+            <a:r>
+              <a:rPr lang="de-CH" dirty="0"/>
+              <a:t> </a:t>
+            </a:r>
+            <a:r>
+              <a:rPr lang="de-CH" dirty="0" err="1"/>
+              <a:t>s</a:t>
+            </a:r>
+            <a:r>
+              <a:rPr lang="de-CH" dirty="0" err="1" smtClean="0"/>
+              <a:t>imulation</a:t>
+            </a:r>
+            <a:endParaRPr lang="de-CH" dirty="0"/>
+          </a:p>
+          <a:p>
+            <a:pPr lvl="1"/>
+            <a:r>
+              <a:rPr lang="de-CH" dirty="0"/>
+              <a:t>Plot </a:t>
+            </a:r>
+            <a:r>
+              <a:rPr lang="de-CH" dirty="0" err="1"/>
+              <a:t>the</a:t>
+            </a:r>
+            <a:r>
+              <a:rPr lang="de-CH" dirty="0"/>
+              <a:t> </a:t>
             </a:r>
             <a:r>
               <a:rPr lang="de-CH" dirty="0" err="1"/>
@@ -7445,62 +8117,6 @@
               <a:t> </a:t>
             </a:r>
             <a:r>
-              <a:rPr lang="de-CH" dirty="0" err="1"/>
-              <a:t>agent</a:t>
-            </a:r>
-            <a:r>
-              <a:rPr lang="de-CH" dirty="0"/>
-              <a:t> </a:t>
-            </a:r>
-            <a:r>
-              <a:rPr lang="de-CH" dirty="0" err="1"/>
-              <a:t>to</a:t>
-            </a:r>
-            <a:r>
-              <a:rPr lang="de-CH" dirty="0"/>
-              <a:t> </a:t>
-            </a:r>
-            <a:r>
-              <a:rPr lang="de-CH" dirty="0" err="1"/>
-              <a:t>the</a:t>
-            </a:r>
-            <a:r>
-              <a:rPr lang="de-CH" dirty="0"/>
-              <a:t> </a:t>
-            </a:r>
-            <a:r>
-              <a:rPr lang="de-CH" dirty="0" err="1"/>
-              <a:t>s</a:t>
-            </a:r>
-            <a:r>
-              <a:rPr lang="de-CH" dirty="0" err="1" smtClean="0"/>
-              <a:t>imulation</a:t>
-            </a:r>
-            <a:endParaRPr lang="de-CH" dirty="0"/>
-          </a:p>
-          <a:p>
-            <a:pPr lvl="1"/>
-            <a:r>
-              <a:rPr lang="de-CH" dirty="0"/>
-              <a:t>Plot </a:t>
-            </a:r>
-            <a:r>
-              <a:rPr lang="de-CH" dirty="0" err="1"/>
-              <a:t>the</a:t>
-            </a:r>
-            <a:r>
-              <a:rPr lang="de-CH" dirty="0"/>
-              <a:t> </a:t>
-            </a:r>
-            <a:r>
-              <a:rPr lang="de-CH" dirty="0" err="1"/>
-              <a:t>new</a:t>
-            </a:r>
-            <a:r>
-              <a:rPr lang="de-CH" dirty="0"/>
-              <a:t> </a:t>
-            </a:r>
-            <a:r>
               <a:rPr lang="de-CH" dirty="0" err="1" smtClean="0"/>
               <a:t>situation</a:t>
             </a:r>
@@ -7544,6 +8160,34 @@
               <a:rPr lang="de-CH" dirty="0" err="1" smtClean="0"/>
               <a:t>it</a:t>
             </a:r>
+            <a:r>
+              <a:rPr lang="de-CH" dirty="0" smtClean="0"/>
+              <a:t> </a:t>
+            </a:r>
+            <a:r>
+              <a:rPr lang="de-CH" dirty="0" err="1" smtClean="0"/>
+              <a:t>if</a:t>
+            </a:r>
+            <a:r>
+              <a:rPr lang="de-CH" dirty="0" smtClean="0"/>
+              <a:t> </a:t>
+            </a:r>
+            <a:r>
+              <a:rPr lang="de-CH" dirty="0" err="1" smtClean="0"/>
+              <a:t>chosen</a:t>
+            </a:r>
+            <a:r>
+              <a:rPr lang="de-CH" dirty="0" smtClean="0"/>
+              <a:t> </a:t>
+            </a:r>
+            <a:r>
+              <a:rPr lang="de-CH" dirty="0" err="1" smtClean="0"/>
+              <a:t>to</a:t>
+            </a:r>
+            <a:r>
+              <a:rPr lang="de-CH" dirty="0" smtClean="0"/>
+              <a:t> do so</a:t>
+            </a:r>
             <a:endParaRPr lang="de-CH" dirty="0"/>
           </a:p>
           <a:p>
@@ -7555,6 +8199,94 @@
           </a:p>
         </p:txBody>
       </p:sp>
+      <p:sp>
+        <p:nvSpPr>
+          <p:cNvPr id="4" name="Foliennummernplatzhalter 3"/>
+          <p:cNvSpPr>
+            <a:spLocks noGrp="1"/>
+          </p:cNvSpPr>
+          <p:nvPr>
+            <p:ph type="sldNum" sz="quarter" idx="12"/>
+          </p:nvPr>
+        </p:nvSpPr>
+        <p:spPr/>
+        <p:txBody>
+          <a:bodyPr/>
+          <a:lstStyle/>
+          <a:p>
+            <a:fld id="{8969DB39-9E70-474F-9A85-81F67A0EA78C}" type="slidenum">
+              <a:rPr lang="de-CH" smtClean="0"/>
+              <a:pPr/>
+              <a:t>15</a:t>
+            </a:fld>
+            <a:endParaRPr lang="de-CH"/>
+          </a:p>
+        </p:txBody>
+      </p:sp>
+      <p:pic>
+        <p:nvPicPr>
+          <p:cNvPr id="5" name="Picture 2"/>
+          <p:cNvPicPr>
+            <a:picLocks noChangeAspect="1" noChangeArrowheads="1"/>
+          </p:cNvPicPr>
+          <p:nvPr/>
+        </p:nvPicPr>
+        <p:blipFill>
+          <a:blip r:embed="rId2" cstate="print">
+            <a:extLst>
+              <a:ext uri="{28A0092B-C50C-407E-A947-70E740481C1C}">
+                <a14:useLocalDpi xmlns:a14="http://schemas.microsoft.com/office/drawing/2010/main" val="0"/>
+              </a:ext>
+            </a:extLst>
+          </a:blip>
+          <a:srcRect/>
+          <a:stretch>
+            <a:fillRect/>
+          </a:stretch>
+        </p:blipFill>
+        <p:spPr bwMode="auto">
+          <a:xfrm>
+            <a:off x="152500" y="6143149"/>
+            <a:ext cx="2592288" cy="649522"/>
+          </a:xfrm>
+          <a:prstGeom prst="rect">
+            <a:avLst/>
+          </a:prstGeom>
+          <a:noFill/>
+          <a:ln>
+            <a:noFill/>
+          </a:ln>
+          <a:effectLst/>
+          <a:extLst>
+            <a:ext uri="{909E8E84-426E-40DD-AFC4-6F175D3DCCD1}">
+              <a14:hiddenFill xmlns:a14="http://schemas.microsoft.com/office/drawing/2010/main">
+                <a:solidFill>
+                  <a:schemeClr val="accent1"/>
+                </a:solidFill>
+              </a14:hiddenFill>
+            </a:ext>
+            <a:ext uri="{91240B29-F687-4F45-9708-019B960494DF}">
+              <a14:hiddenLine xmlns:a14="http://schemas.microsoft.com/office/drawing/2010/main" w="9525">
+                <a:solidFill>
+                  <a:schemeClr val="tx1"/>
+                </a:solidFill>
+                <a:miter lim="800000"/>
+                <a:headEnd/>
+                <a:tailEnd/>
+              </a14:hiddenLine>
+            </a:ext>
+            <a:ext uri="{AF507438-7753-43E0-B8FC-AC1667EBCBE1}">
+              <a14:hiddenEffects xmlns:a14="http://schemas.microsoft.com/office/drawing/2010/main">
+                <a:effectLst>
+                  <a:outerShdw dist="35921" dir="2700000" algn="ctr" rotWithShape="0">
+                    <a:schemeClr val="bg2"/>
+                  </a:outerShdw>
+                </a:effectLst>
+              </a14:hiddenEffects>
+            </a:ext>
+          </a:extLst>
+        </p:spPr>
+      </p:pic>
     </p:spTree>
   </p:cSld>
   <p:clrMapOvr>
@@ -7643,21 +8375,22 @@
             </a:r>
             <a:r>
               <a:rPr lang="de-CH" dirty="0" smtClean="0"/>
-              <a:t>: &lt;welcher </a:t>
-            </a:r>
-            <a:r>
-              <a:rPr lang="de-CH" dirty="0" err="1" smtClean="0"/>
-              <a:t>Seed</a:t>
-            </a:r>
-            <a:r>
-              <a:rPr lang="de-CH" dirty="0" smtClean="0"/>
-              <a:t> nehmen wir?&gt;</a:t>
-            </a:r>
-          </a:p>
-          <a:p>
-            <a:r>
-              <a:rPr lang="de-CH" dirty="0" smtClean="0"/>
-              <a:t>Most </a:t>
+              <a:t>: </a:t>
+            </a:r>
+            <a:r>
+              <a:rPr lang="de-CH" dirty="0" smtClean="0"/>
+              <a:t>51</a:t>
+            </a:r>
+            <a:endParaRPr lang="de-CH" dirty="0" smtClean="0"/>
+          </a:p>
+          <a:p>
+            <a:r>
+              <a:rPr lang="de-CH" dirty="0" err="1" smtClean="0"/>
+              <a:t>One</a:t>
+            </a:r>
+            <a:r>
+              <a:rPr lang="de-CH" dirty="0" smtClean="0"/>
+              <a:t> out </a:t>
             </a:r>
             <a:r>
               <a:rPr lang="de-CH" dirty="0" err="1" smtClean="0"/>
@@ -7673,56 +8406,128 @@
             </a:r>
             <a:r>
               <a:rPr lang="de-CH" dirty="0" smtClean="0"/>
-              <a:t> </a:t>
-            </a:r>
-            <a:r>
-              <a:rPr lang="de-CH" dirty="0" err="1" smtClean="0"/>
-              <a:t>parameters</a:t>
-            </a:r>
-            <a:r>
-              <a:rPr lang="de-CH" dirty="0" smtClean="0"/>
-              <a:t> </a:t>
-            </a:r>
-            <a:r>
-              <a:rPr lang="de-CH" dirty="0" err="1" smtClean="0"/>
-              <a:t>are</a:t>
-            </a:r>
-            <a:r>
-              <a:rPr lang="de-CH" dirty="0" smtClean="0"/>
-              <a:t> </a:t>
-            </a:r>
-            <a:r>
-              <a:rPr lang="de-CH" dirty="0" err="1" smtClean="0"/>
-              <a:t>saved</a:t>
-            </a:r>
-            <a:r>
-              <a:rPr lang="de-CH" dirty="0" smtClean="0"/>
-              <a:t> in </a:t>
-            </a:r>
-            <a:r>
-              <a:rPr lang="de-CH" dirty="0" err="1" smtClean="0"/>
-              <a:t>the</a:t>
-            </a:r>
-            <a:r>
-              <a:rPr lang="de-CH" dirty="0" smtClean="0"/>
-              <a:t> </a:t>
-            </a:r>
-            <a:r>
-              <a:rPr lang="de-CH" dirty="0" err="1" smtClean="0"/>
-              <a:t>constants</a:t>
-            </a:r>
-            <a:r>
-              <a:rPr lang="de-CH" dirty="0" smtClean="0"/>
-              <a:t> </a:t>
-            </a:r>
-            <a:r>
-              <a:rPr lang="de-CH" dirty="0" err="1" smtClean="0"/>
-              <a:t>file</a:t>
+              <a:t> DISPERSIONFACTOR </a:t>
+            </a:r>
+            <a:r>
+              <a:rPr lang="de-CH" dirty="0" err="1" smtClean="0"/>
+              <a:t>series</a:t>
+            </a:r>
+            <a:r>
+              <a:rPr lang="de-CH" dirty="0" smtClean="0"/>
+              <a:t> </a:t>
+            </a:r>
+            <a:r>
+              <a:rPr lang="de-CH" dirty="0" err="1" smtClean="0"/>
+              <a:t>with</a:t>
+            </a:r>
+            <a:r>
+              <a:rPr lang="de-CH" dirty="0" smtClean="0"/>
+              <a:t> 0.7 </a:t>
+            </a:r>
+            <a:r>
+              <a:rPr lang="de-CH" dirty="0" err="1" smtClean="0"/>
+              <a:t>for</a:t>
+            </a:r>
+            <a:r>
+              <a:rPr lang="de-CH" dirty="0"/>
+              <a:t> </a:t>
+            </a:r>
+            <a:r>
+              <a:rPr lang="de-CH" dirty="0" smtClean="0"/>
+              <a:t>DISPERSIONFACTOR</a:t>
             </a:r>
             <a:endParaRPr lang="de-CH" dirty="0"/>
           </a:p>
         </p:txBody>
       </p:sp>
+      <p:sp>
+        <p:nvSpPr>
+          <p:cNvPr id="4" name="Foliennummernplatzhalter 3"/>
+          <p:cNvSpPr>
+            <a:spLocks noGrp="1"/>
+          </p:cNvSpPr>
+          <p:nvPr>
+            <p:ph type="sldNum" sz="quarter" idx="12"/>
+          </p:nvPr>
+        </p:nvSpPr>
+        <p:spPr/>
+        <p:txBody>
+          <a:bodyPr/>
+          <a:lstStyle/>
+          <a:p>
+            <a:fld id="{8969DB39-9E70-474F-9A85-81F67A0EA78C}" type="slidenum">
+              <a:rPr lang="de-CH" smtClean="0"/>
+              <a:pPr/>
+              <a:t>16</a:t>
+            </a:fld>
+            <a:endParaRPr lang="de-CH"/>
+          </a:p>
+        </p:txBody>
+      </p:sp>
+      <p:pic>
+        <p:nvPicPr>
+          <p:cNvPr id="5" name="Picture 2"/>
+          <p:cNvPicPr>
+            <a:picLocks noChangeAspect="1" noChangeArrowheads="1"/>
+          </p:cNvPicPr>
+          <p:nvPr/>
+        </p:nvPicPr>
+        <p:blipFill>
+          <a:blip r:embed="rId3" cstate="print">
+            <a:extLst>
+              <a:ext uri="{28A0092B-C50C-407E-A947-70E740481C1C}">
+                <a14:useLocalDpi xmlns:a14="http://schemas.microsoft.com/office/drawing/2010/main" val="0"/>
+              </a:ext>
+            </a:extLst>
+          </a:blip>
+          <a:srcRect/>
+          <a:stretch>
+            <a:fillRect/>
+          </a:stretch>
+        </p:blipFill>
+        <p:spPr bwMode="auto">
+          <a:xfrm>
+            <a:off x="152500" y="6143149"/>
+            <a:ext cx="2592288" cy="649522"/>
+          </a:xfrm>
+          <a:prstGeom prst="rect">
+            <a:avLst/>
+          </a:prstGeom>
+          <a:noFill/>
+          <a:ln>
+            <a:noFill/>
+          </a:ln>
+          <a:effectLst/>
+          <a:extLst>
+            <a:ext uri="{909E8E84-426E-40DD-AFC4-6F175D3DCCD1}">
+              <a14:hiddenFill xmlns:a14="http://schemas.microsoft.com/office/drawing/2010/main">
+                <a:solidFill>
+                  <a:schemeClr val="accent1"/>
+                </a:solidFill>
+              </a14:hiddenFill>
+            </a:ext>
+            <a:ext uri="{91240B29-F687-4F45-9708-019B960494DF}">
+              <a14:hiddenLine xmlns:a14="http://schemas.microsoft.com/office/drawing/2010/main" w="9525">
+                <a:solidFill>
+                  <a:schemeClr val="tx1"/>
+                </a:solidFill>
+                <a:miter lim="800000"/>
+                <a:headEnd/>
+                <a:tailEnd/>
+              </a14:hiddenLine>
+            </a:ext>
+            <a:ext uri="{AF507438-7753-43E0-B8FC-AC1667EBCBE1}">
+              <a14:hiddenEffects xmlns:a14="http://schemas.microsoft.com/office/drawing/2010/main">
+                <a:effectLst>
+                  <a:outerShdw dist="35921" dir="2700000" algn="ctr" rotWithShape="0">
+                    <a:schemeClr val="bg2"/>
+                  </a:outerShdw>
+                </a:effectLst>
+              </a14:hiddenEffects>
+            </a:ext>
+          </a:extLst>
+        </p:spPr>
+      </p:pic>
     </p:spTree>
   </p:cSld>
   <p:clrMapOvr>
@@ -8049,6 +8854,94 @@
           </a:p>
         </p:txBody>
       </p:sp>
+      <p:sp>
+        <p:nvSpPr>
+          <p:cNvPr id="4" name="Foliennummernplatzhalter 3"/>
+          <p:cNvSpPr>
+            <a:spLocks noGrp="1"/>
+          </p:cNvSpPr>
+          <p:nvPr>
+            <p:ph type="sldNum" sz="quarter" idx="12"/>
+          </p:nvPr>
+        </p:nvSpPr>
+        <p:spPr/>
+        <p:txBody>
+          <a:bodyPr/>
+          <a:lstStyle/>
+          <a:p>
+            <a:fld id="{8969DB39-9E70-474F-9A85-81F67A0EA78C}" type="slidenum">
+              <a:rPr lang="de-CH" smtClean="0"/>
+              <a:pPr/>
+              <a:t>17</a:t>
+            </a:fld>
+            <a:endParaRPr lang="de-CH"/>
+          </a:p>
+        </p:txBody>
+      </p:sp>
+      <p:pic>
+        <p:nvPicPr>
+          <p:cNvPr id="5" name="Picture 2"/>
+          <p:cNvPicPr>
+            <a:picLocks noChangeAspect="1" noChangeArrowheads="1"/>
+          </p:cNvPicPr>
+          <p:nvPr/>
+        </p:nvPicPr>
+        <p:blipFill>
+          <a:blip r:embed="rId3" cstate="print">
+            <a:extLst>
+              <a:ext uri="{28A0092B-C50C-407E-A947-70E740481C1C}">
+                <a14:useLocalDpi xmlns:a14="http://schemas.microsoft.com/office/drawing/2010/main" val="0"/>
+              </a:ext>
+            </a:extLst>
+          </a:blip>
+          <a:srcRect/>
+          <a:stretch>
+            <a:fillRect/>
+          </a:stretch>
+        </p:blipFill>
+        <p:spPr bwMode="auto">
+          <a:xfrm>
+            <a:off x="152500" y="6143149"/>
+            <a:ext cx="2592288" cy="649522"/>
+          </a:xfrm>
+          <a:prstGeom prst="rect">
+            <a:avLst/>
+          </a:prstGeom>
+          <a:noFill/>
+          <a:ln>
+            <a:noFill/>
+          </a:ln>
+          <a:effectLst/>
+          <a:extLst>
+            <a:ext uri="{909E8E84-426E-40DD-AFC4-6F175D3DCCD1}">
+              <a14:hiddenFill xmlns:a14="http://schemas.microsoft.com/office/drawing/2010/main">
+                <a:solidFill>
+                  <a:schemeClr val="accent1"/>
+                </a:solidFill>
+              </a14:hiddenFill>
+            </a:ext>
+            <a:ext uri="{91240B29-F687-4F45-9708-019B960494DF}">
+              <a14:hiddenLine xmlns:a14="http://schemas.microsoft.com/office/drawing/2010/main" w="9525">
+                <a:solidFill>
+                  <a:schemeClr val="tx1"/>
+                </a:solidFill>
+                <a:miter lim="800000"/>
+                <a:headEnd/>
+                <a:tailEnd/>
+              </a14:hiddenLine>
+            </a:ext>
+            <a:ext uri="{AF507438-7753-43E0-B8FC-AC1667EBCBE1}">
+              <a14:hiddenEffects xmlns:a14="http://schemas.microsoft.com/office/drawing/2010/main">
+                <a:effectLst>
+                  <a:outerShdw dist="35921" dir="2700000" algn="ctr" rotWithShape="0">
+                    <a:schemeClr val="bg2"/>
+                  </a:outerShdw>
+                </a:effectLst>
+              </a14:hiddenEffects>
+            </a:ext>
+          </a:extLst>
+        </p:spPr>
+      </p:pic>
     </p:spTree>
   </p:cSld>
   <p:clrMapOvr>
@@ -8156,6 +9049,94 @@
             <a:avLst/>
           </a:prstGeom>
           <a:noFill/>
+        </p:spPr>
+      </p:pic>
+      <p:sp>
+        <p:nvSpPr>
+          <p:cNvPr id="3" name="Foliennummernplatzhalter 2"/>
+          <p:cNvSpPr>
+            <a:spLocks noGrp="1"/>
+          </p:cNvSpPr>
+          <p:nvPr>
+            <p:ph type="sldNum" sz="quarter" idx="12"/>
+          </p:nvPr>
+        </p:nvSpPr>
+        <p:spPr/>
+        <p:txBody>
+          <a:bodyPr/>
+          <a:lstStyle/>
+          <a:p>
+            <a:fld id="{8969DB39-9E70-474F-9A85-81F67A0EA78C}" type="slidenum">
+              <a:rPr lang="de-CH" smtClean="0"/>
+              <a:pPr/>
+              <a:t>18</a:t>
+            </a:fld>
+            <a:endParaRPr lang="de-CH"/>
+          </a:p>
+        </p:txBody>
+      </p:sp>
+      <p:pic>
+        <p:nvPicPr>
+          <p:cNvPr id="5" name="Picture 2"/>
+          <p:cNvPicPr>
+            <a:picLocks noChangeAspect="1" noChangeArrowheads="1"/>
+          </p:cNvPicPr>
+          <p:nvPr/>
+        </p:nvPicPr>
+        <p:blipFill>
+          <a:blip r:embed="rId3" cstate="print">
+            <a:extLst>
+              <a:ext uri="{28A0092B-C50C-407E-A947-70E740481C1C}">
+                <a14:useLocalDpi xmlns:a14="http://schemas.microsoft.com/office/drawing/2010/main" val="0"/>
+              </a:ext>
+            </a:extLst>
+          </a:blip>
+          <a:srcRect/>
+          <a:stretch>
+            <a:fillRect/>
+          </a:stretch>
+        </p:blipFill>
+        <p:spPr bwMode="auto">
+          <a:xfrm>
+            <a:off x="152500" y="6143149"/>
+            <a:ext cx="2592288" cy="649522"/>
+          </a:xfrm>
+          <a:prstGeom prst="rect">
+            <a:avLst/>
+          </a:prstGeom>
+          <a:noFill/>
+          <a:ln>
+            <a:noFill/>
+          </a:ln>
+          <a:effectLst/>
+          <a:extLst>
+            <a:ext uri="{909E8E84-426E-40DD-AFC4-6F175D3DCCD1}">
+              <a14:hiddenFill xmlns:a14="http://schemas.microsoft.com/office/drawing/2010/main">
+                <a:solidFill>
+                  <a:schemeClr val="accent1"/>
+                </a:solidFill>
+              </a14:hiddenFill>
+            </a:ext>
+            <a:ext uri="{91240B29-F687-4F45-9708-019B960494DF}">
+              <a14:hiddenLine xmlns:a14="http://schemas.microsoft.com/office/drawing/2010/main" w="9525">
+                <a:solidFill>
+                  <a:schemeClr val="tx1"/>
+                </a:solidFill>
+                <a:miter lim="800000"/>
+                <a:headEnd/>
+                <a:tailEnd/>
+              </a14:hiddenLine>
+            </a:ext>
+            <a:ext uri="{AF507438-7753-43E0-B8FC-AC1667EBCBE1}">
+              <a14:hiddenEffects xmlns:a14="http://schemas.microsoft.com/office/drawing/2010/main">
+                <a:effectLst>
+                  <a:outerShdw dist="35921" dir="2700000" algn="ctr" rotWithShape="0">
+                    <a:schemeClr val="bg2"/>
+                  </a:outerShdw>
+                </a:effectLst>
+              </a14:hiddenEffects>
+            </a:ext>
+          </a:extLst>
         </p:spPr>
       </p:pic>
     </p:spTree>
@@ -8190,57 +9171,6 @@
           <a:chExt cx="0" cy="0"/>
         </a:xfrm>
       </p:grpSpPr>
-      <p:sp>
-        <p:nvSpPr>
-          <p:cNvPr id="2" name="Titel 1"/>
-          <p:cNvSpPr>
-            <a:spLocks noGrp="1"/>
-          </p:cNvSpPr>
-          <p:nvPr>
-            <p:ph type="title"/>
-          </p:nvPr>
-        </p:nvSpPr>
-        <p:spPr/>
-        <p:txBody>
-          <a:bodyPr/>
-          <a:lstStyle/>
-          <a:p>
-            <a:r>
-              <a:rPr lang="de-DE" dirty="0" err="1" smtClean="0"/>
-              <a:t>Our</a:t>
-            </a:r>
-            <a:r>
-              <a:rPr lang="de-DE" dirty="0" smtClean="0"/>
-              <a:t> </a:t>
-            </a:r>
-            <a:r>
-              <a:rPr lang="de-DE" dirty="0" err="1" smtClean="0"/>
-              <a:t>tests</a:t>
-            </a:r>
-            <a:r>
-              <a:rPr lang="de-DE" dirty="0" smtClean="0"/>
-              <a:t> – </a:t>
-            </a:r>
-            <a:r>
-              <a:rPr lang="de-DE" dirty="0" err="1" smtClean="0"/>
-              <a:t>width</a:t>
-            </a:r>
-            <a:r>
-              <a:rPr lang="de-DE" dirty="0" smtClean="0"/>
-              <a:t> </a:t>
-            </a:r>
-            <a:r>
-              <a:rPr lang="de-DE" dirty="0" err="1" smtClean="0"/>
-              <a:t>as</a:t>
-            </a:r>
-            <a:r>
-              <a:rPr lang="de-DE" dirty="0" smtClean="0"/>
-              <a:t> variable</a:t>
-            </a:r>
-            <a:endParaRPr lang="de-CH" dirty="0"/>
-          </a:p>
-        </p:txBody>
-      </p:sp>
       <p:pic>
         <p:nvPicPr>
           <p:cNvPr id="5122" name="Picture 2" descr="C:\Users\Ueli\GitHub\MSSSM\doc\latex\pictures\AAveragesInOne.png"/>
@@ -8258,13 +9188,152 @@
         </p:blipFill>
         <p:spPr bwMode="auto">
           <a:xfrm>
-            <a:off x="1439652" y="1916832"/>
-            <a:ext cx="6264696" cy="4690147"/>
+            <a:off x="1439652" y="1772816"/>
+            <a:ext cx="6078940" cy="4551078"/>
           </a:xfrm>
           <a:prstGeom prst="rect">
             <a:avLst/>
           </a:prstGeom>
           <a:noFill/>
+        </p:spPr>
+      </p:pic>
+      <p:sp>
+        <p:nvSpPr>
+          <p:cNvPr id="2" name="Titel 1"/>
+          <p:cNvSpPr>
+            <a:spLocks noGrp="1"/>
+          </p:cNvSpPr>
+          <p:nvPr>
+            <p:ph type="title"/>
+          </p:nvPr>
+        </p:nvSpPr>
+        <p:spPr/>
+        <p:txBody>
+          <a:bodyPr/>
+          <a:lstStyle/>
+          <a:p>
+            <a:r>
+              <a:rPr lang="de-DE" dirty="0" err="1" smtClean="0"/>
+              <a:t>Our</a:t>
+            </a:r>
+            <a:r>
+              <a:rPr lang="de-DE" dirty="0" smtClean="0"/>
+              <a:t> </a:t>
+            </a:r>
+            <a:r>
+              <a:rPr lang="de-DE" dirty="0" err="1" smtClean="0"/>
+              <a:t>tests</a:t>
+            </a:r>
+            <a:r>
+              <a:rPr lang="de-DE" dirty="0" smtClean="0"/>
+              <a:t> – </a:t>
+            </a:r>
+            <a:r>
+              <a:rPr lang="de-DE" dirty="0" err="1" smtClean="0"/>
+              <a:t>width</a:t>
+            </a:r>
+            <a:r>
+              <a:rPr lang="de-DE" dirty="0" smtClean="0"/>
+              <a:t> </a:t>
+            </a:r>
+            <a:r>
+              <a:rPr lang="de-DE" dirty="0" err="1" smtClean="0"/>
+              <a:t>as</a:t>
+            </a:r>
+            <a:r>
+              <a:rPr lang="de-DE" dirty="0" smtClean="0"/>
+              <a:t> variable</a:t>
+            </a:r>
+            <a:endParaRPr lang="de-CH" dirty="0"/>
+          </a:p>
+        </p:txBody>
+      </p:sp>
+      <p:sp>
+        <p:nvSpPr>
+          <p:cNvPr id="3" name="Foliennummernplatzhalter 2"/>
+          <p:cNvSpPr>
+            <a:spLocks noGrp="1"/>
+          </p:cNvSpPr>
+          <p:nvPr>
+            <p:ph type="sldNum" sz="quarter" idx="12"/>
+          </p:nvPr>
+        </p:nvSpPr>
+        <p:spPr/>
+        <p:txBody>
+          <a:bodyPr/>
+          <a:lstStyle/>
+          <a:p>
+            <a:fld id="{8969DB39-9E70-474F-9A85-81F67A0EA78C}" type="slidenum">
+              <a:rPr lang="de-CH" smtClean="0"/>
+              <a:pPr/>
+              <a:t>19</a:t>
+            </a:fld>
+            <a:endParaRPr lang="de-CH"/>
+          </a:p>
+        </p:txBody>
+      </p:sp>
+      <p:pic>
+        <p:nvPicPr>
+          <p:cNvPr id="5" name="Picture 2"/>
+          <p:cNvPicPr>
+            <a:picLocks noChangeAspect="1" noChangeArrowheads="1"/>
+          </p:cNvPicPr>
+          <p:nvPr/>
+        </p:nvPicPr>
+        <p:blipFill>
+          <a:blip r:embed="rId3" cstate="print">
+            <a:extLst>
+              <a:ext uri="{28A0092B-C50C-407E-A947-70E740481C1C}">
+                <a14:useLocalDpi xmlns:a14="http://schemas.microsoft.com/office/drawing/2010/main" val="0"/>
+              </a:ext>
+            </a:extLst>
+          </a:blip>
+          <a:srcRect/>
+          <a:stretch>
+            <a:fillRect/>
+          </a:stretch>
+        </p:blipFill>
+        <p:spPr bwMode="auto">
+          <a:xfrm>
+            <a:off x="152500" y="6143149"/>
+            <a:ext cx="2592288" cy="649522"/>
+          </a:xfrm>
+          <a:prstGeom prst="rect">
+            <a:avLst/>
+          </a:prstGeom>
+          <a:noFill/>
+          <a:ln>
+            <a:noFill/>
+          </a:ln>
+          <a:effectLst/>
+          <a:extLst>
+            <a:ext uri="{909E8E84-426E-40DD-AFC4-6F175D3DCCD1}">
+              <a14:hiddenFill xmlns:a14="http://schemas.microsoft.com/office/drawing/2010/main">
+                <a:solidFill>
+                  <a:schemeClr val="accent1"/>
+                </a:solidFill>
+              </a14:hiddenFill>
+            </a:ext>
+            <a:ext uri="{91240B29-F687-4F45-9708-019B960494DF}">
+              <a14:hiddenLine xmlns:a14="http://schemas.microsoft.com/office/drawing/2010/main" w="9525">
+                <a:solidFill>
+                  <a:schemeClr val="tx1"/>
+                </a:solidFill>
+                <a:miter lim="800000"/>
+                <a:headEnd/>
+                <a:tailEnd/>
+              </a14:hiddenLine>
+            </a:ext>
+            <a:ext uri="{AF507438-7753-43E0-B8FC-AC1667EBCBE1}">
+              <a14:hiddenEffects xmlns:a14="http://schemas.microsoft.com/office/drawing/2010/main">
+                <a:effectLst>
+                  <a:outerShdw dist="35921" dir="2700000" algn="ctr" rotWithShape="0">
+                    <a:schemeClr val="bg2"/>
+                  </a:outerShdw>
+                </a:effectLst>
+              </a14:hiddenEffects>
+            </a:ext>
+          </a:extLst>
         </p:spPr>
       </p:pic>
     </p:spTree>
@@ -8339,11 +9408,7 @@
           <a:p>
             <a:r>
               <a:rPr lang="en-US" dirty="0" smtClean="0"/>
-              <a:t>Introduction &amp; </a:t>
-            </a:r>
-            <a:r>
-              <a:rPr lang="en-US" dirty="0" smtClean="0"/>
-              <a:t>basic idea</a:t>
+              <a:t>Introduction &amp; basic idea</a:t>
             </a:r>
           </a:p>
           <a:p>
@@ -8390,6 +9455,94 @@
           </a:p>
           <a:p>
             <a:endParaRPr lang="en-US" dirty="0"/>
+          </a:p>
+        </p:txBody>
+      </p:sp>
+      <p:pic>
+        <p:nvPicPr>
+          <p:cNvPr id="1026" name="Picture 2"/>
+          <p:cNvPicPr>
+            <a:picLocks noChangeAspect="1" noChangeArrowheads="1"/>
+          </p:cNvPicPr>
+          <p:nvPr/>
+        </p:nvPicPr>
+        <p:blipFill>
+          <a:blip r:embed="rId3" cstate="print">
+            <a:extLst>
+              <a:ext uri="{28A0092B-C50C-407E-A947-70E740481C1C}">
+                <a14:useLocalDpi xmlns:a14="http://schemas.microsoft.com/office/drawing/2010/main" val="0"/>
+              </a:ext>
+            </a:extLst>
+          </a:blip>
+          <a:srcRect/>
+          <a:stretch>
+            <a:fillRect/>
+          </a:stretch>
+        </p:blipFill>
+        <p:spPr bwMode="auto">
+          <a:xfrm>
+            <a:off x="152500" y="6143149"/>
+            <a:ext cx="2592288" cy="649522"/>
+          </a:xfrm>
+          <a:prstGeom prst="rect">
+            <a:avLst/>
+          </a:prstGeom>
+          <a:noFill/>
+          <a:ln>
+            <a:noFill/>
+          </a:ln>
+          <a:effectLst/>
+          <a:extLst>
+            <a:ext uri="{909E8E84-426E-40DD-AFC4-6F175D3DCCD1}">
+              <a14:hiddenFill xmlns:a14="http://schemas.microsoft.com/office/drawing/2010/main">
+                <a:solidFill>
+                  <a:schemeClr val="accent1"/>
+                </a:solidFill>
+              </a14:hiddenFill>
+            </a:ext>
+            <a:ext uri="{91240B29-F687-4F45-9708-019B960494DF}">
+              <a14:hiddenLine xmlns:a14="http://schemas.microsoft.com/office/drawing/2010/main" w="9525">
+                <a:solidFill>
+                  <a:schemeClr val="tx1"/>
+                </a:solidFill>
+                <a:miter lim="800000"/>
+                <a:headEnd/>
+                <a:tailEnd/>
+              </a14:hiddenLine>
+            </a:ext>
+            <a:ext uri="{AF507438-7753-43E0-B8FC-AC1667EBCBE1}">
+              <a14:hiddenEffects xmlns:a14="http://schemas.microsoft.com/office/drawing/2010/main">
+                <a:effectLst>
+                  <a:outerShdw dist="35921" dir="2700000" algn="ctr" rotWithShape="0">
+                    <a:schemeClr val="bg2"/>
+                  </a:outerShdw>
+                </a:effectLst>
+              </a14:hiddenEffects>
+            </a:ext>
+          </a:extLst>
+        </p:spPr>
+      </p:pic>
+      <p:sp>
+        <p:nvSpPr>
+          <p:cNvPr id="4" name="Foliennummernplatzhalter 3"/>
+          <p:cNvSpPr>
+            <a:spLocks noGrp="1"/>
+          </p:cNvSpPr>
+          <p:nvPr>
+            <p:ph type="sldNum" sz="quarter" idx="12"/>
+          </p:nvPr>
+        </p:nvSpPr>
+        <p:spPr/>
+        <p:txBody>
+          <a:bodyPr/>
+          <a:lstStyle/>
+          <a:p>
+            <a:fld id="{8969DB39-9E70-474F-9A85-81F67A0EA78C}" type="slidenum">
+              <a:rPr lang="de-CH" smtClean="0"/>
+              <a:pPr/>
+              <a:t>2</a:t>
+            </a:fld>
+            <a:endParaRPr lang="de-CH"/>
           </a:p>
         </p:txBody>
       </p:sp>
@@ -8460,7 +9613,7 @@
           <a:blip r:embed="rId3" cstate="print">
             <a:extLst>
               <a:ext uri="{28A0092B-C50C-407E-A947-70E740481C1C}">
-                <a14:useLocalDpi xmlns:a14="http://schemas.microsoft.com/office/drawing/2010/main" xmlns="" val="0"/>
+                <a14:useLocalDpi xmlns:a14="http://schemas.microsoft.com/office/drawing/2010/main" val="0"/>
               </a:ext>
             </a:extLst>
           </a:blip>
@@ -8471,8 +9624,8 @@
         </p:blipFill>
         <p:spPr bwMode="auto">
           <a:xfrm>
-            <a:off x="2118792" y="2036504"/>
-            <a:ext cx="4906416" cy="4543138"/>
+            <a:off x="2324522" y="1807637"/>
+            <a:ext cx="4685456" cy="4338538"/>
           </a:xfrm>
           <a:prstGeom prst="rect">
             <a:avLst/>
@@ -8480,11 +9633,99 @@
           <a:noFill/>
           <a:extLst>
             <a:ext uri="{909E8E84-426E-40DD-AFC4-6F175D3DCCD1}">
-              <a14:hiddenFill xmlns:a14="http://schemas.microsoft.com/office/drawing/2010/main" xmlns="">
+              <a14:hiddenFill xmlns:a14="http://schemas.microsoft.com/office/drawing/2010/main">
                 <a:solidFill>
                   <a:srgbClr val="FFFFFF"/>
                 </a:solidFill>
               </a14:hiddenFill>
+            </a:ext>
+          </a:extLst>
+        </p:spPr>
+      </p:pic>
+      <p:sp>
+        <p:nvSpPr>
+          <p:cNvPr id="3" name="Foliennummernplatzhalter 2"/>
+          <p:cNvSpPr>
+            <a:spLocks noGrp="1"/>
+          </p:cNvSpPr>
+          <p:nvPr>
+            <p:ph type="sldNum" sz="quarter" idx="12"/>
+          </p:nvPr>
+        </p:nvSpPr>
+        <p:spPr/>
+        <p:txBody>
+          <a:bodyPr/>
+          <a:lstStyle/>
+          <a:p>
+            <a:fld id="{8969DB39-9E70-474F-9A85-81F67A0EA78C}" type="slidenum">
+              <a:rPr lang="de-CH" smtClean="0"/>
+              <a:pPr/>
+              <a:t>20</a:t>
+            </a:fld>
+            <a:endParaRPr lang="de-CH"/>
+          </a:p>
+        </p:txBody>
+      </p:sp>
+      <p:pic>
+        <p:nvPicPr>
+          <p:cNvPr id="5" name="Picture 2"/>
+          <p:cNvPicPr>
+            <a:picLocks noChangeAspect="1" noChangeArrowheads="1"/>
+          </p:cNvPicPr>
+          <p:nvPr/>
+        </p:nvPicPr>
+        <p:blipFill>
+          <a:blip r:embed="rId4" cstate="print">
+            <a:extLst>
+              <a:ext uri="{28A0092B-C50C-407E-A947-70E740481C1C}">
+                <a14:useLocalDpi xmlns:a14="http://schemas.microsoft.com/office/drawing/2010/main" val="0"/>
+              </a:ext>
+            </a:extLst>
+          </a:blip>
+          <a:srcRect/>
+          <a:stretch>
+            <a:fillRect/>
+          </a:stretch>
+        </p:blipFill>
+        <p:spPr bwMode="auto">
+          <a:xfrm>
+            <a:off x="152500" y="6143149"/>
+            <a:ext cx="2592288" cy="649522"/>
+          </a:xfrm>
+          <a:prstGeom prst="rect">
+            <a:avLst/>
+          </a:prstGeom>
+          <a:noFill/>
+          <a:ln>
+            <a:noFill/>
+          </a:ln>
+          <a:effectLst/>
+          <a:extLst>
+            <a:ext uri="{909E8E84-426E-40DD-AFC4-6F175D3DCCD1}">
+              <a14:hiddenFill xmlns:a14="http://schemas.microsoft.com/office/drawing/2010/main">
+                <a:solidFill>
+                  <a:schemeClr val="accent1"/>
+                </a:solidFill>
+              </a14:hiddenFill>
+            </a:ext>
+            <a:ext uri="{91240B29-F687-4F45-9708-019B960494DF}">
+              <a14:hiddenLine xmlns:a14="http://schemas.microsoft.com/office/drawing/2010/main" w="9525">
+                <a:solidFill>
+                  <a:schemeClr val="tx1"/>
+                </a:solidFill>
+                <a:miter lim="800000"/>
+                <a:headEnd/>
+                <a:tailEnd/>
+              </a14:hiddenLine>
+            </a:ext>
+            <a:ext uri="{AF507438-7753-43E0-B8FC-AC1667EBCBE1}">
+              <a14:hiddenEffects xmlns:a14="http://schemas.microsoft.com/office/drawing/2010/main">
+                <a:effectLst>
+                  <a:outerShdw dist="35921" dir="2700000" algn="ctr" rotWithShape="0">
+                    <a:schemeClr val="bg2"/>
+                  </a:outerShdw>
+                </a:effectLst>
+              </a14:hiddenEffects>
             </a:ext>
           </a:extLst>
         </p:spPr>
@@ -8796,6 +10037,94 @@
           </a:p>
         </p:txBody>
       </p:sp>
+      <p:sp>
+        <p:nvSpPr>
+          <p:cNvPr id="4" name="Foliennummernplatzhalter 3"/>
+          <p:cNvSpPr>
+            <a:spLocks noGrp="1"/>
+          </p:cNvSpPr>
+          <p:nvPr>
+            <p:ph type="sldNum" sz="quarter" idx="12"/>
+          </p:nvPr>
+        </p:nvSpPr>
+        <p:spPr/>
+        <p:txBody>
+          <a:bodyPr/>
+          <a:lstStyle/>
+          <a:p>
+            <a:fld id="{8969DB39-9E70-474F-9A85-81F67A0EA78C}" type="slidenum">
+              <a:rPr lang="de-CH" smtClean="0"/>
+              <a:pPr/>
+              <a:t>21</a:t>
+            </a:fld>
+            <a:endParaRPr lang="de-CH"/>
+          </a:p>
+        </p:txBody>
+      </p:sp>
+      <p:pic>
+        <p:nvPicPr>
+          <p:cNvPr id="5" name="Picture 2"/>
+          <p:cNvPicPr>
+            <a:picLocks noChangeAspect="1" noChangeArrowheads="1"/>
+          </p:cNvPicPr>
+          <p:nvPr/>
+        </p:nvPicPr>
+        <p:blipFill>
+          <a:blip r:embed="rId2" cstate="print">
+            <a:extLst>
+              <a:ext uri="{28A0092B-C50C-407E-A947-70E740481C1C}">
+                <a14:useLocalDpi xmlns:a14="http://schemas.microsoft.com/office/drawing/2010/main" val="0"/>
+              </a:ext>
+            </a:extLst>
+          </a:blip>
+          <a:srcRect/>
+          <a:stretch>
+            <a:fillRect/>
+          </a:stretch>
+        </p:blipFill>
+        <p:spPr bwMode="auto">
+          <a:xfrm>
+            <a:off x="152500" y="6143149"/>
+            <a:ext cx="2592288" cy="649522"/>
+          </a:xfrm>
+          <a:prstGeom prst="rect">
+            <a:avLst/>
+          </a:prstGeom>
+          <a:noFill/>
+          <a:ln>
+            <a:noFill/>
+          </a:ln>
+          <a:effectLst/>
+          <a:extLst>
+            <a:ext uri="{909E8E84-426E-40DD-AFC4-6F175D3DCCD1}">
+              <a14:hiddenFill xmlns:a14="http://schemas.microsoft.com/office/drawing/2010/main">
+                <a:solidFill>
+                  <a:schemeClr val="accent1"/>
+                </a:solidFill>
+              </a14:hiddenFill>
+            </a:ext>
+            <a:ext uri="{91240B29-F687-4F45-9708-019B960494DF}">
+              <a14:hiddenLine xmlns:a14="http://schemas.microsoft.com/office/drawing/2010/main" w="9525">
+                <a:solidFill>
+                  <a:schemeClr val="tx1"/>
+                </a:solidFill>
+                <a:miter lim="800000"/>
+                <a:headEnd/>
+                <a:tailEnd/>
+              </a14:hiddenLine>
+            </a:ext>
+            <a:ext uri="{AF507438-7753-43E0-B8FC-AC1667EBCBE1}">
+              <a14:hiddenEffects xmlns:a14="http://schemas.microsoft.com/office/drawing/2010/main">
+                <a:effectLst>
+                  <a:outerShdw dist="35921" dir="2700000" algn="ctr" rotWithShape="0">
+                    <a:schemeClr val="bg2"/>
+                  </a:outerShdw>
+                </a:effectLst>
+              </a14:hiddenEffects>
+            </a:ext>
+          </a:extLst>
+        </p:spPr>
+      </p:pic>
     </p:spTree>
   </p:cSld>
   <p:clrMapOvr>
@@ -9143,6 +10472,94 @@
           </a:p>
         </p:txBody>
       </p:sp>
+      <p:sp>
+        <p:nvSpPr>
+          <p:cNvPr id="4" name="Foliennummernplatzhalter 3"/>
+          <p:cNvSpPr>
+            <a:spLocks noGrp="1"/>
+          </p:cNvSpPr>
+          <p:nvPr>
+            <p:ph type="sldNum" sz="quarter" idx="12"/>
+          </p:nvPr>
+        </p:nvSpPr>
+        <p:spPr/>
+        <p:txBody>
+          <a:bodyPr/>
+          <a:lstStyle/>
+          <a:p>
+            <a:fld id="{8969DB39-9E70-474F-9A85-81F67A0EA78C}" type="slidenum">
+              <a:rPr lang="de-CH" smtClean="0"/>
+              <a:pPr/>
+              <a:t>22</a:t>
+            </a:fld>
+            <a:endParaRPr lang="de-CH"/>
+          </a:p>
+        </p:txBody>
+      </p:sp>
+      <p:pic>
+        <p:nvPicPr>
+          <p:cNvPr id="5" name="Picture 2"/>
+          <p:cNvPicPr>
+            <a:picLocks noChangeAspect="1" noChangeArrowheads="1"/>
+          </p:cNvPicPr>
+          <p:nvPr/>
+        </p:nvPicPr>
+        <p:blipFill>
+          <a:blip r:embed="rId2" cstate="print">
+            <a:extLst>
+              <a:ext uri="{28A0092B-C50C-407E-A947-70E740481C1C}">
+                <a14:useLocalDpi xmlns:a14="http://schemas.microsoft.com/office/drawing/2010/main" val="0"/>
+              </a:ext>
+            </a:extLst>
+          </a:blip>
+          <a:srcRect/>
+          <a:stretch>
+            <a:fillRect/>
+          </a:stretch>
+        </p:blipFill>
+        <p:spPr bwMode="auto">
+          <a:xfrm>
+            <a:off x="152500" y="6143149"/>
+            <a:ext cx="2592288" cy="649522"/>
+          </a:xfrm>
+          <a:prstGeom prst="rect">
+            <a:avLst/>
+          </a:prstGeom>
+          <a:noFill/>
+          <a:ln>
+            <a:noFill/>
+          </a:ln>
+          <a:effectLst/>
+          <a:extLst>
+            <a:ext uri="{909E8E84-426E-40DD-AFC4-6F175D3DCCD1}">
+              <a14:hiddenFill xmlns:a14="http://schemas.microsoft.com/office/drawing/2010/main">
+                <a:solidFill>
+                  <a:schemeClr val="accent1"/>
+                </a:solidFill>
+              </a14:hiddenFill>
+            </a:ext>
+            <a:ext uri="{91240B29-F687-4F45-9708-019B960494DF}">
+              <a14:hiddenLine xmlns:a14="http://schemas.microsoft.com/office/drawing/2010/main" w="9525">
+                <a:solidFill>
+                  <a:schemeClr val="tx1"/>
+                </a:solidFill>
+                <a:miter lim="800000"/>
+                <a:headEnd/>
+                <a:tailEnd/>
+              </a14:hiddenLine>
+            </a:ext>
+            <a:ext uri="{AF507438-7753-43E0-B8FC-AC1667EBCBE1}">
+              <a14:hiddenEffects xmlns:a14="http://schemas.microsoft.com/office/drawing/2010/main">
+                <a:effectLst>
+                  <a:outerShdw dist="35921" dir="2700000" algn="ctr" rotWithShape="0">
+                    <a:schemeClr val="bg2"/>
+                  </a:outerShdw>
+                </a:effectLst>
+              </a14:hiddenEffects>
+            </a:ext>
+          </a:extLst>
+        </p:spPr>
+      </p:pic>
     </p:spTree>
   </p:cSld>
   <p:clrMapOvr>
@@ -9303,7 +10720,7 @@
             </a:r>
             <a:r>
               <a:rPr lang="de-CH" dirty="0" err="1" smtClean="0"/>
-              <a:t>is’s</a:t>
+              <a:t>it’s</a:t>
             </a:r>
             <a:r>
               <a:rPr lang="de-CH" dirty="0" smtClean="0"/>
@@ -9323,8 +10740,13 @@
             </a:r>
             <a:r>
               <a:rPr lang="de-CH" dirty="0" smtClean="0"/>
-              <a:t> do.</a:t>
-            </a:r>
+              <a:t> </a:t>
+            </a:r>
+            <a:r>
+              <a:rPr lang="de-CH" dirty="0" smtClean="0"/>
+              <a:t>do</a:t>
+            </a:r>
+            <a:endParaRPr lang="de-CH" dirty="0" smtClean="0"/>
           </a:p>
           <a:p>
             <a:pPr lvl="1"/>
@@ -9373,8 +10795,8 @@
               <a:t> </a:t>
             </a:r>
             <a:r>
-              <a:rPr lang="de-CH" dirty="0" smtClean="0"/>
-              <a:t>easy.</a:t>
+              <a:rPr lang="de-CH" dirty="0" err="1" smtClean="0"/>
+              <a:t>easily</a:t>
             </a:r>
             <a:endParaRPr lang="de-CH" dirty="0"/>
           </a:p>
@@ -9456,12 +10878,9 @@
             </a:r>
             <a:r>
               <a:rPr lang="de-CH" dirty="0" err="1" smtClean="0"/>
-              <a:t>agent</a:t>
-            </a:r>
-            <a:r>
-              <a:rPr lang="de-CH" dirty="0" smtClean="0"/>
-              <a:t>.</a:t>
-            </a:r>
+              <a:t>agents</a:t>
+            </a:r>
+            <a:endParaRPr lang="de-CH" dirty="0" smtClean="0"/>
           </a:p>
           <a:p>
             <a:pPr lvl="1"/>
@@ -9545,6 +10964,94 @@
           </a:p>
         </p:txBody>
       </p:sp>
+      <p:sp>
+        <p:nvSpPr>
+          <p:cNvPr id="4" name="Foliennummernplatzhalter 3"/>
+          <p:cNvSpPr>
+            <a:spLocks noGrp="1"/>
+          </p:cNvSpPr>
+          <p:nvPr>
+            <p:ph type="sldNum" sz="quarter" idx="12"/>
+          </p:nvPr>
+        </p:nvSpPr>
+        <p:spPr/>
+        <p:txBody>
+          <a:bodyPr/>
+          <a:lstStyle/>
+          <a:p>
+            <a:fld id="{8969DB39-9E70-474F-9A85-81F67A0EA78C}" type="slidenum">
+              <a:rPr lang="de-CH" smtClean="0"/>
+              <a:pPr/>
+              <a:t>23</a:t>
+            </a:fld>
+            <a:endParaRPr lang="de-CH"/>
+          </a:p>
+        </p:txBody>
+      </p:sp>
+      <p:pic>
+        <p:nvPicPr>
+          <p:cNvPr id="5" name="Picture 2"/>
+          <p:cNvPicPr>
+            <a:picLocks noChangeAspect="1" noChangeArrowheads="1"/>
+          </p:cNvPicPr>
+          <p:nvPr/>
+        </p:nvPicPr>
+        <p:blipFill>
+          <a:blip r:embed="rId3" cstate="print">
+            <a:extLst>
+              <a:ext uri="{28A0092B-C50C-407E-A947-70E740481C1C}">
+                <a14:useLocalDpi xmlns:a14="http://schemas.microsoft.com/office/drawing/2010/main" val="0"/>
+              </a:ext>
+            </a:extLst>
+          </a:blip>
+          <a:srcRect/>
+          <a:stretch>
+            <a:fillRect/>
+          </a:stretch>
+        </p:blipFill>
+        <p:spPr bwMode="auto">
+          <a:xfrm>
+            <a:off x="152500" y="6143149"/>
+            <a:ext cx="2592288" cy="649522"/>
+          </a:xfrm>
+          <a:prstGeom prst="rect">
+            <a:avLst/>
+          </a:prstGeom>
+          <a:noFill/>
+          <a:ln>
+            <a:noFill/>
+          </a:ln>
+          <a:effectLst/>
+          <a:extLst>
+            <a:ext uri="{909E8E84-426E-40DD-AFC4-6F175D3DCCD1}">
+              <a14:hiddenFill xmlns:a14="http://schemas.microsoft.com/office/drawing/2010/main">
+                <a:solidFill>
+                  <a:schemeClr val="accent1"/>
+                </a:solidFill>
+              </a14:hiddenFill>
+            </a:ext>
+            <a:ext uri="{91240B29-F687-4F45-9708-019B960494DF}">
+              <a14:hiddenLine xmlns:a14="http://schemas.microsoft.com/office/drawing/2010/main" w="9525">
+                <a:solidFill>
+                  <a:schemeClr val="tx1"/>
+                </a:solidFill>
+                <a:miter lim="800000"/>
+                <a:headEnd/>
+                <a:tailEnd/>
+              </a14:hiddenLine>
+            </a:ext>
+            <a:ext uri="{AF507438-7753-43E0-B8FC-AC1667EBCBE1}">
+              <a14:hiddenEffects xmlns:a14="http://schemas.microsoft.com/office/drawing/2010/main">
+                <a:effectLst>
+                  <a:outerShdw dist="35921" dir="2700000" algn="ctr" rotWithShape="0">
+                    <a:schemeClr val="bg2"/>
+                  </a:outerShdw>
+                </a:effectLst>
+              </a14:hiddenEffects>
+            </a:ext>
+          </a:extLst>
+        </p:spPr>
+      </p:pic>
     </p:spTree>
   </p:cSld>
   <p:clrMapOvr>
@@ -9684,6 +11191,94 @@
           </a:p>
         </p:txBody>
       </p:sp>
+      <p:sp>
+        <p:nvSpPr>
+          <p:cNvPr id="4" name="Foliennummernplatzhalter 3"/>
+          <p:cNvSpPr>
+            <a:spLocks noGrp="1"/>
+          </p:cNvSpPr>
+          <p:nvPr>
+            <p:ph type="sldNum" sz="quarter" idx="12"/>
+          </p:nvPr>
+        </p:nvSpPr>
+        <p:spPr/>
+        <p:txBody>
+          <a:bodyPr/>
+          <a:lstStyle/>
+          <a:p>
+            <a:fld id="{8969DB39-9E70-474F-9A85-81F67A0EA78C}" type="slidenum">
+              <a:rPr lang="de-CH" smtClean="0"/>
+              <a:pPr/>
+              <a:t>24</a:t>
+            </a:fld>
+            <a:endParaRPr lang="de-CH"/>
+          </a:p>
+        </p:txBody>
+      </p:sp>
+      <p:pic>
+        <p:nvPicPr>
+          <p:cNvPr id="5" name="Picture 2"/>
+          <p:cNvPicPr>
+            <a:picLocks noChangeAspect="1" noChangeArrowheads="1"/>
+          </p:cNvPicPr>
+          <p:nvPr/>
+        </p:nvPicPr>
+        <p:blipFill>
+          <a:blip r:embed="rId3" cstate="print">
+            <a:extLst>
+              <a:ext uri="{28A0092B-C50C-407E-A947-70E740481C1C}">
+                <a14:useLocalDpi xmlns:a14="http://schemas.microsoft.com/office/drawing/2010/main" val="0"/>
+              </a:ext>
+            </a:extLst>
+          </a:blip>
+          <a:srcRect/>
+          <a:stretch>
+            <a:fillRect/>
+          </a:stretch>
+        </p:blipFill>
+        <p:spPr bwMode="auto">
+          <a:xfrm>
+            <a:off x="152500" y="6143149"/>
+            <a:ext cx="2592288" cy="649522"/>
+          </a:xfrm>
+          <a:prstGeom prst="rect">
+            <a:avLst/>
+          </a:prstGeom>
+          <a:noFill/>
+          <a:ln>
+            <a:noFill/>
+          </a:ln>
+          <a:effectLst/>
+          <a:extLst>
+            <a:ext uri="{909E8E84-426E-40DD-AFC4-6F175D3DCCD1}">
+              <a14:hiddenFill xmlns:a14="http://schemas.microsoft.com/office/drawing/2010/main">
+                <a:solidFill>
+                  <a:schemeClr val="accent1"/>
+                </a:solidFill>
+              </a14:hiddenFill>
+            </a:ext>
+            <a:ext uri="{91240B29-F687-4F45-9708-019B960494DF}">
+              <a14:hiddenLine xmlns:a14="http://schemas.microsoft.com/office/drawing/2010/main" w="9525">
+                <a:solidFill>
+                  <a:schemeClr val="tx1"/>
+                </a:solidFill>
+                <a:miter lim="800000"/>
+                <a:headEnd/>
+                <a:tailEnd/>
+              </a14:hiddenLine>
+            </a:ext>
+            <a:ext uri="{AF507438-7753-43E0-B8FC-AC1667EBCBE1}">
+              <a14:hiddenEffects xmlns:a14="http://schemas.microsoft.com/office/drawing/2010/main">
+                <a:effectLst>
+                  <a:outerShdw dist="35921" dir="2700000" algn="ctr" rotWithShape="0">
+                    <a:schemeClr val="bg2"/>
+                  </a:outerShdw>
+                </a:effectLst>
+              </a14:hiddenEffects>
+            </a:ext>
+          </a:extLst>
+        </p:spPr>
+      </p:pic>
     </p:spTree>
   </p:cSld>
   <p:clrMapOvr>
@@ -9735,11 +11330,7 @@
           <a:p>
             <a:r>
               <a:rPr lang="en-US" dirty="0" smtClean="0"/>
-              <a:t>Introduction &amp; </a:t>
-            </a:r>
-            <a:r>
-              <a:rPr lang="en-US" dirty="0" smtClean="0"/>
-              <a:t>basic idea</a:t>
+              <a:t>Introduction &amp; basic idea</a:t>
             </a:r>
             <a:endParaRPr lang="de-CH" dirty="0"/>
           </a:p>
@@ -9801,6 +11392,94 @@
           </a:p>
         </p:txBody>
       </p:sp>
+      <p:sp>
+        <p:nvSpPr>
+          <p:cNvPr id="3" name="Foliennummernplatzhalter 2"/>
+          <p:cNvSpPr>
+            <a:spLocks noGrp="1"/>
+          </p:cNvSpPr>
+          <p:nvPr>
+            <p:ph type="sldNum" sz="quarter" idx="12"/>
+          </p:nvPr>
+        </p:nvSpPr>
+        <p:spPr/>
+        <p:txBody>
+          <a:bodyPr/>
+          <a:lstStyle/>
+          <a:p>
+            <a:fld id="{8969DB39-9E70-474F-9A85-81F67A0EA78C}" type="slidenum">
+              <a:rPr lang="de-CH" smtClean="0"/>
+              <a:pPr/>
+              <a:t>3</a:t>
+            </a:fld>
+            <a:endParaRPr lang="de-CH"/>
+          </a:p>
+        </p:txBody>
+      </p:sp>
+      <p:pic>
+        <p:nvPicPr>
+          <p:cNvPr id="6" name="Picture 2"/>
+          <p:cNvPicPr>
+            <a:picLocks noChangeAspect="1" noChangeArrowheads="1"/>
+          </p:cNvPicPr>
+          <p:nvPr/>
+        </p:nvPicPr>
+        <p:blipFill>
+          <a:blip r:embed="rId4" cstate="print">
+            <a:extLst>
+              <a:ext uri="{28A0092B-C50C-407E-A947-70E740481C1C}">
+                <a14:useLocalDpi xmlns:a14="http://schemas.microsoft.com/office/drawing/2010/main" val="0"/>
+              </a:ext>
+            </a:extLst>
+          </a:blip>
+          <a:srcRect/>
+          <a:stretch>
+            <a:fillRect/>
+          </a:stretch>
+        </p:blipFill>
+        <p:spPr bwMode="auto">
+          <a:xfrm>
+            <a:off x="152500" y="6143149"/>
+            <a:ext cx="2592288" cy="649522"/>
+          </a:xfrm>
+          <a:prstGeom prst="rect">
+            <a:avLst/>
+          </a:prstGeom>
+          <a:noFill/>
+          <a:ln>
+            <a:noFill/>
+          </a:ln>
+          <a:effectLst/>
+          <a:extLst>
+            <a:ext uri="{909E8E84-426E-40DD-AFC4-6F175D3DCCD1}">
+              <a14:hiddenFill xmlns:a14="http://schemas.microsoft.com/office/drawing/2010/main">
+                <a:solidFill>
+                  <a:schemeClr val="accent1"/>
+                </a:solidFill>
+              </a14:hiddenFill>
+            </a:ext>
+            <a:ext uri="{91240B29-F687-4F45-9708-019B960494DF}">
+              <a14:hiddenLine xmlns:a14="http://schemas.microsoft.com/office/drawing/2010/main" w="9525">
+                <a:solidFill>
+                  <a:schemeClr val="tx1"/>
+                </a:solidFill>
+                <a:miter lim="800000"/>
+                <a:headEnd/>
+                <a:tailEnd/>
+              </a14:hiddenLine>
+            </a:ext>
+            <a:ext uri="{AF507438-7753-43E0-B8FC-AC1667EBCBE1}">
+              <a14:hiddenEffects xmlns:a14="http://schemas.microsoft.com/office/drawing/2010/main">
+                <a:effectLst>
+                  <a:outerShdw dist="35921" dir="2700000" algn="ctr" rotWithShape="0">
+                    <a:schemeClr val="bg2"/>
+                  </a:outerShdw>
+                </a:effectLst>
+              </a14:hiddenEffects>
+            </a:ext>
+          </a:extLst>
+        </p:spPr>
+      </p:pic>
     </p:spTree>
   </p:cSld>
   <p:clrMapOvr>
@@ -9852,11 +11531,7 @@
           <a:p>
             <a:r>
               <a:rPr lang="en-US" dirty="0" smtClean="0"/>
-              <a:t>Introduction &amp; </a:t>
-            </a:r>
-            <a:r>
-              <a:rPr lang="en-US" dirty="0" smtClean="0"/>
-              <a:t>basic idea</a:t>
+              <a:t>Introduction &amp; basic idea</a:t>
             </a:r>
             <a:endParaRPr lang="de-CH" dirty="0"/>
           </a:p>
@@ -9886,6 +11561,94 @@
             <a:avLst/>
           </a:prstGeom>
           <a:noFill/>
+        </p:spPr>
+      </p:pic>
+      <p:sp>
+        <p:nvSpPr>
+          <p:cNvPr id="3" name="Foliennummernplatzhalter 2"/>
+          <p:cNvSpPr>
+            <a:spLocks noGrp="1"/>
+          </p:cNvSpPr>
+          <p:nvPr>
+            <p:ph type="sldNum" sz="quarter" idx="12"/>
+          </p:nvPr>
+        </p:nvSpPr>
+        <p:spPr/>
+        <p:txBody>
+          <a:bodyPr/>
+          <a:lstStyle/>
+          <a:p>
+            <a:fld id="{8969DB39-9E70-474F-9A85-81F67A0EA78C}" type="slidenum">
+              <a:rPr lang="de-CH" smtClean="0"/>
+              <a:pPr/>
+              <a:t>4</a:t>
+            </a:fld>
+            <a:endParaRPr lang="de-CH"/>
+          </a:p>
+        </p:txBody>
+      </p:sp>
+      <p:pic>
+        <p:nvPicPr>
+          <p:cNvPr id="5" name="Picture 2"/>
+          <p:cNvPicPr>
+            <a:picLocks noChangeAspect="1" noChangeArrowheads="1"/>
+          </p:cNvPicPr>
+          <p:nvPr/>
+        </p:nvPicPr>
+        <p:blipFill>
+          <a:blip r:embed="rId4" cstate="print">
+            <a:extLst>
+              <a:ext uri="{28A0092B-C50C-407E-A947-70E740481C1C}">
+                <a14:useLocalDpi xmlns:a14="http://schemas.microsoft.com/office/drawing/2010/main" val="0"/>
+              </a:ext>
+            </a:extLst>
+          </a:blip>
+          <a:srcRect/>
+          <a:stretch>
+            <a:fillRect/>
+          </a:stretch>
+        </p:blipFill>
+        <p:spPr bwMode="auto">
+          <a:xfrm>
+            <a:off x="152500" y="6143149"/>
+            <a:ext cx="2592288" cy="649522"/>
+          </a:xfrm>
+          <a:prstGeom prst="rect">
+            <a:avLst/>
+          </a:prstGeom>
+          <a:noFill/>
+          <a:ln>
+            <a:noFill/>
+          </a:ln>
+          <a:effectLst/>
+          <a:extLst>
+            <a:ext uri="{909E8E84-426E-40DD-AFC4-6F175D3DCCD1}">
+              <a14:hiddenFill xmlns:a14="http://schemas.microsoft.com/office/drawing/2010/main">
+                <a:solidFill>
+                  <a:schemeClr val="accent1"/>
+                </a:solidFill>
+              </a14:hiddenFill>
+            </a:ext>
+            <a:ext uri="{91240B29-F687-4F45-9708-019B960494DF}">
+              <a14:hiddenLine xmlns:a14="http://schemas.microsoft.com/office/drawing/2010/main" w="9525">
+                <a:solidFill>
+                  <a:schemeClr val="tx1"/>
+                </a:solidFill>
+                <a:miter lim="800000"/>
+                <a:headEnd/>
+                <a:tailEnd/>
+              </a14:hiddenLine>
+            </a:ext>
+            <a:ext uri="{AF507438-7753-43E0-B8FC-AC1667EBCBE1}">
+              <a14:hiddenEffects xmlns:a14="http://schemas.microsoft.com/office/drawing/2010/main">
+                <a:effectLst>
+                  <a:outerShdw dist="35921" dir="2700000" algn="ctr" rotWithShape="0">
+                    <a:schemeClr val="bg2"/>
+                  </a:outerShdw>
+                </a:effectLst>
+              </a14:hiddenEffects>
+            </a:ext>
+          </a:extLst>
         </p:spPr>
       </p:pic>
     </p:spTree>
@@ -10105,6 +11868,94 @@
           <a:noFill/>
         </p:spPr>
       </p:pic>
+      <p:sp>
+        <p:nvSpPr>
+          <p:cNvPr id="4" name="Foliennummernplatzhalter 3"/>
+          <p:cNvSpPr>
+            <a:spLocks noGrp="1"/>
+          </p:cNvSpPr>
+          <p:nvPr>
+            <p:ph type="sldNum" sz="quarter" idx="12"/>
+          </p:nvPr>
+        </p:nvSpPr>
+        <p:spPr/>
+        <p:txBody>
+          <a:bodyPr/>
+          <a:lstStyle/>
+          <a:p>
+            <a:fld id="{8969DB39-9E70-474F-9A85-81F67A0EA78C}" type="slidenum">
+              <a:rPr lang="de-CH" smtClean="0"/>
+              <a:pPr/>
+              <a:t>5</a:t>
+            </a:fld>
+            <a:endParaRPr lang="de-CH"/>
+          </a:p>
+        </p:txBody>
+      </p:sp>
+      <p:pic>
+        <p:nvPicPr>
+          <p:cNvPr id="6" name="Picture 2"/>
+          <p:cNvPicPr>
+            <a:picLocks noChangeAspect="1" noChangeArrowheads="1"/>
+          </p:cNvPicPr>
+          <p:nvPr/>
+        </p:nvPicPr>
+        <p:blipFill>
+          <a:blip r:embed="rId4" cstate="print">
+            <a:extLst>
+              <a:ext uri="{28A0092B-C50C-407E-A947-70E740481C1C}">
+                <a14:useLocalDpi xmlns:a14="http://schemas.microsoft.com/office/drawing/2010/main" val="0"/>
+              </a:ext>
+            </a:extLst>
+          </a:blip>
+          <a:srcRect/>
+          <a:stretch>
+            <a:fillRect/>
+          </a:stretch>
+        </p:blipFill>
+        <p:spPr bwMode="auto">
+          <a:xfrm>
+            <a:off x="152500" y="6143149"/>
+            <a:ext cx="2592288" cy="649522"/>
+          </a:xfrm>
+          <a:prstGeom prst="rect">
+            <a:avLst/>
+          </a:prstGeom>
+          <a:noFill/>
+          <a:ln>
+            <a:noFill/>
+          </a:ln>
+          <a:effectLst/>
+          <a:extLst>
+            <a:ext uri="{909E8E84-426E-40DD-AFC4-6F175D3DCCD1}">
+              <a14:hiddenFill xmlns:a14="http://schemas.microsoft.com/office/drawing/2010/main">
+                <a:solidFill>
+                  <a:schemeClr val="accent1"/>
+                </a:solidFill>
+              </a14:hiddenFill>
+            </a:ext>
+            <a:ext uri="{91240B29-F687-4F45-9708-019B960494DF}">
+              <a14:hiddenLine xmlns:a14="http://schemas.microsoft.com/office/drawing/2010/main" w="9525">
+                <a:solidFill>
+                  <a:schemeClr val="tx1"/>
+                </a:solidFill>
+                <a:miter lim="800000"/>
+                <a:headEnd/>
+                <a:tailEnd/>
+              </a14:hiddenLine>
+            </a:ext>
+            <a:ext uri="{AF507438-7753-43E0-B8FC-AC1667EBCBE1}">
+              <a14:hiddenEffects xmlns:a14="http://schemas.microsoft.com/office/drawing/2010/main">
+                <a:effectLst>
+                  <a:outerShdw dist="35921" dir="2700000" algn="ctr" rotWithShape="0">
+                    <a:schemeClr val="bg2"/>
+                  </a:outerShdw>
+                </a:effectLst>
+              </a14:hiddenEffects>
+            </a:ext>
+          </a:extLst>
+        </p:spPr>
+      </p:pic>
     </p:spTree>
   </p:cSld>
   <p:clrMapOvr>
@@ -10521,6 +12372,94 @@
           </a:p>
         </p:txBody>
       </p:sp>
+      <p:sp>
+        <p:nvSpPr>
+          <p:cNvPr id="4" name="Foliennummernplatzhalter 3"/>
+          <p:cNvSpPr>
+            <a:spLocks noGrp="1"/>
+          </p:cNvSpPr>
+          <p:nvPr>
+            <p:ph type="sldNum" sz="quarter" idx="12"/>
+          </p:nvPr>
+        </p:nvSpPr>
+        <p:spPr/>
+        <p:txBody>
+          <a:bodyPr/>
+          <a:lstStyle/>
+          <a:p>
+            <a:fld id="{8969DB39-9E70-474F-9A85-81F67A0EA78C}" type="slidenum">
+              <a:rPr lang="de-CH" smtClean="0"/>
+              <a:pPr/>
+              <a:t>6</a:t>
+            </a:fld>
+            <a:endParaRPr lang="de-CH"/>
+          </a:p>
+        </p:txBody>
+      </p:sp>
+      <p:pic>
+        <p:nvPicPr>
+          <p:cNvPr id="5" name="Picture 2"/>
+          <p:cNvPicPr>
+            <a:picLocks noChangeAspect="1" noChangeArrowheads="1"/>
+          </p:cNvPicPr>
+          <p:nvPr/>
+        </p:nvPicPr>
+        <p:blipFill>
+          <a:blip r:embed="rId3" cstate="print">
+            <a:extLst>
+              <a:ext uri="{28A0092B-C50C-407E-A947-70E740481C1C}">
+                <a14:useLocalDpi xmlns:a14="http://schemas.microsoft.com/office/drawing/2010/main" val="0"/>
+              </a:ext>
+            </a:extLst>
+          </a:blip>
+          <a:srcRect/>
+          <a:stretch>
+            <a:fillRect/>
+          </a:stretch>
+        </p:blipFill>
+        <p:spPr bwMode="auto">
+          <a:xfrm>
+            <a:off x="152500" y="6143149"/>
+            <a:ext cx="2592288" cy="649522"/>
+          </a:xfrm>
+          <a:prstGeom prst="rect">
+            <a:avLst/>
+          </a:prstGeom>
+          <a:noFill/>
+          <a:ln>
+            <a:noFill/>
+          </a:ln>
+          <a:effectLst/>
+          <a:extLst>
+            <a:ext uri="{909E8E84-426E-40DD-AFC4-6F175D3DCCD1}">
+              <a14:hiddenFill xmlns:a14="http://schemas.microsoft.com/office/drawing/2010/main">
+                <a:solidFill>
+                  <a:schemeClr val="accent1"/>
+                </a:solidFill>
+              </a14:hiddenFill>
+            </a:ext>
+            <a:ext uri="{91240B29-F687-4F45-9708-019B960494DF}">
+              <a14:hiddenLine xmlns:a14="http://schemas.microsoft.com/office/drawing/2010/main" w="9525">
+                <a:solidFill>
+                  <a:schemeClr val="tx1"/>
+                </a:solidFill>
+                <a:miter lim="800000"/>
+                <a:headEnd/>
+                <a:tailEnd/>
+              </a14:hiddenLine>
+            </a:ext>
+            <a:ext uri="{AF507438-7753-43E0-B8FC-AC1667EBCBE1}">
+              <a14:hiddenEffects xmlns:a14="http://schemas.microsoft.com/office/drawing/2010/main">
+                <a:effectLst>
+                  <a:outerShdw dist="35921" dir="2700000" algn="ctr" rotWithShape="0">
+                    <a:schemeClr val="bg2"/>
+                  </a:outerShdw>
+                </a:effectLst>
+              </a14:hiddenEffects>
+            </a:ext>
+          </a:extLst>
+        </p:spPr>
+      </p:pic>
     </p:spTree>
   </p:cSld>
   <p:clrMapOvr>
@@ -10606,7 +12545,7 @@
           <a:blip r:embed="rId3" cstate="print">
             <a:extLst>
               <a:ext uri="{28A0092B-C50C-407E-A947-70E740481C1C}">
-                <a14:useLocalDpi xmlns:a14="http://schemas.microsoft.com/office/drawing/2010/main" xmlns="" val="0"/>
+                <a14:useLocalDpi xmlns:a14="http://schemas.microsoft.com/office/drawing/2010/main" val="0"/>
               </a:ext>
             </a:extLst>
           </a:blip>
@@ -10630,14 +12569,14 @@
           <a:effectLst/>
           <a:extLst>
             <a:ext uri="{909E8E84-426E-40DD-AFC4-6F175D3DCCD1}">
-              <a14:hiddenFill xmlns:a14="http://schemas.microsoft.com/office/drawing/2010/main" xmlns="">
+              <a14:hiddenFill xmlns:a14="http://schemas.microsoft.com/office/drawing/2010/main">
                 <a:solidFill>
                   <a:schemeClr val="accent1"/>
                 </a:solidFill>
               </a14:hiddenFill>
             </a:ext>
             <a:ext uri="{91240B29-F687-4F45-9708-019B960494DF}">
-              <a14:hiddenLine xmlns:a14="http://schemas.microsoft.com/office/drawing/2010/main" xmlns="" w="9525">
+              <a14:hiddenLine xmlns:a14="http://schemas.microsoft.com/office/drawing/2010/main" w="9525">
                 <a:solidFill>
                   <a:schemeClr val="tx1"/>
                 </a:solidFill>
@@ -10647,7 +12586,95 @@
               </a14:hiddenLine>
             </a:ext>
             <a:ext uri="{AF507438-7753-43E0-B8FC-AC1667EBCBE1}">
-              <a14:hiddenEffects xmlns:a14="http://schemas.microsoft.com/office/drawing/2010/main" xmlns="">
+              <a14:hiddenEffects xmlns:a14="http://schemas.microsoft.com/office/drawing/2010/main">
+                <a:effectLst>
+                  <a:outerShdw dist="35921" dir="2700000" algn="ctr" rotWithShape="0">
+                    <a:schemeClr val="bg2"/>
+                  </a:outerShdw>
+                </a:effectLst>
+              </a14:hiddenEffects>
+            </a:ext>
+          </a:extLst>
+        </p:spPr>
+      </p:pic>
+      <p:sp>
+        <p:nvSpPr>
+          <p:cNvPr id="3" name="Foliennummernplatzhalter 2"/>
+          <p:cNvSpPr>
+            <a:spLocks noGrp="1"/>
+          </p:cNvSpPr>
+          <p:nvPr>
+            <p:ph type="sldNum" sz="quarter" idx="12"/>
+          </p:nvPr>
+        </p:nvSpPr>
+        <p:spPr/>
+        <p:txBody>
+          <a:bodyPr/>
+          <a:lstStyle/>
+          <a:p>
+            <a:fld id="{8969DB39-9E70-474F-9A85-81F67A0EA78C}" type="slidenum">
+              <a:rPr lang="de-CH" smtClean="0"/>
+              <a:pPr/>
+              <a:t>7</a:t>
+            </a:fld>
+            <a:endParaRPr lang="de-CH"/>
+          </a:p>
+        </p:txBody>
+      </p:sp>
+      <p:pic>
+        <p:nvPicPr>
+          <p:cNvPr id="5" name="Picture 2"/>
+          <p:cNvPicPr>
+            <a:picLocks noChangeAspect="1" noChangeArrowheads="1"/>
+          </p:cNvPicPr>
+          <p:nvPr/>
+        </p:nvPicPr>
+        <p:blipFill>
+          <a:blip r:embed="rId4" cstate="print">
+            <a:extLst>
+              <a:ext uri="{28A0092B-C50C-407E-A947-70E740481C1C}">
+                <a14:useLocalDpi xmlns:a14="http://schemas.microsoft.com/office/drawing/2010/main" val="0"/>
+              </a:ext>
+            </a:extLst>
+          </a:blip>
+          <a:srcRect/>
+          <a:stretch>
+            <a:fillRect/>
+          </a:stretch>
+        </p:blipFill>
+        <p:spPr bwMode="auto">
+          <a:xfrm>
+            <a:off x="152500" y="6143149"/>
+            <a:ext cx="2592288" cy="649522"/>
+          </a:xfrm>
+          <a:prstGeom prst="rect">
+            <a:avLst/>
+          </a:prstGeom>
+          <a:noFill/>
+          <a:ln>
+            <a:noFill/>
+          </a:ln>
+          <a:effectLst/>
+          <a:extLst>
+            <a:ext uri="{909E8E84-426E-40DD-AFC4-6F175D3DCCD1}">
+              <a14:hiddenFill xmlns:a14="http://schemas.microsoft.com/office/drawing/2010/main">
+                <a:solidFill>
+                  <a:schemeClr val="accent1"/>
+                </a:solidFill>
+              </a14:hiddenFill>
+            </a:ext>
+            <a:ext uri="{91240B29-F687-4F45-9708-019B960494DF}">
+              <a14:hiddenLine xmlns:a14="http://schemas.microsoft.com/office/drawing/2010/main" w="9525">
+                <a:solidFill>
+                  <a:schemeClr val="tx1"/>
+                </a:solidFill>
+                <a:miter lim="800000"/>
+                <a:headEnd/>
+                <a:tailEnd/>
+              </a14:hiddenLine>
+            </a:ext>
+            <a:ext uri="{AF507438-7753-43E0-B8FC-AC1667EBCBE1}">
+              <a14:hiddenEffects xmlns:a14="http://schemas.microsoft.com/office/drawing/2010/main">
                 <a:effectLst>
                   <a:outerShdw dist="35921" dir="2700000" algn="ctr" rotWithShape="0">
                     <a:schemeClr val="bg2"/>
@@ -10827,7 +12854,7 @@
           <a:blip r:embed="rId4" cstate="print">
             <a:extLst>
               <a:ext uri="{28A0092B-C50C-407E-A947-70E740481C1C}">
-                <a14:useLocalDpi xmlns:a14="http://schemas.microsoft.com/office/drawing/2010/main" xmlns="" val="0"/>
+                <a14:useLocalDpi xmlns:a14="http://schemas.microsoft.com/office/drawing/2010/main" val="0"/>
               </a:ext>
             </a:extLst>
           </a:blip>
@@ -10838,8 +12865,8 @@
         </p:blipFill>
         <p:spPr bwMode="auto">
           <a:xfrm>
-            <a:off x="0" y="3140968"/>
-            <a:ext cx="4520559" cy="3384376"/>
+            <a:off x="395536" y="3140968"/>
+            <a:ext cx="4125023" cy="3088253"/>
           </a:xfrm>
           <a:prstGeom prst="rect">
             <a:avLst/>
@@ -10847,7 +12874,7 @@
           <a:noFill/>
           <a:extLst>
             <a:ext uri="{909E8E84-426E-40DD-AFC4-6F175D3DCCD1}">
-              <a14:hiddenFill xmlns:a14="http://schemas.microsoft.com/office/drawing/2010/main" xmlns="">
+              <a14:hiddenFill xmlns:a14="http://schemas.microsoft.com/office/drawing/2010/main">
                 <a:solidFill>
                   <a:srgbClr val="FFFFFF"/>
                 </a:solidFill>
@@ -10868,7 +12895,7 @@
           <a:blip r:embed="rId5" cstate="print">
             <a:extLst>
               <a:ext uri="{28A0092B-C50C-407E-A947-70E740481C1C}">
-                <a14:useLocalDpi xmlns:a14="http://schemas.microsoft.com/office/drawing/2010/main" xmlns="" val="0"/>
+                <a14:useLocalDpi xmlns:a14="http://schemas.microsoft.com/office/drawing/2010/main" val="0"/>
               </a:ext>
             </a:extLst>
           </a:blip>
@@ -10879,8 +12906,8 @@
         </p:blipFill>
         <p:spPr bwMode="auto">
           <a:xfrm>
-            <a:off x="4427984" y="3140968"/>
-            <a:ext cx="4603506" cy="3446475"/>
+            <a:off x="4427984" y="3140969"/>
+            <a:ext cx="4176464" cy="3126764"/>
           </a:xfrm>
           <a:prstGeom prst="rect">
             <a:avLst/>
@@ -10888,11 +12915,99 @@
           <a:noFill/>
           <a:extLst>
             <a:ext uri="{909E8E84-426E-40DD-AFC4-6F175D3DCCD1}">
-              <a14:hiddenFill xmlns:a14="http://schemas.microsoft.com/office/drawing/2010/main" xmlns="">
+              <a14:hiddenFill xmlns:a14="http://schemas.microsoft.com/office/drawing/2010/main">
                 <a:solidFill>
                   <a:srgbClr val="FFFFFF"/>
                 </a:solidFill>
               </a14:hiddenFill>
+            </a:ext>
+          </a:extLst>
+        </p:spPr>
+      </p:pic>
+      <p:sp>
+        <p:nvSpPr>
+          <p:cNvPr id="4" name="Foliennummernplatzhalter 3"/>
+          <p:cNvSpPr>
+            <a:spLocks noGrp="1"/>
+          </p:cNvSpPr>
+          <p:nvPr>
+            <p:ph type="sldNum" sz="quarter" idx="12"/>
+          </p:nvPr>
+        </p:nvSpPr>
+        <p:spPr/>
+        <p:txBody>
+          <a:bodyPr/>
+          <a:lstStyle/>
+          <a:p>
+            <a:fld id="{8969DB39-9E70-474F-9A85-81F67A0EA78C}" type="slidenum">
+              <a:rPr lang="de-CH" smtClean="0"/>
+              <a:pPr/>
+              <a:t>8</a:t>
+            </a:fld>
+            <a:endParaRPr lang="de-CH"/>
+          </a:p>
+        </p:txBody>
+      </p:sp>
+      <p:pic>
+        <p:nvPicPr>
+          <p:cNvPr id="8" name="Picture 2"/>
+          <p:cNvPicPr>
+            <a:picLocks noChangeAspect="1" noChangeArrowheads="1"/>
+          </p:cNvPicPr>
+          <p:nvPr/>
+        </p:nvPicPr>
+        <p:blipFill>
+          <a:blip r:embed="rId6" cstate="print">
+            <a:extLst>
+              <a:ext uri="{28A0092B-C50C-407E-A947-70E740481C1C}">
+                <a14:useLocalDpi xmlns:a14="http://schemas.microsoft.com/office/drawing/2010/main" val="0"/>
+              </a:ext>
+            </a:extLst>
+          </a:blip>
+          <a:srcRect/>
+          <a:stretch>
+            <a:fillRect/>
+          </a:stretch>
+        </p:blipFill>
+        <p:spPr bwMode="auto">
+          <a:xfrm>
+            <a:off x="152500" y="6143149"/>
+            <a:ext cx="2592288" cy="649522"/>
+          </a:xfrm>
+          <a:prstGeom prst="rect">
+            <a:avLst/>
+          </a:prstGeom>
+          <a:noFill/>
+          <a:ln>
+            <a:noFill/>
+          </a:ln>
+          <a:effectLst/>
+          <a:extLst>
+            <a:ext uri="{909E8E84-426E-40DD-AFC4-6F175D3DCCD1}">
+              <a14:hiddenFill xmlns:a14="http://schemas.microsoft.com/office/drawing/2010/main">
+                <a:solidFill>
+                  <a:schemeClr val="accent1"/>
+                </a:solidFill>
+              </a14:hiddenFill>
+            </a:ext>
+            <a:ext uri="{91240B29-F687-4F45-9708-019B960494DF}">
+              <a14:hiddenLine xmlns:a14="http://schemas.microsoft.com/office/drawing/2010/main" w="9525">
+                <a:solidFill>
+                  <a:schemeClr val="tx1"/>
+                </a:solidFill>
+                <a:miter lim="800000"/>
+                <a:headEnd/>
+                <a:tailEnd/>
+              </a14:hiddenLine>
+            </a:ext>
+            <a:ext uri="{AF507438-7753-43E0-B8FC-AC1667EBCBE1}">
+              <a14:hiddenEffects xmlns:a14="http://schemas.microsoft.com/office/drawing/2010/main">
+                <a:effectLst>
+                  <a:outerShdw dist="35921" dir="2700000" algn="ctr" rotWithShape="0">
+                    <a:schemeClr val="bg2"/>
+                  </a:outerShdw>
+                </a:effectLst>
+              </a14:hiddenEffects>
             </a:ext>
           </a:extLst>
         </p:spPr>
@@ -11027,7 +13142,7 @@
           <a:blip r:embed="rId3" cstate="print">
             <a:extLst>
               <a:ext uri="{28A0092B-C50C-407E-A947-70E740481C1C}">
-                <a14:useLocalDpi xmlns:a14="http://schemas.microsoft.com/office/drawing/2010/main" xmlns="" val="0"/>
+                <a14:useLocalDpi xmlns:a14="http://schemas.microsoft.com/office/drawing/2010/main" val="0"/>
               </a:ext>
             </a:extLst>
           </a:blip>
@@ -11047,7 +13162,7 @@
           <a:noFill/>
           <a:extLst>
             <a:ext uri="{909E8E84-426E-40DD-AFC4-6F175D3DCCD1}">
-              <a14:hiddenFill xmlns:a14="http://schemas.microsoft.com/office/drawing/2010/main" xmlns="">
+              <a14:hiddenFill xmlns:a14="http://schemas.microsoft.com/office/drawing/2010/main">
                 <a:solidFill>
                   <a:srgbClr val="FFFFFF"/>
                 </a:solidFill>
@@ -11068,7 +13183,7 @@
           <a:blip r:embed="rId4" cstate="print">
             <a:extLst>
               <a:ext uri="{28A0092B-C50C-407E-A947-70E740481C1C}">
-                <a14:useLocalDpi xmlns:a14="http://schemas.microsoft.com/office/drawing/2010/main" xmlns="" val="0"/>
+                <a14:useLocalDpi xmlns:a14="http://schemas.microsoft.com/office/drawing/2010/main" val="0"/>
               </a:ext>
             </a:extLst>
           </a:blip>
@@ -11088,11 +13203,99 @@
           <a:noFill/>
           <a:extLst>
             <a:ext uri="{909E8E84-426E-40DD-AFC4-6F175D3DCCD1}">
-              <a14:hiddenFill xmlns:a14="http://schemas.microsoft.com/office/drawing/2010/main" xmlns="">
+              <a14:hiddenFill xmlns:a14="http://schemas.microsoft.com/office/drawing/2010/main">
                 <a:solidFill>
                   <a:srgbClr val="FFFFFF"/>
                 </a:solidFill>
               </a14:hiddenFill>
+            </a:ext>
+          </a:extLst>
+        </p:spPr>
+      </p:pic>
+      <p:sp>
+        <p:nvSpPr>
+          <p:cNvPr id="6" name="Foliennummernplatzhalter 5"/>
+          <p:cNvSpPr>
+            <a:spLocks noGrp="1"/>
+          </p:cNvSpPr>
+          <p:nvPr>
+            <p:ph type="sldNum" sz="quarter" idx="12"/>
+          </p:nvPr>
+        </p:nvSpPr>
+        <p:spPr/>
+        <p:txBody>
+          <a:bodyPr/>
+          <a:lstStyle/>
+          <a:p>
+            <a:fld id="{8969DB39-9E70-474F-9A85-81F67A0EA78C}" type="slidenum">
+              <a:rPr lang="de-CH" smtClean="0"/>
+              <a:pPr/>
+              <a:t>9</a:t>
+            </a:fld>
+            <a:endParaRPr lang="de-CH"/>
+          </a:p>
+        </p:txBody>
+      </p:sp>
+      <p:pic>
+        <p:nvPicPr>
+          <p:cNvPr id="7" name="Picture 2"/>
+          <p:cNvPicPr>
+            <a:picLocks noChangeAspect="1" noChangeArrowheads="1"/>
+          </p:cNvPicPr>
+          <p:nvPr/>
+        </p:nvPicPr>
+        <p:blipFill>
+          <a:blip r:embed="rId5" cstate="print">
+            <a:extLst>
+              <a:ext uri="{28A0092B-C50C-407E-A947-70E740481C1C}">
+                <a14:useLocalDpi xmlns:a14="http://schemas.microsoft.com/office/drawing/2010/main" val="0"/>
+              </a:ext>
+            </a:extLst>
+          </a:blip>
+          <a:srcRect/>
+          <a:stretch>
+            <a:fillRect/>
+          </a:stretch>
+        </p:blipFill>
+        <p:spPr bwMode="auto">
+          <a:xfrm>
+            <a:off x="152500" y="6143149"/>
+            <a:ext cx="2592288" cy="649522"/>
+          </a:xfrm>
+          <a:prstGeom prst="rect">
+            <a:avLst/>
+          </a:prstGeom>
+          <a:noFill/>
+          <a:ln>
+            <a:noFill/>
+          </a:ln>
+          <a:effectLst/>
+          <a:extLst>
+            <a:ext uri="{909E8E84-426E-40DD-AFC4-6F175D3DCCD1}">
+              <a14:hiddenFill xmlns:a14="http://schemas.microsoft.com/office/drawing/2010/main">
+                <a:solidFill>
+                  <a:schemeClr val="accent1"/>
+                </a:solidFill>
+              </a14:hiddenFill>
+            </a:ext>
+            <a:ext uri="{91240B29-F687-4F45-9708-019B960494DF}">
+              <a14:hiddenLine xmlns:a14="http://schemas.microsoft.com/office/drawing/2010/main" w="9525">
+                <a:solidFill>
+                  <a:schemeClr val="tx1"/>
+                </a:solidFill>
+                <a:miter lim="800000"/>
+                <a:headEnd/>
+                <a:tailEnd/>
+              </a14:hiddenLine>
+            </a:ext>
+            <a:ext uri="{AF507438-7753-43E0-B8FC-AC1667EBCBE1}">
+              <a14:hiddenEffects xmlns:a14="http://schemas.microsoft.com/office/drawing/2010/main">
+                <a:effectLst>
+                  <a:outerShdw dist="35921" dir="2700000" algn="ctr" rotWithShape="0">
+                    <a:schemeClr val="bg2"/>
+                  </a:outerShdw>
+                </a:effectLst>
+              </a14:hiddenEffects>
             </a:ext>
           </a:extLst>
         </p:spPr>
@@ -11688,4 +13891,289 @@
   <a:objectDefaults/>
   <a:extraClrSchemeLst/>
 </a:theme>
+</file>
+
+<file path=ppt/theme/theme3.xml><?xml version="1.0" encoding="utf-8"?>
+<a:theme xmlns:a="http://schemas.openxmlformats.org/drawingml/2006/main" name="Larissa">
+  <a:themeElements>
+    <a:clrScheme name="Larissa">
+      <a:dk1>
+        <a:sysClr val="windowText" lastClr="000000"/>
+      </a:dk1>
+      <a:lt1>
+        <a:sysClr val="window" lastClr="FFFFFF"/>
+      </a:lt1>
+      <a:dk2>
+        <a:srgbClr val="1F497D"/>
+      </a:dk2>
+      <a:lt2>
+        <a:srgbClr val="EEECE1"/>
+      </a:lt2>
+      <a:accent1>
+        <a:srgbClr val="4F81BD"/>
+      </a:accent1>
+      <a:accent2>
+        <a:srgbClr val="C0504D"/>
+      </a:accent2>
+      <a:accent3>
+        <a:srgbClr val="9BBB59"/>
+      </a:accent3>
+      <a:accent4>
+        <a:srgbClr val="8064A2"/>
+      </a:accent4>
+      <a:accent5>
+        <a:srgbClr val="4BACC6"/>
+      </a:accent5>
+      <a:accent6>
+        <a:srgbClr val="F79646"/>
+      </a:accent6>
+      <a:hlink>
+        <a:srgbClr val="0000FF"/>
+      </a:hlink>
+      <a:folHlink>
+        <a:srgbClr val="800080"/>
+      </a:folHlink>
+    </a:clrScheme>
+    <a:fontScheme name="Larissa">
+      <a:majorFont>
+        <a:latin typeface="Calibri"/>
+        <a:ea typeface=""/>
+        <a:cs typeface=""/>
+        <a:font script="Jpan" typeface="ＭＳ Ｐゴシック"/>
+        <a:font script="Hang" typeface="맑은 고딕"/>
+        <a:font script="Hans" typeface="宋体"/>
+        <a:font script="Hant" typeface="新細明體"/>
+        <a:font script="Arab" typeface="Times New Roman"/>
+        <a:font script="Hebr" typeface="Times New Roman"/>
+        <a:font script="Thai" typeface="Angsana New"/>
+        <a:font script="Ethi" typeface="Nyala"/>
+        <a:font script="Beng" typeface="Vrinda"/>
+        <a:font script="Gujr" typeface="Shruti"/>
+        <a:font script="Khmr" typeface="MoolBoran"/>
+        <a:font script="Knda" typeface="Tunga"/>
+        <a:font script="Guru" typeface="Raavi"/>
+        <a:font script="Cans" typeface="Euphemia"/>
+        <a:font script="Cher" typeface="Plantagenet Cherokee"/>
+        <a:font script="Yiii" typeface="Microsoft Yi Baiti"/>
+        <a:font script="Tibt" typeface="Microsoft Himalaya"/>
+        <a:font script="Thaa" typeface="MV Boli"/>
+        <a:font script="Deva" typeface="Mangal"/>
+        <a:font script="Telu" typeface="Gautami"/>
+        <a:font script="Taml" typeface="Latha"/>
+        <a:font script="Syrc" typeface="Estrangelo Edessa"/>
+        <a:font script="Orya" typeface="Kalinga"/>
+        <a:font script="Mlym" typeface="Kartika"/>
+        <a:font script="Laoo" typeface="DokChampa"/>
+        <a:font script="Sinh" typeface="Iskoola Pota"/>
+        <a:font script="Mong" typeface="Mongolian Baiti"/>
+        <a:font script="Viet" typeface="Times New Roman"/>
+        <a:font script="Uigh" typeface="Microsoft Uighur"/>
+        <a:font script="Geor" typeface="Sylfaen"/>
+      </a:majorFont>
+      <a:minorFont>
+        <a:latin typeface="Calibri"/>
+        <a:ea typeface=""/>
+        <a:cs typeface=""/>
+        <a:font script="Jpan" typeface="ＭＳ Ｐゴシック"/>
+        <a:font script="Hang" typeface="맑은 고딕"/>
+        <a:font script="Hans" typeface="宋体"/>
+        <a:font script="Hant" typeface="新細明體"/>
+        <a:font script="Arab" typeface="Arial"/>
+        <a:font script="Hebr" typeface="Arial"/>
+        <a:font script="Thai" typeface="Cordia New"/>
+        <a:font script="Ethi" typeface="Nyala"/>
+        <a:font script="Beng" typeface="Vrinda"/>
+        <a:font script="Gujr" typeface="Shruti"/>
+        <a:font script="Khmr" typeface="DaunPenh"/>
+        <a:font script="Knda" typeface="Tunga"/>
+        <a:font script="Guru" typeface="Raavi"/>
+        <a:font script="Cans" typeface="Euphemia"/>
+        <a:font script="Cher" typeface="Plantagenet Cherokee"/>
+        <a:font script="Yiii" typeface="Microsoft Yi Baiti"/>
+        <a:font script="Tibt" typeface="Microsoft Himalaya"/>
+        <a:font script="Thaa" typeface="MV Boli"/>
+        <a:font script="Deva" typeface="Mangal"/>
+        <a:font script="Telu" typeface="Gautami"/>
+        <a:font script="Taml" typeface="Latha"/>
+        <a:font script="Syrc" typeface="Estrangelo Edessa"/>
+        <a:font script="Orya" typeface="Kalinga"/>
+        <a:font script="Mlym" typeface="Kartika"/>
+        <a:font script="Laoo" typeface="DokChampa"/>
+        <a:font script="Sinh" typeface="Iskoola Pota"/>
+        <a:font script="Mong" typeface="Mongolian Baiti"/>
+        <a:font script="Viet" typeface="Arial"/>
+        <a:font script="Uigh" typeface="Microsoft Uighur"/>
+        <a:font script="Geor" typeface="Sylfaen"/>
+      </a:minorFont>
+    </a:fontScheme>
+    <a:fmtScheme name="Larissa">
+      <a:fillStyleLst>
+        <a:solidFill>
+          <a:schemeClr val="phClr"/>
+        </a:solidFill>
+        <a:gradFill rotWithShape="1">
+          <a:gsLst>
+            <a:gs pos="0">
+              <a:schemeClr val="phClr">
+                <a:tint val="50000"/>
+                <a:satMod val="300000"/>
+              </a:schemeClr>
+            </a:gs>
+            <a:gs pos="35000">
+              <a:schemeClr val="phClr">
+                <a:tint val="37000"/>
+                <a:satMod val="300000"/>
+              </a:schemeClr>
+            </a:gs>
+            <a:gs pos="100000">
+              <a:schemeClr val="phClr">
+                <a:tint val="15000"/>
+                <a:satMod val="350000"/>
+              </a:schemeClr>
+            </a:gs>
+          </a:gsLst>
+          <a:lin ang="16200000" scaled="1"/>
+        </a:gradFill>
+        <a:gradFill rotWithShape="1">
+          <a:gsLst>
+            <a:gs pos="0">
+              <a:schemeClr val="phClr">
+                <a:shade val="51000"/>
+                <a:satMod val="130000"/>
+              </a:schemeClr>
+            </a:gs>
+            <a:gs pos="80000">
+              <a:schemeClr val="phClr">
+                <a:shade val="93000"/>
+                <a:satMod val="130000"/>
+              </a:schemeClr>
+            </a:gs>
+            <a:gs pos="100000">
+              <a:schemeClr val="phClr">
+                <a:shade val="94000"/>
+                <a:satMod val="135000"/>
+              </a:schemeClr>
+            </a:gs>
+          </a:gsLst>
+          <a:lin ang="16200000" scaled="0"/>
+        </a:gradFill>
+      </a:fillStyleLst>
+      <a:lnStyleLst>
+        <a:ln w="9525" cap="flat" cmpd="sng" algn="ctr">
+          <a:solidFill>
+            <a:schemeClr val="phClr">
+              <a:shade val="95000"/>
+              <a:satMod val="105000"/>
+            </a:schemeClr>
+          </a:solidFill>
+          <a:prstDash val="solid"/>
+        </a:ln>
+        <a:ln w="25400" cap="flat" cmpd="sng" algn="ctr">
+          <a:solidFill>
+            <a:schemeClr val="phClr"/>
+          </a:solidFill>
+          <a:prstDash val="solid"/>
+        </a:ln>
+        <a:ln w="38100" cap="flat" cmpd="sng" algn="ctr">
+          <a:solidFill>
+            <a:schemeClr val="phClr"/>
+          </a:solidFill>
+          <a:prstDash val="solid"/>
+        </a:ln>
+      </a:lnStyleLst>
+      <a:effectStyleLst>
+        <a:effectStyle>
+          <a:effectLst>
+            <a:outerShdw blurRad="40000" dist="20000" dir="5400000" rotWithShape="0">
+              <a:srgbClr val="000000">
+                <a:alpha val="38000"/>
+              </a:srgbClr>
+            </a:outerShdw>
+          </a:effectLst>
+        </a:effectStyle>
+        <a:effectStyle>
+          <a:effectLst>
+            <a:outerShdw blurRad="40000" dist="23000" dir="5400000" rotWithShape="0">
+              <a:srgbClr val="000000">
+                <a:alpha val="35000"/>
+              </a:srgbClr>
+            </a:outerShdw>
+          </a:effectLst>
+        </a:effectStyle>
+        <a:effectStyle>
+          <a:effectLst>
+            <a:outerShdw blurRad="40000" dist="23000" dir="5400000" rotWithShape="0">
+              <a:srgbClr val="000000">
+                <a:alpha val="35000"/>
+              </a:srgbClr>
+            </a:outerShdw>
+          </a:effectLst>
+          <a:scene3d>
+            <a:camera prst="orthographicFront">
+              <a:rot lat="0" lon="0" rev="0"/>
+            </a:camera>
+            <a:lightRig rig="threePt" dir="t">
+              <a:rot lat="0" lon="0" rev="1200000"/>
+            </a:lightRig>
+          </a:scene3d>
+          <a:sp3d>
+            <a:bevelT w="63500" h="25400"/>
+          </a:sp3d>
+        </a:effectStyle>
+      </a:effectStyleLst>
+      <a:bgFillStyleLst>
+        <a:solidFill>
+          <a:schemeClr val="phClr"/>
+        </a:solidFill>
+        <a:gradFill rotWithShape="1">
+          <a:gsLst>
+            <a:gs pos="0">
+              <a:schemeClr val="phClr">
+                <a:tint val="40000"/>
+                <a:satMod val="350000"/>
+              </a:schemeClr>
+            </a:gs>
+            <a:gs pos="40000">
+              <a:schemeClr val="phClr">
+                <a:tint val="45000"/>
+                <a:shade val="99000"/>
+                <a:satMod val="350000"/>
+              </a:schemeClr>
+            </a:gs>
+            <a:gs pos="100000">
+              <a:schemeClr val="phClr">
+                <a:shade val="20000"/>
+                <a:satMod val="255000"/>
+              </a:schemeClr>
+            </a:gs>
+          </a:gsLst>
+          <a:path path="circle">
+            <a:fillToRect l="50000" t="-80000" r="50000" b="180000"/>
+          </a:path>
+        </a:gradFill>
+        <a:gradFill rotWithShape="1">
+          <a:gsLst>
+            <a:gs pos="0">
+              <a:schemeClr val="phClr">
+                <a:tint val="80000"/>
+                <a:satMod val="300000"/>
+              </a:schemeClr>
+            </a:gs>
+            <a:gs pos="100000">
+              <a:schemeClr val="phClr">
+                <a:shade val="30000"/>
+                <a:satMod val="200000"/>
+              </a:schemeClr>
+            </a:gs>
+          </a:gsLst>
+          <a:path path="circle">
+            <a:fillToRect l="50000" t="50000" r="50000" b="50000"/>
+          </a:path>
+        </a:gradFill>
+      </a:bgFillStyleLst>
+    </a:fmtScheme>
+  </a:themeElements>
+  <a:objectDefaults/>
+  <a:extraClrSchemeLst/>
+</a:theme>
 </file>
--- a/presentation/Presentation.pptx
+++ b/presentation/Presentation.pptx
@@ -218,6 +218,7 @@
           <a:p>
             <a:fld id="{46AE2E93-238A-4647-A316-9BD7FB9B2704}" type="datetimeFigureOut">
               <a:rPr lang="de-DE" smtClean="0"/>
+              <a:pPr/>
               <a:t>18.12.2012</a:t>
             </a:fld>
             <a:endParaRPr lang="de-DE"/>
@@ -284,6 +285,7 @@
           <a:p>
             <a:fld id="{2941BD46-2515-4902-9490-AE425F700A0D}" type="slidenum">
               <a:rPr lang="de-DE" smtClean="0"/>
+              <a:pPr/>
               <a:t>‹Nr.›</a:t>
             </a:fld>
             <a:endParaRPr lang="de-DE"/>
@@ -293,7 +295,7 @@
     </p:spTree>
     <p:extLst>
       <p:ext uri="{BB962C8B-B14F-4D97-AF65-F5344CB8AC3E}">
-        <p14:creationId xmlns:p14="http://schemas.microsoft.com/office/powerpoint/2010/main" val="708347044"/>
+        <p14:creationId xmlns:p14="http://schemas.microsoft.com/office/powerpoint/2010/main" xmlns="" val="708347044"/>
       </p:ext>
     </p:extLst>
   </p:cSld>
@@ -556,7 +558,7 @@
     </p:spTree>
     <p:extLst>
       <p:ext uri="{BB962C8B-B14F-4D97-AF65-F5344CB8AC3E}">
-        <p14:creationId xmlns:p14="http://schemas.microsoft.com/office/powerpoint/2010/main" val="624665701"/>
+        <p14:creationId xmlns:p14="http://schemas.microsoft.com/office/powerpoint/2010/main" xmlns="" val="624665701"/>
       </p:ext>
     </p:extLst>
   </p:cSld>
@@ -830,7 +832,7 @@
     </p:spTree>
     <p:extLst>
       <p:ext uri="{BB962C8B-B14F-4D97-AF65-F5344CB8AC3E}">
-        <p14:creationId xmlns:p14="http://schemas.microsoft.com/office/powerpoint/2010/main" val="282664730"/>
+        <p14:creationId xmlns:p14="http://schemas.microsoft.com/office/powerpoint/2010/main" xmlns="" val="282664730"/>
       </p:ext>
     </p:extLst>
   </p:cSld>
@@ -923,7 +925,7 @@
     </p:spTree>
     <p:extLst>
       <p:ext uri="{BB962C8B-B14F-4D97-AF65-F5344CB8AC3E}">
-        <p14:creationId xmlns:p14="http://schemas.microsoft.com/office/powerpoint/2010/main" val="4061653966"/>
+        <p14:creationId xmlns:p14="http://schemas.microsoft.com/office/powerpoint/2010/main" xmlns="" val="4061653966"/>
       </p:ext>
     </p:extLst>
   </p:cSld>
@@ -1076,7 +1078,7 @@
     </p:spTree>
     <p:extLst>
       <p:ext uri="{BB962C8B-B14F-4D97-AF65-F5344CB8AC3E}">
-        <p14:creationId xmlns:p14="http://schemas.microsoft.com/office/powerpoint/2010/main" val="324696021"/>
+        <p14:creationId xmlns:p14="http://schemas.microsoft.com/office/powerpoint/2010/main" xmlns="" val="324696021"/>
       </p:ext>
     </p:extLst>
   </p:cSld>
@@ -2211,7 +2213,7 @@
     </p:spTree>
     <p:extLst>
       <p:ext uri="{BB962C8B-B14F-4D97-AF65-F5344CB8AC3E}">
-        <p14:creationId xmlns:p14="http://schemas.microsoft.com/office/powerpoint/2010/main" val="1419291677"/>
+        <p14:creationId xmlns:p14="http://schemas.microsoft.com/office/powerpoint/2010/main" xmlns="" val="1419291677"/>
       </p:ext>
     </p:extLst>
   </p:cSld>
@@ -2304,7 +2306,7 @@
     </p:spTree>
     <p:extLst>
       <p:ext uri="{BB962C8B-B14F-4D97-AF65-F5344CB8AC3E}">
-        <p14:creationId xmlns:p14="http://schemas.microsoft.com/office/powerpoint/2010/main" val="1364280645"/>
+        <p14:creationId xmlns:p14="http://schemas.microsoft.com/office/powerpoint/2010/main" xmlns="" val="1364280645"/>
       </p:ext>
     </p:extLst>
   </p:cSld>
@@ -2396,7 +2398,7 @@
     </p:spTree>
     <p:extLst>
       <p:ext uri="{BB962C8B-B14F-4D97-AF65-F5344CB8AC3E}">
-        <p14:creationId xmlns:p14="http://schemas.microsoft.com/office/powerpoint/2010/main" val="2930191362"/>
+        <p14:creationId xmlns:p14="http://schemas.microsoft.com/office/powerpoint/2010/main" xmlns="" val="2930191362"/>
       </p:ext>
     </p:extLst>
   </p:cSld>
@@ -2579,6 +2581,7 @@
           <a:p>
             <a:fld id="{92112050-AFA2-427F-98E9-B501DF918C45}" type="datetime1">
               <a:rPr lang="de-CH" smtClean="0"/>
+              <a:pPr/>
               <a:t>18.12.2012</a:t>
             </a:fld>
             <a:endParaRPr lang="de-CH"/>
@@ -2745,6 +2748,7 @@
           <a:p>
             <a:fld id="{2387D883-9F0E-4FF7-9930-5AAF2D21224D}" type="datetime1">
               <a:rPr lang="de-CH" smtClean="0"/>
+              <a:pPr/>
               <a:t>18.12.2012</a:t>
             </a:fld>
             <a:endParaRPr lang="de-CH"/>
@@ -2921,6 +2925,7 @@
           <a:p>
             <a:fld id="{3C5FDF7D-CC4C-4828-BC8F-E67062F49AAD}" type="datetime1">
               <a:rPr lang="de-CH" smtClean="0"/>
+              <a:pPr/>
               <a:t>18.12.2012</a:t>
             </a:fld>
             <a:endParaRPr lang="de-CH"/>
@@ -3087,6 +3092,7 @@
           <a:p>
             <a:fld id="{4C3D1A33-7F07-47E6-96C8-6720C053A5CA}" type="datetime1">
               <a:rPr lang="de-CH" smtClean="0"/>
+              <a:pPr/>
               <a:t>18.12.2012</a:t>
             </a:fld>
             <a:endParaRPr lang="de-CH"/>
@@ -3330,6 +3336,7 @@
           <a:p>
             <a:fld id="{0C8B7656-A1A3-41B9-86D0-B0DE94C36F89}" type="datetime1">
               <a:rPr lang="de-CH" smtClean="0"/>
+              <a:pPr/>
               <a:t>18.12.2012</a:t>
             </a:fld>
             <a:endParaRPr lang="de-CH"/>
@@ -3595,6 +3602,7 @@
           <a:p>
             <a:fld id="{49252577-7323-4FE2-AE78-CE1CDCED9B4D}" type="datetime1">
               <a:rPr lang="de-CH" smtClean="0"/>
+              <a:pPr/>
               <a:t>18.12.2012</a:t>
             </a:fld>
             <a:endParaRPr lang="de-CH"/>
@@ -3974,6 +3982,7 @@
           <a:p>
             <a:fld id="{2A683E61-0BDD-488C-B871-FE0AB012648F}" type="datetime1">
               <a:rPr lang="de-CH" smtClean="0"/>
+              <a:pPr/>
               <a:t>18.12.2012</a:t>
             </a:fld>
             <a:endParaRPr lang="de-CH"/>
@@ -4125,6 +4134,7 @@
           <a:p>
             <a:fld id="{3074B883-69AB-4BE5-BFC9-54B1886DD07F}" type="datetime1">
               <a:rPr lang="de-CH" smtClean="0"/>
+              <a:pPr/>
               <a:t>18.12.2012</a:t>
             </a:fld>
             <a:endParaRPr lang="de-CH"/>
@@ -4216,6 +4226,7 @@
           <a:p>
             <a:fld id="{1D28F5F5-C391-4ACC-A8A2-D41CAC11D517}" type="datetime1">
               <a:rPr lang="de-CH" smtClean="0"/>
+              <a:pPr/>
               <a:t>18.12.2012</a:t>
             </a:fld>
             <a:endParaRPr lang="de-CH"/>
@@ -4478,6 +4489,7 @@
           <a:p>
             <a:fld id="{8B5F25CD-7FF0-4086-BF7C-733BF57F8BC0}" type="datetime1">
               <a:rPr lang="de-CH" smtClean="0"/>
+              <a:pPr/>
               <a:t>18.12.2012</a:t>
             </a:fld>
             <a:endParaRPr lang="de-CH"/>
@@ -4767,6 +4779,7 @@
           <a:p>
             <a:fld id="{F97A654A-6E10-44F8-97E8-8DDED38E1F49}" type="datetime1">
               <a:rPr lang="de-CH" smtClean="0"/>
+              <a:pPr/>
               <a:t>18.12.2012</a:t>
             </a:fld>
             <a:endParaRPr lang="de-CH"/>
@@ -5539,6 +5552,7 @@
           <a:p>
             <a:fld id="{B882E923-6442-42FD-B9AB-941B86D2204C}" type="datetime1">
               <a:rPr lang="de-CH" smtClean="0"/>
+              <a:pPr/>
               <a:t>18.12.2012</a:t>
             </a:fld>
             <a:endParaRPr lang="de-CH"/>
@@ -6297,20 +6311,14 @@
       </p:sp>
       <p:pic>
         <p:nvPicPr>
-          <p:cNvPr id="2052" name="Picture 4"/>
+          <p:cNvPr id="1026" name="Picture 2"/>
           <p:cNvPicPr>
             <a:picLocks noChangeAspect="1" noChangeArrowheads="1"/>
           </p:cNvPicPr>
           <p:nvPr/>
         </p:nvPicPr>
         <p:blipFill>
-          <a:blip r:embed="rId3">
-            <a:extLst>
-              <a:ext uri="{28A0092B-C50C-407E-A947-70E740481C1C}">
-                <a14:useLocalDpi xmlns:a14="http://schemas.microsoft.com/office/drawing/2010/main" val="0"/>
-              </a:ext>
-            </a:extLst>
-          </a:blip>
+          <a:blip r:embed="rId3" cstate="print"/>
           <a:srcRect/>
           <a:stretch>
             <a:fillRect/>
@@ -6318,45 +6326,19 @@
         </p:blipFill>
         <p:spPr bwMode="auto">
           <a:xfrm>
-            <a:off x="1" y="6006088"/>
-            <a:ext cx="2771799" cy="851912"/>
+            <a:off x="0" y="6134100"/>
+            <a:ext cx="2733675" cy="723900"/>
           </a:xfrm>
           <a:prstGeom prst="rect">
             <a:avLst/>
           </a:prstGeom>
           <a:noFill/>
-          <a:ln>
+          <a:ln w="9525">
             <a:noFill/>
+            <a:miter lim="800000"/>
+            <a:headEnd/>
+            <a:tailEnd/>
           </a:ln>
-          <a:effectLst/>
-          <a:extLst>
-            <a:ext uri="{909E8E84-426E-40DD-AFC4-6F175D3DCCD1}">
-              <a14:hiddenFill xmlns:a14="http://schemas.microsoft.com/office/drawing/2010/main">
-                <a:solidFill>
-                  <a:schemeClr val="accent1"/>
-                </a:solidFill>
-              </a14:hiddenFill>
-            </a:ext>
-            <a:ext uri="{91240B29-F687-4F45-9708-019B960494DF}">
-              <a14:hiddenLine xmlns:a14="http://schemas.microsoft.com/office/drawing/2010/main" w="9525">
-                <a:solidFill>
-                  <a:schemeClr val="tx1"/>
-                </a:solidFill>
-                <a:miter lim="800000"/>
-                <a:headEnd/>
-                <a:tailEnd/>
-              </a14:hiddenLine>
-            </a:ext>
-            <a:ext uri="{AF507438-7753-43E0-B8FC-AC1667EBCBE1}">
-              <a14:hiddenEffects xmlns:a14="http://schemas.microsoft.com/office/drawing/2010/main">
-                <a:effectLst>
-                  <a:outerShdw dist="35921" dir="2700000" algn="ctr" rotWithShape="0">
-                    <a:schemeClr val="bg2"/>
-                  </a:outerShdw>
-                </a:effectLst>
-              </a14:hiddenEffects>
-            </a:ext>
-          </a:extLst>
         </p:spPr>
       </p:pic>
     </p:spTree>
@@ -6489,7 +6471,7 @@
           <a:blip r:embed="rId3" cstate="print">
             <a:extLst>
               <a:ext uri="{28A0092B-C50C-407E-A947-70E740481C1C}">
-                <a14:useLocalDpi xmlns:a14="http://schemas.microsoft.com/office/drawing/2010/main" val="0"/>
+                <a14:useLocalDpi xmlns:a14="http://schemas.microsoft.com/office/drawing/2010/main" xmlns="" val="0"/>
               </a:ext>
             </a:extLst>
           </a:blip>
@@ -6513,14 +6495,14 @@
           <a:effectLst/>
           <a:extLst>
             <a:ext uri="{909E8E84-426E-40DD-AFC4-6F175D3DCCD1}">
-              <a14:hiddenFill xmlns:a14="http://schemas.microsoft.com/office/drawing/2010/main">
+              <a14:hiddenFill xmlns:a14="http://schemas.microsoft.com/office/drawing/2010/main" xmlns="">
                 <a:solidFill>
                   <a:schemeClr val="accent1"/>
                 </a:solidFill>
               </a14:hiddenFill>
             </a:ext>
             <a:ext uri="{91240B29-F687-4F45-9708-019B960494DF}">
-              <a14:hiddenLine xmlns:a14="http://schemas.microsoft.com/office/drawing/2010/main" w="9525">
+              <a14:hiddenLine xmlns:a14="http://schemas.microsoft.com/office/drawing/2010/main" xmlns="" w="9525">
                 <a:solidFill>
                   <a:schemeClr val="tx1"/>
                 </a:solidFill>
@@ -6530,7 +6512,7 @@
               </a14:hiddenLine>
             </a:ext>
             <a:ext uri="{AF507438-7753-43E0-B8FC-AC1667EBCBE1}">
-              <a14:hiddenEffects xmlns:a14="http://schemas.microsoft.com/office/drawing/2010/main">
+              <a14:hiddenEffects xmlns:a14="http://schemas.microsoft.com/office/drawing/2010/main" xmlns="">
                 <a:effectLst>
                   <a:outerShdw dist="35921" dir="2700000" algn="ctr" rotWithShape="0">
                     <a:schemeClr val="bg2"/>
@@ -6553,7 +6535,7 @@
           <a:blip r:embed="rId4" cstate="print">
             <a:extLst>
               <a:ext uri="{28A0092B-C50C-407E-A947-70E740481C1C}">
-                <a14:useLocalDpi xmlns:a14="http://schemas.microsoft.com/office/drawing/2010/main" val="0"/>
+                <a14:useLocalDpi xmlns:a14="http://schemas.microsoft.com/office/drawing/2010/main" xmlns="" val="0"/>
               </a:ext>
             </a:extLst>
           </a:blip>
@@ -6573,7 +6555,7 @@
           <a:noFill/>
           <a:extLst>
             <a:ext uri="{909E8E84-426E-40DD-AFC4-6F175D3DCCD1}">
-              <a14:hiddenFill xmlns:a14="http://schemas.microsoft.com/office/drawing/2010/main">
+              <a14:hiddenFill xmlns:a14="http://schemas.microsoft.com/office/drawing/2010/main" xmlns="">
                 <a:solidFill>
                   <a:srgbClr val="FFFFFF"/>
                 </a:solidFill>
@@ -6618,7 +6600,7 @@
           <a:blip r:embed="rId5" cstate="print">
             <a:extLst>
               <a:ext uri="{28A0092B-C50C-407E-A947-70E740481C1C}">
-                <a14:useLocalDpi xmlns:a14="http://schemas.microsoft.com/office/drawing/2010/main" val="0"/>
+                <a14:useLocalDpi xmlns:a14="http://schemas.microsoft.com/office/drawing/2010/main" xmlns="" val="0"/>
               </a:ext>
             </a:extLst>
           </a:blip>
@@ -6642,14 +6624,14 @@
           <a:effectLst/>
           <a:extLst>
             <a:ext uri="{909E8E84-426E-40DD-AFC4-6F175D3DCCD1}">
-              <a14:hiddenFill xmlns:a14="http://schemas.microsoft.com/office/drawing/2010/main">
+              <a14:hiddenFill xmlns:a14="http://schemas.microsoft.com/office/drawing/2010/main" xmlns="">
                 <a:solidFill>
                   <a:schemeClr val="accent1"/>
                 </a:solidFill>
               </a14:hiddenFill>
             </a:ext>
             <a:ext uri="{91240B29-F687-4F45-9708-019B960494DF}">
-              <a14:hiddenLine xmlns:a14="http://schemas.microsoft.com/office/drawing/2010/main" w="9525">
+              <a14:hiddenLine xmlns:a14="http://schemas.microsoft.com/office/drawing/2010/main" xmlns="" w="9525">
                 <a:solidFill>
                   <a:schemeClr val="tx1"/>
                 </a:solidFill>
@@ -6659,7 +6641,7 @@
               </a14:hiddenLine>
             </a:ext>
             <a:ext uri="{AF507438-7753-43E0-B8FC-AC1667EBCBE1}">
-              <a14:hiddenEffects xmlns:a14="http://schemas.microsoft.com/office/drawing/2010/main">
+              <a14:hiddenEffects xmlns:a14="http://schemas.microsoft.com/office/drawing/2010/main" xmlns="">
                 <a:effectLst>
                   <a:outerShdw dist="35921" dir="2700000" algn="ctr" rotWithShape="0">
                     <a:schemeClr val="bg2"/>
@@ -6802,7 +6784,7 @@
           <a:blip r:embed="rId3" cstate="print">
             <a:extLst>
               <a:ext uri="{28A0092B-C50C-407E-A947-70E740481C1C}">
-                <a14:useLocalDpi xmlns:a14="http://schemas.microsoft.com/office/drawing/2010/main" val="0"/>
+                <a14:useLocalDpi xmlns:a14="http://schemas.microsoft.com/office/drawing/2010/main" xmlns="" val="0"/>
               </a:ext>
             </a:extLst>
           </a:blip>
@@ -6826,14 +6808,14 @@
           <a:effectLst/>
           <a:extLst>
             <a:ext uri="{909E8E84-426E-40DD-AFC4-6F175D3DCCD1}">
-              <a14:hiddenFill xmlns:a14="http://schemas.microsoft.com/office/drawing/2010/main">
+              <a14:hiddenFill xmlns:a14="http://schemas.microsoft.com/office/drawing/2010/main" xmlns="">
                 <a:solidFill>
                   <a:schemeClr val="accent1"/>
                 </a:solidFill>
               </a14:hiddenFill>
             </a:ext>
             <a:ext uri="{91240B29-F687-4F45-9708-019B960494DF}">
-              <a14:hiddenLine xmlns:a14="http://schemas.microsoft.com/office/drawing/2010/main" w="9525">
+              <a14:hiddenLine xmlns:a14="http://schemas.microsoft.com/office/drawing/2010/main" xmlns="" w="9525">
                 <a:solidFill>
                   <a:schemeClr val="tx1"/>
                 </a:solidFill>
@@ -6843,7 +6825,7 @@
               </a14:hiddenLine>
             </a:ext>
             <a:ext uri="{AF507438-7753-43E0-B8FC-AC1667EBCBE1}">
-              <a14:hiddenEffects xmlns:a14="http://schemas.microsoft.com/office/drawing/2010/main">
+              <a14:hiddenEffects xmlns:a14="http://schemas.microsoft.com/office/drawing/2010/main" xmlns="">
                 <a:effectLst>
                   <a:outerShdw dist="35921" dir="2700000" algn="ctr" rotWithShape="0">
                     <a:schemeClr val="bg2"/>
@@ -6866,7 +6848,7 @@
           <a:blip r:embed="rId4" cstate="print">
             <a:extLst>
               <a:ext uri="{28A0092B-C50C-407E-A947-70E740481C1C}">
-                <a14:useLocalDpi xmlns:a14="http://schemas.microsoft.com/office/drawing/2010/main" val="0"/>
+                <a14:useLocalDpi xmlns:a14="http://schemas.microsoft.com/office/drawing/2010/main" xmlns="" val="0"/>
               </a:ext>
             </a:extLst>
           </a:blip>
@@ -6886,7 +6868,7 @@
           <a:noFill/>
           <a:extLst>
             <a:ext uri="{909E8E84-426E-40DD-AFC4-6F175D3DCCD1}">
-              <a14:hiddenFill xmlns:a14="http://schemas.microsoft.com/office/drawing/2010/main">
+              <a14:hiddenFill xmlns:a14="http://schemas.microsoft.com/office/drawing/2010/main" xmlns="">
                 <a:solidFill>
                   <a:srgbClr val="FFFFFF"/>
                 </a:solidFill>
@@ -6931,7 +6913,7 @@
           <a:blip r:embed="rId5" cstate="print">
             <a:extLst>
               <a:ext uri="{28A0092B-C50C-407E-A947-70E740481C1C}">
-                <a14:useLocalDpi xmlns:a14="http://schemas.microsoft.com/office/drawing/2010/main" val="0"/>
+                <a14:useLocalDpi xmlns:a14="http://schemas.microsoft.com/office/drawing/2010/main" xmlns="" val="0"/>
               </a:ext>
             </a:extLst>
           </a:blip>
@@ -6955,14 +6937,14 @@
           <a:effectLst/>
           <a:extLst>
             <a:ext uri="{909E8E84-426E-40DD-AFC4-6F175D3DCCD1}">
-              <a14:hiddenFill xmlns:a14="http://schemas.microsoft.com/office/drawing/2010/main">
+              <a14:hiddenFill xmlns:a14="http://schemas.microsoft.com/office/drawing/2010/main" xmlns="">
                 <a:solidFill>
                   <a:schemeClr val="accent1"/>
                 </a:solidFill>
               </a14:hiddenFill>
             </a:ext>
             <a:ext uri="{91240B29-F687-4F45-9708-019B960494DF}">
-              <a14:hiddenLine xmlns:a14="http://schemas.microsoft.com/office/drawing/2010/main" w="9525">
+              <a14:hiddenLine xmlns:a14="http://schemas.microsoft.com/office/drawing/2010/main" xmlns="" w="9525">
                 <a:solidFill>
                   <a:schemeClr val="tx1"/>
                 </a:solidFill>
@@ -6972,7 +6954,7 @@
               </a14:hiddenLine>
             </a:ext>
             <a:ext uri="{AF507438-7753-43E0-B8FC-AC1667EBCBE1}">
-              <a14:hiddenEffects xmlns:a14="http://schemas.microsoft.com/office/drawing/2010/main">
+              <a14:hiddenEffects xmlns:a14="http://schemas.microsoft.com/office/drawing/2010/main" xmlns="">
                 <a:effectLst>
                   <a:outerShdw dist="35921" dir="2700000" algn="ctr" rotWithShape="0">
                     <a:schemeClr val="bg2"/>
@@ -7299,7 +7281,7 @@
           <a:blip r:embed="rId3" cstate="print">
             <a:extLst>
               <a:ext uri="{28A0092B-C50C-407E-A947-70E740481C1C}">
-                <a14:useLocalDpi xmlns:a14="http://schemas.microsoft.com/office/drawing/2010/main" val="0"/>
+                <a14:useLocalDpi xmlns:a14="http://schemas.microsoft.com/office/drawing/2010/main" xmlns="" val="0"/>
               </a:ext>
             </a:extLst>
           </a:blip>
@@ -7323,14 +7305,14 @@
           <a:effectLst/>
           <a:extLst>
             <a:ext uri="{909E8E84-426E-40DD-AFC4-6F175D3DCCD1}">
-              <a14:hiddenFill xmlns:a14="http://schemas.microsoft.com/office/drawing/2010/main">
+              <a14:hiddenFill xmlns:a14="http://schemas.microsoft.com/office/drawing/2010/main" xmlns="">
                 <a:solidFill>
                   <a:schemeClr val="accent1"/>
                 </a:solidFill>
               </a14:hiddenFill>
             </a:ext>
             <a:ext uri="{91240B29-F687-4F45-9708-019B960494DF}">
-              <a14:hiddenLine xmlns:a14="http://schemas.microsoft.com/office/drawing/2010/main" w="9525">
+              <a14:hiddenLine xmlns:a14="http://schemas.microsoft.com/office/drawing/2010/main" xmlns="" w="9525">
                 <a:solidFill>
                   <a:schemeClr val="tx1"/>
                 </a:solidFill>
@@ -7340,7 +7322,7 @@
               </a14:hiddenLine>
             </a:ext>
             <a:ext uri="{AF507438-7753-43E0-B8FC-AC1667EBCBE1}">
-              <a14:hiddenEffects xmlns:a14="http://schemas.microsoft.com/office/drawing/2010/main">
+              <a14:hiddenEffects xmlns:a14="http://schemas.microsoft.com/office/drawing/2010/main" xmlns="">
                 <a:effectLst>
                   <a:outerShdw dist="35921" dir="2700000" algn="ctr" rotWithShape="0">
                     <a:schemeClr val="bg2"/>
@@ -7534,7 +7516,7 @@
           <a:blip r:embed="rId3" cstate="print">
             <a:extLst>
               <a:ext uri="{28A0092B-C50C-407E-A947-70E740481C1C}">
-                <a14:useLocalDpi xmlns:a14="http://schemas.microsoft.com/office/drawing/2010/main" val="0"/>
+                <a14:useLocalDpi xmlns:a14="http://schemas.microsoft.com/office/drawing/2010/main" xmlns="" val="0"/>
               </a:ext>
             </a:extLst>
           </a:blip>
@@ -7554,7 +7536,7 @@
           <a:noFill/>
           <a:extLst>
             <a:ext uri="{909E8E84-426E-40DD-AFC4-6F175D3DCCD1}">
-              <a14:hiddenFill xmlns:a14="http://schemas.microsoft.com/office/drawing/2010/main">
+              <a14:hiddenFill xmlns:a14="http://schemas.microsoft.com/office/drawing/2010/main" xmlns="">
                 <a:solidFill>
                   <a:srgbClr val="FFFFFF"/>
                 </a:solidFill>
@@ -7599,7 +7581,7 @@
           <a:blip r:embed="rId4" cstate="print">
             <a:extLst>
               <a:ext uri="{28A0092B-C50C-407E-A947-70E740481C1C}">
-                <a14:useLocalDpi xmlns:a14="http://schemas.microsoft.com/office/drawing/2010/main" val="0"/>
+                <a14:useLocalDpi xmlns:a14="http://schemas.microsoft.com/office/drawing/2010/main" xmlns="" val="0"/>
               </a:ext>
             </a:extLst>
           </a:blip>
@@ -7623,14 +7605,14 @@
           <a:effectLst/>
           <a:extLst>
             <a:ext uri="{909E8E84-426E-40DD-AFC4-6F175D3DCCD1}">
-              <a14:hiddenFill xmlns:a14="http://schemas.microsoft.com/office/drawing/2010/main">
+              <a14:hiddenFill xmlns:a14="http://schemas.microsoft.com/office/drawing/2010/main" xmlns="">
                 <a:solidFill>
                   <a:schemeClr val="accent1"/>
                 </a:solidFill>
               </a14:hiddenFill>
             </a:ext>
             <a:ext uri="{91240B29-F687-4F45-9708-019B960494DF}">
-              <a14:hiddenLine xmlns:a14="http://schemas.microsoft.com/office/drawing/2010/main" w="9525">
+              <a14:hiddenLine xmlns:a14="http://schemas.microsoft.com/office/drawing/2010/main" xmlns="" w="9525">
                 <a:solidFill>
                   <a:schemeClr val="tx1"/>
                 </a:solidFill>
@@ -7640,7 +7622,7 @@
               </a14:hiddenLine>
             </a:ext>
             <a:ext uri="{AF507438-7753-43E0-B8FC-AC1667EBCBE1}">
-              <a14:hiddenEffects xmlns:a14="http://schemas.microsoft.com/office/drawing/2010/main">
+              <a14:hiddenEffects xmlns:a14="http://schemas.microsoft.com/office/drawing/2010/main" xmlns="">
                 <a:effectLst>
                   <a:outerShdw dist="35921" dir="2700000" algn="ctr" rotWithShape="0">
                     <a:schemeClr val="bg2"/>
@@ -7722,7 +7704,7 @@
           <a:blip r:embed="rId2" cstate="print">
             <a:extLst>
               <a:ext uri="{28A0092B-C50C-407E-A947-70E740481C1C}">
-                <a14:useLocalDpi xmlns:a14="http://schemas.microsoft.com/office/drawing/2010/main" val="0"/>
+                <a14:useLocalDpi xmlns:a14="http://schemas.microsoft.com/office/drawing/2010/main" xmlns="" val="0"/>
               </a:ext>
             </a:extLst>
           </a:blip>
@@ -7742,7 +7724,7 @@
           <a:noFill/>
           <a:extLst>
             <a:ext uri="{909E8E84-426E-40DD-AFC4-6F175D3DCCD1}">
-              <a14:hiddenFill xmlns:a14="http://schemas.microsoft.com/office/drawing/2010/main">
+              <a14:hiddenFill xmlns:a14="http://schemas.microsoft.com/office/drawing/2010/main" xmlns="">
                 <a:solidFill>
                   <a:srgbClr val="FFFFFF"/>
                 </a:solidFill>
@@ -7787,7 +7769,7 @@
           <a:blip r:embed="rId3" cstate="print">
             <a:extLst>
               <a:ext uri="{28A0092B-C50C-407E-A947-70E740481C1C}">
-                <a14:useLocalDpi xmlns:a14="http://schemas.microsoft.com/office/drawing/2010/main" val="0"/>
+                <a14:useLocalDpi xmlns:a14="http://schemas.microsoft.com/office/drawing/2010/main" xmlns="" val="0"/>
               </a:ext>
             </a:extLst>
           </a:blip>
@@ -7811,14 +7793,14 @@
           <a:effectLst/>
           <a:extLst>
             <a:ext uri="{909E8E84-426E-40DD-AFC4-6F175D3DCCD1}">
-              <a14:hiddenFill xmlns:a14="http://schemas.microsoft.com/office/drawing/2010/main">
+              <a14:hiddenFill xmlns:a14="http://schemas.microsoft.com/office/drawing/2010/main" xmlns="">
                 <a:solidFill>
                   <a:schemeClr val="accent1"/>
                 </a:solidFill>
               </a14:hiddenFill>
             </a:ext>
             <a:ext uri="{91240B29-F687-4F45-9708-019B960494DF}">
-              <a14:hiddenLine xmlns:a14="http://schemas.microsoft.com/office/drawing/2010/main" w="9525">
+              <a14:hiddenLine xmlns:a14="http://schemas.microsoft.com/office/drawing/2010/main" xmlns="" w="9525">
                 <a:solidFill>
                   <a:schemeClr val="tx1"/>
                 </a:solidFill>
@@ -7828,7 +7810,7 @@
               </a14:hiddenLine>
             </a:ext>
             <a:ext uri="{AF507438-7753-43E0-B8FC-AC1667EBCBE1}">
-              <a14:hiddenEffects xmlns:a14="http://schemas.microsoft.com/office/drawing/2010/main">
+              <a14:hiddenEffects xmlns:a14="http://schemas.microsoft.com/office/drawing/2010/main" xmlns="">
                 <a:effectLst>
                   <a:outerShdw dist="35921" dir="2700000" algn="ctr" rotWithShape="0">
                     <a:schemeClr val="bg2"/>
@@ -7842,7 +7824,7 @@
     </p:spTree>
     <p:extLst>
       <p:ext uri="{BB962C8B-B14F-4D97-AF65-F5344CB8AC3E}">
-        <p14:creationId xmlns:p14="http://schemas.microsoft.com/office/powerpoint/2010/main" val="1616343719"/>
+        <p14:creationId xmlns:p14="http://schemas.microsoft.com/office/powerpoint/2010/main" xmlns="" val="1616343719"/>
       </p:ext>
     </p:extLst>
   </p:cSld>
@@ -8235,7 +8217,7 @@
           <a:blip r:embed="rId2" cstate="print">
             <a:extLst>
               <a:ext uri="{28A0092B-C50C-407E-A947-70E740481C1C}">
-                <a14:useLocalDpi xmlns:a14="http://schemas.microsoft.com/office/drawing/2010/main" val="0"/>
+                <a14:useLocalDpi xmlns:a14="http://schemas.microsoft.com/office/drawing/2010/main" xmlns="" val="0"/>
               </a:ext>
             </a:extLst>
           </a:blip>
@@ -8259,14 +8241,14 @@
           <a:effectLst/>
           <a:extLst>
             <a:ext uri="{909E8E84-426E-40DD-AFC4-6F175D3DCCD1}">
-              <a14:hiddenFill xmlns:a14="http://schemas.microsoft.com/office/drawing/2010/main">
+              <a14:hiddenFill xmlns:a14="http://schemas.microsoft.com/office/drawing/2010/main" xmlns="">
                 <a:solidFill>
                   <a:schemeClr val="accent1"/>
                 </a:solidFill>
               </a14:hiddenFill>
             </a:ext>
             <a:ext uri="{91240B29-F687-4F45-9708-019B960494DF}">
-              <a14:hiddenLine xmlns:a14="http://schemas.microsoft.com/office/drawing/2010/main" w="9525">
+              <a14:hiddenLine xmlns:a14="http://schemas.microsoft.com/office/drawing/2010/main" xmlns="" w="9525">
                 <a:solidFill>
                   <a:schemeClr val="tx1"/>
                 </a:solidFill>
@@ -8276,7 +8258,7 @@
               </a14:hiddenLine>
             </a:ext>
             <a:ext uri="{AF507438-7753-43E0-B8FC-AC1667EBCBE1}">
-              <a14:hiddenEffects xmlns:a14="http://schemas.microsoft.com/office/drawing/2010/main">
+              <a14:hiddenEffects xmlns:a14="http://schemas.microsoft.com/office/drawing/2010/main" xmlns="">
                 <a:effectLst>
                   <a:outerShdw dist="35921" dir="2700000" algn="ctr" rotWithShape="0">
                     <a:schemeClr val="bg2"/>
@@ -8375,13 +8357,8 @@
             </a:r>
             <a:r>
               <a:rPr lang="de-CH" dirty="0" smtClean="0"/>
-              <a:t>: </a:t>
-            </a:r>
-            <a:r>
-              <a:rPr lang="de-CH" dirty="0" smtClean="0"/>
-              <a:t>51</a:t>
-            </a:r>
-            <a:endParaRPr lang="de-CH" dirty="0" smtClean="0"/>
+              <a:t>: 51</a:t>
+            </a:r>
           </a:p>
           <a:p>
             <a:r>
@@ -8476,7 +8453,7 @@
           <a:blip r:embed="rId3" cstate="print">
             <a:extLst>
               <a:ext uri="{28A0092B-C50C-407E-A947-70E740481C1C}">
-                <a14:useLocalDpi xmlns:a14="http://schemas.microsoft.com/office/drawing/2010/main" val="0"/>
+                <a14:useLocalDpi xmlns:a14="http://schemas.microsoft.com/office/drawing/2010/main" xmlns="" val="0"/>
               </a:ext>
             </a:extLst>
           </a:blip>
@@ -8500,14 +8477,14 @@
           <a:effectLst/>
           <a:extLst>
             <a:ext uri="{909E8E84-426E-40DD-AFC4-6F175D3DCCD1}">
-              <a14:hiddenFill xmlns:a14="http://schemas.microsoft.com/office/drawing/2010/main">
+              <a14:hiddenFill xmlns:a14="http://schemas.microsoft.com/office/drawing/2010/main" xmlns="">
                 <a:solidFill>
                   <a:schemeClr val="accent1"/>
                 </a:solidFill>
               </a14:hiddenFill>
             </a:ext>
             <a:ext uri="{91240B29-F687-4F45-9708-019B960494DF}">
-              <a14:hiddenLine xmlns:a14="http://schemas.microsoft.com/office/drawing/2010/main" w="9525">
+              <a14:hiddenLine xmlns:a14="http://schemas.microsoft.com/office/drawing/2010/main" xmlns="" w="9525">
                 <a:solidFill>
                   <a:schemeClr val="tx1"/>
                 </a:solidFill>
@@ -8517,7 +8494,7 @@
               </a14:hiddenLine>
             </a:ext>
             <a:ext uri="{AF507438-7753-43E0-B8FC-AC1667EBCBE1}">
-              <a14:hiddenEffects xmlns:a14="http://schemas.microsoft.com/office/drawing/2010/main">
+              <a14:hiddenEffects xmlns:a14="http://schemas.microsoft.com/office/drawing/2010/main" xmlns="">
                 <a:effectLst>
                   <a:outerShdw dist="35921" dir="2700000" algn="ctr" rotWithShape="0">
                     <a:schemeClr val="bg2"/>
@@ -8890,7 +8867,7 @@
           <a:blip r:embed="rId3" cstate="print">
             <a:extLst>
               <a:ext uri="{28A0092B-C50C-407E-A947-70E740481C1C}">
-                <a14:useLocalDpi xmlns:a14="http://schemas.microsoft.com/office/drawing/2010/main" val="0"/>
+                <a14:useLocalDpi xmlns:a14="http://schemas.microsoft.com/office/drawing/2010/main" xmlns="" val="0"/>
               </a:ext>
             </a:extLst>
           </a:blip>
@@ -8914,14 +8891,14 @@
           <a:effectLst/>
           <a:extLst>
             <a:ext uri="{909E8E84-426E-40DD-AFC4-6F175D3DCCD1}">
-              <a14:hiddenFill xmlns:a14="http://schemas.microsoft.com/office/drawing/2010/main">
+              <a14:hiddenFill xmlns:a14="http://schemas.microsoft.com/office/drawing/2010/main" xmlns="">
                 <a:solidFill>
                   <a:schemeClr val="accent1"/>
                 </a:solidFill>
               </a14:hiddenFill>
             </a:ext>
             <a:ext uri="{91240B29-F687-4F45-9708-019B960494DF}">
-              <a14:hiddenLine xmlns:a14="http://schemas.microsoft.com/office/drawing/2010/main" w="9525">
+              <a14:hiddenLine xmlns:a14="http://schemas.microsoft.com/office/drawing/2010/main" xmlns="" w="9525">
                 <a:solidFill>
                   <a:schemeClr val="tx1"/>
                 </a:solidFill>
@@ -8931,7 +8908,7 @@
               </a14:hiddenLine>
             </a:ext>
             <a:ext uri="{AF507438-7753-43E0-B8FC-AC1667EBCBE1}">
-              <a14:hiddenEffects xmlns:a14="http://schemas.microsoft.com/office/drawing/2010/main">
+              <a14:hiddenEffects xmlns:a14="http://schemas.microsoft.com/office/drawing/2010/main" xmlns="">
                 <a:effectLst>
                   <a:outerShdw dist="35921" dir="2700000" algn="ctr" rotWithShape="0">
                     <a:schemeClr val="bg2"/>
@@ -9087,7 +9064,7 @@
           <a:blip r:embed="rId3" cstate="print">
             <a:extLst>
               <a:ext uri="{28A0092B-C50C-407E-A947-70E740481C1C}">
-                <a14:useLocalDpi xmlns:a14="http://schemas.microsoft.com/office/drawing/2010/main" val="0"/>
+                <a14:useLocalDpi xmlns:a14="http://schemas.microsoft.com/office/drawing/2010/main" xmlns="" val="0"/>
               </a:ext>
             </a:extLst>
           </a:blip>
@@ -9111,14 +9088,14 @@
           <a:effectLst/>
           <a:extLst>
             <a:ext uri="{909E8E84-426E-40DD-AFC4-6F175D3DCCD1}">
-              <a14:hiddenFill xmlns:a14="http://schemas.microsoft.com/office/drawing/2010/main">
+              <a14:hiddenFill xmlns:a14="http://schemas.microsoft.com/office/drawing/2010/main" xmlns="">
                 <a:solidFill>
                   <a:schemeClr val="accent1"/>
                 </a:solidFill>
               </a14:hiddenFill>
             </a:ext>
             <a:ext uri="{91240B29-F687-4F45-9708-019B960494DF}">
-              <a14:hiddenLine xmlns:a14="http://schemas.microsoft.com/office/drawing/2010/main" w="9525">
+              <a14:hiddenLine xmlns:a14="http://schemas.microsoft.com/office/drawing/2010/main" xmlns="" w="9525">
                 <a:solidFill>
                   <a:schemeClr val="tx1"/>
                 </a:solidFill>
@@ -9128,7 +9105,7 @@
               </a14:hiddenLine>
             </a:ext>
             <a:ext uri="{AF507438-7753-43E0-B8FC-AC1667EBCBE1}">
-              <a14:hiddenEffects xmlns:a14="http://schemas.microsoft.com/office/drawing/2010/main">
+              <a14:hiddenEffects xmlns:a14="http://schemas.microsoft.com/office/drawing/2010/main" xmlns="">
                 <a:effectLst>
                   <a:outerShdw dist="35921" dir="2700000" algn="ctr" rotWithShape="0">
                     <a:schemeClr val="bg2"/>
@@ -9284,7 +9261,7 @@
           <a:blip r:embed="rId3" cstate="print">
             <a:extLst>
               <a:ext uri="{28A0092B-C50C-407E-A947-70E740481C1C}">
-                <a14:useLocalDpi xmlns:a14="http://schemas.microsoft.com/office/drawing/2010/main" val="0"/>
+                <a14:useLocalDpi xmlns:a14="http://schemas.microsoft.com/office/drawing/2010/main" xmlns="" val="0"/>
               </a:ext>
             </a:extLst>
           </a:blip>
@@ -9308,14 +9285,14 @@
           <a:effectLst/>
           <a:extLst>
             <a:ext uri="{909E8E84-426E-40DD-AFC4-6F175D3DCCD1}">
-              <a14:hiddenFill xmlns:a14="http://schemas.microsoft.com/office/drawing/2010/main">
+              <a14:hiddenFill xmlns:a14="http://schemas.microsoft.com/office/drawing/2010/main" xmlns="">
                 <a:solidFill>
                   <a:schemeClr val="accent1"/>
                 </a:solidFill>
               </a14:hiddenFill>
             </a:ext>
             <a:ext uri="{91240B29-F687-4F45-9708-019B960494DF}">
-              <a14:hiddenLine xmlns:a14="http://schemas.microsoft.com/office/drawing/2010/main" w="9525">
+              <a14:hiddenLine xmlns:a14="http://schemas.microsoft.com/office/drawing/2010/main" xmlns="" w="9525">
                 <a:solidFill>
                   <a:schemeClr val="tx1"/>
                 </a:solidFill>
@@ -9325,7 +9302,7 @@
               </a14:hiddenLine>
             </a:ext>
             <a:ext uri="{AF507438-7753-43E0-B8FC-AC1667EBCBE1}">
-              <a14:hiddenEffects xmlns:a14="http://schemas.microsoft.com/office/drawing/2010/main">
+              <a14:hiddenEffects xmlns:a14="http://schemas.microsoft.com/office/drawing/2010/main" xmlns="">
                 <a:effectLst>
                   <a:outerShdw dist="35921" dir="2700000" algn="ctr" rotWithShape="0">
                     <a:schemeClr val="bg2"/>
@@ -9458,9 +9435,33 @@
           </a:p>
         </p:txBody>
       </p:sp>
+      <p:sp>
+        <p:nvSpPr>
+          <p:cNvPr id="4" name="Foliennummernplatzhalter 3"/>
+          <p:cNvSpPr>
+            <a:spLocks noGrp="1"/>
+          </p:cNvSpPr>
+          <p:nvPr>
+            <p:ph type="sldNum" sz="quarter" idx="12"/>
+          </p:nvPr>
+        </p:nvSpPr>
+        <p:spPr/>
+        <p:txBody>
+          <a:bodyPr/>
+          <a:lstStyle/>
+          <a:p>
+            <a:fld id="{8969DB39-9E70-474F-9A85-81F67A0EA78C}" type="slidenum">
+              <a:rPr lang="de-CH" smtClean="0"/>
+              <a:pPr/>
+              <a:t>2</a:t>
+            </a:fld>
+            <a:endParaRPr lang="de-CH"/>
+          </a:p>
+        </p:txBody>
+      </p:sp>
       <p:pic>
         <p:nvPicPr>
-          <p:cNvPr id="1026" name="Picture 2"/>
+          <p:cNvPr id="6" name="Picture 2"/>
           <p:cNvPicPr>
             <a:picLocks noChangeAspect="1" noChangeArrowheads="1"/>
           </p:cNvPicPr>
@@ -9470,7 +9471,7 @@
           <a:blip r:embed="rId3" cstate="print">
             <a:extLst>
               <a:ext uri="{28A0092B-C50C-407E-A947-70E740481C1C}">
-                <a14:useLocalDpi xmlns:a14="http://schemas.microsoft.com/office/drawing/2010/main" val="0"/>
+                <a14:useLocalDpi xmlns:a14="http://schemas.microsoft.com/office/drawing/2010/main" xmlns="" val="0"/>
               </a:ext>
             </a:extLst>
           </a:blip>
@@ -9494,14 +9495,14 @@
           <a:effectLst/>
           <a:extLst>
             <a:ext uri="{909E8E84-426E-40DD-AFC4-6F175D3DCCD1}">
-              <a14:hiddenFill xmlns:a14="http://schemas.microsoft.com/office/drawing/2010/main">
+              <a14:hiddenFill xmlns:a14="http://schemas.microsoft.com/office/drawing/2010/main" xmlns="">
                 <a:solidFill>
                   <a:schemeClr val="accent1"/>
                 </a:solidFill>
               </a14:hiddenFill>
             </a:ext>
             <a:ext uri="{91240B29-F687-4F45-9708-019B960494DF}">
-              <a14:hiddenLine xmlns:a14="http://schemas.microsoft.com/office/drawing/2010/main" w="9525">
+              <a14:hiddenLine xmlns:a14="http://schemas.microsoft.com/office/drawing/2010/main" xmlns="" w="9525">
                 <a:solidFill>
                   <a:schemeClr val="tx1"/>
                 </a:solidFill>
@@ -9511,7 +9512,7 @@
               </a14:hiddenLine>
             </a:ext>
             <a:ext uri="{AF507438-7753-43E0-B8FC-AC1667EBCBE1}">
-              <a14:hiddenEffects xmlns:a14="http://schemas.microsoft.com/office/drawing/2010/main">
+              <a14:hiddenEffects xmlns:a14="http://schemas.microsoft.com/office/drawing/2010/main" xmlns="">
                 <a:effectLst>
                   <a:outerShdw dist="35921" dir="2700000" algn="ctr" rotWithShape="0">
                     <a:schemeClr val="bg2"/>
@@ -9522,30 +9523,6 @@
           </a:extLst>
         </p:spPr>
       </p:pic>
-      <p:sp>
-        <p:nvSpPr>
-          <p:cNvPr id="4" name="Foliennummernplatzhalter 3"/>
-          <p:cNvSpPr>
-            <a:spLocks noGrp="1"/>
-          </p:cNvSpPr>
-          <p:nvPr>
-            <p:ph type="sldNum" sz="quarter" idx="12"/>
-          </p:nvPr>
-        </p:nvSpPr>
-        <p:spPr/>
-        <p:txBody>
-          <a:bodyPr/>
-          <a:lstStyle/>
-          <a:p>
-            <a:fld id="{8969DB39-9E70-474F-9A85-81F67A0EA78C}" type="slidenum">
-              <a:rPr lang="de-CH" smtClean="0"/>
-              <a:pPr/>
-              <a:t>2</a:t>
-            </a:fld>
-            <a:endParaRPr lang="de-CH"/>
-          </a:p>
-        </p:txBody>
-      </p:sp>
     </p:spTree>
   </p:cSld>
   <p:clrMapOvr>
@@ -9613,7 +9590,7 @@
           <a:blip r:embed="rId3" cstate="print">
             <a:extLst>
               <a:ext uri="{28A0092B-C50C-407E-A947-70E740481C1C}">
-                <a14:useLocalDpi xmlns:a14="http://schemas.microsoft.com/office/drawing/2010/main" val="0"/>
+                <a14:useLocalDpi xmlns:a14="http://schemas.microsoft.com/office/drawing/2010/main" xmlns="" val="0"/>
               </a:ext>
             </a:extLst>
           </a:blip>
@@ -9633,7 +9610,7 @@
           <a:noFill/>
           <a:extLst>
             <a:ext uri="{909E8E84-426E-40DD-AFC4-6F175D3DCCD1}">
-              <a14:hiddenFill xmlns:a14="http://schemas.microsoft.com/office/drawing/2010/main">
+              <a14:hiddenFill xmlns:a14="http://schemas.microsoft.com/office/drawing/2010/main" xmlns="">
                 <a:solidFill>
                   <a:srgbClr val="FFFFFF"/>
                 </a:solidFill>
@@ -9678,7 +9655,7 @@
           <a:blip r:embed="rId4" cstate="print">
             <a:extLst>
               <a:ext uri="{28A0092B-C50C-407E-A947-70E740481C1C}">
-                <a14:useLocalDpi xmlns:a14="http://schemas.microsoft.com/office/drawing/2010/main" val="0"/>
+                <a14:useLocalDpi xmlns:a14="http://schemas.microsoft.com/office/drawing/2010/main" xmlns="" val="0"/>
               </a:ext>
             </a:extLst>
           </a:blip>
@@ -9702,14 +9679,14 @@
           <a:effectLst/>
           <a:extLst>
             <a:ext uri="{909E8E84-426E-40DD-AFC4-6F175D3DCCD1}">
-              <a14:hiddenFill xmlns:a14="http://schemas.microsoft.com/office/drawing/2010/main">
+              <a14:hiddenFill xmlns:a14="http://schemas.microsoft.com/office/drawing/2010/main" xmlns="">
                 <a:solidFill>
                   <a:schemeClr val="accent1"/>
                 </a:solidFill>
               </a14:hiddenFill>
             </a:ext>
             <a:ext uri="{91240B29-F687-4F45-9708-019B960494DF}">
-              <a14:hiddenLine xmlns:a14="http://schemas.microsoft.com/office/drawing/2010/main" w="9525">
+              <a14:hiddenLine xmlns:a14="http://schemas.microsoft.com/office/drawing/2010/main" xmlns="" w="9525">
                 <a:solidFill>
                   <a:schemeClr val="tx1"/>
                 </a:solidFill>
@@ -9719,7 +9696,7 @@
               </a14:hiddenLine>
             </a:ext>
             <a:ext uri="{AF507438-7753-43E0-B8FC-AC1667EBCBE1}">
-              <a14:hiddenEffects xmlns:a14="http://schemas.microsoft.com/office/drawing/2010/main">
+              <a14:hiddenEffects xmlns:a14="http://schemas.microsoft.com/office/drawing/2010/main" xmlns="">
                 <a:effectLst>
                   <a:outerShdw dist="35921" dir="2700000" algn="ctr" rotWithShape="0">
                     <a:schemeClr val="bg2"/>
@@ -10073,7 +10050,7 @@
           <a:blip r:embed="rId2" cstate="print">
             <a:extLst>
               <a:ext uri="{28A0092B-C50C-407E-A947-70E740481C1C}">
-                <a14:useLocalDpi xmlns:a14="http://schemas.microsoft.com/office/drawing/2010/main" val="0"/>
+                <a14:useLocalDpi xmlns:a14="http://schemas.microsoft.com/office/drawing/2010/main" xmlns="" val="0"/>
               </a:ext>
             </a:extLst>
           </a:blip>
@@ -10097,14 +10074,14 @@
           <a:effectLst/>
           <a:extLst>
             <a:ext uri="{909E8E84-426E-40DD-AFC4-6F175D3DCCD1}">
-              <a14:hiddenFill xmlns:a14="http://schemas.microsoft.com/office/drawing/2010/main">
+              <a14:hiddenFill xmlns:a14="http://schemas.microsoft.com/office/drawing/2010/main" xmlns="">
                 <a:solidFill>
                   <a:schemeClr val="accent1"/>
                 </a:solidFill>
               </a14:hiddenFill>
             </a:ext>
             <a:ext uri="{91240B29-F687-4F45-9708-019B960494DF}">
-              <a14:hiddenLine xmlns:a14="http://schemas.microsoft.com/office/drawing/2010/main" w="9525">
+              <a14:hiddenLine xmlns:a14="http://schemas.microsoft.com/office/drawing/2010/main" xmlns="" w="9525">
                 <a:solidFill>
                   <a:schemeClr val="tx1"/>
                 </a:solidFill>
@@ -10114,7 +10091,7 @@
               </a14:hiddenLine>
             </a:ext>
             <a:ext uri="{AF507438-7753-43E0-B8FC-AC1667EBCBE1}">
-              <a14:hiddenEffects xmlns:a14="http://schemas.microsoft.com/office/drawing/2010/main">
+              <a14:hiddenEffects xmlns:a14="http://schemas.microsoft.com/office/drawing/2010/main" xmlns="">
                 <a:effectLst>
                   <a:outerShdw dist="35921" dir="2700000" algn="ctr" rotWithShape="0">
                     <a:schemeClr val="bg2"/>
@@ -10508,7 +10485,7 @@
           <a:blip r:embed="rId2" cstate="print">
             <a:extLst>
               <a:ext uri="{28A0092B-C50C-407E-A947-70E740481C1C}">
-                <a14:useLocalDpi xmlns:a14="http://schemas.microsoft.com/office/drawing/2010/main" val="0"/>
+                <a14:useLocalDpi xmlns:a14="http://schemas.microsoft.com/office/drawing/2010/main" xmlns="" val="0"/>
               </a:ext>
             </a:extLst>
           </a:blip>
@@ -10532,14 +10509,14 @@
           <a:effectLst/>
           <a:extLst>
             <a:ext uri="{909E8E84-426E-40DD-AFC4-6F175D3DCCD1}">
-              <a14:hiddenFill xmlns:a14="http://schemas.microsoft.com/office/drawing/2010/main">
+              <a14:hiddenFill xmlns:a14="http://schemas.microsoft.com/office/drawing/2010/main" xmlns="">
                 <a:solidFill>
                   <a:schemeClr val="accent1"/>
                 </a:solidFill>
               </a14:hiddenFill>
             </a:ext>
             <a:ext uri="{91240B29-F687-4F45-9708-019B960494DF}">
-              <a14:hiddenLine xmlns:a14="http://schemas.microsoft.com/office/drawing/2010/main" w="9525">
+              <a14:hiddenLine xmlns:a14="http://schemas.microsoft.com/office/drawing/2010/main" xmlns="" w="9525">
                 <a:solidFill>
                   <a:schemeClr val="tx1"/>
                 </a:solidFill>
@@ -10549,7 +10526,7 @@
               </a14:hiddenLine>
             </a:ext>
             <a:ext uri="{AF507438-7753-43E0-B8FC-AC1667EBCBE1}">
-              <a14:hiddenEffects xmlns:a14="http://schemas.microsoft.com/office/drawing/2010/main">
+              <a14:hiddenEffects xmlns:a14="http://schemas.microsoft.com/office/drawing/2010/main" xmlns="">
                 <a:effectLst>
                   <a:outerShdw dist="35921" dir="2700000" algn="ctr" rotWithShape="0">
                     <a:schemeClr val="bg2"/>
@@ -10740,13 +10717,8 @@
             </a:r>
             <a:r>
               <a:rPr lang="de-CH" dirty="0" smtClean="0"/>
-              <a:t> </a:t>
-            </a:r>
-            <a:r>
-              <a:rPr lang="de-CH" dirty="0" smtClean="0"/>
-              <a:t>do</a:t>
-            </a:r>
-            <a:endParaRPr lang="de-CH" dirty="0" smtClean="0"/>
+              <a:t> do</a:t>
+            </a:r>
           </a:p>
           <a:p>
             <a:pPr lvl="1"/>
@@ -11000,7 +10972,7 @@
           <a:blip r:embed="rId3" cstate="print">
             <a:extLst>
               <a:ext uri="{28A0092B-C50C-407E-A947-70E740481C1C}">
-                <a14:useLocalDpi xmlns:a14="http://schemas.microsoft.com/office/drawing/2010/main" val="0"/>
+                <a14:useLocalDpi xmlns:a14="http://schemas.microsoft.com/office/drawing/2010/main" xmlns="" val="0"/>
               </a:ext>
             </a:extLst>
           </a:blip>
@@ -11024,14 +10996,14 @@
           <a:effectLst/>
           <a:extLst>
             <a:ext uri="{909E8E84-426E-40DD-AFC4-6F175D3DCCD1}">
-              <a14:hiddenFill xmlns:a14="http://schemas.microsoft.com/office/drawing/2010/main">
+              <a14:hiddenFill xmlns:a14="http://schemas.microsoft.com/office/drawing/2010/main" xmlns="">
                 <a:solidFill>
                   <a:schemeClr val="accent1"/>
                 </a:solidFill>
               </a14:hiddenFill>
             </a:ext>
             <a:ext uri="{91240B29-F687-4F45-9708-019B960494DF}">
-              <a14:hiddenLine xmlns:a14="http://schemas.microsoft.com/office/drawing/2010/main" w="9525">
+              <a14:hiddenLine xmlns:a14="http://schemas.microsoft.com/office/drawing/2010/main" xmlns="" w="9525">
                 <a:solidFill>
                   <a:schemeClr val="tx1"/>
                 </a:solidFill>
@@ -11041,7 +11013,7 @@
               </a14:hiddenLine>
             </a:ext>
             <a:ext uri="{AF507438-7753-43E0-B8FC-AC1667EBCBE1}">
-              <a14:hiddenEffects xmlns:a14="http://schemas.microsoft.com/office/drawing/2010/main">
+              <a14:hiddenEffects xmlns:a14="http://schemas.microsoft.com/office/drawing/2010/main" xmlns="">
                 <a:effectLst>
                   <a:outerShdw dist="35921" dir="2700000" algn="ctr" rotWithShape="0">
                     <a:schemeClr val="bg2"/>
@@ -11227,7 +11199,7 @@
           <a:blip r:embed="rId3" cstate="print">
             <a:extLst>
               <a:ext uri="{28A0092B-C50C-407E-A947-70E740481C1C}">
-                <a14:useLocalDpi xmlns:a14="http://schemas.microsoft.com/office/drawing/2010/main" val="0"/>
+                <a14:useLocalDpi xmlns:a14="http://schemas.microsoft.com/office/drawing/2010/main" xmlns="" val="0"/>
               </a:ext>
             </a:extLst>
           </a:blip>
@@ -11251,14 +11223,14 @@
           <a:effectLst/>
           <a:extLst>
             <a:ext uri="{909E8E84-426E-40DD-AFC4-6F175D3DCCD1}">
-              <a14:hiddenFill xmlns:a14="http://schemas.microsoft.com/office/drawing/2010/main">
+              <a14:hiddenFill xmlns:a14="http://schemas.microsoft.com/office/drawing/2010/main" xmlns="">
                 <a:solidFill>
                   <a:schemeClr val="accent1"/>
                 </a:solidFill>
               </a14:hiddenFill>
             </a:ext>
             <a:ext uri="{91240B29-F687-4F45-9708-019B960494DF}">
-              <a14:hiddenLine xmlns:a14="http://schemas.microsoft.com/office/drawing/2010/main" w="9525">
+              <a14:hiddenLine xmlns:a14="http://schemas.microsoft.com/office/drawing/2010/main" xmlns="" w="9525">
                 <a:solidFill>
                   <a:schemeClr val="tx1"/>
                 </a:solidFill>
@@ -11268,7 +11240,7 @@
               </a14:hiddenLine>
             </a:ext>
             <a:ext uri="{AF507438-7753-43E0-B8FC-AC1667EBCBE1}">
-              <a14:hiddenEffects xmlns:a14="http://schemas.microsoft.com/office/drawing/2010/main">
+              <a14:hiddenEffects xmlns:a14="http://schemas.microsoft.com/office/drawing/2010/main" xmlns="">
                 <a:effectLst>
                   <a:outerShdw dist="35921" dir="2700000" algn="ctr" rotWithShape="0">
                     <a:schemeClr val="bg2"/>
@@ -11353,7 +11325,7 @@
         </p:blipFill>
         <p:spPr bwMode="auto">
           <a:xfrm>
-            <a:off x="251520" y="2204864"/>
+            <a:off x="278281" y="2060848"/>
             <a:ext cx="8587439" cy="3940036"/>
           </a:xfrm>
           <a:prstGeom prst="rect">
@@ -11428,7 +11400,7 @@
           <a:blip r:embed="rId4" cstate="print">
             <a:extLst>
               <a:ext uri="{28A0092B-C50C-407E-A947-70E740481C1C}">
-                <a14:useLocalDpi xmlns:a14="http://schemas.microsoft.com/office/drawing/2010/main" val="0"/>
+                <a14:useLocalDpi xmlns:a14="http://schemas.microsoft.com/office/drawing/2010/main" xmlns="" val="0"/>
               </a:ext>
             </a:extLst>
           </a:blip>
@@ -11452,14 +11424,14 @@
           <a:effectLst/>
           <a:extLst>
             <a:ext uri="{909E8E84-426E-40DD-AFC4-6F175D3DCCD1}">
-              <a14:hiddenFill xmlns:a14="http://schemas.microsoft.com/office/drawing/2010/main">
+              <a14:hiddenFill xmlns:a14="http://schemas.microsoft.com/office/drawing/2010/main" xmlns="">
                 <a:solidFill>
                   <a:schemeClr val="accent1"/>
                 </a:solidFill>
               </a14:hiddenFill>
             </a:ext>
             <a:ext uri="{91240B29-F687-4F45-9708-019B960494DF}">
-              <a14:hiddenLine xmlns:a14="http://schemas.microsoft.com/office/drawing/2010/main" w="9525">
+              <a14:hiddenLine xmlns:a14="http://schemas.microsoft.com/office/drawing/2010/main" xmlns="" w="9525">
                 <a:solidFill>
                   <a:schemeClr val="tx1"/>
                 </a:solidFill>
@@ -11469,7 +11441,7 @@
               </a14:hiddenLine>
             </a:ext>
             <a:ext uri="{AF507438-7753-43E0-B8FC-AC1667EBCBE1}">
-              <a14:hiddenEffects xmlns:a14="http://schemas.microsoft.com/office/drawing/2010/main">
+              <a14:hiddenEffects xmlns:a14="http://schemas.microsoft.com/office/drawing/2010/main" xmlns="">
                 <a:effectLst>
                   <a:outerShdw dist="35921" dir="2700000" algn="ctr" rotWithShape="0">
                     <a:schemeClr val="bg2"/>
@@ -11554,8 +11526,8 @@
         </p:blipFill>
         <p:spPr bwMode="auto">
           <a:xfrm>
-            <a:off x="701570" y="2132856"/>
-            <a:ext cx="7740860" cy="4354234"/>
+            <a:off x="1051609" y="2060848"/>
+            <a:ext cx="7040782" cy="3960440"/>
           </a:xfrm>
           <a:prstGeom prst="rect">
             <a:avLst/>
@@ -11583,7 +11555,7 @@
               <a:pPr/>
               <a:t>4</a:t>
             </a:fld>
-            <a:endParaRPr lang="de-CH"/>
+            <a:endParaRPr lang="de-CH" dirty="0"/>
           </a:p>
         </p:txBody>
       </p:sp>
@@ -11599,7 +11571,7 @@
           <a:blip r:embed="rId4" cstate="print">
             <a:extLst>
               <a:ext uri="{28A0092B-C50C-407E-A947-70E740481C1C}">
-                <a14:useLocalDpi xmlns:a14="http://schemas.microsoft.com/office/drawing/2010/main" val="0"/>
+                <a14:useLocalDpi xmlns:a14="http://schemas.microsoft.com/office/drawing/2010/main" xmlns="" val="0"/>
               </a:ext>
             </a:extLst>
           </a:blip>
@@ -11623,14 +11595,14 @@
           <a:effectLst/>
           <a:extLst>
             <a:ext uri="{909E8E84-426E-40DD-AFC4-6F175D3DCCD1}">
-              <a14:hiddenFill xmlns:a14="http://schemas.microsoft.com/office/drawing/2010/main">
+              <a14:hiddenFill xmlns:a14="http://schemas.microsoft.com/office/drawing/2010/main" xmlns="">
                 <a:solidFill>
                   <a:schemeClr val="accent1"/>
                 </a:solidFill>
               </a14:hiddenFill>
             </a:ext>
             <a:ext uri="{91240B29-F687-4F45-9708-019B960494DF}">
-              <a14:hiddenLine xmlns:a14="http://schemas.microsoft.com/office/drawing/2010/main" w="9525">
+              <a14:hiddenLine xmlns:a14="http://schemas.microsoft.com/office/drawing/2010/main" xmlns="" w="9525">
                 <a:solidFill>
                   <a:schemeClr val="tx1"/>
                 </a:solidFill>
@@ -11640,7 +11612,7 @@
               </a14:hiddenLine>
             </a:ext>
             <a:ext uri="{AF507438-7753-43E0-B8FC-AC1667EBCBE1}">
-              <a14:hiddenEffects xmlns:a14="http://schemas.microsoft.com/office/drawing/2010/main">
+              <a14:hiddenEffects xmlns:a14="http://schemas.microsoft.com/office/drawing/2010/main" xmlns="">
                 <a:effectLst>
                   <a:outerShdw dist="35921" dir="2700000" algn="ctr" rotWithShape="0">
                     <a:schemeClr val="bg2"/>
@@ -11904,7 +11876,7 @@
           <a:blip r:embed="rId4" cstate="print">
             <a:extLst>
               <a:ext uri="{28A0092B-C50C-407E-A947-70E740481C1C}">
-                <a14:useLocalDpi xmlns:a14="http://schemas.microsoft.com/office/drawing/2010/main" val="0"/>
+                <a14:useLocalDpi xmlns:a14="http://schemas.microsoft.com/office/drawing/2010/main" xmlns="" val="0"/>
               </a:ext>
             </a:extLst>
           </a:blip>
@@ -11928,14 +11900,14 @@
           <a:effectLst/>
           <a:extLst>
             <a:ext uri="{909E8E84-426E-40DD-AFC4-6F175D3DCCD1}">
-              <a14:hiddenFill xmlns:a14="http://schemas.microsoft.com/office/drawing/2010/main">
+              <a14:hiddenFill xmlns:a14="http://schemas.microsoft.com/office/drawing/2010/main" xmlns="">
                 <a:solidFill>
                   <a:schemeClr val="accent1"/>
                 </a:solidFill>
               </a14:hiddenFill>
             </a:ext>
             <a:ext uri="{91240B29-F687-4F45-9708-019B960494DF}">
-              <a14:hiddenLine xmlns:a14="http://schemas.microsoft.com/office/drawing/2010/main" w="9525">
+              <a14:hiddenLine xmlns:a14="http://schemas.microsoft.com/office/drawing/2010/main" xmlns="" w="9525">
                 <a:solidFill>
                   <a:schemeClr val="tx1"/>
                 </a:solidFill>
@@ -11945,7 +11917,7 @@
               </a14:hiddenLine>
             </a:ext>
             <a:ext uri="{AF507438-7753-43E0-B8FC-AC1667EBCBE1}">
-              <a14:hiddenEffects xmlns:a14="http://schemas.microsoft.com/office/drawing/2010/main">
+              <a14:hiddenEffects xmlns:a14="http://schemas.microsoft.com/office/drawing/2010/main" xmlns="">
                 <a:effectLst>
                   <a:outerShdw dist="35921" dir="2700000" algn="ctr" rotWithShape="0">
                     <a:schemeClr val="bg2"/>
@@ -12408,7 +12380,7 @@
           <a:blip r:embed="rId3" cstate="print">
             <a:extLst>
               <a:ext uri="{28A0092B-C50C-407E-A947-70E740481C1C}">
-                <a14:useLocalDpi xmlns:a14="http://schemas.microsoft.com/office/drawing/2010/main" val="0"/>
+                <a14:useLocalDpi xmlns:a14="http://schemas.microsoft.com/office/drawing/2010/main" xmlns="" val="0"/>
               </a:ext>
             </a:extLst>
           </a:blip>
@@ -12432,14 +12404,14 @@
           <a:effectLst/>
           <a:extLst>
             <a:ext uri="{909E8E84-426E-40DD-AFC4-6F175D3DCCD1}">
-              <a14:hiddenFill xmlns:a14="http://schemas.microsoft.com/office/drawing/2010/main">
+              <a14:hiddenFill xmlns:a14="http://schemas.microsoft.com/office/drawing/2010/main" xmlns="">
                 <a:solidFill>
                   <a:schemeClr val="accent1"/>
                 </a:solidFill>
               </a14:hiddenFill>
             </a:ext>
             <a:ext uri="{91240B29-F687-4F45-9708-019B960494DF}">
-              <a14:hiddenLine xmlns:a14="http://schemas.microsoft.com/office/drawing/2010/main" w="9525">
+              <a14:hiddenLine xmlns:a14="http://schemas.microsoft.com/office/drawing/2010/main" xmlns="" w="9525">
                 <a:solidFill>
                   <a:schemeClr val="tx1"/>
                 </a:solidFill>
@@ -12449,7 +12421,7 @@
               </a14:hiddenLine>
             </a:ext>
             <a:ext uri="{AF507438-7753-43E0-B8FC-AC1667EBCBE1}">
-              <a14:hiddenEffects xmlns:a14="http://schemas.microsoft.com/office/drawing/2010/main">
+              <a14:hiddenEffects xmlns:a14="http://schemas.microsoft.com/office/drawing/2010/main" xmlns="">
                 <a:effectLst>
                   <a:outerShdw dist="35921" dir="2700000" algn="ctr" rotWithShape="0">
                     <a:schemeClr val="bg2"/>
@@ -12545,7 +12517,7 @@
           <a:blip r:embed="rId3" cstate="print">
             <a:extLst>
               <a:ext uri="{28A0092B-C50C-407E-A947-70E740481C1C}">
-                <a14:useLocalDpi xmlns:a14="http://schemas.microsoft.com/office/drawing/2010/main" val="0"/>
+                <a14:useLocalDpi xmlns:a14="http://schemas.microsoft.com/office/drawing/2010/main" xmlns="" val="0"/>
               </a:ext>
             </a:extLst>
           </a:blip>
@@ -12569,14 +12541,14 @@
           <a:effectLst/>
           <a:extLst>
             <a:ext uri="{909E8E84-426E-40DD-AFC4-6F175D3DCCD1}">
-              <a14:hiddenFill xmlns:a14="http://schemas.microsoft.com/office/drawing/2010/main">
+              <a14:hiddenFill xmlns:a14="http://schemas.microsoft.com/office/drawing/2010/main" xmlns="">
                 <a:solidFill>
                   <a:schemeClr val="accent1"/>
                 </a:solidFill>
               </a14:hiddenFill>
             </a:ext>
             <a:ext uri="{91240B29-F687-4F45-9708-019B960494DF}">
-              <a14:hiddenLine xmlns:a14="http://schemas.microsoft.com/office/drawing/2010/main" w="9525">
+              <a14:hiddenLine xmlns:a14="http://schemas.microsoft.com/office/drawing/2010/main" xmlns="" w="9525">
                 <a:solidFill>
                   <a:schemeClr val="tx1"/>
                 </a:solidFill>
@@ -12586,7 +12558,7 @@
               </a14:hiddenLine>
             </a:ext>
             <a:ext uri="{AF507438-7753-43E0-B8FC-AC1667EBCBE1}">
-              <a14:hiddenEffects xmlns:a14="http://schemas.microsoft.com/office/drawing/2010/main">
+              <a14:hiddenEffects xmlns:a14="http://schemas.microsoft.com/office/drawing/2010/main" xmlns="">
                 <a:effectLst>
                   <a:outerShdw dist="35921" dir="2700000" algn="ctr" rotWithShape="0">
                     <a:schemeClr val="bg2"/>
@@ -12633,7 +12605,7 @@
           <a:blip r:embed="rId4" cstate="print">
             <a:extLst>
               <a:ext uri="{28A0092B-C50C-407E-A947-70E740481C1C}">
-                <a14:useLocalDpi xmlns:a14="http://schemas.microsoft.com/office/drawing/2010/main" val="0"/>
+                <a14:useLocalDpi xmlns:a14="http://schemas.microsoft.com/office/drawing/2010/main" xmlns="" val="0"/>
               </a:ext>
             </a:extLst>
           </a:blip>
@@ -12657,14 +12629,14 @@
           <a:effectLst/>
           <a:extLst>
             <a:ext uri="{909E8E84-426E-40DD-AFC4-6F175D3DCCD1}">
-              <a14:hiddenFill xmlns:a14="http://schemas.microsoft.com/office/drawing/2010/main">
+              <a14:hiddenFill xmlns:a14="http://schemas.microsoft.com/office/drawing/2010/main" xmlns="">
                 <a:solidFill>
                   <a:schemeClr val="accent1"/>
                 </a:solidFill>
               </a14:hiddenFill>
             </a:ext>
             <a:ext uri="{91240B29-F687-4F45-9708-019B960494DF}">
-              <a14:hiddenLine xmlns:a14="http://schemas.microsoft.com/office/drawing/2010/main" w="9525">
+              <a14:hiddenLine xmlns:a14="http://schemas.microsoft.com/office/drawing/2010/main" xmlns="" w="9525">
                 <a:solidFill>
                   <a:schemeClr val="tx1"/>
                 </a:solidFill>
@@ -12674,7 +12646,7 @@
               </a14:hiddenLine>
             </a:ext>
             <a:ext uri="{AF507438-7753-43E0-B8FC-AC1667EBCBE1}">
-              <a14:hiddenEffects xmlns:a14="http://schemas.microsoft.com/office/drawing/2010/main">
+              <a14:hiddenEffects xmlns:a14="http://schemas.microsoft.com/office/drawing/2010/main" xmlns="">
                 <a:effectLst>
                   <a:outerShdw dist="35921" dir="2700000" algn="ctr" rotWithShape="0">
                     <a:schemeClr val="bg2"/>
@@ -12854,7 +12826,7 @@
           <a:blip r:embed="rId4" cstate="print">
             <a:extLst>
               <a:ext uri="{28A0092B-C50C-407E-A947-70E740481C1C}">
-                <a14:useLocalDpi xmlns:a14="http://schemas.microsoft.com/office/drawing/2010/main" val="0"/>
+                <a14:useLocalDpi xmlns:a14="http://schemas.microsoft.com/office/drawing/2010/main" xmlns="" val="0"/>
               </a:ext>
             </a:extLst>
           </a:blip>
@@ -12874,7 +12846,7 @@
           <a:noFill/>
           <a:extLst>
             <a:ext uri="{909E8E84-426E-40DD-AFC4-6F175D3DCCD1}">
-              <a14:hiddenFill xmlns:a14="http://schemas.microsoft.com/office/drawing/2010/main">
+              <a14:hiddenFill xmlns:a14="http://schemas.microsoft.com/office/drawing/2010/main" xmlns="">
                 <a:solidFill>
                   <a:srgbClr val="FFFFFF"/>
                 </a:solidFill>
@@ -12895,7 +12867,7 @@
           <a:blip r:embed="rId5" cstate="print">
             <a:extLst>
               <a:ext uri="{28A0092B-C50C-407E-A947-70E740481C1C}">
-                <a14:useLocalDpi xmlns:a14="http://schemas.microsoft.com/office/drawing/2010/main" val="0"/>
+                <a14:useLocalDpi xmlns:a14="http://schemas.microsoft.com/office/drawing/2010/main" xmlns="" val="0"/>
               </a:ext>
             </a:extLst>
           </a:blip>
@@ -12915,7 +12887,7 @@
           <a:noFill/>
           <a:extLst>
             <a:ext uri="{909E8E84-426E-40DD-AFC4-6F175D3DCCD1}">
-              <a14:hiddenFill xmlns:a14="http://schemas.microsoft.com/office/drawing/2010/main">
+              <a14:hiddenFill xmlns:a14="http://schemas.microsoft.com/office/drawing/2010/main" xmlns="">
                 <a:solidFill>
                   <a:srgbClr val="FFFFFF"/>
                 </a:solidFill>
@@ -12960,7 +12932,7 @@
           <a:blip r:embed="rId6" cstate="print">
             <a:extLst>
               <a:ext uri="{28A0092B-C50C-407E-A947-70E740481C1C}">
-                <a14:useLocalDpi xmlns:a14="http://schemas.microsoft.com/office/drawing/2010/main" val="0"/>
+                <a14:useLocalDpi xmlns:a14="http://schemas.microsoft.com/office/drawing/2010/main" xmlns="" val="0"/>
               </a:ext>
             </a:extLst>
           </a:blip>
@@ -12984,14 +12956,14 @@
           <a:effectLst/>
           <a:extLst>
             <a:ext uri="{909E8E84-426E-40DD-AFC4-6F175D3DCCD1}">
-              <a14:hiddenFill xmlns:a14="http://schemas.microsoft.com/office/drawing/2010/main">
+              <a14:hiddenFill xmlns:a14="http://schemas.microsoft.com/office/drawing/2010/main" xmlns="">
                 <a:solidFill>
                   <a:schemeClr val="accent1"/>
                 </a:solidFill>
               </a14:hiddenFill>
             </a:ext>
             <a:ext uri="{91240B29-F687-4F45-9708-019B960494DF}">
-              <a14:hiddenLine xmlns:a14="http://schemas.microsoft.com/office/drawing/2010/main" w="9525">
+              <a14:hiddenLine xmlns:a14="http://schemas.microsoft.com/office/drawing/2010/main" xmlns="" w="9525">
                 <a:solidFill>
                   <a:schemeClr val="tx1"/>
                 </a:solidFill>
@@ -13001,7 +12973,7 @@
               </a14:hiddenLine>
             </a:ext>
             <a:ext uri="{AF507438-7753-43E0-B8FC-AC1667EBCBE1}">
-              <a14:hiddenEffects xmlns:a14="http://schemas.microsoft.com/office/drawing/2010/main">
+              <a14:hiddenEffects xmlns:a14="http://schemas.microsoft.com/office/drawing/2010/main" xmlns="">
                 <a:effectLst>
                   <a:outerShdw dist="35921" dir="2700000" algn="ctr" rotWithShape="0">
                     <a:schemeClr val="bg2"/>
@@ -13142,7 +13114,7 @@
           <a:blip r:embed="rId3" cstate="print">
             <a:extLst>
               <a:ext uri="{28A0092B-C50C-407E-A947-70E740481C1C}">
-                <a14:useLocalDpi xmlns:a14="http://schemas.microsoft.com/office/drawing/2010/main" val="0"/>
+                <a14:useLocalDpi xmlns:a14="http://schemas.microsoft.com/office/drawing/2010/main" xmlns="" val="0"/>
               </a:ext>
             </a:extLst>
           </a:blip>
@@ -13162,7 +13134,7 @@
           <a:noFill/>
           <a:extLst>
             <a:ext uri="{909E8E84-426E-40DD-AFC4-6F175D3DCCD1}">
-              <a14:hiddenFill xmlns:a14="http://schemas.microsoft.com/office/drawing/2010/main">
+              <a14:hiddenFill xmlns:a14="http://schemas.microsoft.com/office/drawing/2010/main" xmlns="">
                 <a:solidFill>
                   <a:srgbClr val="FFFFFF"/>
                 </a:solidFill>
@@ -13183,7 +13155,7 @@
           <a:blip r:embed="rId4" cstate="print">
             <a:extLst>
               <a:ext uri="{28A0092B-C50C-407E-A947-70E740481C1C}">
-                <a14:useLocalDpi xmlns:a14="http://schemas.microsoft.com/office/drawing/2010/main" val="0"/>
+                <a14:useLocalDpi xmlns:a14="http://schemas.microsoft.com/office/drawing/2010/main" xmlns="" val="0"/>
               </a:ext>
             </a:extLst>
           </a:blip>
@@ -13203,7 +13175,7 @@
           <a:noFill/>
           <a:extLst>
             <a:ext uri="{909E8E84-426E-40DD-AFC4-6F175D3DCCD1}">
-              <a14:hiddenFill xmlns:a14="http://schemas.microsoft.com/office/drawing/2010/main">
+              <a14:hiddenFill xmlns:a14="http://schemas.microsoft.com/office/drawing/2010/main" xmlns="">
                 <a:solidFill>
                   <a:srgbClr val="FFFFFF"/>
                 </a:solidFill>
@@ -13248,7 +13220,7 @@
           <a:blip r:embed="rId5" cstate="print">
             <a:extLst>
               <a:ext uri="{28A0092B-C50C-407E-A947-70E740481C1C}">
-                <a14:useLocalDpi xmlns:a14="http://schemas.microsoft.com/office/drawing/2010/main" val="0"/>
+                <a14:useLocalDpi xmlns:a14="http://schemas.microsoft.com/office/drawing/2010/main" xmlns="" val="0"/>
               </a:ext>
             </a:extLst>
           </a:blip>
@@ -13272,14 +13244,14 @@
           <a:effectLst/>
           <a:extLst>
             <a:ext uri="{909E8E84-426E-40DD-AFC4-6F175D3DCCD1}">
-              <a14:hiddenFill xmlns:a14="http://schemas.microsoft.com/office/drawing/2010/main">
+              <a14:hiddenFill xmlns:a14="http://schemas.microsoft.com/office/drawing/2010/main" xmlns="">
                 <a:solidFill>
                   <a:schemeClr val="accent1"/>
                 </a:solidFill>
               </a14:hiddenFill>
             </a:ext>
             <a:ext uri="{91240B29-F687-4F45-9708-019B960494DF}">
-              <a14:hiddenLine xmlns:a14="http://schemas.microsoft.com/office/drawing/2010/main" w="9525">
+              <a14:hiddenLine xmlns:a14="http://schemas.microsoft.com/office/drawing/2010/main" xmlns="" w="9525">
                 <a:solidFill>
                   <a:schemeClr val="tx1"/>
                 </a:solidFill>
@@ -13289,7 +13261,7 @@
               </a14:hiddenLine>
             </a:ext>
             <a:ext uri="{AF507438-7753-43E0-B8FC-AC1667EBCBE1}">
-              <a14:hiddenEffects xmlns:a14="http://schemas.microsoft.com/office/drawing/2010/main">
+              <a14:hiddenEffects xmlns:a14="http://schemas.microsoft.com/office/drawing/2010/main" xmlns="">
                 <a:effectLst>
                   <a:outerShdw dist="35921" dir="2700000" algn="ctr" rotWithShape="0">
                     <a:schemeClr val="bg2"/>

--- a/presentation/Presentation.pptx
+++ b/presentation/Presentation.pptx
@@ -295,7 +295,7 @@
     </p:spTree>
     <p:extLst>
       <p:ext uri="{BB962C8B-B14F-4D97-AF65-F5344CB8AC3E}">
-        <p14:creationId xmlns:p14="http://schemas.microsoft.com/office/powerpoint/2010/main" xmlns="" val="708347044"/>
+        <p14:creationId xmlns="" xmlns:p14="http://schemas.microsoft.com/office/powerpoint/2010/main" val="708347044"/>
       </p:ext>
     </p:extLst>
   </p:cSld>
@@ -558,7 +558,7 @@
     </p:spTree>
     <p:extLst>
       <p:ext uri="{BB962C8B-B14F-4D97-AF65-F5344CB8AC3E}">
-        <p14:creationId xmlns:p14="http://schemas.microsoft.com/office/powerpoint/2010/main" xmlns="" val="624665701"/>
+        <p14:creationId xmlns="" xmlns:p14="http://schemas.microsoft.com/office/powerpoint/2010/main" val="624665701"/>
       </p:ext>
     </p:extLst>
   </p:cSld>
@@ -832,7 +832,7 @@
     </p:spTree>
     <p:extLst>
       <p:ext uri="{BB962C8B-B14F-4D97-AF65-F5344CB8AC3E}">
-        <p14:creationId xmlns:p14="http://schemas.microsoft.com/office/powerpoint/2010/main" xmlns="" val="282664730"/>
+        <p14:creationId xmlns="" xmlns:p14="http://schemas.microsoft.com/office/powerpoint/2010/main" val="282664730"/>
       </p:ext>
     </p:extLst>
   </p:cSld>
@@ -925,7 +925,7 @@
     </p:spTree>
     <p:extLst>
       <p:ext uri="{BB962C8B-B14F-4D97-AF65-F5344CB8AC3E}">
-        <p14:creationId xmlns:p14="http://schemas.microsoft.com/office/powerpoint/2010/main" xmlns="" val="4061653966"/>
+        <p14:creationId xmlns="" xmlns:p14="http://schemas.microsoft.com/office/powerpoint/2010/main" val="4061653966"/>
       </p:ext>
     </p:extLst>
   </p:cSld>
@@ -1078,7 +1078,7 @@
     </p:spTree>
     <p:extLst>
       <p:ext uri="{BB962C8B-B14F-4D97-AF65-F5344CB8AC3E}">
-        <p14:creationId xmlns:p14="http://schemas.microsoft.com/office/powerpoint/2010/main" xmlns="" val="324696021"/>
+        <p14:creationId xmlns="" xmlns:p14="http://schemas.microsoft.com/office/powerpoint/2010/main" val="324696021"/>
       </p:ext>
     </p:extLst>
   </p:cSld>
@@ -2213,7 +2213,7 @@
     </p:spTree>
     <p:extLst>
       <p:ext uri="{BB962C8B-B14F-4D97-AF65-F5344CB8AC3E}">
-        <p14:creationId xmlns:p14="http://schemas.microsoft.com/office/powerpoint/2010/main" xmlns="" val="1419291677"/>
+        <p14:creationId xmlns="" xmlns:p14="http://schemas.microsoft.com/office/powerpoint/2010/main" val="1419291677"/>
       </p:ext>
     </p:extLst>
   </p:cSld>
@@ -2306,7 +2306,7 @@
     </p:spTree>
     <p:extLst>
       <p:ext uri="{BB962C8B-B14F-4D97-AF65-F5344CB8AC3E}">
-        <p14:creationId xmlns:p14="http://schemas.microsoft.com/office/powerpoint/2010/main" xmlns="" val="1364280645"/>
+        <p14:creationId xmlns="" xmlns:p14="http://schemas.microsoft.com/office/powerpoint/2010/main" val="1364280645"/>
       </p:ext>
     </p:extLst>
   </p:cSld>
@@ -2398,7 +2398,7 @@
     </p:spTree>
     <p:extLst>
       <p:ext uri="{BB962C8B-B14F-4D97-AF65-F5344CB8AC3E}">
-        <p14:creationId xmlns:p14="http://schemas.microsoft.com/office/powerpoint/2010/main" xmlns="" val="2930191362"/>
+        <p14:creationId xmlns="" xmlns:p14="http://schemas.microsoft.com/office/powerpoint/2010/main" val="2930191362"/>
       </p:ext>
     </p:extLst>
   </p:cSld>
@@ -6471,7 +6471,7 @@
           <a:blip r:embed="rId3" cstate="print">
             <a:extLst>
               <a:ext uri="{28A0092B-C50C-407E-A947-70E740481C1C}">
-                <a14:useLocalDpi xmlns:a14="http://schemas.microsoft.com/office/drawing/2010/main" xmlns="" val="0"/>
+                <a14:useLocalDpi xmlns="" xmlns:a14="http://schemas.microsoft.com/office/drawing/2010/main" val="0"/>
               </a:ext>
             </a:extLst>
           </a:blip>
@@ -6495,14 +6495,14 @@
           <a:effectLst/>
           <a:extLst>
             <a:ext uri="{909E8E84-426E-40DD-AFC4-6F175D3DCCD1}">
-              <a14:hiddenFill xmlns:a14="http://schemas.microsoft.com/office/drawing/2010/main" xmlns="">
+              <a14:hiddenFill xmlns="" xmlns:a14="http://schemas.microsoft.com/office/drawing/2010/main">
                 <a:solidFill>
                   <a:schemeClr val="accent1"/>
                 </a:solidFill>
               </a14:hiddenFill>
             </a:ext>
             <a:ext uri="{91240B29-F687-4F45-9708-019B960494DF}">
-              <a14:hiddenLine xmlns:a14="http://schemas.microsoft.com/office/drawing/2010/main" xmlns="" w="9525">
+              <a14:hiddenLine xmlns="" xmlns:a14="http://schemas.microsoft.com/office/drawing/2010/main" w="9525">
                 <a:solidFill>
                   <a:schemeClr val="tx1"/>
                 </a:solidFill>
@@ -6512,7 +6512,7 @@
               </a14:hiddenLine>
             </a:ext>
             <a:ext uri="{AF507438-7753-43E0-B8FC-AC1667EBCBE1}">
-              <a14:hiddenEffects xmlns:a14="http://schemas.microsoft.com/office/drawing/2010/main" xmlns="">
+              <a14:hiddenEffects xmlns="" xmlns:a14="http://schemas.microsoft.com/office/drawing/2010/main">
                 <a:effectLst>
                   <a:outerShdw dist="35921" dir="2700000" algn="ctr" rotWithShape="0">
                     <a:schemeClr val="bg2"/>
@@ -6535,7 +6535,7 @@
           <a:blip r:embed="rId4" cstate="print">
             <a:extLst>
               <a:ext uri="{28A0092B-C50C-407E-A947-70E740481C1C}">
-                <a14:useLocalDpi xmlns:a14="http://schemas.microsoft.com/office/drawing/2010/main" xmlns="" val="0"/>
+                <a14:useLocalDpi xmlns="" xmlns:a14="http://schemas.microsoft.com/office/drawing/2010/main" val="0"/>
               </a:ext>
             </a:extLst>
           </a:blip>
@@ -6555,7 +6555,7 @@
           <a:noFill/>
           <a:extLst>
             <a:ext uri="{909E8E84-426E-40DD-AFC4-6F175D3DCCD1}">
-              <a14:hiddenFill xmlns:a14="http://schemas.microsoft.com/office/drawing/2010/main" xmlns="">
+              <a14:hiddenFill xmlns="" xmlns:a14="http://schemas.microsoft.com/office/drawing/2010/main">
                 <a:solidFill>
                   <a:srgbClr val="FFFFFF"/>
                 </a:solidFill>
@@ -6600,7 +6600,7 @@
           <a:blip r:embed="rId5" cstate="print">
             <a:extLst>
               <a:ext uri="{28A0092B-C50C-407E-A947-70E740481C1C}">
-                <a14:useLocalDpi xmlns:a14="http://schemas.microsoft.com/office/drawing/2010/main" xmlns="" val="0"/>
+                <a14:useLocalDpi xmlns="" xmlns:a14="http://schemas.microsoft.com/office/drawing/2010/main" val="0"/>
               </a:ext>
             </a:extLst>
           </a:blip>
@@ -6624,14 +6624,14 @@
           <a:effectLst/>
           <a:extLst>
             <a:ext uri="{909E8E84-426E-40DD-AFC4-6F175D3DCCD1}">
-              <a14:hiddenFill xmlns:a14="http://schemas.microsoft.com/office/drawing/2010/main" xmlns="">
+              <a14:hiddenFill xmlns="" xmlns:a14="http://schemas.microsoft.com/office/drawing/2010/main">
                 <a:solidFill>
                   <a:schemeClr val="accent1"/>
                 </a:solidFill>
               </a14:hiddenFill>
             </a:ext>
             <a:ext uri="{91240B29-F687-4F45-9708-019B960494DF}">
-              <a14:hiddenLine xmlns:a14="http://schemas.microsoft.com/office/drawing/2010/main" xmlns="" w="9525">
+              <a14:hiddenLine xmlns="" xmlns:a14="http://schemas.microsoft.com/office/drawing/2010/main" w="9525">
                 <a:solidFill>
                   <a:schemeClr val="tx1"/>
                 </a:solidFill>
@@ -6641,7 +6641,7 @@
               </a14:hiddenLine>
             </a:ext>
             <a:ext uri="{AF507438-7753-43E0-B8FC-AC1667EBCBE1}">
-              <a14:hiddenEffects xmlns:a14="http://schemas.microsoft.com/office/drawing/2010/main" xmlns="">
+              <a14:hiddenEffects xmlns="" xmlns:a14="http://schemas.microsoft.com/office/drawing/2010/main">
                 <a:effectLst>
                   <a:outerShdw dist="35921" dir="2700000" algn="ctr" rotWithShape="0">
                     <a:schemeClr val="bg2"/>
@@ -6784,7 +6784,7 @@
           <a:blip r:embed="rId3" cstate="print">
             <a:extLst>
               <a:ext uri="{28A0092B-C50C-407E-A947-70E740481C1C}">
-                <a14:useLocalDpi xmlns:a14="http://schemas.microsoft.com/office/drawing/2010/main" xmlns="" val="0"/>
+                <a14:useLocalDpi xmlns="" xmlns:a14="http://schemas.microsoft.com/office/drawing/2010/main" val="0"/>
               </a:ext>
             </a:extLst>
           </a:blip>
@@ -6808,14 +6808,14 @@
           <a:effectLst/>
           <a:extLst>
             <a:ext uri="{909E8E84-426E-40DD-AFC4-6F175D3DCCD1}">
-              <a14:hiddenFill xmlns:a14="http://schemas.microsoft.com/office/drawing/2010/main" xmlns="">
+              <a14:hiddenFill xmlns="" xmlns:a14="http://schemas.microsoft.com/office/drawing/2010/main">
                 <a:solidFill>
                   <a:schemeClr val="accent1"/>
                 </a:solidFill>
               </a14:hiddenFill>
             </a:ext>
             <a:ext uri="{91240B29-F687-4F45-9708-019B960494DF}">
-              <a14:hiddenLine xmlns:a14="http://schemas.microsoft.com/office/drawing/2010/main" xmlns="" w="9525">
+              <a14:hiddenLine xmlns="" xmlns:a14="http://schemas.microsoft.com/office/drawing/2010/main" w="9525">
                 <a:solidFill>
                   <a:schemeClr val="tx1"/>
                 </a:solidFill>
@@ -6825,7 +6825,7 @@
               </a14:hiddenLine>
             </a:ext>
             <a:ext uri="{AF507438-7753-43E0-B8FC-AC1667EBCBE1}">
-              <a14:hiddenEffects xmlns:a14="http://schemas.microsoft.com/office/drawing/2010/main" xmlns="">
+              <a14:hiddenEffects xmlns="" xmlns:a14="http://schemas.microsoft.com/office/drawing/2010/main">
                 <a:effectLst>
                   <a:outerShdw dist="35921" dir="2700000" algn="ctr" rotWithShape="0">
                     <a:schemeClr val="bg2"/>
@@ -6848,7 +6848,7 @@
           <a:blip r:embed="rId4" cstate="print">
             <a:extLst>
               <a:ext uri="{28A0092B-C50C-407E-A947-70E740481C1C}">
-                <a14:useLocalDpi xmlns:a14="http://schemas.microsoft.com/office/drawing/2010/main" xmlns="" val="0"/>
+                <a14:useLocalDpi xmlns="" xmlns:a14="http://schemas.microsoft.com/office/drawing/2010/main" val="0"/>
               </a:ext>
             </a:extLst>
           </a:blip>
@@ -6868,7 +6868,7 @@
           <a:noFill/>
           <a:extLst>
             <a:ext uri="{909E8E84-426E-40DD-AFC4-6F175D3DCCD1}">
-              <a14:hiddenFill xmlns:a14="http://schemas.microsoft.com/office/drawing/2010/main" xmlns="">
+              <a14:hiddenFill xmlns="" xmlns:a14="http://schemas.microsoft.com/office/drawing/2010/main">
                 <a:solidFill>
                   <a:srgbClr val="FFFFFF"/>
                 </a:solidFill>
@@ -6913,7 +6913,7 @@
           <a:blip r:embed="rId5" cstate="print">
             <a:extLst>
               <a:ext uri="{28A0092B-C50C-407E-A947-70E740481C1C}">
-                <a14:useLocalDpi xmlns:a14="http://schemas.microsoft.com/office/drawing/2010/main" xmlns="" val="0"/>
+                <a14:useLocalDpi xmlns="" xmlns:a14="http://schemas.microsoft.com/office/drawing/2010/main" val="0"/>
               </a:ext>
             </a:extLst>
           </a:blip>
@@ -6937,14 +6937,14 @@
           <a:effectLst/>
           <a:extLst>
             <a:ext uri="{909E8E84-426E-40DD-AFC4-6F175D3DCCD1}">
-              <a14:hiddenFill xmlns:a14="http://schemas.microsoft.com/office/drawing/2010/main" xmlns="">
+              <a14:hiddenFill xmlns="" xmlns:a14="http://schemas.microsoft.com/office/drawing/2010/main">
                 <a:solidFill>
                   <a:schemeClr val="accent1"/>
                 </a:solidFill>
               </a14:hiddenFill>
             </a:ext>
             <a:ext uri="{91240B29-F687-4F45-9708-019B960494DF}">
-              <a14:hiddenLine xmlns:a14="http://schemas.microsoft.com/office/drawing/2010/main" xmlns="" w="9525">
+              <a14:hiddenLine xmlns="" xmlns:a14="http://schemas.microsoft.com/office/drawing/2010/main" w="9525">
                 <a:solidFill>
                   <a:schemeClr val="tx1"/>
                 </a:solidFill>
@@ -6954,7 +6954,7 @@
               </a14:hiddenLine>
             </a:ext>
             <a:ext uri="{AF507438-7753-43E0-B8FC-AC1667EBCBE1}">
-              <a14:hiddenEffects xmlns:a14="http://schemas.microsoft.com/office/drawing/2010/main" xmlns="">
+              <a14:hiddenEffects xmlns="" xmlns:a14="http://schemas.microsoft.com/office/drawing/2010/main">
                 <a:effectLst>
                   <a:outerShdw dist="35921" dir="2700000" algn="ctr" rotWithShape="0">
                     <a:schemeClr val="bg2"/>
@@ -7281,7 +7281,7 @@
           <a:blip r:embed="rId3" cstate="print">
             <a:extLst>
               <a:ext uri="{28A0092B-C50C-407E-A947-70E740481C1C}">
-                <a14:useLocalDpi xmlns:a14="http://schemas.microsoft.com/office/drawing/2010/main" xmlns="" val="0"/>
+                <a14:useLocalDpi xmlns="" xmlns:a14="http://schemas.microsoft.com/office/drawing/2010/main" val="0"/>
               </a:ext>
             </a:extLst>
           </a:blip>
@@ -7305,14 +7305,14 @@
           <a:effectLst/>
           <a:extLst>
             <a:ext uri="{909E8E84-426E-40DD-AFC4-6F175D3DCCD1}">
-              <a14:hiddenFill xmlns:a14="http://schemas.microsoft.com/office/drawing/2010/main" xmlns="">
+              <a14:hiddenFill xmlns="" xmlns:a14="http://schemas.microsoft.com/office/drawing/2010/main">
                 <a:solidFill>
                   <a:schemeClr val="accent1"/>
                 </a:solidFill>
               </a14:hiddenFill>
             </a:ext>
             <a:ext uri="{91240B29-F687-4F45-9708-019B960494DF}">
-              <a14:hiddenLine xmlns:a14="http://schemas.microsoft.com/office/drawing/2010/main" xmlns="" w="9525">
+              <a14:hiddenLine xmlns="" xmlns:a14="http://schemas.microsoft.com/office/drawing/2010/main" w="9525">
                 <a:solidFill>
                   <a:schemeClr val="tx1"/>
                 </a:solidFill>
@@ -7322,7 +7322,7 @@
               </a14:hiddenLine>
             </a:ext>
             <a:ext uri="{AF507438-7753-43E0-B8FC-AC1667EBCBE1}">
-              <a14:hiddenEffects xmlns:a14="http://schemas.microsoft.com/office/drawing/2010/main" xmlns="">
+              <a14:hiddenEffects xmlns="" xmlns:a14="http://schemas.microsoft.com/office/drawing/2010/main">
                 <a:effectLst>
                   <a:outerShdw dist="35921" dir="2700000" algn="ctr" rotWithShape="0">
                     <a:schemeClr val="bg2"/>
@@ -7516,7 +7516,7 @@
           <a:blip r:embed="rId3" cstate="print">
             <a:extLst>
               <a:ext uri="{28A0092B-C50C-407E-A947-70E740481C1C}">
-                <a14:useLocalDpi xmlns:a14="http://schemas.microsoft.com/office/drawing/2010/main" xmlns="" val="0"/>
+                <a14:useLocalDpi xmlns="" xmlns:a14="http://schemas.microsoft.com/office/drawing/2010/main" val="0"/>
               </a:ext>
             </a:extLst>
           </a:blip>
@@ -7536,7 +7536,7 @@
           <a:noFill/>
           <a:extLst>
             <a:ext uri="{909E8E84-426E-40DD-AFC4-6F175D3DCCD1}">
-              <a14:hiddenFill xmlns:a14="http://schemas.microsoft.com/office/drawing/2010/main" xmlns="">
+              <a14:hiddenFill xmlns="" xmlns:a14="http://schemas.microsoft.com/office/drawing/2010/main">
                 <a:solidFill>
                   <a:srgbClr val="FFFFFF"/>
                 </a:solidFill>
@@ -7581,7 +7581,7 @@
           <a:blip r:embed="rId4" cstate="print">
             <a:extLst>
               <a:ext uri="{28A0092B-C50C-407E-A947-70E740481C1C}">
-                <a14:useLocalDpi xmlns:a14="http://schemas.microsoft.com/office/drawing/2010/main" xmlns="" val="0"/>
+                <a14:useLocalDpi xmlns="" xmlns:a14="http://schemas.microsoft.com/office/drawing/2010/main" val="0"/>
               </a:ext>
             </a:extLst>
           </a:blip>
@@ -7605,14 +7605,14 @@
           <a:effectLst/>
           <a:extLst>
             <a:ext uri="{909E8E84-426E-40DD-AFC4-6F175D3DCCD1}">
-              <a14:hiddenFill xmlns:a14="http://schemas.microsoft.com/office/drawing/2010/main" xmlns="">
+              <a14:hiddenFill xmlns="" xmlns:a14="http://schemas.microsoft.com/office/drawing/2010/main">
                 <a:solidFill>
                   <a:schemeClr val="accent1"/>
                 </a:solidFill>
               </a14:hiddenFill>
             </a:ext>
             <a:ext uri="{91240B29-F687-4F45-9708-019B960494DF}">
-              <a14:hiddenLine xmlns:a14="http://schemas.microsoft.com/office/drawing/2010/main" xmlns="" w="9525">
+              <a14:hiddenLine xmlns="" xmlns:a14="http://schemas.microsoft.com/office/drawing/2010/main" w="9525">
                 <a:solidFill>
                   <a:schemeClr val="tx1"/>
                 </a:solidFill>
@@ -7622,7 +7622,7 @@
               </a14:hiddenLine>
             </a:ext>
             <a:ext uri="{AF507438-7753-43E0-B8FC-AC1667EBCBE1}">
-              <a14:hiddenEffects xmlns:a14="http://schemas.microsoft.com/office/drawing/2010/main" xmlns="">
+              <a14:hiddenEffects xmlns="" xmlns:a14="http://schemas.microsoft.com/office/drawing/2010/main">
                 <a:effectLst>
                   <a:outerShdw dist="35921" dir="2700000" algn="ctr" rotWithShape="0">
                     <a:schemeClr val="bg2"/>
@@ -7704,7 +7704,7 @@
           <a:blip r:embed="rId2" cstate="print">
             <a:extLst>
               <a:ext uri="{28A0092B-C50C-407E-A947-70E740481C1C}">
-                <a14:useLocalDpi xmlns:a14="http://schemas.microsoft.com/office/drawing/2010/main" xmlns="" val="0"/>
+                <a14:useLocalDpi xmlns="" xmlns:a14="http://schemas.microsoft.com/office/drawing/2010/main" val="0"/>
               </a:ext>
             </a:extLst>
           </a:blip>
@@ -7724,7 +7724,7 @@
           <a:noFill/>
           <a:extLst>
             <a:ext uri="{909E8E84-426E-40DD-AFC4-6F175D3DCCD1}">
-              <a14:hiddenFill xmlns:a14="http://schemas.microsoft.com/office/drawing/2010/main" xmlns="">
+              <a14:hiddenFill xmlns="" xmlns:a14="http://schemas.microsoft.com/office/drawing/2010/main">
                 <a:solidFill>
                   <a:srgbClr val="FFFFFF"/>
                 </a:solidFill>
@@ -7769,7 +7769,7 @@
           <a:blip r:embed="rId3" cstate="print">
             <a:extLst>
               <a:ext uri="{28A0092B-C50C-407E-A947-70E740481C1C}">
-                <a14:useLocalDpi xmlns:a14="http://schemas.microsoft.com/office/drawing/2010/main" xmlns="" val="0"/>
+                <a14:useLocalDpi xmlns="" xmlns:a14="http://schemas.microsoft.com/office/drawing/2010/main" val="0"/>
               </a:ext>
             </a:extLst>
           </a:blip>
@@ -7793,14 +7793,14 @@
           <a:effectLst/>
           <a:extLst>
             <a:ext uri="{909E8E84-426E-40DD-AFC4-6F175D3DCCD1}">
-              <a14:hiddenFill xmlns:a14="http://schemas.microsoft.com/office/drawing/2010/main" xmlns="">
+              <a14:hiddenFill xmlns="" xmlns:a14="http://schemas.microsoft.com/office/drawing/2010/main">
                 <a:solidFill>
                   <a:schemeClr val="accent1"/>
                 </a:solidFill>
               </a14:hiddenFill>
             </a:ext>
             <a:ext uri="{91240B29-F687-4F45-9708-019B960494DF}">
-              <a14:hiddenLine xmlns:a14="http://schemas.microsoft.com/office/drawing/2010/main" xmlns="" w="9525">
+              <a14:hiddenLine xmlns="" xmlns:a14="http://schemas.microsoft.com/office/drawing/2010/main" w="9525">
                 <a:solidFill>
                   <a:schemeClr val="tx1"/>
                 </a:solidFill>
@@ -7810,7 +7810,7 @@
               </a14:hiddenLine>
             </a:ext>
             <a:ext uri="{AF507438-7753-43E0-B8FC-AC1667EBCBE1}">
-              <a14:hiddenEffects xmlns:a14="http://schemas.microsoft.com/office/drawing/2010/main" xmlns="">
+              <a14:hiddenEffects xmlns="" xmlns:a14="http://schemas.microsoft.com/office/drawing/2010/main">
                 <a:effectLst>
                   <a:outerShdw dist="35921" dir="2700000" algn="ctr" rotWithShape="0">
                     <a:schemeClr val="bg2"/>
@@ -7824,7 +7824,7 @@
     </p:spTree>
     <p:extLst>
       <p:ext uri="{BB962C8B-B14F-4D97-AF65-F5344CB8AC3E}">
-        <p14:creationId xmlns:p14="http://schemas.microsoft.com/office/powerpoint/2010/main" xmlns="" val="1616343719"/>
+        <p14:creationId xmlns="" xmlns:p14="http://schemas.microsoft.com/office/powerpoint/2010/main" val="1616343719"/>
       </p:ext>
     </p:extLst>
   </p:cSld>
@@ -8217,7 +8217,7 @@
           <a:blip r:embed="rId2" cstate="print">
             <a:extLst>
               <a:ext uri="{28A0092B-C50C-407E-A947-70E740481C1C}">
-                <a14:useLocalDpi xmlns:a14="http://schemas.microsoft.com/office/drawing/2010/main" xmlns="" val="0"/>
+                <a14:useLocalDpi xmlns="" xmlns:a14="http://schemas.microsoft.com/office/drawing/2010/main" val="0"/>
               </a:ext>
             </a:extLst>
           </a:blip>
@@ -8241,14 +8241,14 @@
           <a:effectLst/>
           <a:extLst>
             <a:ext uri="{909E8E84-426E-40DD-AFC4-6F175D3DCCD1}">
-              <a14:hiddenFill xmlns:a14="http://schemas.microsoft.com/office/drawing/2010/main" xmlns="">
+              <a14:hiddenFill xmlns="" xmlns:a14="http://schemas.microsoft.com/office/drawing/2010/main">
                 <a:solidFill>
                   <a:schemeClr val="accent1"/>
                 </a:solidFill>
               </a14:hiddenFill>
             </a:ext>
             <a:ext uri="{91240B29-F687-4F45-9708-019B960494DF}">
-              <a14:hiddenLine xmlns:a14="http://schemas.microsoft.com/office/drawing/2010/main" xmlns="" w="9525">
+              <a14:hiddenLine xmlns="" xmlns:a14="http://schemas.microsoft.com/office/drawing/2010/main" w="9525">
                 <a:solidFill>
                   <a:schemeClr val="tx1"/>
                 </a:solidFill>
@@ -8258,7 +8258,7 @@
               </a14:hiddenLine>
             </a:ext>
             <a:ext uri="{AF507438-7753-43E0-B8FC-AC1667EBCBE1}">
-              <a14:hiddenEffects xmlns:a14="http://schemas.microsoft.com/office/drawing/2010/main" xmlns="">
+              <a14:hiddenEffects xmlns="" xmlns:a14="http://schemas.microsoft.com/office/drawing/2010/main">
                 <a:effectLst>
                   <a:outerShdw dist="35921" dir="2700000" algn="ctr" rotWithShape="0">
                     <a:schemeClr val="bg2"/>
@@ -8453,7 +8453,7 @@
           <a:blip r:embed="rId3" cstate="print">
             <a:extLst>
               <a:ext uri="{28A0092B-C50C-407E-A947-70E740481C1C}">
-                <a14:useLocalDpi xmlns:a14="http://schemas.microsoft.com/office/drawing/2010/main" xmlns="" val="0"/>
+                <a14:useLocalDpi xmlns="" xmlns:a14="http://schemas.microsoft.com/office/drawing/2010/main" val="0"/>
               </a:ext>
             </a:extLst>
           </a:blip>
@@ -8477,14 +8477,14 @@
           <a:effectLst/>
           <a:extLst>
             <a:ext uri="{909E8E84-426E-40DD-AFC4-6F175D3DCCD1}">
-              <a14:hiddenFill xmlns:a14="http://schemas.microsoft.com/office/drawing/2010/main" xmlns="">
+              <a14:hiddenFill xmlns="" xmlns:a14="http://schemas.microsoft.com/office/drawing/2010/main">
                 <a:solidFill>
                   <a:schemeClr val="accent1"/>
                 </a:solidFill>
               </a14:hiddenFill>
             </a:ext>
             <a:ext uri="{91240B29-F687-4F45-9708-019B960494DF}">
-              <a14:hiddenLine xmlns:a14="http://schemas.microsoft.com/office/drawing/2010/main" xmlns="" w="9525">
+              <a14:hiddenLine xmlns="" xmlns:a14="http://schemas.microsoft.com/office/drawing/2010/main" w="9525">
                 <a:solidFill>
                   <a:schemeClr val="tx1"/>
                 </a:solidFill>
@@ -8494,7 +8494,7 @@
               </a14:hiddenLine>
             </a:ext>
             <a:ext uri="{AF507438-7753-43E0-B8FC-AC1667EBCBE1}">
-              <a14:hiddenEffects xmlns:a14="http://schemas.microsoft.com/office/drawing/2010/main" xmlns="">
+              <a14:hiddenEffects xmlns="" xmlns:a14="http://schemas.microsoft.com/office/drawing/2010/main">
                 <a:effectLst>
                   <a:outerShdw dist="35921" dir="2700000" algn="ctr" rotWithShape="0">
                     <a:schemeClr val="bg2"/>
@@ -8629,6 +8629,29 @@
           </a:p>
           <a:p>
             <a:r>
+              <a:rPr lang="de-DE" dirty="0" err="1" smtClean="0"/>
+              <a:t>Overtaking</a:t>
+            </a:r>
+            <a:r>
+              <a:rPr lang="de-DE" dirty="0" smtClean="0"/>
+              <a:t> vs. </a:t>
+            </a:r>
+            <a:r>
+              <a:rPr lang="de-DE" dirty="0" err="1" smtClean="0"/>
+              <a:t>lane</a:t>
+            </a:r>
+            <a:r>
+              <a:rPr lang="de-DE" dirty="0" smtClean="0"/>
+              <a:t> </a:t>
+            </a:r>
+            <a:r>
+              <a:rPr lang="de-DE" dirty="0" err="1" smtClean="0"/>
+              <a:t>formation</a:t>
+            </a:r>
+            <a:endParaRPr lang="de-DE" dirty="0" smtClean="0"/>
+          </a:p>
+          <a:p>
+            <a:r>
               <a:rPr lang="de-DE" dirty="0" smtClean="0"/>
               <a:t>Different </a:t>
             </a:r>
@@ -8651,29 +8674,6 @@
             <a:r>
               <a:rPr lang="de-DE" dirty="0" err="1" smtClean="0"/>
               <a:t>densities</a:t>
-            </a:r>
-            <a:endParaRPr lang="de-DE" dirty="0" smtClean="0"/>
-          </a:p>
-          <a:p>
-            <a:r>
-              <a:rPr lang="de-DE" dirty="0" err="1" smtClean="0"/>
-              <a:t>Overtaking</a:t>
-            </a:r>
-            <a:r>
-              <a:rPr lang="de-DE" dirty="0" smtClean="0"/>
-              <a:t> vs. </a:t>
-            </a:r>
-            <a:r>
-              <a:rPr lang="de-DE" dirty="0" err="1" smtClean="0"/>
-              <a:t>lane</a:t>
-            </a:r>
-            <a:r>
-              <a:rPr lang="de-DE" dirty="0" smtClean="0"/>
-              <a:t> </a:t>
-            </a:r>
-            <a:r>
-              <a:rPr lang="de-DE" dirty="0" err="1" smtClean="0"/>
-              <a:t>formation</a:t>
             </a:r>
             <a:endParaRPr lang="de-DE" dirty="0" smtClean="0"/>
           </a:p>
@@ -8867,7 +8867,7 @@
           <a:blip r:embed="rId3" cstate="print">
             <a:extLst>
               <a:ext uri="{28A0092B-C50C-407E-A947-70E740481C1C}">
-                <a14:useLocalDpi xmlns:a14="http://schemas.microsoft.com/office/drawing/2010/main" xmlns="" val="0"/>
+                <a14:useLocalDpi xmlns="" xmlns:a14="http://schemas.microsoft.com/office/drawing/2010/main" val="0"/>
               </a:ext>
             </a:extLst>
           </a:blip>
@@ -8891,14 +8891,14 @@
           <a:effectLst/>
           <a:extLst>
             <a:ext uri="{909E8E84-426E-40DD-AFC4-6F175D3DCCD1}">
-              <a14:hiddenFill xmlns:a14="http://schemas.microsoft.com/office/drawing/2010/main" xmlns="">
+              <a14:hiddenFill xmlns="" xmlns:a14="http://schemas.microsoft.com/office/drawing/2010/main">
                 <a:solidFill>
                   <a:schemeClr val="accent1"/>
                 </a:solidFill>
               </a14:hiddenFill>
             </a:ext>
             <a:ext uri="{91240B29-F687-4F45-9708-019B960494DF}">
-              <a14:hiddenLine xmlns:a14="http://schemas.microsoft.com/office/drawing/2010/main" xmlns="" w="9525">
+              <a14:hiddenLine xmlns="" xmlns:a14="http://schemas.microsoft.com/office/drawing/2010/main" w="9525">
                 <a:solidFill>
                   <a:schemeClr val="tx1"/>
                 </a:solidFill>
@@ -8908,7 +8908,7 @@
               </a14:hiddenLine>
             </a:ext>
             <a:ext uri="{AF507438-7753-43E0-B8FC-AC1667EBCBE1}">
-              <a14:hiddenEffects xmlns:a14="http://schemas.microsoft.com/office/drawing/2010/main" xmlns="">
+              <a14:hiddenEffects xmlns="" xmlns:a14="http://schemas.microsoft.com/office/drawing/2010/main">
                 <a:effectLst>
                   <a:outerShdw dist="35921" dir="2700000" algn="ctr" rotWithShape="0">
                     <a:schemeClr val="bg2"/>
@@ -9064,7 +9064,7 @@
           <a:blip r:embed="rId3" cstate="print">
             <a:extLst>
               <a:ext uri="{28A0092B-C50C-407E-A947-70E740481C1C}">
-                <a14:useLocalDpi xmlns:a14="http://schemas.microsoft.com/office/drawing/2010/main" xmlns="" val="0"/>
+                <a14:useLocalDpi xmlns="" xmlns:a14="http://schemas.microsoft.com/office/drawing/2010/main" val="0"/>
               </a:ext>
             </a:extLst>
           </a:blip>
@@ -9088,14 +9088,14 @@
           <a:effectLst/>
           <a:extLst>
             <a:ext uri="{909E8E84-426E-40DD-AFC4-6F175D3DCCD1}">
-              <a14:hiddenFill xmlns:a14="http://schemas.microsoft.com/office/drawing/2010/main" xmlns="">
+              <a14:hiddenFill xmlns="" xmlns:a14="http://schemas.microsoft.com/office/drawing/2010/main">
                 <a:solidFill>
                   <a:schemeClr val="accent1"/>
                 </a:solidFill>
               </a14:hiddenFill>
             </a:ext>
             <a:ext uri="{91240B29-F687-4F45-9708-019B960494DF}">
-              <a14:hiddenLine xmlns:a14="http://schemas.microsoft.com/office/drawing/2010/main" xmlns="" w="9525">
+              <a14:hiddenLine xmlns="" xmlns:a14="http://schemas.microsoft.com/office/drawing/2010/main" w="9525">
                 <a:solidFill>
                   <a:schemeClr val="tx1"/>
                 </a:solidFill>
@@ -9105,7 +9105,7 @@
               </a14:hiddenLine>
             </a:ext>
             <a:ext uri="{AF507438-7753-43E0-B8FC-AC1667EBCBE1}">
-              <a14:hiddenEffects xmlns:a14="http://schemas.microsoft.com/office/drawing/2010/main" xmlns="">
+              <a14:hiddenEffects xmlns="" xmlns:a14="http://schemas.microsoft.com/office/drawing/2010/main">
                 <a:effectLst>
                   <a:outerShdw dist="35921" dir="2700000" algn="ctr" rotWithShape="0">
                     <a:schemeClr val="bg2"/>
@@ -9261,7 +9261,7 @@
           <a:blip r:embed="rId3" cstate="print">
             <a:extLst>
               <a:ext uri="{28A0092B-C50C-407E-A947-70E740481C1C}">
-                <a14:useLocalDpi xmlns:a14="http://schemas.microsoft.com/office/drawing/2010/main" xmlns="" val="0"/>
+                <a14:useLocalDpi xmlns="" xmlns:a14="http://schemas.microsoft.com/office/drawing/2010/main" val="0"/>
               </a:ext>
             </a:extLst>
           </a:blip>
@@ -9285,14 +9285,14 @@
           <a:effectLst/>
           <a:extLst>
             <a:ext uri="{909E8E84-426E-40DD-AFC4-6F175D3DCCD1}">
-              <a14:hiddenFill xmlns:a14="http://schemas.microsoft.com/office/drawing/2010/main" xmlns="">
+              <a14:hiddenFill xmlns="" xmlns:a14="http://schemas.microsoft.com/office/drawing/2010/main">
                 <a:solidFill>
                   <a:schemeClr val="accent1"/>
                 </a:solidFill>
               </a14:hiddenFill>
             </a:ext>
             <a:ext uri="{91240B29-F687-4F45-9708-019B960494DF}">
-              <a14:hiddenLine xmlns:a14="http://schemas.microsoft.com/office/drawing/2010/main" xmlns="" w="9525">
+              <a14:hiddenLine xmlns="" xmlns:a14="http://schemas.microsoft.com/office/drawing/2010/main" w="9525">
                 <a:solidFill>
                   <a:schemeClr val="tx1"/>
                 </a:solidFill>
@@ -9302,7 +9302,7 @@
               </a14:hiddenLine>
             </a:ext>
             <a:ext uri="{AF507438-7753-43E0-B8FC-AC1667EBCBE1}">
-              <a14:hiddenEffects xmlns:a14="http://schemas.microsoft.com/office/drawing/2010/main" xmlns="">
+              <a14:hiddenEffects xmlns="" xmlns:a14="http://schemas.microsoft.com/office/drawing/2010/main">
                 <a:effectLst>
                   <a:outerShdw dist="35921" dir="2700000" algn="ctr" rotWithShape="0">
                     <a:schemeClr val="bg2"/>
@@ -9471,7 +9471,7 @@
           <a:blip r:embed="rId3" cstate="print">
             <a:extLst>
               <a:ext uri="{28A0092B-C50C-407E-A947-70E740481C1C}">
-                <a14:useLocalDpi xmlns:a14="http://schemas.microsoft.com/office/drawing/2010/main" xmlns="" val="0"/>
+                <a14:useLocalDpi xmlns="" xmlns:a14="http://schemas.microsoft.com/office/drawing/2010/main" val="0"/>
               </a:ext>
             </a:extLst>
           </a:blip>
@@ -9495,14 +9495,14 @@
           <a:effectLst/>
           <a:extLst>
             <a:ext uri="{909E8E84-426E-40DD-AFC4-6F175D3DCCD1}">
-              <a14:hiddenFill xmlns:a14="http://schemas.microsoft.com/office/drawing/2010/main" xmlns="">
+              <a14:hiddenFill xmlns="" xmlns:a14="http://schemas.microsoft.com/office/drawing/2010/main">
                 <a:solidFill>
                   <a:schemeClr val="accent1"/>
                 </a:solidFill>
               </a14:hiddenFill>
             </a:ext>
             <a:ext uri="{91240B29-F687-4F45-9708-019B960494DF}">
-              <a14:hiddenLine xmlns:a14="http://schemas.microsoft.com/office/drawing/2010/main" xmlns="" w="9525">
+              <a14:hiddenLine xmlns="" xmlns:a14="http://schemas.microsoft.com/office/drawing/2010/main" w="9525">
                 <a:solidFill>
                   <a:schemeClr val="tx1"/>
                 </a:solidFill>
@@ -9512,7 +9512,7 @@
               </a14:hiddenLine>
             </a:ext>
             <a:ext uri="{AF507438-7753-43E0-B8FC-AC1667EBCBE1}">
-              <a14:hiddenEffects xmlns:a14="http://schemas.microsoft.com/office/drawing/2010/main" xmlns="">
+              <a14:hiddenEffects xmlns="" xmlns:a14="http://schemas.microsoft.com/office/drawing/2010/main">
                 <a:effectLst>
                   <a:outerShdw dist="35921" dir="2700000" algn="ctr" rotWithShape="0">
                     <a:schemeClr val="bg2"/>
@@ -9590,7 +9590,7 @@
           <a:blip r:embed="rId3" cstate="print">
             <a:extLst>
               <a:ext uri="{28A0092B-C50C-407E-A947-70E740481C1C}">
-                <a14:useLocalDpi xmlns:a14="http://schemas.microsoft.com/office/drawing/2010/main" xmlns="" val="0"/>
+                <a14:useLocalDpi xmlns="" xmlns:a14="http://schemas.microsoft.com/office/drawing/2010/main" val="0"/>
               </a:ext>
             </a:extLst>
           </a:blip>
@@ -9610,7 +9610,7 @@
           <a:noFill/>
           <a:extLst>
             <a:ext uri="{909E8E84-426E-40DD-AFC4-6F175D3DCCD1}">
-              <a14:hiddenFill xmlns:a14="http://schemas.microsoft.com/office/drawing/2010/main" xmlns="">
+              <a14:hiddenFill xmlns="" xmlns:a14="http://schemas.microsoft.com/office/drawing/2010/main">
                 <a:solidFill>
                   <a:srgbClr val="FFFFFF"/>
                 </a:solidFill>
@@ -9655,7 +9655,7 @@
           <a:blip r:embed="rId4" cstate="print">
             <a:extLst>
               <a:ext uri="{28A0092B-C50C-407E-A947-70E740481C1C}">
-                <a14:useLocalDpi xmlns:a14="http://schemas.microsoft.com/office/drawing/2010/main" xmlns="" val="0"/>
+                <a14:useLocalDpi xmlns="" xmlns:a14="http://schemas.microsoft.com/office/drawing/2010/main" val="0"/>
               </a:ext>
             </a:extLst>
           </a:blip>
@@ -9679,14 +9679,14 @@
           <a:effectLst/>
           <a:extLst>
             <a:ext uri="{909E8E84-426E-40DD-AFC4-6F175D3DCCD1}">
-              <a14:hiddenFill xmlns:a14="http://schemas.microsoft.com/office/drawing/2010/main" xmlns="">
+              <a14:hiddenFill xmlns="" xmlns:a14="http://schemas.microsoft.com/office/drawing/2010/main">
                 <a:solidFill>
                   <a:schemeClr val="accent1"/>
                 </a:solidFill>
               </a14:hiddenFill>
             </a:ext>
             <a:ext uri="{91240B29-F687-4F45-9708-019B960494DF}">
-              <a14:hiddenLine xmlns:a14="http://schemas.microsoft.com/office/drawing/2010/main" xmlns="" w="9525">
+              <a14:hiddenLine xmlns="" xmlns:a14="http://schemas.microsoft.com/office/drawing/2010/main" w="9525">
                 <a:solidFill>
                   <a:schemeClr val="tx1"/>
                 </a:solidFill>
@@ -9696,7 +9696,7 @@
               </a14:hiddenLine>
             </a:ext>
             <a:ext uri="{AF507438-7753-43E0-B8FC-AC1667EBCBE1}">
-              <a14:hiddenEffects xmlns:a14="http://schemas.microsoft.com/office/drawing/2010/main" xmlns="">
+              <a14:hiddenEffects xmlns="" xmlns:a14="http://schemas.microsoft.com/office/drawing/2010/main">
                 <a:effectLst>
                   <a:outerShdw dist="35921" dir="2700000" algn="ctr" rotWithShape="0">
                     <a:schemeClr val="bg2"/>
@@ -10050,7 +10050,7 @@
           <a:blip r:embed="rId2" cstate="print">
             <a:extLst>
               <a:ext uri="{28A0092B-C50C-407E-A947-70E740481C1C}">
-                <a14:useLocalDpi xmlns:a14="http://schemas.microsoft.com/office/drawing/2010/main" xmlns="" val="0"/>
+                <a14:useLocalDpi xmlns="" xmlns:a14="http://schemas.microsoft.com/office/drawing/2010/main" val="0"/>
               </a:ext>
             </a:extLst>
           </a:blip>
@@ -10074,14 +10074,14 @@
           <a:effectLst/>
           <a:extLst>
             <a:ext uri="{909E8E84-426E-40DD-AFC4-6F175D3DCCD1}">
-              <a14:hiddenFill xmlns:a14="http://schemas.microsoft.com/office/drawing/2010/main" xmlns="">
+              <a14:hiddenFill xmlns="" xmlns:a14="http://schemas.microsoft.com/office/drawing/2010/main">
                 <a:solidFill>
                   <a:schemeClr val="accent1"/>
                 </a:solidFill>
               </a14:hiddenFill>
             </a:ext>
             <a:ext uri="{91240B29-F687-4F45-9708-019B960494DF}">
-              <a14:hiddenLine xmlns:a14="http://schemas.microsoft.com/office/drawing/2010/main" xmlns="" w="9525">
+              <a14:hiddenLine xmlns="" xmlns:a14="http://schemas.microsoft.com/office/drawing/2010/main" w="9525">
                 <a:solidFill>
                   <a:schemeClr val="tx1"/>
                 </a:solidFill>
@@ -10091,7 +10091,7 @@
               </a14:hiddenLine>
             </a:ext>
             <a:ext uri="{AF507438-7753-43E0-B8FC-AC1667EBCBE1}">
-              <a14:hiddenEffects xmlns:a14="http://schemas.microsoft.com/office/drawing/2010/main" xmlns="">
+              <a14:hiddenEffects xmlns="" xmlns:a14="http://schemas.microsoft.com/office/drawing/2010/main">
                 <a:effectLst>
                   <a:outerShdw dist="35921" dir="2700000" algn="ctr" rotWithShape="0">
                     <a:schemeClr val="bg2"/>
@@ -10485,7 +10485,7 @@
           <a:blip r:embed="rId2" cstate="print">
             <a:extLst>
               <a:ext uri="{28A0092B-C50C-407E-A947-70E740481C1C}">
-                <a14:useLocalDpi xmlns:a14="http://schemas.microsoft.com/office/drawing/2010/main" xmlns="" val="0"/>
+                <a14:useLocalDpi xmlns="" xmlns:a14="http://schemas.microsoft.com/office/drawing/2010/main" val="0"/>
               </a:ext>
             </a:extLst>
           </a:blip>
@@ -10509,14 +10509,14 @@
           <a:effectLst/>
           <a:extLst>
             <a:ext uri="{909E8E84-426E-40DD-AFC4-6F175D3DCCD1}">
-              <a14:hiddenFill xmlns:a14="http://schemas.microsoft.com/office/drawing/2010/main" xmlns="">
+              <a14:hiddenFill xmlns="" xmlns:a14="http://schemas.microsoft.com/office/drawing/2010/main">
                 <a:solidFill>
                   <a:schemeClr val="accent1"/>
                 </a:solidFill>
               </a14:hiddenFill>
             </a:ext>
             <a:ext uri="{91240B29-F687-4F45-9708-019B960494DF}">
-              <a14:hiddenLine xmlns:a14="http://schemas.microsoft.com/office/drawing/2010/main" xmlns="" w="9525">
+              <a14:hiddenLine xmlns="" xmlns:a14="http://schemas.microsoft.com/office/drawing/2010/main" w="9525">
                 <a:solidFill>
                   <a:schemeClr val="tx1"/>
                 </a:solidFill>
@@ -10526,7 +10526,7 @@
               </a14:hiddenLine>
             </a:ext>
             <a:ext uri="{AF507438-7753-43E0-B8FC-AC1667EBCBE1}">
-              <a14:hiddenEffects xmlns:a14="http://schemas.microsoft.com/office/drawing/2010/main" xmlns="">
+              <a14:hiddenEffects xmlns="" xmlns:a14="http://schemas.microsoft.com/office/drawing/2010/main">
                 <a:effectLst>
                   <a:outerShdw dist="35921" dir="2700000" algn="ctr" rotWithShape="0">
                     <a:schemeClr val="bg2"/>
@@ -10972,7 +10972,7 @@
           <a:blip r:embed="rId3" cstate="print">
             <a:extLst>
               <a:ext uri="{28A0092B-C50C-407E-A947-70E740481C1C}">
-                <a14:useLocalDpi xmlns:a14="http://schemas.microsoft.com/office/drawing/2010/main" xmlns="" val="0"/>
+                <a14:useLocalDpi xmlns="" xmlns:a14="http://schemas.microsoft.com/office/drawing/2010/main" val="0"/>
               </a:ext>
             </a:extLst>
           </a:blip>
@@ -10996,14 +10996,14 @@
           <a:effectLst/>
           <a:extLst>
             <a:ext uri="{909E8E84-426E-40DD-AFC4-6F175D3DCCD1}">
-              <a14:hiddenFill xmlns:a14="http://schemas.microsoft.com/office/drawing/2010/main" xmlns="">
+              <a14:hiddenFill xmlns="" xmlns:a14="http://schemas.microsoft.com/office/drawing/2010/main">
                 <a:solidFill>
                   <a:schemeClr val="accent1"/>
                 </a:solidFill>
               </a14:hiddenFill>
             </a:ext>
             <a:ext uri="{91240B29-F687-4F45-9708-019B960494DF}">
-              <a14:hiddenLine xmlns:a14="http://schemas.microsoft.com/office/drawing/2010/main" xmlns="" w="9525">
+              <a14:hiddenLine xmlns="" xmlns:a14="http://schemas.microsoft.com/office/drawing/2010/main" w="9525">
                 <a:solidFill>
                   <a:schemeClr val="tx1"/>
                 </a:solidFill>
@@ -11013,7 +11013,7 @@
               </a14:hiddenLine>
             </a:ext>
             <a:ext uri="{AF507438-7753-43E0-B8FC-AC1667EBCBE1}">
-              <a14:hiddenEffects xmlns:a14="http://schemas.microsoft.com/office/drawing/2010/main" xmlns="">
+              <a14:hiddenEffects xmlns="" xmlns:a14="http://schemas.microsoft.com/office/drawing/2010/main">
                 <a:effectLst>
                   <a:outerShdw dist="35921" dir="2700000" algn="ctr" rotWithShape="0">
                     <a:schemeClr val="bg2"/>
@@ -11199,7 +11199,7 @@
           <a:blip r:embed="rId3" cstate="print">
             <a:extLst>
               <a:ext uri="{28A0092B-C50C-407E-A947-70E740481C1C}">
-                <a14:useLocalDpi xmlns:a14="http://schemas.microsoft.com/office/drawing/2010/main" xmlns="" val="0"/>
+                <a14:useLocalDpi xmlns="" xmlns:a14="http://schemas.microsoft.com/office/drawing/2010/main" val="0"/>
               </a:ext>
             </a:extLst>
           </a:blip>
@@ -11223,14 +11223,14 @@
           <a:effectLst/>
           <a:extLst>
             <a:ext uri="{909E8E84-426E-40DD-AFC4-6F175D3DCCD1}">
-              <a14:hiddenFill xmlns:a14="http://schemas.microsoft.com/office/drawing/2010/main" xmlns="">
+              <a14:hiddenFill xmlns="" xmlns:a14="http://schemas.microsoft.com/office/drawing/2010/main">
                 <a:solidFill>
                   <a:schemeClr val="accent1"/>
                 </a:solidFill>
               </a14:hiddenFill>
             </a:ext>
             <a:ext uri="{91240B29-F687-4F45-9708-019B960494DF}">
-              <a14:hiddenLine xmlns:a14="http://schemas.microsoft.com/office/drawing/2010/main" xmlns="" w="9525">
+              <a14:hiddenLine xmlns="" xmlns:a14="http://schemas.microsoft.com/office/drawing/2010/main" w="9525">
                 <a:solidFill>
                   <a:schemeClr val="tx1"/>
                 </a:solidFill>
@@ -11240,7 +11240,7 @@
               </a14:hiddenLine>
             </a:ext>
             <a:ext uri="{AF507438-7753-43E0-B8FC-AC1667EBCBE1}">
-              <a14:hiddenEffects xmlns:a14="http://schemas.microsoft.com/office/drawing/2010/main" xmlns="">
+              <a14:hiddenEffects xmlns="" xmlns:a14="http://schemas.microsoft.com/office/drawing/2010/main">
                 <a:effectLst>
                   <a:outerShdw dist="35921" dir="2700000" algn="ctr" rotWithShape="0">
                     <a:schemeClr val="bg2"/>
@@ -11400,7 +11400,7 @@
           <a:blip r:embed="rId4" cstate="print">
             <a:extLst>
               <a:ext uri="{28A0092B-C50C-407E-A947-70E740481C1C}">
-                <a14:useLocalDpi xmlns:a14="http://schemas.microsoft.com/office/drawing/2010/main" xmlns="" val="0"/>
+                <a14:useLocalDpi xmlns="" xmlns:a14="http://schemas.microsoft.com/office/drawing/2010/main" val="0"/>
               </a:ext>
             </a:extLst>
           </a:blip>
@@ -11424,14 +11424,14 @@
           <a:effectLst/>
           <a:extLst>
             <a:ext uri="{909E8E84-426E-40DD-AFC4-6F175D3DCCD1}">
-              <a14:hiddenFill xmlns:a14="http://schemas.microsoft.com/office/drawing/2010/main" xmlns="">
+              <a14:hiddenFill xmlns="" xmlns:a14="http://schemas.microsoft.com/office/drawing/2010/main">
                 <a:solidFill>
                   <a:schemeClr val="accent1"/>
                 </a:solidFill>
               </a14:hiddenFill>
             </a:ext>
             <a:ext uri="{91240B29-F687-4F45-9708-019B960494DF}">
-              <a14:hiddenLine xmlns:a14="http://schemas.microsoft.com/office/drawing/2010/main" xmlns="" w="9525">
+              <a14:hiddenLine xmlns="" xmlns:a14="http://schemas.microsoft.com/office/drawing/2010/main" w="9525">
                 <a:solidFill>
                   <a:schemeClr val="tx1"/>
                 </a:solidFill>
@@ -11441,7 +11441,7 @@
               </a14:hiddenLine>
             </a:ext>
             <a:ext uri="{AF507438-7753-43E0-B8FC-AC1667EBCBE1}">
-              <a14:hiddenEffects xmlns:a14="http://schemas.microsoft.com/office/drawing/2010/main" xmlns="">
+              <a14:hiddenEffects xmlns="" xmlns:a14="http://schemas.microsoft.com/office/drawing/2010/main">
                 <a:effectLst>
                   <a:outerShdw dist="35921" dir="2700000" algn="ctr" rotWithShape="0">
                     <a:schemeClr val="bg2"/>
@@ -11571,7 +11571,7 @@
           <a:blip r:embed="rId4" cstate="print">
             <a:extLst>
               <a:ext uri="{28A0092B-C50C-407E-A947-70E740481C1C}">
-                <a14:useLocalDpi xmlns:a14="http://schemas.microsoft.com/office/drawing/2010/main" xmlns="" val="0"/>
+                <a14:useLocalDpi xmlns="" xmlns:a14="http://schemas.microsoft.com/office/drawing/2010/main" val="0"/>
               </a:ext>
             </a:extLst>
           </a:blip>
@@ -11595,14 +11595,14 @@
           <a:effectLst/>
           <a:extLst>
             <a:ext uri="{909E8E84-426E-40DD-AFC4-6F175D3DCCD1}">
-              <a14:hiddenFill xmlns:a14="http://schemas.microsoft.com/office/drawing/2010/main" xmlns="">
+              <a14:hiddenFill xmlns="" xmlns:a14="http://schemas.microsoft.com/office/drawing/2010/main">
                 <a:solidFill>
                   <a:schemeClr val="accent1"/>
                 </a:solidFill>
               </a14:hiddenFill>
             </a:ext>
             <a:ext uri="{91240B29-F687-4F45-9708-019B960494DF}">
-              <a14:hiddenLine xmlns:a14="http://schemas.microsoft.com/office/drawing/2010/main" xmlns="" w="9525">
+              <a14:hiddenLine xmlns="" xmlns:a14="http://schemas.microsoft.com/office/drawing/2010/main" w="9525">
                 <a:solidFill>
                   <a:schemeClr val="tx1"/>
                 </a:solidFill>
@@ -11612,7 +11612,7 @@
               </a14:hiddenLine>
             </a:ext>
             <a:ext uri="{AF507438-7753-43E0-B8FC-AC1667EBCBE1}">
-              <a14:hiddenEffects xmlns:a14="http://schemas.microsoft.com/office/drawing/2010/main" xmlns="">
+              <a14:hiddenEffects xmlns="" xmlns:a14="http://schemas.microsoft.com/office/drawing/2010/main">
                 <a:effectLst>
                   <a:outerShdw dist="35921" dir="2700000" algn="ctr" rotWithShape="0">
                     <a:schemeClr val="bg2"/>
@@ -11672,7 +11672,19 @@
           <a:p>
             <a:r>
               <a:rPr lang="en-US" dirty="0" smtClean="0"/>
-              <a:t>Intro, motivation &amp; basic idea</a:t>
+              <a:t>Intro</a:t>
+            </a:r>
+            <a:r>
+              <a:rPr lang="en-US" dirty="0" smtClean="0"/>
+              <a:t>duc</a:t>
+            </a:r>
+            <a:r>
+              <a:rPr lang="en-US" dirty="0" smtClean="0"/>
+              <a:t>tion </a:t>
+            </a:r>
+            <a:r>
+              <a:rPr lang="en-US" dirty="0" smtClean="0"/>
+              <a:t>&amp; basic idea</a:t>
             </a:r>
             <a:endParaRPr lang="de-CH" dirty="0"/>
           </a:p>
@@ -11876,7 +11888,7 @@
           <a:blip r:embed="rId4" cstate="print">
             <a:extLst>
               <a:ext uri="{28A0092B-C50C-407E-A947-70E740481C1C}">
-                <a14:useLocalDpi xmlns:a14="http://schemas.microsoft.com/office/drawing/2010/main" xmlns="" val="0"/>
+                <a14:useLocalDpi xmlns="" xmlns:a14="http://schemas.microsoft.com/office/drawing/2010/main" val="0"/>
               </a:ext>
             </a:extLst>
           </a:blip>
@@ -11900,14 +11912,14 @@
           <a:effectLst/>
           <a:extLst>
             <a:ext uri="{909E8E84-426E-40DD-AFC4-6F175D3DCCD1}">
-              <a14:hiddenFill xmlns:a14="http://schemas.microsoft.com/office/drawing/2010/main" xmlns="">
+              <a14:hiddenFill xmlns="" xmlns:a14="http://schemas.microsoft.com/office/drawing/2010/main">
                 <a:solidFill>
                   <a:schemeClr val="accent1"/>
                 </a:solidFill>
               </a14:hiddenFill>
             </a:ext>
             <a:ext uri="{91240B29-F687-4F45-9708-019B960494DF}">
-              <a14:hiddenLine xmlns:a14="http://schemas.microsoft.com/office/drawing/2010/main" xmlns="" w="9525">
+              <a14:hiddenLine xmlns="" xmlns:a14="http://schemas.microsoft.com/office/drawing/2010/main" w="9525">
                 <a:solidFill>
                   <a:schemeClr val="tx1"/>
                 </a:solidFill>
@@ -11917,7 +11929,7 @@
               </a14:hiddenLine>
             </a:ext>
             <a:ext uri="{AF507438-7753-43E0-B8FC-AC1667EBCBE1}">
-              <a14:hiddenEffects xmlns:a14="http://schemas.microsoft.com/office/drawing/2010/main" xmlns="">
+              <a14:hiddenEffects xmlns="" xmlns:a14="http://schemas.microsoft.com/office/drawing/2010/main">
                 <a:effectLst>
                   <a:outerShdw dist="35921" dir="2700000" algn="ctr" rotWithShape="0">
                     <a:schemeClr val="bg2"/>
@@ -12380,7 +12392,7 @@
           <a:blip r:embed="rId3" cstate="print">
             <a:extLst>
               <a:ext uri="{28A0092B-C50C-407E-A947-70E740481C1C}">
-                <a14:useLocalDpi xmlns:a14="http://schemas.microsoft.com/office/drawing/2010/main" xmlns="" val="0"/>
+                <a14:useLocalDpi xmlns="" xmlns:a14="http://schemas.microsoft.com/office/drawing/2010/main" val="0"/>
               </a:ext>
             </a:extLst>
           </a:blip>
@@ -12404,14 +12416,14 @@
           <a:effectLst/>
           <a:extLst>
             <a:ext uri="{909E8E84-426E-40DD-AFC4-6F175D3DCCD1}">
-              <a14:hiddenFill xmlns:a14="http://schemas.microsoft.com/office/drawing/2010/main" xmlns="">
+              <a14:hiddenFill xmlns="" xmlns:a14="http://schemas.microsoft.com/office/drawing/2010/main">
                 <a:solidFill>
                   <a:schemeClr val="accent1"/>
                 </a:solidFill>
               </a14:hiddenFill>
             </a:ext>
             <a:ext uri="{91240B29-F687-4F45-9708-019B960494DF}">
-              <a14:hiddenLine xmlns:a14="http://schemas.microsoft.com/office/drawing/2010/main" xmlns="" w="9525">
+              <a14:hiddenLine xmlns="" xmlns:a14="http://schemas.microsoft.com/office/drawing/2010/main" w="9525">
                 <a:solidFill>
                   <a:schemeClr val="tx1"/>
                 </a:solidFill>
@@ -12421,7 +12433,7 @@
               </a14:hiddenLine>
             </a:ext>
             <a:ext uri="{AF507438-7753-43E0-B8FC-AC1667EBCBE1}">
-              <a14:hiddenEffects xmlns:a14="http://schemas.microsoft.com/office/drawing/2010/main" xmlns="">
+              <a14:hiddenEffects xmlns="" xmlns:a14="http://schemas.microsoft.com/office/drawing/2010/main">
                 <a:effectLst>
                   <a:outerShdw dist="35921" dir="2700000" algn="ctr" rotWithShape="0">
                     <a:schemeClr val="bg2"/>
@@ -12517,7 +12529,7 @@
           <a:blip r:embed="rId3" cstate="print">
             <a:extLst>
               <a:ext uri="{28A0092B-C50C-407E-A947-70E740481C1C}">
-                <a14:useLocalDpi xmlns:a14="http://schemas.microsoft.com/office/drawing/2010/main" xmlns="" val="0"/>
+                <a14:useLocalDpi xmlns="" xmlns:a14="http://schemas.microsoft.com/office/drawing/2010/main" val="0"/>
               </a:ext>
             </a:extLst>
           </a:blip>
@@ -12541,14 +12553,14 @@
           <a:effectLst/>
           <a:extLst>
             <a:ext uri="{909E8E84-426E-40DD-AFC4-6F175D3DCCD1}">
-              <a14:hiddenFill xmlns:a14="http://schemas.microsoft.com/office/drawing/2010/main" xmlns="">
+              <a14:hiddenFill xmlns="" xmlns:a14="http://schemas.microsoft.com/office/drawing/2010/main">
                 <a:solidFill>
                   <a:schemeClr val="accent1"/>
                 </a:solidFill>
               </a14:hiddenFill>
             </a:ext>
             <a:ext uri="{91240B29-F687-4F45-9708-019B960494DF}">
-              <a14:hiddenLine xmlns:a14="http://schemas.microsoft.com/office/drawing/2010/main" xmlns="" w="9525">
+              <a14:hiddenLine xmlns="" xmlns:a14="http://schemas.microsoft.com/office/drawing/2010/main" w="9525">
                 <a:solidFill>
                   <a:schemeClr val="tx1"/>
                 </a:solidFill>
@@ -12558,7 +12570,7 @@
               </a14:hiddenLine>
             </a:ext>
             <a:ext uri="{AF507438-7753-43E0-B8FC-AC1667EBCBE1}">
-              <a14:hiddenEffects xmlns:a14="http://schemas.microsoft.com/office/drawing/2010/main" xmlns="">
+              <a14:hiddenEffects xmlns="" xmlns:a14="http://schemas.microsoft.com/office/drawing/2010/main">
                 <a:effectLst>
                   <a:outerShdw dist="35921" dir="2700000" algn="ctr" rotWithShape="0">
                     <a:schemeClr val="bg2"/>
@@ -12605,7 +12617,7 @@
           <a:blip r:embed="rId4" cstate="print">
             <a:extLst>
               <a:ext uri="{28A0092B-C50C-407E-A947-70E740481C1C}">
-                <a14:useLocalDpi xmlns:a14="http://schemas.microsoft.com/office/drawing/2010/main" xmlns="" val="0"/>
+                <a14:useLocalDpi xmlns="" xmlns:a14="http://schemas.microsoft.com/office/drawing/2010/main" val="0"/>
               </a:ext>
             </a:extLst>
           </a:blip>
@@ -12629,14 +12641,14 @@
           <a:effectLst/>
           <a:extLst>
             <a:ext uri="{909E8E84-426E-40DD-AFC4-6F175D3DCCD1}">
-              <a14:hiddenFill xmlns:a14="http://schemas.microsoft.com/office/drawing/2010/main" xmlns="">
+              <a14:hiddenFill xmlns="" xmlns:a14="http://schemas.microsoft.com/office/drawing/2010/main">
                 <a:solidFill>
                   <a:schemeClr val="accent1"/>
                 </a:solidFill>
               </a14:hiddenFill>
             </a:ext>
             <a:ext uri="{91240B29-F687-4F45-9708-019B960494DF}">
-              <a14:hiddenLine xmlns:a14="http://schemas.microsoft.com/office/drawing/2010/main" xmlns="" w="9525">
+              <a14:hiddenLine xmlns="" xmlns:a14="http://schemas.microsoft.com/office/drawing/2010/main" w="9525">
                 <a:solidFill>
                   <a:schemeClr val="tx1"/>
                 </a:solidFill>
@@ -12646,7 +12658,7 @@
               </a14:hiddenLine>
             </a:ext>
             <a:ext uri="{AF507438-7753-43E0-B8FC-AC1667EBCBE1}">
-              <a14:hiddenEffects xmlns:a14="http://schemas.microsoft.com/office/drawing/2010/main" xmlns="">
+              <a14:hiddenEffects xmlns="" xmlns:a14="http://schemas.microsoft.com/office/drawing/2010/main">
                 <a:effectLst>
                   <a:outerShdw dist="35921" dir="2700000" algn="ctr" rotWithShape="0">
                     <a:schemeClr val="bg2"/>
@@ -12826,7 +12838,7 @@
           <a:blip r:embed="rId4" cstate="print">
             <a:extLst>
               <a:ext uri="{28A0092B-C50C-407E-A947-70E740481C1C}">
-                <a14:useLocalDpi xmlns:a14="http://schemas.microsoft.com/office/drawing/2010/main" xmlns="" val="0"/>
+                <a14:useLocalDpi xmlns="" xmlns:a14="http://schemas.microsoft.com/office/drawing/2010/main" val="0"/>
               </a:ext>
             </a:extLst>
           </a:blip>
@@ -12846,7 +12858,7 @@
           <a:noFill/>
           <a:extLst>
             <a:ext uri="{909E8E84-426E-40DD-AFC4-6F175D3DCCD1}">
-              <a14:hiddenFill xmlns:a14="http://schemas.microsoft.com/office/drawing/2010/main" xmlns="">
+              <a14:hiddenFill xmlns="" xmlns:a14="http://schemas.microsoft.com/office/drawing/2010/main">
                 <a:solidFill>
                   <a:srgbClr val="FFFFFF"/>
                 </a:solidFill>
@@ -12867,7 +12879,7 @@
           <a:blip r:embed="rId5" cstate="print">
             <a:extLst>
               <a:ext uri="{28A0092B-C50C-407E-A947-70E740481C1C}">
-                <a14:useLocalDpi xmlns:a14="http://schemas.microsoft.com/office/drawing/2010/main" xmlns="" val="0"/>
+                <a14:useLocalDpi xmlns="" xmlns:a14="http://schemas.microsoft.com/office/drawing/2010/main" val="0"/>
               </a:ext>
             </a:extLst>
           </a:blip>
@@ -12887,7 +12899,7 @@
           <a:noFill/>
           <a:extLst>
             <a:ext uri="{909E8E84-426E-40DD-AFC4-6F175D3DCCD1}">
-              <a14:hiddenFill xmlns:a14="http://schemas.microsoft.com/office/drawing/2010/main" xmlns="">
+              <a14:hiddenFill xmlns="" xmlns:a14="http://schemas.microsoft.com/office/drawing/2010/main">
                 <a:solidFill>
                   <a:srgbClr val="FFFFFF"/>
                 </a:solidFill>
@@ -12932,7 +12944,7 @@
           <a:blip r:embed="rId6" cstate="print">
             <a:extLst>
               <a:ext uri="{28A0092B-C50C-407E-A947-70E740481C1C}">
-                <a14:useLocalDpi xmlns:a14="http://schemas.microsoft.com/office/drawing/2010/main" xmlns="" val="0"/>
+                <a14:useLocalDpi xmlns="" xmlns:a14="http://schemas.microsoft.com/office/drawing/2010/main" val="0"/>
               </a:ext>
             </a:extLst>
           </a:blip>
@@ -12956,14 +12968,14 @@
           <a:effectLst/>
           <a:extLst>
             <a:ext uri="{909E8E84-426E-40DD-AFC4-6F175D3DCCD1}">
-              <a14:hiddenFill xmlns:a14="http://schemas.microsoft.com/office/drawing/2010/main" xmlns="">
+              <a14:hiddenFill xmlns="" xmlns:a14="http://schemas.microsoft.com/office/drawing/2010/main">
                 <a:solidFill>
                   <a:schemeClr val="accent1"/>
                 </a:solidFill>
               </a14:hiddenFill>
             </a:ext>
             <a:ext uri="{91240B29-F687-4F45-9708-019B960494DF}">
-              <a14:hiddenLine xmlns:a14="http://schemas.microsoft.com/office/drawing/2010/main" xmlns="" w="9525">
+              <a14:hiddenLine xmlns="" xmlns:a14="http://schemas.microsoft.com/office/drawing/2010/main" w="9525">
                 <a:solidFill>
                   <a:schemeClr val="tx1"/>
                 </a:solidFill>
@@ -12973,7 +12985,7 @@
               </a14:hiddenLine>
             </a:ext>
             <a:ext uri="{AF507438-7753-43E0-B8FC-AC1667EBCBE1}">
-              <a14:hiddenEffects xmlns:a14="http://schemas.microsoft.com/office/drawing/2010/main" xmlns="">
+              <a14:hiddenEffects xmlns="" xmlns:a14="http://schemas.microsoft.com/office/drawing/2010/main">
                 <a:effectLst>
                   <a:outerShdw dist="35921" dir="2700000" algn="ctr" rotWithShape="0">
                     <a:schemeClr val="bg2"/>
@@ -13114,7 +13126,7 @@
           <a:blip r:embed="rId3" cstate="print">
             <a:extLst>
               <a:ext uri="{28A0092B-C50C-407E-A947-70E740481C1C}">
-                <a14:useLocalDpi xmlns:a14="http://schemas.microsoft.com/office/drawing/2010/main" xmlns="" val="0"/>
+                <a14:useLocalDpi xmlns="" xmlns:a14="http://schemas.microsoft.com/office/drawing/2010/main" val="0"/>
               </a:ext>
             </a:extLst>
           </a:blip>
@@ -13134,7 +13146,7 @@
           <a:noFill/>
           <a:extLst>
             <a:ext uri="{909E8E84-426E-40DD-AFC4-6F175D3DCCD1}">
-              <a14:hiddenFill xmlns:a14="http://schemas.microsoft.com/office/drawing/2010/main" xmlns="">
+              <a14:hiddenFill xmlns="" xmlns:a14="http://schemas.microsoft.com/office/drawing/2010/main">
                 <a:solidFill>
                   <a:srgbClr val="FFFFFF"/>
                 </a:solidFill>
@@ -13155,7 +13167,7 @@
           <a:blip r:embed="rId4" cstate="print">
             <a:extLst>
               <a:ext uri="{28A0092B-C50C-407E-A947-70E740481C1C}">
-                <a14:useLocalDpi xmlns:a14="http://schemas.microsoft.com/office/drawing/2010/main" xmlns="" val="0"/>
+                <a14:useLocalDpi xmlns="" xmlns:a14="http://schemas.microsoft.com/office/drawing/2010/main" val="0"/>
               </a:ext>
             </a:extLst>
           </a:blip>
@@ -13175,7 +13187,7 @@
           <a:noFill/>
           <a:extLst>
             <a:ext uri="{909E8E84-426E-40DD-AFC4-6F175D3DCCD1}">
-              <a14:hiddenFill xmlns:a14="http://schemas.microsoft.com/office/drawing/2010/main" xmlns="">
+              <a14:hiddenFill xmlns="" xmlns:a14="http://schemas.microsoft.com/office/drawing/2010/main">
                 <a:solidFill>
                   <a:srgbClr val="FFFFFF"/>
                 </a:solidFill>
@@ -13220,7 +13232,7 @@
           <a:blip r:embed="rId5" cstate="print">
             <a:extLst>
               <a:ext uri="{28A0092B-C50C-407E-A947-70E740481C1C}">
-                <a14:useLocalDpi xmlns:a14="http://schemas.microsoft.com/office/drawing/2010/main" xmlns="" val="0"/>
+                <a14:useLocalDpi xmlns="" xmlns:a14="http://schemas.microsoft.com/office/drawing/2010/main" val="0"/>
               </a:ext>
             </a:extLst>
           </a:blip>
@@ -13244,14 +13256,14 @@
           <a:effectLst/>
           <a:extLst>
             <a:ext uri="{909E8E84-426E-40DD-AFC4-6F175D3DCCD1}">
-              <a14:hiddenFill xmlns:a14="http://schemas.microsoft.com/office/drawing/2010/main" xmlns="">
+              <a14:hiddenFill xmlns="" xmlns:a14="http://schemas.microsoft.com/office/drawing/2010/main">
                 <a:solidFill>
                   <a:schemeClr val="accent1"/>
                 </a:solidFill>
               </a14:hiddenFill>
             </a:ext>
             <a:ext uri="{91240B29-F687-4F45-9708-019B960494DF}">
-              <a14:hiddenLine xmlns:a14="http://schemas.microsoft.com/office/drawing/2010/main" xmlns="" w="9525">
+              <a14:hiddenLine xmlns="" xmlns:a14="http://schemas.microsoft.com/office/drawing/2010/main" w="9525">
                 <a:solidFill>
                   <a:schemeClr val="tx1"/>
                 </a:solidFill>
@@ -13261,7 +13273,7 @@
               </a14:hiddenLine>
             </a:ext>
             <a:ext uri="{AF507438-7753-43E0-B8FC-AC1667EBCBE1}">
-              <a14:hiddenEffects xmlns:a14="http://schemas.microsoft.com/office/drawing/2010/main" xmlns="">
+              <a14:hiddenEffects xmlns="" xmlns:a14="http://schemas.microsoft.com/office/drawing/2010/main">
                 <a:effectLst>
                   <a:outerShdw dist="35921" dir="2700000" algn="ctr" rotWithShape="0">
                     <a:schemeClr val="bg2"/>

--- a/presentation/Presentation.pptx
+++ b/presentation/Presentation.pptx
@@ -219,7 +219,7 @@
             <a:fld id="{46AE2E93-238A-4647-A316-9BD7FB9B2704}" type="datetimeFigureOut">
               <a:rPr lang="de-DE" smtClean="0"/>
               <a:pPr/>
-              <a:t>18.12.2012</a:t>
+              <a:t>19.12.2012</a:t>
             </a:fld>
             <a:endParaRPr lang="de-DE"/>
           </a:p>
@@ -295,7 +295,7 @@
     </p:spTree>
     <p:extLst>
       <p:ext uri="{BB962C8B-B14F-4D97-AF65-F5344CB8AC3E}">
-        <p14:creationId xmlns="" xmlns:p14="http://schemas.microsoft.com/office/powerpoint/2010/main" val="708347044"/>
+        <p14:creationId xmlns:p14="http://schemas.microsoft.com/office/powerpoint/2010/main" val="708347044"/>
       </p:ext>
     </p:extLst>
   </p:cSld>
@@ -387,7 +387,7 @@
             <a:fld id="{07362B95-C662-41FF-9568-06DA4A6A60C9}" type="datetimeFigureOut">
               <a:rPr lang="de-CH" smtClean="0"/>
               <a:pPr/>
-              <a:t>18.12.2012</a:t>
+              <a:t>19.12.2012</a:t>
             </a:fld>
             <a:endParaRPr lang="de-CH"/>
           </a:p>
@@ -558,7 +558,7 @@
     </p:spTree>
     <p:extLst>
       <p:ext uri="{BB962C8B-B14F-4D97-AF65-F5344CB8AC3E}">
-        <p14:creationId xmlns="" xmlns:p14="http://schemas.microsoft.com/office/powerpoint/2010/main" val="624665701"/>
+        <p14:creationId xmlns:p14="http://schemas.microsoft.com/office/powerpoint/2010/main" val="624665701"/>
       </p:ext>
     </p:extLst>
   </p:cSld>
@@ -832,7 +832,7 @@
     </p:spTree>
     <p:extLst>
       <p:ext uri="{BB962C8B-B14F-4D97-AF65-F5344CB8AC3E}">
-        <p14:creationId xmlns="" xmlns:p14="http://schemas.microsoft.com/office/powerpoint/2010/main" val="282664730"/>
+        <p14:creationId xmlns:p14="http://schemas.microsoft.com/office/powerpoint/2010/main" val="282664730"/>
       </p:ext>
     </p:extLst>
   </p:cSld>
@@ -925,7 +925,7 @@
     </p:spTree>
     <p:extLst>
       <p:ext uri="{BB962C8B-B14F-4D97-AF65-F5344CB8AC3E}">
-        <p14:creationId xmlns="" xmlns:p14="http://schemas.microsoft.com/office/powerpoint/2010/main" val="4061653966"/>
+        <p14:creationId xmlns:p14="http://schemas.microsoft.com/office/powerpoint/2010/main" val="4061653966"/>
       </p:ext>
     </p:extLst>
   </p:cSld>
@@ -1078,7 +1078,7 @@
     </p:spTree>
     <p:extLst>
       <p:ext uri="{BB962C8B-B14F-4D97-AF65-F5344CB8AC3E}">
-        <p14:creationId xmlns="" xmlns:p14="http://schemas.microsoft.com/office/powerpoint/2010/main" val="324696021"/>
+        <p14:creationId xmlns:p14="http://schemas.microsoft.com/office/powerpoint/2010/main" val="324696021"/>
       </p:ext>
     </p:extLst>
   </p:cSld>
@@ -2213,7 +2213,7 @@
     </p:spTree>
     <p:extLst>
       <p:ext uri="{BB962C8B-B14F-4D97-AF65-F5344CB8AC3E}">
-        <p14:creationId xmlns="" xmlns:p14="http://schemas.microsoft.com/office/powerpoint/2010/main" val="1419291677"/>
+        <p14:creationId xmlns:p14="http://schemas.microsoft.com/office/powerpoint/2010/main" val="1419291677"/>
       </p:ext>
     </p:extLst>
   </p:cSld>
@@ -2306,7 +2306,7 @@
     </p:spTree>
     <p:extLst>
       <p:ext uri="{BB962C8B-B14F-4D97-AF65-F5344CB8AC3E}">
-        <p14:creationId xmlns="" xmlns:p14="http://schemas.microsoft.com/office/powerpoint/2010/main" val="1364280645"/>
+        <p14:creationId xmlns:p14="http://schemas.microsoft.com/office/powerpoint/2010/main" val="1364280645"/>
       </p:ext>
     </p:extLst>
   </p:cSld>
@@ -2398,7 +2398,7 @@
     </p:spTree>
     <p:extLst>
       <p:ext uri="{BB962C8B-B14F-4D97-AF65-F5344CB8AC3E}">
-        <p14:creationId xmlns="" xmlns:p14="http://schemas.microsoft.com/office/powerpoint/2010/main" val="2930191362"/>
+        <p14:creationId xmlns:p14="http://schemas.microsoft.com/office/powerpoint/2010/main" val="2930191362"/>
       </p:ext>
     </p:extLst>
   </p:cSld>
@@ -2582,7 +2582,7 @@
             <a:fld id="{92112050-AFA2-427F-98E9-B501DF918C45}" type="datetime1">
               <a:rPr lang="de-CH" smtClean="0"/>
               <a:pPr/>
-              <a:t>18.12.2012</a:t>
+              <a:t>19.12.2012</a:t>
             </a:fld>
             <a:endParaRPr lang="de-CH"/>
           </a:p>
@@ -2749,7 +2749,7 @@
             <a:fld id="{2387D883-9F0E-4FF7-9930-5AAF2D21224D}" type="datetime1">
               <a:rPr lang="de-CH" smtClean="0"/>
               <a:pPr/>
-              <a:t>18.12.2012</a:t>
+              <a:t>19.12.2012</a:t>
             </a:fld>
             <a:endParaRPr lang="de-CH"/>
           </a:p>
@@ -2926,7 +2926,7 @@
             <a:fld id="{3C5FDF7D-CC4C-4828-BC8F-E67062F49AAD}" type="datetime1">
               <a:rPr lang="de-CH" smtClean="0"/>
               <a:pPr/>
-              <a:t>18.12.2012</a:t>
+              <a:t>19.12.2012</a:t>
             </a:fld>
             <a:endParaRPr lang="de-CH"/>
           </a:p>
@@ -3093,7 +3093,7 @@
             <a:fld id="{4C3D1A33-7F07-47E6-96C8-6720C053A5CA}" type="datetime1">
               <a:rPr lang="de-CH" smtClean="0"/>
               <a:pPr/>
-              <a:t>18.12.2012</a:t>
+              <a:t>19.12.2012</a:t>
             </a:fld>
             <a:endParaRPr lang="de-CH"/>
           </a:p>
@@ -3337,7 +3337,7 @@
             <a:fld id="{0C8B7656-A1A3-41B9-86D0-B0DE94C36F89}" type="datetime1">
               <a:rPr lang="de-CH" smtClean="0"/>
               <a:pPr/>
-              <a:t>18.12.2012</a:t>
+              <a:t>19.12.2012</a:t>
             </a:fld>
             <a:endParaRPr lang="de-CH"/>
           </a:p>
@@ -3603,7 +3603,7 @@
             <a:fld id="{49252577-7323-4FE2-AE78-CE1CDCED9B4D}" type="datetime1">
               <a:rPr lang="de-CH" smtClean="0"/>
               <a:pPr/>
-              <a:t>18.12.2012</a:t>
+              <a:t>19.12.2012</a:t>
             </a:fld>
             <a:endParaRPr lang="de-CH"/>
           </a:p>
@@ -3983,7 +3983,7 @@
             <a:fld id="{2A683E61-0BDD-488C-B871-FE0AB012648F}" type="datetime1">
               <a:rPr lang="de-CH" smtClean="0"/>
               <a:pPr/>
-              <a:t>18.12.2012</a:t>
+              <a:t>19.12.2012</a:t>
             </a:fld>
             <a:endParaRPr lang="de-CH"/>
           </a:p>
@@ -4135,7 +4135,7 @@
             <a:fld id="{3074B883-69AB-4BE5-BFC9-54B1886DD07F}" type="datetime1">
               <a:rPr lang="de-CH" smtClean="0"/>
               <a:pPr/>
-              <a:t>18.12.2012</a:t>
+              <a:t>19.12.2012</a:t>
             </a:fld>
             <a:endParaRPr lang="de-CH"/>
           </a:p>
@@ -4227,7 +4227,7 @@
             <a:fld id="{1D28F5F5-C391-4ACC-A8A2-D41CAC11D517}" type="datetime1">
               <a:rPr lang="de-CH" smtClean="0"/>
               <a:pPr/>
-              <a:t>18.12.2012</a:t>
+              <a:t>19.12.2012</a:t>
             </a:fld>
             <a:endParaRPr lang="de-CH"/>
           </a:p>
@@ -4490,7 +4490,7 @@
             <a:fld id="{8B5F25CD-7FF0-4086-BF7C-733BF57F8BC0}" type="datetime1">
               <a:rPr lang="de-CH" smtClean="0"/>
               <a:pPr/>
-              <a:t>18.12.2012</a:t>
+              <a:t>19.12.2012</a:t>
             </a:fld>
             <a:endParaRPr lang="de-CH"/>
           </a:p>
@@ -4780,7 +4780,7 @@
             <a:fld id="{F97A654A-6E10-44F8-97E8-8DDED38E1F49}" type="datetime1">
               <a:rPr lang="de-CH" smtClean="0"/>
               <a:pPr/>
-              <a:t>18.12.2012</a:t>
+              <a:t>19.12.2012</a:t>
             </a:fld>
             <a:endParaRPr lang="de-CH"/>
           </a:p>
@@ -5553,7 +5553,7 @@
             <a:fld id="{B882E923-6442-42FD-B9AB-941B86D2204C}" type="datetime1">
               <a:rPr lang="de-CH" smtClean="0"/>
               <a:pPr/>
-              <a:t>18.12.2012</a:t>
+              <a:t>19.12.2012</a:t>
             </a:fld>
             <a:endParaRPr lang="de-CH"/>
           </a:p>
@@ -6471,7 +6471,7 @@
           <a:blip r:embed="rId3" cstate="print">
             <a:extLst>
               <a:ext uri="{28A0092B-C50C-407E-A947-70E740481C1C}">
-                <a14:useLocalDpi xmlns="" xmlns:a14="http://schemas.microsoft.com/office/drawing/2010/main" val="0"/>
+                <a14:useLocalDpi xmlns:a14="http://schemas.microsoft.com/office/drawing/2010/main" val="0"/>
               </a:ext>
             </a:extLst>
           </a:blip>
@@ -6495,14 +6495,14 @@
           <a:effectLst/>
           <a:extLst>
             <a:ext uri="{909E8E84-426E-40DD-AFC4-6F175D3DCCD1}">
-              <a14:hiddenFill xmlns="" xmlns:a14="http://schemas.microsoft.com/office/drawing/2010/main">
+              <a14:hiddenFill xmlns:a14="http://schemas.microsoft.com/office/drawing/2010/main">
                 <a:solidFill>
                   <a:schemeClr val="accent1"/>
                 </a:solidFill>
               </a14:hiddenFill>
             </a:ext>
             <a:ext uri="{91240B29-F687-4F45-9708-019B960494DF}">
-              <a14:hiddenLine xmlns="" xmlns:a14="http://schemas.microsoft.com/office/drawing/2010/main" w="9525">
+              <a14:hiddenLine xmlns:a14="http://schemas.microsoft.com/office/drawing/2010/main" w="9525">
                 <a:solidFill>
                   <a:schemeClr val="tx1"/>
                 </a:solidFill>
@@ -6512,7 +6512,7 @@
               </a14:hiddenLine>
             </a:ext>
             <a:ext uri="{AF507438-7753-43E0-B8FC-AC1667EBCBE1}">
-              <a14:hiddenEffects xmlns="" xmlns:a14="http://schemas.microsoft.com/office/drawing/2010/main">
+              <a14:hiddenEffects xmlns:a14="http://schemas.microsoft.com/office/drawing/2010/main">
                 <a:effectLst>
                   <a:outerShdw dist="35921" dir="2700000" algn="ctr" rotWithShape="0">
                     <a:schemeClr val="bg2"/>
@@ -6535,7 +6535,7 @@
           <a:blip r:embed="rId4" cstate="print">
             <a:extLst>
               <a:ext uri="{28A0092B-C50C-407E-A947-70E740481C1C}">
-                <a14:useLocalDpi xmlns="" xmlns:a14="http://schemas.microsoft.com/office/drawing/2010/main" val="0"/>
+                <a14:useLocalDpi xmlns:a14="http://schemas.microsoft.com/office/drawing/2010/main" val="0"/>
               </a:ext>
             </a:extLst>
           </a:blip>
@@ -6555,7 +6555,7 @@
           <a:noFill/>
           <a:extLst>
             <a:ext uri="{909E8E84-426E-40DD-AFC4-6F175D3DCCD1}">
-              <a14:hiddenFill xmlns="" xmlns:a14="http://schemas.microsoft.com/office/drawing/2010/main">
+              <a14:hiddenFill xmlns:a14="http://schemas.microsoft.com/office/drawing/2010/main">
                 <a:solidFill>
                   <a:srgbClr val="FFFFFF"/>
                 </a:solidFill>
@@ -6600,7 +6600,7 @@
           <a:blip r:embed="rId5" cstate="print">
             <a:extLst>
               <a:ext uri="{28A0092B-C50C-407E-A947-70E740481C1C}">
-                <a14:useLocalDpi xmlns="" xmlns:a14="http://schemas.microsoft.com/office/drawing/2010/main" val="0"/>
+                <a14:useLocalDpi xmlns:a14="http://schemas.microsoft.com/office/drawing/2010/main" val="0"/>
               </a:ext>
             </a:extLst>
           </a:blip>
@@ -6624,14 +6624,14 @@
           <a:effectLst/>
           <a:extLst>
             <a:ext uri="{909E8E84-426E-40DD-AFC4-6F175D3DCCD1}">
-              <a14:hiddenFill xmlns="" xmlns:a14="http://schemas.microsoft.com/office/drawing/2010/main">
+              <a14:hiddenFill xmlns:a14="http://schemas.microsoft.com/office/drawing/2010/main">
                 <a:solidFill>
                   <a:schemeClr val="accent1"/>
                 </a:solidFill>
               </a14:hiddenFill>
             </a:ext>
             <a:ext uri="{91240B29-F687-4F45-9708-019B960494DF}">
-              <a14:hiddenLine xmlns="" xmlns:a14="http://schemas.microsoft.com/office/drawing/2010/main" w="9525">
+              <a14:hiddenLine xmlns:a14="http://schemas.microsoft.com/office/drawing/2010/main" w="9525">
                 <a:solidFill>
                   <a:schemeClr val="tx1"/>
                 </a:solidFill>
@@ -6641,7 +6641,7 @@
               </a14:hiddenLine>
             </a:ext>
             <a:ext uri="{AF507438-7753-43E0-B8FC-AC1667EBCBE1}">
-              <a14:hiddenEffects xmlns="" xmlns:a14="http://schemas.microsoft.com/office/drawing/2010/main">
+              <a14:hiddenEffects xmlns:a14="http://schemas.microsoft.com/office/drawing/2010/main">
                 <a:effectLst>
                   <a:outerShdw dist="35921" dir="2700000" algn="ctr" rotWithShape="0">
                     <a:schemeClr val="bg2"/>
@@ -6784,7 +6784,7 @@
           <a:blip r:embed="rId3" cstate="print">
             <a:extLst>
               <a:ext uri="{28A0092B-C50C-407E-A947-70E740481C1C}">
-                <a14:useLocalDpi xmlns="" xmlns:a14="http://schemas.microsoft.com/office/drawing/2010/main" val="0"/>
+                <a14:useLocalDpi xmlns:a14="http://schemas.microsoft.com/office/drawing/2010/main" val="0"/>
               </a:ext>
             </a:extLst>
           </a:blip>
@@ -6808,14 +6808,14 @@
           <a:effectLst/>
           <a:extLst>
             <a:ext uri="{909E8E84-426E-40DD-AFC4-6F175D3DCCD1}">
-              <a14:hiddenFill xmlns="" xmlns:a14="http://schemas.microsoft.com/office/drawing/2010/main">
+              <a14:hiddenFill xmlns:a14="http://schemas.microsoft.com/office/drawing/2010/main">
                 <a:solidFill>
                   <a:schemeClr val="accent1"/>
                 </a:solidFill>
               </a14:hiddenFill>
             </a:ext>
             <a:ext uri="{91240B29-F687-4F45-9708-019B960494DF}">
-              <a14:hiddenLine xmlns="" xmlns:a14="http://schemas.microsoft.com/office/drawing/2010/main" w="9525">
+              <a14:hiddenLine xmlns:a14="http://schemas.microsoft.com/office/drawing/2010/main" w="9525">
                 <a:solidFill>
                   <a:schemeClr val="tx1"/>
                 </a:solidFill>
@@ -6825,7 +6825,7 @@
               </a14:hiddenLine>
             </a:ext>
             <a:ext uri="{AF507438-7753-43E0-B8FC-AC1667EBCBE1}">
-              <a14:hiddenEffects xmlns="" xmlns:a14="http://schemas.microsoft.com/office/drawing/2010/main">
+              <a14:hiddenEffects xmlns:a14="http://schemas.microsoft.com/office/drawing/2010/main">
                 <a:effectLst>
                   <a:outerShdw dist="35921" dir="2700000" algn="ctr" rotWithShape="0">
                     <a:schemeClr val="bg2"/>
@@ -6848,7 +6848,7 @@
           <a:blip r:embed="rId4" cstate="print">
             <a:extLst>
               <a:ext uri="{28A0092B-C50C-407E-A947-70E740481C1C}">
-                <a14:useLocalDpi xmlns="" xmlns:a14="http://schemas.microsoft.com/office/drawing/2010/main" val="0"/>
+                <a14:useLocalDpi xmlns:a14="http://schemas.microsoft.com/office/drawing/2010/main" val="0"/>
               </a:ext>
             </a:extLst>
           </a:blip>
@@ -6868,7 +6868,7 @@
           <a:noFill/>
           <a:extLst>
             <a:ext uri="{909E8E84-426E-40DD-AFC4-6F175D3DCCD1}">
-              <a14:hiddenFill xmlns="" xmlns:a14="http://schemas.microsoft.com/office/drawing/2010/main">
+              <a14:hiddenFill xmlns:a14="http://schemas.microsoft.com/office/drawing/2010/main">
                 <a:solidFill>
                   <a:srgbClr val="FFFFFF"/>
                 </a:solidFill>
@@ -6913,7 +6913,7 @@
           <a:blip r:embed="rId5" cstate="print">
             <a:extLst>
               <a:ext uri="{28A0092B-C50C-407E-A947-70E740481C1C}">
-                <a14:useLocalDpi xmlns="" xmlns:a14="http://schemas.microsoft.com/office/drawing/2010/main" val="0"/>
+                <a14:useLocalDpi xmlns:a14="http://schemas.microsoft.com/office/drawing/2010/main" val="0"/>
               </a:ext>
             </a:extLst>
           </a:blip>
@@ -6937,14 +6937,14 @@
           <a:effectLst/>
           <a:extLst>
             <a:ext uri="{909E8E84-426E-40DD-AFC4-6F175D3DCCD1}">
-              <a14:hiddenFill xmlns="" xmlns:a14="http://schemas.microsoft.com/office/drawing/2010/main">
+              <a14:hiddenFill xmlns:a14="http://schemas.microsoft.com/office/drawing/2010/main">
                 <a:solidFill>
                   <a:schemeClr val="accent1"/>
                 </a:solidFill>
               </a14:hiddenFill>
             </a:ext>
             <a:ext uri="{91240B29-F687-4F45-9708-019B960494DF}">
-              <a14:hiddenLine xmlns="" xmlns:a14="http://schemas.microsoft.com/office/drawing/2010/main" w="9525">
+              <a14:hiddenLine xmlns:a14="http://schemas.microsoft.com/office/drawing/2010/main" w="9525">
                 <a:solidFill>
                   <a:schemeClr val="tx1"/>
                 </a:solidFill>
@@ -6954,7 +6954,7 @@
               </a14:hiddenLine>
             </a:ext>
             <a:ext uri="{AF507438-7753-43E0-B8FC-AC1667EBCBE1}">
-              <a14:hiddenEffects xmlns="" xmlns:a14="http://schemas.microsoft.com/office/drawing/2010/main">
+              <a14:hiddenEffects xmlns:a14="http://schemas.microsoft.com/office/drawing/2010/main">
                 <a:effectLst>
                   <a:outerShdw dist="35921" dir="2700000" algn="ctr" rotWithShape="0">
                     <a:schemeClr val="bg2"/>
@@ -7281,7 +7281,7 @@
           <a:blip r:embed="rId3" cstate="print">
             <a:extLst>
               <a:ext uri="{28A0092B-C50C-407E-A947-70E740481C1C}">
-                <a14:useLocalDpi xmlns="" xmlns:a14="http://schemas.microsoft.com/office/drawing/2010/main" val="0"/>
+                <a14:useLocalDpi xmlns:a14="http://schemas.microsoft.com/office/drawing/2010/main" val="0"/>
               </a:ext>
             </a:extLst>
           </a:blip>
@@ -7305,14 +7305,14 @@
           <a:effectLst/>
           <a:extLst>
             <a:ext uri="{909E8E84-426E-40DD-AFC4-6F175D3DCCD1}">
-              <a14:hiddenFill xmlns="" xmlns:a14="http://schemas.microsoft.com/office/drawing/2010/main">
+              <a14:hiddenFill xmlns:a14="http://schemas.microsoft.com/office/drawing/2010/main">
                 <a:solidFill>
                   <a:schemeClr val="accent1"/>
                 </a:solidFill>
               </a14:hiddenFill>
             </a:ext>
             <a:ext uri="{91240B29-F687-4F45-9708-019B960494DF}">
-              <a14:hiddenLine xmlns="" xmlns:a14="http://schemas.microsoft.com/office/drawing/2010/main" w="9525">
+              <a14:hiddenLine xmlns:a14="http://schemas.microsoft.com/office/drawing/2010/main" w="9525">
                 <a:solidFill>
                   <a:schemeClr val="tx1"/>
                 </a:solidFill>
@@ -7322,7 +7322,7 @@
               </a14:hiddenLine>
             </a:ext>
             <a:ext uri="{AF507438-7753-43E0-B8FC-AC1667EBCBE1}">
-              <a14:hiddenEffects xmlns="" xmlns:a14="http://schemas.microsoft.com/office/drawing/2010/main">
+              <a14:hiddenEffects xmlns:a14="http://schemas.microsoft.com/office/drawing/2010/main">
                 <a:effectLst>
                   <a:outerShdw dist="35921" dir="2700000" algn="ctr" rotWithShape="0">
                     <a:schemeClr val="bg2"/>
@@ -7516,7 +7516,7 @@
           <a:blip r:embed="rId3" cstate="print">
             <a:extLst>
               <a:ext uri="{28A0092B-C50C-407E-A947-70E740481C1C}">
-                <a14:useLocalDpi xmlns="" xmlns:a14="http://schemas.microsoft.com/office/drawing/2010/main" val="0"/>
+                <a14:useLocalDpi xmlns:a14="http://schemas.microsoft.com/office/drawing/2010/main" val="0"/>
               </a:ext>
             </a:extLst>
           </a:blip>
@@ -7536,7 +7536,7 @@
           <a:noFill/>
           <a:extLst>
             <a:ext uri="{909E8E84-426E-40DD-AFC4-6F175D3DCCD1}">
-              <a14:hiddenFill xmlns="" xmlns:a14="http://schemas.microsoft.com/office/drawing/2010/main">
+              <a14:hiddenFill xmlns:a14="http://schemas.microsoft.com/office/drawing/2010/main">
                 <a:solidFill>
                   <a:srgbClr val="FFFFFF"/>
                 </a:solidFill>
@@ -7581,7 +7581,7 @@
           <a:blip r:embed="rId4" cstate="print">
             <a:extLst>
               <a:ext uri="{28A0092B-C50C-407E-A947-70E740481C1C}">
-                <a14:useLocalDpi xmlns="" xmlns:a14="http://schemas.microsoft.com/office/drawing/2010/main" val="0"/>
+                <a14:useLocalDpi xmlns:a14="http://schemas.microsoft.com/office/drawing/2010/main" val="0"/>
               </a:ext>
             </a:extLst>
           </a:blip>
@@ -7605,14 +7605,14 @@
           <a:effectLst/>
           <a:extLst>
             <a:ext uri="{909E8E84-426E-40DD-AFC4-6F175D3DCCD1}">
-              <a14:hiddenFill xmlns="" xmlns:a14="http://schemas.microsoft.com/office/drawing/2010/main">
+              <a14:hiddenFill xmlns:a14="http://schemas.microsoft.com/office/drawing/2010/main">
                 <a:solidFill>
                   <a:schemeClr val="accent1"/>
                 </a:solidFill>
               </a14:hiddenFill>
             </a:ext>
             <a:ext uri="{91240B29-F687-4F45-9708-019B960494DF}">
-              <a14:hiddenLine xmlns="" xmlns:a14="http://schemas.microsoft.com/office/drawing/2010/main" w="9525">
+              <a14:hiddenLine xmlns:a14="http://schemas.microsoft.com/office/drawing/2010/main" w="9525">
                 <a:solidFill>
                   <a:schemeClr val="tx1"/>
                 </a:solidFill>
@@ -7622,13 +7622,54 @@
               </a14:hiddenLine>
             </a:ext>
             <a:ext uri="{AF507438-7753-43E0-B8FC-AC1667EBCBE1}">
-              <a14:hiddenEffects xmlns="" xmlns:a14="http://schemas.microsoft.com/office/drawing/2010/main">
+              <a14:hiddenEffects xmlns:a14="http://schemas.microsoft.com/office/drawing/2010/main">
                 <a:effectLst>
                   <a:outerShdw dist="35921" dir="2700000" algn="ctr" rotWithShape="0">
                     <a:schemeClr val="bg2"/>
                   </a:outerShdw>
                 </a:effectLst>
               </a14:hiddenEffects>
+            </a:ext>
+          </a:extLst>
+        </p:spPr>
+      </p:pic>
+      <p:pic>
+        <p:nvPicPr>
+          <p:cNvPr id="1026" name="Picture 2" descr="C:\Users\mini-shafall\Desktop\Capture.PNG"/>
+          <p:cNvPicPr>
+            <a:picLocks noChangeAspect="1" noChangeArrowheads="1"/>
+          </p:cNvPicPr>
+          <p:nvPr/>
+        </p:nvPicPr>
+        <p:blipFill>
+          <a:blip r:embed="rId5">
+            <a:extLst>
+              <a:ext uri="{28A0092B-C50C-407E-A947-70E740481C1C}">
+                <a14:useLocalDpi xmlns:a14="http://schemas.microsoft.com/office/drawing/2010/main" val="0"/>
+              </a:ext>
+            </a:extLst>
+          </a:blip>
+          <a:srcRect/>
+          <a:stretch>
+            <a:fillRect/>
+          </a:stretch>
+        </p:blipFill>
+        <p:spPr bwMode="auto">
+          <a:xfrm>
+            <a:off x="7706816" y="2276872"/>
+            <a:ext cx="609600" cy="3533775"/>
+          </a:xfrm>
+          <a:prstGeom prst="rect">
+            <a:avLst/>
+          </a:prstGeom>
+          <a:noFill/>
+          <a:extLst>
+            <a:ext uri="{909E8E84-426E-40DD-AFC4-6F175D3DCCD1}">
+              <a14:hiddenFill xmlns:a14="http://schemas.microsoft.com/office/drawing/2010/main">
+                <a:solidFill>
+                  <a:srgbClr val="FFFFFF"/>
+                </a:solidFill>
+              </a14:hiddenFill>
             </a:ext>
           </a:extLst>
         </p:spPr>
@@ -7704,7 +7745,7 @@
           <a:blip r:embed="rId2" cstate="print">
             <a:extLst>
               <a:ext uri="{28A0092B-C50C-407E-A947-70E740481C1C}">
-                <a14:useLocalDpi xmlns="" xmlns:a14="http://schemas.microsoft.com/office/drawing/2010/main" val="0"/>
+                <a14:useLocalDpi xmlns:a14="http://schemas.microsoft.com/office/drawing/2010/main" val="0"/>
               </a:ext>
             </a:extLst>
           </a:blip>
@@ -7724,7 +7765,7 @@
           <a:noFill/>
           <a:extLst>
             <a:ext uri="{909E8E84-426E-40DD-AFC4-6F175D3DCCD1}">
-              <a14:hiddenFill xmlns="" xmlns:a14="http://schemas.microsoft.com/office/drawing/2010/main">
+              <a14:hiddenFill xmlns:a14="http://schemas.microsoft.com/office/drawing/2010/main">
                 <a:solidFill>
                   <a:srgbClr val="FFFFFF"/>
                 </a:solidFill>
@@ -7769,7 +7810,7 @@
           <a:blip r:embed="rId3" cstate="print">
             <a:extLst>
               <a:ext uri="{28A0092B-C50C-407E-A947-70E740481C1C}">
-                <a14:useLocalDpi xmlns="" xmlns:a14="http://schemas.microsoft.com/office/drawing/2010/main" val="0"/>
+                <a14:useLocalDpi xmlns:a14="http://schemas.microsoft.com/office/drawing/2010/main" val="0"/>
               </a:ext>
             </a:extLst>
           </a:blip>
@@ -7793,14 +7834,14 @@
           <a:effectLst/>
           <a:extLst>
             <a:ext uri="{909E8E84-426E-40DD-AFC4-6F175D3DCCD1}">
-              <a14:hiddenFill xmlns="" xmlns:a14="http://schemas.microsoft.com/office/drawing/2010/main">
+              <a14:hiddenFill xmlns:a14="http://schemas.microsoft.com/office/drawing/2010/main">
                 <a:solidFill>
                   <a:schemeClr val="accent1"/>
                 </a:solidFill>
               </a14:hiddenFill>
             </a:ext>
             <a:ext uri="{91240B29-F687-4F45-9708-019B960494DF}">
-              <a14:hiddenLine xmlns="" xmlns:a14="http://schemas.microsoft.com/office/drawing/2010/main" w="9525">
+              <a14:hiddenLine xmlns:a14="http://schemas.microsoft.com/office/drawing/2010/main" w="9525">
                 <a:solidFill>
                   <a:schemeClr val="tx1"/>
                 </a:solidFill>
@@ -7810,7 +7851,7 @@
               </a14:hiddenLine>
             </a:ext>
             <a:ext uri="{AF507438-7753-43E0-B8FC-AC1667EBCBE1}">
-              <a14:hiddenEffects xmlns="" xmlns:a14="http://schemas.microsoft.com/office/drawing/2010/main">
+              <a14:hiddenEffects xmlns:a14="http://schemas.microsoft.com/office/drawing/2010/main">
                 <a:effectLst>
                   <a:outerShdw dist="35921" dir="2700000" algn="ctr" rotWithShape="0">
                     <a:schemeClr val="bg2"/>
@@ -7824,7 +7865,7 @@
     </p:spTree>
     <p:extLst>
       <p:ext uri="{BB962C8B-B14F-4D97-AF65-F5344CB8AC3E}">
-        <p14:creationId xmlns="" xmlns:p14="http://schemas.microsoft.com/office/powerpoint/2010/main" val="1616343719"/>
+        <p14:creationId xmlns:p14="http://schemas.microsoft.com/office/powerpoint/2010/main" val="1616343719"/>
       </p:ext>
     </p:extLst>
   </p:cSld>
@@ -8217,7 +8258,7 @@
           <a:blip r:embed="rId2" cstate="print">
             <a:extLst>
               <a:ext uri="{28A0092B-C50C-407E-A947-70E740481C1C}">
-                <a14:useLocalDpi xmlns="" xmlns:a14="http://schemas.microsoft.com/office/drawing/2010/main" val="0"/>
+                <a14:useLocalDpi xmlns:a14="http://schemas.microsoft.com/office/drawing/2010/main" val="0"/>
               </a:ext>
             </a:extLst>
           </a:blip>
@@ -8241,14 +8282,14 @@
           <a:effectLst/>
           <a:extLst>
             <a:ext uri="{909E8E84-426E-40DD-AFC4-6F175D3DCCD1}">
-              <a14:hiddenFill xmlns="" xmlns:a14="http://schemas.microsoft.com/office/drawing/2010/main">
+              <a14:hiddenFill xmlns:a14="http://schemas.microsoft.com/office/drawing/2010/main">
                 <a:solidFill>
                   <a:schemeClr val="accent1"/>
                 </a:solidFill>
               </a14:hiddenFill>
             </a:ext>
             <a:ext uri="{91240B29-F687-4F45-9708-019B960494DF}">
-              <a14:hiddenLine xmlns="" xmlns:a14="http://schemas.microsoft.com/office/drawing/2010/main" w="9525">
+              <a14:hiddenLine xmlns:a14="http://schemas.microsoft.com/office/drawing/2010/main" w="9525">
                 <a:solidFill>
                   <a:schemeClr val="tx1"/>
                 </a:solidFill>
@@ -8258,7 +8299,7 @@
               </a14:hiddenLine>
             </a:ext>
             <a:ext uri="{AF507438-7753-43E0-B8FC-AC1667EBCBE1}">
-              <a14:hiddenEffects xmlns="" xmlns:a14="http://schemas.microsoft.com/office/drawing/2010/main">
+              <a14:hiddenEffects xmlns:a14="http://schemas.microsoft.com/office/drawing/2010/main">
                 <a:effectLst>
                   <a:outerShdw dist="35921" dir="2700000" algn="ctr" rotWithShape="0">
                     <a:schemeClr val="bg2"/>
@@ -8453,7 +8494,7 @@
           <a:blip r:embed="rId3" cstate="print">
             <a:extLst>
               <a:ext uri="{28A0092B-C50C-407E-A947-70E740481C1C}">
-                <a14:useLocalDpi xmlns="" xmlns:a14="http://schemas.microsoft.com/office/drawing/2010/main" val="0"/>
+                <a14:useLocalDpi xmlns:a14="http://schemas.microsoft.com/office/drawing/2010/main" val="0"/>
               </a:ext>
             </a:extLst>
           </a:blip>
@@ -8477,14 +8518,14 @@
           <a:effectLst/>
           <a:extLst>
             <a:ext uri="{909E8E84-426E-40DD-AFC4-6F175D3DCCD1}">
-              <a14:hiddenFill xmlns="" xmlns:a14="http://schemas.microsoft.com/office/drawing/2010/main">
+              <a14:hiddenFill xmlns:a14="http://schemas.microsoft.com/office/drawing/2010/main">
                 <a:solidFill>
                   <a:schemeClr val="accent1"/>
                 </a:solidFill>
               </a14:hiddenFill>
             </a:ext>
             <a:ext uri="{91240B29-F687-4F45-9708-019B960494DF}">
-              <a14:hiddenLine xmlns="" xmlns:a14="http://schemas.microsoft.com/office/drawing/2010/main" w="9525">
+              <a14:hiddenLine xmlns:a14="http://schemas.microsoft.com/office/drawing/2010/main" w="9525">
                 <a:solidFill>
                   <a:schemeClr val="tx1"/>
                 </a:solidFill>
@@ -8494,7 +8535,7 @@
               </a14:hiddenLine>
             </a:ext>
             <a:ext uri="{AF507438-7753-43E0-B8FC-AC1667EBCBE1}">
-              <a14:hiddenEffects xmlns="" xmlns:a14="http://schemas.microsoft.com/office/drawing/2010/main">
+              <a14:hiddenEffects xmlns:a14="http://schemas.microsoft.com/office/drawing/2010/main">
                 <a:effectLst>
                   <a:outerShdw dist="35921" dir="2700000" algn="ctr" rotWithShape="0">
                     <a:schemeClr val="bg2"/>
@@ -8867,7 +8908,7 @@
           <a:blip r:embed="rId3" cstate="print">
             <a:extLst>
               <a:ext uri="{28A0092B-C50C-407E-A947-70E740481C1C}">
-                <a14:useLocalDpi xmlns="" xmlns:a14="http://schemas.microsoft.com/office/drawing/2010/main" val="0"/>
+                <a14:useLocalDpi xmlns:a14="http://schemas.microsoft.com/office/drawing/2010/main" val="0"/>
               </a:ext>
             </a:extLst>
           </a:blip>
@@ -8891,14 +8932,14 @@
           <a:effectLst/>
           <a:extLst>
             <a:ext uri="{909E8E84-426E-40DD-AFC4-6F175D3DCCD1}">
-              <a14:hiddenFill xmlns="" xmlns:a14="http://schemas.microsoft.com/office/drawing/2010/main">
+              <a14:hiddenFill xmlns:a14="http://schemas.microsoft.com/office/drawing/2010/main">
                 <a:solidFill>
                   <a:schemeClr val="accent1"/>
                 </a:solidFill>
               </a14:hiddenFill>
             </a:ext>
             <a:ext uri="{91240B29-F687-4F45-9708-019B960494DF}">
-              <a14:hiddenLine xmlns="" xmlns:a14="http://schemas.microsoft.com/office/drawing/2010/main" w="9525">
+              <a14:hiddenLine xmlns:a14="http://schemas.microsoft.com/office/drawing/2010/main" w="9525">
                 <a:solidFill>
                   <a:schemeClr val="tx1"/>
                 </a:solidFill>
@@ -8908,7 +8949,7 @@
               </a14:hiddenLine>
             </a:ext>
             <a:ext uri="{AF507438-7753-43E0-B8FC-AC1667EBCBE1}">
-              <a14:hiddenEffects xmlns="" xmlns:a14="http://schemas.microsoft.com/office/drawing/2010/main">
+              <a14:hiddenEffects xmlns:a14="http://schemas.microsoft.com/office/drawing/2010/main">
                 <a:effectLst>
                   <a:outerShdw dist="35921" dir="2700000" algn="ctr" rotWithShape="0">
                     <a:schemeClr val="bg2"/>
@@ -9064,7 +9105,7 @@
           <a:blip r:embed="rId3" cstate="print">
             <a:extLst>
               <a:ext uri="{28A0092B-C50C-407E-A947-70E740481C1C}">
-                <a14:useLocalDpi xmlns="" xmlns:a14="http://schemas.microsoft.com/office/drawing/2010/main" val="0"/>
+                <a14:useLocalDpi xmlns:a14="http://schemas.microsoft.com/office/drawing/2010/main" val="0"/>
               </a:ext>
             </a:extLst>
           </a:blip>
@@ -9088,14 +9129,14 @@
           <a:effectLst/>
           <a:extLst>
             <a:ext uri="{909E8E84-426E-40DD-AFC4-6F175D3DCCD1}">
-              <a14:hiddenFill xmlns="" xmlns:a14="http://schemas.microsoft.com/office/drawing/2010/main">
+              <a14:hiddenFill xmlns:a14="http://schemas.microsoft.com/office/drawing/2010/main">
                 <a:solidFill>
                   <a:schemeClr val="accent1"/>
                 </a:solidFill>
               </a14:hiddenFill>
             </a:ext>
             <a:ext uri="{91240B29-F687-4F45-9708-019B960494DF}">
-              <a14:hiddenLine xmlns="" xmlns:a14="http://schemas.microsoft.com/office/drawing/2010/main" w="9525">
+              <a14:hiddenLine xmlns:a14="http://schemas.microsoft.com/office/drawing/2010/main" w="9525">
                 <a:solidFill>
                   <a:schemeClr val="tx1"/>
                 </a:solidFill>
@@ -9105,7 +9146,7 @@
               </a14:hiddenLine>
             </a:ext>
             <a:ext uri="{AF507438-7753-43E0-B8FC-AC1667EBCBE1}">
-              <a14:hiddenEffects xmlns="" xmlns:a14="http://schemas.microsoft.com/office/drawing/2010/main">
+              <a14:hiddenEffects xmlns:a14="http://schemas.microsoft.com/office/drawing/2010/main">
                 <a:effectLst>
                   <a:outerShdw dist="35921" dir="2700000" algn="ctr" rotWithShape="0">
                     <a:schemeClr val="bg2"/>
@@ -9261,7 +9302,7 @@
           <a:blip r:embed="rId3" cstate="print">
             <a:extLst>
               <a:ext uri="{28A0092B-C50C-407E-A947-70E740481C1C}">
-                <a14:useLocalDpi xmlns="" xmlns:a14="http://schemas.microsoft.com/office/drawing/2010/main" val="0"/>
+                <a14:useLocalDpi xmlns:a14="http://schemas.microsoft.com/office/drawing/2010/main" val="0"/>
               </a:ext>
             </a:extLst>
           </a:blip>
@@ -9285,14 +9326,14 @@
           <a:effectLst/>
           <a:extLst>
             <a:ext uri="{909E8E84-426E-40DD-AFC4-6F175D3DCCD1}">
-              <a14:hiddenFill xmlns="" xmlns:a14="http://schemas.microsoft.com/office/drawing/2010/main">
+              <a14:hiddenFill xmlns:a14="http://schemas.microsoft.com/office/drawing/2010/main">
                 <a:solidFill>
                   <a:schemeClr val="accent1"/>
                 </a:solidFill>
               </a14:hiddenFill>
             </a:ext>
             <a:ext uri="{91240B29-F687-4F45-9708-019B960494DF}">
-              <a14:hiddenLine xmlns="" xmlns:a14="http://schemas.microsoft.com/office/drawing/2010/main" w="9525">
+              <a14:hiddenLine xmlns:a14="http://schemas.microsoft.com/office/drawing/2010/main" w="9525">
                 <a:solidFill>
                   <a:schemeClr val="tx1"/>
                 </a:solidFill>
@@ -9302,7 +9343,7 @@
               </a14:hiddenLine>
             </a:ext>
             <a:ext uri="{AF507438-7753-43E0-B8FC-AC1667EBCBE1}">
-              <a14:hiddenEffects xmlns="" xmlns:a14="http://schemas.microsoft.com/office/drawing/2010/main">
+              <a14:hiddenEffects xmlns:a14="http://schemas.microsoft.com/office/drawing/2010/main">
                 <a:effectLst>
                   <a:outerShdw dist="35921" dir="2700000" algn="ctr" rotWithShape="0">
                     <a:schemeClr val="bg2"/>
@@ -9471,7 +9512,7 @@
           <a:blip r:embed="rId3" cstate="print">
             <a:extLst>
               <a:ext uri="{28A0092B-C50C-407E-A947-70E740481C1C}">
-                <a14:useLocalDpi xmlns="" xmlns:a14="http://schemas.microsoft.com/office/drawing/2010/main" val="0"/>
+                <a14:useLocalDpi xmlns:a14="http://schemas.microsoft.com/office/drawing/2010/main" val="0"/>
               </a:ext>
             </a:extLst>
           </a:blip>
@@ -9495,14 +9536,14 @@
           <a:effectLst/>
           <a:extLst>
             <a:ext uri="{909E8E84-426E-40DD-AFC4-6F175D3DCCD1}">
-              <a14:hiddenFill xmlns="" xmlns:a14="http://schemas.microsoft.com/office/drawing/2010/main">
+              <a14:hiddenFill xmlns:a14="http://schemas.microsoft.com/office/drawing/2010/main">
                 <a:solidFill>
                   <a:schemeClr val="accent1"/>
                 </a:solidFill>
               </a14:hiddenFill>
             </a:ext>
             <a:ext uri="{91240B29-F687-4F45-9708-019B960494DF}">
-              <a14:hiddenLine xmlns="" xmlns:a14="http://schemas.microsoft.com/office/drawing/2010/main" w="9525">
+              <a14:hiddenLine xmlns:a14="http://schemas.microsoft.com/office/drawing/2010/main" w="9525">
                 <a:solidFill>
                   <a:schemeClr val="tx1"/>
                 </a:solidFill>
@@ -9512,7 +9553,7 @@
               </a14:hiddenLine>
             </a:ext>
             <a:ext uri="{AF507438-7753-43E0-B8FC-AC1667EBCBE1}">
-              <a14:hiddenEffects xmlns="" xmlns:a14="http://schemas.microsoft.com/office/drawing/2010/main">
+              <a14:hiddenEffects xmlns:a14="http://schemas.microsoft.com/office/drawing/2010/main">
                 <a:effectLst>
                   <a:outerShdw dist="35921" dir="2700000" algn="ctr" rotWithShape="0">
                     <a:schemeClr val="bg2"/>
@@ -9590,7 +9631,7 @@
           <a:blip r:embed="rId3" cstate="print">
             <a:extLst>
               <a:ext uri="{28A0092B-C50C-407E-A947-70E740481C1C}">
-                <a14:useLocalDpi xmlns="" xmlns:a14="http://schemas.microsoft.com/office/drawing/2010/main" val="0"/>
+                <a14:useLocalDpi xmlns:a14="http://schemas.microsoft.com/office/drawing/2010/main" val="0"/>
               </a:ext>
             </a:extLst>
           </a:blip>
@@ -9610,7 +9651,7 @@
           <a:noFill/>
           <a:extLst>
             <a:ext uri="{909E8E84-426E-40DD-AFC4-6F175D3DCCD1}">
-              <a14:hiddenFill xmlns="" xmlns:a14="http://schemas.microsoft.com/office/drawing/2010/main">
+              <a14:hiddenFill xmlns:a14="http://schemas.microsoft.com/office/drawing/2010/main">
                 <a:solidFill>
                   <a:srgbClr val="FFFFFF"/>
                 </a:solidFill>
@@ -9655,7 +9696,7 @@
           <a:blip r:embed="rId4" cstate="print">
             <a:extLst>
               <a:ext uri="{28A0092B-C50C-407E-A947-70E740481C1C}">
-                <a14:useLocalDpi xmlns="" xmlns:a14="http://schemas.microsoft.com/office/drawing/2010/main" val="0"/>
+                <a14:useLocalDpi xmlns:a14="http://schemas.microsoft.com/office/drawing/2010/main" val="0"/>
               </a:ext>
             </a:extLst>
           </a:blip>
@@ -9679,14 +9720,14 @@
           <a:effectLst/>
           <a:extLst>
             <a:ext uri="{909E8E84-426E-40DD-AFC4-6F175D3DCCD1}">
-              <a14:hiddenFill xmlns="" xmlns:a14="http://schemas.microsoft.com/office/drawing/2010/main">
+              <a14:hiddenFill xmlns:a14="http://schemas.microsoft.com/office/drawing/2010/main">
                 <a:solidFill>
                   <a:schemeClr val="accent1"/>
                 </a:solidFill>
               </a14:hiddenFill>
             </a:ext>
             <a:ext uri="{91240B29-F687-4F45-9708-019B960494DF}">
-              <a14:hiddenLine xmlns="" xmlns:a14="http://schemas.microsoft.com/office/drawing/2010/main" w="9525">
+              <a14:hiddenLine xmlns:a14="http://schemas.microsoft.com/office/drawing/2010/main" w="9525">
                 <a:solidFill>
                   <a:schemeClr val="tx1"/>
                 </a:solidFill>
@@ -9696,7 +9737,7 @@
               </a14:hiddenLine>
             </a:ext>
             <a:ext uri="{AF507438-7753-43E0-B8FC-AC1667EBCBE1}">
-              <a14:hiddenEffects xmlns="" xmlns:a14="http://schemas.microsoft.com/office/drawing/2010/main">
+              <a14:hiddenEffects xmlns:a14="http://schemas.microsoft.com/office/drawing/2010/main">
                 <a:effectLst>
                   <a:outerShdw dist="35921" dir="2700000" algn="ctr" rotWithShape="0">
                     <a:schemeClr val="bg2"/>
@@ -10050,7 +10091,7 @@
           <a:blip r:embed="rId2" cstate="print">
             <a:extLst>
               <a:ext uri="{28A0092B-C50C-407E-A947-70E740481C1C}">
-                <a14:useLocalDpi xmlns="" xmlns:a14="http://schemas.microsoft.com/office/drawing/2010/main" val="0"/>
+                <a14:useLocalDpi xmlns:a14="http://schemas.microsoft.com/office/drawing/2010/main" val="0"/>
               </a:ext>
             </a:extLst>
           </a:blip>
@@ -10074,14 +10115,14 @@
           <a:effectLst/>
           <a:extLst>
             <a:ext uri="{909E8E84-426E-40DD-AFC4-6F175D3DCCD1}">
-              <a14:hiddenFill xmlns="" xmlns:a14="http://schemas.microsoft.com/office/drawing/2010/main">
+              <a14:hiddenFill xmlns:a14="http://schemas.microsoft.com/office/drawing/2010/main">
                 <a:solidFill>
                   <a:schemeClr val="accent1"/>
                 </a:solidFill>
               </a14:hiddenFill>
             </a:ext>
             <a:ext uri="{91240B29-F687-4F45-9708-019B960494DF}">
-              <a14:hiddenLine xmlns="" xmlns:a14="http://schemas.microsoft.com/office/drawing/2010/main" w="9525">
+              <a14:hiddenLine xmlns:a14="http://schemas.microsoft.com/office/drawing/2010/main" w="9525">
                 <a:solidFill>
                   <a:schemeClr val="tx1"/>
                 </a:solidFill>
@@ -10091,7 +10132,7 @@
               </a14:hiddenLine>
             </a:ext>
             <a:ext uri="{AF507438-7753-43E0-B8FC-AC1667EBCBE1}">
-              <a14:hiddenEffects xmlns="" xmlns:a14="http://schemas.microsoft.com/office/drawing/2010/main">
+              <a14:hiddenEffects xmlns:a14="http://schemas.microsoft.com/office/drawing/2010/main">
                 <a:effectLst>
                   <a:outerShdw dist="35921" dir="2700000" algn="ctr" rotWithShape="0">
                     <a:schemeClr val="bg2"/>
@@ -10485,7 +10526,7 @@
           <a:blip r:embed="rId2" cstate="print">
             <a:extLst>
               <a:ext uri="{28A0092B-C50C-407E-A947-70E740481C1C}">
-                <a14:useLocalDpi xmlns="" xmlns:a14="http://schemas.microsoft.com/office/drawing/2010/main" val="0"/>
+                <a14:useLocalDpi xmlns:a14="http://schemas.microsoft.com/office/drawing/2010/main" val="0"/>
               </a:ext>
             </a:extLst>
           </a:blip>
@@ -10509,14 +10550,14 @@
           <a:effectLst/>
           <a:extLst>
             <a:ext uri="{909E8E84-426E-40DD-AFC4-6F175D3DCCD1}">
-              <a14:hiddenFill xmlns="" xmlns:a14="http://schemas.microsoft.com/office/drawing/2010/main">
+              <a14:hiddenFill xmlns:a14="http://schemas.microsoft.com/office/drawing/2010/main">
                 <a:solidFill>
                   <a:schemeClr val="accent1"/>
                 </a:solidFill>
               </a14:hiddenFill>
             </a:ext>
             <a:ext uri="{91240B29-F687-4F45-9708-019B960494DF}">
-              <a14:hiddenLine xmlns="" xmlns:a14="http://schemas.microsoft.com/office/drawing/2010/main" w="9525">
+              <a14:hiddenLine xmlns:a14="http://schemas.microsoft.com/office/drawing/2010/main" w="9525">
                 <a:solidFill>
                   <a:schemeClr val="tx1"/>
                 </a:solidFill>
@@ -10526,7 +10567,7 @@
               </a14:hiddenLine>
             </a:ext>
             <a:ext uri="{AF507438-7753-43E0-B8FC-AC1667EBCBE1}">
-              <a14:hiddenEffects xmlns="" xmlns:a14="http://schemas.microsoft.com/office/drawing/2010/main">
+              <a14:hiddenEffects xmlns:a14="http://schemas.microsoft.com/office/drawing/2010/main">
                 <a:effectLst>
                   <a:outerShdw dist="35921" dir="2700000" algn="ctr" rotWithShape="0">
                     <a:schemeClr val="bg2"/>
@@ -10972,7 +11013,7 @@
           <a:blip r:embed="rId3" cstate="print">
             <a:extLst>
               <a:ext uri="{28A0092B-C50C-407E-A947-70E740481C1C}">
-                <a14:useLocalDpi xmlns="" xmlns:a14="http://schemas.microsoft.com/office/drawing/2010/main" val="0"/>
+                <a14:useLocalDpi xmlns:a14="http://schemas.microsoft.com/office/drawing/2010/main" val="0"/>
               </a:ext>
             </a:extLst>
           </a:blip>
@@ -10996,14 +11037,14 @@
           <a:effectLst/>
           <a:extLst>
             <a:ext uri="{909E8E84-426E-40DD-AFC4-6F175D3DCCD1}">
-              <a14:hiddenFill xmlns="" xmlns:a14="http://schemas.microsoft.com/office/drawing/2010/main">
+              <a14:hiddenFill xmlns:a14="http://schemas.microsoft.com/office/drawing/2010/main">
                 <a:solidFill>
                   <a:schemeClr val="accent1"/>
                 </a:solidFill>
               </a14:hiddenFill>
             </a:ext>
             <a:ext uri="{91240B29-F687-4F45-9708-019B960494DF}">
-              <a14:hiddenLine xmlns="" xmlns:a14="http://schemas.microsoft.com/office/drawing/2010/main" w="9525">
+              <a14:hiddenLine xmlns:a14="http://schemas.microsoft.com/office/drawing/2010/main" w="9525">
                 <a:solidFill>
                   <a:schemeClr val="tx1"/>
                 </a:solidFill>
@@ -11013,7 +11054,7 @@
               </a14:hiddenLine>
             </a:ext>
             <a:ext uri="{AF507438-7753-43E0-B8FC-AC1667EBCBE1}">
-              <a14:hiddenEffects xmlns="" xmlns:a14="http://schemas.microsoft.com/office/drawing/2010/main">
+              <a14:hiddenEffects xmlns:a14="http://schemas.microsoft.com/office/drawing/2010/main">
                 <a:effectLst>
                   <a:outerShdw dist="35921" dir="2700000" algn="ctr" rotWithShape="0">
                     <a:schemeClr val="bg2"/>
@@ -11199,7 +11240,7 @@
           <a:blip r:embed="rId3" cstate="print">
             <a:extLst>
               <a:ext uri="{28A0092B-C50C-407E-A947-70E740481C1C}">
-                <a14:useLocalDpi xmlns="" xmlns:a14="http://schemas.microsoft.com/office/drawing/2010/main" val="0"/>
+                <a14:useLocalDpi xmlns:a14="http://schemas.microsoft.com/office/drawing/2010/main" val="0"/>
               </a:ext>
             </a:extLst>
           </a:blip>
@@ -11223,14 +11264,14 @@
           <a:effectLst/>
           <a:extLst>
             <a:ext uri="{909E8E84-426E-40DD-AFC4-6F175D3DCCD1}">
-              <a14:hiddenFill xmlns="" xmlns:a14="http://schemas.microsoft.com/office/drawing/2010/main">
+              <a14:hiddenFill xmlns:a14="http://schemas.microsoft.com/office/drawing/2010/main">
                 <a:solidFill>
                   <a:schemeClr val="accent1"/>
                 </a:solidFill>
               </a14:hiddenFill>
             </a:ext>
             <a:ext uri="{91240B29-F687-4F45-9708-019B960494DF}">
-              <a14:hiddenLine xmlns="" xmlns:a14="http://schemas.microsoft.com/office/drawing/2010/main" w="9525">
+              <a14:hiddenLine xmlns:a14="http://schemas.microsoft.com/office/drawing/2010/main" w="9525">
                 <a:solidFill>
                   <a:schemeClr val="tx1"/>
                 </a:solidFill>
@@ -11240,7 +11281,7 @@
               </a14:hiddenLine>
             </a:ext>
             <a:ext uri="{AF507438-7753-43E0-B8FC-AC1667EBCBE1}">
-              <a14:hiddenEffects xmlns="" xmlns:a14="http://schemas.microsoft.com/office/drawing/2010/main">
+              <a14:hiddenEffects xmlns:a14="http://schemas.microsoft.com/office/drawing/2010/main">
                 <a:effectLst>
                   <a:outerShdw dist="35921" dir="2700000" algn="ctr" rotWithShape="0">
                     <a:schemeClr val="bg2"/>
@@ -11400,7 +11441,7 @@
           <a:blip r:embed="rId4" cstate="print">
             <a:extLst>
               <a:ext uri="{28A0092B-C50C-407E-A947-70E740481C1C}">
-                <a14:useLocalDpi xmlns="" xmlns:a14="http://schemas.microsoft.com/office/drawing/2010/main" val="0"/>
+                <a14:useLocalDpi xmlns:a14="http://schemas.microsoft.com/office/drawing/2010/main" val="0"/>
               </a:ext>
             </a:extLst>
           </a:blip>
@@ -11424,14 +11465,14 @@
           <a:effectLst/>
           <a:extLst>
             <a:ext uri="{909E8E84-426E-40DD-AFC4-6F175D3DCCD1}">
-              <a14:hiddenFill xmlns="" xmlns:a14="http://schemas.microsoft.com/office/drawing/2010/main">
+              <a14:hiddenFill xmlns:a14="http://schemas.microsoft.com/office/drawing/2010/main">
                 <a:solidFill>
                   <a:schemeClr val="accent1"/>
                 </a:solidFill>
               </a14:hiddenFill>
             </a:ext>
             <a:ext uri="{91240B29-F687-4F45-9708-019B960494DF}">
-              <a14:hiddenLine xmlns="" xmlns:a14="http://schemas.microsoft.com/office/drawing/2010/main" w="9525">
+              <a14:hiddenLine xmlns:a14="http://schemas.microsoft.com/office/drawing/2010/main" w="9525">
                 <a:solidFill>
                   <a:schemeClr val="tx1"/>
                 </a:solidFill>
@@ -11441,7 +11482,7 @@
               </a14:hiddenLine>
             </a:ext>
             <a:ext uri="{AF507438-7753-43E0-B8FC-AC1667EBCBE1}">
-              <a14:hiddenEffects xmlns="" xmlns:a14="http://schemas.microsoft.com/office/drawing/2010/main">
+              <a14:hiddenEffects xmlns:a14="http://schemas.microsoft.com/office/drawing/2010/main">
                 <a:effectLst>
                   <a:outerShdw dist="35921" dir="2700000" algn="ctr" rotWithShape="0">
                     <a:schemeClr val="bg2"/>
@@ -11571,7 +11612,7 @@
           <a:blip r:embed="rId4" cstate="print">
             <a:extLst>
               <a:ext uri="{28A0092B-C50C-407E-A947-70E740481C1C}">
-                <a14:useLocalDpi xmlns="" xmlns:a14="http://schemas.microsoft.com/office/drawing/2010/main" val="0"/>
+                <a14:useLocalDpi xmlns:a14="http://schemas.microsoft.com/office/drawing/2010/main" val="0"/>
               </a:ext>
             </a:extLst>
           </a:blip>
@@ -11595,14 +11636,14 @@
           <a:effectLst/>
           <a:extLst>
             <a:ext uri="{909E8E84-426E-40DD-AFC4-6F175D3DCCD1}">
-              <a14:hiddenFill xmlns="" xmlns:a14="http://schemas.microsoft.com/office/drawing/2010/main">
+              <a14:hiddenFill xmlns:a14="http://schemas.microsoft.com/office/drawing/2010/main">
                 <a:solidFill>
                   <a:schemeClr val="accent1"/>
                 </a:solidFill>
               </a14:hiddenFill>
             </a:ext>
             <a:ext uri="{91240B29-F687-4F45-9708-019B960494DF}">
-              <a14:hiddenLine xmlns="" xmlns:a14="http://schemas.microsoft.com/office/drawing/2010/main" w="9525">
+              <a14:hiddenLine xmlns:a14="http://schemas.microsoft.com/office/drawing/2010/main" w="9525">
                 <a:solidFill>
                   <a:schemeClr val="tx1"/>
                 </a:solidFill>
@@ -11612,7 +11653,7 @@
               </a14:hiddenLine>
             </a:ext>
             <a:ext uri="{AF507438-7753-43E0-B8FC-AC1667EBCBE1}">
-              <a14:hiddenEffects xmlns="" xmlns:a14="http://schemas.microsoft.com/office/drawing/2010/main">
+              <a14:hiddenEffects xmlns:a14="http://schemas.microsoft.com/office/drawing/2010/main">
                 <a:effectLst>
                   <a:outerShdw dist="35921" dir="2700000" algn="ctr" rotWithShape="0">
                     <a:schemeClr val="bg2"/>
@@ -11672,19 +11713,7 @@
           <a:p>
             <a:r>
               <a:rPr lang="en-US" dirty="0" smtClean="0"/>
-              <a:t>Intro</a:t>
-            </a:r>
-            <a:r>
-              <a:rPr lang="en-US" dirty="0" smtClean="0"/>
-              <a:t>duc</a:t>
-            </a:r>
-            <a:r>
-              <a:rPr lang="en-US" dirty="0" smtClean="0"/>
-              <a:t>tion </a:t>
-            </a:r>
-            <a:r>
-              <a:rPr lang="en-US" dirty="0" smtClean="0"/>
-              <a:t>&amp; basic idea</a:t>
+              <a:t>Introduction &amp; basic idea</a:t>
             </a:r>
             <a:endParaRPr lang="de-CH" dirty="0"/>
           </a:p>
@@ -11888,7 +11917,7 @@
           <a:blip r:embed="rId4" cstate="print">
             <a:extLst>
               <a:ext uri="{28A0092B-C50C-407E-A947-70E740481C1C}">
-                <a14:useLocalDpi xmlns="" xmlns:a14="http://schemas.microsoft.com/office/drawing/2010/main" val="0"/>
+                <a14:useLocalDpi xmlns:a14="http://schemas.microsoft.com/office/drawing/2010/main" val="0"/>
               </a:ext>
             </a:extLst>
           </a:blip>
@@ -11912,14 +11941,14 @@
           <a:effectLst/>
           <a:extLst>
             <a:ext uri="{909E8E84-426E-40DD-AFC4-6F175D3DCCD1}">
-              <a14:hiddenFill xmlns="" xmlns:a14="http://schemas.microsoft.com/office/drawing/2010/main">
+              <a14:hiddenFill xmlns:a14="http://schemas.microsoft.com/office/drawing/2010/main">
                 <a:solidFill>
                   <a:schemeClr val="accent1"/>
                 </a:solidFill>
               </a14:hiddenFill>
             </a:ext>
             <a:ext uri="{91240B29-F687-4F45-9708-019B960494DF}">
-              <a14:hiddenLine xmlns="" xmlns:a14="http://schemas.microsoft.com/office/drawing/2010/main" w="9525">
+              <a14:hiddenLine xmlns:a14="http://schemas.microsoft.com/office/drawing/2010/main" w="9525">
                 <a:solidFill>
                   <a:schemeClr val="tx1"/>
                 </a:solidFill>
@@ -11929,7 +11958,7 @@
               </a14:hiddenLine>
             </a:ext>
             <a:ext uri="{AF507438-7753-43E0-B8FC-AC1667EBCBE1}">
-              <a14:hiddenEffects xmlns="" xmlns:a14="http://schemas.microsoft.com/office/drawing/2010/main">
+              <a14:hiddenEffects xmlns:a14="http://schemas.microsoft.com/office/drawing/2010/main">
                 <a:effectLst>
                   <a:outerShdw dist="35921" dir="2700000" algn="ctr" rotWithShape="0">
                     <a:schemeClr val="bg2"/>
@@ -12392,7 +12421,7 @@
           <a:blip r:embed="rId3" cstate="print">
             <a:extLst>
               <a:ext uri="{28A0092B-C50C-407E-A947-70E740481C1C}">
-                <a14:useLocalDpi xmlns="" xmlns:a14="http://schemas.microsoft.com/office/drawing/2010/main" val="0"/>
+                <a14:useLocalDpi xmlns:a14="http://schemas.microsoft.com/office/drawing/2010/main" val="0"/>
               </a:ext>
             </a:extLst>
           </a:blip>
@@ -12416,14 +12445,14 @@
           <a:effectLst/>
           <a:extLst>
             <a:ext uri="{909E8E84-426E-40DD-AFC4-6F175D3DCCD1}">
-              <a14:hiddenFill xmlns="" xmlns:a14="http://schemas.microsoft.com/office/drawing/2010/main">
+              <a14:hiddenFill xmlns:a14="http://schemas.microsoft.com/office/drawing/2010/main">
                 <a:solidFill>
                   <a:schemeClr val="accent1"/>
                 </a:solidFill>
               </a14:hiddenFill>
             </a:ext>
             <a:ext uri="{91240B29-F687-4F45-9708-019B960494DF}">
-              <a14:hiddenLine xmlns="" xmlns:a14="http://schemas.microsoft.com/office/drawing/2010/main" w="9525">
+              <a14:hiddenLine xmlns:a14="http://schemas.microsoft.com/office/drawing/2010/main" w="9525">
                 <a:solidFill>
                   <a:schemeClr val="tx1"/>
                 </a:solidFill>
@@ -12433,7 +12462,7 @@
               </a14:hiddenLine>
             </a:ext>
             <a:ext uri="{AF507438-7753-43E0-B8FC-AC1667EBCBE1}">
-              <a14:hiddenEffects xmlns="" xmlns:a14="http://schemas.microsoft.com/office/drawing/2010/main">
+              <a14:hiddenEffects xmlns:a14="http://schemas.microsoft.com/office/drawing/2010/main">
                 <a:effectLst>
                   <a:outerShdw dist="35921" dir="2700000" algn="ctr" rotWithShape="0">
                     <a:schemeClr val="bg2"/>
@@ -12529,7 +12558,7 @@
           <a:blip r:embed="rId3" cstate="print">
             <a:extLst>
               <a:ext uri="{28A0092B-C50C-407E-A947-70E740481C1C}">
-                <a14:useLocalDpi xmlns="" xmlns:a14="http://schemas.microsoft.com/office/drawing/2010/main" val="0"/>
+                <a14:useLocalDpi xmlns:a14="http://schemas.microsoft.com/office/drawing/2010/main" val="0"/>
               </a:ext>
             </a:extLst>
           </a:blip>
@@ -12553,14 +12582,14 @@
           <a:effectLst/>
           <a:extLst>
             <a:ext uri="{909E8E84-426E-40DD-AFC4-6F175D3DCCD1}">
-              <a14:hiddenFill xmlns="" xmlns:a14="http://schemas.microsoft.com/office/drawing/2010/main">
+              <a14:hiddenFill xmlns:a14="http://schemas.microsoft.com/office/drawing/2010/main">
                 <a:solidFill>
                   <a:schemeClr val="accent1"/>
                 </a:solidFill>
               </a14:hiddenFill>
             </a:ext>
             <a:ext uri="{91240B29-F687-4F45-9708-019B960494DF}">
-              <a14:hiddenLine xmlns="" xmlns:a14="http://schemas.microsoft.com/office/drawing/2010/main" w="9525">
+              <a14:hiddenLine xmlns:a14="http://schemas.microsoft.com/office/drawing/2010/main" w="9525">
                 <a:solidFill>
                   <a:schemeClr val="tx1"/>
                 </a:solidFill>
@@ -12570,7 +12599,7 @@
               </a14:hiddenLine>
             </a:ext>
             <a:ext uri="{AF507438-7753-43E0-B8FC-AC1667EBCBE1}">
-              <a14:hiddenEffects xmlns="" xmlns:a14="http://schemas.microsoft.com/office/drawing/2010/main">
+              <a14:hiddenEffects xmlns:a14="http://schemas.microsoft.com/office/drawing/2010/main">
                 <a:effectLst>
                   <a:outerShdw dist="35921" dir="2700000" algn="ctr" rotWithShape="0">
                     <a:schemeClr val="bg2"/>
@@ -12617,7 +12646,7 @@
           <a:blip r:embed="rId4" cstate="print">
             <a:extLst>
               <a:ext uri="{28A0092B-C50C-407E-A947-70E740481C1C}">
-                <a14:useLocalDpi xmlns="" xmlns:a14="http://schemas.microsoft.com/office/drawing/2010/main" val="0"/>
+                <a14:useLocalDpi xmlns:a14="http://schemas.microsoft.com/office/drawing/2010/main" val="0"/>
               </a:ext>
             </a:extLst>
           </a:blip>
@@ -12641,14 +12670,14 @@
           <a:effectLst/>
           <a:extLst>
             <a:ext uri="{909E8E84-426E-40DD-AFC4-6F175D3DCCD1}">
-              <a14:hiddenFill xmlns="" xmlns:a14="http://schemas.microsoft.com/office/drawing/2010/main">
+              <a14:hiddenFill xmlns:a14="http://schemas.microsoft.com/office/drawing/2010/main">
                 <a:solidFill>
                   <a:schemeClr val="accent1"/>
                 </a:solidFill>
               </a14:hiddenFill>
             </a:ext>
             <a:ext uri="{91240B29-F687-4F45-9708-019B960494DF}">
-              <a14:hiddenLine xmlns="" xmlns:a14="http://schemas.microsoft.com/office/drawing/2010/main" w="9525">
+              <a14:hiddenLine xmlns:a14="http://schemas.microsoft.com/office/drawing/2010/main" w="9525">
                 <a:solidFill>
                   <a:schemeClr val="tx1"/>
                 </a:solidFill>
@@ -12658,7 +12687,7 @@
               </a14:hiddenLine>
             </a:ext>
             <a:ext uri="{AF507438-7753-43E0-B8FC-AC1667EBCBE1}">
-              <a14:hiddenEffects xmlns="" xmlns:a14="http://schemas.microsoft.com/office/drawing/2010/main">
+              <a14:hiddenEffects xmlns:a14="http://schemas.microsoft.com/office/drawing/2010/main">
                 <a:effectLst>
                   <a:outerShdw dist="35921" dir="2700000" algn="ctr" rotWithShape="0">
                     <a:schemeClr val="bg2"/>
@@ -12838,7 +12867,7 @@
           <a:blip r:embed="rId4" cstate="print">
             <a:extLst>
               <a:ext uri="{28A0092B-C50C-407E-A947-70E740481C1C}">
-                <a14:useLocalDpi xmlns="" xmlns:a14="http://schemas.microsoft.com/office/drawing/2010/main" val="0"/>
+                <a14:useLocalDpi xmlns:a14="http://schemas.microsoft.com/office/drawing/2010/main" val="0"/>
               </a:ext>
             </a:extLst>
           </a:blip>
@@ -12858,7 +12887,7 @@
           <a:noFill/>
           <a:extLst>
             <a:ext uri="{909E8E84-426E-40DD-AFC4-6F175D3DCCD1}">
-              <a14:hiddenFill xmlns="" xmlns:a14="http://schemas.microsoft.com/office/drawing/2010/main">
+              <a14:hiddenFill xmlns:a14="http://schemas.microsoft.com/office/drawing/2010/main">
                 <a:solidFill>
                   <a:srgbClr val="FFFFFF"/>
                 </a:solidFill>
@@ -12879,7 +12908,7 @@
           <a:blip r:embed="rId5" cstate="print">
             <a:extLst>
               <a:ext uri="{28A0092B-C50C-407E-A947-70E740481C1C}">
-                <a14:useLocalDpi xmlns="" xmlns:a14="http://schemas.microsoft.com/office/drawing/2010/main" val="0"/>
+                <a14:useLocalDpi xmlns:a14="http://schemas.microsoft.com/office/drawing/2010/main" val="0"/>
               </a:ext>
             </a:extLst>
           </a:blip>
@@ -12899,7 +12928,7 @@
           <a:noFill/>
           <a:extLst>
             <a:ext uri="{909E8E84-426E-40DD-AFC4-6F175D3DCCD1}">
-              <a14:hiddenFill xmlns="" xmlns:a14="http://schemas.microsoft.com/office/drawing/2010/main">
+              <a14:hiddenFill xmlns:a14="http://schemas.microsoft.com/office/drawing/2010/main">
                 <a:solidFill>
                   <a:srgbClr val="FFFFFF"/>
                 </a:solidFill>
@@ -12944,7 +12973,7 @@
           <a:blip r:embed="rId6" cstate="print">
             <a:extLst>
               <a:ext uri="{28A0092B-C50C-407E-A947-70E740481C1C}">
-                <a14:useLocalDpi xmlns="" xmlns:a14="http://schemas.microsoft.com/office/drawing/2010/main" val="0"/>
+                <a14:useLocalDpi xmlns:a14="http://schemas.microsoft.com/office/drawing/2010/main" val="0"/>
               </a:ext>
             </a:extLst>
           </a:blip>
@@ -12968,14 +12997,14 @@
           <a:effectLst/>
           <a:extLst>
             <a:ext uri="{909E8E84-426E-40DD-AFC4-6F175D3DCCD1}">
-              <a14:hiddenFill xmlns="" xmlns:a14="http://schemas.microsoft.com/office/drawing/2010/main">
+              <a14:hiddenFill xmlns:a14="http://schemas.microsoft.com/office/drawing/2010/main">
                 <a:solidFill>
                   <a:schemeClr val="accent1"/>
                 </a:solidFill>
               </a14:hiddenFill>
             </a:ext>
             <a:ext uri="{91240B29-F687-4F45-9708-019B960494DF}">
-              <a14:hiddenLine xmlns="" xmlns:a14="http://schemas.microsoft.com/office/drawing/2010/main" w="9525">
+              <a14:hiddenLine xmlns:a14="http://schemas.microsoft.com/office/drawing/2010/main" w="9525">
                 <a:solidFill>
                   <a:schemeClr val="tx1"/>
                 </a:solidFill>
@@ -12985,7 +13014,7 @@
               </a14:hiddenLine>
             </a:ext>
             <a:ext uri="{AF507438-7753-43E0-B8FC-AC1667EBCBE1}">
-              <a14:hiddenEffects xmlns="" xmlns:a14="http://schemas.microsoft.com/office/drawing/2010/main">
+              <a14:hiddenEffects xmlns:a14="http://schemas.microsoft.com/office/drawing/2010/main">
                 <a:effectLst>
                   <a:outerShdw dist="35921" dir="2700000" algn="ctr" rotWithShape="0">
                     <a:schemeClr val="bg2"/>
@@ -13126,7 +13155,7 @@
           <a:blip r:embed="rId3" cstate="print">
             <a:extLst>
               <a:ext uri="{28A0092B-C50C-407E-A947-70E740481C1C}">
-                <a14:useLocalDpi xmlns="" xmlns:a14="http://schemas.microsoft.com/office/drawing/2010/main" val="0"/>
+                <a14:useLocalDpi xmlns:a14="http://schemas.microsoft.com/office/drawing/2010/main" val="0"/>
               </a:ext>
             </a:extLst>
           </a:blip>
@@ -13146,7 +13175,7 @@
           <a:noFill/>
           <a:extLst>
             <a:ext uri="{909E8E84-426E-40DD-AFC4-6F175D3DCCD1}">
-              <a14:hiddenFill xmlns="" xmlns:a14="http://schemas.microsoft.com/office/drawing/2010/main">
+              <a14:hiddenFill xmlns:a14="http://schemas.microsoft.com/office/drawing/2010/main">
                 <a:solidFill>
                   <a:srgbClr val="FFFFFF"/>
                 </a:solidFill>
@@ -13167,7 +13196,7 @@
           <a:blip r:embed="rId4" cstate="print">
             <a:extLst>
               <a:ext uri="{28A0092B-C50C-407E-A947-70E740481C1C}">
-                <a14:useLocalDpi xmlns="" xmlns:a14="http://schemas.microsoft.com/office/drawing/2010/main" val="0"/>
+                <a14:useLocalDpi xmlns:a14="http://schemas.microsoft.com/office/drawing/2010/main" val="0"/>
               </a:ext>
             </a:extLst>
           </a:blip>
@@ -13187,7 +13216,7 @@
           <a:noFill/>
           <a:extLst>
             <a:ext uri="{909E8E84-426E-40DD-AFC4-6F175D3DCCD1}">
-              <a14:hiddenFill xmlns="" xmlns:a14="http://schemas.microsoft.com/office/drawing/2010/main">
+              <a14:hiddenFill xmlns:a14="http://schemas.microsoft.com/office/drawing/2010/main">
                 <a:solidFill>
                   <a:srgbClr val="FFFFFF"/>
                 </a:solidFill>
@@ -13232,7 +13261,7 @@
           <a:blip r:embed="rId5" cstate="print">
             <a:extLst>
               <a:ext uri="{28A0092B-C50C-407E-A947-70E740481C1C}">
-                <a14:useLocalDpi xmlns="" xmlns:a14="http://schemas.microsoft.com/office/drawing/2010/main" val="0"/>
+                <a14:useLocalDpi xmlns:a14="http://schemas.microsoft.com/office/drawing/2010/main" val="0"/>
               </a:ext>
             </a:extLst>
           </a:blip>
@@ -13256,14 +13285,14 @@
           <a:effectLst/>
           <a:extLst>
             <a:ext uri="{909E8E84-426E-40DD-AFC4-6F175D3DCCD1}">
-              <a14:hiddenFill xmlns="" xmlns:a14="http://schemas.microsoft.com/office/drawing/2010/main">
+              <a14:hiddenFill xmlns:a14="http://schemas.microsoft.com/office/drawing/2010/main">
                 <a:solidFill>
                   <a:schemeClr val="accent1"/>
                 </a:solidFill>
               </a14:hiddenFill>
             </a:ext>
             <a:ext uri="{91240B29-F687-4F45-9708-019B960494DF}">
-              <a14:hiddenLine xmlns="" xmlns:a14="http://schemas.microsoft.com/office/drawing/2010/main" w="9525">
+              <a14:hiddenLine xmlns:a14="http://schemas.microsoft.com/office/drawing/2010/main" w="9525">
                 <a:solidFill>
                   <a:schemeClr val="tx1"/>
                 </a:solidFill>
@@ -13273,7 +13302,7 @@
               </a14:hiddenLine>
             </a:ext>
             <a:ext uri="{AF507438-7753-43E0-B8FC-AC1667EBCBE1}">
-              <a14:hiddenEffects xmlns="" xmlns:a14="http://schemas.microsoft.com/office/drawing/2010/main">
+              <a14:hiddenEffects xmlns:a14="http://schemas.microsoft.com/office/drawing/2010/main">
                 <a:effectLst>
                   <a:outerShdw dist="35921" dir="2700000" algn="ctr" rotWithShape="0">
                     <a:schemeClr val="bg2"/>
